--- a/report/DDP Stage I - 2022.pptx
+++ b/report/DDP Stage I - 2022.pptx
@@ -5,7 +5,7 @@
     <p:sldMasterId id="2147483660" r:id="rId1"/>
   </p:sldMasterIdLst>
   <p:notesMasterIdLst>
-    <p:notesMasterId r:id="rId15"/>
+    <p:notesMasterId r:id="rId21"/>
   </p:notesMasterIdLst>
   <p:sldIdLst>
     <p:sldId id="258" r:id="rId2"/>
@@ -14,13 +14,19 @@
     <p:sldId id="288" r:id="rId5"/>
     <p:sldId id="290" r:id="rId6"/>
     <p:sldId id="291" r:id="rId7"/>
-    <p:sldId id="282" r:id="rId8"/>
-    <p:sldId id="286" r:id="rId9"/>
-    <p:sldId id="289" r:id="rId10"/>
-    <p:sldId id="285" r:id="rId11"/>
-    <p:sldId id="283" r:id="rId12"/>
-    <p:sldId id="257" r:id="rId13"/>
-    <p:sldId id="280" r:id="rId14"/>
+    <p:sldId id="289" r:id="rId8"/>
+    <p:sldId id="293" r:id="rId9"/>
+    <p:sldId id="294" r:id="rId10"/>
+    <p:sldId id="295" r:id="rId11"/>
+    <p:sldId id="296" r:id="rId12"/>
+    <p:sldId id="297" r:id="rId13"/>
+    <p:sldId id="282" r:id="rId14"/>
+    <p:sldId id="286" r:id="rId15"/>
+    <p:sldId id="292" r:id="rId16"/>
+    <p:sldId id="285" r:id="rId17"/>
+    <p:sldId id="283" r:id="rId18"/>
+    <p:sldId id="257" r:id="rId19"/>
+    <p:sldId id="280" r:id="rId20"/>
   </p:sldIdLst>
   <p:sldSz cx="12192000" cy="6858000"/>
   <p:notesSz cx="6858000" cy="9144000"/>
@@ -808,7 +814,7 @@
   <p:cSld>
     <p:spTree>
       <p:nvGrpSpPr>
-        <p:cNvPr id="1" name="Shape 65"/>
+        <p:cNvPr id="1" name="Shape 334"/>
         <p:cNvGrpSpPr/>
         <p:nvPr/>
       </p:nvGrpSpPr>
@@ -822,7 +828,7 @@
       </p:grpSpPr>
       <p:sp>
         <p:nvSpPr>
-          <p:cNvPr id="66" name="Google Shape;66;gda1d6e9913_0_164:notes"/>
+          <p:cNvPr id="335" name="Google Shape;335;gf3fb92cc5f_1_266:notes"/>
           <p:cNvSpPr>
             <a:spLocks noGrp="1" noRot="1" noChangeAspect="1"/>
           </p:cNvSpPr>
@@ -863,7 +869,7 @@
       </p:sp>
       <p:sp>
         <p:nvSpPr>
-          <p:cNvPr id="67" name="Google Shape;67;gda1d6e9913_0_164:notes"/>
+          <p:cNvPr id="336" name="Google Shape;336;gf3fb92cc5f_1_266:notes"/>
           <p:cNvSpPr txBox="1">
             <a:spLocks noGrp="1"/>
           </p:cNvSpPr>
@@ -902,7 +908,7 @@
     </p:spTree>
     <p:extLst>
       <p:ext uri="{BB962C8B-B14F-4D97-AF65-F5344CB8AC3E}">
-        <p14:creationId xmlns:p14="http://schemas.microsoft.com/office/powerpoint/2010/main" val="3632032743"/>
+        <p14:creationId xmlns:p14="http://schemas.microsoft.com/office/powerpoint/2010/main" val="2562901991"/>
       </p:ext>
     </p:extLst>
   </p:cSld>
@@ -917,7 +923,7 @@
   <p:cSld>
     <p:spTree>
       <p:nvGrpSpPr>
-        <p:cNvPr id="1" name="Shape 363"/>
+        <p:cNvPr id="1" name="Shape 334"/>
         <p:cNvGrpSpPr/>
         <p:nvPr/>
       </p:nvGrpSpPr>
@@ -931,7 +937,7 @@
       </p:grpSpPr>
       <p:sp>
         <p:nvSpPr>
-          <p:cNvPr id="364" name="Google Shape;364;gf3fb92cc5f_1_26:notes"/>
+          <p:cNvPr id="335" name="Google Shape;335;gf3fb92cc5f_1_266:notes"/>
           <p:cNvSpPr>
             <a:spLocks noGrp="1" noRot="1" noChangeAspect="1"/>
           </p:cNvSpPr>
@@ -972,7 +978,7 @@
       </p:sp>
       <p:sp>
         <p:nvSpPr>
-          <p:cNvPr id="365" name="Google Shape;365;gf3fb92cc5f_1_26:notes"/>
+          <p:cNvPr id="336" name="Google Shape;336;gf3fb92cc5f_1_266:notes"/>
           <p:cNvSpPr txBox="1">
             <a:spLocks noGrp="1"/>
           </p:cNvSpPr>
@@ -1009,6 +1015,11 @@
         </p:txBody>
       </p:sp>
     </p:spTree>
+    <p:extLst>
+      <p:ext uri="{BB962C8B-B14F-4D97-AF65-F5344CB8AC3E}">
+        <p14:creationId xmlns:p14="http://schemas.microsoft.com/office/powerpoint/2010/main" val="3573661334"/>
+      </p:ext>
+    </p:extLst>
   </p:cSld>
   <p:clrMapOvr>
     <a:masterClrMapping/>
@@ -1021,7 +1032,7 @@
   <p:cSld>
     <p:spTree>
       <p:nvGrpSpPr>
-        <p:cNvPr id="1" name="Shape 65"/>
+        <p:cNvPr id="1" name="Shape 334"/>
         <p:cNvGrpSpPr/>
         <p:nvPr/>
       </p:nvGrpSpPr>
@@ -1035,7 +1046,7 @@
       </p:grpSpPr>
       <p:sp>
         <p:nvSpPr>
-          <p:cNvPr id="66" name="Google Shape;66;gda1d6e9913_0_164:notes"/>
+          <p:cNvPr id="335" name="Google Shape;335;gf3fb92cc5f_1_266:notes"/>
           <p:cNvSpPr>
             <a:spLocks noGrp="1" noRot="1" noChangeAspect="1"/>
           </p:cNvSpPr>
@@ -1076,7 +1087,116 @@
       </p:sp>
       <p:sp>
         <p:nvSpPr>
-          <p:cNvPr id="67" name="Google Shape;67;gda1d6e9913_0_164:notes"/>
+          <p:cNvPr id="336" name="Google Shape;336;gf3fb92cc5f_1_266:notes"/>
+          <p:cNvSpPr txBox="1">
+            <a:spLocks noGrp="1"/>
+          </p:cNvSpPr>
+          <p:nvPr>
+            <p:ph type="body" idx="1"/>
+          </p:nvPr>
+        </p:nvSpPr>
+        <p:spPr>
+          <a:xfrm>
+            <a:off x="685800" y="4343400"/>
+            <a:ext cx="5486400" cy="4114800"/>
+          </a:xfrm>
+          <a:prstGeom prst="rect">
+            <a:avLst/>
+          </a:prstGeom>
+        </p:spPr>
+        <p:txBody>
+          <a:bodyPr spcFirstLastPara="1" wrap="square" lIns="91425" tIns="91425" rIns="91425" bIns="91425" anchor="t" anchorCtr="0">
+            <a:noAutofit/>
+          </a:bodyPr>
+          <a:lstStyle/>
+          <a:p>
+            <a:pPr marL="0" lvl="0" indent="0" algn="l" rtl="0">
+              <a:spcBef>
+                <a:spcPts val="0"/>
+              </a:spcBef>
+              <a:spcAft>
+                <a:spcPts val="0"/>
+              </a:spcAft>
+              <a:buNone/>
+            </a:pPr>
+            <a:endParaRPr/>
+          </a:p>
+        </p:txBody>
+      </p:sp>
+    </p:spTree>
+    <p:extLst>
+      <p:ext uri="{BB962C8B-B14F-4D97-AF65-F5344CB8AC3E}">
+        <p14:creationId xmlns:p14="http://schemas.microsoft.com/office/powerpoint/2010/main" val="3765185998"/>
+      </p:ext>
+    </p:extLst>
+  </p:cSld>
+  <p:clrMapOvr>
+    <a:masterClrMapping/>
+  </p:clrMapOvr>
+</p:notes>
+</file>
+
+<file path=ppt/notesSlides/notesSlide13.xml><?xml version="1.0" encoding="utf-8"?>
+<p:notes xmlns:a="http://schemas.openxmlformats.org/drawingml/2006/main" xmlns:r="http://schemas.openxmlformats.org/officeDocument/2006/relationships" xmlns:p="http://schemas.openxmlformats.org/presentationml/2006/main" showMasterSp="0" showMasterPhAnim="0">
+  <p:cSld>
+    <p:spTree>
+      <p:nvGrpSpPr>
+        <p:cNvPr id="1" name="Shape 355"/>
+        <p:cNvGrpSpPr/>
+        <p:nvPr/>
+      </p:nvGrpSpPr>
+      <p:grpSpPr>
+        <a:xfrm>
+          <a:off x="0" y="0"/>
+          <a:ext cx="0" cy="0"/>
+          <a:chOff x="0" y="0"/>
+          <a:chExt cx="0" cy="0"/>
+        </a:xfrm>
+      </p:grpSpPr>
+      <p:sp>
+        <p:nvSpPr>
+          <p:cNvPr id="356" name="Google Shape;356;gda1d6e9913_0_1051:notes"/>
+          <p:cNvSpPr>
+            <a:spLocks noGrp="1" noRot="1" noChangeAspect="1"/>
+          </p:cNvSpPr>
+          <p:nvPr>
+            <p:ph type="sldImg" idx="2"/>
+          </p:nvPr>
+        </p:nvSpPr>
+        <p:spPr>
+          <a:xfrm>
+            <a:off x="381000" y="685800"/>
+            <a:ext cx="6096000" cy="3429000"/>
+          </a:xfrm>
+          <a:custGeom>
+            <a:avLst/>
+            <a:gdLst/>
+            <a:ahLst/>
+            <a:cxnLst/>
+            <a:rect l="l" t="t" r="r" b="b"/>
+            <a:pathLst>
+              <a:path w="120000" h="120000" extrusionOk="0">
+                <a:moveTo>
+                  <a:pt x="0" y="0"/>
+                </a:moveTo>
+                <a:lnTo>
+                  <a:pt x="120000" y="0"/>
+                </a:lnTo>
+                <a:lnTo>
+                  <a:pt x="120000" y="120000"/>
+                </a:lnTo>
+                <a:lnTo>
+                  <a:pt x="0" y="120000"/>
+                </a:lnTo>
+                <a:close/>
+              </a:path>
+            </a:pathLst>
+          </a:custGeom>
+        </p:spPr>
+      </p:sp>
+      <p:sp>
+        <p:nvSpPr>
+          <p:cNvPr id="357" name="Google Shape;357;gda1d6e9913_0_1051:notes"/>
           <p:cNvSpPr txBox="1">
             <a:spLocks noGrp="1"/>
           </p:cNvSpPr>
@@ -1120,7 +1240,542 @@
 </p:notes>
 </file>
 
-<file path=ppt/notesSlides/notesSlide13.xml><?xml version="1.0" encoding="utf-8"?>
+<file path=ppt/notesSlides/notesSlide14.xml><?xml version="1.0" encoding="utf-8"?>
+<p:notes xmlns:a="http://schemas.openxmlformats.org/drawingml/2006/main" xmlns:r="http://schemas.openxmlformats.org/officeDocument/2006/relationships" xmlns:p="http://schemas.openxmlformats.org/presentationml/2006/main" showMasterSp="0" showMasterPhAnim="0">
+  <p:cSld>
+    <p:spTree>
+      <p:nvGrpSpPr>
+        <p:cNvPr id="1" name="Shape 363"/>
+        <p:cNvGrpSpPr/>
+        <p:nvPr/>
+      </p:nvGrpSpPr>
+      <p:grpSpPr>
+        <a:xfrm>
+          <a:off x="0" y="0"/>
+          <a:ext cx="0" cy="0"/>
+          <a:chOff x="0" y="0"/>
+          <a:chExt cx="0" cy="0"/>
+        </a:xfrm>
+      </p:grpSpPr>
+      <p:sp>
+        <p:nvSpPr>
+          <p:cNvPr id="364" name="Google Shape;364;gf3fb92cc5f_1_26:notes"/>
+          <p:cNvSpPr>
+            <a:spLocks noGrp="1" noRot="1" noChangeAspect="1"/>
+          </p:cNvSpPr>
+          <p:nvPr>
+            <p:ph type="sldImg" idx="2"/>
+          </p:nvPr>
+        </p:nvSpPr>
+        <p:spPr>
+          <a:xfrm>
+            <a:off x="381000" y="685800"/>
+            <a:ext cx="6096000" cy="3429000"/>
+          </a:xfrm>
+          <a:custGeom>
+            <a:avLst/>
+            <a:gdLst/>
+            <a:ahLst/>
+            <a:cxnLst/>
+            <a:rect l="l" t="t" r="r" b="b"/>
+            <a:pathLst>
+              <a:path w="120000" h="120000" extrusionOk="0">
+                <a:moveTo>
+                  <a:pt x="0" y="0"/>
+                </a:moveTo>
+                <a:lnTo>
+                  <a:pt x="120000" y="0"/>
+                </a:lnTo>
+                <a:lnTo>
+                  <a:pt x="120000" y="120000"/>
+                </a:lnTo>
+                <a:lnTo>
+                  <a:pt x="0" y="120000"/>
+                </a:lnTo>
+                <a:close/>
+              </a:path>
+            </a:pathLst>
+          </a:custGeom>
+        </p:spPr>
+      </p:sp>
+      <p:sp>
+        <p:nvSpPr>
+          <p:cNvPr id="365" name="Google Shape;365;gf3fb92cc5f_1_26:notes"/>
+          <p:cNvSpPr txBox="1">
+            <a:spLocks noGrp="1"/>
+          </p:cNvSpPr>
+          <p:nvPr>
+            <p:ph type="body" idx="1"/>
+          </p:nvPr>
+        </p:nvSpPr>
+        <p:spPr>
+          <a:xfrm>
+            <a:off x="685800" y="4343400"/>
+            <a:ext cx="5486400" cy="4114800"/>
+          </a:xfrm>
+          <a:prstGeom prst="rect">
+            <a:avLst/>
+          </a:prstGeom>
+        </p:spPr>
+        <p:txBody>
+          <a:bodyPr spcFirstLastPara="1" wrap="square" lIns="91425" tIns="91425" rIns="91425" bIns="91425" anchor="t" anchorCtr="0">
+            <a:noAutofit/>
+          </a:bodyPr>
+          <a:lstStyle/>
+          <a:p>
+            <a:pPr marL="0" lvl="0" indent="0" algn="l" rtl="0">
+              <a:spcBef>
+                <a:spcPts val="0"/>
+              </a:spcBef>
+              <a:spcAft>
+                <a:spcPts val="0"/>
+              </a:spcAft>
+              <a:buNone/>
+            </a:pPr>
+            <a:endParaRPr/>
+          </a:p>
+        </p:txBody>
+      </p:sp>
+    </p:spTree>
+    <p:extLst>
+      <p:ext uri="{BB962C8B-B14F-4D97-AF65-F5344CB8AC3E}">
+        <p14:creationId xmlns:p14="http://schemas.microsoft.com/office/powerpoint/2010/main" val="2271259352"/>
+      </p:ext>
+    </p:extLst>
+  </p:cSld>
+  <p:clrMapOvr>
+    <a:masterClrMapping/>
+  </p:clrMapOvr>
+</p:notes>
+</file>
+
+<file path=ppt/notesSlides/notesSlide15.xml><?xml version="1.0" encoding="utf-8"?>
+<p:notes xmlns:a="http://schemas.openxmlformats.org/drawingml/2006/main" xmlns:r="http://schemas.openxmlformats.org/officeDocument/2006/relationships" xmlns:p="http://schemas.openxmlformats.org/presentationml/2006/main" showMasterSp="0" showMasterPhAnim="0">
+  <p:cSld>
+    <p:spTree>
+      <p:nvGrpSpPr>
+        <p:cNvPr id="1" name="Shape 334"/>
+        <p:cNvGrpSpPr/>
+        <p:nvPr/>
+      </p:nvGrpSpPr>
+      <p:grpSpPr>
+        <a:xfrm>
+          <a:off x="0" y="0"/>
+          <a:ext cx="0" cy="0"/>
+          <a:chOff x="0" y="0"/>
+          <a:chExt cx="0" cy="0"/>
+        </a:xfrm>
+      </p:grpSpPr>
+      <p:sp>
+        <p:nvSpPr>
+          <p:cNvPr id="335" name="Google Shape;335;gf3fb92cc5f_1_266:notes"/>
+          <p:cNvSpPr>
+            <a:spLocks noGrp="1" noRot="1" noChangeAspect="1"/>
+          </p:cNvSpPr>
+          <p:nvPr>
+            <p:ph type="sldImg" idx="2"/>
+          </p:nvPr>
+        </p:nvSpPr>
+        <p:spPr>
+          <a:xfrm>
+            <a:off x="381000" y="685800"/>
+            <a:ext cx="6096000" cy="3429000"/>
+          </a:xfrm>
+          <a:custGeom>
+            <a:avLst/>
+            <a:gdLst/>
+            <a:ahLst/>
+            <a:cxnLst/>
+            <a:rect l="l" t="t" r="r" b="b"/>
+            <a:pathLst>
+              <a:path w="120000" h="120000" extrusionOk="0">
+                <a:moveTo>
+                  <a:pt x="0" y="0"/>
+                </a:moveTo>
+                <a:lnTo>
+                  <a:pt x="120000" y="0"/>
+                </a:lnTo>
+                <a:lnTo>
+                  <a:pt x="120000" y="120000"/>
+                </a:lnTo>
+                <a:lnTo>
+                  <a:pt x="0" y="120000"/>
+                </a:lnTo>
+                <a:close/>
+              </a:path>
+            </a:pathLst>
+          </a:custGeom>
+        </p:spPr>
+      </p:sp>
+      <p:sp>
+        <p:nvSpPr>
+          <p:cNvPr id="336" name="Google Shape;336;gf3fb92cc5f_1_266:notes"/>
+          <p:cNvSpPr txBox="1">
+            <a:spLocks noGrp="1"/>
+          </p:cNvSpPr>
+          <p:nvPr>
+            <p:ph type="body" idx="1"/>
+          </p:nvPr>
+        </p:nvSpPr>
+        <p:spPr>
+          <a:xfrm>
+            <a:off x="685800" y="4343400"/>
+            <a:ext cx="5486400" cy="4114800"/>
+          </a:xfrm>
+          <a:prstGeom prst="rect">
+            <a:avLst/>
+          </a:prstGeom>
+        </p:spPr>
+        <p:txBody>
+          <a:bodyPr spcFirstLastPara="1" wrap="square" lIns="91425" tIns="91425" rIns="91425" bIns="91425" anchor="t" anchorCtr="0">
+            <a:noAutofit/>
+          </a:bodyPr>
+          <a:lstStyle/>
+          <a:p>
+            <a:pPr marL="0" lvl="0" indent="0" algn="l" rtl="0">
+              <a:spcBef>
+                <a:spcPts val="0"/>
+              </a:spcBef>
+              <a:spcAft>
+                <a:spcPts val="0"/>
+              </a:spcAft>
+              <a:buNone/>
+            </a:pPr>
+            <a:endParaRPr/>
+          </a:p>
+        </p:txBody>
+      </p:sp>
+    </p:spTree>
+    <p:extLst>
+      <p:ext uri="{BB962C8B-B14F-4D97-AF65-F5344CB8AC3E}">
+        <p14:creationId xmlns:p14="http://schemas.microsoft.com/office/powerpoint/2010/main" val="1840351271"/>
+      </p:ext>
+    </p:extLst>
+  </p:cSld>
+  <p:clrMapOvr>
+    <a:masterClrMapping/>
+  </p:clrMapOvr>
+</p:notes>
+</file>
+
+<file path=ppt/notesSlides/notesSlide16.xml><?xml version="1.0" encoding="utf-8"?>
+<p:notes xmlns:a="http://schemas.openxmlformats.org/drawingml/2006/main" xmlns:r="http://schemas.openxmlformats.org/officeDocument/2006/relationships" xmlns:p="http://schemas.openxmlformats.org/presentationml/2006/main" showMasterSp="0" showMasterPhAnim="0">
+  <p:cSld>
+    <p:spTree>
+      <p:nvGrpSpPr>
+        <p:cNvPr id="1" name="Shape 65"/>
+        <p:cNvGrpSpPr/>
+        <p:nvPr/>
+      </p:nvGrpSpPr>
+      <p:grpSpPr>
+        <a:xfrm>
+          <a:off x="0" y="0"/>
+          <a:ext cx="0" cy="0"/>
+          <a:chOff x="0" y="0"/>
+          <a:chExt cx="0" cy="0"/>
+        </a:xfrm>
+      </p:grpSpPr>
+      <p:sp>
+        <p:nvSpPr>
+          <p:cNvPr id="66" name="Google Shape;66;gda1d6e9913_0_164:notes"/>
+          <p:cNvSpPr>
+            <a:spLocks noGrp="1" noRot="1" noChangeAspect="1"/>
+          </p:cNvSpPr>
+          <p:nvPr>
+            <p:ph type="sldImg" idx="2"/>
+          </p:nvPr>
+        </p:nvSpPr>
+        <p:spPr>
+          <a:xfrm>
+            <a:off x="381000" y="685800"/>
+            <a:ext cx="6096000" cy="3429000"/>
+          </a:xfrm>
+          <a:custGeom>
+            <a:avLst/>
+            <a:gdLst/>
+            <a:ahLst/>
+            <a:cxnLst/>
+            <a:rect l="l" t="t" r="r" b="b"/>
+            <a:pathLst>
+              <a:path w="120000" h="120000" extrusionOk="0">
+                <a:moveTo>
+                  <a:pt x="0" y="0"/>
+                </a:moveTo>
+                <a:lnTo>
+                  <a:pt x="120000" y="0"/>
+                </a:lnTo>
+                <a:lnTo>
+                  <a:pt x="120000" y="120000"/>
+                </a:lnTo>
+                <a:lnTo>
+                  <a:pt x="0" y="120000"/>
+                </a:lnTo>
+                <a:close/>
+              </a:path>
+            </a:pathLst>
+          </a:custGeom>
+        </p:spPr>
+      </p:sp>
+      <p:sp>
+        <p:nvSpPr>
+          <p:cNvPr id="67" name="Google Shape;67;gda1d6e9913_0_164:notes"/>
+          <p:cNvSpPr txBox="1">
+            <a:spLocks noGrp="1"/>
+          </p:cNvSpPr>
+          <p:nvPr>
+            <p:ph type="body" idx="1"/>
+          </p:nvPr>
+        </p:nvSpPr>
+        <p:spPr>
+          <a:xfrm>
+            <a:off x="685800" y="4343400"/>
+            <a:ext cx="5486400" cy="4114800"/>
+          </a:xfrm>
+          <a:prstGeom prst="rect">
+            <a:avLst/>
+          </a:prstGeom>
+        </p:spPr>
+        <p:txBody>
+          <a:bodyPr spcFirstLastPara="1" wrap="square" lIns="91425" tIns="91425" rIns="91425" bIns="91425" anchor="t" anchorCtr="0">
+            <a:noAutofit/>
+          </a:bodyPr>
+          <a:lstStyle/>
+          <a:p>
+            <a:pPr marL="0" lvl="0" indent="0" algn="l" rtl="0">
+              <a:spcBef>
+                <a:spcPts val="0"/>
+              </a:spcBef>
+              <a:spcAft>
+                <a:spcPts val="0"/>
+              </a:spcAft>
+              <a:buNone/>
+            </a:pPr>
+            <a:endParaRPr/>
+          </a:p>
+        </p:txBody>
+      </p:sp>
+    </p:spTree>
+    <p:extLst>
+      <p:ext uri="{BB962C8B-B14F-4D97-AF65-F5344CB8AC3E}">
+        <p14:creationId xmlns:p14="http://schemas.microsoft.com/office/powerpoint/2010/main" val="3632032743"/>
+      </p:ext>
+    </p:extLst>
+  </p:cSld>
+  <p:clrMapOvr>
+    <a:masterClrMapping/>
+  </p:clrMapOvr>
+</p:notes>
+</file>
+
+<file path=ppt/notesSlides/notesSlide17.xml><?xml version="1.0" encoding="utf-8"?>
+<p:notes xmlns:a="http://schemas.openxmlformats.org/drawingml/2006/main" xmlns:r="http://schemas.openxmlformats.org/officeDocument/2006/relationships" xmlns:p="http://schemas.openxmlformats.org/presentationml/2006/main" showMasterSp="0" showMasterPhAnim="0">
+  <p:cSld>
+    <p:spTree>
+      <p:nvGrpSpPr>
+        <p:cNvPr id="1" name="Shape 363"/>
+        <p:cNvGrpSpPr/>
+        <p:nvPr/>
+      </p:nvGrpSpPr>
+      <p:grpSpPr>
+        <a:xfrm>
+          <a:off x="0" y="0"/>
+          <a:ext cx="0" cy="0"/>
+          <a:chOff x="0" y="0"/>
+          <a:chExt cx="0" cy="0"/>
+        </a:xfrm>
+      </p:grpSpPr>
+      <p:sp>
+        <p:nvSpPr>
+          <p:cNvPr id="364" name="Google Shape;364;gf3fb92cc5f_1_26:notes"/>
+          <p:cNvSpPr>
+            <a:spLocks noGrp="1" noRot="1" noChangeAspect="1"/>
+          </p:cNvSpPr>
+          <p:nvPr>
+            <p:ph type="sldImg" idx="2"/>
+          </p:nvPr>
+        </p:nvSpPr>
+        <p:spPr>
+          <a:xfrm>
+            <a:off x="381000" y="685800"/>
+            <a:ext cx="6096000" cy="3429000"/>
+          </a:xfrm>
+          <a:custGeom>
+            <a:avLst/>
+            <a:gdLst/>
+            <a:ahLst/>
+            <a:cxnLst/>
+            <a:rect l="l" t="t" r="r" b="b"/>
+            <a:pathLst>
+              <a:path w="120000" h="120000" extrusionOk="0">
+                <a:moveTo>
+                  <a:pt x="0" y="0"/>
+                </a:moveTo>
+                <a:lnTo>
+                  <a:pt x="120000" y="0"/>
+                </a:lnTo>
+                <a:lnTo>
+                  <a:pt x="120000" y="120000"/>
+                </a:lnTo>
+                <a:lnTo>
+                  <a:pt x="0" y="120000"/>
+                </a:lnTo>
+                <a:close/>
+              </a:path>
+            </a:pathLst>
+          </a:custGeom>
+        </p:spPr>
+      </p:sp>
+      <p:sp>
+        <p:nvSpPr>
+          <p:cNvPr id="365" name="Google Shape;365;gf3fb92cc5f_1_26:notes"/>
+          <p:cNvSpPr txBox="1">
+            <a:spLocks noGrp="1"/>
+          </p:cNvSpPr>
+          <p:nvPr>
+            <p:ph type="body" idx="1"/>
+          </p:nvPr>
+        </p:nvSpPr>
+        <p:spPr>
+          <a:xfrm>
+            <a:off x="685800" y="4343400"/>
+            <a:ext cx="5486400" cy="4114800"/>
+          </a:xfrm>
+          <a:prstGeom prst="rect">
+            <a:avLst/>
+          </a:prstGeom>
+        </p:spPr>
+        <p:txBody>
+          <a:bodyPr spcFirstLastPara="1" wrap="square" lIns="91425" tIns="91425" rIns="91425" bIns="91425" anchor="t" anchorCtr="0">
+            <a:noAutofit/>
+          </a:bodyPr>
+          <a:lstStyle/>
+          <a:p>
+            <a:pPr marL="0" lvl="0" indent="0" algn="l" rtl="0">
+              <a:spcBef>
+                <a:spcPts val="0"/>
+              </a:spcBef>
+              <a:spcAft>
+                <a:spcPts val="0"/>
+              </a:spcAft>
+              <a:buNone/>
+            </a:pPr>
+            <a:endParaRPr/>
+          </a:p>
+        </p:txBody>
+      </p:sp>
+    </p:spTree>
+  </p:cSld>
+  <p:clrMapOvr>
+    <a:masterClrMapping/>
+  </p:clrMapOvr>
+</p:notes>
+</file>
+
+<file path=ppt/notesSlides/notesSlide18.xml><?xml version="1.0" encoding="utf-8"?>
+<p:notes xmlns:a="http://schemas.openxmlformats.org/drawingml/2006/main" xmlns:r="http://schemas.openxmlformats.org/officeDocument/2006/relationships" xmlns:p="http://schemas.openxmlformats.org/presentationml/2006/main" showMasterSp="0" showMasterPhAnim="0">
+  <p:cSld>
+    <p:spTree>
+      <p:nvGrpSpPr>
+        <p:cNvPr id="1" name="Shape 65"/>
+        <p:cNvGrpSpPr/>
+        <p:nvPr/>
+      </p:nvGrpSpPr>
+      <p:grpSpPr>
+        <a:xfrm>
+          <a:off x="0" y="0"/>
+          <a:ext cx="0" cy="0"/>
+          <a:chOff x="0" y="0"/>
+          <a:chExt cx="0" cy="0"/>
+        </a:xfrm>
+      </p:grpSpPr>
+      <p:sp>
+        <p:nvSpPr>
+          <p:cNvPr id="66" name="Google Shape;66;gda1d6e9913_0_164:notes"/>
+          <p:cNvSpPr>
+            <a:spLocks noGrp="1" noRot="1" noChangeAspect="1"/>
+          </p:cNvSpPr>
+          <p:nvPr>
+            <p:ph type="sldImg" idx="2"/>
+          </p:nvPr>
+        </p:nvSpPr>
+        <p:spPr>
+          <a:xfrm>
+            <a:off x="381000" y="685800"/>
+            <a:ext cx="6096000" cy="3429000"/>
+          </a:xfrm>
+          <a:custGeom>
+            <a:avLst/>
+            <a:gdLst/>
+            <a:ahLst/>
+            <a:cxnLst/>
+            <a:rect l="l" t="t" r="r" b="b"/>
+            <a:pathLst>
+              <a:path w="120000" h="120000" extrusionOk="0">
+                <a:moveTo>
+                  <a:pt x="0" y="0"/>
+                </a:moveTo>
+                <a:lnTo>
+                  <a:pt x="120000" y="0"/>
+                </a:lnTo>
+                <a:lnTo>
+                  <a:pt x="120000" y="120000"/>
+                </a:lnTo>
+                <a:lnTo>
+                  <a:pt x="0" y="120000"/>
+                </a:lnTo>
+                <a:close/>
+              </a:path>
+            </a:pathLst>
+          </a:custGeom>
+        </p:spPr>
+      </p:sp>
+      <p:sp>
+        <p:nvSpPr>
+          <p:cNvPr id="67" name="Google Shape;67;gda1d6e9913_0_164:notes"/>
+          <p:cNvSpPr txBox="1">
+            <a:spLocks noGrp="1"/>
+          </p:cNvSpPr>
+          <p:nvPr>
+            <p:ph type="body" idx="1"/>
+          </p:nvPr>
+        </p:nvSpPr>
+        <p:spPr>
+          <a:xfrm>
+            <a:off x="685800" y="4343400"/>
+            <a:ext cx="5486400" cy="4114800"/>
+          </a:xfrm>
+          <a:prstGeom prst="rect">
+            <a:avLst/>
+          </a:prstGeom>
+        </p:spPr>
+        <p:txBody>
+          <a:bodyPr spcFirstLastPara="1" wrap="square" lIns="91425" tIns="91425" rIns="91425" bIns="91425" anchor="t" anchorCtr="0">
+            <a:noAutofit/>
+          </a:bodyPr>
+          <a:lstStyle/>
+          <a:p>
+            <a:pPr marL="0" lvl="0" indent="0" algn="l" rtl="0">
+              <a:spcBef>
+                <a:spcPts val="0"/>
+              </a:spcBef>
+              <a:spcAft>
+                <a:spcPts val="0"/>
+              </a:spcAft>
+              <a:buNone/>
+            </a:pPr>
+            <a:endParaRPr/>
+          </a:p>
+        </p:txBody>
+      </p:sp>
+    </p:spTree>
+  </p:cSld>
+  <p:clrMapOvr>
+    <a:masterClrMapping/>
+  </p:clrMapOvr>
+</p:notes>
+</file>
+
+<file path=ppt/notesSlides/notesSlide19.xml><?xml version="1.0" encoding="utf-8"?>
 <p:notes xmlns:a="http://schemas.openxmlformats.org/drawingml/2006/main" xmlns:r="http://schemas.openxmlformats.org/officeDocument/2006/relationships" xmlns:p="http://schemas.openxmlformats.org/presentationml/2006/main" showMasterSp="0" showMasterPhAnim="0">
   <p:cSld>
     <p:spTree>
@@ -1774,7 +2429,7 @@
   <p:cSld>
     <p:spTree>
       <p:nvGrpSpPr>
-        <p:cNvPr id="1" name="Shape 355"/>
+        <p:cNvPr id="1" name="Shape 334"/>
         <p:cNvGrpSpPr/>
         <p:nvPr/>
       </p:nvGrpSpPr>
@@ -1788,7 +2443,7 @@
       </p:grpSpPr>
       <p:sp>
         <p:nvSpPr>
-          <p:cNvPr id="356" name="Google Shape;356;gda1d6e9913_0_1051:notes"/>
+          <p:cNvPr id="335" name="Google Shape;335;gf3fb92cc5f_1_266:notes"/>
           <p:cNvSpPr>
             <a:spLocks noGrp="1" noRot="1" noChangeAspect="1"/>
           </p:cNvSpPr>
@@ -1829,7 +2484,7 @@
       </p:sp>
       <p:sp>
         <p:nvSpPr>
-          <p:cNvPr id="357" name="Google Shape;357;gda1d6e9913_0_1051:notes"/>
+          <p:cNvPr id="336" name="Google Shape;336;gf3fb92cc5f_1_266:notes"/>
           <p:cNvSpPr txBox="1">
             <a:spLocks noGrp="1"/>
           </p:cNvSpPr>
@@ -1866,6 +2521,11 @@
         </p:txBody>
       </p:sp>
     </p:spTree>
+    <p:extLst>
+      <p:ext uri="{BB962C8B-B14F-4D97-AF65-F5344CB8AC3E}">
+        <p14:creationId xmlns:p14="http://schemas.microsoft.com/office/powerpoint/2010/main" val="910763676"/>
+      </p:ext>
+    </p:extLst>
   </p:cSld>
   <p:clrMapOvr>
     <a:masterClrMapping/>
@@ -1878,7 +2538,7 @@
   <p:cSld>
     <p:spTree>
       <p:nvGrpSpPr>
-        <p:cNvPr id="1" name="Shape 363"/>
+        <p:cNvPr id="1" name="Shape 334"/>
         <p:cNvGrpSpPr/>
         <p:nvPr/>
       </p:nvGrpSpPr>
@@ -1892,7 +2552,7 @@
       </p:grpSpPr>
       <p:sp>
         <p:nvSpPr>
-          <p:cNvPr id="364" name="Google Shape;364;gf3fb92cc5f_1_26:notes"/>
+          <p:cNvPr id="335" name="Google Shape;335;gf3fb92cc5f_1_266:notes"/>
           <p:cNvSpPr>
             <a:spLocks noGrp="1" noRot="1" noChangeAspect="1"/>
           </p:cNvSpPr>
@@ -1933,7 +2593,7 @@
       </p:sp>
       <p:sp>
         <p:nvSpPr>
-          <p:cNvPr id="365" name="Google Shape;365;gf3fb92cc5f_1_26:notes"/>
+          <p:cNvPr id="336" name="Google Shape;336;gf3fb92cc5f_1_266:notes"/>
           <p:cNvSpPr txBox="1">
             <a:spLocks noGrp="1"/>
           </p:cNvSpPr>
@@ -1972,7 +2632,7 @@
     </p:spTree>
     <p:extLst>
       <p:ext uri="{BB962C8B-B14F-4D97-AF65-F5344CB8AC3E}">
-        <p14:creationId xmlns:p14="http://schemas.microsoft.com/office/powerpoint/2010/main" val="2271259352"/>
+        <p14:creationId xmlns:p14="http://schemas.microsoft.com/office/powerpoint/2010/main" val="3930493520"/>
       </p:ext>
     </p:extLst>
   </p:cSld>
@@ -2081,7 +2741,7 @@
     </p:spTree>
     <p:extLst>
       <p:ext uri="{BB962C8B-B14F-4D97-AF65-F5344CB8AC3E}">
-        <p14:creationId xmlns:p14="http://schemas.microsoft.com/office/powerpoint/2010/main" val="910763676"/>
+        <p14:creationId xmlns:p14="http://schemas.microsoft.com/office/powerpoint/2010/main" val="1521072428"/>
       </p:ext>
     </p:extLst>
   </p:cSld>
@@ -7497,7 +8157,7 @@
   <p:cSld>
     <p:spTree>
       <p:nvGrpSpPr>
-        <p:cNvPr id="1" name="Shape 68"/>
+        <p:cNvPr id="1" name="Shape 337"/>
         <p:cNvGrpSpPr/>
         <p:nvPr/>
       </p:nvGrpSpPr>
@@ -7509,9 +8169,473 @@
           <a:chExt cx="0" cy="0"/>
         </a:xfrm>
       </p:grpSpPr>
-      <p:sp>
-        <p:nvSpPr>
-          <p:cNvPr id="69" name="Google Shape;69;p14"/>
+      <mc:AlternateContent xmlns:mc="http://schemas.openxmlformats.org/markup-compatibility/2006">
+        <mc:Choice xmlns:a14="http://schemas.microsoft.com/office/drawing/2010/main" Requires="a14">
+          <p:sp>
+            <p:nvSpPr>
+              <p:cNvPr id="338" name="Google Shape;338;p37"/>
+              <p:cNvSpPr txBox="1">
+                <a:spLocks noGrp="1"/>
+              </p:cNvSpPr>
+              <p:nvPr>
+                <p:ph type="body" idx="1"/>
+              </p:nvPr>
+            </p:nvSpPr>
+            <p:spPr>
+              <a:xfrm>
+                <a:off x="160732" y="963200"/>
+                <a:ext cx="11867599" cy="5452800"/>
+              </a:xfrm>
+              <a:prstGeom prst="rect">
+                <a:avLst/>
+              </a:prstGeom>
+            </p:spPr>
+            <p:txBody>
+              <a:bodyPr spcFirstLastPara="1" wrap="square" lIns="121900" tIns="121900" rIns="121900" bIns="121900" anchor="t" anchorCtr="0">
+                <a:normAutofit/>
+              </a:bodyPr>
+              <a:lstStyle/>
+              <a:p>
+                <a:pPr marL="285750" indent="-285750"/>
+                <a:r>
+                  <a:rPr lang="en-IN" dirty="0"/>
+                  <a:t>Explicit Pressure Poisson-based Models</a:t>
+                </a:r>
+              </a:p>
+              <a:p>
+                <a:pPr marL="895335" lvl="1" indent="-285750"/>
+                <a:r>
+                  <a:rPr lang="en-IN" dirty="0"/>
+                  <a:t>[Okraschevski2022] Reinterpret SPH as a </a:t>
+                </a:r>
+                <a:r>
+                  <a:rPr lang="en-US" dirty="0"/>
+                  <a:t>Lagrangian quadrature technique for explicit LES eqs</a:t>
+                </a:r>
+              </a:p>
+              <a:p>
+                <a:pPr marL="1504919" lvl="2" indent="-285750"/>
+                <a:r>
+                  <a:rPr lang="en-IN" dirty="0">
+                    <a:sym typeface="Wingdings" panose="05000000000000000000" pitchFamily="2" charset="2"/>
+                  </a:rPr>
+                  <a:t>Kernel scale limits SPH’s physical resolution  Unsuitable DNS alternative</a:t>
+                </a:r>
+              </a:p>
+              <a:p>
+                <a:pPr marL="895335" lvl="1" indent="-285750"/>
+                <a:r>
+                  <a:rPr lang="en-IN" dirty="0">
+                    <a:sym typeface="Wingdings" panose="05000000000000000000" pitchFamily="2" charset="2"/>
+                  </a:rPr>
+                  <a:t>Considered spatial filtering on compressible NS </a:t>
+                </a:r>
+              </a:p>
+              <a:p>
+                <a:pPr marL="895335" lvl="1" indent="-285750"/>
+                <a:r>
+                  <a:rPr lang="en-IN" dirty="0">
+                    <a:sym typeface="Wingdings" panose="05000000000000000000" pitchFamily="2" charset="2"/>
+                  </a:rPr>
+                  <a:t>Compared multiple Smagorinsky models (standard, sigma, MCG-form)</a:t>
+                </a:r>
+              </a:p>
+              <a:p>
+                <a:pPr marL="895335" lvl="1" indent="-285750"/>
+                <a:r>
+                  <a:rPr lang="en-IN" dirty="0">
+                    <a:sym typeface="Wingdings" panose="05000000000000000000" pitchFamily="2" charset="2"/>
+                  </a:rPr>
+                  <a:t>Simulated 3D TGV </a:t>
+                </a:r>
+                <a14:m>
+                  <m:oMath xmlns:m="http://schemas.openxmlformats.org/officeDocument/2006/math">
+                    <m:d>
+                      <m:dPr>
+                        <m:ctrlPr>
+                          <a:rPr lang="en-IN" sz="1800" b="0" i="1" smtClean="0">
+                            <a:solidFill>
+                              <a:srgbClr val="616161"/>
+                            </a:solidFill>
+                            <a:effectLst/>
+                            <a:latin typeface="Cambria Math" panose="02040503050406030204" pitchFamily="18" charset="0"/>
+                            <a:ea typeface="Proxima Nova"/>
+                            <a:cs typeface="Proxima Nova"/>
+                          </a:rPr>
+                        </m:ctrlPr>
+                      </m:dPr>
+                      <m:e>
+                        <m:r>
+                          <a:rPr lang="en-IN" sz="1800" b="0" i="1">
+                            <a:solidFill>
+                              <a:srgbClr val="616161"/>
+                            </a:solidFill>
+                            <a:effectLst/>
+                            <a:latin typeface="Cambria Math" panose="02040503050406030204" pitchFamily="18" charset="0"/>
+                            <a:ea typeface="Proxima Nova"/>
+                            <a:cs typeface="Proxima Nova"/>
+                          </a:rPr>
+                          <m:t>𝑅𝑒</m:t>
+                        </m:r>
+                        <m:r>
+                          <a:rPr lang="en-IN" sz="1800" b="0" i="1">
+                            <a:solidFill>
+                              <a:srgbClr val="616161"/>
+                            </a:solidFill>
+                            <a:effectLst/>
+                            <a:latin typeface="Cambria Math" panose="02040503050406030204" pitchFamily="18" charset="0"/>
+                            <a:ea typeface="Proxima Nova"/>
+                            <a:cs typeface="Proxima Nova"/>
+                          </a:rPr>
+                          <m:t>≈</m:t>
+                        </m:r>
+                        <m:sSup>
+                          <m:sSupPr>
+                            <m:ctrlPr>
+                              <a:rPr lang="en-IN" sz="1800" b="0" i="1">
+                                <a:solidFill>
+                                  <a:srgbClr val="616161"/>
+                                </a:solidFill>
+                                <a:effectLst/>
+                                <a:latin typeface="Cambria Math" panose="02040503050406030204" pitchFamily="18" charset="0"/>
+                                <a:ea typeface="Proxima Nova"/>
+                                <a:cs typeface="Proxima Nova"/>
+                              </a:rPr>
+                            </m:ctrlPr>
+                          </m:sSupPr>
+                          <m:e>
+                            <m:r>
+                              <a:rPr lang="en-IN" sz="1800" b="0" i="1">
+                                <a:solidFill>
+                                  <a:srgbClr val="616161"/>
+                                </a:solidFill>
+                                <a:effectLst/>
+                                <a:latin typeface="Cambria Math" panose="02040503050406030204" pitchFamily="18" charset="0"/>
+                                <a:ea typeface="Proxima Nova"/>
+                                <a:cs typeface="Proxima Nova"/>
+                              </a:rPr>
+                              <m:t>10</m:t>
+                            </m:r>
+                          </m:e>
+                          <m:sup>
+                            <m:r>
+                              <a:rPr lang="en-IN" sz="1800" b="0" i="1" smtClean="0">
+                                <a:solidFill>
+                                  <a:srgbClr val="616161"/>
+                                </a:solidFill>
+                                <a:effectLst/>
+                                <a:latin typeface="Cambria Math" panose="02040503050406030204" pitchFamily="18" charset="0"/>
+                                <a:ea typeface="Proxima Nova"/>
+                                <a:cs typeface="Proxima Nova"/>
+                              </a:rPr>
+                              <m:t>4</m:t>
+                            </m:r>
+                          </m:sup>
+                        </m:sSup>
+                        <m:r>
+                          <a:rPr lang="en-IN" sz="1800" b="0" i="1">
+                            <a:solidFill>
+                              <a:srgbClr val="616161"/>
+                            </a:solidFill>
+                            <a:effectLst/>
+                            <a:latin typeface="Cambria Math" panose="02040503050406030204" pitchFamily="18" charset="0"/>
+                            <a:ea typeface="Proxima Nova"/>
+                            <a:cs typeface="Proxima Nova"/>
+                          </a:rPr>
+                          <m:t>,  </m:t>
+                        </m:r>
+                        <m:sSub>
+                          <m:sSubPr>
+                            <m:ctrlPr>
+                              <a:rPr lang="en-IN" sz="1800" b="0" i="1">
+                                <a:solidFill>
+                                  <a:srgbClr val="616161"/>
+                                </a:solidFill>
+                                <a:effectLst/>
+                                <a:latin typeface="Cambria Math" panose="02040503050406030204" pitchFamily="18" charset="0"/>
+                                <a:ea typeface="Proxima Nova"/>
+                                <a:cs typeface="Proxima Nova"/>
+                              </a:rPr>
+                            </m:ctrlPr>
+                          </m:sSubPr>
+                          <m:e>
+                            <m:r>
+                              <a:rPr lang="en-IN" sz="1800" b="0" i="1">
+                                <a:solidFill>
+                                  <a:srgbClr val="616161"/>
+                                </a:solidFill>
+                                <a:effectLst/>
+                                <a:latin typeface="Cambria Math" panose="02040503050406030204" pitchFamily="18" charset="0"/>
+                                <a:ea typeface="Proxima Nova"/>
+                                <a:cs typeface="Proxima Nova"/>
+                              </a:rPr>
+                              <m:t>𝑁</m:t>
+                            </m:r>
+                          </m:e>
+                          <m:sub>
+                            <m:r>
+                              <a:rPr lang="en-IN" sz="1800" b="0" i="1">
+                                <a:solidFill>
+                                  <a:srgbClr val="616161"/>
+                                </a:solidFill>
+                                <a:effectLst/>
+                                <a:latin typeface="Cambria Math" panose="02040503050406030204" pitchFamily="18" charset="0"/>
+                                <a:ea typeface="Proxima Nova"/>
+                                <a:cs typeface="Proxima Nova"/>
+                              </a:rPr>
+                              <m:t>𝑖</m:t>
+                            </m:r>
+                          </m:sub>
+                        </m:sSub>
+                        <m:r>
+                          <a:rPr lang="en-IN" sz="1800" b="0" i="1" smtClean="0">
+                            <a:solidFill>
+                              <a:srgbClr val="616161"/>
+                            </a:solidFill>
+                            <a:effectLst/>
+                            <a:latin typeface="Cambria Math" panose="02040503050406030204" pitchFamily="18" charset="0"/>
+                            <a:ea typeface="Proxima Nova"/>
+                            <a:cs typeface="Proxima Nova"/>
+                          </a:rPr>
+                          <m:t>=</m:t>
+                        </m:r>
+                        <m:sSup>
+                          <m:sSupPr>
+                            <m:ctrlPr>
+                              <a:rPr lang="en-IN" sz="1800" b="0" i="1" smtClean="0">
+                                <a:solidFill>
+                                  <a:srgbClr val="616161"/>
+                                </a:solidFill>
+                                <a:effectLst/>
+                                <a:latin typeface="Cambria Math" panose="02040503050406030204" pitchFamily="18" charset="0"/>
+                                <a:ea typeface="Proxima Nova"/>
+                                <a:cs typeface="Proxima Nova"/>
+                              </a:rPr>
+                            </m:ctrlPr>
+                          </m:sSupPr>
+                          <m:e>
+                            <m:r>
+                              <a:rPr lang="en-IN" sz="1800" b="0" i="1" smtClean="0">
+                                <a:solidFill>
+                                  <a:srgbClr val="616161"/>
+                                </a:solidFill>
+                                <a:effectLst/>
+                                <a:latin typeface="Cambria Math" panose="02040503050406030204" pitchFamily="18" charset="0"/>
+                                <a:ea typeface="Proxima Nova"/>
+                                <a:cs typeface="Proxima Nova"/>
+                              </a:rPr>
+                              <m:t>200</m:t>
+                            </m:r>
+                          </m:e>
+                          <m:sup>
+                            <m:r>
+                              <a:rPr lang="en-IN" sz="1800" b="0" i="1" smtClean="0">
+                                <a:solidFill>
+                                  <a:srgbClr val="616161"/>
+                                </a:solidFill>
+                                <a:effectLst/>
+                                <a:latin typeface="Cambria Math" panose="02040503050406030204" pitchFamily="18" charset="0"/>
+                                <a:ea typeface="Proxima Nova"/>
+                                <a:cs typeface="Proxima Nova"/>
+                              </a:rPr>
+                              <m:t>3</m:t>
+                            </m:r>
+                          </m:sup>
+                        </m:sSup>
+                        <m:r>
+                          <a:rPr lang="en-IN" sz="1800" b="0" i="1" smtClean="0">
+                            <a:solidFill>
+                              <a:srgbClr val="616161"/>
+                            </a:solidFill>
+                            <a:effectLst/>
+                            <a:latin typeface="Cambria Math" panose="02040503050406030204" pitchFamily="18" charset="0"/>
+                            <a:ea typeface="Proxima Nova"/>
+                            <a:cs typeface="Proxima Nova"/>
+                          </a:rPr>
+                          <m:t>−</m:t>
+                        </m:r>
+                        <m:sSup>
+                          <m:sSupPr>
+                            <m:ctrlPr>
+                              <a:rPr lang="en-IN" sz="1800" b="0" i="1" smtClean="0">
+                                <a:solidFill>
+                                  <a:srgbClr val="616161"/>
+                                </a:solidFill>
+                                <a:effectLst/>
+                                <a:latin typeface="Cambria Math" panose="02040503050406030204" pitchFamily="18" charset="0"/>
+                                <a:ea typeface="Proxima Nova"/>
+                                <a:cs typeface="Proxima Nova"/>
+                              </a:rPr>
+                            </m:ctrlPr>
+                          </m:sSupPr>
+                          <m:e>
+                            <m:r>
+                              <a:rPr lang="en-IN" sz="1800" b="0" i="1" smtClean="0">
+                                <a:solidFill>
+                                  <a:srgbClr val="616161"/>
+                                </a:solidFill>
+                                <a:effectLst/>
+                                <a:latin typeface="Cambria Math" panose="02040503050406030204" pitchFamily="18" charset="0"/>
+                                <a:ea typeface="Proxima Nova"/>
+                                <a:cs typeface="Proxima Nova"/>
+                              </a:rPr>
+                              <m:t>500</m:t>
+                            </m:r>
+                          </m:e>
+                          <m:sup>
+                            <m:r>
+                              <a:rPr lang="en-IN" sz="1800" b="0" i="1" smtClean="0">
+                                <a:solidFill>
+                                  <a:srgbClr val="616161"/>
+                                </a:solidFill>
+                                <a:effectLst/>
+                                <a:latin typeface="Cambria Math" panose="02040503050406030204" pitchFamily="18" charset="0"/>
+                                <a:ea typeface="Proxima Nova"/>
+                                <a:cs typeface="Proxima Nova"/>
+                              </a:rPr>
+                              <m:t>3</m:t>
+                            </m:r>
+                          </m:sup>
+                        </m:sSup>
+                      </m:e>
+                    </m:d>
+                  </m:oMath>
+                </a14:m>
+                <a:endParaRPr lang="en-IN" dirty="0">
+                  <a:sym typeface="Wingdings" panose="05000000000000000000" pitchFamily="2" charset="2"/>
+                </a:endParaRPr>
+              </a:p>
+              <a:p>
+                <a:pPr marL="1504919" lvl="2" indent="-285750"/>
+                <a:r>
+                  <a:rPr lang="en-IN" dirty="0">
+                    <a:sym typeface="Wingdings" panose="05000000000000000000" pitchFamily="2" charset="2"/>
+                  </a:rPr>
+                  <a:t>All of the Smagorisnky models reduced the averaged kinetic energy</a:t>
+                </a:r>
+              </a:p>
+              <a:p>
+                <a:pPr marL="1504919" lvl="2" indent="-285750"/>
+                <a:r>
+                  <a:rPr lang="en-IN" dirty="0">
+                    <a:sym typeface="Wingdings" panose="05000000000000000000" pitchFamily="2" charset="2"/>
+                  </a:rPr>
+                  <a:t>Did not predict the dissipation rates accurately</a:t>
+                </a:r>
+              </a:p>
+              <a:p>
+                <a:pPr marL="895335" lvl="1" indent="-285750"/>
+                <a:r>
+                  <a:rPr lang="en-IN" dirty="0">
+                    <a:sym typeface="Wingdings" panose="05000000000000000000" pitchFamily="2" charset="2"/>
+                  </a:rPr>
+                  <a:t>Overall comments:</a:t>
+                </a:r>
+              </a:p>
+              <a:p>
+                <a:pPr marL="1504919" lvl="2" indent="-285750"/>
+                <a:r>
+                  <a:rPr lang="en-IN" dirty="0">
+                    <a:sym typeface="Wingdings" panose="05000000000000000000" pitchFamily="2" charset="2"/>
+                  </a:rPr>
+                  <a:t>[fig2.14a,c]</a:t>
+                </a:r>
+              </a:p>
+              <a:p>
+                <a:pPr marL="1504919" lvl="2" indent="-285750"/>
+                <a:r>
+                  <a:rPr lang="en-IN" dirty="0">
+                    <a:sym typeface="Wingdings" panose="05000000000000000000" pitchFamily="2" charset="2"/>
+                  </a:rPr>
+                  <a:t>SPH can capture turbulence up to kernel scale at a high cost</a:t>
+                </a:r>
+              </a:p>
+              <a:p>
+                <a:pPr marL="1504919" lvl="2" indent="-285750"/>
+                <a:r>
+                  <a:rPr lang="en-IN" dirty="0">
+                    <a:sym typeface="Wingdings" panose="05000000000000000000" pitchFamily="2" charset="2"/>
+                  </a:rPr>
+                  <a:t>Explicit SFS models will remove kinetic energy, heightening the energy deficit of standard SPH</a:t>
+                </a:r>
+              </a:p>
+              <a:p>
+                <a:pPr marL="1504919" lvl="2" indent="-285750"/>
+                <a:r>
+                  <a:rPr lang="en-US" dirty="0">
+                    <a:sym typeface="Wingdings" panose="05000000000000000000" pitchFamily="2" charset="2"/>
+                  </a:rPr>
+                  <a:t>Such models in an SPH framework can only degrade the quality of the approximation for subsonic turbulent flow [rennehan2021mixing]</a:t>
+                </a:r>
+                <a:endParaRPr lang="en-IN" dirty="0">
+                  <a:sym typeface="Wingdings" panose="05000000000000000000" pitchFamily="2" charset="2"/>
+                </a:endParaRPr>
+              </a:p>
+              <a:p>
+                <a:pPr marL="1504919" lvl="2" indent="-285750"/>
+                <a:endParaRPr lang="en-IN" dirty="0">
+                  <a:sym typeface="Wingdings" panose="05000000000000000000" pitchFamily="2" charset="2"/>
+                </a:endParaRPr>
+              </a:p>
+              <a:p>
+                <a:pPr marL="895335" lvl="1" indent="-285750"/>
+                <a:endParaRPr lang="en-IN" dirty="0">
+                  <a:sym typeface="Wingdings" panose="05000000000000000000" pitchFamily="2" charset="2"/>
+                </a:endParaRPr>
+              </a:p>
+              <a:p>
+                <a:pPr marL="895335" lvl="1" indent="-285750"/>
+                <a:endParaRPr lang="en-IN" dirty="0">
+                  <a:sym typeface="Wingdings" panose="05000000000000000000" pitchFamily="2" charset="2"/>
+                </a:endParaRPr>
+              </a:p>
+            </p:txBody>
+          </p:sp>
+        </mc:Choice>
+        <mc:Fallback>
+          <p:sp>
+            <p:nvSpPr>
+              <p:cNvPr id="338" name="Google Shape;338;p37"/>
+              <p:cNvSpPr txBox="1">
+                <a:spLocks noGrp="1" noRot="1" noChangeAspect="1" noMove="1" noResize="1" noEditPoints="1" noAdjustHandles="1" noChangeArrowheads="1" noChangeShapeType="1" noTextEdit="1"/>
+              </p:cNvSpPr>
+              <p:nvPr>
+                <p:ph type="body" idx="1"/>
+              </p:nvPr>
+            </p:nvSpPr>
+            <p:spPr>
+              <a:xfrm>
+                <a:off x="160732" y="963200"/>
+                <a:ext cx="11867599" cy="5452800"/>
+              </a:xfrm>
+              <a:prstGeom prst="rect">
+                <a:avLst/>
+              </a:prstGeom>
+              <a:blipFill>
+                <a:blip r:embed="rId3"/>
+                <a:stretch>
+                  <a:fillRect l="-154"/>
+                </a:stretch>
+              </a:blipFill>
+            </p:spPr>
+            <p:txBody>
+              <a:bodyPr/>
+              <a:lstStyle/>
+              <a:p>
+                <a:r>
+                  <a:rPr lang="en-IN">
+                    <a:noFill/>
+                  </a:rPr>
+                  <a:t> </a:t>
+                </a:r>
+              </a:p>
+            </p:txBody>
+          </p:sp>
+        </mc:Fallback>
+      </mc:AlternateContent>
+      <p:sp>
+        <p:nvSpPr>
+          <p:cNvPr id="339" name="Google Shape;339;p37"/>
           <p:cNvSpPr/>
           <p:nvPr/>
         </p:nvSpPr>
@@ -7548,7 +8672,7 @@
       </p:sp>
       <p:sp>
         <p:nvSpPr>
-          <p:cNvPr id="70" name="Google Shape;70;p14"/>
+          <p:cNvPr id="340" name="Google Shape;340;p37"/>
           <p:cNvSpPr txBox="1">
             <a:spLocks noGrp="1"/>
           </p:cNvSpPr>
@@ -7571,13 +8695,17 @@
           </a:bodyPr>
           <a:lstStyle/>
           <a:p>
+            <a:r>
+              <a:rPr lang="en-IN" b="1" dirty="0"/>
+              <a:t>Large-Eddy Simulation-based Models</a:t>
+            </a:r>
             <a:endParaRPr b="1" dirty="0"/>
           </a:p>
         </p:txBody>
       </p:sp>
       <p:sp>
         <p:nvSpPr>
-          <p:cNvPr id="71" name="Google Shape;71;p14"/>
+          <p:cNvPr id="341" name="Google Shape;341;p37"/>
           <p:cNvSpPr txBox="1">
             <a:spLocks noGrp="1"/>
           </p:cNvSpPr>
@@ -7609,10 +8737,98 @@
           </a:p>
         </p:txBody>
       </p:sp>
+      <p:sp>
+        <p:nvSpPr>
+          <p:cNvPr id="346" name="Google Shape;346;p37"/>
+          <p:cNvSpPr txBox="1"/>
+          <p:nvPr/>
+        </p:nvSpPr>
+        <p:spPr>
+          <a:xfrm>
+            <a:off x="0" y="6333201"/>
+            <a:ext cx="9910400" cy="410393"/>
+          </a:xfrm>
+          <a:prstGeom prst="rect">
+            <a:avLst/>
+          </a:prstGeom>
+          <a:noFill/>
+          <a:ln>
+            <a:noFill/>
+          </a:ln>
+        </p:spPr>
+        <p:txBody>
+          <a:bodyPr spcFirstLastPara="1" wrap="square" lIns="121900" tIns="121900" rIns="121900" bIns="121900" anchor="t" anchorCtr="0">
+            <a:spAutoFit/>
+          </a:bodyPr>
+          <a:lstStyle/>
+          <a:p>
+            <a:r>
+              <a:rPr lang="en-US" sz="1067" dirty="0">
+                <a:solidFill>
+                  <a:schemeClr val="accent3"/>
+                </a:solidFill>
+                <a:latin typeface="Proxima Nova"/>
+                <a:ea typeface="Proxima Nova"/>
+                <a:cs typeface="Proxima Nova"/>
+                <a:sym typeface="Proxima Nova"/>
+              </a:rPr>
+              <a:t>[1] </a:t>
+            </a:r>
+            <a:r>
+              <a:rPr lang="en-US" sz="1067" dirty="0" err="1">
+                <a:solidFill>
+                  <a:schemeClr val="accent3"/>
+                </a:solidFill>
+                <a:latin typeface="Proxima Nova"/>
+                <a:ea typeface="Proxima Nova"/>
+                <a:cs typeface="Proxima Nova"/>
+                <a:sym typeface="Proxima Nova"/>
+              </a:rPr>
+              <a:t>Dynnikova</a:t>
+            </a:r>
+            <a:r>
+              <a:rPr lang="en-US" sz="1067" dirty="0">
+                <a:solidFill>
+                  <a:schemeClr val="accent3"/>
+                </a:solidFill>
+                <a:latin typeface="Proxima Nova"/>
+                <a:ea typeface="Proxima Nova"/>
+                <a:cs typeface="Proxima Nova"/>
+                <a:sym typeface="Proxima Nova"/>
+              </a:rPr>
+              <a:t>, G. </a:t>
+            </a:r>
+            <a:r>
+              <a:rPr lang="en-US" sz="1067" dirty="0" err="1">
+                <a:solidFill>
+                  <a:schemeClr val="accent3"/>
+                </a:solidFill>
+                <a:latin typeface="Proxima Nova"/>
+                <a:ea typeface="Proxima Nova"/>
+                <a:cs typeface="Proxima Nova"/>
+                <a:sym typeface="Proxima Nova"/>
+              </a:rPr>
+              <a:t>Ya</a:t>
+            </a:r>
+            <a:r>
+              <a:rPr lang="en-US" sz="1067" dirty="0">
+                <a:solidFill>
+                  <a:schemeClr val="accent3"/>
+                </a:solidFill>
+                <a:latin typeface="Proxima Nova"/>
+                <a:ea typeface="Proxima Nova"/>
+                <a:cs typeface="Proxima Nova"/>
+                <a:sym typeface="Proxima Nova"/>
+              </a:rPr>
+              <a:t> et al. (2021). “Stability of a reverse Karman vortex street”. In: Physics of Fluids 33.2. ISSN: 10897666. DOI: 10.1063/5.0035575.</a:t>
+            </a:r>
+          </a:p>
+        </p:txBody>
+      </p:sp>
     </p:spTree>
     <p:extLst>
       <p:ext uri="{BB962C8B-B14F-4D97-AF65-F5344CB8AC3E}">
-        <p14:creationId xmlns:p14="http://schemas.microsoft.com/office/powerpoint/2010/main" val="2298647661"/>
+        <p14:creationId xmlns:p14="http://schemas.microsoft.com/office/powerpoint/2010/main" val="943956967"/>
       </p:ext>
     </p:extLst>
   </p:cSld>
@@ -7623,6 +8839,810 @@
 </file>
 
 <file path=ppt/slides/slide11.xml><?xml version="1.0" encoding="utf-8"?>
+<p:sld xmlns:a="http://schemas.openxmlformats.org/drawingml/2006/main" xmlns:r="http://schemas.openxmlformats.org/officeDocument/2006/relationships" xmlns:p="http://schemas.openxmlformats.org/presentationml/2006/main">
+  <p:cSld>
+    <p:spTree>
+      <p:nvGrpSpPr>
+        <p:cNvPr id="1" name="Shape 337"/>
+        <p:cNvGrpSpPr/>
+        <p:nvPr/>
+      </p:nvGrpSpPr>
+      <p:grpSpPr>
+        <a:xfrm>
+          <a:off x="0" y="0"/>
+          <a:ext cx="0" cy="0"/>
+          <a:chOff x="0" y="0"/>
+          <a:chExt cx="0" cy="0"/>
+        </a:xfrm>
+      </p:grpSpPr>
+      <p:sp>
+        <p:nvSpPr>
+          <p:cNvPr id="338" name="Google Shape;338;p37"/>
+          <p:cNvSpPr txBox="1">
+            <a:spLocks noGrp="1"/>
+          </p:cNvSpPr>
+          <p:nvPr>
+            <p:ph type="body" idx="1"/>
+          </p:nvPr>
+        </p:nvSpPr>
+        <p:spPr>
+          <a:xfrm>
+            <a:off x="160733" y="963200"/>
+            <a:ext cx="11867600" cy="5452800"/>
+          </a:xfrm>
+          <a:prstGeom prst="rect">
+            <a:avLst/>
+          </a:prstGeom>
+        </p:spPr>
+        <p:txBody>
+          <a:bodyPr spcFirstLastPara="1" wrap="square" lIns="121900" tIns="121900" rIns="121900" bIns="121900" anchor="t" anchorCtr="0">
+            <a:normAutofit/>
+          </a:bodyPr>
+          <a:lstStyle/>
+          <a:p>
+            <a:pPr marL="0" indent="0">
+              <a:buNone/>
+            </a:pPr>
+            <a:endParaRPr dirty="0"/>
+          </a:p>
+        </p:txBody>
+      </p:sp>
+      <p:sp>
+        <p:nvSpPr>
+          <p:cNvPr id="339" name="Google Shape;339;p37"/>
+          <p:cNvSpPr/>
+          <p:nvPr/>
+        </p:nvSpPr>
+        <p:spPr>
+          <a:xfrm>
+            <a:off x="13400" y="0"/>
+            <a:ext cx="12192000" cy="763600"/>
+          </a:xfrm>
+          <a:prstGeom prst="rect">
+            <a:avLst/>
+          </a:prstGeom>
+          <a:solidFill>
+            <a:schemeClr val="lt2"/>
+          </a:solidFill>
+          <a:ln w="9525" cap="flat" cmpd="sng">
+            <a:solidFill>
+              <a:schemeClr val="dk2"/>
+            </a:solidFill>
+            <a:prstDash val="solid"/>
+            <a:round/>
+            <a:headEnd type="none" w="sm" len="sm"/>
+            <a:tailEnd type="none" w="sm" len="sm"/>
+          </a:ln>
+        </p:spPr>
+        <p:txBody>
+          <a:bodyPr spcFirstLastPara="1" wrap="square" lIns="121900" tIns="121900" rIns="121900" bIns="121900" anchor="ctr" anchorCtr="0">
+            <a:noAutofit/>
+          </a:bodyPr>
+          <a:lstStyle/>
+          <a:p>
+            <a:endParaRPr sz="1867"/>
+          </a:p>
+        </p:txBody>
+      </p:sp>
+      <mc:AlternateContent xmlns:mc="http://schemas.openxmlformats.org/markup-compatibility/2006">
+        <mc:Choice xmlns:a14="http://schemas.microsoft.com/office/drawing/2010/main" Requires="a14">
+          <p:sp>
+            <p:nvSpPr>
+              <p:cNvPr id="340" name="Google Shape;340;p37"/>
+              <p:cNvSpPr txBox="1">
+                <a:spLocks noGrp="1"/>
+              </p:cNvSpPr>
+              <p:nvPr>
+                <p:ph type="title"/>
+              </p:nvPr>
+            </p:nvSpPr>
+            <p:spPr>
+              <a:xfrm>
+                <a:off x="160733" y="0"/>
+                <a:ext cx="11867600" cy="763600"/>
+              </a:xfrm>
+              <a:prstGeom prst="rect">
+                <a:avLst/>
+              </a:prstGeom>
+            </p:spPr>
+            <p:txBody>
+              <a:bodyPr spcFirstLastPara="1" wrap="square" lIns="121900" tIns="121900" rIns="121900" bIns="121900" anchor="ctr" anchorCtr="0">
+                <a:normAutofit/>
+              </a:bodyPr>
+              <a:lstStyle/>
+              <a:p>
+                <a:r>
+                  <a:rPr lang="en-IN" b="1" dirty="0"/>
+                  <a:t>RANS-based </a:t>
+                </a:r>
+                <a14:m>
+                  <m:oMath xmlns:m="http://schemas.openxmlformats.org/officeDocument/2006/math">
+                    <m:r>
+                      <a:rPr lang="en-IN" b="1" i="1" smtClean="0"/>
+                      <m:t>𝒌</m:t>
+                    </m:r>
+                    <m:r>
+                      <a:rPr lang="en-IN" b="1" i="1" smtClean="0"/>
+                      <m:t>−</m:t>
+                    </m:r>
+                    <m:r>
+                      <a:rPr lang="en-IN" b="1" i="1" smtClean="0"/>
+                      <m:t>𝝐</m:t>
+                    </m:r>
+                  </m:oMath>
+                </a14:m>
+                <a:r>
+                  <a:rPr lang="en-IN" b="1" dirty="0"/>
+                  <a:t> Models</a:t>
+                </a:r>
+                <a:endParaRPr b="1" dirty="0"/>
+              </a:p>
+            </p:txBody>
+          </p:sp>
+        </mc:Choice>
+        <mc:Fallback>
+          <p:sp>
+            <p:nvSpPr>
+              <p:cNvPr id="340" name="Google Shape;340;p37"/>
+              <p:cNvSpPr txBox="1">
+                <a:spLocks noGrp="1" noRot="1" noChangeAspect="1" noMove="1" noResize="1" noEditPoints="1" noAdjustHandles="1" noChangeArrowheads="1" noChangeShapeType="1" noTextEdit="1"/>
+              </p:cNvSpPr>
+              <p:nvPr>
+                <p:ph type="title"/>
+              </p:nvPr>
+            </p:nvSpPr>
+            <p:spPr>
+              <a:xfrm>
+                <a:off x="160733" y="0"/>
+                <a:ext cx="11867600" cy="763600"/>
+              </a:xfrm>
+              <a:prstGeom prst="rect">
+                <a:avLst/>
+              </a:prstGeom>
+              <a:blipFill>
+                <a:blip r:embed="rId3"/>
+                <a:stretch>
+                  <a:fillRect l="-770" b="-5600"/>
+                </a:stretch>
+              </a:blipFill>
+            </p:spPr>
+            <p:txBody>
+              <a:bodyPr/>
+              <a:lstStyle/>
+              <a:p>
+                <a:r>
+                  <a:rPr lang="en-IN">
+                    <a:noFill/>
+                  </a:rPr>
+                  <a:t> </a:t>
+                </a:r>
+              </a:p>
+            </p:txBody>
+          </p:sp>
+        </mc:Fallback>
+      </mc:AlternateContent>
+      <p:sp>
+        <p:nvSpPr>
+          <p:cNvPr id="341" name="Google Shape;341;p37"/>
+          <p:cNvSpPr txBox="1">
+            <a:spLocks noGrp="1"/>
+          </p:cNvSpPr>
+          <p:nvPr>
+            <p:ph type="sldNum" idx="12"/>
+          </p:nvPr>
+        </p:nvSpPr>
+        <p:spPr>
+          <a:xfrm>
+            <a:off x="11296744" y="6333189"/>
+            <a:ext cx="731600" cy="524800"/>
+          </a:xfrm>
+          <a:prstGeom prst="rect">
+            <a:avLst/>
+          </a:prstGeom>
+        </p:spPr>
+        <p:txBody>
+          <a:bodyPr spcFirstLastPara="1" wrap="square" lIns="121900" tIns="121900" rIns="121900" bIns="121900" anchor="ctr" anchorCtr="0">
+            <a:normAutofit/>
+          </a:bodyPr>
+          <a:lstStyle/>
+          <a:p>
+            <a:fld id="{00000000-1234-1234-1234-123412341234}" type="slidenum">
+              <a:rPr lang="en"/>
+              <a:pPr/>
+              <a:t>11</a:t>
+            </a:fld>
+            <a:endParaRPr/>
+          </a:p>
+        </p:txBody>
+      </p:sp>
+      <p:sp>
+        <p:nvSpPr>
+          <p:cNvPr id="346" name="Google Shape;346;p37"/>
+          <p:cNvSpPr txBox="1"/>
+          <p:nvPr/>
+        </p:nvSpPr>
+        <p:spPr>
+          <a:xfrm>
+            <a:off x="0" y="6333201"/>
+            <a:ext cx="9910400" cy="410393"/>
+          </a:xfrm>
+          <a:prstGeom prst="rect">
+            <a:avLst/>
+          </a:prstGeom>
+          <a:noFill/>
+          <a:ln>
+            <a:noFill/>
+          </a:ln>
+        </p:spPr>
+        <p:txBody>
+          <a:bodyPr spcFirstLastPara="1" wrap="square" lIns="121900" tIns="121900" rIns="121900" bIns="121900" anchor="t" anchorCtr="0">
+            <a:spAutoFit/>
+          </a:bodyPr>
+          <a:lstStyle/>
+          <a:p>
+            <a:r>
+              <a:rPr lang="en-US" sz="1067" dirty="0">
+                <a:solidFill>
+                  <a:schemeClr val="accent3"/>
+                </a:solidFill>
+                <a:latin typeface="Proxima Nova"/>
+                <a:ea typeface="Proxima Nova"/>
+                <a:cs typeface="Proxima Nova"/>
+                <a:sym typeface="Proxima Nova"/>
+              </a:rPr>
+              <a:t>[1] </a:t>
+            </a:r>
+            <a:r>
+              <a:rPr lang="en-US" sz="1067" dirty="0" err="1">
+                <a:solidFill>
+                  <a:schemeClr val="accent3"/>
+                </a:solidFill>
+                <a:latin typeface="Proxima Nova"/>
+                <a:ea typeface="Proxima Nova"/>
+                <a:cs typeface="Proxima Nova"/>
+                <a:sym typeface="Proxima Nova"/>
+              </a:rPr>
+              <a:t>Dynnikova</a:t>
+            </a:r>
+            <a:r>
+              <a:rPr lang="en-US" sz="1067" dirty="0">
+                <a:solidFill>
+                  <a:schemeClr val="accent3"/>
+                </a:solidFill>
+                <a:latin typeface="Proxima Nova"/>
+                <a:ea typeface="Proxima Nova"/>
+                <a:cs typeface="Proxima Nova"/>
+                <a:sym typeface="Proxima Nova"/>
+              </a:rPr>
+              <a:t>, G. </a:t>
+            </a:r>
+            <a:r>
+              <a:rPr lang="en-US" sz="1067" dirty="0" err="1">
+                <a:solidFill>
+                  <a:schemeClr val="accent3"/>
+                </a:solidFill>
+                <a:latin typeface="Proxima Nova"/>
+                <a:ea typeface="Proxima Nova"/>
+                <a:cs typeface="Proxima Nova"/>
+                <a:sym typeface="Proxima Nova"/>
+              </a:rPr>
+              <a:t>Ya</a:t>
+            </a:r>
+            <a:r>
+              <a:rPr lang="en-US" sz="1067" dirty="0">
+                <a:solidFill>
+                  <a:schemeClr val="accent3"/>
+                </a:solidFill>
+                <a:latin typeface="Proxima Nova"/>
+                <a:ea typeface="Proxima Nova"/>
+                <a:cs typeface="Proxima Nova"/>
+                <a:sym typeface="Proxima Nova"/>
+              </a:rPr>
+              <a:t> et al. (2021). “Stability of a reverse Karman vortex street”. In: Physics of Fluids 33.2. ISSN: 10897666. DOI: 10.1063/5.0035575.</a:t>
+            </a:r>
+          </a:p>
+        </p:txBody>
+      </p:sp>
+    </p:spTree>
+    <p:extLst>
+      <p:ext uri="{BB962C8B-B14F-4D97-AF65-F5344CB8AC3E}">
+        <p14:creationId xmlns:p14="http://schemas.microsoft.com/office/powerpoint/2010/main" val="3119075137"/>
+      </p:ext>
+    </p:extLst>
+  </p:cSld>
+  <p:clrMapOvr>
+    <a:masterClrMapping/>
+  </p:clrMapOvr>
+</p:sld>
+</file>
+
+<file path=ppt/slides/slide12.xml><?xml version="1.0" encoding="utf-8"?>
+<p:sld xmlns:a="http://schemas.openxmlformats.org/drawingml/2006/main" xmlns:r="http://schemas.openxmlformats.org/officeDocument/2006/relationships" xmlns:p="http://schemas.openxmlformats.org/presentationml/2006/main">
+  <p:cSld>
+    <p:spTree>
+      <p:nvGrpSpPr>
+        <p:cNvPr id="1" name="Shape 337"/>
+        <p:cNvGrpSpPr/>
+        <p:nvPr/>
+      </p:nvGrpSpPr>
+      <p:grpSpPr>
+        <a:xfrm>
+          <a:off x="0" y="0"/>
+          <a:ext cx="0" cy="0"/>
+          <a:chOff x="0" y="0"/>
+          <a:chExt cx="0" cy="0"/>
+        </a:xfrm>
+      </p:grpSpPr>
+      <p:sp>
+        <p:nvSpPr>
+          <p:cNvPr id="338" name="Google Shape;338;p37"/>
+          <p:cNvSpPr txBox="1">
+            <a:spLocks noGrp="1"/>
+          </p:cNvSpPr>
+          <p:nvPr>
+            <p:ph type="body" idx="1"/>
+          </p:nvPr>
+        </p:nvSpPr>
+        <p:spPr>
+          <a:xfrm>
+            <a:off x="160733" y="963200"/>
+            <a:ext cx="11867600" cy="5452800"/>
+          </a:xfrm>
+          <a:prstGeom prst="rect">
+            <a:avLst/>
+          </a:prstGeom>
+        </p:spPr>
+        <p:txBody>
+          <a:bodyPr spcFirstLastPara="1" wrap="square" lIns="121900" tIns="121900" rIns="121900" bIns="121900" anchor="t" anchorCtr="0">
+            <a:normAutofit/>
+          </a:bodyPr>
+          <a:lstStyle/>
+          <a:p>
+            <a:pPr marL="0" indent="0">
+              <a:buNone/>
+            </a:pPr>
+            <a:endParaRPr dirty="0"/>
+          </a:p>
+        </p:txBody>
+      </p:sp>
+      <p:sp>
+        <p:nvSpPr>
+          <p:cNvPr id="339" name="Google Shape;339;p37"/>
+          <p:cNvSpPr/>
+          <p:nvPr/>
+        </p:nvSpPr>
+        <p:spPr>
+          <a:xfrm>
+            <a:off x="13400" y="0"/>
+            <a:ext cx="12192000" cy="763600"/>
+          </a:xfrm>
+          <a:prstGeom prst="rect">
+            <a:avLst/>
+          </a:prstGeom>
+          <a:solidFill>
+            <a:schemeClr val="lt2"/>
+          </a:solidFill>
+          <a:ln w="9525" cap="flat" cmpd="sng">
+            <a:solidFill>
+              <a:schemeClr val="dk2"/>
+            </a:solidFill>
+            <a:prstDash val="solid"/>
+            <a:round/>
+            <a:headEnd type="none" w="sm" len="sm"/>
+            <a:tailEnd type="none" w="sm" len="sm"/>
+          </a:ln>
+        </p:spPr>
+        <p:txBody>
+          <a:bodyPr spcFirstLastPara="1" wrap="square" lIns="121900" tIns="121900" rIns="121900" bIns="121900" anchor="ctr" anchorCtr="0">
+            <a:noAutofit/>
+          </a:bodyPr>
+          <a:lstStyle/>
+          <a:p>
+            <a:endParaRPr sz="1867"/>
+          </a:p>
+        </p:txBody>
+      </p:sp>
+      <p:sp>
+        <p:nvSpPr>
+          <p:cNvPr id="340" name="Google Shape;340;p37"/>
+          <p:cNvSpPr txBox="1">
+            <a:spLocks noGrp="1"/>
+          </p:cNvSpPr>
+          <p:nvPr>
+            <p:ph type="title"/>
+          </p:nvPr>
+        </p:nvSpPr>
+        <p:spPr>
+          <a:xfrm>
+            <a:off x="160733" y="0"/>
+            <a:ext cx="11867600" cy="763600"/>
+          </a:xfrm>
+          <a:prstGeom prst="rect">
+            <a:avLst/>
+          </a:prstGeom>
+        </p:spPr>
+        <p:txBody>
+          <a:bodyPr spcFirstLastPara="1" wrap="square" lIns="121900" tIns="121900" rIns="121900" bIns="121900" anchor="ctr" anchorCtr="0">
+            <a:normAutofit/>
+          </a:bodyPr>
+          <a:lstStyle/>
+          <a:p>
+            <a:r>
+              <a:rPr lang="en-IN" b="1" dirty="0"/>
+              <a:t>Lagrangian LES-based Models</a:t>
+            </a:r>
+            <a:endParaRPr b="1" dirty="0"/>
+          </a:p>
+        </p:txBody>
+      </p:sp>
+      <p:sp>
+        <p:nvSpPr>
+          <p:cNvPr id="341" name="Google Shape;341;p37"/>
+          <p:cNvSpPr txBox="1">
+            <a:spLocks noGrp="1"/>
+          </p:cNvSpPr>
+          <p:nvPr>
+            <p:ph type="sldNum" idx="12"/>
+          </p:nvPr>
+        </p:nvSpPr>
+        <p:spPr>
+          <a:xfrm>
+            <a:off x="11296744" y="6333189"/>
+            <a:ext cx="731600" cy="524800"/>
+          </a:xfrm>
+          <a:prstGeom prst="rect">
+            <a:avLst/>
+          </a:prstGeom>
+        </p:spPr>
+        <p:txBody>
+          <a:bodyPr spcFirstLastPara="1" wrap="square" lIns="121900" tIns="121900" rIns="121900" bIns="121900" anchor="ctr" anchorCtr="0">
+            <a:normAutofit/>
+          </a:bodyPr>
+          <a:lstStyle/>
+          <a:p>
+            <a:fld id="{00000000-1234-1234-1234-123412341234}" type="slidenum">
+              <a:rPr lang="en"/>
+              <a:pPr/>
+              <a:t>12</a:t>
+            </a:fld>
+            <a:endParaRPr/>
+          </a:p>
+        </p:txBody>
+      </p:sp>
+      <p:sp>
+        <p:nvSpPr>
+          <p:cNvPr id="346" name="Google Shape;346;p37"/>
+          <p:cNvSpPr txBox="1"/>
+          <p:nvPr/>
+        </p:nvSpPr>
+        <p:spPr>
+          <a:xfrm>
+            <a:off x="0" y="6333201"/>
+            <a:ext cx="9910400" cy="410393"/>
+          </a:xfrm>
+          <a:prstGeom prst="rect">
+            <a:avLst/>
+          </a:prstGeom>
+          <a:noFill/>
+          <a:ln>
+            <a:noFill/>
+          </a:ln>
+        </p:spPr>
+        <p:txBody>
+          <a:bodyPr spcFirstLastPara="1" wrap="square" lIns="121900" tIns="121900" rIns="121900" bIns="121900" anchor="t" anchorCtr="0">
+            <a:spAutoFit/>
+          </a:bodyPr>
+          <a:lstStyle/>
+          <a:p>
+            <a:r>
+              <a:rPr lang="en-US" sz="1067" dirty="0">
+                <a:solidFill>
+                  <a:schemeClr val="accent3"/>
+                </a:solidFill>
+                <a:latin typeface="Proxima Nova"/>
+                <a:ea typeface="Proxima Nova"/>
+                <a:cs typeface="Proxima Nova"/>
+                <a:sym typeface="Proxima Nova"/>
+              </a:rPr>
+              <a:t>[1] </a:t>
+            </a:r>
+            <a:r>
+              <a:rPr lang="en-US" sz="1067" dirty="0" err="1">
+                <a:solidFill>
+                  <a:schemeClr val="accent3"/>
+                </a:solidFill>
+                <a:latin typeface="Proxima Nova"/>
+                <a:ea typeface="Proxima Nova"/>
+                <a:cs typeface="Proxima Nova"/>
+                <a:sym typeface="Proxima Nova"/>
+              </a:rPr>
+              <a:t>Dynnikova</a:t>
+            </a:r>
+            <a:r>
+              <a:rPr lang="en-US" sz="1067" dirty="0">
+                <a:solidFill>
+                  <a:schemeClr val="accent3"/>
+                </a:solidFill>
+                <a:latin typeface="Proxima Nova"/>
+                <a:ea typeface="Proxima Nova"/>
+                <a:cs typeface="Proxima Nova"/>
+                <a:sym typeface="Proxima Nova"/>
+              </a:rPr>
+              <a:t>, G. </a:t>
+            </a:r>
+            <a:r>
+              <a:rPr lang="en-US" sz="1067" dirty="0" err="1">
+                <a:solidFill>
+                  <a:schemeClr val="accent3"/>
+                </a:solidFill>
+                <a:latin typeface="Proxima Nova"/>
+                <a:ea typeface="Proxima Nova"/>
+                <a:cs typeface="Proxima Nova"/>
+                <a:sym typeface="Proxima Nova"/>
+              </a:rPr>
+              <a:t>Ya</a:t>
+            </a:r>
+            <a:r>
+              <a:rPr lang="en-US" sz="1067" dirty="0">
+                <a:solidFill>
+                  <a:schemeClr val="accent3"/>
+                </a:solidFill>
+                <a:latin typeface="Proxima Nova"/>
+                <a:ea typeface="Proxima Nova"/>
+                <a:cs typeface="Proxima Nova"/>
+                <a:sym typeface="Proxima Nova"/>
+              </a:rPr>
+              <a:t> et al. (2021). “Stability of a reverse Karman vortex street”. In: Physics of Fluids 33.2. ISSN: 10897666. DOI: 10.1063/5.0035575.</a:t>
+            </a:r>
+          </a:p>
+        </p:txBody>
+      </p:sp>
+    </p:spTree>
+    <p:extLst>
+      <p:ext uri="{BB962C8B-B14F-4D97-AF65-F5344CB8AC3E}">
+        <p14:creationId xmlns:p14="http://schemas.microsoft.com/office/powerpoint/2010/main" val="1057105532"/>
+      </p:ext>
+    </p:extLst>
+  </p:cSld>
+  <p:clrMapOvr>
+    <a:masterClrMapping/>
+  </p:clrMapOvr>
+</p:sld>
+</file>
+
+<file path=ppt/slides/slide13.xml><?xml version="1.0" encoding="utf-8"?>
+<p:sld xmlns:a="http://schemas.openxmlformats.org/drawingml/2006/main" xmlns:r="http://schemas.openxmlformats.org/officeDocument/2006/relationships" xmlns:p="http://schemas.openxmlformats.org/presentationml/2006/main">
+  <p:cSld>
+    <p:spTree>
+      <p:nvGrpSpPr>
+        <p:cNvPr id="1" name="Shape 358"/>
+        <p:cNvGrpSpPr/>
+        <p:nvPr/>
+      </p:nvGrpSpPr>
+      <p:grpSpPr>
+        <a:xfrm>
+          <a:off x="0" y="0"/>
+          <a:ext cx="0" cy="0"/>
+          <a:chOff x="0" y="0"/>
+          <a:chExt cx="0" cy="0"/>
+        </a:xfrm>
+      </p:grpSpPr>
+      <p:sp>
+        <p:nvSpPr>
+          <p:cNvPr id="359" name="Google Shape;359;p39"/>
+          <p:cNvSpPr/>
+          <p:nvPr/>
+        </p:nvSpPr>
+        <p:spPr>
+          <a:xfrm>
+            <a:off x="970400" y="3362033"/>
+            <a:ext cx="10251200" cy="1233600"/>
+          </a:xfrm>
+          <a:prstGeom prst="roundRect">
+            <a:avLst>
+              <a:gd name="adj" fmla="val 16667"/>
+            </a:avLst>
+          </a:prstGeom>
+          <a:solidFill>
+            <a:schemeClr val="lt2"/>
+          </a:solidFill>
+          <a:ln w="9525" cap="flat" cmpd="sng">
+            <a:solidFill>
+              <a:schemeClr val="dk2"/>
+            </a:solidFill>
+            <a:prstDash val="solid"/>
+            <a:round/>
+            <a:headEnd type="none" w="sm" len="sm"/>
+            <a:tailEnd type="none" w="sm" len="sm"/>
+          </a:ln>
+        </p:spPr>
+        <p:txBody>
+          <a:bodyPr spcFirstLastPara="1" wrap="square" lIns="121900" tIns="121900" rIns="121900" bIns="121900" anchor="ctr" anchorCtr="0">
+            <a:noAutofit/>
+          </a:bodyPr>
+          <a:lstStyle/>
+          <a:p>
+            <a:endParaRPr sz="1867"/>
+          </a:p>
+        </p:txBody>
+      </p:sp>
+      <p:sp>
+        <p:nvSpPr>
+          <p:cNvPr id="360" name="Google Shape;360;p39"/>
+          <p:cNvSpPr txBox="1"/>
+          <p:nvPr/>
+        </p:nvSpPr>
+        <p:spPr>
+          <a:xfrm>
+            <a:off x="970400" y="3362033"/>
+            <a:ext cx="10251200" cy="1233600"/>
+          </a:xfrm>
+          <a:prstGeom prst="rect">
+            <a:avLst/>
+          </a:prstGeom>
+          <a:noFill/>
+          <a:ln>
+            <a:noFill/>
+          </a:ln>
+        </p:spPr>
+        <p:txBody>
+          <a:bodyPr spcFirstLastPara="1" wrap="square" lIns="121900" tIns="121900" rIns="121900" bIns="121900" anchor="ctr" anchorCtr="0">
+            <a:noAutofit/>
+          </a:bodyPr>
+          <a:lstStyle/>
+          <a:p>
+            <a:pPr algn="ctr">
+              <a:buSzPts val="990"/>
+            </a:pPr>
+            <a:r>
+              <a:rPr lang="en" sz="3467" i="1">
+                <a:solidFill>
+                  <a:schemeClr val="lt1"/>
+                </a:solidFill>
+                <a:latin typeface="Proxima Nova"/>
+                <a:ea typeface="Proxima Nova"/>
+                <a:cs typeface="Proxima Nova"/>
+                <a:sym typeface="Proxima Nova"/>
+              </a:rPr>
+              <a:t>Thank you!</a:t>
+            </a:r>
+            <a:endParaRPr sz="1867" i="1">
+              <a:latin typeface="Proxima Nova"/>
+              <a:ea typeface="Proxima Nova"/>
+              <a:cs typeface="Proxima Nova"/>
+              <a:sym typeface="Proxima Nova"/>
+            </a:endParaRPr>
+          </a:p>
+        </p:txBody>
+      </p:sp>
+      <p:pic>
+        <p:nvPicPr>
+          <p:cNvPr id="361" name="Google Shape;361;p39"/>
+          <p:cNvPicPr preferRelativeResize="0"/>
+          <p:nvPr/>
+        </p:nvPicPr>
+        <p:blipFill>
+          <a:blip r:embed="rId3">
+            <a:alphaModFix/>
+          </a:blip>
+          <a:stretch>
+            <a:fillRect/>
+          </a:stretch>
+        </p:blipFill>
+        <p:spPr>
+          <a:xfrm>
+            <a:off x="5509402" y="1209801"/>
+            <a:ext cx="1173167" cy="1143567"/>
+          </a:xfrm>
+          <a:prstGeom prst="rect">
+            <a:avLst/>
+          </a:prstGeom>
+          <a:noFill/>
+          <a:ln>
+            <a:noFill/>
+          </a:ln>
+        </p:spPr>
+      </p:pic>
+      <p:sp>
+        <p:nvSpPr>
+          <p:cNvPr id="362" name="Google Shape;362;p39"/>
+          <p:cNvSpPr txBox="1">
+            <a:spLocks noGrp="1"/>
+          </p:cNvSpPr>
+          <p:nvPr>
+            <p:ph type="subTitle" idx="1"/>
+          </p:nvPr>
+        </p:nvSpPr>
+        <p:spPr>
+          <a:xfrm>
+            <a:off x="949800" y="5414801"/>
+            <a:ext cx="10292400" cy="1442790"/>
+          </a:xfrm>
+          <a:prstGeom prst="rect">
+            <a:avLst/>
+          </a:prstGeom>
+        </p:spPr>
+        <p:txBody>
+          <a:bodyPr spcFirstLastPara="1" wrap="square" lIns="121900" tIns="121900" rIns="121900" bIns="121900" anchor="t" anchorCtr="0">
+            <a:spAutoFit/>
+          </a:bodyPr>
+          <a:lstStyle/>
+          <a:p>
+            <a:pPr marL="0" indent="0" algn="ctr">
+              <a:lnSpc>
+                <a:spcPct val="90000"/>
+              </a:lnSpc>
+              <a:buSzPts val="358"/>
+            </a:pPr>
+            <a:r>
+              <a:rPr lang="en" sz="1600" dirty="0"/>
+              <a:t>Department of Aerospace Engineering</a:t>
+            </a:r>
+            <a:endParaRPr sz="1600" dirty="0"/>
+          </a:p>
+          <a:p>
+            <a:pPr marL="0" indent="0" algn="ctr">
+              <a:lnSpc>
+                <a:spcPct val="90000"/>
+              </a:lnSpc>
+              <a:buSzPts val="358"/>
+            </a:pPr>
+            <a:r>
+              <a:rPr lang="en" sz="1600" dirty="0"/>
+              <a:t>Indian Institute of Technology Bombay</a:t>
+            </a:r>
+            <a:endParaRPr sz="1600" dirty="0"/>
+          </a:p>
+          <a:p>
+            <a:pPr marL="0" indent="0" algn="ctr">
+              <a:lnSpc>
+                <a:spcPct val="90000"/>
+              </a:lnSpc>
+              <a:buSzPts val="358"/>
+            </a:pPr>
+            <a:endParaRPr sz="1440" dirty="0"/>
+          </a:p>
+          <a:p>
+            <a:pPr marL="0" indent="0" algn="ctr">
+              <a:lnSpc>
+                <a:spcPct val="90000"/>
+              </a:lnSpc>
+              <a:buSzPts val="358"/>
+            </a:pPr>
+            <a:endParaRPr sz="2000" dirty="0"/>
+          </a:p>
+          <a:p>
+            <a:pPr marL="0" indent="0" algn="ctr">
+              <a:lnSpc>
+                <a:spcPct val="90000"/>
+              </a:lnSpc>
+              <a:buSzPts val="358"/>
+            </a:pPr>
+            <a:r>
+              <a:rPr lang="en" sz="2000" dirty="0"/>
+              <a:t>October 25</a:t>
+            </a:r>
+            <a:r>
+              <a:rPr lang="en" sz="2000" baseline="30000" dirty="0"/>
+              <a:t>th</a:t>
+            </a:r>
+            <a:r>
+              <a:rPr lang="en" sz="2000" dirty="0"/>
+              <a:t>, 2022</a:t>
+            </a:r>
+            <a:endParaRPr sz="2000" dirty="0"/>
+          </a:p>
+        </p:txBody>
+      </p:sp>
+    </p:spTree>
+  </p:cSld>
+  <p:clrMapOvr>
+    <a:masterClrMapping/>
+  </p:clrMapOvr>
+</p:sld>
+</file>
+
+<file path=ppt/slides/slide14.xml><?xml version="1.0" encoding="utf-8"?>
 <p:sld xmlns:a="http://schemas.openxmlformats.org/drawingml/2006/main" xmlns:r="http://schemas.openxmlformats.org/officeDocument/2006/relationships" xmlns:p="http://schemas.openxmlformats.org/presentationml/2006/main">
   <p:cSld>
     <p:spTree>
@@ -7666,7 +9686,7 @@
           <a:p>
             <a:r>
               <a:rPr lang="en-IN" dirty="0"/>
-              <a:t>Filled Template Slides</a:t>
+              <a:t>Blank Template Slides</a:t>
             </a:r>
             <a:endParaRPr sz="2133" dirty="0"/>
           </a:p>
@@ -7700,13 +9720,18 @@
             <a:fld id="{00000000-1234-1234-1234-123412341234}" type="slidenum">
               <a:rPr lang="en"/>
               <a:pPr/>
-              <a:t>11</a:t>
+              <a:t>14</a:t>
             </a:fld>
             <a:endParaRPr/>
           </a:p>
         </p:txBody>
       </p:sp>
     </p:spTree>
+    <p:extLst>
+      <p:ext uri="{BB962C8B-B14F-4D97-AF65-F5344CB8AC3E}">
+        <p14:creationId xmlns:p14="http://schemas.microsoft.com/office/powerpoint/2010/main" val="3905214173"/>
+      </p:ext>
+    </p:extLst>
   </p:cSld>
   <p:clrMapOvr>
     <a:masterClrMapping/>
@@ -7714,7 +9739,257 @@
 </p:sld>
 </file>
 
-<file path=ppt/slides/slide12.xml><?xml version="1.0" encoding="utf-8"?>
+<file path=ppt/slides/slide15.xml><?xml version="1.0" encoding="utf-8"?>
+<p:sld xmlns:a="http://schemas.openxmlformats.org/drawingml/2006/main" xmlns:r="http://schemas.openxmlformats.org/officeDocument/2006/relationships" xmlns:p="http://schemas.openxmlformats.org/presentationml/2006/main">
+  <p:cSld>
+    <p:spTree>
+      <p:nvGrpSpPr>
+        <p:cNvPr id="1" name="Shape 337"/>
+        <p:cNvGrpSpPr/>
+        <p:nvPr/>
+      </p:nvGrpSpPr>
+      <p:grpSpPr>
+        <a:xfrm>
+          <a:off x="0" y="0"/>
+          <a:ext cx="0" cy="0"/>
+          <a:chOff x="0" y="0"/>
+          <a:chExt cx="0" cy="0"/>
+        </a:xfrm>
+      </p:grpSpPr>
+      <p:sp>
+        <p:nvSpPr>
+          <p:cNvPr id="338" name="Google Shape;338;p37"/>
+          <p:cNvSpPr txBox="1">
+            <a:spLocks noGrp="1"/>
+          </p:cNvSpPr>
+          <p:nvPr>
+            <p:ph type="body" idx="1"/>
+          </p:nvPr>
+        </p:nvSpPr>
+        <p:spPr>
+          <a:xfrm>
+            <a:off x="160733" y="963200"/>
+            <a:ext cx="7046000" cy="5452800"/>
+          </a:xfrm>
+          <a:prstGeom prst="rect">
+            <a:avLst/>
+          </a:prstGeom>
+        </p:spPr>
+        <p:txBody>
+          <a:bodyPr spcFirstLastPara="1" wrap="square" lIns="121900" tIns="121900" rIns="121900" bIns="121900" anchor="t" anchorCtr="0">
+            <a:normAutofit/>
+          </a:bodyPr>
+          <a:lstStyle/>
+          <a:p>
+            <a:pPr marL="0" indent="0">
+              <a:buNone/>
+            </a:pPr>
+            <a:endParaRPr dirty="0"/>
+          </a:p>
+        </p:txBody>
+      </p:sp>
+      <p:sp>
+        <p:nvSpPr>
+          <p:cNvPr id="339" name="Google Shape;339;p37"/>
+          <p:cNvSpPr/>
+          <p:nvPr/>
+        </p:nvSpPr>
+        <p:spPr>
+          <a:xfrm>
+            <a:off x="13400" y="0"/>
+            <a:ext cx="12192000" cy="763600"/>
+          </a:xfrm>
+          <a:prstGeom prst="rect">
+            <a:avLst/>
+          </a:prstGeom>
+          <a:solidFill>
+            <a:schemeClr val="lt2"/>
+          </a:solidFill>
+          <a:ln w="9525" cap="flat" cmpd="sng">
+            <a:solidFill>
+              <a:schemeClr val="dk2"/>
+            </a:solidFill>
+            <a:prstDash val="solid"/>
+            <a:round/>
+            <a:headEnd type="none" w="sm" len="sm"/>
+            <a:tailEnd type="none" w="sm" len="sm"/>
+          </a:ln>
+        </p:spPr>
+        <p:txBody>
+          <a:bodyPr spcFirstLastPara="1" wrap="square" lIns="121900" tIns="121900" rIns="121900" bIns="121900" anchor="ctr" anchorCtr="0">
+            <a:noAutofit/>
+          </a:bodyPr>
+          <a:lstStyle/>
+          <a:p>
+            <a:endParaRPr sz="1867"/>
+          </a:p>
+        </p:txBody>
+      </p:sp>
+      <p:sp>
+        <p:nvSpPr>
+          <p:cNvPr id="340" name="Google Shape;340;p37"/>
+          <p:cNvSpPr txBox="1">
+            <a:spLocks noGrp="1"/>
+          </p:cNvSpPr>
+          <p:nvPr>
+            <p:ph type="title"/>
+          </p:nvPr>
+        </p:nvSpPr>
+        <p:spPr>
+          <a:xfrm>
+            <a:off x="160733" y="0"/>
+            <a:ext cx="11867600" cy="763600"/>
+          </a:xfrm>
+          <a:prstGeom prst="rect">
+            <a:avLst/>
+          </a:prstGeom>
+        </p:spPr>
+        <p:txBody>
+          <a:bodyPr spcFirstLastPara="1" wrap="square" lIns="121900" tIns="121900" rIns="121900" bIns="121900" anchor="ctr" anchorCtr="0">
+            <a:normAutofit/>
+          </a:bodyPr>
+          <a:lstStyle/>
+          <a:p>
+            <a:endParaRPr b="1" dirty="0"/>
+          </a:p>
+        </p:txBody>
+      </p:sp>
+      <p:sp>
+        <p:nvSpPr>
+          <p:cNvPr id="341" name="Google Shape;341;p37"/>
+          <p:cNvSpPr txBox="1">
+            <a:spLocks noGrp="1"/>
+          </p:cNvSpPr>
+          <p:nvPr>
+            <p:ph type="sldNum" idx="12"/>
+          </p:nvPr>
+        </p:nvSpPr>
+        <p:spPr>
+          <a:xfrm>
+            <a:off x="11296744" y="6333189"/>
+            <a:ext cx="731600" cy="524800"/>
+          </a:xfrm>
+          <a:prstGeom prst="rect">
+            <a:avLst/>
+          </a:prstGeom>
+        </p:spPr>
+        <p:txBody>
+          <a:bodyPr spcFirstLastPara="1" wrap="square" lIns="121900" tIns="121900" rIns="121900" bIns="121900" anchor="ctr" anchorCtr="0">
+            <a:normAutofit/>
+          </a:bodyPr>
+          <a:lstStyle/>
+          <a:p>
+            <a:fld id="{00000000-1234-1234-1234-123412341234}" type="slidenum">
+              <a:rPr lang="en"/>
+              <a:pPr/>
+              <a:t>15</a:t>
+            </a:fld>
+            <a:endParaRPr/>
+          </a:p>
+        </p:txBody>
+      </p:sp>
+      <p:sp>
+        <p:nvSpPr>
+          <p:cNvPr id="346" name="Google Shape;346;p37"/>
+          <p:cNvSpPr txBox="1"/>
+          <p:nvPr/>
+        </p:nvSpPr>
+        <p:spPr>
+          <a:xfrm>
+            <a:off x="0" y="6333201"/>
+            <a:ext cx="9910400" cy="410393"/>
+          </a:xfrm>
+          <a:prstGeom prst="rect">
+            <a:avLst/>
+          </a:prstGeom>
+          <a:noFill/>
+          <a:ln>
+            <a:noFill/>
+          </a:ln>
+        </p:spPr>
+        <p:txBody>
+          <a:bodyPr spcFirstLastPara="1" wrap="square" lIns="121900" tIns="121900" rIns="121900" bIns="121900" anchor="t" anchorCtr="0">
+            <a:spAutoFit/>
+          </a:bodyPr>
+          <a:lstStyle/>
+          <a:p>
+            <a:r>
+              <a:rPr lang="en-US" sz="1067" dirty="0">
+                <a:solidFill>
+                  <a:schemeClr val="accent3"/>
+                </a:solidFill>
+                <a:latin typeface="Proxima Nova"/>
+                <a:ea typeface="Proxima Nova"/>
+                <a:cs typeface="Proxima Nova"/>
+                <a:sym typeface="Proxima Nova"/>
+              </a:rPr>
+              <a:t>[1] </a:t>
+            </a:r>
+            <a:r>
+              <a:rPr lang="en-US" sz="1067" dirty="0" err="1">
+                <a:solidFill>
+                  <a:schemeClr val="accent3"/>
+                </a:solidFill>
+                <a:latin typeface="Proxima Nova"/>
+                <a:ea typeface="Proxima Nova"/>
+                <a:cs typeface="Proxima Nova"/>
+                <a:sym typeface="Proxima Nova"/>
+              </a:rPr>
+              <a:t>Dynnikova</a:t>
+            </a:r>
+            <a:r>
+              <a:rPr lang="en-US" sz="1067" dirty="0">
+                <a:solidFill>
+                  <a:schemeClr val="accent3"/>
+                </a:solidFill>
+                <a:latin typeface="Proxima Nova"/>
+                <a:ea typeface="Proxima Nova"/>
+                <a:cs typeface="Proxima Nova"/>
+                <a:sym typeface="Proxima Nova"/>
+              </a:rPr>
+              <a:t>, G. </a:t>
+            </a:r>
+            <a:r>
+              <a:rPr lang="en-US" sz="1067" dirty="0" err="1">
+                <a:solidFill>
+                  <a:schemeClr val="accent3"/>
+                </a:solidFill>
+                <a:latin typeface="Proxima Nova"/>
+                <a:ea typeface="Proxima Nova"/>
+                <a:cs typeface="Proxima Nova"/>
+                <a:sym typeface="Proxima Nova"/>
+              </a:rPr>
+              <a:t>Ya</a:t>
+            </a:r>
+            <a:r>
+              <a:rPr lang="en-US" sz="1067" dirty="0">
+                <a:solidFill>
+                  <a:schemeClr val="accent3"/>
+                </a:solidFill>
+                <a:latin typeface="Proxima Nova"/>
+                <a:ea typeface="Proxima Nova"/>
+                <a:cs typeface="Proxima Nova"/>
+                <a:sym typeface="Proxima Nova"/>
+              </a:rPr>
+              <a:t> et al. (2021). “Stability of a reverse Karman vortex street”. In: Physics of Fluids 33.2. ISSN: 10897666. DOI: 10.1063/5.0035575.</a:t>
+            </a:r>
+          </a:p>
+        </p:txBody>
+      </p:sp>
+    </p:spTree>
+    <p:extLst>
+      <p:ext uri="{BB962C8B-B14F-4D97-AF65-F5344CB8AC3E}">
+        <p14:creationId xmlns:p14="http://schemas.microsoft.com/office/powerpoint/2010/main" val="2270119635"/>
+      </p:ext>
+    </p:extLst>
+  </p:cSld>
+  <p:clrMapOvr>
+    <a:masterClrMapping/>
+  </p:clrMapOvr>
+</p:sld>
+</file>
+
+<file path=ppt/slides/slide16.xml><?xml version="1.0" encoding="utf-8"?>
 <p:sld xmlns:a="http://schemas.openxmlformats.org/drawingml/2006/main" xmlns:r="http://schemas.openxmlformats.org/officeDocument/2006/relationships" xmlns:p="http://schemas.openxmlformats.org/presentationml/2006/main">
   <p:cSld>
     <p:spTree>
@@ -7793,10 +10068,6 @@
           </a:bodyPr>
           <a:lstStyle/>
           <a:p>
-            <a:r>
-              <a:rPr lang="en" b="1" dirty="0"/>
-              <a:t>Project Motivation</a:t>
-            </a:r>
             <a:endParaRPr b="1" dirty="0"/>
           </a:p>
         </p:txBody>
@@ -7829,7 +10100,233 @@
             <a:fld id="{00000000-1234-1234-1234-123412341234}" type="slidenum">
               <a:rPr lang="en"/>
               <a:pPr/>
-              <a:t>12</a:t>
+              <a:t>16</a:t>
+            </a:fld>
+            <a:endParaRPr/>
+          </a:p>
+        </p:txBody>
+      </p:sp>
+    </p:spTree>
+    <p:extLst>
+      <p:ext uri="{BB962C8B-B14F-4D97-AF65-F5344CB8AC3E}">
+        <p14:creationId xmlns:p14="http://schemas.microsoft.com/office/powerpoint/2010/main" val="2298647661"/>
+      </p:ext>
+    </p:extLst>
+  </p:cSld>
+  <p:clrMapOvr>
+    <a:masterClrMapping/>
+  </p:clrMapOvr>
+</p:sld>
+</file>
+
+<file path=ppt/slides/slide17.xml><?xml version="1.0" encoding="utf-8"?>
+<p:sld xmlns:a="http://schemas.openxmlformats.org/drawingml/2006/main" xmlns:r="http://schemas.openxmlformats.org/officeDocument/2006/relationships" xmlns:p="http://schemas.openxmlformats.org/presentationml/2006/main">
+  <p:cSld>
+    <p:spTree>
+      <p:nvGrpSpPr>
+        <p:cNvPr id="1" name="Shape 366"/>
+        <p:cNvGrpSpPr/>
+        <p:nvPr/>
+      </p:nvGrpSpPr>
+      <p:grpSpPr>
+        <a:xfrm>
+          <a:off x="0" y="0"/>
+          <a:ext cx="0" cy="0"/>
+          <a:chOff x="0" y="0"/>
+          <a:chExt cx="0" cy="0"/>
+        </a:xfrm>
+      </p:grpSpPr>
+      <p:sp>
+        <p:nvSpPr>
+          <p:cNvPr id="367" name="Google Shape;367;p40"/>
+          <p:cNvSpPr txBox="1">
+            <a:spLocks noGrp="1"/>
+          </p:cNvSpPr>
+          <p:nvPr>
+            <p:ph type="title"/>
+          </p:nvPr>
+        </p:nvSpPr>
+        <p:spPr>
+          <a:xfrm>
+            <a:off x="653667" y="701800"/>
+            <a:ext cx="7730000" cy="5454400"/>
+          </a:xfrm>
+          <a:prstGeom prst="rect">
+            <a:avLst/>
+          </a:prstGeom>
+        </p:spPr>
+        <p:txBody>
+          <a:bodyPr spcFirstLastPara="1" wrap="square" lIns="121900" tIns="121900" rIns="121900" bIns="121900" anchor="ctr" anchorCtr="0">
+            <a:normAutofit/>
+          </a:bodyPr>
+          <a:lstStyle/>
+          <a:p>
+            <a:r>
+              <a:rPr lang="en-IN" dirty="0"/>
+              <a:t>Filled Template Slides</a:t>
+            </a:r>
+            <a:endParaRPr sz="2133" dirty="0"/>
+          </a:p>
+        </p:txBody>
+      </p:sp>
+      <p:sp>
+        <p:nvSpPr>
+          <p:cNvPr id="368" name="Google Shape;368;p40"/>
+          <p:cNvSpPr txBox="1">
+            <a:spLocks noGrp="1"/>
+          </p:cNvSpPr>
+          <p:nvPr>
+            <p:ph type="sldNum" idx="12"/>
+          </p:nvPr>
+        </p:nvSpPr>
+        <p:spPr>
+          <a:xfrm>
+            <a:off x="11296611" y="6217623"/>
+            <a:ext cx="731600" cy="524800"/>
+          </a:xfrm>
+          <a:prstGeom prst="rect">
+            <a:avLst/>
+          </a:prstGeom>
+        </p:spPr>
+        <p:txBody>
+          <a:bodyPr spcFirstLastPara="1" wrap="square" lIns="121900" tIns="121900" rIns="121900" bIns="121900" anchor="ctr" anchorCtr="0">
+            <a:normAutofit/>
+          </a:bodyPr>
+          <a:lstStyle/>
+          <a:p>
+            <a:fld id="{00000000-1234-1234-1234-123412341234}" type="slidenum">
+              <a:rPr lang="en"/>
+              <a:pPr/>
+              <a:t>17</a:t>
+            </a:fld>
+            <a:endParaRPr/>
+          </a:p>
+        </p:txBody>
+      </p:sp>
+    </p:spTree>
+  </p:cSld>
+  <p:clrMapOvr>
+    <a:masterClrMapping/>
+  </p:clrMapOvr>
+</p:sld>
+</file>
+
+<file path=ppt/slides/slide18.xml><?xml version="1.0" encoding="utf-8"?>
+<p:sld xmlns:a="http://schemas.openxmlformats.org/drawingml/2006/main" xmlns:r="http://schemas.openxmlformats.org/officeDocument/2006/relationships" xmlns:p="http://schemas.openxmlformats.org/presentationml/2006/main">
+  <p:cSld>
+    <p:spTree>
+      <p:nvGrpSpPr>
+        <p:cNvPr id="1" name="Shape 68"/>
+        <p:cNvGrpSpPr/>
+        <p:nvPr/>
+      </p:nvGrpSpPr>
+      <p:grpSpPr>
+        <a:xfrm>
+          <a:off x="0" y="0"/>
+          <a:ext cx="0" cy="0"/>
+          <a:chOff x="0" y="0"/>
+          <a:chExt cx="0" cy="0"/>
+        </a:xfrm>
+      </p:grpSpPr>
+      <p:sp>
+        <p:nvSpPr>
+          <p:cNvPr id="69" name="Google Shape;69;p14"/>
+          <p:cNvSpPr/>
+          <p:nvPr/>
+        </p:nvSpPr>
+        <p:spPr>
+          <a:xfrm>
+            <a:off x="13400" y="0"/>
+            <a:ext cx="12192000" cy="763600"/>
+          </a:xfrm>
+          <a:prstGeom prst="rect">
+            <a:avLst/>
+          </a:prstGeom>
+          <a:solidFill>
+            <a:schemeClr val="lt2"/>
+          </a:solidFill>
+          <a:ln w="9525" cap="flat" cmpd="sng">
+            <a:solidFill>
+              <a:schemeClr val="dk2"/>
+            </a:solidFill>
+            <a:prstDash val="solid"/>
+            <a:round/>
+            <a:headEnd type="none" w="sm" len="sm"/>
+            <a:tailEnd type="none" w="sm" len="sm"/>
+          </a:ln>
+        </p:spPr>
+        <p:txBody>
+          <a:bodyPr spcFirstLastPara="1" wrap="square" lIns="121900" tIns="121900" rIns="121900" bIns="121900" anchor="ctr" anchorCtr="0">
+            <a:noAutofit/>
+          </a:bodyPr>
+          <a:lstStyle/>
+          <a:p>
+            <a:endParaRPr sz="1867"/>
+          </a:p>
+        </p:txBody>
+      </p:sp>
+      <p:sp>
+        <p:nvSpPr>
+          <p:cNvPr id="70" name="Google Shape;70;p14"/>
+          <p:cNvSpPr txBox="1">
+            <a:spLocks noGrp="1"/>
+          </p:cNvSpPr>
+          <p:nvPr>
+            <p:ph type="title"/>
+          </p:nvPr>
+        </p:nvSpPr>
+        <p:spPr>
+          <a:xfrm>
+            <a:off x="160733" y="0"/>
+            <a:ext cx="11867600" cy="763600"/>
+          </a:xfrm>
+          <a:prstGeom prst="rect">
+            <a:avLst/>
+          </a:prstGeom>
+        </p:spPr>
+        <p:txBody>
+          <a:bodyPr spcFirstLastPara="1" wrap="square" lIns="121900" tIns="121900" rIns="121900" bIns="121900" anchor="ctr" anchorCtr="0">
+            <a:normAutofit/>
+          </a:bodyPr>
+          <a:lstStyle/>
+          <a:p>
+            <a:r>
+              <a:rPr lang="en" b="1" dirty="0"/>
+              <a:t>Project Motivation</a:t>
+            </a:r>
+            <a:endParaRPr b="1" dirty="0"/>
+          </a:p>
+        </p:txBody>
+      </p:sp>
+      <p:sp>
+        <p:nvSpPr>
+          <p:cNvPr id="71" name="Google Shape;71;p14"/>
+          <p:cNvSpPr txBox="1">
+            <a:spLocks noGrp="1"/>
+          </p:cNvSpPr>
+          <p:nvPr>
+            <p:ph type="sldNum" idx="12"/>
+          </p:nvPr>
+        </p:nvSpPr>
+        <p:spPr>
+          <a:xfrm>
+            <a:off x="11296744" y="6333189"/>
+            <a:ext cx="731600" cy="524800"/>
+          </a:xfrm>
+          <a:prstGeom prst="rect">
+            <a:avLst/>
+          </a:prstGeom>
+        </p:spPr>
+        <p:txBody>
+          <a:bodyPr spcFirstLastPara="1" wrap="square" lIns="121900" tIns="121900" rIns="121900" bIns="121900" anchor="ctr" anchorCtr="0">
+            <a:normAutofit/>
+          </a:bodyPr>
+          <a:lstStyle/>
+          <a:p>
+            <a:fld id="{00000000-1234-1234-1234-123412341234}" type="slidenum">
+              <a:rPr lang="en"/>
+              <a:pPr/>
+              <a:t>18</a:t>
             </a:fld>
             <a:endParaRPr/>
           </a:p>
@@ -8932,7 +11429,7 @@
 </p:sld>
 </file>
 
-<file path=ppt/slides/slide13.xml><?xml version="1.0" encoding="utf-8"?>
+<file path=ppt/slides/slide19.xml><?xml version="1.0" encoding="utf-8"?>
 <p:sld xmlns:a="http://schemas.openxmlformats.org/drawingml/2006/main" xmlns:r="http://schemas.openxmlformats.org/officeDocument/2006/relationships" xmlns:p="http://schemas.openxmlformats.org/presentationml/2006/main">
   <p:cSld>
     <p:spTree>
@@ -9232,7 +11729,7 @@
             <a:fld id="{00000000-1234-1234-1234-123412341234}" type="slidenum">
               <a:rPr lang="en"/>
               <a:pPr/>
-              <a:t>13</a:t>
+              <a:t>19</a:t>
             </a:fld>
             <a:endParaRPr/>
           </a:p>
@@ -10499,15 +12996,7 @@
                 <a:pPr marL="285750" indent="-285750"/>
                 <a:r>
                   <a:rPr lang="en-IN" dirty="0"/>
-                  <a:t>Eddy Viscosity Model [</a:t>
-                </a:r>
-                <a:r>
-                  <a:rPr lang="en-IN" dirty="0" err="1"/>
-                  <a:t>Violeau</a:t>
-                </a:r>
-                <a:r>
-                  <a:rPr lang="en-IN" dirty="0"/>
-                  <a:t>]</a:t>
+                  <a:t>Eddy Viscosity Model [Violeau]</a:t>
                 </a:r>
               </a:p>
               <a:p>
@@ -10534,19 +13023,7 @@
                   <a:rPr lang="en-IN" dirty="0">
                     <a:sym typeface="Wingdings" panose="05000000000000000000" pitchFamily="2" charset="2"/>
                   </a:rPr>
-                  <a:t> Reynolds stress tensor &amp; mean </a:t>
-                </a:r>
-                <a:r>
-                  <a:rPr lang="en-IN" dirty="0" err="1">
-                    <a:sym typeface="Wingdings" panose="05000000000000000000" pitchFamily="2" charset="2"/>
-                  </a:rPr>
-                  <a:t>vel</a:t>
-                </a:r>
-                <a:r>
-                  <a:rPr lang="en-IN" dirty="0">
-                    <a:sym typeface="Wingdings" panose="05000000000000000000" pitchFamily="2" charset="2"/>
-                  </a:rPr>
-                  <a:t> gradients</a:t>
+                  <a:t> Reynolds stress tensor &amp; mean vel gradients</a:t>
                 </a:r>
               </a:p>
               <a:p>
@@ -10646,15 +13123,7 @@
                 <a:pPr marL="285750" indent="-285750"/>
                 <a:r>
                   <a:rPr lang="en-IN" dirty="0"/>
-                  <a:t>GLM [</a:t>
-                </a:r>
-                <a:r>
-                  <a:rPr lang="en-IN" dirty="0" err="1"/>
-                  <a:t>Violeau</a:t>
-                </a:r>
-                <a:r>
-                  <a:rPr lang="en-IN" dirty="0"/>
-                  <a:t>]</a:t>
+                  <a:t>GLM [Violeau]</a:t>
                 </a:r>
               </a:p>
               <a:p>
@@ -10741,7 +13210,7 @@
               <a:blipFill>
                 <a:blip r:embed="rId5"/>
                 <a:stretch>
-                  <a:fillRect l="-103"/>
+                  <a:fillRect l="-154"/>
                 </a:stretch>
               </a:blipFill>
             </p:spPr>
@@ -10984,7 +13453,7 @@
         </p:blipFill>
         <p:spPr>
           <a:xfrm>
-            <a:off x="7215522" y="986527"/>
+            <a:off x="6842299" y="1091194"/>
             <a:ext cx="4906117" cy="2984355"/>
           </a:xfrm>
           <a:prstGeom prst="rect">
@@ -11092,54 +13561,20 @@
                 <a:pPr marL="285750" indent="-285750"/>
                 <a:r>
                   <a:rPr lang="en-IN" dirty="0"/>
-                  <a:t>Eddy Viscosity Model [</a:t>
-                </a:r>
-                <a:r>
-                  <a:rPr lang="en-IN" dirty="0" err="1"/>
-                  <a:t>Violeau</a:t>
-                </a:r>
-                <a:r>
-                  <a:rPr lang="en-IN" dirty="0"/>
-                  <a:t>]</a:t>
+                  <a:t>mSPH [Adami2012]</a:t>
                 </a:r>
               </a:p>
               <a:p>
                 <a:pPr marL="895335" lvl="1" indent="-285750"/>
                 <a:r>
                   <a:rPr lang="en-IN" dirty="0"/>
-                  <a:t>One of the first classes of SPH turbulence models </a:t>
-                </a:r>
-              </a:p>
-              <a:p>
-                <a:pPr marL="895335" lvl="1" indent="-285750"/>
-                <a:r>
-                  <a:rPr lang="en-IN" dirty="0"/>
-                  <a:t>Velocities are Reynolds-averaged</a:t>
-                </a:r>
-              </a:p>
-              <a:p>
-                <a:pPr marL="895335" lvl="1" indent="-285750"/>
-                <a:r>
-                  <a:rPr lang="en-IN" dirty="0"/>
-                  <a:t>First-order closure model </a:t>
+                  <a:t>Observed absence of viscosity </a:t>
                 </a:r>
                 <a:r>
                   <a:rPr lang="en-IN" dirty="0">
                     <a:sym typeface="Wingdings" panose="05000000000000000000" pitchFamily="2" charset="2"/>
                   </a:rPr>
-                  <a:t> Reynolds stress tensor &amp; mean </a:t>
-                </a:r>
-                <a:r>
-                  <a:rPr lang="en-IN" dirty="0" err="1">
-                    <a:sym typeface="Wingdings" panose="05000000000000000000" pitchFamily="2" charset="2"/>
-                  </a:rPr>
-                  <a:t>vel</a:t>
-                </a:r>
-                <a:r>
-                  <a:rPr lang="en-IN" dirty="0">
-                    <a:sym typeface="Wingdings" panose="05000000000000000000" pitchFamily="2" charset="2"/>
-                  </a:rPr>
-                  <a:t> gradients</a:t>
+                  <a:t> Noisy particle motion</a:t>
                 </a:r>
               </a:p>
               <a:p>
@@ -11148,7 +13583,7 @@
                   <a:rPr lang="en-IN" dirty="0">
                     <a:sym typeface="Wingdings" panose="05000000000000000000" pitchFamily="2" charset="2"/>
                   </a:rPr>
-                  <a:t>Considered the turbulent eddy viscosity</a:t>
+                  <a:t>Finite viscosity  Over-predict dissipation</a:t>
                 </a:r>
               </a:p>
               <a:p>
@@ -11157,93 +13592,123 @@
                   <a:rPr lang="en-IN" dirty="0">
                     <a:sym typeface="Wingdings" panose="05000000000000000000" pitchFamily="2" charset="2"/>
                   </a:rPr>
-                  <a:t>Simulated Poiseuille flow </a:t>
+                  <a:t>Modified EOS &amp; momentum eq to homogenise particle distribution (to stabilise scheme)</a:t>
+                </a:r>
+              </a:p>
+              <a:p>
+                <a:pPr marL="895335" lvl="1" indent="-285750"/>
+                <a:r>
+                  <a:rPr lang="en-IN" dirty="0">
+                    <a:sym typeface="Wingdings" panose="05000000000000000000" pitchFamily="2" charset="2"/>
+                  </a:rPr>
+                  <a:t>Simulated 2D Taylor-Green Vortex (TGV) </a:t>
                 </a:r>
                 <a14:m>
                   <m:oMath xmlns:m="http://schemas.openxmlformats.org/officeDocument/2006/math">
-                    <m:r>
-                      <a:rPr lang="en-IN" i="1" dirty="0" smtClean="0">
-                        <a:latin typeface="Cambria Math" panose="02040503050406030204" pitchFamily="18" charset="0"/>
-                        <a:sym typeface="Wingdings" panose="05000000000000000000" pitchFamily="2" charset="2"/>
-                      </a:rPr>
-                      <m:t>(</m:t>
-                    </m:r>
-                    <m:r>
-                      <a:rPr lang="en-IN" i="1" dirty="0" smtClean="0">
-                        <a:latin typeface="Cambria Math" panose="02040503050406030204" pitchFamily="18" charset="0"/>
-                        <a:sym typeface="Wingdings" panose="05000000000000000000" pitchFamily="2" charset="2"/>
-                      </a:rPr>
-                      <m:t>𝑅𝑒</m:t>
-                    </m:r>
-                    <m:r>
-                      <a:rPr lang="en-IN" i="1" dirty="0" smtClean="0">
-                        <a:latin typeface="Cambria Math" panose="02040503050406030204" pitchFamily="18" charset="0"/>
-                        <a:sym typeface="Wingdings" panose="05000000000000000000" pitchFamily="2" charset="2"/>
-                      </a:rPr>
-                      <m:t> = 6.4×</m:t>
-                    </m:r>
-                    <m:sSup>
-                      <m:sSupPr>
+                    <m:d>
+                      <m:dPr>
                         <m:ctrlPr>
-                          <a:rPr lang="en-IN" b="0" i="1" dirty="0" smtClean="0">
+                          <a:rPr lang="en-IN" i="1" dirty="0" smtClean="0">
                             <a:latin typeface="Cambria Math" panose="02040503050406030204" pitchFamily="18" charset="0"/>
                             <a:sym typeface="Wingdings" panose="05000000000000000000" pitchFamily="2" charset="2"/>
                           </a:rPr>
                         </m:ctrlPr>
-                      </m:sSupPr>
+                      </m:dPr>
                       <m:e>
+                        <m:r>
+                          <a:rPr lang="en-IN" i="1" dirty="0" smtClean="0">
+                            <a:latin typeface="Cambria Math" panose="02040503050406030204" pitchFamily="18" charset="0"/>
+                            <a:sym typeface="Wingdings" panose="05000000000000000000" pitchFamily="2" charset="2"/>
+                          </a:rPr>
+                          <m:t>𝑅𝑒</m:t>
+                        </m:r>
+                        <m:r>
+                          <a:rPr lang="en-IN" i="1" dirty="0" smtClean="0">
+                            <a:latin typeface="Cambria Math" panose="02040503050406030204" pitchFamily="18" charset="0"/>
+                            <a:sym typeface="Wingdings" panose="05000000000000000000" pitchFamily="2" charset="2"/>
+                          </a:rPr>
+                          <m:t> =∞,  </m:t>
+                        </m:r>
+                        <m:sSub>
+                          <m:sSubPr>
+                            <m:ctrlPr>
+                              <a:rPr lang="en-IN" b="0" i="1" dirty="0" smtClean="0">
+                                <a:latin typeface="Cambria Math" panose="02040503050406030204" pitchFamily="18" charset="0"/>
+                                <a:sym typeface="Wingdings" panose="05000000000000000000" pitchFamily="2" charset="2"/>
+                              </a:rPr>
+                            </m:ctrlPr>
+                          </m:sSubPr>
+                          <m:e>
+                            <m:r>
+                              <a:rPr lang="en-IN" b="0" i="1" dirty="0" smtClean="0">
+                                <a:latin typeface="Cambria Math" panose="02040503050406030204" pitchFamily="18" charset="0"/>
+                                <a:sym typeface="Wingdings" panose="05000000000000000000" pitchFamily="2" charset="2"/>
+                              </a:rPr>
+                              <m:t>𝑁</m:t>
+                            </m:r>
+                          </m:e>
+                          <m:sub>
+                            <m:r>
+                              <a:rPr lang="en-IN" b="0" i="1" dirty="0" smtClean="0">
+                                <a:latin typeface="Cambria Math" panose="02040503050406030204" pitchFamily="18" charset="0"/>
+                                <a:sym typeface="Wingdings" panose="05000000000000000000" pitchFamily="2" charset="2"/>
+                              </a:rPr>
+                              <m:t>𝑖</m:t>
+                            </m:r>
+                          </m:sub>
+                        </m:sSub>
                         <m:r>
                           <a:rPr lang="en-IN" b="0" i="1" dirty="0" smtClean="0">
                             <a:latin typeface="Cambria Math" panose="02040503050406030204" pitchFamily="18" charset="0"/>
                             <a:sym typeface="Wingdings" panose="05000000000000000000" pitchFamily="2" charset="2"/>
                           </a:rPr>
-                          <m:t>10</m:t>
+                          <m:t>=</m:t>
                         </m:r>
+                        <m:sSup>
+                          <m:sSupPr>
+                            <m:ctrlPr>
+                              <a:rPr lang="en-IN" b="0" i="1" dirty="0" smtClean="0">
+                                <a:latin typeface="Cambria Math" panose="02040503050406030204" pitchFamily="18" charset="0"/>
+                                <a:sym typeface="Wingdings" panose="05000000000000000000" pitchFamily="2" charset="2"/>
+                              </a:rPr>
+                            </m:ctrlPr>
+                          </m:sSupPr>
+                          <m:e>
+                            <m:r>
+                              <a:rPr lang="en-IN" b="0" i="1" dirty="0" smtClean="0">
+                                <a:latin typeface="Cambria Math" panose="02040503050406030204" pitchFamily="18" charset="0"/>
+                                <a:sym typeface="Wingdings" panose="05000000000000000000" pitchFamily="2" charset="2"/>
+                              </a:rPr>
+                              <m:t>64</m:t>
+                            </m:r>
+                          </m:e>
+                          <m:sup>
+                            <m:r>
+                              <a:rPr lang="en-IN" b="0" i="1" dirty="0" smtClean="0">
+                                <a:latin typeface="Cambria Math" panose="02040503050406030204" pitchFamily="18" charset="0"/>
+                                <a:sym typeface="Wingdings" panose="05000000000000000000" pitchFamily="2" charset="2"/>
+                              </a:rPr>
+                              <m:t>2</m:t>
+                            </m:r>
+                          </m:sup>
+                        </m:sSup>
                       </m:e>
-                      <m:sup>
-                        <m:r>
-                          <a:rPr lang="en-IN" b="0" i="1" dirty="0" smtClean="0">
-                            <a:latin typeface="Cambria Math" panose="02040503050406030204" pitchFamily="18" charset="0"/>
-                            <a:sym typeface="Wingdings" panose="05000000000000000000" pitchFamily="2" charset="2"/>
-                          </a:rPr>
-                          <m:t>4</m:t>
-                        </m:r>
-                      </m:sup>
-                    </m:sSup>
-                    <m:r>
-                      <a:rPr lang="en-IN" b="0" i="1" dirty="0" smtClean="0">
-                        <a:latin typeface="Cambria Math" panose="02040503050406030204" pitchFamily="18" charset="0"/>
-                        <a:sym typeface="Wingdings" panose="05000000000000000000" pitchFamily="2" charset="2"/>
-                      </a:rPr>
-                      <m:t>)</m:t>
-                    </m:r>
+                    </m:d>
                   </m:oMath>
                 </a14:m>
-                <a:endParaRPr lang="en-IN" dirty="0"/>
+                <a:endParaRPr lang="en-IN" b="0" dirty="0">
+                  <a:sym typeface="Wingdings" panose="05000000000000000000" pitchFamily="2" charset="2"/>
+                </a:endParaRPr>
               </a:p>
               <a:p>
                 <a:pPr marL="1504919" lvl="2" indent="-285750"/>
                 <a:r>
                   <a:rPr lang="en-IN" dirty="0"/>
-                  <a:t>Reproduced log-law profile near walls</a:t>
-                </a:r>
-              </a:p>
-              <a:p>
-                <a:pPr marL="1504919" lvl="2" indent="-285750"/>
-                <a:r>
-                  <a:rPr lang="en-IN" dirty="0"/>
-                  <a:t>Appropriate for shear flows</a:t>
-                </a:r>
-              </a:p>
-              <a:p>
-                <a:pPr marL="285750" indent="-285750"/>
-                <a:r>
-                  <a:rPr lang="en-IN" dirty="0"/>
-                  <a:t>GLM [</a:t>
+                  <a:t>Observed merging of vortices [</a:t>
                 </a:r>
                 <a:r>
-                  <a:rPr lang="en-IN" dirty="0" err="1"/>
-                  <a:t>Violeau</a:t>
+                  <a:rPr lang="en-IN" b="1" dirty="0"/>
+                  <a:t>Q</a:t>
                 </a:r>
                 <a:r>
                   <a:rPr lang="en-IN" dirty="0"/>
@@ -11251,43 +13716,138 @@
                 </a:r>
               </a:p>
               <a:p>
-                <a:pPr marL="895335" lvl="1" indent="-285750"/>
+                <a:pPr marL="1504919" lvl="2" indent="-285750"/>
                 <a:r>
                   <a:rPr lang="en-IN" dirty="0"/>
-                  <a:t>Prescribed the particle velocity as a random process</a:t>
+                  <a:t>Energy cascade (Kolmogorv scale) slopes: mSPH (-3), standard SPH (1)  </a:t>
                 </a:r>
               </a:p>
               <a:p>
                 <a:pPr marL="895335" lvl="1" indent="-285750"/>
                 <a:r>
-                  <a:rPr lang="en-IN" dirty="0"/>
-                  <a:t>Same test-case as earlier considered</a:t>
+                  <a:rPr lang="en-IN" dirty="0">
+                    <a:sym typeface="Wingdings" panose="05000000000000000000" pitchFamily="2" charset="2"/>
+                  </a:rPr>
+                  <a:t>Simulated 3D Taylor-Green Vortex (TGV) </a:t>
+                </a:r>
+                <a14:m>
+                  <m:oMath xmlns:m="http://schemas.openxmlformats.org/officeDocument/2006/math">
+                    <m:d>
+                      <m:dPr>
+                        <m:ctrlPr>
+                          <a:rPr lang="en-IN" i="1" dirty="0" smtClean="0">
+                            <a:latin typeface="Cambria Math" panose="02040503050406030204" pitchFamily="18" charset="0"/>
+                            <a:sym typeface="Wingdings" panose="05000000000000000000" pitchFamily="2" charset="2"/>
+                          </a:rPr>
+                        </m:ctrlPr>
+                      </m:dPr>
+                      <m:e>
+                        <m:r>
+                          <a:rPr lang="en-IN" i="1" dirty="0" smtClean="0">
+                            <a:latin typeface="Cambria Math" panose="02040503050406030204" pitchFamily="18" charset="0"/>
+                            <a:sym typeface="Wingdings" panose="05000000000000000000" pitchFamily="2" charset="2"/>
+                          </a:rPr>
+                          <m:t>𝑅𝑒</m:t>
+                        </m:r>
+                        <m:r>
+                          <a:rPr lang="en-IN" i="1" dirty="0" smtClean="0">
+                            <a:latin typeface="Cambria Math" panose="02040503050406030204" pitchFamily="18" charset="0"/>
+                            <a:sym typeface="Wingdings" panose="05000000000000000000" pitchFamily="2" charset="2"/>
+                          </a:rPr>
+                          <m:t> =400,  </m:t>
+                        </m:r>
+                        <m:sSub>
+                          <m:sSubPr>
+                            <m:ctrlPr>
+                              <a:rPr lang="en-IN" b="0" i="1" dirty="0" smtClean="0">
+                                <a:latin typeface="Cambria Math" panose="02040503050406030204" pitchFamily="18" charset="0"/>
+                                <a:sym typeface="Wingdings" panose="05000000000000000000" pitchFamily="2" charset="2"/>
+                              </a:rPr>
+                            </m:ctrlPr>
+                          </m:sSubPr>
+                          <m:e>
+                            <m:r>
+                              <a:rPr lang="en-IN" b="0" i="1" dirty="0" smtClean="0">
+                                <a:latin typeface="Cambria Math" panose="02040503050406030204" pitchFamily="18" charset="0"/>
+                                <a:sym typeface="Wingdings" panose="05000000000000000000" pitchFamily="2" charset="2"/>
+                              </a:rPr>
+                              <m:t>𝑁</m:t>
+                            </m:r>
+                          </m:e>
+                          <m:sub>
+                            <m:r>
+                              <a:rPr lang="en-IN" b="0" i="1" dirty="0" smtClean="0">
+                                <a:latin typeface="Cambria Math" panose="02040503050406030204" pitchFamily="18" charset="0"/>
+                                <a:sym typeface="Wingdings" panose="05000000000000000000" pitchFamily="2" charset="2"/>
+                              </a:rPr>
+                              <m:t>𝑖</m:t>
+                            </m:r>
+                          </m:sub>
+                        </m:sSub>
+                        <m:r>
+                          <a:rPr lang="en-IN" b="0" i="1" dirty="0" smtClean="0">
+                            <a:latin typeface="Cambria Math" panose="02040503050406030204" pitchFamily="18" charset="0"/>
+                            <a:sym typeface="Wingdings" panose="05000000000000000000" pitchFamily="2" charset="2"/>
+                          </a:rPr>
+                          <m:t>=</m:t>
+                        </m:r>
+                        <m:sSup>
+                          <m:sSupPr>
+                            <m:ctrlPr>
+                              <a:rPr lang="en-IN" b="0" i="1" dirty="0" smtClean="0">
+                                <a:latin typeface="Cambria Math" panose="02040503050406030204" pitchFamily="18" charset="0"/>
+                                <a:sym typeface="Wingdings" panose="05000000000000000000" pitchFamily="2" charset="2"/>
+                              </a:rPr>
+                            </m:ctrlPr>
+                          </m:sSupPr>
+                          <m:e>
+                            <m:r>
+                              <a:rPr lang="en-IN" b="0" i="1" dirty="0" smtClean="0">
+                                <a:latin typeface="Cambria Math" panose="02040503050406030204" pitchFamily="18" charset="0"/>
+                                <a:sym typeface="Wingdings" panose="05000000000000000000" pitchFamily="2" charset="2"/>
+                              </a:rPr>
+                              <m:t>64</m:t>
+                            </m:r>
+                          </m:e>
+                          <m:sup>
+                            <m:r>
+                              <a:rPr lang="en-IN" b="0" i="1" dirty="0" smtClean="0">
+                                <a:latin typeface="Cambria Math" panose="02040503050406030204" pitchFamily="18" charset="0"/>
+                                <a:sym typeface="Wingdings" panose="05000000000000000000" pitchFamily="2" charset="2"/>
+                              </a:rPr>
+                              <m:t>3</m:t>
+                            </m:r>
+                          </m:sup>
+                        </m:sSup>
+                      </m:e>
+                    </m:d>
+                  </m:oMath>
+                </a14:m>
+                <a:endParaRPr lang="en-IN" dirty="0">
+                  <a:sym typeface="Wingdings" panose="05000000000000000000" pitchFamily="2" charset="2"/>
+                </a:endParaRPr>
+              </a:p>
+              <a:p>
+                <a:pPr marL="1504919" lvl="2" indent="-285750"/>
+                <a:r>
+                  <a:rPr lang="en-IN" dirty="0">
+                    <a:sym typeface="Wingdings" panose="05000000000000000000" pitchFamily="2" charset="2"/>
+                  </a:rPr>
+                  <a:t>Can simulate transitional flow with reasonable dissipation rate</a:t>
                 </a:r>
               </a:p>
               <a:p>
                 <a:pPr marL="895335" lvl="1" indent="-285750"/>
                 <a:r>
-                  <a:rPr lang="en-IN" dirty="0"/>
-                  <a:t>Large deviations observed</a:t>
-                </a:r>
-              </a:p>
-              <a:p>
-                <a:pPr marL="895335" lvl="1" indent="-285750"/>
-                <a:r>
-                  <a:rPr lang="en-IN" dirty="0"/>
-                  <a:t>Can be generalized to various flows unlike earlier model</a:t>
+                  <a:rPr lang="en-IN" dirty="0">
+                    <a:sym typeface="Wingdings" panose="05000000000000000000" pitchFamily="2" charset="2"/>
+                  </a:rPr>
+                  <a:t>mSPH similar to eddy viscosity model below numerical resolution</a:t>
                 </a:r>
               </a:p>
               <a:p>
                 <a:pPr marL="895335" lvl="1" indent="-285750"/>
                 <a:endParaRPr lang="en-IN" dirty="0"/>
-              </a:p>
-              <a:p>
-                <a:pPr marL="895335" lvl="1" indent="-285750"/>
-                <a:r>
-                  <a:rPr lang="en-IN" dirty="0"/>
-                  <a:t>Images?</a:t>
-                </a:r>
               </a:p>
               <a:p>
                 <a:pPr marL="895335" lvl="1" indent="-285750"/>
@@ -11332,9 +13892,9 @@
                 <a:avLst/>
               </a:prstGeom>
               <a:blipFill>
-                <a:blip r:embed="rId3"/>
+                <a:blip r:embed="rId4"/>
                 <a:stretch>
-                  <a:fillRect l="-103"/>
+                  <a:fillRect l="-154"/>
                 </a:stretch>
               </a:blipFill>
             </p:spPr>
@@ -11545,6 +14105,46 @@
           </a:p>
         </p:txBody>
       </p:sp>
+      <p:pic>
+        <p:nvPicPr>
+          <p:cNvPr id="3" name="Picture 2" descr="\documentclass{article}&#10;\usepackage{bbm}&#10;\usepackage{bm}&#10;\usepackage{amsmath}&#10;\usepackage{amssymb}&#10;\pagestyle{empty}&#10;&#10;% --------------------------------&#10;%% Custom Math Commands&#10;% --------------------------------&#10;\newcommand{\abs}[1]{\mid #1 \mid}&#10;&#10;\newcommand{\bb}[1]{\mathbb{#1}}&#10;&#10;\newcommand{\LagDerivative}[2][t]{\frac{\operatorname{D} #2}{\operatorname{D} #1}}&#10;&#10;\newcommand{\PartialDerivative}[2][t]{\frac{\partial #2}{\partial #1}}&#10;&#10;\newcommand{\vect}[1]{\mathbf{#1}}&#10;&#10;\newcommand{\tensor}[1]{\underline{\bm{#1}}}&#10;&#10;\newcommand{\WIJ}{W_{h, ij}}&#10;&#10;\newcommand{\DWIJ}{\nabla_{i} W_{h, ij}}&#10;&#10;\newcommand{\VIJ}{\vect{v}_{ij}}&#10;&#10;\newcommand{\RIJ}{\vect{r}_{ij}}&#10;&#10;\newcommand{\RtwoIJ}[1][2]{\abs{\vect{r}_{ij}}^{#1}}&#10;&#10;\newcommand{\VtwoIJ}[1][2]{\abs{\vect{v}_{ij}}^{#1}}&#10;&#10;\newcommand{\MachineEpsilon}{\bm{\xi}}&#10;&#10;\newcommand{\EncAngBrk}[2][]{#1\langle #2 #1\rangle}&#10;&#10;\newcommand{\RAProp}[1]{\EncAngBrk{#1}}&#10;&#10;\newcommand{\FrobeniusInnerProduct}[2]{\EncAngBrk{\tensor{#1}, \tensor{#2}}}&#10;&#10;\newcommand{\FrobeniusNorm}[1]{||\tensor{#1}||_F}&#10;&#10;\newcommand{\BasisVect}[1][i]{\hat{\vect{e}}_{#1}}&#10;&#10;\newcommand{\HalfFrac}{\frac{1}{2}}&#10;&#10;\newcommand{\Vol}[1][V]{\mathcal{#1}}&#10;&#10;\newcommand{\Vorticity}{\bm{\omega}}&#10;&#10;\newcommand{\Boundary}{\bm{\Omega}}&#10;&#10;\newcommand{\WaveNumber}{\mathrm{k}}&#10;&#10;\newcommand{\WaveNumberVector}{\vect{k}}&#10;&#10;\newcommand{\TildeR}{\widetilde{\vect{r}}}&#10;&#10;\newcommand{\TildeV}{\widetilde{\vect{v}}}&#10;&#10;\newcommand{\TildeDeltaV}{\delta\TildeV}&#10;&#10;\newcommand{\TildeRho}{\widetilde{\rho}}&#10;&#10;\newcommand{\TildeP}{\widetilde{P}}&#10;&#10;\newcommand{\IntRThreeAndT}{\int_{\mathbb{R}^3}&#10;\int_{-\infty}^{\infty}}&#10;&#10;\newcommand{\SciNot}[3][10]{#2 \times {#1}^{#3}}&#10;&#10;\newcommand{\IntD}{d \tau d V_y}&#10;&#10;\newcommand{\TilePArgRp}{\TildeP(\TildeR_p, t)}&#10;&#10;\newcommand{\PhiRY}{\phi (\TildeR_p(t)-\vect{y}, t-\tau)}&#10;&#10;\newcommand{\PY}{P(\vect{y}, \tau)}&#10;&#10;\newcommand{\VY}{\vect{v}(\vect{y}, \tau)}&#10;&#10;\newcommand{\TildeVArgRp}{\TildeV (\TildeR_p, t)}&#10;&#10;% --------------------------------&#10;%% Equations&#10;% --------------------------------&#10;\begin{document}&#10;&#10;\begin{equation*}&#10;\rho_i = m_i\sum_j \WIJ&#10;\end{equation*}&#10;&#10;\begin{equation*}&#10;P_i = c_s^2 (\rho_i - \rho_o)&#10;\end{equation*}&#10;&#10;\begin{equation*}&#10;\LagDerivative{\vect{v}_i} = -\frac{1}{m_i} \sum_j (\Vol^2_i + \Vol^2_j) \frac{P_i \rho_j + P_j \rho_i}{\rho_i + \rho_i} \DWIJ - \frac{\eta}{m_i} \sum_j (\Vol^2_i + \Vol^2_j) \frac{\VIJ}{\RtwoIJ[]}\DWIJ + \vect{F}_i&#10;\end{equation*}&#10;&#10;\end{document}" title="IguanaTex Bitmap Display">
+            <a:extLst>
+              <a:ext uri="{FF2B5EF4-FFF2-40B4-BE49-F238E27FC236}">
+                <a16:creationId xmlns:a16="http://schemas.microsoft.com/office/drawing/2014/main" id="{FD63411F-A4DB-7AD6-0349-30DA582AA18A}"/>
+              </a:ext>
+            </a:extLst>
+          </p:cNvPr>
+          <p:cNvPicPr>
+            <a:picLocks noChangeAspect="1"/>
+          </p:cNvPicPr>
+          <p:nvPr>
+            <p:custDataLst>
+              <p:tags r:id="rId1"/>
+            </p:custDataLst>
+          </p:nvPr>
+        </p:nvPicPr>
+        <p:blipFill>
+          <a:blip r:embed="rId5">
+            <a:extLst>
+              <a:ext uri="{28A0092B-C50C-407E-A947-70E740481C1C}">
+                <a14:useLocalDpi xmlns:a14="http://schemas.microsoft.com/office/drawing/2010/main" val="0"/>
+              </a:ext>
+            </a:extLst>
+          </a:blip>
+          <a:stretch>
+            <a:fillRect/>
+          </a:stretch>
+        </p:blipFill>
+        <p:spPr>
+          <a:xfrm>
+            <a:off x="5572449" y="3933040"/>
+            <a:ext cx="7389061" cy="2059164"/>
+          </a:xfrm>
+          <a:prstGeom prst="rect">
+            <a:avLst/>
+          </a:prstGeom>
+        </p:spPr>
+      </p:pic>
     </p:spTree>
     <p:extLst>
       <p:ext uri="{BB962C8B-B14F-4D97-AF65-F5344CB8AC3E}">
@@ -11563,7 +14163,7 @@
   <p:cSld>
     <p:spTree>
       <p:nvGrpSpPr>
-        <p:cNvPr id="1" name="Shape 358"/>
+        <p:cNvPr id="1" name="Shape 337"/>
         <p:cNvGrpSpPr/>
         <p:nvPr/>
       </p:nvGrpSpPr>
@@ -11575,21 +14175,500 @@
           <a:chExt cx="0" cy="0"/>
         </a:xfrm>
       </p:grpSpPr>
-      <p:sp>
-        <p:nvSpPr>
-          <p:cNvPr id="359" name="Google Shape;359;p39"/>
+      <mc:AlternateContent xmlns:mc="http://schemas.openxmlformats.org/markup-compatibility/2006">
+        <mc:Choice xmlns:a14="http://schemas.microsoft.com/office/drawing/2010/main" Requires="a14">
+          <p:sp>
+            <p:nvSpPr>
+              <p:cNvPr id="338" name="Google Shape;338;p37"/>
+              <p:cNvSpPr txBox="1">
+                <a:spLocks noGrp="1"/>
+              </p:cNvSpPr>
+              <p:nvPr>
+                <p:ph type="body" idx="1"/>
+              </p:nvPr>
+            </p:nvSpPr>
+            <p:spPr>
+              <a:xfrm>
+                <a:off x="160732" y="963200"/>
+                <a:ext cx="11867599" cy="5452800"/>
+              </a:xfrm>
+              <a:prstGeom prst="rect">
+                <a:avLst/>
+              </a:prstGeom>
+            </p:spPr>
+            <p:txBody>
+              <a:bodyPr spcFirstLastPara="1" wrap="square" lIns="121900" tIns="121900" rIns="121900" bIns="121900" anchor="t" anchorCtr="0">
+                <a:normAutofit/>
+              </a:bodyPr>
+              <a:lstStyle/>
+              <a:p>
+                <a:pPr marL="285750" indent="-285750"/>
+                <a:r>
+                  <a:rPr lang="en-IN" dirty="0"/>
+                  <a:t>Implicit Pressure Poisson-based Models</a:t>
+                </a:r>
+              </a:p>
+              <a:p>
+                <a:pPr marL="895335" lvl="1" indent="-285750"/>
+                <a:r>
+                  <a:rPr lang="en-IN" dirty="0"/>
+                  <a:t>[Gotoh2004, 2005] Considered incompressible flow</a:t>
+                </a:r>
+              </a:p>
+              <a:p>
+                <a:pPr marL="895335" lvl="1" indent="-285750"/>
+                <a:r>
+                  <a:rPr lang="en-IN" dirty="0"/>
+                  <a:t>Filtered the Navier-Stokes (NS) eqs (Spatial filter)</a:t>
+                </a:r>
+              </a:p>
+              <a:p>
+                <a:pPr marL="895335" lvl="1" indent="-285750"/>
+                <a:r>
+                  <a:rPr lang="en-IN" dirty="0"/>
+                  <a:t>Stress Tensor </a:t>
+                </a:r>
+                <a:r>
+                  <a:rPr lang="en-IN" dirty="0">
+                    <a:sym typeface="Wingdings" panose="05000000000000000000" pitchFamily="2" charset="2"/>
+                  </a:rPr>
+                  <a:t> C</a:t>
+                </a:r>
+                <a:r>
+                  <a:rPr lang="en-IN" dirty="0"/>
+                  <a:t>losed using Boussinesq’s Hypothesis</a:t>
+                </a:r>
+              </a:p>
+              <a:p>
+                <a:pPr marL="895335" lvl="1" indent="-285750"/>
+                <a:r>
+                  <a:rPr lang="en-IN" dirty="0"/>
+                  <a:t>Eddy viscosity </a:t>
+                </a:r>
+                <a:r>
+                  <a:rPr lang="en-IN" dirty="0">
+                    <a:sym typeface="Wingdings" panose="05000000000000000000" pitchFamily="2" charset="2"/>
+                  </a:rPr>
+                  <a:t> Estimated using </a:t>
+                </a:r>
+                <a:r>
+                  <a:rPr lang="en-IN" dirty="0" err="1">
+                    <a:sym typeface="Wingdings" panose="05000000000000000000" pitchFamily="2" charset="2"/>
+                  </a:rPr>
+                  <a:t>Smagorinsky</a:t>
+                </a:r>
+                <a:r>
+                  <a:rPr lang="en-IN" dirty="0">
+                    <a:sym typeface="Wingdings" panose="05000000000000000000" pitchFamily="2" charset="2"/>
+                  </a:rPr>
+                  <a:t> Model </a:t>
+                </a:r>
+              </a:p>
+              <a:p>
+                <a:pPr marL="1504919" lvl="2" indent="-285750"/>
+                <a:r>
+                  <a:rPr lang="en-IN" dirty="0">
+                    <a:sym typeface="Wingdings" panose="05000000000000000000" pitchFamily="2" charset="2"/>
+                  </a:rPr>
+                  <a:t>Model is modified to incl wall effects, s.t., it is not over-dissipative inside laminar layer</a:t>
+                </a:r>
+              </a:p>
+              <a:p>
+                <a:pPr marL="895335" lvl="1" indent="-285750"/>
+                <a:r>
+                  <a:rPr lang="en-IN" dirty="0">
+                    <a:sym typeface="Wingdings" panose="05000000000000000000" pitchFamily="2" charset="2"/>
+                  </a:rPr>
+                  <a:t>System evolved using the predictive-corrective time integrator</a:t>
+                </a:r>
+              </a:p>
+              <a:p>
+                <a:pPr marL="1504919" lvl="2" indent="-285750"/>
+                <a:r>
+                  <a:rPr lang="en-IN" dirty="0">
+                    <a:sym typeface="Wingdings" panose="05000000000000000000" pitchFamily="2" charset="2"/>
+                  </a:rPr>
+                  <a:t>Requires the implicit solution of the pressure poisson equation</a:t>
+                </a:r>
+              </a:p>
+              <a:p>
+                <a:pPr marL="895335" lvl="1" indent="-285750"/>
+                <a:r>
+                  <a:rPr lang="en-IN" dirty="0">
+                    <a:sym typeface="Wingdings" panose="05000000000000000000" pitchFamily="2" charset="2"/>
+                  </a:rPr>
+                  <a:t>Simulated:</a:t>
+                </a:r>
+              </a:p>
+              <a:p>
+                <a:pPr marL="1504919" lvl="2" indent="-285750"/>
+                <a:r>
+                  <a:rPr lang="en-IN" dirty="0">
+                    <a:sym typeface="Wingdings" panose="05000000000000000000" pitchFamily="2" charset="2"/>
+                  </a:rPr>
+                  <a:t>2D wave interaction with partially immersed breakwater </a:t>
+                </a:r>
+                <a14:m>
+                  <m:oMath xmlns:m="http://schemas.openxmlformats.org/officeDocument/2006/math">
+                    <m:d>
+                      <m:dPr>
+                        <m:ctrlPr>
+                          <a:rPr lang="en-IN" i="1" dirty="0" smtClean="0">
+                            <a:latin typeface="Cambria Math" panose="02040503050406030204" pitchFamily="18" charset="0"/>
+                            <a:sym typeface="Wingdings" panose="05000000000000000000" pitchFamily="2" charset="2"/>
+                          </a:rPr>
+                        </m:ctrlPr>
+                      </m:dPr>
+                      <m:e>
+                        <m:r>
+                          <a:rPr lang="en-IN" i="1" dirty="0" smtClean="0">
+                            <a:latin typeface="Cambria Math" panose="02040503050406030204" pitchFamily="18" charset="0"/>
+                            <a:sym typeface="Wingdings" panose="05000000000000000000" pitchFamily="2" charset="2"/>
+                          </a:rPr>
+                          <m:t>𝑅𝑒</m:t>
+                        </m:r>
+                        <m:r>
+                          <a:rPr lang="en-IN" b="0" i="1" dirty="0" smtClean="0">
+                            <a:latin typeface="Cambria Math" panose="02040503050406030204" pitchFamily="18" charset="0"/>
+                            <a:sym typeface="Wingdings" panose="05000000000000000000" pitchFamily="2" charset="2"/>
+                          </a:rPr>
+                          <m:t>≈</m:t>
+                        </m:r>
+                        <m:sSup>
+                          <m:sSupPr>
+                            <m:ctrlPr>
+                              <a:rPr lang="en-IN" b="0" i="1" dirty="0" smtClean="0">
+                                <a:latin typeface="Cambria Math" panose="02040503050406030204" pitchFamily="18" charset="0"/>
+                                <a:sym typeface="Wingdings" panose="05000000000000000000" pitchFamily="2" charset="2"/>
+                              </a:rPr>
+                            </m:ctrlPr>
+                          </m:sSupPr>
+                          <m:e>
+                            <m:r>
+                              <a:rPr lang="en-IN" b="0" i="1" dirty="0" smtClean="0">
+                                <a:latin typeface="Cambria Math" panose="02040503050406030204" pitchFamily="18" charset="0"/>
+                                <a:sym typeface="Wingdings" panose="05000000000000000000" pitchFamily="2" charset="2"/>
+                              </a:rPr>
+                              <m:t>10</m:t>
+                            </m:r>
+                          </m:e>
+                          <m:sup>
+                            <m:r>
+                              <a:rPr lang="en-IN" b="0" i="1" dirty="0" smtClean="0">
+                                <a:latin typeface="Cambria Math" panose="02040503050406030204" pitchFamily="18" charset="0"/>
+                                <a:sym typeface="Wingdings" panose="05000000000000000000" pitchFamily="2" charset="2"/>
+                              </a:rPr>
+                              <m:t>6</m:t>
+                            </m:r>
+                          </m:sup>
+                        </m:sSup>
+                        <m:r>
+                          <a:rPr lang="en-IN" b="0" i="1" dirty="0" smtClean="0">
+                            <a:latin typeface="Cambria Math" panose="02040503050406030204" pitchFamily="18" charset="0"/>
+                            <a:sym typeface="Wingdings" panose="05000000000000000000" pitchFamily="2" charset="2"/>
+                          </a:rPr>
+                          <m:t>,  </m:t>
+                        </m:r>
+                        <m:sSub>
+                          <m:sSubPr>
+                            <m:ctrlPr>
+                              <a:rPr lang="en-IN" b="0" i="1" dirty="0" smtClean="0">
+                                <a:latin typeface="Cambria Math" panose="02040503050406030204" pitchFamily="18" charset="0"/>
+                                <a:sym typeface="Wingdings" panose="05000000000000000000" pitchFamily="2" charset="2"/>
+                              </a:rPr>
+                            </m:ctrlPr>
+                          </m:sSubPr>
+                          <m:e>
+                            <m:r>
+                              <a:rPr lang="en-IN" b="0" i="1" dirty="0" smtClean="0">
+                                <a:latin typeface="Cambria Math" panose="02040503050406030204" pitchFamily="18" charset="0"/>
+                                <a:sym typeface="Wingdings" panose="05000000000000000000" pitchFamily="2" charset="2"/>
+                              </a:rPr>
+                              <m:t>𝑁</m:t>
+                            </m:r>
+                          </m:e>
+                          <m:sub>
+                            <m:r>
+                              <a:rPr lang="en-IN" b="0" i="1" dirty="0" smtClean="0">
+                                <a:latin typeface="Cambria Math" panose="02040503050406030204" pitchFamily="18" charset="0"/>
+                                <a:sym typeface="Wingdings" panose="05000000000000000000" pitchFamily="2" charset="2"/>
+                              </a:rPr>
+                              <m:t>𝑖</m:t>
+                            </m:r>
+                          </m:sub>
+                        </m:sSub>
+                        <m:r>
+                          <a:rPr lang="en-IN" i="1" dirty="0">
+                            <a:latin typeface="Cambria Math" panose="02040503050406030204" pitchFamily="18" charset="0"/>
+                            <a:sym typeface="Wingdings" panose="05000000000000000000" pitchFamily="2" charset="2"/>
+                          </a:rPr>
+                          <m:t>≈1.2×</m:t>
+                        </m:r>
+                        <m:sSup>
+                          <m:sSupPr>
+                            <m:ctrlPr>
+                              <a:rPr lang="en-IN" b="0" i="1" dirty="0" smtClean="0">
+                                <a:latin typeface="Cambria Math" panose="02040503050406030204" pitchFamily="18" charset="0"/>
+                                <a:sym typeface="Wingdings" panose="05000000000000000000" pitchFamily="2" charset="2"/>
+                              </a:rPr>
+                            </m:ctrlPr>
+                          </m:sSupPr>
+                          <m:e>
+                            <m:r>
+                              <a:rPr lang="en-IN" b="0" i="1" dirty="0" smtClean="0">
+                                <a:latin typeface="Cambria Math" panose="02040503050406030204" pitchFamily="18" charset="0"/>
+                                <a:sym typeface="Wingdings" panose="05000000000000000000" pitchFamily="2" charset="2"/>
+                              </a:rPr>
+                              <m:t>10</m:t>
+                            </m:r>
+                          </m:e>
+                          <m:sup>
+                            <m:r>
+                              <a:rPr lang="en-IN" b="0" i="1" dirty="0" smtClean="0">
+                                <a:latin typeface="Cambria Math" panose="02040503050406030204" pitchFamily="18" charset="0"/>
+                                <a:sym typeface="Wingdings" panose="05000000000000000000" pitchFamily="2" charset="2"/>
+                              </a:rPr>
+                              <m:t>4</m:t>
+                            </m:r>
+                          </m:sup>
+                        </m:sSup>
+                      </m:e>
+                    </m:d>
+                  </m:oMath>
+                </a14:m>
+                <a:endParaRPr lang="en-IN" b="0" dirty="0">
+                  <a:sym typeface="Wingdings" panose="05000000000000000000" pitchFamily="2" charset="2"/>
+                </a:endParaRPr>
+              </a:p>
+              <a:p>
+                <a:pPr marL="1504919" lvl="2" indent="-285750"/>
+                <a:r>
+                  <a:rPr lang="en-IN" dirty="0">
+                    <a:sym typeface="Wingdings" panose="05000000000000000000" pitchFamily="2" charset="2"/>
+                  </a:rPr>
+                  <a:t>2D wave breaking on a beach </a:t>
+                </a:r>
+                <a14:m>
+                  <m:oMath xmlns:m="http://schemas.openxmlformats.org/officeDocument/2006/math">
+                    <m:d>
+                      <m:dPr>
+                        <m:ctrlPr>
+                          <a:rPr lang="en-IN" i="1" dirty="0" smtClean="0">
+                            <a:latin typeface="Cambria Math" panose="02040503050406030204" pitchFamily="18" charset="0"/>
+                            <a:sym typeface="Wingdings" panose="05000000000000000000" pitchFamily="2" charset="2"/>
+                          </a:rPr>
+                        </m:ctrlPr>
+                      </m:dPr>
+                      <m:e>
+                        <m:r>
+                          <a:rPr lang="en-IN" i="1" dirty="0" smtClean="0">
+                            <a:latin typeface="Cambria Math" panose="02040503050406030204" pitchFamily="18" charset="0"/>
+                            <a:sym typeface="Wingdings" panose="05000000000000000000" pitchFamily="2" charset="2"/>
+                          </a:rPr>
+                          <m:t>𝑅𝑒</m:t>
+                        </m:r>
+                        <m:r>
+                          <a:rPr lang="en-IN" b="0" i="1" dirty="0" smtClean="0">
+                            <a:latin typeface="Cambria Math" panose="02040503050406030204" pitchFamily="18" charset="0"/>
+                            <a:sym typeface="Wingdings" panose="05000000000000000000" pitchFamily="2" charset="2"/>
+                          </a:rPr>
+                          <m:t>≈</m:t>
+                        </m:r>
+                        <m:sSup>
+                          <m:sSupPr>
+                            <m:ctrlPr>
+                              <a:rPr lang="en-IN" b="0" i="1" dirty="0" smtClean="0">
+                                <a:latin typeface="Cambria Math" panose="02040503050406030204" pitchFamily="18" charset="0"/>
+                                <a:sym typeface="Wingdings" panose="05000000000000000000" pitchFamily="2" charset="2"/>
+                              </a:rPr>
+                            </m:ctrlPr>
+                          </m:sSupPr>
+                          <m:e>
+                            <m:r>
+                              <a:rPr lang="en-IN" b="0" i="1" dirty="0" smtClean="0">
+                                <a:latin typeface="Cambria Math" panose="02040503050406030204" pitchFamily="18" charset="0"/>
+                                <a:sym typeface="Wingdings" panose="05000000000000000000" pitchFamily="2" charset="2"/>
+                              </a:rPr>
+                              <m:t>10</m:t>
+                            </m:r>
+                          </m:e>
+                          <m:sup>
+                            <m:r>
+                              <a:rPr lang="en-IN" b="0" i="1" dirty="0" smtClean="0">
+                                <a:latin typeface="Cambria Math" panose="02040503050406030204" pitchFamily="18" charset="0"/>
+                                <a:sym typeface="Wingdings" panose="05000000000000000000" pitchFamily="2" charset="2"/>
+                              </a:rPr>
+                              <m:t>6</m:t>
+                            </m:r>
+                          </m:sup>
+                        </m:sSup>
+                        <m:r>
+                          <a:rPr lang="en-IN" b="0" i="1" dirty="0" smtClean="0">
+                            <a:latin typeface="Cambria Math" panose="02040503050406030204" pitchFamily="18" charset="0"/>
+                            <a:sym typeface="Wingdings" panose="05000000000000000000" pitchFamily="2" charset="2"/>
+                          </a:rPr>
+                          <m:t>,  </m:t>
+                        </m:r>
+                        <m:sSub>
+                          <m:sSubPr>
+                            <m:ctrlPr>
+                              <a:rPr lang="en-IN" b="0" i="1" dirty="0" smtClean="0">
+                                <a:latin typeface="Cambria Math" panose="02040503050406030204" pitchFamily="18" charset="0"/>
+                                <a:sym typeface="Wingdings" panose="05000000000000000000" pitchFamily="2" charset="2"/>
+                              </a:rPr>
+                            </m:ctrlPr>
+                          </m:sSubPr>
+                          <m:e>
+                            <m:r>
+                              <a:rPr lang="en-IN" b="0" i="1" dirty="0" smtClean="0">
+                                <a:latin typeface="Cambria Math" panose="02040503050406030204" pitchFamily="18" charset="0"/>
+                                <a:sym typeface="Wingdings" panose="05000000000000000000" pitchFamily="2" charset="2"/>
+                              </a:rPr>
+                              <m:t>𝑁</m:t>
+                            </m:r>
+                          </m:e>
+                          <m:sub>
+                            <m:r>
+                              <a:rPr lang="en-IN" b="0" i="1" dirty="0" smtClean="0">
+                                <a:latin typeface="Cambria Math" panose="02040503050406030204" pitchFamily="18" charset="0"/>
+                                <a:sym typeface="Wingdings" panose="05000000000000000000" pitchFamily="2" charset="2"/>
+                              </a:rPr>
+                              <m:t>𝑖</m:t>
+                            </m:r>
+                          </m:sub>
+                        </m:sSub>
+                        <m:r>
+                          <a:rPr lang="en-IN" i="1" dirty="0">
+                            <a:latin typeface="Cambria Math" panose="02040503050406030204" pitchFamily="18" charset="0"/>
+                            <a:sym typeface="Wingdings" panose="05000000000000000000" pitchFamily="2" charset="2"/>
+                          </a:rPr>
+                          <m:t>≈1</m:t>
+                        </m:r>
+                        <m:r>
+                          <a:rPr lang="en-IN" b="0" i="1" dirty="0" smtClean="0">
+                            <a:latin typeface="Cambria Math" panose="02040503050406030204" pitchFamily="18" charset="0"/>
+                            <a:sym typeface="Wingdings" panose="05000000000000000000" pitchFamily="2" charset="2"/>
+                          </a:rPr>
+                          <m:t>.8</m:t>
+                        </m:r>
+                        <m:r>
+                          <a:rPr lang="en-IN" i="1" dirty="0">
+                            <a:latin typeface="Cambria Math" panose="02040503050406030204" pitchFamily="18" charset="0"/>
+                            <a:sym typeface="Wingdings" panose="05000000000000000000" pitchFamily="2" charset="2"/>
+                          </a:rPr>
+                          <m:t>×</m:t>
+                        </m:r>
+                        <m:sSup>
+                          <m:sSupPr>
+                            <m:ctrlPr>
+                              <a:rPr lang="en-IN" b="0" i="1" dirty="0" smtClean="0">
+                                <a:latin typeface="Cambria Math" panose="02040503050406030204" pitchFamily="18" charset="0"/>
+                                <a:sym typeface="Wingdings" panose="05000000000000000000" pitchFamily="2" charset="2"/>
+                              </a:rPr>
+                            </m:ctrlPr>
+                          </m:sSupPr>
+                          <m:e>
+                            <m:r>
+                              <a:rPr lang="en-IN" b="0" i="1" dirty="0" smtClean="0">
+                                <a:latin typeface="Cambria Math" panose="02040503050406030204" pitchFamily="18" charset="0"/>
+                                <a:sym typeface="Wingdings" panose="05000000000000000000" pitchFamily="2" charset="2"/>
+                              </a:rPr>
+                              <m:t>10</m:t>
+                            </m:r>
+                          </m:e>
+                          <m:sup>
+                            <m:r>
+                              <a:rPr lang="en-IN" b="0" i="1" dirty="0" smtClean="0">
+                                <a:latin typeface="Cambria Math" panose="02040503050406030204" pitchFamily="18" charset="0"/>
+                                <a:sym typeface="Wingdings" panose="05000000000000000000" pitchFamily="2" charset="2"/>
+                              </a:rPr>
+                              <m:t>4</m:t>
+                            </m:r>
+                          </m:sup>
+                        </m:sSup>
+                      </m:e>
+                    </m:d>
+                  </m:oMath>
+                </a14:m>
+                <a:endParaRPr lang="en-IN" dirty="0">
+                  <a:sym typeface="Wingdings" panose="05000000000000000000" pitchFamily="2" charset="2"/>
+                </a:endParaRPr>
+              </a:p>
+              <a:p>
+                <a:pPr marL="1504919" lvl="2" indent="-285750"/>
+                <a:r>
+                  <a:rPr lang="en-IN" dirty="0">
+                    <a:sym typeface="Wingdings" panose="05000000000000000000" pitchFamily="2" charset="2"/>
+                  </a:rPr>
+                  <a:t>Accurately tracked free surfaces with large deformation </a:t>
+                </a:r>
+              </a:p>
+              <a:p>
+                <a:pPr marL="1504919" lvl="2" indent="-285750"/>
+                <a:r>
+                  <a:rPr lang="en-IN" dirty="0">
+                    <a:sym typeface="Wingdings" panose="05000000000000000000" pitchFamily="2" charset="2"/>
+                  </a:rPr>
+                  <a:t>Surfaces did not exhibit numerical diffusion</a:t>
+                </a:r>
+              </a:p>
+            </p:txBody>
+          </p:sp>
+        </mc:Choice>
+        <mc:Fallback>
+          <p:sp>
+            <p:nvSpPr>
+              <p:cNvPr id="338" name="Google Shape;338;p37"/>
+              <p:cNvSpPr txBox="1">
+                <a:spLocks noGrp="1" noRot="1" noChangeAspect="1" noMove="1" noResize="1" noEditPoints="1" noAdjustHandles="1" noChangeArrowheads="1" noChangeShapeType="1" noTextEdit="1"/>
+              </p:cNvSpPr>
+              <p:nvPr>
+                <p:ph type="body" idx="1"/>
+              </p:nvPr>
+            </p:nvSpPr>
+            <p:spPr>
+              <a:xfrm>
+                <a:off x="160732" y="963200"/>
+                <a:ext cx="11867599" cy="5452800"/>
+              </a:xfrm>
+              <a:prstGeom prst="rect">
+                <a:avLst/>
+              </a:prstGeom>
+              <a:blipFill>
+                <a:blip r:embed="rId3"/>
+                <a:stretch>
+                  <a:fillRect l="-154"/>
+                </a:stretch>
+              </a:blipFill>
+            </p:spPr>
+            <p:txBody>
+              <a:bodyPr/>
+              <a:lstStyle/>
+              <a:p>
+                <a:r>
+                  <a:rPr lang="en-IN">
+                    <a:noFill/>
+                  </a:rPr>
+                  <a:t> </a:t>
+                </a:r>
+              </a:p>
+            </p:txBody>
+          </p:sp>
+        </mc:Fallback>
+      </mc:AlternateContent>
+      <p:sp>
+        <p:nvSpPr>
+          <p:cNvPr id="339" name="Google Shape;339;p37"/>
           <p:cNvSpPr/>
           <p:nvPr/>
         </p:nvSpPr>
         <p:spPr>
           <a:xfrm>
-            <a:off x="970400" y="3362033"/>
-            <a:ext cx="10251200" cy="1233600"/>
-          </a:xfrm>
-          <a:prstGeom prst="roundRect">
-            <a:avLst>
-              <a:gd name="adj" fmla="val 16667"/>
-            </a:avLst>
+            <a:off x="13400" y="0"/>
+            <a:ext cx="12192000" cy="763600"/>
+          </a:xfrm>
+          <a:prstGeom prst="rect">
+            <a:avLst/>
           </a:prstGeom>
           <a:solidFill>
             <a:schemeClr val="lt2"/>
@@ -11616,14 +14695,81 @@
       </p:sp>
       <p:sp>
         <p:nvSpPr>
-          <p:cNvPr id="360" name="Google Shape;360;p39"/>
+          <p:cNvPr id="340" name="Google Shape;340;p37"/>
+          <p:cNvSpPr txBox="1">
+            <a:spLocks noGrp="1"/>
+          </p:cNvSpPr>
+          <p:nvPr>
+            <p:ph type="title"/>
+          </p:nvPr>
+        </p:nvSpPr>
+        <p:spPr>
+          <a:xfrm>
+            <a:off x="160733" y="0"/>
+            <a:ext cx="11867600" cy="763600"/>
+          </a:xfrm>
+          <a:prstGeom prst="rect">
+            <a:avLst/>
+          </a:prstGeom>
+        </p:spPr>
+        <p:txBody>
+          <a:bodyPr spcFirstLastPara="1" wrap="square" lIns="121900" tIns="121900" rIns="121900" bIns="121900" anchor="ctr" anchorCtr="0">
+            <a:normAutofit/>
+          </a:bodyPr>
+          <a:lstStyle/>
+          <a:p>
+            <a:r>
+              <a:rPr lang="en-IN" b="1" dirty="0"/>
+              <a:t>Large-Eddy Simulation-based Models</a:t>
+            </a:r>
+            <a:endParaRPr b="1" dirty="0"/>
+          </a:p>
+        </p:txBody>
+      </p:sp>
+      <p:sp>
+        <p:nvSpPr>
+          <p:cNvPr id="341" name="Google Shape;341;p37"/>
+          <p:cNvSpPr txBox="1">
+            <a:spLocks noGrp="1"/>
+          </p:cNvSpPr>
+          <p:nvPr>
+            <p:ph type="sldNum" idx="12"/>
+          </p:nvPr>
+        </p:nvSpPr>
+        <p:spPr>
+          <a:xfrm>
+            <a:off x="11296744" y="6333189"/>
+            <a:ext cx="731600" cy="524800"/>
+          </a:xfrm>
+          <a:prstGeom prst="rect">
+            <a:avLst/>
+          </a:prstGeom>
+        </p:spPr>
+        <p:txBody>
+          <a:bodyPr spcFirstLastPara="1" wrap="square" lIns="121900" tIns="121900" rIns="121900" bIns="121900" anchor="ctr" anchorCtr="0">
+            <a:normAutofit/>
+          </a:bodyPr>
+          <a:lstStyle/>
+          <a:p>
+            <a:fld id="{00000000-1234-1234-1234-123412341234}" type="slidenum">
+              <a:rPr lang="en"/>
+              <a:pPr/>
+              <a:t>7</a:t>
+            </a:fld>
+            <a:endParaRPr/>
+          </a:p>
+        </p:txBody>
+      </p:sp>
+      <p:sp>
+        <p:nvSpPr>
+          <p:cNvPr id="346" name="Google Shape;346;p37"/>
           <p:cNvSpPr txBox="1"/>
           <p:nvPr/>
         </p:nvSpPr>
         <p:spPr>
           <a:xfrm>
-            <a:off x="970400" y="3362033"/>
-            <a:ext cx="10251200" cy="1233600"/>
+            <a:off x="0" y="6333201"/>
+            <a:ext cx="9910400" cy="410393"/>
           </a:xfrm>
           <a:prstGeom prst="rect">
             <a:avLst/>
@@ -11634,155 +14780,80 @@
           </a:ln>
         </p:spPr>
         <p:txBody>
-          <a:bodyPr spcFirstLastPara="1" wrap="square" lIns="121900" tIns="121900" rIns="121900" bIns="121900" anchor="ctr" anchorCtr="0">
-            <a:noAutofit/>
+          <a:bodyPr spcFirstLastPara="1" wrap="square" lIns="121900" tIns="121900" rIns="121900" bIns="121900" anchor="t" anchorCtr="0">
+            <a:spAutoFit/>
           </a:bodyPr>
           <a:lstStyle/>
           <a:p>
-            <a:pPr algn="ctr">
-              <a:buSzPts val="990"/>
-            </a:pPr>
-            <a:r>
-              <a:rPr lang="en" sz="3467" i="1">
+            <a:r>
+              <a:rPr lang="en-US" sz="1067" dirty="0">
                 <a:solidFill>
-                  <a:schemeClr val="lt1"/>
+                  <a:schemeClr val="accent3"/>
                 </a:solidFill>
                 <a:latin typeface="Proxima Nova"/>
                 <a:ea typeface="Proxima Nova"/>
                 <a:cs typeface="Proxima Nova"/>
                 <a:sym typeface="Proxima Nova"/>
               </a:rPr>
-              <a:t>Thank you!</a:t>
-            </a:r>
-            <a:endParaRPr sz="1867" i="1">
-              <a:latin typeface="Proxima Nova"/>
-              <a:ea typeface="Proxima Nova"/>
-              <a:cs typeface="Proxima Nova"/>
-              <a:sym typeface="Proxima Nova"/>
-            </a:endParaRPr>
+              <a:t>[1] </a:t>
+            </a:r>
+            <a:r>
+              <a:rPr lang="en-US" sz="1067" dirty="0" err="1">
+                <a:solidFill>
+                  <a:schemeClr val="accent3"/>
+                </a:solidFill>
+                <a:latin typeface="Proxima Nova"/>
+                <a:ea typeface="Proxima Nova"/>
+                <a:cs typeface="Proxima Nova"/>
+                <a:sym typeface="Proxima Nova"/>
+              </a:rPr>
+              <a:t>Dynnikova</a:t>
+            </a:r>
+            <a:r>
+              <a:rPr lang="en-US" sz="1067" dirty="0">
+                <a:solidFill>
+                  <a:schemeClr val="accent3"/>
+                </a:solidFill>
+                <a:latin typeface="Proxima Nova"/>
+                <a:ea typeface="Proxima Nova"/>
+                <a:cs typeface="Proxima Nova"/>
+                <a:sym typeface="Proxima Nova"/>
+              </a:rPr>
+              <a:t>, G. </a:t>
+            </a:r>
+            <a:r>
+              <a:rPr lang="en-US" sz="1067" dirty="0" err="1">
+                <a:solidFill>
+                  <a:schemeClr val="accent3"/>
+                </a:solidFill>
+                <a:latin typeface="Proxima Nova"/>
+                <a:ea typeface="Proxima Nova"/>
+                <a:cs typeface="Proxima Nova"/>
+                <a:sym typeface="Proxima Nova"/>
+              </a:rPr>
+              <a:t>Ya</a:t>
+            </a:r>
+            <a:r>
+              <a:rPr lang="en-US" sz="1067" dirty="0">
+                <a:solidFill>
+                  <a:schemeClr val="accent3"/>
+                </a:solidFill>
+                <a:latin typeface="Proxima Nova"/>
+                <a:ea typeface="Proxima Nova"/>
+                <a:cs typeface="Proxima Nova"/>
+                <a:sym typeface="Proxima Nova"/>
+              </a:rPr>
+              <a:t> et al. (2021). “Stability of a reverse Karman vortex street”. In: Physics of Fluids 33.2. ISSN: 10897666. DOI: 10.1063/5.0035575.</a:t>
+            </a:r>
           </a:p>
         </p:txBody>
       </p:sp>
-      <p:pic>
-        <p:nvPicPr>
-          <p:cNvPr id="361" name="Google Shape;361;p39"/>
-          <p:cNvPicPr preferRelativeResize="0"/>
-          <p:nvPr/>
-        </p:nvPicPr>
-        <p:blipFill>
-          <a:blip r:embed="rId3">
-            <a:alphaModFix/>
-          </a:blip>
-          <a:stretch>
-            <a:fillRect/>
-          </a:stretch>
-        </p:blipFill>
-        <p:spPr>
-          <a:xfrm>
-            <a:off x="5509402" y="1209801"/>
-            <a:ext cx="1173167" cy="1143567"/>
-          </a:xfrm>
-          <a:prstGeom prst="rect">
-            <a:avLst/>
-          </a:prstGeom>
-          <a:noFill/>
-          <a:ln>
-            <a:noFill/>
-          </a:ln>
-        </p:spPr>
-      </p:pic>
-      <p:sp>
-        <p:nvSpPr>
-          <p:cNvPr id="362" name="Google Shape;362;p39"/>
-          <p:cNvSpPr txBox="1">
-            <a:spLocks noGrp="1"/>
-          </p:cNvSpPr>
-          <p:nvPr>
-            <p:ph type="subTitle" idx="1"/>
-          </p:nvPr>
-        </p:nvSpPr>
-        <p:spPr>
-          <a:xfrm>
-            <a:off x="949800" y="5414801"/>
-            <a:ext cx="10292400" cy="1442790"/>
-          </a:xfrm>
-          <a:prstGeom prst="rect">
-            <a:avLst/>
-          </a:prstGeom>
-        </p:spPr>
-        <p:txBody>
-          <a:bodyPr spcFirstLastPara="1" wrap="square" lIns="121900" tIns="121900" rIns="121900" bIns="121900" anchor="t" anchorCtr="0">
-            <a:spAutoFit/>
-          </a:bodyPr>
-          <a:lstStyle/>
-          <a:p>
-            <a:pPr marL="0" indent="0" algn="ctr">
-              <a:lnSpc>
-                <a:spcPct val="90000"/>
-              </a:lnSpc>
-              <a:buSzPts val="358"/>
-            </a:pPr>
-            <a:r>
-              <a:rPr lang="en" sz="1600" dirty="0"/>
-              <a:t>Department of Aerospace Engineering</a:t>
-            </a:r>
-            <a:endParaRPr sz="1600" dirty="0"/>
-          </a:p>
-          <a:p>
-            <a:pPr marL="0" indent="0" algn="ctr">
-              <a:lnSpc>
-                <a:spcPct val="90000"/>
-              </a:lnSpc>
-              <a:buSzPts val="358"/>
-            </a:pPr>
-            <a:r>
-              <a:rPr lang="en" sz="1600" dirty="0"/>
-              <a:t>Indian Institute of Technology Bombay</a:t>
-            </a:r>
-            <a:endParaRPr sz="1600" dirty="0"/>
-          </a:p>
-          <a:p>
-            <a:pPr marL="0" indent="0" algn="ctr">
-              <a:lnSpc>
-                <a:spcPct val="90000"/>
-              </a:lnSpc>
-              <a:buSzPts val="358"/>
-            </a:pPr>
-            <a:endParaRPr sz="1440" dirty="0"/>
-          </a:p>
-          <a:p>
-            <a:pPr marL="0" indent="0" algn="ctr">
-              <a:lnSpc>
-                <a:spcPct val="90000"/>
-              </a:lnSpc>
-              <a:buSzPts val="358"/>
-            </a:pPr>
-            <a:endParaRPr sz="2000" dirty="0"/>
-          </a:p>
-          <a:p>
-            <a:pPr marL="0" indent="0" algn="ctr">
-              <a:lnSpc>
-                <a:spcPct val="90000"/>
-              </a:lnSpc>
-              <a:buSzPts val="358"/>
-            </a:pPr>
-            <a:r>
-              <a:rPr lang="en" sz="2000" dirty="0"/>
-              <a:t>October 25</a:t>
-            </a:r>
-            <a:r>
-              <a:rPr lang="en" sz="2000" baseline="30000" dirty="0"/>
-              <a:t>th</a:t>
-            </a:r>
-            <a:r>
-              <a:rPr lang="en" sz="2000" dirty="0"/>
-              <a:t>, 2022</a:t>
-            </a:r>
-            <a:endParaRPr sz="2000" dirty="0"/>
-          </a:p>
-        </p:txBody>
-      </p:sp>
     </p:spTree>
+    <p:extLst>
+      <p:ext uri="{BB962C8B-B14F-4D97-AF65-F5344CB8AC3E}">
+        <p14:creationId xmlns:p14="http://schemas.microsoft.com/office/powerpoint/2010/main" val="2254323648"/>
+      </p:ext>
+    </p:extLst>
   </p:cSld>
   <p:clrMapOvr>
     <a:masterClrMapping/>
@@ -11795,7 +14866,7 @@
   <p:cSld>
     <p:spTree>
       <p:nvGrpSpPr>
-        <p:cNvPr id="1" name="Shape 366"/>
+        <p:cNvPr id="1" name="Shape 337"/>
         <p:cNvGrpSpPr/>
         <p:nvPr/>
       </p:nvGrpSpPr>
@@ -11809,7 +14880,192 @@
       </p:grpSpPr>
       <p:sp>
         <p:nvSpPr>
-          <p:cNvPr id="367" name="Google Shape;367;p40"/>
+          <p:cNvPr id="338" name="Google Shape;338;p37"/>
+          <p:cNvSpPr txBox="1">
+            <a:spLocks noGrp="1"/>
+          </p:cNvSpPr>
+          <p:nvPr>
+            <p:ph type="body" idx="1"/>
+          </p:nvPr>
+        </p:nvSpPr>
+        <p:spPr>
+          <a:xfrm>
+            <a:off x="160732" y="963200"/>
+            <a:ext cx="11867599" cy="5452800"/>
+          </a:xfrm>
+          <a:prstGeom prst="rect">
+            <a:avLst/>
+          </a:prstGeom>
+        </p:spPr>
+        <p:txBody>
+          <a:bodyPr spcFirstLastPara="1" wrap="square" lIns="121900" tIns="121900" rIns="121900" bIns="121900" anchor="t" anchorCtr="0">
+            <a:normAutofit/>
+          </a:bodyPr>
+          <a:lstStyle/>
+          <a:p>
+            <a:pPr marL="285750" indent="-285750"/>
+            <a:r>
+              <a:rPr lang="en-IN" dirty="0"/>
+              <a:t>Explicit Pressure Poisson-based Models</a:t>
+            </a:r>
+          </a:p>
+          <a:p>
+            <a:pPr marL="895335" lvl="1" indent="-285750"/>
+            <a:r>
+              <a:rPr lang="en-IN" dirty="0"/>
+              <a:t>[Rogers2005] Considered compressible flow</a:t>
+            </a:r>
+          </a:p>
+          <a:p>
+            <a:pPr marL="895335" lvl="1" indent="-285750"/>
+            <a:r>
+              <a:rPr lang="en-IN" dirty="0"/>
+              <a:t>Averaged the NS eqs (Favre averaging)</a:t>
+            </a:r>
+          </a:p>
+          <a:p>
+            <a:pPr marL="895335" lvl="1" indent="-285750"/>
+            <a:r>
+              <a:rPr lang="en-IN" dirty="0"/>
+              <a:t>Filtered the Navier-Stokes (NS) eqs (Spatial filter)</a:t>
+            </a:r>
+          </a:p>
+          <a:p>
+            <a:pPr marL="895335" lvl="1" indent="-285750"/>
+            <a:r>
+              <a:rPr lang="en-IN" dirty="0"/>
+              <a:t>Observed density variations in compressible SPH </a:t>
+            </a:r>
+            <a:r>
+              <a:rPr lang="en-IN" dirty="0">
+                <a:sym typeface="Wingdings" panose="05000000000000000000" pitchFamily="2" charset="2"/>
+              </a:rPr>
+              <a:t> Unphysical behaviour on free surfaces</a:t>
+            </a:r>
+          </a:p>
+          <a:p>
+            <a:pPr marL="1504919" lvl="2" indent="-285750"/>
+            <a:r>
+              <a:rPr lang="en-IN" dirty="0">
+                <a:sym typeface="Wingdings" panose="05000000000000000000" pitchFamily="2" charset="2"/>
+              </a:rPr>
+              <a:t>Performed Shepard filtering of density every 40 time steps</a:t>
+            </a:r>
+          </a:p>
+          <a:p>
+            <a:pPr marL="895335" lvl="1" indent="-285750"/>
+            <a:r>
+              <a:rPr lang="en-IN" dirty="0">
+                <a:sym typeface="Wingdings" panose="05000000000000000000" pitchFamily="2" charset="2"/>
+              </a:rPr>
+              <a:t>Simulated:</a:t>
+            </a:r>
+          </a:p>
+          <a:p>
+            <a:pPr marL="1504919" lvl="2" indent="-285750"/>
+            <a:r>
+              <a:rPr lang="en-IN" dirty="0">
+                <a:sym typeface="Wingdings" panose="05000000000000000000" pitchFamily="2" charset="2"/>
+              </a:rPr>
+              <a:t>Weakly plunging breaker in 2D &amp; 3D</a:t>
+            </a:r>
+          </a:p>
+          <a:p>
+            <a:pPr marL="1504919" lvl="2" indent="-285750"/>
+            <a:r>
+              <a:rPr lang="en-IN" dirty="0">
+                <a:sym typeface="Wingdings" panose="05000000000000000000" pitchFamily="2" charset="2"/>
+              </a:rPr>
+              <a:t>2D green-water overtopping, 2D &amp; 3D wave breaking, 3D dam break [Rogers2006]</a:t>
+            </a:r>
+          </a:p>
+          <a:p>
+            <a:pPr marL="1504919" lvl="2" indent="-285750"/>
+            <a:r>
+              <a:rPr lang="en-IN" dirty="0">
+                <a:sym typeface="Wingdings" panose="05000000000000000000" pitchFamily="2" charset="2"/>
+              </a:rPr>
+              <a:t>Model predicted regions of high vorticity in 2D</a:t>
+            </a:r>
+          </a:p>
+          <a:p>
+            <a:pPr marL="1504919" lvl="2" indent="-285750"/>
+            <a:r>
+              <a:rPr lang="en-IN" dirty="0">
+                <a:sym typeface="Wingdings" panose="05000000000000000000" pitchFamily="2" charset="2"/>
+              </a:rPr>
+              <a:t>Model captured vertically oriented eddies in 3D</a:t>
+            </a:r>
+          </a:p>
+          <a:p>
+            <a:pPr marL="1504919" lvl="2" indent="-285750"/>
+            <a:r>
+              <a:rPr lang="en-IN" dirty="0">
+                <a:sym typeface="Wingdings" panose="05000000000000000000" pitchFamily="2" charset="2"/>
+              </a:rPr>
+              <a:t>Accurate for flow separation or splash-based problems</a:t>
+            </a:r>
+          </a:p>
+          <a:p>
+            <a:pPr marL="1504919" lvl="2" indent="-285750"/>
+            <a:r>
+              <a:rPr lang="en-IN" dirty="0">
+                <a:sym typeface="Wingdings" panose="05000000000000000000" pitchFamily="2" charset="2"/>
+              </a:rPr>
+              <a:t>Requires large number of particles, and very small time steps</a:t>
+            </a:r>
+          </a:p>
+          <a:p>
+            <a:pPr marL="1504919" lvl="2" indent="-285750"/>
+            <a:r>
+              <a:rPr lang="en-IN" dirty="0">
+                <a:sym typeface="Wingdings" panose="05000000000000000000" pitchFamily="2" charset="2"/>
+              </a:rPr>
+              <a:t>Uncertain regarding scalability to large-scale problems</a:t>
+            </a:r>
+          </a:p>
+        </p:txBody>
+      </p:sp>
+      <p:sp>
+        <p:nvSpPr>
+          <p:cNvPr id="339" name="Google Shape;339;p37"/>
+          <p:cNvSpPr/>
+          <p:nvPr/>
+        </p:nvSpPr>
+        <p:spPr>
+          <a:xfrm>
+            <a:off x="13400" y="0"/>
+            <a:ext cx="12192000" cy="763600"/>
+          </a:xfrm>
+          <a:prstGeom prst="rect">
+            <a:avLst/>
+          </a:prstGeom>
+          <a:solidFill>
+            <a:schemeClr val="lt2"/>
+          </a:solidFill>
+          <a:ln w="9525" cap="flat" cmpd="sng">
+            <a:solidFill>
+              <a:schemeClr val="dk2"/>
+            </a:solidFill>
+            <a:prstDash val="solid"/>
+            <a:round/>
+            <a:headEnd type="none" w="sm" len="sm"/>
+            <a:tailEnd type="none" w="sm" len="sm"/>
+          </a:ln>
+        </p:spPr>
+        <p:txBody>
+          <a:bodyPr spcFirstLastPara="1" wrap="square" lIns="121900" tIns="121900" rIns="121900" bIns="121900" anchor="ctr" anchorCtr="0">
+            <a:noAutofit/>
+          </a:bodyPr>
+          <a:lstStyle/>
+          <a:p>
+            <a:endParaRPr sz="1867"/>
+          </a:p>
+        </p:txBody>
+      </p:sp>
+      <p:sp>
+        <p:nvSpPr>
+          <p:cNvPr id="340" name="Google Shape;340;p37"/>
           <p:cNvSpPr txBox="1">
             <a:spLocks noGrp="1"/>
           </p:cNvSpPr>
@@ -11819,8 +15075,8 @@
         </p:nvSpPr>
         <p:spPr>
           <a:xfrm>
-            <a:off x="653667" y="701800"/>
-            <a:ext cx="7730000" cy="5454400"/>
+            <a:off x="160733" y="0"/>
+            <a:ext cx="11867600" cy="763600"/>
           </a:xfrm>
           <a:prstGeom prst="rect">
             <a:avLst/>
@@ -11833,16 +15089,16 @@
           <a:lstStyle/>
           <a:p>
             <a:r>
-              <a:rPr lang="en-IN" dirty="0"/>
-              <a:t>Blank Template Slides</a:t>
-            </a:r>
-            <a:endParaRPr sz="2133" dirty="0"/>
+              <a:rPr lang="en-IN" b="1" dirty="0"/>
+              <a:t>Large-Eddy Simulation-based Models</a:t>
+            </a:r>
+            <a:endParaRPr b="1" dirty="0"/>
           </a:p>
         </p:txBody>
       </p:sp>
       <p:sp>
         <p:nvSpPr>
-          <p:cNvPr id="368" name="Google Shape;368;p40"/>
+          <p:cNvPr id="341" name="Google Shape;341;p37"/>
           <p:cNvSpPr txBox="1">
             <a:spLocks noGrp="1"/>
           </p:cNvSpPr>
@@ -11852,7 +15108,7 @@
         </p:nvSpPr>
         <p:spPr>
           <a:xfrm>
-            <a:off x="11296611" y="6217623"/>
+            <a:off x="11296744" y="6333189"/>
             <a:ext cx="731600" cy="524800"/>
           </a:xfrm>
           <a:prstGeom prst="rect">
@@ -11874,10 +15130,138 @@
           </a:p>
         </p:txBody>
       </p:sp>
+      <p:sp>
+        <p:nvSpPr>
+          <p:cNvPr id="346" name="Google Shape;346;p37"/>
+          <p:cNvSpPr txBox="1"/>
+          <p:nvPr/>
+        </p:nvSpPr>
+        <p:spPr>
+          <a:xfrm>
+            <a:off x="0" y="6333201"/>
+            <a:ext cx="9910400" cy="410393"/>
+          </a:xfrm>
+          <a:prstGeom prst="rect">
+            <a:avLst/>
+          </a:prstGeom>
+          <a:noFill/>
+          <a:ln>
+            <a:noFill/>
+          </a:ln>
+        </p:spPr>
+        <p:txBody>
+          <a:bodyPr spcFirstLastPara="1" wrap="square" lIns="121900" tIns="121900" rIns="121900" bIns="121900" anchor="t" anchorCtr="0">
+            <a:spAutoFit/>
+          </a:bodyPr>
+          <a:lstStyle/>
+          <a:p>
+            <a:r>
+              <a:rPr lang="en-US" sz="1067" dirty="0">
+                <a:solidFill>
+                  <a:schemeClr val="accent3"/>
+                </a:solidFill>
+                <a:latin typeface="Proxima Nova"/>
+                <a:ea typeface="Proxima Nova"/>
+                <a:cs typeface="Proxima Nova"/>
+                <a:sym typeface="Proxima Nova"/>
+              </a:rPr>
+              <a:t>[1] </a:t>
+            </a:r>
+            <a:r>
+              <a:rPr lang="en-US" sz="1067" dirty="0" err="1">
+                <a:solidFill>
+                  <a:schemeClr val="accent3"/>
+                </a:solidFill>
+                <a:latin typeface="Proxima Nova"/>
+                <a:ea typeface="Proxima Nova"/>
+                <a:cs typeface="Proxima Nova"/>
+                <a:sym typeface="Proxima Nova"/>
+              </a:rPr>
+              <a:t>Dynnikova</a:t>
+            </a:r>
+            <a:r>
+              <a:rPr lang="en-US" sz="1067" dirty="0">
+                <a:solidFill>
+                  <a:schemeClr val="accent3"/>
+                </a:solidFill>
+                <a:latin typeface="Proxima Nova"/>
+                <a:ea typeface="Proxima Nova"/>
+                <a:cs typeface="Proxima Nova"/>
+                <a:sym typeface="Proxima Nova"/>
+              </a:rPr>
+              <a:t>, G. </a:t>
+            </a:r>
+            <a:r>
+              <a:rPr lang="en-US" sz="1067" dirty="0" err="1">
+                <a:solidFill>
+                  <a:schemeClr val="accent3"/>
+                </a:solidFill>
+                <a:latin typeface="Proxima Nova"/>
+                <a:ea typeface="Proxima Nova"/>
+                <a:cs typeface="Proxima Nova"/>
+                <a:sym typeface="Proxima Nova"/>
+              </a:rPr>
+              <a:t>Ya</a:t>
+            </a:r>
+            <a:r>
+              <a:rPr lang="en-US" sz="1067" dirty="0">
+                <a:solidFill>
+                  <a:schemeClr val="accent3"/>
+                </a:solidFill>
+                <a:latin typeface="Proxima Nova"/>
+                <a:ea typeface="Proxima Nova"/>
+                <a:cs typeface="Proxima Nova"/>
+                <a:sym typeface="Proxima Nova"/>
+              </a:rPr>
+              <a:t> et al. (2021). “Stability of a reverse Karman vortex street”. In: Physics of Fluids 33.2. ISSN: 10897666. DOI: 10.1063/5.0035575.</a:t>
+            </a:r>
+          </a:p>
+        </p:txBody>
+      </p:sp>
+      <p:pic>
+        <p:nvPicPr>
+          <p:cNvPr id="3" name="Picture 2" descr="\documentclass{article}&#10;\usepackage{bbm}&#10;\usepackage{bm}&#10;\usepackage{amsmath}&#10;\usepackage{amssymb}&#10;\pagestyle{empty}&#10;&#10;% --------------------------------&#10;%% Custom Math Commands&#10;% --------------------------------&#10;\newcommand{\abs}[1]{\mid #1 \mid}&#10;&#10;\newcommand{\bb}[1]{\mathbb{#1}}&#10;&#10;\newcommand{\LagDerivative}[2][t]{\frac{\operatorname{D} #2}{\operatorname{D} #1}}&#10;&#10;\newcommand{\PartialDerivative}[2][t]{\frac{\partial #2}{\partial #1}}&#10;&#10;\newcommand{\vect}[1]{\mathbf{#1}}&#10;&#10;\newcommand{\tensor}[1]{\underline{\bm{#1}}}&#10;&#10;\newcommand{\WIJ}{W_{h, ij}}&#10;&#10;\newcommand{\DWIJ}{\nabla_{i} W_{h, ij}}&#10;&#10;\newcommand{\VIJ}{\vect{v}_{ij}}&#10;&#10;\newcommand{\RIJ}{\vect{r}_{ij}}&#10;&#10;\newcommand{\RtwoIJ}[1][2]{\abs{\vect{r}_{ij}}^{#1}}&#10;&#10;\newcommand{\VtwoIJ}[1][2]{\abs{\vect{v}_{ij}}^{#1}}&#10;&#10;\newcommand{\MachineEpsilon}{\bm{\xi}}&#10;&#10;\newcommand{\EncAngBrk}[2][]{#1\langle #2 #1\rangle}&#10;&#10;\newcommand{\RAProp}[1]{\EncAngBrk{#1}}&#10;&#10;\newcommand{\FrobeniusInnerProduct}[2]{\EncAngBrk{\tensor{#1}, \tensor{#2}}}&#10;&#10;\newcommand{\FrobeniusNorm}[1]{||\tensor{#1}||_F}&#10;&#10;\newcommand{\BasisVect}[1][i]{\hat{\vect{e}}_{#1}}&#10;&#10;\newcommand{\HalfFrac}{\frac{1}{2}}&#10;&#10;\newcommand{\Vol}[1][V]{\mathcal{#1}}&#10;&#10;\newcommand{\Vorticity}{\bm{\omega}}&#10;&#10;\newcommand{\Boundary}{\bm{\Omega}}&#10;&#10;\newcommand{\WaveNumber}{\mathrm{k}}&#10;&#10;\newcommand{\WaveNumberVector}{\vect{k}}&#10;&#10;\newcommand{\TildeR}{\widetilde{\vect{r}}}&#10;&#10;\newcommand{\TildeV}{\widetilde{\vect{v}}}&#10;&#10;\newcommand{\TildeDeltaV}{\delta\TildeV}&#10;&#10;\newcommand{\TildeRho}{\widetilde{\rho}}&#10;&#10;\newcommand{\TildeP}{\widetilde{P}}&#10;&#10;\newcommand{\IntRThreeAndT}{\int_{\mathbb{R}^3}&#10;\int_{-\infty}^{\infty}}&#10;&#10;\newcommand{\SciNot}[3][10]{#2 \times {#1}^{#3}}&#10;&#10;\newcommand{\IntD}{d \tau d V_y}&#10;&#10;\newcommand{\TilePArgRp}{\TildeP(\TildeR_p, t)}&#10;&#10;\newcommand{\PhiRY}{\phi (\TildeR_p(t)-\vect{y}, t-\tau)}&#10;&#10;\newcommand{\PY}{P(\vect{y}, \tau)}&#10;&#10;\newcommand{\VY}{\vect{v}(\vect{y}, \tau)}&#10;&#10;\newcommand{\TildeVArgRp}{\TildeV (\TildeR_p, t)}&#10;&#10;% --------------------------------&#10;%% Equations&#10;% --------------------------------&#10;\begin{document}&#10;&#10;\begin{equation*}&#10;\LagDerivative{\overline{\rho}} = -\overline{\rho} \nabla \cdot \vect{\widetilde{v}}&#10;\end{equation*}&#10;&#10;\begin{equation*}&#10;\LagDerivative{\vect{\widetilde{v}}} = - \frac{1}{\overline{\rho}}\nabla \overline{P} + \frac{1}{\overline{\rho}} (\nabla \cdot \overline{\rho \nu} \nabla) \vect{\widetilde{v}} + \frac{1}{\overline{\rho}}\nabla\cdot\tensor{\tau} + \vect{F}&#10;\end{equation*}&#10;&#10;\end{document}" title="IguanaTex Bitmap Display">
+            <a:extLst>
+              <a:ext uri="{FF2B5EF4-FFF2-40B4-BE49-F238E27FC236}">
+                <a16:creationId xmlns:a16="http://schemas.microsoft.com/office/drawing/2014/main" id="{9C80AD2B-6273-7BD9-D305-CB6DAA2F17B7}"/>
+              </a:ext>
+            </a:extLst>
+          </p:cNvPr>
+          <p:cNvPicPr>
+            <a:picLocks noChangeAspect="1"/>
+          </p:cNvPicPr>
+          <p:nvPr>
+            <p:custDataLst>
+              <p:tags r:id="rId1"/>
+            </p:custDataLst>
+          </p:nvPr>
+        </p:nvPicPr>
+        <p:blipFill>
+          <a:blip r:embed="rId4">
+            <a:extLst>
+              <a:ext uri="{28A0092B-C50C-407E-A947-70E740481C1C}">
+                <a14:useLocalDpi xmlns:a14="http://schemas.microsoft.com/office/drawing/2010/main" val="0"/>
+              </a:ext>
+            </a:extLst>
+          </a:blip>
+          <a:stretch>
+            <a:fillRect/>
+          </a:stretch>
+        </p:blipFill>
+        <p:spPr>
+          <a:xfrm>
+            <a:off x="7656486" y="4817798"/>
+            <a:ext cx="4507827" cy="1315791"/>
+          </a:xfrm>
+          <a:prstGeom prst="rect">
+            <a:avLst/>
+          </a:prstGeom>
+        </p:spPr>
+      </p:pic>
     </p:spTree>
     <p:extLst>
       <p:ext uri="{BB962C8B-B14F-4D97-AF65-F5344CB8AC3E}">
-        <p14:creationId xmlns:p14="http://schemas.microsoft.com/office/powerpoint/2010/main" val="3905214173"/>
+        <p14:creationId xmlns:p14="http://schemas.microsoft.com/office/powerpoint/2010/main" val="1819922406"/>
       </p:ext>
     </p:extLst>
   </p:cSld>
@@ -11916,8 +15300,8 @@
         </p:nvSpPr>
         <p:spPr>
           <a:xfrm>
-            <a:off x="160733" y="963200"/>
-            <a:ext cx="7046000" cy="5452800"/>
+            <a:off x="160732" y="963200"/>
+            <a:ext cx="11867599" cy="5452800"/>
           </a:xfrm>
           <a:prstGeom prst="rect">
             <a:avLst/>
@@ -11929,10 +15313,86 @@
           </a:bodyPr>
           <a:lstStyle/>
           <a:p>
-            <a:pPr marL="0" indent="0">
-              <a:buNone/>
-            </a:pPr>
-            <a:endParaRPr dirty="0"/>
+            <a:pPr marL="285750" indent="-285750"/>
+            <a:r>
+              <a:rPr lang="en-IN" dirty="0"/>
+              <a:t>Explicit Pressure Poisson-based Models</a:t>
+            </a:r>
+          </a:p>
+          <a:p>
+            <a:pPr marL="895335" lvl="1" indent="-285750"/>
+            <a:r>
+              <a:rPr lang="en-IN" dirty="0"/>
+              <a:t>[Canelas2016] Observed the </a:t>
+            </a:r>
+            <a:r>
+              <a:rPr lang="en-US" dirty="0"/>
+              <a:t>standard Smagorinsky model cannot enforce wall conditions and non-vanishing stresses with laminar flows.</a:t>
+            </a:r>
+            <a:endParaRPr lang="en-IN" dirty="0"/>
+          </a:p>
+          <a:p>
+            <a:pPr marL="895335" lvl="1" indent="-285750"/>
+            <a:r>
+              <a:rPr lang="en-US" dirty="0">
+                <a:sym typeface="Wingdings" panose="05000000000000000000" pitchFamily="2" charset="2"/>
+              </a:rPr>
+              <a:t>Wall-adapting local eddy viscosity (WALE) model </a:t>
+            </a:r>
+          </a:p>
+          <a:p>
+            <a:pPr marL="895335" lvl="1" indent="-285750"/>
+            <a:r>
+              <a:rPr lang="en-US" dirty="0">
+                <a:sym typeface="Wingdings" panose="05000000000000000000" pitchFamily="2" charset="2"/>
+              </a:rPr>
+              <a:t>Simulated:</a:t>
+            </a:r>
+          </a:p>
+          <a:p>
+            <a:pPr marL="1504919" lvl="2" indent="-285750"/>
+            <a:r>
+              <a:rPr lang="en-US" dirty="0">
+                <a:sym typeface="Wingdings" panose="05000000000000000000" pitchFamily="2" charset="2"/>
+              </a:rPr>
+              <a:t>Array of cylinders in 2D flow</a:t>
+            </a:r>
+          </a:p>
+          <a:p>
+            <a:pPr marL="1504919" lvl="2" indent="-285750"/>
+            <a:r>
+              <a:rPr lang="en-IN" dirty="0">
+                <a:sym typeface="Wingdings" panose="05000000000000000000" pitchFamily="2" charset="2"/>
+              </a:rPr>
+              <a:t>Studied LCS of the flow</a:t>
+            </a:r>
+          </a:p>
+          <a:p>
+            <a:pPr marL="1504919" lvl="2" indent="-285750"/>
+            <a:r>
+              <a:rPr lang="en-IN" dirty="0">
+                <a:sym typeface="Wingdings" panose="05000000000000000000" pitchFamily="2" charset="2"/>
+              </a:rPr>
+              <a:t>Observed recombination of vortices to larger structures</a:t>
+            </a:r>
+          </a:p>
+          <a:p>
+            <a:pPr marL="1504919" lvl="2" indent="-285750"/>
+            <a:r>
+              <a:rPr lang="en-IN" dirty="0">
+                <a:sym typeface="Wingdings" panose="05000000000000000000" pitchFamily="2" charset="2"/>
+              </a:rPr>
+              <a:t>Vortices with opposing strengths cancelled each other</a:t>
+            </a:r>
+          </a:p>
+          <a:p>
+            <a:pPr marL="1504919" lvl="2" indent="-285750"/>
+            <a:r>
+              <a:rPr lang="en-IN" dirty="0">
+                <a:sym typeface="Wingdings" panose="05000000000000000000" pitchFamily="2" charset="2"/>
+              </a:rPr>
+              <a:t>Believe such interactions lead to difficulty in interpreting the energy spectrum</a:t>
+            </a:r>
           </a:p>
         </p:txBody>
       </p:sp>
@@ -11998,6 +15458,10 @@
           </a:bodyPr>
           <a:lstStyle/>
           <a:p>
+            <a:r>
+              <a:rPr lang="en-IN" b="1" dirty="0"/>
+              <a:t>Large-Eddy Simulation-based Models</a:t>
+            </a:r>
             <a:endParaRPr b="1" dirty="0"/>
           </a:p>
         </p:txBody>
@@ -12124,10 +15588,50 @@
           </a:p>
         </p:txBody>
       </p:sp>
+      <p:pic>
+        <p:nvPicPr>
+          <p:cNvPr id="4" name="Picture 3" descr="\documentclass{article}&#10;\usepackage{bbm}&#10;\usepackage{bm}&#10;\usepackage{amsmath}&#10;\usepackage{amssymb}&#10;\pagestyle{empty}&#10;&#10;% --------------------------------&#10;%% Custom Math Commands&#10;% --------------------------------&#10;\newcommand{\abs}[1]{\mid #1 \mid}&#10;&#10;\newcommand{\bb}[1]{\mathbb{#1}}&#10;&#10;\newcommand{\LagDerivative}[2][t]{\frac{\operatorname{D} #2}{\operatorname{D} #1}}&#10;&#10;\newcommand{\PartialDerivative}[2][t]{\frac{\partial #2}{\partial #1}}&#10;&#10;\newcommand{\vect}[1]{\mathbf{#1}}&#10;&#10;\newcommand{\tensor}[1]{\underline{\bm{#1}}}&#10;&#10;\newcommand{\WIJ}{W_{h, ij}}&#10;&#10;\newcommand{\DWIJ}{\nabla_{i} W_{h, ij}}&#10;&#10;\newcommand{\VIJ}{\vect{v}_{ij}}&#10;&#10;\newcommand{\RIJ}{\vect{r}_{ij}}&#10;&#10;\newcommand{\RtwoIJ}[1][2]{\abs{\vect{r}_{ij}}^{#1}}&#10;&#10;\newcommand{\VtwoIJ}[1][2]{\abs{\vect{v}_{ij}}^{#1}}&#10;&#10;\newcommand{\MachineEpsilon}{\bm{\xi}}&#10;&#10;\newcommand{\EncAngBrk}[2][]{#1\langle #2 #1\rangle}&#10;&#10;\newcommand{\RAProp}[1]{\EncAngBrk{#1}}&#10;&#10;\newcommand{\FrobeniusInnerProduct}[2]{\EncAngBrk{\tensor{#1}, \tensor{#2}}}&#10;&#10;\newcommand{\FrobeniusNorm}[1]{||\tensor{#1}||_F}&#10;&#10;\newcommand{\BasisVect}[1][i]{\hat{\vect{e}}_{#1}}&#10;&#10;\newcommand{\HalfFrac}{\frac{1}{2}}&#10;&#10;\newcommand{\Vol}[1][V]{\mathcal{#1}}&#10;&#10;\newcommand{\Vorticity}{\bm{\omega}}&#10;&#10;\newcommand{\Boundary}{\bm{\Omega}}&#10;&#10;\newcommand{\WaveNumber}{\mathrm{k}}&#10;&#10;\newcommand{\WaveNumberVector}{\vect{k}}&#10;&#10;\newcommand{\TildeR}{\widetilde{\vect{r}}}&#10;&#10;\newcommand{\TildeV}{\widetilde{\vect{v}}}&#10;&#10;\newcommand{\TildeDeltaV}{\delta\TildeV}&#10;&#10;\newcommand{\TildeRho}{\widetilde{\rho}}&#10;&#10;\newcommand{\TildeP}{\widetilde{P}}&#10;&#10;\newcommand{\IntRThreeAndT}{\int_{\mathbb{R}^3}&#10;\int_{-\infty}^{\infty}}&#10;&#10;\newcommand{\SciNot}[3][10]{#2 \times {#1}^{#3}}&#10;&#10;\newcommand{\IntD}{d \tau d V_y}&#10;&#10;\newcommand{\TilePArgRp}{\TildeP(\TildeR_p, t)}&#10;&#10;\newcommand{\PhiRY}{\phi (\TildeR_p(t)-\vect{y}, t-\tau)}&#10;&#10;\newcommand{\PY}{P(\vect{y}, \tau)}&#10;&#10;\newcommand{\VY}{\vect{v}(\vect{y}, \tau)}&#10;&#10;\newcommand{\TildeVArgRp}{\TildeV (\TildeR_p, t)}&#10;&#10;% --------------------------------&#10;%% Equations&#10;% --------------------------------&#10;\begin{document}&#10;&#10;\begin{equation*}&#10;\nu_t = \rho (C_w \Delta x)^2 \frac{\FrobeniusInnerProduct{S^d}{S^d}^{3/2}}{\FrobeniusInnerProduct{S}{S}^{5/2} + \FrobeniusInnerProduct{S^d}{S^d}^{5/4}} \quad , \quad C_w=0.325&#10;\end{equation*}&#10;&#10;\begin{equation*}&#10;\tensor{S^d} = \HalfFrac \bigg( (\nabla \vect{v})^2 + \big((\nabla \vect{v})^T\big)^2 \bigg) - \frac{1}{3} \operatorname{tr}[(\nabla \vect{v})^2] \tensor{I}&#10;\end{equation*}&#10;&#10;\end{document}" title="IguanaTex Bitmap Display">
+            <a:extLst>
+              <a:ext uri="{FF2B5EF4-FFF2-40B4-BE49-F238E27FC236}">
+                <a16:creationId xmlns:a16="http://schemas.microsoft.com/office/drawing/2014/main" id="{2A543F4C-BD3D-5FD1-34FA-4688C38C1F80}"/>
+              </a:ext>
+            </a:extLst>
+          </p:cNvPr>
+          <p:cNvPicPr>
+            <a:picLocks noChangeAspect="1"/>
+          </p:cNvPicPr>
+          <p:nvPr>
+            <p:custDataLst>
+              <p:tags r:id="rId1"/>
+            </p:custDataLst>
+          </p:nvPr>
+        </p:nvPicPr>
+        <p:blipFill>
+          <a:blip r:embed="rId4">
+            <a:extLst>
+              <a:ext uri="{28A0092B-C50C-407E-A947-70E740481C1C}">
+                <a14:useLocalDpi xmlns:a14="http://schemas.microsoft.com/office/drawing/2010/main" val="0"/>
+              </a:ext>
+            </a:extLst>
+          </a:blip>
+          <a:stretch>
+            <a:fillRect/>
+          </a:stretch>
+        </p:blipFill>
+        <p:spPr>
+          <a:xfrm>
+            <a:off x="6336130" y="4621526"/>
+            <a:ext cx="5779521" cy="1384069"/>
+          </a:xfrm>
+          <a:prstGeom prst="rect">
+            <a:avLst/>
+          </a:prstGeom>
+        </p:spPr>
+      </p:pic>
     </p:spTree>
     <p:extLst>
       <p:ext uri="{BB962C8B-B14F-4D97-AF65-F5344CB8AC3E}">
-        <p14:creationId xmlns:p14="http://schemas.microsoft.com/office/powerpoint/2010/main" val="2254323648"/>
+        <p14:creationId xmlns:p14="http://schemas.microsoft.com/office/powerpoint/2010/main" val="38268619"/>
       </p:ext>
     </p:extLst>
   </p:cSld>
@@ -12167,6 +15671,66 @@
   <p:tag name="LATEXADDIN" val="\documentclass{article}&#10;\usepackage{bbm}&#10;\usepackage{bm}&#10;\usepackage{amsmath}&#10;\usepackage{amssymb}&#10;\pagestyle{empty}&#10;&#10;% --------------------------------&#10;%% Custom Math Commands&#10;% --------------------------------&#10;\newcommand{\abs}[1]{\mid #1 \mid}&#10;&#10;\newcommand{\bb}[1]{\mathbb{#1}}&#10;&#10;\newcommand{\LagDerivative}[2][t]{\frac{\operatorname{D} #2}{\operatorname{D} #1}}&#10;&#10;\newcommand{\PartialDerivative}[2][t]{\frac{\partial #2}{\partial #1}}&#10;&#10;\newcommand{\vect}[1]{\mathbf{#1}}&#10;&#10;\newcommand{\tensor}[1]{\underline{\bm{#1}}}&#10;&#10;\newcommand{\WIJ}{W_{h, ij}}&#10;&#10;\newcommand{\DWIJ}{\nabla_{i} W_{h, ij}}&#10;&#10;\newcommand{\VIJ}{\vect{v}_{ij}}&#10;&#10;\newcommand{\RIJ}{\vect{r}_{ij}}&#10;&#10;\newcommand{\RtwoIJ}[1][2]{\abs{\vect{r}_{ij}}^{#1}}&#10;&#10;\newcommand{\VtwoIJ}[1][2]{\abs{\vect{v}_{ij}}^{#1}}&#10;&#10;\newcommand{\MachineEpsilon}{\bm{\xi}}&#10;&#10;\newcommand{\EncAngBrk}[2][]{#1\langle #2 #1\rangle}&#10;&#10;\newcommand{\RAProp}[1]{\EncAngBrk{#1}}&#10;&#10;\newcommand{\FrobeniusInnerProduct}[2]{\EncAngBrk{\tensor{#1}, \tensor{#2}}}&#10;&#10;\newcommand{\FrobeniusNorm}[1]{||\tensor{#1}||_F}&#10;&#10;\newcommand{\BasisVect}[1][i]{\hat{\vect{e}}_{#1}}&#10;&#10;\newcommand{\HalfFrac}{\frac{1}{2}}&#10;&#10;\newcommand{\Vol}[1][V]{\mathcal{#1}}&#10;&#10;\newcommand{\Vorticity}{\bm{\omega}}&#10;&#10;\newcommand{\Boundary}{\bm{\Omega}}&#10;&#10;\newcommand{\WaveNumber}{\mathrm{k}}&#10;&#10;\newcommand{\WaveNumberVector}{\vect{k}}&#10;&#10;\newcommand{\TildeR}{\widetilde{\vect{r}}}&#10;&#10;\newcommand{\TildeV}{\widetilde{\vect{v}}}&#10;&#10;\newcommand{\TildeDeltaV}{\delta\TildeV}&#10;&#10;\newcommand{\TildeRho}{\widetilde{\rho}}&#10;&#10;\newcommand{\TildeP}{\widetilde{P}}&#10;&#10;\newcommand{\IntRThreeAndT}{\int_{\mathbb{R}^3}&#10;\int_{-\infty}^{\infty}}&#10;&#10;\newcommand{\SciNot}[3][10]{#2 \times {#1}^{#3}}&#10;&#10;\newcommand{\IntD}{d \tau d V_y}&#10;&#10;\newcommand{\TilePArgRp}{\TildeP(\TildeR_p, t)}&#10;&#10;\newcommand{\PhiRY}{\phi (\TildeR_p(t)-\vect{y}, t-\tau)}&#10;&#10;\newcommand{\PY}{P(\vect{y}, \tau)}&#10;&#10;\newcommand{\VY}{\vect{v}(\vect{y}, \tau)}&#10;&#10;\newcommand{\TildeVArgRp}{\TildeV (\TildeR_p, t)}&#10;&#10;% --------------------------------&#10;%% Equations&#10;% --------------------------------&#10;\begin{document}&#10;&#10;\begin{equation*}&#10;\LagDerivative{\vect{v}_i} = -\sum_j m_j \bigg( \frac{\RAProp{P}_i}{\rho_i^2} + \frac{\RAProp{P}_j}{\rho_j^2} \bigg) \DWIJ - \HalfFrac C_1 \frac{\epsilon_i}{k_i} \vect{v}'_i + C_2 \nabla \RAProp{\vect{v}}_i \cdot \vect{v}'_i + \sqrt{\frac{C_0 \epsilon_i}{\Delta t}} \Vec{\xi}_i&#10;\end{equation*}&#10;&#10;\begin{equation*}&#10;    \epsilon_i = 2 \nu_{t, i} + &#10;    \FrobeniusNorm{S_i}^2&#10;\end{equation*}&#10;&#10;\begin{equation*}&#10;    k_i = \frac{\epsilon_i \nu_{t, i}}{C_{\mu}} \quad , \quad C_{\mu} = 0.009&#10;\end{equation*}&#10;&#10;\end{document}"/>
   <p:tag name="IGUANATEXSIZE" val="18.67"/>
   <p:tag name="IGUANATEXCURSOR" val="2542"/>
+  <p:tag name="TRANSPARENCY" val="True"/>
+  <p:tag name="LATEXENGINEID" val="0"/>
+  <p:tag name="TEMPFOLDER" val="C:\Users\prajw\Documents\temp\"/>
+  <p:tag name="LATEXFORMHEIGHT" val="320"/>
+  <p:tag name="LATEXFORMWIDTH" val="385"/>
+  <p:tag name="LATEXFORMWRAP" val="True"/>
+  <p:tag name="BITMAPVECTOR" val="0"/>
+</p:tagLst>
+</file>
+
+<file path=ppt/tags/tag3.xml><?xml version="1.0" encoding="utf-8"?>
+<p:tagLst xmlns:a="http://schemas.openxmlformats.org/drawingml/2006/main" xmlns:r="http://schemas.openxmlformats.org/officeDocument/2006/relationships" xmlns:p="http://schemas.openxmlformats.org/presentationml/2006/main">
+  <p:tag name="OUTPUTDPI" val="1200"/>
+  <p:tag name="ORIGINALHEIGHT" val="1226.097"/>
+  <p:tag name="ORIGINALWIDTH" val="4399.7"/>
+  <p:tag name="OUTPUTTYPE" val="PNG"/>
+  <p:tag name="IGUANATEXVERSION" val="160"/>
+  <p:tag name="LATEXADDIN" val="\documentclass{article}&#10;\usepackage{bbm}&#10;\usepackage{bm}&#10;\usepackage{amsmath}&#10;\usepackage{amssymb}&#10;\pagestyle{empty}&#10;&#10;% --------------------------------&#10;%% Custom Math Commands&#10;% --------------------------------&#10;\newcommand{\abs}[1]{\mid #1 \mid}&#10;&#10;\newcommand{\bb}[1]{\mathbb{#1}}&#10;&#10;\newcommand{\LagDerivative}[2][t]{\frac{\operatorname{D} #2}{\operatorname{D} #1}}&#10;&#10;\newcommand{\PartialDerivative}[2][t]{\frac{\partial #2}{\partial #1}}&#10;&#10;\newcommand{\vect}[1]{\mathbf{#1}}&#10;&#10;\newcommand{\tensor}[1]{\underline{\bm{#1}}}&#10;&#10;\newcommand{\WIJ}{W_{h, ij}}&#10;&#10;\newcommand{\DWIJ}{\nabla_{i} W_{h, ij}}&#10;&#10;\newcommand{\VIJ}{\vect{v}_{ij}}&#10;&#10;\newcommand{\RIJ}{\vect{r}_{ij}}&#10;&#10;\newcommand{\RtwoIJ}[1][2]{\abs{\vect{r}_{ij}}^{#1}}&#10;&#10;\newcommand{\VtwoIJ}[1][2]{\abs{\vect{v}_{ij}}^{#1}}&#10;&#10;\newcommand{\MachineEpsilon}{\bm{\xi}}&#10;&#10;\newcommand{\EncAngBrk}[2][]{#1\langle #2 #1\rangle}&#10;&#10;\newcommand{\RAProp}[1]{\EncAngBrk{#1}}&#10;&#10;\newcommand{\FrobeniusInnerProduct}[2]{\EncAngBrk{\tensor{#1}, \tensor{#2}}}&#10;&#10;\newcommand{\FrobeniusNorm}[1]{||\tensor{#1}||_F}&#10;&#10;\newcommand{\BasisVect}[1][i]{\hat{\vect{e}}_{#1}}&#10;&#10;\newcommand{\HalfFrac}{\frac{1}{2}}&#10;&#10;\newcommand{\Vol}[1][V]{\mathcal{#1}}&#10;&#10;\newcommand{\Vorticity}{\bm{\omega}}&#10;&#10;\newcommand{\Boundary}{\bm{\Omega}}&#10;&#10;\newcommand{\WaveNumber}{\mathrm{k}}&#10;&#10;\newcommand{\WaveNumberVector}{\vect{k}}&#10;&#10;\newcommand{\TildeR}{\widetilde{\vect{r}}}&#10;&#10;\newcommand{\TildeV}{\widetilde{\vect{v}}}&#10;&#10;\newcommand{\TildeDeltaV}{\delta\TildeV}&#10;&#10;\newcommand{\TildeRho}{\widetilde{\rho}}&#10;&#10;\newcommand{\TildeP}{\widetilde{P}}&#10;&#10;\newcommand{\IntRThreeAndT}{\int_{\mathbb{R}^3}&#10;\int_{-\infty}^{\infty}}&#10;&#10;\newcommand{\SciNot}[3][10]{#2 \times {#1}^{#3}}&#10;&#10;\newcommand{\IntD}{d \tau d V_y}&#10;&#10;\newcommand{\TilePArgRp}{\TildeP(\TildeR_p, t)}&#10;&#10;\newcommand{\PhiRY}{\phi (\TildeR_p(t)-\vect{y}, t-\tau)}&#10;&#10;\newcommand{\PY}{P(\vect{y}, \tau)}&#10;&#10;\newcommand{\VY}{\vect{v}(\vect{y}, \tau)}&#10;&#10;\newcommand{\TildeVArgRp}{\TildeV (\TildeR_p, t)}&#10;&#10;% --------------------------------&#10;%% Equations&#10;% --------------------------------&#10;\begin{document}&#10;&#10;\begin{equation*}&#10;\rho_i = m_i\sum_j \WIJ&#10;\end{equation*}&#10;&#10;\begin{equation*}&#10;P_i = c_s^2 (\rho_i - \rho_o)&#10;\end{equation*}&#10;&#10;\begin{equation*}&#10;\LagDerivative{\vect{v}_i} = -\frac{1}{m_i} \sum_j (\Vol^2_i + \Vol^2_j) \frac{P_i \rho_j + P_j \rho_i}{\rho_i + \rho_i} \DWIJ - \frac{\eta}{m_i} \sum_j (\Vol^2_i + \Vol^2_j) \frac{\VIJ}{\RtwoIJ[]}\DWIJ + \vect{F}_i&#10;\end{equation*}&#10;&#10;\end{document}"/>
+  <p:tag name="IGUANATEXSIZE" val="18.67"/>
+  <p:tag name="IGUANATEXCURSOR" val="2165"/>
+  <p:tag name="TRANSPARENCY" val="True"/>
+  <p:tag name="LATEXENGINEID" val="0"/>
+  <p:tag name="TEMPFOLDER" val="C:\Users\prajw\Documents\temp\"/>
+  <p:tag name="LATEXFORMHEIGHT" val="320"/>
+  <p:tag name="LATEXFORMWIDTH" val="385"/>
+  <p:tag name="LATEXFORMWRAP" val="True"/>
+  <p:tag name="BITMAPVECTOR" val="0"/>
+</p:tagLst>
+</file>
+
+<file path=ppt/tags/tag4.xml><?xml version="1.0" encoding="utf-8"?>
+<p:tagLst xmlns:a="http://schemas.openxmlformats.org/drawingml/2006/main" xmlns:r="http://schemas.openxmlformats.org/officeDocument/2006/relationships" xmlns:p="http://schemas.openxmlformats.org/presentationml/2006/main">
+  <p:tag name="OUTPUTDPI" val="1200"/>
+  <p:tag name="ORIGINALHEIGHT" val="693.6633"/>
+  <p:tag name="ORIGINALWIDTH" val="2376.453"/>
+  <p:tag name="OUTPUTTYPE" val="PNG"/>
+  <p:tag name="IGUANATEXVERSION" val="160"/>
+  <p:tag name="LATEXADDIN" val="\documentclass{article}&#10;\usepackage{bbm}&#10;\usepackage{bm}&#10;\usepackage{amsmath}&#10;\usepackage{amssymb}&#10;\pagestyle{empty}&#10;&#10;% --------------------------------&#10;%% Custom Math Commands&#10;% --------------------------------&#10;\newcommand{\abs}[1]{\mid #1 \mid}&#10;&#10;\newcommand{\bb}[1]{\mathbb{#1}}&#10;&#10;\newcommand{\LagDerivative}[2][t]{\frac{\operatorname{D} #2}{\operatorname{D} #1}}&#10;&#10;\newcommand{\PartialDerivative}[2][t]{\frac{\partial #2}{\partial #1}}&#10;&#10;\newcommand{\vect}[1]{\mathbf{#1}}&#10;&#10;\newcommand{\tensor}[1]{\underline{\bm{#1}}}&#10;&#10;\newcommand{\WIJ}{W_{h, ij}}&#10;&#10;\newcommand{\DWIJ}{\nabla_{i} W_{h, ij}}&#10;&#10;\newcommand{\VIJ}{\vect{v}_{ij}}&#10;&#10;\newcommand{\RIJ}{\vect{r}_{ij}}&#10;&#10;\newcommand{\RtwoIJ}[1][2]{\abs{\vect{r}_{ij}}^{#1}}&#10;&#10;\newcommand{\VtwoIJ}[1][2]{\abs{\vect{v}_{ij}}^{#1}}&#10;&#10;\newcommand{\MachineEpsilon}{\bm{\xi}}&#10;&#10;\newcommand{\EncAngBrk}[2][]{#1\langle #2 #1\rangle}&#10;&#10;\newcommand{\RAProp}[1]{\EncAngBrk{#1}}&#10;&#10;\newcommand{\FrobeniusInnerProduct}[2]{\EncAngBrk{\tensor{#1}, \tensor{#2}}}&#10;&#10;\newcommand{\FrobeniusNorm}[1]{||\tensor{#1}||_F}&#10;&#10;\newcommand{\BasisVect}[1][i]{\hat{\vect{e}}_{#1}}&#10;&#10;\newcommand{\HalfFrac}{\frac{1}{2}}&#10;&#10;\newcommand{\Vol}[1][V]{\mathcal{#1}}&#10;&#10;\newcommand{\Vorticity}{\bm{\omega}}&#10;&#10;\newcommand{\Boundary}{\bm{\Omega}}&#10;&#10;\newcommand{\WaveNumber}{\mathrm{k}}&#10;&#10;\newcommand{\WaveNumberVector}{\vect{k}}&#10;&#10;\newcommand{\TildeR}{\widetilde{\vect{r}}}&#10;&#10;\newcommand{\TildeV}{\widetilde{\vect{v}}}&#10;&#10;\newcommand{\TildeDeltaV}{\delta\TildeV}&#10;&#10;\newcommand{\TildeRho}{\widetilde{\rho}}&#10;&#10;\newcommand{\TildeP}{\widetilde{P}}&#10;&#10;\newcommand{\IntRThreeAndT}{\int_{\mathbb{R}^3}&#10;\int_{-\infty}^{\infty}}&#10;&#10;\newcommand{\SciNot}[3][10]{#2 \times {#1}^{#3}}&#10;&#10;\newcommand{\IntD}{d \tau d V_y}&#10;&#10;\newcommand{\TilePArgRp}{\TildeP(\TildeR_p, t)}&#10;&#10;\newcommand{\PhiRY}{\phi (\TildeR_p(t)-\vect{y}, t-\tau)}&#10;&#10;\newcommand{\PY}{P(\vect{y}, \tau)}&#10;&#10;\newcommand{\VY}{\vect{v}(\vect{y}, \tau)}&#10;&#10;\newcommand{\TildeVArgRp}{\TildeV (\TildeR_p, t)}&#10;&#10;% --------------------------------&#10;%% Equations&#10;% --------------------------------&#10;\begin{document}&#10;&#10;\begin{equation*}&#10;\LagDerivative{\overline{\rho}} = -\overline{\rho} \nabla \cdot \vect{\widetilde{v}}&#10;\end{equation*}&#10;&#10;\begin{equation*}&#10;\LagDerivative{\vect{\widetilde{v}}} = - \frac{1}{\overline{\rho}}\nabla \overline{P} + \frac{1}{\overline{\rho}} (\nabla \cdot \overline{\rho \nu} \nabla) \vect{\widetilde{v}} + \frac{1}{\overline{\rho}}\nabla\cdot\tensor{\tau} + \vect{F}&#10;\end{equation*}&#10;&#10;\end{document}"/>
+  <p:tag name="IGUANATEXSIZE" val="18.67"/>
+  <p:tag name="IGUANATEXCURSOR" val="2161"/>
+  <p:tag name="TRANSPARENCY" val="True"/>
+  <p:tag name="LATEXENGINEID" val="0"/>
+  <p:tag name="TEMPFOLDER" val="C:\Users\prajw\Documents\temp\"/>
+  <p:tag name="LATEXFORMHEIGHT" val="320"/>
+  <p:tag name="LATEXFORMWIDTH" val="385"/>
+  <p:tag name="LATEXFORMWRAP" val="True"/>
+  <p:tag name="BITMAPVECTOR" val="0"/>
+</p:tagLst>
+</file>
+
+<file path=ppt/tags/tag5.xml><?xml version="1.0" encoding="utf-8"?>
+<p:tagLst xmlns:a="http://schemas.openxmlformats.org/drawingml/2006/main" xmlns:r="http://schemas.openxmlformats.org/officeDocument/2006/relationships" xmlns:p="http://schemas.openxmlformats.org/presentationml/2006/main">
+  <p:tag name="OUTPUTDPI" val="1200"/>
+  <p:tag name="ORIGINALHEIGHT" val="729.6588"/>
+  <p:tag name="ORIGINALWIDTH" val="3046.869"/>
+  <p:tag name="OUTPUTTYPE" val="PNG"/>
+  <p:tag name="IGUANATEXVERSION" val="160"/>
+  <p:tag name="LATEXADDIN" val="\documentclass{article}&#10;\usepackage{bbm}&#10;\usepackage{bm}&#10;\usepackage{amsmath}&#10;\usepackage{amssymb}&#10;\pagestyle{empty}&#10;&#10;% --------------------------------&#10;%% Custom Math Commands&#10;% --------------------------------&#10;\newcommand{\abs}[1]{\mid #1 \mid}&#10;&#10;\newcommand{\bb}[1]{\mathbb{#1}}&#10;&#10;\newcommand{\LagDerivative}[2][t]{\frac{\operatorname{D} #2}{\operatorname{D} #1}}&#10;&#10;\newcommand{\PartialDerivative}[2][t]{\frac{\partial #2}{\partial #1}}&#10;&#10;\newcommand{\vect}[1]{\mathbf{#1}}&#10;&#10;\newcommand{\tensor}[1]{\underline{\bm{#1}}}&#10;&#10;\newcommand{\WIJ}{W_{h, ij}}&#10;&#10;\newcommand{\DWIJ}{\nabla_{i} W_{h, ij}}&#10;&#10;\newcommand{\VIJ}{\vect{v}_{ij}}&#10;&#10;\newcommand{\RIJ}{\vect{r}_{ij}}&#10;&#10;\newcommand{\RtwoIJ}[1][2]{\abs{\vect{r}_{ij}}^{#1}}&#10;&#10;\newcommand{\VtwoIJ}[1][2]{\abs{\vect{v}_{ij}}^{#1}}&#10;&#10;\newcommand{\MachineEpsilon}{\bm{\xi}}&#10;&#10;\newcommand{\EncAngBrk}[2][]{#1\langle #2 #1\rangle}&#10;&#10;\newcommand{\RAProp}[1]{\EncAngBrk{#1}}&#10;&#10;\newcommand{\FrobeniusInnerProduct}[2]{\EncAngBrk{\tensor{#1}, \tensor{#2}}}&#10;&#10;\newcommand{\FrobeniusNorm}[1]{||\tensor{#1}||_F}&#10;&#10;\newcommand{\BasisVect}[1][i]{\hat{\vect{e}}_{#1}}&#10;&#10;\newcommand{\HalfFrac}{\frac{1}{2}}&#10;&#10;\newcommand{\Vol}[1][V]{\mathcal{#1}}&#10;&#10;\newcommand{\Vorticity}{\bm{\omega}}&#10;&#10;\newcommand{\Boundary}{\bm{\Omega}}&#10;&#10;\newcommand{\WaveNumber}{\mathrm{k}}&#10;&#10;\newcommand{\WaveNumberVector}{\vect{k}}&#10;&#10;\newcommand{\TildeR}{\widetilde{\vect{r}}}&#10;&#10;\newcommand{\TildeV}{\widetilde{\vect{v}}}&#10;&#10;\newcommand{\TildeDeltaV}{\delta\TildeV}&#10;&#10;\newcommand{\TildeRho}{\widetilde{\rho}}&#10;&#10;\newcommand{\TildeP}{\widetilde{P}}&#10;&#10;\newcommand{\IntRThreeAndT}{\int_{\mathbb{R}^3}&#10;\int_{-\infty}^{\infty}}&#10;&#10;\newcommand{\SciNot}[3][10]{#2 \times {#1}^{#3}}&#10;&#10;\newcommand{\IntD}{d \tau d V_y}&#10;&#10;\newcommand{\TilePArgRp}{\TildeP(\TildeR_p, t)}&#10;&#10;\newcommand{\PhiRY}{\phi (\TildeR_p(t)-\vect{y}, t-\tau)}&#10;&#10;\newcommand{\PY}{P(\vect{y}, \tau)}&#10;&#10;\newcommand{\VY}{\vect{v}(\vect{y}, \tau)}&#10;&#10;\newcommand{\TildeVArgRp}{\TildeV (\TildeR_p, t)}&#10;&#10;% --------------------------------&#10;%% Equations&#10;% --------------------------------&#10;\begin{document}&#10;&#10;\begin{equation*}&#10;\nu_t = \rho (C_w \Delta x)^2 \frac{\FrobeniusInnerProduct{S^d}{S^d}^{3/2}}{\FrobeniusInnerProduct{S}{S}^{5/2} + \FrobeniusInnerProduct{S^d}{S^d}^{5/4}} \quad , \quad C_w=0.325&#10;\end{equation*}&#10;&#10;\begin{equation*}&#10;\tensor{S^d} = \HalfFrac \bigg( (\nabla \vect{v})^2 + \big((\nabla \vect{v})^T\big)^2 \bigg) - \frac{1}{3} \operatorname{tr}[(\nabla \vect{v})^2] \tensor{I}&#10;\end{equation*}&#10;&#10;\end{document}"/>
+  <p:tag name="IGUANATEXSIZE" val="18.67"/>
+  <p:tag name="IGUANATEXCURSOR" val="2409"/>
   <p:tag name="TRANSPARENCY" val="True"/>
   <p:tag name="LATEXENGINEID" val="0"/>
   <p:tag name="TEMPFOLDER" val="C:\Users\prajw\Documents\temp\"/>

--- a/report/DDP Stage I - 2022.pptx
+++ b/report/DDP Stage I - 2022.pptx
@@ -5,7 +5,7 @@
     <p:sldMasterId id="2147483660" r:id="rId1"/>
   </p:sldMasterIdLst>
   <p:notesMasterIdLst>
-    <p:notesMasterId r:id="rId21"/>
+    <p:notesMasterId r:id="rId25"/>
   </p:notesMasterIdLst>
   <p:sldIdLst>
     <p:sldId id="258" r:id="rId2"/>
@@ -18,15 +18,19 @@
     <p:sldId id="293" r:id="rId9"/>
     <p:sldId id="294" r:id="rId10"/>
     <p:sldId id="295" r:id="rId11"/>
-    <p:sldId id="296" r:id="rId12"/>
-    <p:sldId id="297" r:id="rId13"/>
-    <p:sldId id="282" r:id="rId14"/>
-    <p:sldId id="286" r:id="rId15"/>
-    <p:sldId id="292" r:id="rId16"/>
-    <p:sldId id="285" r:id="rId17"/>
-    <p:sldId id="283" r:id="rId18"/>
-    <p:sldId id="257" r:id="rId19"/>
-    <p:sldId id="280" r:id="rId20"/>
+    <p:sldId id="297" r:id="rId12"/>
+    <p:sldId id="296" r:id="rId13"/>
+    <p:sldId id="298" r:id="rId14"/>
+    <p:sldId id="292" r:id="rId15"/>
+    <p:sldId id="299" r:id="rId16"/>
+    <p:sldId id="300" r:id="rId17"/>
+    <p:sldId id="282" r:id="rId18"/>
+    <p:sldId id="286" r:id="rId19"/>
+    <p:sldId id="301" r:id="rId20"/>
+    <p:sldId id="285" r:id="rId21"/>
+    <p:sldId id="283" r:id="rId22"/>
+    <p:sldId id="257" r:id="rId23"/>
+    <p:sldId id="280" r:id="rId24"/>
   </p:sldIdLst>
   <p:sldSz cx="12192000" cy="6858000"/>
   <p:notesSz cx="6858000" cy="9144000"/>
@@ -1017,7 +1021,7 @@
     </p:spTree>
     <p:extLst>
       <p:ext uri="{BB962C8B-B14F-4D97-AF65-F5344CB8AC3E}">
-        <p14:creationId xmlns:p14="http://schemas.microsoft.com/office/powerpoint/2010/main" val="3573661334"/>
+        <p14:creationId xmlns:p14="http://schemas.microsoft.com/office/powerpoint/2010/main" val="3765185998"/>
       </p:ext>
     </p:extLst>
   </p:cSld>
@@ -1126,7 +1130,7 @@
     </p:spTree>
     <p:extLst>
       <p:ext uri="{BB962C8B-B14F-4D97-AF65-F5344CB8AC3E}">
-        <p14:creationId xmlns:p14="http://schemas.microsoft.com/office/powerpoint/2010/main" val="3765185998"/>
+        <p14:creationId xmlns:p14="http://schemas.microsoft.com/office/powerpoint/2010/main" val="3573661334"/>
       </p:ext>
     </p:extLst>
   </p:cSld>
@@ -1141,7 +1145,7 @@
   <p:cSld>
     <p:spTree>
       <p:nvGrpSpPr>
-        <p:cNvPr id="1" name="Shape 355"/>
+        <p:cNvPr id="1" name="Shape 334"/>
         <p:cNvGrpSpPr/>
         <p:nvPr/>
       </p:nvGrpSpPr>
@@ -1155,7 +1159,7 @@
       </p:grpSpPr>
       <p:sp>
         <p:nvSpPr>
-          <p:cNvPr id="356" name="Google Shape;356;gda1d6e9913_0_1051:notes"/>
+          <p:cNvPr id="335" name="Google Shape;335;gf3fb92cc5f_1_266:notes"/>
           <p:cNvSpPr>
             <a:spLocks noGrp="1" noRot="1" noChangeAspect="1"/>
           </p:cNvSpPr>
@@ -1196,7 +1200,7 @@
       </p:sp>
       <p:sp>
         <p:nvSpPr>
-          <p:cNvPr id="357" name="Google Shape;357;gda1d6e9913_0_1051:notes"/>
+          <p:cNvPr id="336" name="Google Shape;336;gf3fb92cc5f_1_266:notes"/>
           <p:cNvSpPr txBox="1">
             <a:spLocks noGrp="1"/>
           </p:cNvSpPr>
@@ -1233,6 +1237,11 @@
         </p:txBody>
       </p:sp>
     </p:spTree>
+    <p:extLst>
+      <p:ext uri="{BB962C8B-B14F-4D97-AF65-F5344CB8AC3E}">
+        <p14:creationId xmlns:p14="http://schemas.microsoft.com/office/powerpoint/2010/main" val="3417433426"/>
+      </p:ext>
+    </p:extLst>
   </p:cSld>
   <p:clrMapOvr>
     <a:masterClrMapping/>
@@ -1245,7 +1254,7 @@
   <p:cSld>
     <p:spTree>
       <p:nvGrpSpPr>
-        <p:cNvPr id="1" name="Shape 363"/>
+        <p:cNvPr id="1" name="Shape 334"/>
         <p:cNvGrpSpPr/>
         <p:nvPr/>
       </p:nvGrpSpPr>
@@ -1259,7 +1268,7 @@
       </p:grpSpPr>
       <p:sp>
         <p:nvSpPr>
-          <p:cNvPr id="364" name="Google Shape;364;gf3fb92cc5f_1_26:notes"/>
+          <p:cNvPr id="335" name="Google Shape;335;gf3fb92cc5f_1_266:notes"/>
           <p:cNvSpPr>
             <a:spLocks noGrp="1" noRot="1" noChangeAspect="1"/>
           </p:cNvSpPr>
@@ -1300,7 +1309,7 @@
       </p:sp>
       <p:sp>
         <p:nvSpPr>
-          <p:cNvPr id="365" name="Google Shape;365;gf3fb92cc5f_1_26:notes"/>
+          <p:cNvPr id="336" name="Google Shape;336;gf3fb92cc5f_1_266:notes"/>
           <p:cNvSpPr txBox="1">
             <a:spLocks noGrp="1"/>
           </p:cNvSpPr>
@@ -1339,7 +1348,7 @@
     </p:spTree>
     <p:extLst>
       <p:ext uri="{BB962C8B-B14F-4D97-AF65-F5344CB8AC3E}">
-        <p14:creationId xmlns:p14="http://schemas.microsoft.com/office/powerpoint/2010/main" val="2271259352"/>
+        <p14:creationId xmlns:p14="http://schemas.microsoft.com/office/powerpoint/2010/main" val="1840351271"/>
       </p:ext>
     </p:extLst>
   </p:cSld>
@@ -1448,7 +1457,7 @@
     </p:spTree>
     <p:extLst>
       <p:ext uri="{BB962C8B-B14F-4D97-AF65-F5344CB8AC3E}">
-        <p14:creationId xmlns:p14="http://schemas.microsoft.com/office/powerpoint/2010/main" val="1840351271"/>
+        <p14:creationId xmlns:p14="http://schemas.microsoft.com/office/powerpoint/2010/main" val="3739136214"/>
       </p:ext>
     </p:extLst>
   </p:cSld>
@@ -1463,7 +1472,7 @@
   <p:cSld>
     <p:spTree>
       <p:nvGrpSpPr>
-        <p:cNvPr id="1" name="Shape 65"/>
+        <p:cNvPr id="1" name="Shape 334"/>
         <p:cNvGrpSpPr/>
         <p:nvPr/>
       </p:nvGrpSpPr>
@@ -1477,7 +1486,7 @@
       </p:grpSpPr>
       <p:sp>
         <p:nvSpPr>
-          <p:cNvPr id="66" name="Google Shape;66;gda1d6e9913_0_164:notes"/>
+          <p:cNvPr id="335" name="Google Shape;335;gf3fb92cc5f_1_266:notes"/>
           <p:cNvSpPr>
             <a:spLocks noGrp="1" noRot="1" noChangeAspect="1"/>
           </p:cNvSpPr>
@@ -1518,7 +1527,7 @@
       </p:sp>
       <p:sp>
         <p:nvSpPr>
-          <p:cNvPr id="67" name="Google Shape;67;gda1d6e9913_0_164:notes"/>
+          <p:cNvPr id="336" name="Google Shape;336;gf3fb92cc5f_1_266:notes"/>
           <p:cNvSpPr txBox="1">
             <a:spLocks noGrp="1"/>
           </p:cNvSpPr>
@@ -1557,7 +1566,7 @@
     </p:spTree>
     <p:extLst>
       <p:ext uri="{BB962C8B-B14F-4D97-AF65-F5344CB8AC3E}">
-        <p14:creationId xmlns:p14="http://schemas.microsoft.com/office/powerpoint/2010/main" val="3632032743"/>
+        <p14:creationId xmlns:p14="http://schemas.microsoft.com/office/powerpoint/2010/main" val="2830440693"/>
       </p:ext>
     </p:extLst>
   </p:cSld>
@@ -1568,6 +1577,110 @@
 </file>
 
 <file path=ppt/notesSlides/notesSlide17.xml><?xml version="1.0" encoding="utf-8"?>
+<p:notes xmlns:a="http://schemas.openxmlformats.org/drawingml/2006/main" xmlns:r="http://schemas.openxmlformats.org/officeDocument/2006/relationships" xmlns:p="http://schemas.openxmlformats.org/presentationml/2006/main" showMasterSp="0" showMasterPhAnim="0">
+  <p:cSld>
+    <p:spTree>
+      <p:nvGrpSpPr>
+        <p:cNvPr id="1" name="Shape 355"/>
+        <p:cNvGrpSpPr/>
+        <p:nvPr/>
+      </p:nvGrpSpPr>
+      <p:grpSpPr>
+        <a:xfrm>
+          <a:off x="0" y="0"/>
+          <a:ext cx="0" cy="0"/>
+          <a:chOff x="0" y="0"/>
+          <a:chExt cx="0" cy="0"/>
+        </a:xfrm>
+      </p:grpSpPr>
+      <p:sp>
+        <p:nvSpPr>
+          <p:cNvPr id="356" name="Google Shape;356;gda1d6e9913_0_1051:notes"/>
+          <p:cNvSpPr>
+            <a:spLocks noGrp="1" noRot="1" noChangeAspect="1"/>
+          </p:cNvSpPr>
+          <p:nvPr>
+            <p:ph type="sldImg" idx="2"/>
+          </p:nvPr>
+        </p:nvSpPr>
+        <p:spPr>
+          <a:xfrm>
+            <a:off x="381000" y="685800"/>
+            <a:ext cx="6096000" cy="3429000"/>
+          </a:xfrm>
+          <a:custGeom>
+            <a:avLst/>
+            <a:gdLst/>
+            <a:ahLst/>
+            <a:cxnLst/>
+            <a:rect l="l" t="t" r="r" b="b"/>
+            <a:pathLst>
+              <a:path w="120000" h="120000" extrusionOk="0">
+                <a:moveTo>
+                  <a:pt x="0" y="0"/>
+                </a:moveTo>
+                <a:lnTo>
+                  <a:pt x="120000" y="0"/>
+                </a:lnTo>
+                <a:lnTo>
+                  <a:pt x="120000" y="120000"/>
+                </a:lnTo>
+                <a:lnTo>
+                  <a:pt x="0" y="120000"/>
+                </a:lnTo>
+                <a:close/>
+              </a:path>
+            </a:pathLst>
+          </a:custGeom>
+        </p:spPr>
+      </p:sp>
+      <p:sp>
+        <p:nvSpPr>
+          <p:cNvPr id="357" name="Google Shape;357;gda1d6e9913_0_1051:notes"/>
+          <p:cNvSpPr txBox="1">
+            <a:spLocks noGrp="1"/>
+          </p:cNvSpPr>
+          <p:nvPr>
+            <p:ph type="body" idx="1"/>
+          </p:nvPr>
+        </p:nvSpPr>
+        <p:spPr>
+          <a:xfrm>
+            <a:off x="685800" y="4343400"/>
+            <a:ext cx="5486400" cy="4114800"/>
+          </a:xfrm>
+          <a:prstGeom prst="rect">
+            <a:avLst/>
+          </a:prstGeom>
+        </p:spPr>
+        <p:txBody>
+          <a:bodyPr spcFirstLastPara="1" wrap="square" lIns="91425" tIns="91425" rIns="91425" bIns="91425" anchor="t" anchorCtr="0">
+            <a:noAutofit/>
+          </a:bodyPr>
+          <a:lstStyle/>
+          <a:p>
+            <a:pPr marL="0" lvl="0" indent="0" algn="l" rtl="0">
+              <a:spcBef>
+                <a:spcPts val="0"/>
+              </a:spcBef>
+              <a:spcAft>
+                <a:spcPts val="0"/>
+              </a:spcAft>
+              <a:buNone/>
+            </a:pPr>
+            <a:endParaRPr/>
+          </a:p>
+        </p:txBody>
+      </p:sp>
+    </p:spTree>
+  </p:cSld>
+  <p:clrMapOvr>
+    <a:masterClrMapping/>
+  </p:clrMapOvr>
+</p:notes>
+</file>
+
+<file path=ppt/notesSlides/notesSlide18.xml><?xml version="1.0" encoding="utf-8"?>
 <p:notes xmlns:a="http://schemas.openxmlformats.org/drawingml/2006/main" xmlns:r="http://schemas.openxmlformats.org/officeDocument/2006/relationships" xmlns:p="http://schemas.openxmlformats.org/presentationml/2006/main" showMasterSp="0" showMasterPhAnim="0">
   <p:cSld>
     <p:spTree>
@@ -1664,110 +1777,11 @@
         </p:txBody>
       </p:sp>
     </p:spTree>
-  </p:cSld>
-  <p:clrMapOvr>
-    <a:masterClrMapping/>
-  </p:clrMapOvr>
-</p:notes>
-</file>
-
-<file path=ppt/notesSlides/notesSlide18.xml><?xml version="1.0" encoding="utf-8"?>
-<p:notes xmlns:a="http://schemas.openxmlformats.org/drawingml/2006/main" xmlns:r="http://schemas.openxmlformats.org/officeDocument/2006/relationships" xmlns:p="http://schemas.openxmlformats.org/presentationml/2006/main" showMasterSp="0" showMasterPhAnim="0">
-  <p:cSld>
-    <p:spTree>
-      <p:nvGrpSpPr>
-        <p:cNvPr id="1" name="Shape 65"/>
-        <p:cNvGrpSpPr/>
-        <p:nvPr/>
-      </p:nvGrpSpPr>
-      <p:grpSpPr>
-        <a:xfrm>
-          <a:off x="0" y="0"/>
-          <a:ext cx="0" cy="0"/>
-          <a:chOff x="0" y="0"/>
-          <a:chExt cx="0" cy="0"/>
-        </a:xfrm>
-      </p:grpSpPr>
-      <p:sp>
-        <p:nvSpPr>
-          <p:cNvPr id="66" name="Google Shape;66;gda1d6e9913_0_164:notes"/>
-          <p:cNvSpPr>
-            <a:spLocks noGrp="1" noRot="1" noChangeAspect="1"/>
-          </p:cNvSpPr>
-          <p:nvPr>
-            <p:ph type="sldImg" idx="2"/>
-          </p:nvPr>
-        </p:nvSpPr>
-        <p:spPr>
-          <a:xfrm>
-            <a:off x="381000" y="685800"/>
-            <a:ext cx="6096000" cy="3429000"/>
-          </a:xfrm>
-          <a:custGeom>
-            <a:avLst/>
-            <a:gdLst/>
-            <a:ahLst/>
-            <a:cxnLst/>
-            <a:rect l="l" t="t" r="r" b="b"/>
-            <a:pathLst>
-              <a:path w="120000" h="120000" extrusionOk="0">
-                <a:moveTo>
-                  <a:pt x="0" y="0"/>
-                </a:moveTo>
-                <a:lnTo>
-                  <a:pt x="120000" y="0"/>
-                </a:lnTo>
-                <a:lnTo>
-                  <a:pt x="120000" y="120000"/>
-                </a:lnTo>
-                <a:lnTo>
-                  <a:pt x="0" y="120000"/>
-                </a:lnTo>
-                <a:close/>
-              </a:path>
-            </a:pathLst>
-          </a:custGeom>
-        </p:spPr>
-      </p:sp>
-      <p:sp>
-        <p:nvSpPr>
-          <p:cNvPr id="67" name="Google Shape;67;gda1d6e9913_0_164:notes"/>
-          <p:cNvSpPr txBox="1">
-            <a:spLocks noGrp="1"/>
-          </p:cNvSpPr>
-          <p:nvPr>
-            <p:ph type="body" idx="1"/>
-          </p:nvPr>
-        </p:nvSpPr>
-        <p:spPr>
-          <a:xfrm>
-            <a:off x="685800" y="4343400"/>
-            <a:ext cx="5486400" cy="4114800"/>
-          </a:xfrm>
-          <a:prstGeom prst="rect">
-            <a:avLst/>
-          </a:prstGeom>
-        </p:spPr>
-        <p:txBody>
-          <a:bodyPr spcFirstLastPara="1" wrap="square" lIns="91425" tIns="91425" rIns="91425" bIns="91425" anchor="t" anchorCtr="0">
-            <a:noAutofit/>
-          </a:bodyPr>
-          <a:lstStyle/>
-          <a:p>
-            <a:pPr marL="0" lvl="0" indent="0" algn="l" rtl="0">
-              <a:spcBef>
-                <a:spcPts val="0"/>
-              </a:spcBef>
-              <a:spcAft>
-                <a:spcPts val="0"/>
-              </a:spcAft>
-              <a:buNone/>
-            </a:pPr>
-            <a:endParaRPr/>
-          </a:p>
-        </p:txBody>
-      </p:sp>
-    </p:spTree>
+    <p:extLst>
+      <p:ext uri="{BB962C8B-B14F-4D97-AF65-F5344CB8AC3E}">
+        <p14:creationId xmlns:p14="http://schemas.microsoft.com/office/powerpoint/2010/main" val="2271259352"/>
+      </p:ext>
+    </p:extLst>
   </p:cSld>
   <p:clrMapOvr>
     <a:masterClrMapping/>
@@ -1872,6 +1886,11 @@
         </p:txBody>
       </p:sp>
     </p:spTree>
+    <p:extLst>
+      <p:ext uri="{BB962C8B-B14F-4D97-AF65-F5344CB8AC3E}">
+        <p14:creationId xmlns:p14="http://schemas.microsoft.com/office/powerpoint/2010/main" val="4076054923"/>
+      </p:ext>
+    </p:extLst>
   </p:cSld>
   <p:clrMapOvr>
     <a:masterClrMapping/>
@@ -1981,6 +2000,427 @@
         <p14:creationId xmlns:p14="http://schemas.microsoft.com/office/powerpoint/2010/main" val="4120893764"/>
       </p:ext>
     </p:extLst>
+  </p:cSld>
+  <p:clrMapOvr>
+    <a:masterClrMapping/>
+  </p:clrMapOvr>
+</p:notes>
+</file>
+
+<file path=ppt/notesSlides/notesSlide20.xml><?xml version="1.0" encoding="utf-8"?>
+<p:notes xmlns:a="http://schemas.openxmlformats.org/drawingml/2006/main" xmlns:r="http://schemas.openxmlformats.org/officeDocument/2006/relationships" xmlns:p="http://schemas.openxmlformats.org/presentationml/2006/main" showMasterSp="0" showMasterPhAnim="0">
+  <p:cSld>
+    <p:spTree>
+      <p:nvGrpSpPr>
+        <p:cNvPr id="1" name="Shape 65"/>
+        <p:cNvGrpSpPr/>
+        <p:nvPr/>
+      </p:nvGrpSpPr>
+      <p:grpSpPr>
+        <a:xfrm>
+          <a:off x="0" y="0"/>
+          <a:ext cx="0" cy="0"/>
+          <a:chOff x="0" y="0"/>
+          <a:chExt cx="0" cy="0"/>
+        </a:xfrm>
+      </p:grpSpPr>
+      <p:sp>
+        <p:nvSpPr>
+          <p:cNvPr id="66" name="Google Shape;66;gda1d6e9913_0_164:notes"/>
+          <p:cNvSpPr>
+            <a:spLocks noGrp="1" noRot="1" noChangeAspect="1"/>
+          </p:cNvSpPr>
+          <p:nvPr>
+            <p:ph type="sldImg" idx="2"/>
+          </p:nvPr>
+        </p:nvSpPr>
+        <p:spPr>
+          <a:xfrm>
+            <a:off x="381000" y="685800"/>
+            <a:ext cx="6096000" cy="3429000"/>
+          </a:xfrm>
+          <a:custGeom>
+            <a:avLst/>
+            <a:gdLst/>
+            <a:ahLst/>
+            <a:cxnLst/>
+            <a:rect l="l" t="t" r="r" b="b"/>
+            <a:pathLst>
+              <a:path w="120000" h="120000" extrusionOk="0">
+                <a:moveTo>
+                  <a:pt x="0" y="0"/>
+                </a:moveTo>
+                <a:lnTo>
+                  <a:pt x="120000" y="0"/>
+                </a:lnTo>
+                <a:lnTo>
+                  <a:pt x="120000" y="120000"/>
+                </a:lnTo>
+                <a:lnTo>
+                  <a:pt x="0" y="120000"/>
+                </a:lnTo>
+                <a:close/>
+              </a:path>
+            </a:pathLst>
+          </a:custGeom>
+        </p:spPr>
+      </p:sp>
+      <p:sp>
+        <p:nvSpPr>
+          <p:cNvPr id="67" name="Google Shape;67;gda1d6e9913_0_164:notes"/>
+          <p:cNvSpPr txBox="1">
+            <a:spLocks noGrp="1"/>
+          </p:cNvSpPr>
+          <p:nvPr>
+            <p:ph type="body" idx="1"/>
+          </p:nvPr>
+        </p:nvSpPr>
+        <p:spPr>
+          <a:xfrm>
+            <a:off x="685800" y="4343400"/>
+            <a:ext cx="5486400" cy="4114800"/>
+          </a:xfrm>
+          <a:prstGeom prst="rect">
+            <a:avLst/>
+          </a:prstGeom>
+        </p:spPr>
+        <p:txBody>
+          <a:bodyPr spcFirstLastPara="1" wrap="square" lIns="91425" tIns="91425" rIns="91425" bIns="91425" anchor="t" anchorCtr="0">
+            <a:noAutofit/>
+          </a:bodyPr>
+          <a:lstStyle/>
+          <a:p>
+            <a:pPr marL="0" lvl="0" indent="0" algn="l" rtl="0">
+              <a:spcBef>
+                <a:spcPts val="0"/>
+              </a:spcBef>
+              <a:spcAft>
+                <a:spcPts val="0"/>
+              </a:spcAft>
+              <a:buNone/>
+            </a:pPr>
+            <a:endParaRPr/>
+          </a:p>
+        </p:txBody>
+      </p:sp>
+    </p:spTree>
+    <p:extLst>
+      <p:ext uri="{BB962C8B-B14F-4D97-AF65-F5344CB8AC3E}">
+        <p14:creationId xmlns:p14="http://schemas.microsoft.com/office/powerpoint/2010/main" val="3632032743"/>
+      </p:ext>
+    </p:extLst>
+  </p:cSld>
+  <p:clrMapOvr>
+    <a:masterClrMapping/>
+  </p:clrMapOvr>
+</p:notes>
+</file>
+
+<file path=ppt/notesSlides/notesSlide21.xml><?xml version="1.0" encoding="utf-8"?>
+<p:notes xmlns:a="http://schemas.openxmlformats.org/drawingml/2006/main" xmlns:r="http://schemas.openxmlformats.org/officeDocument/2006/relationships" xmlns:p="http://schemas.openxmlformats.org/presentationml/2006/main" showMasterSp="0" showMasterPhAnim="0">
+  <p:cSld>
+    <p:spTree>
+      <p:nvGrpSpPr>
+        <p:cNvPr id="1" name="Shape 363"/>
+        <p:cNvGrpSpPr/>
+        <p:nvPr/>
+      </p:nvGrpSpPr>
+      <p:grpSpPr>
+        <a:xfrm>
+          <a:off x="0" y="0"/>
+          <a:ext cx="0" cy="0"/>
+          <a:chOff x="0" y="0"/>
+          <a:chExt cx="0" cy="0"/>
+        </a:xfrm>
+      </p:grpSpPr>
+      <p:sp>
+        <p:nvSpPr>
+          <p:cNvPr id="364" name="Google Shape;364;gf3fb92cc5f_1_26:notes"/>
+          <p:cNvSpPr>
+            <a:spLocks noGrp="1" noRot="1" noChangeAspect="1"/>
+          </p:cNvSpPr>
+          <p:nvPr>
+            <p:ph type="sldImg" idx="2"/>
+          </p:nvPr>
+        </p:nvSpPr>
+        <p:spPr>
+          <a:xfrm>
+            <a:off x="381000" y="685800"/>
+            <a:ext cx="6096000" cy="3429000"/>
+          </a:xfrm>
+          <a:custGeom>
+            <a:avLst/>
+            <a:gdLst/>
+            <a:ahLst/>
+            <a:cxnLst/>
+            <a:rect l="l" t="t" r="r" b="b"/>
+            <a:pathLst>
+              <a:path w="120000" h="120000" extrusionOk="0">
+                <a:moveTo>
+                  <a:pt x="0" y="0"/>
+                </a:moveTo>
+                <a:lnTo>
+                  <a:pt x="120000" y="0"/>
+                </a:lnTo>
+                <a:lnTo>
+                  <a:pt x="120000" y="120000"/>
+                </a:lnTo>
+                <a:lnTo>
+                  <a:pt x="0" y="120000"/>
+                </a:lnTo>
+                <a:close/>
+              </a:path>
+            </a:pathLst>
+          </a:custGeom>
+        </p:spPr>
+      </p:sp>
+      <p:sp>
+        <p:nvSpPr>
+          <p:cNvPr id="365" name="Google Shape;365;gf3fb92cc5f_1_26:notes"/>
+          <p:cNvSpPr txBox="1">
+            <a:spLocks noGrp="1"/>
+          </p:cNvSpPr>
+          <p:nvPr>
+            <p:ph type="body" idx="1"/>
+          </p:nvPr>
+        </p:nvSpPr>
+        <p:spPr>
+          <a:xfrm>
+            <a:off x="685800" y="4343400"/>
+            <a:ext cx="5486400" cy="4114800"/>
+          </a:xfrm>
+          <a:prstGeom prst="rect">
+            <a:avLst/>
+          </a:prstGeom>
+        </p:spPr>
+        <p:txBody>
+          <a:bodyPr spcFirstLastPara="1" wrap="square" lIns="91425" tIns="91425" rIns="91425" bIns="91425" anchor="t" anchorCtr="0">
+            <a:noAutofit/>
+          </a:bodyPr>
+          <a:lstStyle/>
+          <a:p>
+            <a:pPr marL="0" lvl="0" indent="0" algn="l" rtl="0">
+              <a:spcBef>
+                <a:spcPts val="0"/>
+              </a:spcBef>
+              <a:spcAft>
+                <a:spcPts val="0"/>
+              </a:spcAft>
+              <a:buNone/>
+            </a:pPr>
+            <a:endParaRPr/>
+          </a:p>
+        </p:txBody>
+      </p:sp>
+    </p:spTree>
+  </p:cSld>
+  <p:clrMapOvr>
+    <a:masterClrMapping/>
+  </p:clrMapOvr>
+</p:notes>
+</file>
+
+<file path=ppt/notesSlides/notesSlide22.xml><?xml version="1.0" encoding="utf-8"?>
+<p:notes xmlns:a="http://schemas.openxmlformats.org/drawingml/2006/main" xmlns:r="http://schemas.openxmlformats.org/officeDocument/2006/relationships" xmlns:p="http://schemas.openxmlformats.org/presentationml/2006/main" showMasterSp="0" showMasterPhAnim="0">
+  <p:cSld>
+    <p:spTree>
+      <p:nvGrpSpPr>
+        <p:cNvPr id="1" name="Shape 65"/>
+        <p:cNvGrpSpPr/>
+        <p:nvPr/>
+      </p:nvGrpSpPr>
+      <p:grpSpPr>
+        <a:xfrm>
+          <a:off x="0" y="0"/>
+          <a:ext cx="0" cy="0"/>
+          <a:chOff x="0" y="0"/>
+          <a:chExt cx="0" cy="0"/>
+        </a:xfrm>
+      </p:grpSpPr>
+      <p:sp>
+        <p:nvSpPr>
+          <p:cNvPr id="66" name="Google Shape;66;gda1d6e9913_0_164:notes"/>
+          <p:cNvSpPr>
+            <a:spLocks noGrp="1" noRot="1" noChangeAspect="1"/>
+          </p:cNvSpPr>
+          <p:nvPr>
+            <p:ph type="sldImg" idx="2"/>
+          </p:nvPr>
+        </p:nvSpPr>
+        <p:spPr>
+          <a:xfrm>
+            <a:off x="381000" y="685800"/>
+            <a:ext cx="6096000" cy="3429000"/>
+          </a:xfrm>
+          <a:custGeom>
+            <a:avLst/>
+            <a:gdLst/>
+            <a:ahLst/>
+            <a:cxnLst/>
+            <a:rect l="l" t="t" r="r" b="b"/>
+            <a:pathLst>
+              <a:path w="120000" h="120000" extrusionOk="0">
+                <a:moveTo>
+                  <a:pt x="0" y="0"/>
+                </a:moveTo>
+                <a:lnTo>
+                  <a:pt x="120000" y="0"/>
+                </a:lnTo>
+                <a:lnTo>
+                  <a:pt x="120000" y="120000"/>
+                </a:lnTo>
+                <a:lnTo>
+                  <a:pt x="0" y="120000"/>
+                </a:lnTo>
+                <a:close/>
+              </a:path>
+            </a:pathLst>
+          </a:custGeom>
+        </p:spPr>
+      </p:sp>
+      <p:sp>
+        <p:nvSpPr>
+          <p:cNvPr id="67" name="Google Shape;67;gda1d6e9913_0_164:notes"/>
+          <p:cNvSpPr txBox="1">
+            <a:spLocks noGrp="1"/>
+          </p:cNvSpPr>
+          <p:nvPr>
+            <p:ph type="body" idx="1"/>
+          </p:nvPr>
+        </p:nvSpPr>
+        <p:spPr>
+          <a:xfrm>
+            <a:off x="685800" y="4343400"/>
+            <a:ext cx="5486400" cy="4114800"/>
+          </a:xfrm>
+          <a:prstGeom prst="rect">
+            <a:avLst/>
+          </a:prstGeom>
+        </p:spPr>
+        <p:txBody>
+          <a:bodyPr spcFirstLastPara="1" wrap="square" lIns="91425" tIns="91425" rIns="91425" bIns="91425" anchor="t" anchorCtr="0">
+            <a:noAutofit/>
+          </a:bodyPr>
+          <a:lstStyle/>
+          <a:p>
+            <a:pPr marL="0" lvl="0" indent="0" algn="l" rtl="0">
+              <a:spcBef>
+                <a:spcPts val="0"/>
+              </a:spcBef>
+              <a:spcAft>
+                <a:spcPts val="0"/>
+              </a:spcAft>
+              <a:buNone/>
+            </a:pPr>
+            <a:endParaRPr/>
+          </a:p>
+        </p:txBody>
+      </p:sp>
+    </p:spTree>
+  </p:cSld>
+  <p:clrMapOvr>
+    <a:masterClrMapping/>
+  </p:clrMapOvr>
+</p:notes>
+</file>
+
+<file path=ppt/notesSlides/notesSlide23.xml><?xml version="1.0" encoding="utf-8"?>
+<p:notes xmlns:a="http://schemas.openxmlformats.org/drawingml/2006/main" xmlns:r="http://schemas.openxmlformats.org/officeDocument/2006/relationships" xmlns:p="http://schemas.openxmlformats.org/presentationml/2006/main" showMasterSp="0" showMasterPhAnim="0">
+  <p:cSld>
+    <p:spTree>
+      <p:nvGrpSpPr>
+        <p:cNvPr id="1" name="Shape 334"/>
+        <p:cNvGrpSpPr/>
+        <p:nvPr/>
+      </p:nvGrpSpPr>
+      <p:grpSpPr>
+        <a:xfrm>
+          <a:off x="0" y="0"/>
+          <a:ext cx="0" cy="0"/>
+          <a:chOff x="0" y="0"/>
+          <a:chExt cx="0" cy="0"/>
+        </a:xfrm>
+      </p:grpSpPr>
+      <p:sp>
+        <p:nvSpPr>
+          <p:cNvPr id="335" name="Google Shape;335;gf3fb92cc5f_1_266:notes"/>
+          <p:cNvSpPr>
+            <a:spLocks noGrp="1" noRot="1" noChangeAspect="1"/>
+          </p:cNvSpPr>
+          <p:nvPr>
+            <p:ph type="sldImg" idx="2"/>
+          </p:nvPr>
+        </p:nvSpPr>
+        <p:spPr>
+          <a:xfrm>
+            <a:off x="381000" y="685800"/>
+            <a:ext cx="6096000" cy="3429000"/>
+          </a:xfrm>
+          <a:custGeom>
+            <a:avLst/>
+            <a:gdLst/>
+            <a:ahLst/>
+            <a:cxnLst/>
+            <a:rect l="l" t="t" r="r" b="b"/>
+            <a:pathLst>
+              <a:path w="120000" h="120000" extrusionOk="0">
+                <a:moveTo>
+                  <a:pt x="0" y="0"/>
+                </a:moveTo>
+                <a:lnTo>
+                  <a:pt x="120000" y="0"/>
+                </a:lnTo>
+                <a:lnTo>
+                  <a:pt x="120000" y="120000"/>
+                </a:lnTo>
+                <a:lnTo>
+                  <a:pt x="0" y="120000"/>
+                </a:lnTo>
+                <a:close/>
+              </a:path>
+            </a:pathLst>
+          </a:custGeom>
+        </p:spPr>
+      </p:sp>
+      <p:sp>
+        <p:nvSpPr>
+          <p:cNvPr id="336" name="Google Shape;336;gf3fb92cc5f_1_266:notes"/>
+          <p:cNvSpPr txBox="1">
+            <a:spLocks noGrp="1"/>
+          </p:cNvSpPr>
+          <p:nvPr>
+            <p:ph type="body" idx="1"/>
+          </p:nvPr>
+        </p:nvSpPr>
+        <p:spPr>
+          <a:xfrm>
+            <a:off x="685800" y="4343400"/>
+            <a:ext cx="5486400" cy="4114800"/>
+          </a:xfrm>
+          <a:prstGeom prst="rect">
+            <a:avLst/>
+          </a:prstGeom>
+        </p:spPr>
+        <p:txBody>
+          <a:bodyPr spcFirstLastPara="1" wrap="square" lIns="91425" tIns="91425" rIns="91425" bIns="91425" anchor="t" anchorCtr="0">
+            <a:noAutofit/>
+          </a:bodyPr>
+          <a:lstStyle/>
+          <a:p>
+            <a:pPr marL="0" lvl="0" indent="0" algn="l" rtl="0">
+              <a:spcBef>
+                <a:spcPts val="0"/>
+              </a:spcBef>
+              <a:spcAft>
+                <a:spcPts val="0"/>
+              </a:spcAft>
+              <a:buNone/>
+            </a:pPr>
+            <a:endParaRPr/>
+          </a:p>
+        </p:txBody>
+      </p:sp>
+    </p:spTree>
   </p:cSld>
   <p:clrMapOvr>
     <a:masterClrMapping/>
@@ -8924,6 +9364,787 @@
           </a:p>
         </p:txBody>
       </p:sp>
+      <p:sp>
+        <p:nvSpPr>
+          <p:cNvPr id="340" name="Google Shape;340;p37"/>
+          <p:cNvSpPr txBox="1">
+            <a:spLocks noGrp="1"/>
+          </p:cNvSpPr>
+          <p:nvPr>
+            <p:ph type="title"/>
+          </p:nvPr>
+        </p:nvSpPr>
+        <p:spPr>
+          <a:xfrm>
+            <a:off x="160733" y="0"/>
+            <a:ext cx="11867600" cy="763600"/>
+          </a:xfrm>
+          <a:prstGeom prst="rect">
+            <a:avLst/>
+          </a:prstGeom>
+        </p:spPr>
+        <p:txBody>
+          <a:bodyPr spcFirstLastPara="1" wrap="square" lIns="121900" tIns="121900" rIns="121900" bIns="121900" anchor="ctr" anchorCtr="0">
+            <a:normAutofit/>
+          </a:bodyPr>
+          <a:lstStyle/>
+          <a:p>
+            <a:r>
+              <a:rPr lang="en-IN" b="1" dirty="0"/>
+              <a:t>Lagrangian LES-based Models</a:t>
+            </a:r>
+            <a:endParaRPr b="1" dirty="0"/>
+          </a:p>
+        </p:txBody>
+      </p:sp>
+      <p:sp>
+        <p:nvSpPr>
+          <p:cNvPr id="341" name="Google Shape;341;p37"/>
+          <p:cNvSpPr txBox="1">
+            <a:spLocks noGrp="1"/>
+          </p:cNvSpPr>
+          <p:nvPr>
+            <p:ph type="sldNum" idx="12"/>
+          </p:nvPr>
+        </p:nvSpPr>
+        <p:spPr>
+          <a:xfrm>
+            <a:off x="11296744" y="6333189"/>
+            <a:ext cx="731600" cy="524800"/>
+          </a:xfrm>
+          <a:prstGeom prst="rect">
+            <a:avLst/>
+          </a:prstGeom>
+        </p:spPr>
+        <p:txBody>
+          <a:bodyPr spcFirstLastPara="1" wrap="square" lIns="121900" tIns="121900" rIns="121900" bIns="121900" anchor="ctr" anchorCtr="0">
+            <a:normAutofit/>
+          </a:bodyPr>
+          <a:lstStyle/>
+          <a:p>
+            <a:fld id="{00000000-1234-1234-1234-123412341234}" type="slidenum">
+              <a:rPr lang="en"/>
+              <a:pPr/>
+              <a:t>11</a:t>
+            </a:fld>
+            <a:endParaRPr/>
+          </a:p>
+        </p:txBody>
+      </p:sp>
+      <p:sp>
+        <p:nvSpPr>
+          <p:cNvPr id="346" name="Google Shape;346;p37"/>
+          <p:cNvSpPr txBox="1"/>
+          <p:nvPr/>
+        </p:nvSpPr>
+        <p:spPr>
+          <a:xfrm>
+            <a:off x="0" y="6333201"/>
+            <a:ext cx="9910400" cy="410393"/>
+          </a:xfrm>
+          <a:prstGeom prst="rect">
+            <a:avLst/>
+          </a:prstGeom>
+          <a:noFill/>
+          <a:ln>
+            <a:noFill/>
+          </a:ln>
+        </p:spPr>
+        <p:txBody>
+          <a:bodyPr spcFirstLastPara="1" wrap="square" lIns="121900" tIns="121900" rIns="121900" bIns="121900" anchor="t" anchorCtr="0">
+            <a:spAutoFit/>
+          </a:bodyPr>
+          <a:lstStyle/>
+          <a:p>
+            <a:r>
+              <a:rPr lang="en-US" sz="1067" dirty="0">
+                <a:solidFill>
+                  <a:schemeClr val="accent3"/>
+                </a:solidFill>
+                <a:latin typeface="Proxima Nova"/>
+                <a:ea typeface="Proxima Nova"/>
+                <a:cs typeface="Proxima Nova"/>
+                <a:sym typeface="Proxima Nova"/>
+              </a:rPr>
+              <a:t>[1] </a:t>
+            </a:r>
+            <a:r>
+              <a:rPr lang="en-US" sz="1067" dirty="0" err="1">
+                <a:solidFill>
+                  <a:schemeClr val="accent3"/>
+                </a:solidFill>
+                <a:latin typeface="Proxima Nova"/>
+                <a:ea typeface="Proxima Nova"/>
+                <a:cs typeface="Proxima Nova"/>
+                <a:sym typeface="Proxima Nova"/>
+              </a:rPr>
+              <a:t>Dynnikova</a:t>
+            </a:r>
+            <a:r>
+              <a:rPr lang="en-US" sz="1067" dirty="0">
+                <a:solidFill>
+                  <a:schemeClr val="accent3"/>
+                </a:solidFill>
+                <a:latin typeface="Proxima Nova"/>
+                <a:ea typeface="Proxima Nova"/>
+                <a:cs typeface="Proxima Nova"/>
+                <a:sym typeface="Proxima Nova"/>
+              </a:rPr>
+              <a:t>, G. </a:t>
+            </a:r>
+            <a:r>
+              <a:rPr lang="en-US" sz="1067" dirty="0" err="1">
+                <a:solidFill>
+                  <a:schemeClr val="accent3"/>
+                </a:solidFill>
+                <a:latin typeface="Proxima Nova"/>
+                <a:ea typeface="Proxima Nova"/>
+                <a:cs typeface="Proxima Nova"/>
+                <a:sym typeface="Proxima Nova"/>
+              </a:rPr>
+              <a:t>Ya</a:t>
+            </a:r>
+            <a:r>
+              <a:rPr lang="en-US" sz="1067" dirty="0">
+                <a:solidFill>
+                  <a:schemeClr val="accent3"/>
+                </a:solidFill>
+                <a:latin typeface="Proxima Nova"/>
+                <a:ea typeface="Proxima Nova"/>
+                <a:cs typeface="Proxima Nova"/>
+                <a:sym typeface="Proxima Nova"/>
+              </a:rPr>
+              <a:t> et al. (2021). “Stability of a reverse Karman vortex street”. In: Physics of Fluids 33.2. ISSN: 10897666. DOI: 10.1063/5.0035575.</a:t>
+            </a:r>
+          </a:p>
+        </p:txBody>
+      </p:sp>
+    </p:spTree>
+    <p:extLst>
+      <p:ext uri="{BB962C8B-B14F-4D97-AF65-F5344CB8AC3E}">
+        <p14:creationId xmlns:p14="http://schemas.microsoft.com/office/powerpoint/2010/main" val="1057105532"/>
+      </p:ext>
+    </p:extLst>
+  </p:cSld>
+  <p:clrMapOvr>
+    <a:masterClrMapping/>
+  </p:clrMapOvr>
+</p:sld>
+</file>
+
+<file path=ppt/slides/slide12.xml><?xml version="1.0" encoding="utf-8"?>
+<p:sld xmlns:a="http://schemas.openxmlformats.org/drawingml/2006/main" xmlns:r="http://schemas.openxmlformats.org/officeDocument/2006/relationships" xmlns:p="http://schemas.openxmlformats.org/presentationml/2006/main">
+  <p:cSld>
+    <p:spTree>
+      <p:nvGrpSpPr>
+        <p:cNvPr id="1" name="Shape 337"/>
+        <p:cNvGrpSpPr/>
+        <p:nvPr/>
+      </p:nvGrpSpPr>
+      <p:grpSpPr>
+        <a:xfrm>
+          <a:off x="0" y="0"/>
+          <a:ext cx="0" cy="0"/>
+          <a:chOff x="0" y="0"/>
+          <a:chExt cx="0" cy="0"/>
+        </a:xfrm>
+      </p:grpSpPr>
+      <mc:AlternateContent xmlns:mc="http://schemas.openxmlformats.org/markup-compatibility/2006">
+        <mc:Choice xmlns:a14="http://schemas.microsoft.com/office/drawing/2010/main" Requires="a14">
+          <p:sp>
+            <p:nvSpPr>
+              <p:cNvPr id="338" name="Google Shape;338;p37"/>
+              <p:cNvSpPr txBox="1">
+                <a:spLocks noGrp="1"/>
+              </p:cNvSpPr>
+              <p:nvPr>
+                <p:ph type="body" idx="1"/>
+              </p:nvPr>
+            </p:nvSpPr>
+            <p:spPr>
+              <a:xfrm>
+                <a:off x="160733" y="963200"/>
+                <a:ext cx="11867600" cy="5452800"/>
+              </a:xfrm>
+              <a:prstGeom prst="rect">
+                <a:avLst/>
+              </a:prstGeom>
+            </p:spPr>
+            <p:txBody>
+              <a:bodyPr spcFirstLastPara="1" wrap="square" lIns="121900" tIns="121900" rIns="121900" bIns="121900" anchor="t" anchorCtr="0">
+                <a:normAutofit/>
+              </a:bodyPr>
+              <a:lstStyle/>
+              <a:p>
+                <a:pPr marL="285750" indent="-285750"/>
+                <a:r>
+                  <a:rPr lang="en-IN" dirty="0"/>
+                  <a:t>[Shao2006, Wang2020]</a:t>
+                </a:r>
+              </a:p>
+              <a:p>
+                <a:pPr marL="895335" lvl="1" indent="-285750"/>
+                <a:r>
+                  <a:rPr lang="en-IN" dirty="0"/>
+                  <a:t>Considered incompressible, unsteady RANS equations</a:t>
+                </a:r>
+              </a:p>
+              <a:p>
+                <a:pPr marL="895335" lvl="1" indent="-285750"/>
+                <a:r>
+                  <a:rPr lang="en-IN" dirty="0"/>
+                  <a:t>Evolved using predictor-corrector scheme </a:t>
+                </a:r>
+                <a:r>
+                  <a:rPr lang="en-IN" dirty="0">
+                    <a:sym typeface="Wingdings" panose="05000000000000000000" pitchFamily="2" charset="2"/>
+                  </a:rPr>
+                  <a:t> Implicit pressure poisson equation </a:t>
+                </a:r>
+              </a:p>
+              <a:p>
+                <a:pPr marL="895335" lvl="1" indent="-285750"/>
+                <a:r>
+                  <a:rPr lang="en-IN" dirty="0">
+                    <a:sym typeface="Wingdings" panose="05000000000000000000" pitchFamily="2" charset="2"/>
+                  </a:rPr>
+                  <a:t>Coefficients of the </a:t>
+                </a:r>
+                <a14:m>
+                  <m:oMath xmlns:m="http://schemas.openxmlformats.org/officeDocument/2006/math">
+                    <m:r>
+                      <a:rPr lang="en-IN" b="0" i="1" smtClean="0">
+                        <a:latin typeface="Cambria Math" panose="02040503050406030204" pitchFamily="18" charset="0"/>
+                        <a:sym typeface="Wingdings" panose="05000000000000000000" pitchFamily="2" charset="2"/>
+                      </a:rPr>
+                      <m:t>𝑘</m:t>
+                    </m:r>
+                    <m:r>
+                      <a:rPr lang="en-IN" b="0" i="1" smtClean="0">
+                        <a:latin typeface="Cambria Math" panose="02040503050406030204" pitchFamily="18" charset="0"/>
+                        <a:sym typeface="Wingdings" panose="05000000000000000000" pitchFamily="2" charset="2"/>
+                      </a:rPr>
+                      <m:t>−</m:t>
+                    </m:r>
+                    <m:r>
+                      <a:rPr lang="en-IN" b="0" i="1" smtClean="0">
+                        <a:latin typeface="Cambria Math" panose="02040503050406030204" pitchFamily="18" charset="0"/>
+                        <a:sym typeface="Wingdings" panose="05000000000000000000" pitchFamily="2" charset="2"/>
+                      </a:rPr>
+                      <m:t>𝜖</m:t>
+                    </m:r>
+                  </m:oMath>
+                </a14:m>
+                <a:r>
+                  <a:rPr lang="en-IN" dirty="0"/>
+                  <a:t> transport equations are empirically defined</a:t>
+                </a:r>
+              </a:p>
+              <a:p>
+                <a:pPr marL="895335" lvl="1" indent="-285750"/>
+                <a:r>
+                  <a:rPr lang="en-US" dirty="0"/>
+                  <a:t>Simulated:</a:t>
+                </a:r>
+              </a:p>
+              <a:p>
+                <a:pPr marL="1504919" lvl="2" indent="-285750"/>
+                <a:r>
+                  <a:rPr lang="en-US" dirty="0"/>
+                  <a:t>2D wave breaking and overtopping of sloping wall [Shao2006] </a:t>
+                </a:r>
+                <a14:m>
+                  <m:oMath xmlns:m="http://schemas.openxmlformats.org/officeDocument/2006/math">
+                    <m:d>
+                      <m:dPr>
+                        <m:ctrlPr>
+                          <a:rPr lang="en-IN" sz="2000" b="0" i="1" smtClean="0">
+                            <a:solidFill>
+                              <a:srgbClr val="616161"/>
+                            </a:solidFill>
+                            <a:effectLst/>
+                            <a:latin typeface="Cambria Math" panose="02040503050406030204" pitchFamily="18" charset="0"/>
+                            <a:ea typeface="Proxima Nova"/>
+                            <a:cs typeface="Proxima Nova"/>
+                          </a:rPr>
+                        </m:ctrlPr>
+                      </m:dPr>
+                      <m:e>
+                        <m:r>
+                          <a:rPr lang="en-IN" sz="2000" b="0" i="1">
+                            <a:solidFill>
+                              <a:srgbClr val="616161"/>
+                            </a:solidFill>
+                            <a:effectLst/>
+                            <a:latin typeface="Cambria Math" panose="02040503050406030204" pitchFamily="18" charset="0"/>
+                            <a:ea typeface="Proxima Nova"/>
+                            <a:cs typeface="Proxima Nova"/>
+                          </a:rPr>
+                          <m:t>𝑅𝑒</m:t>
+                        </m:r>
+                        <m:r>
+                          <a:rPr lang="en-IN" sz="2000" b="0" i="1">
+                            <a:solidFill>
+                              <a:srgbClr val="616161"/>
+                            </a:solidFill>
+                            <a:effectLst/>
+                            <a:latin typeface="Cambria Math" panose="02040503050406030204" pitchFamily="18" charset="0"/>
+                            <a:ea typeface="Proxima Nova"/>
+                            <a:cs typeface="Proxima Nova"/>
+                          </a:rPr>
+                          <m:t>≈</m:t>
+                        </m:r>
+                        <m:sSup>
+                          <m:sSupPr>
+                            <m:ctrlPr>
+                              <a:rPr lang="en-IN" sz="2000" b="0" i="1">
+                                <a:solidFill>
+                                  <a:srgbClr val="616161"/>
+                                </a:solidFill>
+                                <a:effectLst/>
+                                <a:latin typeface="Cambria Math" panose="02040503050406030204" pitchFamily="18" charset="0"/>
+                                <a:ea typeface="Proxima Nova"/>
+                                <a:cs typeface="Proxima Nova"/>
+                              </a:rPr>
+                            </m:ctrlPr>
+                          </m:sSupPr>
+                          <m:e>
+                            <m:r>
+                              <a:rPr lang="en-IN" sz="2000" b="0" i="1">
+                                <a:solidFill>
+                                  <a:srgbClr val="616161"/>
+                                </a:solidFill>
+                                <a:effectLst/>
+                                <a:latin typeface="Cambria Math" panose="02040503050406030204" pitchFamily="18" charset="0"/>
+                                <a:ea typeface="Proxima Nova"/>
+                                <a:cs typeface="Proxima Nova"/>
+                              </a:rPr>
+                              <m:t>10</m:t>
+                            </m:r>
+                          </m:e>
+                          <m:sup>
+                            <m:r>
+                              <a:rPr lang="en-IN" sz="2000" b="0" i="1" smtClean="0">
+                                <a:solidFill>
+                                  <a:srgbClr val="616161"/>
+                                </a:solidFill>
+                                <a:effectLst/>
+                                <a:latin typeface="Cambria Math" panose="02040503050406030204" pitchFamily="18" charset="0"/>
+                                <a:ea typeface="Proxima Nova"/>
+                                <a:cs typeface="Proxima Nova"/>
+                              </a:rPr>
+                              <m:t>6</m:t>
+                            </m:r>
+                          </m:sup>
+                        </m:sSup>
+                        <m:r>
+                          <a:rPr lang="en-IN" sz="2000" b="0" i="1">
+                            <a:solidFill>
+                              <a:srgbClr val="616161"/>
+                            </a:solidFill>
+                            <a:effectLst/>
+                            <a:latin typeface="Cambria Math" panose="02040503050406030204" pitchFamily="18" charset="0"/>
+                            <a:ea typeface="Proxima Nova"/>
+                            <a:cs typeface="Proxima Nova"/>
+                          </a:rPr>
+                          <m:t>,  </m:t>
+                        </m:r>
+                        <m:sSub>
+                          <m:sSubPr>
+                            <m:ctrlPr>
+                              <a:rPr lang="en-IN" sz="2000" b="0" i="1">
+                                <a:solidFill>
+                                  <a:srgbClr val="616161"/>
+                                </a:solidFill>
+                                <a:effectLst/>
+                                <a:latin typeface="Cambria Math" panose="02040503050406030204" pitchFamily="18" charset="0"/>
+                                <a:ea typeface="Proxima Nova"/>
+                                <a:cs typeface="Proxima Nova"/>
+                              </a:rPr>
+                            </m:ctrlPr>
+                          </m:sSubPr>
+                          <m:e>
+                            <m:r>
+                              <a:rPr lang="en-IN" sz="2000" b="0" i="1">
+                                <a:solidFill>
+                                  <a:srgbClr val="616161"/>
+                                </a:solidFill>
+                                <a:effectLst/>
+                                <a:latin typeface="Cambria Math" panose="02040503050406030204" pitchFamily="18" charset="0"/>
+                                <a:ea typeface="Proxima Nova"/>
+                                <a:cs typeface="Proxima Nova"/>
+                              </a:rPr>
+                              <m:t>𝑁</m:t>
+                            </m:r>
+                          </m:e>
+                          <m:sub>
+                            <m:r>
+                              <a:rPr lang="en-IN" sz="2000" b="0" i="1">
+                                <a:solidFill>
+                                  <a:srgbClr val="616161"/>
+                                </a:solidFill>
+                                <a:effectLst/>
+                                <a:latin typeface="Cambria Math" panose="02040503050406030204" pitchFamily="18" charset="0"/>
+                                <a:ea typeface="Proxima Nova"/>
+                                <a:cs typeface="Proxima Nova"/>
+                              </a:rPr>
+                              <m:t>𝑖</m:t>
+                            </m:r>
+                          </m:sub>
+                        </m:sSub>
+                        <m:r>
+                          <a:rPr lang="en-IN" sz="2000" b="0" i="1" smtClean="0">
+                            <a:solidFill>
+                              <a:srgbClr val="616161"/>
+                            </a:solidFill>
+                            <a:effectLst/>
+                            <a:latin typeface="Cambria Math" panose="02040503050406030204" pitchFamily="18" charset="0"/>
+                            <a:ea typeface="Proxima Nova"/>
+                            <a:cs typeface="Proxima Nova"/>
+                          </a:rPr>
+                          <m:t>=</m:t>
+                        </m:r>
+                        <m:r>
+                          <a:rPr lang="en-IN" sz="2000" b="0" i="1" smtClean="0">
+                            <a:solidFill>
+                              <a:srgbClr val="616161"/>
+                            </a:solidFill>
+                            <a:effectLst/>
+                            <a:latin typeface="Cambria Math" panose="02040503050406030204" pitchFamily="18" charset="0"/>
+                            <a:ea typeface="Proxima Nova"/>
+                            <a:cs typeface="Proxima Nova"/>
+                          </a:rPr>
+                          <m:t>6000</m:t>
+                        </m:r>
+                      </m:e>
+                    </m:d>
+                  </m:oMath>
+                </a14:m>
+                <a:endParaRPr lang="en-US" dirty="0"/>
+              </a:p>
+              <a:p>
+                <a:pPr marL="1504919" lvl="2" indent="-285750"/>
+                <a:r>
+                  <a:rPr lang="en-US" dirty="0"/>
+                  <a:t>2D solitary wave propagating over a bottom-mounted barrier [Wang2020] </a:t>
+                </a:r>
+                <a14:m>
+                  <m:oMath xmlns:m="http://schemas.openxmlformats.org/officeDocument/2006/math">
+                    <m:d>
+                      <m:dPr>
+                        <m:ctrlPr>
+                          <a:rPr lang="en-IN" sz="2000" b="0" i="1" smtClean="0">
+                            <a:solidFill>
+                              <a:srgbClr val="616161"/>
+                            </a:solidFill>
+                            <a:effectLst/>
+                            <a:latin typeface="Cambria Math" panose="02040503050406030204" pitchFamily="18" charset="0"/>
+                            <a:ea typeface="Proxima Nova"/>
+                            <a:cs typeface="Proxima Nova"/>
+                          </a:rPr>
+                        </m:ctrlPr>
+                      </m:dPr>
+                      <m:e>
+                        <m:r>
+                          <a:rPr lang="en-IN" sz="2000" b="0" i="1">
+                            <a:solidFill>
+                              <a:srgbClr val="616161"/>
+                            </a:solidFill>
+                            <a:effectLst/>
+                            <a:latin typeface="Cambria Math" panose="02040503050406030204" pitchFamily="18" charset="0"/>
+                            <a:ea typeface="Proxima Nova"/>
+                            <a:cs typeface="Proxima Nova"/>
+                          </a:rPr>
+                          <m:t>𝑅𝑒</m:t>
+                        </m:r>
+                        <m:r>
+                          <a:rPr lang="en-IN" sz="2000" b="0" i="1">
+                            <a:solidFill>
+                              <a:srgbClr val="616161"/>
+                            </a:solidFill>
+                            <a:effectLst/>
+                            <a:latin typeface="Cambria Math" panose="02040503050406030204" pitchFamily="18" charset="0"/>
+                            <a:ea typeface="Proxima Nova"/>
+                            <a:cs typeface="Proxima Nova"/>
+                          </a:rPr>
+                          <m:t>≈</m:t>
+                        </m:r>
+                        <m:sSup>
+                          <m:sSupPr>
+                            <m:ctrlPr>
+                              <a:rPr lang="en-IN" sz="2000" b="0" i="1">
+                                <a:solidFill>
+                                  <a:srgbClr val="616161"/>
+                                </a:solidFill>
+                                <a:effectLst/>
+                                <a:latin typeface="Cambria Math" panose="02040503050406030204" pitchFamily="18" charset="0"/>
+                                <a:ea typeface="Proxima Nova"/>
+                                <a:cs typeface="Proxima Nova"/>
+                              </a:rPr>
+                            </m:ctrlPr>
+                          </m:sSupPr>
+                          <m:e>
+                            <m:r>
+                              <a:rPr lang="en-IN" sz="2000" b="0" i="1">
+                                <a:solidFill>
+                                  <a:srgbClr val="616161"/>
+                                </a:solidFill>
+                                <a:effectLst/>
+                                <a:latin typeface="Cambria Math" panose="02040503050406030204" pitchFamily="18" charset="0"/>
+                                <a:ea typeface="Proxima Nova"/>
+                                <a:cs typeface="Proxima Nova"/>
+                              </a:rPr>
+                              <m:t>10</m:t>
+                            </m:r>
+                          </m:e>
+                          <m:sup>
+                            <m:r>
+                              <a:rPr lang="en-IN" sz="2000" b="0" i="1" smtClean="0">
+                                <a:solidFill>
+                                  <a:srgbClr val="616161"/>
+                                </a:solidFill>
+                                <a:effectLst/>
+                                <a:latin typeface="Cambria Math" panose="02040503050406030204" pitchFamily="18" charset="0"/>
+                                <a:ea typeface="Proxima Nova"/>
+                                <a:cs typeface="Proxima Nova"/>
+                              </a:rPr>
+                              <m:t>6</m:t>
+                            </m:r>
+                          </m:sup>
+                        </m:sSup>
+                        <m:r>
+                          <a:rPr lang="en-IN" sz="2000" b="0" i="1">
+                            <a:solidFill>
+                              <a:srgbClr val="616161"/>
+                            </a:solidFill>
+                            <a:effectLst/>
+                            <a:latin typeface="Cambria Math" panose="02040503050406030204" pitchFamily="18" charset="0"/>
+                            <a:ea typeface="Proxima Nova"/>
+                            <a:cs typeface="Proxima Nova"/>
+                          </a:rPr>
+                          <m:t>,  </m:t>
+                        </m:r>
+                        <m:sSub>
+                          <m:sSubPr>
+                            <m:ctrlPr>
+                              <a:rPr lang="en-IN" sz="2000" b="0" i="1">
+                                <a:solidFill>
+                                  <a:srgbClr val="616161"/>
+                                </a:solidFill>
+                                <a:effectLst/>
+                                <a:latin typeface="Cambria Math" panose="02040503050406030204" pitchFamily="18" charset="0"/>
+                                <a:ea typeface="Proxima Nova"/>
+                                <a:cs typeface="Proxima Nova"/>
+                              </a:rPr>
+                            </m:ctrlPr>
+                          </m:sSubPr>
+                          <m:e>
+                            <m:r>
+                              <a:rPr lang="en-IN" sz="2000" b="0" i="1">
+                                <a:solidFill>
+                                  <a:srgbClr val="616161"/>
+                                </a:solidFill>
+                                <a:effectLst/>
+                                <a:latin typeface="Cambria Math" panose="02040503050406030204" pitchFamily="18" charset="0"/>
+                                <a:ea typeface="Proxima Nova"/>
+                                <a:cs typeface="Proxima Nova"/>
+                              </a:rPr>
+                              <m:t>𝑁</m:t>
+                            </m:r>
+                          </m:e>
+                          <m:sub>
+                            <m:r>
+                              <a:rPr lang="en-IN" sz="2000" b="0" i="1">
+                                <a:solidFill>
+                                  <a:srgbClr val="616161"/>
+                                </a:solidFill>
+                                <a:effectLst/>
+                                <a:latin typeface="Cambria Math" panose="02040503050406030204" pitchFamily="18" charset="0"/>
+                                <a:ea typeface="Proxima Nova"/>
+                                <a:cs typeface="Proxima Nova"/>
+                              </a:rPr>
+                              <m:t>𝑖</m:t>
+                            </m:r>
+                          </m:sub>
+                        </m:sSub>
+                        <m:r>
+                          <a:rPr lang="en-IN" sz="2000" b="0" i="1" smtClean="0">
+                            <a:solidFill>
+                              <a:srgbClr val="616161"/>
+                            </a:solidFill>
+                            <a:effectLst/>
+                            <a:latin typeface="Cambria Math" panose="02040503050406030204" pitchFamily="18" charset="0"/>
+                            <a:ea typeface="Proxima Nova"/>
+                            <a:cs typeface="Proxima Nova"/>
+                          </a:rPr>
+                          <m:t>≈1.3×</m:t>
+                        </m:r>
+                        <m:sSup>
+                          <m:sSupPr>
+                            <m:ctrlPr>
+                              <a:rPr lang="en-IN" sz="2000" b="0" i="1" smtClean="0">
+                                <a:solidFill>
+                                  <a:srgbClr val="616161"/>
+                                </a:solidFill>
+                                <a:effectLst/>
+                                <a:latin typeface="Cambria Math" panose="02040503050406030204" pitchFamily="18" charset="0"/>
+                                <a:ea typeface="Proxima Nova"/>
+                                <a:cs typeface="Proxima Nova"/>
+                              </a:rPr>
+                            </m:ctrlPr>
+                          </m:sSupPr>
+                          <m:e>
+                            <m:r>
+                              <a:rPr lang="en-IN" sz="2000" b="0" i="1" smtClean="0">
+                                <a:solidFill>
+                                  <a:srgbClr val="616161"/>
+                                </a:solidFill>
+                                <a:effectLst/>
+                                <a:latin typeface="Cambria Math" panose="02040503050406030204" pitchFamily="18" charset="0"/>
+                                <a:ea typeface="Proxima Nova"/>
+                                <a:cs typeface="Proxima Nova"/>
+                              </a:rPr>
+                              <m:t>10</m:t>
+                            </m:r>
+                          </m:e>
+                          <m:sup>
+                            <m:r>
+                              <a:rPr lang="en-IN" sz="2000" b="0" i="1" smtClean="0">
+                                <a:solidFill>
+                                  <a:srgbClr val="616161"/>
+                                </a:solidFill>
+                                <a:effectLst/>
+                                <a:latin typeface="Cambria Math" panose="02040503050406030204" pitchFamily="18" charset="0"/>
+                                <a:ea typeface="Proxima Nova"/>
+                                <a:cs typeface="Proxima Nova"/>
+                              </a:rPr>
+                              <m:t>5</m:t>
+                            </m:r>
+                          </m:sup>
+                        </m:sSup>
+                      </m:e>
+                    </m:d>
+                  </m:oMath>
+                </a14:m>
+                <a:endParaRPr lang="en-US" dirty="0"/>
+              </a:p>
+              <a:p>
+                <a:pPr marL="895335" lvl="1" indent="-285750"/>
+                <a:r>
+                  <a:rPr lang="en-US" dirty="0"/>
+                  <a:t>Comments:</a:t>
+                </a:r>
+              </a:p>
+              <a:p>
+                <a:pPr marL="1504919" lvl="2" indent="-285750"/>
+                <a:r>
+                  <a:rPr lang="en-US" dirty="0"/>
+                  <a:t>coefficients derived from a quasi-steady state may behave sub-optimally in transient flow</a:t>
+                </a:r>
+              </a:p>
+              <a:p>
+                <a:pPr marL="1504919" lvl="2" indent="-285750"/>
+                <a:r>
+                  <a:rPr lang="en-US" dirty="0"/>
+                  <a:t>model would require further sensitivity analysis for the turbulence model and spatial resolution for improved results, despite being reasonably accurate in tracking free surfaces.</a:t>
+                </a:r>
+              </a:p>
+              <a:p>
+                <a:pPr marL="1504919" lvl="2" indent="-285750"/>
+                <a:r>
+                  <a:rPr lang="en-US" dirty="0"/>
+                  <a:t>Underpredicts max k, sensitive to initial seeding of k</a:t>
+                </a:r>
+              </a:p>
+              <a:p>
+                <a:pPr marL="1504919" lvl="2" indent="-285750"/>
+                <a:r>
+                  <a:rPr lang="en-US" dirty="0"/>
+                  <a:t>Effects of physical viscous dissipation and numerical dissipation needs to be balanced aptly</a:t>
+                </a:r>
+                <a:endParaRPr dirty="0"/>
+              </a:p>
+            </p:txBody>
+          </p:sp>
+        </mc:Choice>
+        <mc:Fallback>
+          <p:sp>
+            <p:nvSpPr>
+              <p:cNvPr id="338" name="Google Shape;338;p37"/>
+              <p:cNvSpPr txBox="1">
+                <a:spLocks noGrp="1" noRot="1" noChangeAspect="1" noMove="1" noResize="1" noEditPoints="1" noAdjustHandles="1" noChangeArrowheads="1" noChangeShapeType="1" noTextEdit="1"/>
+              </p:cNvSpPr>
+              <p:nvPr>
+                <p:ph type="body" idx="1"/>
+              </p:nvPr>
+            </p:nvSpPr>
+            <p:spPr>
+              <a:xfrm>
+                <a:off x="160733" y="963200"/>
+                <a:ext cx="11867600" cy="5452800"/>
+              </a:xfrm>
+              <a:prstGeom prst="rect">
+                <a:avLst/>
+              </a:prstGeom>
+              <a:blipFill>
+                <a:blip r:embed="rId3"/>
+                <a:stretch>
+                  <a:fillRect l="-154"/>
+                </a:stretch>
+              </a:blipFill>
+            </p:spPr>
+            <p:txBody>
+              <a:bodyPr/>
+              <a:lstStyle/>
+              <a:p>
+                <a:r>
+                  <a:rPr lang="en-IN">
+                    <a:noFill/>
+                  </a:rPr>
+                  <a:t> </a:t>
+                </a:r>
+              </a:p>
+            </p:txBody>
+          </p:sp>
+        </mc:Fallback>
+      </mc:AlternateContent>
+      <p:sp>
+        <p:nvSpPr>
+          <p:cNvPr id="339" name="Google Shape;339;p37"/>
+          <p:cNvSpPr/>
+          <p:nvPr/>
+        </p:nvSpPr>
+        <p:spPr>
+          <a:xfrm>
+            <a:off x="13400" y="0"/>
+            <a:ext cx="12192000" cy="763600"/>
+          </a:xfrm>
+          <a:prstGeom prst="rect">
+            <a:avLst/>
+          </a:prstGeom>
+          <a:solidFill>
+            <a:schemeClr val="lt2"/>
+          </a:solidFill>
+          <a:ln w="9525" cap="flat" cmpd="sng">
+            <a:solidFill>
+              <a:schemeClr val="dk2"/>
+            </a:solidFill>
+            <a:prstDash val="solid"/>
+            <a:round/>
+            <a:headEnd type="none" w="sm" len="sm"/>
+            <a:tailEnd type="none" w="sm" len="sm"/>
+          </a:ln>
+        </p:spPr>
+        <p:txBody>
+          <a:bodyPr spcFirstLastPara="1" wrap="square" lIns="121900" tIns="121900" rIns="121900" bIns="121900" anchor="ctr" anchorCtr="0">
+            <a:noAutofit/>
+          </a:bodyPr>
+          <a:lstStyle/>
+          <a:p>
+            <a:endParaRPr sz="1867"/>
+          </a:p>
+        </p:txBody>
+      </p:sp>
       <mc:AlternateContent xmlns:mc="http://schemas.openxmlformats.org/markup-compatibility/2006">
         <mc:Choice xmlns:a14="http://schemas.microsoft.com/office/drawing/2010/main" Requires="a14">
           <p:sp>
@@ -9000,7 +10221,7 @@
                 <a:avLst/>
               </a:prstGeom>
               <a:blipFill>
-                <a:blip r:embed="rId3"/>
+                <a:blip r:embed="rId4"/>
                 <a:stretch>
                   <a:fillRect l="-770" b="-5600"/>
                 </a:stretch>
@@ -9049,7 +10270,7 @@
             <a:fld id="{00000000-1234-1234-1234-123412341234}" type="slidenum">
               <a:rPr lang="en"/>
               <a:pPr/>
-              <a:t>11</a:t>
+              <a:t>12</a:t>
             </a:fld>
             <a:endParaRPr/>
           </a:p>
@@ -9156,7 +10377,7 @@
 </p:sld>
 </file>
 
-<file path=ppt/slides/slide12.xml><?xml version="1.0" encoding="utf-8"?>
+<file path=ppt/slides/slide13.xml><?xml version="1.0" encoding="utf-8"?>
 <p:sld xmlns:a="http://schemas.openxmlformats.org/drawingml/2006/main" xmlns:r="http://schemas.openxmlformats.org/officeDocument/2006/relationships" xmlns:p="http://schemas.openxmlformats.org/presentationml/2006/main">
   <p:cSld>
     <p:spTree>
@@ -9173,38 +10394,241 @@
           <a:chExt cx="0" cy="0"/>
         </a:xfrm>
       </p:grpSpPr>
-      <p:sp>
-        <p:nvSpPr>
-          <p:cNvPr id="338" name="Google Shape;338;p37"/>
-          <p:cNvSpPr txBox="1">
-            <a:spLocks noGrp="1"/>
-          </p:cNvSpPr>
-          <p:nvPr>
-            <p:ph type="body" idx="1"/>
-          </p:nvPr>
-        </p:nvSpPr>
-        <p:spPr>
-          <a:xfrm>
-            <a:off x="160733" y="963200"/>
-            <a:ext cx="11867600" cy="5452800"/>
-          </a:xfrm>
-          <a:prstGeom prst="rect">
-            <a:avLst/>
-          </a:prstGeom>
-        </p:spPr>
-        <p:txBody>
-          <a:bodyPr spcFirstLastPara="1" wrap="square" lIns="121900" tIns="121900" rIns="121900" bIns="121900" anchor="t" anchorCtr="0">
-            <a:normAutofit/>
-          </a:bodyPr>
-          <a:lstStyle/>
-          <a:p>
-            <a:pPr marL="0" indent="0">
-              <a:buNone/>
-            </a:pPr>
-            <a:endParaRPr dirty="0"/>
-          </a:p>
-        </p:txBody>
-      </p:sp>
+      <mc:AlternateContent xmlns:mc="http://schemas.openxmlformats.org/markup-compatibility/2006">
+        <mc:Choice xmlns:a14="http://schemas.microsoft.com/office/drawing/2010/main" Requires="a14">
+          <p:sp>
+            <p:nvSpPr>
+              <p:cNvPr id="338" name="Google Shape;338;p37"/>
+              <p:cNvSpPr txBox="1">
+                <a:spLocks noGrp="1"/>
+              </p:cNvSpPr>
+              <p:nvPr>
+                <p:ph type="body" idx="1"/>
+              </p:nvPr>
+            </p:nvSpPr>
+            <p:spPr>
+              <a:xfrm>
+                <a:off x="160733" y="963200"/>
+                <a:ext cx="11867600" cy="5452800"/>
+              </a:xfrm>
+              <a:prstGeom prst="rect">
+                <a:avLst/>
+              </a:prstGeom>
+            </p:spPr>
+            <p:txBody>
+              <a:bodyPr spcFirstLastPara="1" wrap="square" lIns="121900" tIns="121900" rIns="121900" bIns="121900" anchor="t" anchorCtr="0">
+                <a:normAutofit/>
+              </a:bodyPr>
+              <a:lstStyle/>
+              <a:p>
+                <a:pPr marL="285750" indent="-285750"/>
+                <a:r>
+                  <a:rPr lang="en-IN" dirty="0"/>
+                  <a:t>[holm1998euler, Marsden2001] Lagrangian averaged NS equations (LANS-</a:t>
+                </a:r>
+                <a14:m>
+                  <m:oMath xmlns:m="http://schemas.openxmlformats.org/officeDocument/2006/math">
+                    <m:r>
+                      <a:rPr lang="en-IN" sz="1800" b="1" i="1" smtClean="0">
+                        <a:solidFill>
+                          <a:srgbClr val="202729"/>
+                        </a:solidFill>
+                        <a:effectLst/>
+                        <a:latin typeface="Cambria Math" panose="02040503050406030204" pitchFamily="18" charset="0"/>
+                        <a:ea typeface="Proxima Nova"/>
+                        <a:cs typeface="Proxima Nova"/>
+                      </a:rPr>
+                      <m:t>𝜶</m:t>
+                    </m:r>
+                  </m:oMath>
+                </a14:m>
+                <a:r>
+                  <a:rPr lang="en-IN" dirty="0"/>
+                  <a:t>) considered</a:t>
+                </a:r>
+              </a:p>
+              <a:p>
+                <a:pPr marL="895335" lvl="1" indent="-285750"/>
+                <a:r>
+                  <a:rPr lang="en-IN" dirty="0"/>
+                  <a:t>Averaging technique employed at the level of the variational principle from which NS eqs are derived</a:t>
+                </a:r>
+              </a:p>
+              <a:p>
+                <a:pPr marL="895335" lvl="1" indent="-285750"/>
+                <a14:m>
+                  <m:oMath xmlns:m="http://schemas.openxmlformats.org/officeDocument/2006/math">
+                    <m:r>
+                      <a:rPr lang="en-IN" sz="2000" b="1" i="1" smtClean="0">
+                        <a:solidFill>
+                          <a:srgbClr val="202729"/>
+                        </a:solidFill>
+                        <a:effectLst/>
+                        <a:latin typeface="Cambria Math" panose="02040503050406030204" pitchFamily="18" charset="0"/>
+                        <a:ea typeface="Proxima Nova"/>
+                        <a:cs typeface="Proxima Nova"/>
+                      </a:rPr>
+                      <m:t>𝜶</m:t>
+                    </m:r>
+                  </m:oMath>
+                </a14:m>
+                <a:r>
+                  <a:rPr lang="en-IN" dirty="0"/>
+                  <a:t> denotes scale of rapid fluctuations in the flow map</a:t>
+                </a:r>
+              </a:p>
+              <a:p>
+                <a:pPr marL="285750" indent="-285750"/>
+                <a:r>
+                  <a:rPr lang="en-IN" dirty="0"/>
+                  <a:t>[Monaghan2002] Formulated the SPH-</a:t>
+                </a:r>
+                <a14:m>
+                  <m:oMath xmlns:m="http://schemas.openxmlformats.org/officeDocument/2006/math">
+                    <m:r>
+                      <a:rPr lang="en-IN" sz="1800" b="1" i="1" smtClean="0">
+                        <a:solidFill>
+                          <a:srgbClr val="202729"/>
+                        </a:solidFill>
+                        <a:effectLst/>
+                        <a:latin typeface="Cambria Math" panose="02040503050406030204" pitchFamily="18" charset="0"/>
+                        <a:ea typeface="Proxima Nova"/>
+                        <a:cs typeface="Proxima Nova"/>
+                      </a:rPr>
+                      <m:t>𝜶</m:t>
+                    </m:r>
+                  </m:oMath>
+                </a14:m>
+                <a:r>
+                  <a:rPr lang="en-IN" dirty="0"/>
+                  <a:t> model based on the LANS-</a:t>
+                </a:r>
+                <a14:m>
+                  <m:oMath xmlns:m="http://schemas.openxmlformats.org/officeDocument/2006/math">
+                    <m:r>
+                      <a:rPr lang="en-IN" b="1" i="1">
+                        <a:solidFill>
+                          <a:srgbClr val="202729"/>
+                        </a:solidFill>
+                        <a:latin typeface="Cambria Math" panose="02040503050406030204" pitchFamily="18" charset="0"/>
+                      </a:rPr>
+                      <m:t>𝜶</m:t>
+                    </m:r>
+                  </m:oMath>
+                </a14:m>
+                <a:r>
+                  <a:rPr lang="en-IN" dirty="0"/>
+                  <a:t> eqs</a:t>
+                </a:r>
+              </a:p>
+              <a:p>
+                <a:pPr marL="895335" lvl="1" indent="-285750"/>
+                <a:r>
+                  <a:rPr lang="en-IN" dirty="0"/>
+                  <a:t>Considered smoothed velocity for particle transport</a:t>
+                </a:r>
+              </a:p>
+              <a:p>
+                <a:pPr marL="895335" lvl="1" indent="-285750"/>
+                <a:r>
+                  <a:rPr lang="en-IN" dirty="0"/>
+                  <a:t>Momentum eq had to solved iteratively</a:t>
+                </a:r>
+              </a:p>
+              <a:p>
+                <a:pPr marL="285750" indent="-285750"/>
+                <a:r>
+                  <a:rPr lang="en-IN" dirty="0"/>
+                  <a:t>[Monaghan2011, Monaghan2017] Derived the SPH-</a:t>
+                </a:r>
+                <a14:m>
+                  <m:oMath xmlns:m="http://schemas.openxmlformats.org/officeDocument/2006/math">
+                    <m:r>
+                      <a:rPr lang="en-IN" b="1" i="1" smtClean="0">
+                        <a:latin typeface="Cambria Math" panose="02040503050406030204" pitchFamily="18" charset="0"/>
+                      </a:rPr>
+                      <m:t>𝝐</m:t>
+                    </m:r>
+                  </m:oMath>
+                </a14:m>
+                <a:r>
+                  <a:rPr lang="en-IN" dirty="0"/>
+                  <a:t> model</a:t>
+                </a:r>
+              </a:p>
+              <a:p>
+                <a:pPr marL="895335" lvl="1" indent="-285750"/>
+                <a:r>
+                  <a:rPr lang="en-IN" dirty="0"/>
+                  <a:t>Explicit momentum equation with a viscous term</a:t>
+                </a:r>
+              </a:p>
+              <a:p>
+                <a:pPr marL="895335" lvl="1" indent="-285750"/>
+                <a:r>
+                  <a:rPr lang="en-IN" dirty="0"/>
+                  <a:t>Simulated 2D flow past a cylinder moving along a Lissajous curve</a:t>
+                </a:r>
+              </a:p>
+              <a:p>
+                <a:pPr marL="895335" lvl="1" indent="-285750"/>
+                <a:r>
+                  <a:rPr lang="en-US" dirty="0"/>
+                  <a:t>predict satisfactory results for the velocity correlation functions, energy spectrum and mixing while having particle resolution be half of that required for a DNS with a resolution the Reynolds length</a:t>
+                </a:r>
+              </a:p>
+              <a:p>
+                <a:pPr marL="895335" lvl="1" indent="-285750"/>
+                <a:r>
+                  <a:rPr lang="en-US" dirty="0"/>
+                  <a:t>higher Reynolds numbers and other boundary conditions, such as free surfaces, will need to be studied further</a:t>
+                </a:r>
+                <a:endParaRPr dirty="0"/>
+              </a:p>
+            </p:txBody>
+          </p:sp>
+        </mc:Choice>
+        <mc:Fallback>
+          <p:sp>
+            <p:nvSpPr>
+              <p:cNvPr id="338" name="Google Shape;338;p37"/>
+              <p:cNvSpPr txBox="1">
+                <a:spLocks noGrp="1" noRot="1" noChangeAspect="1" noMove="1" noResize="1" noEditPoints="1" noAdjustHandles="1" noChangeArrowheads="1" noChangeShapeType="1" noTextEdit="1"/>
+              </p:cNvSpPr>
+              <p:nvPr>
+                <p:ph type="body" idx="1"/>
+              </p:nvPr>
+            </p:nvSpPr>
+            <p:spPr>
+              <a:xfrm>
+                <a:off x="160733" y="963200"/>
+                <a:ext cx="11867600" cy="5452800"/>
+              </a:xfrm>
+              <a:prstGeom prst="rect">
+                <a:avLst/>
+              </a:prstGeom>
+              <a:blipFill>
+                <a:blip r:embed="rId4"/>
+                <a:stretch>
+                  <a:fillRect l="-154"/>
+                </a:stretch>
+              </a:blipFill>
+            </p:spPr>
+            <p:txBody>
+              <a:bodyPr/>
+              <a:lstStyle/>
+              <a:p>
+                <a:r>
+                  <a:rPr lang="en-IN">
+                    <a:noFill/>
+                  </a:rPr>
+                  <a:t> </a:t>
+                </a:r>
+              </a:p>
+            </p:txBody>
+          </p:sp>
+        </mc:Fallback>
+      </mc:AlternateContent>
       <p:sp>
         <p:nvSpPr>
           <p:cNvPr id="339" name="Google Shape;339;p37"/>
@@ -9269,7 +10693,7 @@
           <a:p>
             <a:r>
               <a:rPr lang="en-IN" b="1" dirty="0"/>
-              <a:t>Lagrangian LES-based Models</a:t>
+              <a:t>LANS-based Models</a:t>
             </a:r>
             <a:endParaRPr b="1" dirty="0"/>
           </a:p>
@@ -9303,7 +10727,7 @@
             <a:fld id="{00000000-1234-1234-1234-123412341234}" type="slidenum">
               <a:rPr lang="en"/>
               <a:pPr/>
-              <a:t>12</a:t>
+              <a:t>13</a:t>
             </a:fld>
             <a:endParaRPr/>
           </a:p>
@@ -9397,10 +10821,50 @@
           </a:p>
         </p:txBody>
       </p:sp>
+      <p:pic>
+        <p:nvPicPr>
+          <p:cNvPr id="3" name="Picture 2" descr="\documentclass{article}&#10;\usepackage{bbm}&#10;\usepackage{bm}&#10;\usepackage{amsmath}&#10;\usepackage{amssymb}&#10;\pagestyle{empty}&#10;&#10;% --------------------------------&#10;%% Custom Math Commands&#10;% --------------------------------&#10;\newcommand{\abs}[1]{\mid #1 \mid}&#10;&#10;\newcommand{\bb}[1]{\mathbb{#1}}&#10;&#10;\newcommand{\LagDerivative}[2][t]{\frac{\operatorname{D} #2}{\operatorname{D} #1}}&#10;&#10;\newcommand{\PartialDerivative}[2][t]{\frac{\partial #2}{\partial #1}}&#10;&#10;\newcommand{\vect}[1]{\mathbf{#1}}&#10;&#10;\newcommand{\tensor}[1]{\underline{\bm{#1}}}&#10;&#10;\newcommand{\WIJ}{W_{h, ij}}&#10;&#10;\newcommand{\DWIJ}{\nabla_{i} W_{h, ij}}&#10;&#10;\newcommand{\VIJ}{\vect{v}_{ij}}&#10;&#10;\newcommand{\RIJ}{\vect{r}_{ij}}&#10;&#10;\newcommand{\RtwoIJ}[1][2]{\abs{\vect{r}_{ij}}^{#1}}&#10;&#10;\newcommand{\VtwoIJ}[1][2]{\abs{\vect{v}_{ij}}^{#1}}&#10;&#10;\newcommand{\MachineEpsilon}{\bm{\xi}}&#10;&#10;\newcommand{\EncAngBrk}[2][]{#1\langle #2 #1\rangle}&#10;&#10;\newcommand{\RAProp}[1]{\EncAngBrk{#1}}&#10;&#10;\newcommand{\FrobeniusInnerProduct}[2]{\EncAngBrk{\tensor{#1}, \tensor{#2}}}&#10;&#10;\newcommand{\FrobeniusNorm}[1]{||\tensor{#1}||_F}&#10;&#10;\newcommand{\BasisVect}[1][i]{\hat{\vect{e}}_{#1}}&#10;&#10;\newcommand{\HalfFrac}{\frac{1}{2}}&#10;&#10;\newcommand{\Vol}[1][V]{\mathcal{#1}}&#10;&#10;\newcommand{\Vorticity}{\bm{\omega}}&#10;&#10;\newcommand{\Boundary}{\bm{\Omega}}&#10;&#10;\newcommand{\WaveNumber}{\mathrm{k}}&#10;&#10;\newcommand{\WaveNumberVector}{\vect{k}}&#10;&#10;\newcommand{\TildeR}{\widetilde{\vect{r}}}&#10;&#10;\newcommand{\TildeV}{\widetilde{\vect{v}}}&#10;&#10;\newcommand{\TildeDeltaV}{\delta\TildeV}&#10;&#10;\newcommand{\TildeRho}{\widetilde{\rho}}&#10;&#10;\newcommand{\TildeP}{\widetilde{P}}&#10;&#10;\newcommand{\IntRThreeAndT}{\int_{\mathbb{R}^3}&#10;\int_{-\infty}^{\infty}}&#10;&#10;\newcommand{\SciNot}[3][10]{#2 \times {#1}^{#3}}&#10;&#10;\newcommand{\IntD}{d \tau d V_y}&#10;&#10;\newcommand{\TilePArgRp}{\TildeP(\TildeR_p, t)}&#10;&#10;\newcommand{\PhiRY}{\phi (\TildeR_p(t)-\vect{y}, t-\tau)}&#10;&#10;\newcommand{\PY}{P(\vect{y}, \tau)}&#10;&#10;\newcommand{\VY}{\vect{v}(\vect{y}, \tau)}&#10;&#10;\newcommand{\TildeVArgRp}{\TildeV (\TildeR_p, t)}&#10;&#10;% --------------------------------&#10;%% Equations&#10;% --------------------------------&#10;\begin{document}&#10;&#10;\begin{equation*}&#10;\widehat{\vect{v}}_i = \vect{v}_i - \varepsilon \sum_j \frac{m_j}{M_o} \VIJ K_{h', ij} \quad , \quad \varepsilon \in [0, 1]&#10;\end{equation*}&#10;&#10;\end{document}" title="IguanaTex Bitmap Display">
+            <a:extLst>
+              <a:ext uri="{FF2B5EF4-FFF2-40B4-BE49-F238E27FC236}">
+                <a16:creationId xmlns:a16="http://schemas.microsoft.com/office/drawing/2014/main" id="{DBFF6BDB-1E9F-C8D0-4945-739FD828E82D}"/>
+              </a:ext>
+            </a:extLst>
+          </p:cNvPr>
+          <p:cNvPicPr>
+            <a:picLocks noChangeAspect="1"/>
+          </p:cNvPicPr>
+          <p:nvPr>
+            <p:custDataLst>
+              <p:tags r:id="rId1"/>
+            </p:custDataLst>
+          </p:nvPr>
+        </p:nvPicPr>
+        <p:blipFill>
+          <a:blip r:embed="rId5">
+            <a:extLst>
+              <a:ext uri="{28A0092B-C50C-407E-A947-70E740481C1C}">
+                <a14:useLocalDpi xmlns:a14="http://schemas.microsoft.com/office/drawing/2010/main" val="0"/>
+              </a:ext>
+            </a:extLst>
+          </a:blip>
+          <a:stretch>
+            <a:fillRect/>
+          </a:stretch>
+        </p:blipFill>
+        <p:spPr>
+          <a:xfrm>
+            <a:off x="7842286" y="208171"/>
+            <a:ext cx="4136228" cy="555429"/>
+          </a:xfrm>
+          <a:prstGeom prst="rect">
+            <a:avLst/>
+          </a:prstGeom>
+        </p:spPr>
+      </p:pic>
     </p:spTree>
     <p:extLst>
       <p:ext uri="{BB962C8B-B14F-4D97-AF65-F5344CB8AC3E}">
-        <p14:creationId xmlns:p14="http://schemas.microsoft.com/office/powerpoint/2010/main" val="1057105532"/>
+        <p14:creationId xmlns:p14="http://schemas.microsoft.com/office/powerpoint/2010/main" val="3561906071"/>
       </p:ext>
     </p:extLst>
   </p:cSld>
@@ -9410,12 +10874,12 @@
 </p:sld>
 </file>
 
-<file path=ppt/slides/slide13.xml><?xml version="1.0" encoding="utf-8"?>
+<file path=ppt/slides/slide14.xml><?xml version="1.0" encoding="utf-8"?>
 <p:sld xmlns:a="http://schemas.openxmlformats.org/drawingml/2006/main" xmlns:r="http://schemas.openxmlformats.org/officeDocument/2006/relationships" xmlns:p="http://schemas.openxmlformats.org/presentationml/2006/main">
   <p:cSld>
     <p:spTree>
       <p:nvGrpSpPr>
-        <p:cNvPr id="1" name="Shape 358"/>
+        <p:cNvPr id="1" name="Shape 337"/>
         <p:cNvGrpSpPr/>
         <p:nvPr/>
       </p:nvGrpSpPr>
@@ -9427,21 +10891,186 @@
           <a:chExt cx="0" cy="0"/>
         </a:xfrm>
       </p:grpSpPr>
+      <mc:AlternateContent xmlns:mc="http://schemas.openxmlformats.org/markup-compatibility/2006">
+        <mc:Choice xmlns:a14="http://schemas.microsoft.com/office/drawing/2010/main" Requires="a14">
+          <p:sp>
+            <p:nvSpPr>
+              <p:cNvPr id="338" name="Google Shape;338;p37"/>
+              <p:cNvSpPr txBox="1">
+                <a:spLocks noGrp="1"/>
+              </p:cNvSpPr>
+              <p:nvPr>
+                <p:ph type="body" idx="1"/>
+              </p:nvPr>
+            </p:nvSpPr>
+            <p:spPr>
+              <a:xfrm>
+                <a:off x="160732" y="963200"/>
+                <a:ext cx="11867599" cy="5452800"/>
+              </a:xfrm>
+              <a:prstGeom prst="rect">
+                <a:avLst/>
+              </a:prstGeom>
+            </p:spPr>
+            <p:txBody>
+              <a:bodyPr spcFirstLastPara="1" wrap="square" lIns="121900" tIns="121900" rIns="121900" bIns="121900" anchor="t" anchorCtr="0">
+                <a:normAutofit/>
+              </a:bodyPr>
+              <a:lstStyle/>
+              <a:p>
+                <a:pPr marL="285750" indent="-285750"/>
+                <a:r>
+                  <a:rPr lang="en-IN" dirty="0"/>
+                  <a:t>[Liu2019] Devised a viscosity-based vorticity correction technique</a:t>
+                </a:r>
+              </a:p>
+              <a:p>
+                <a:pPr marL="895335" lvl="1" indent="-285750"/>
+                <a:r>
+                  <a:rPr lang="en-IN" dirty="0"/>
+                  <a:t>Aimed primarily towards benefiting the CGI community</a:t>
+                </a:r>
+              </a:p>
+              <a:p>
+                <a:pPr marL="895335" lvl="1" indent="-285750"/>
+                <a:r>
+                  <a:rPr lang="en-IN" dirty="0"/>
+                  <a:t>Work focuses more on visual artifacts of the flow, not quantified metrics</a:t>
+                </a:r>
+              </a:p>
+              <a:p>
+                <a:pPr marL="895335" lvl="1" indent="-285750"/>
+                <a:r>
+                  <a:rPr lang="en-IN" dirty="0"/>
+                  <a:t>Builds on the fact that </a:t>
+                </a:r>
+                <a:r>
+                  <a:rPr lang="en-US" dirty="0"/>
+                  <a:t>rotational kinetic energy </a:t>
+                </a:r>
+                <a14:m>
+                  <m:oMath xmlns:m="http://schemas.openxmlformats.org/officeDocument/2006/math">
+                    <m:r>
+                      <a:rPr lang="en-IN" sz="1800" b="1" i="1" smtClean="0">
+                        <a:solidFill>
+                          <a:srgbClr val="202729"/>
+                        </a:solidFill>
+                        <a:effectLst/>
+                        <a:latin typeface="Cambria Math" panose="02040503050406030204" pitchFamily="18" charset="0"/>
+                        <a:ea typeface="Proxima Nova"/>
+                        <a:cs typeface="Proxima Nova"/>
+                      </a:rPr>
+                      <m:t>≤</m:t>
+                    </m:r>
+                  </m:oMath>
+                </a14:m>
+                <a:r>
+                  <a:rPr lang="en-US" dirty="0"/>
+                  <a:t> translational kinetic energy</a:t>
+                </a:r>
+              </a:p>
+              <a:p>
+                <a:pPr marL="285750" indent="-285750"/>
+                <a:r>
+                  <a:rPr lang="en-US" dirty="0"/>
+                  <a:t>[Obeidat2018] Devised a hybrid-SPH scheme</a:t>
+                </a:r>
+              </a:p>
+              <a:p>
+                <a:pPr marL="895335" lvl="1" indent="-285750"/>
+                <a:r>
+                  <a:rPr lang="en-US" dirty="0"/>
+                  <a:t>Employs Eulerian mesh to </a:t>
+                </a:r>
+                <a:r>
+                  <a:rPr lang="en-IN" dirty="0"/>
+                  <a:t>evaluate the governing equations</a:t>
+                </a:r>
+              </a:p>
+              <a:p>
+                <a:pPr marL="895335" lvl="1" indent="-285750"/>
+                <a:r>
+                  <a:rPr lang="en-IN" dirty="0"/>
+                  <a:t>Values interpolated to particles which </a:t>
+                </a:r>
+                <a:r>
+                  <a:rPr lang="en-IN" dirty="0" err="1"/>
+                  <a:t>advect</a:t>
+                </a:r>
+                <a:endParaRPr lang="en-IN" dirty="0"/>
+              </a:p>
+              <a:p>
+                <a:pPr marL="895335" lvl="1" indent="-285750"/>
+                <a:r>
+                  <a:rPr lang="en-IN" dirty="0"/>
+                  <a:t>Remeshing is performed when particle distribution is not uniform</a:t>
+                </a:r>
+              </a:p>
+              <a:p>
+                <a:pPr marL="895335" lvl="1" indent="-285750"/>
+                <a:r>
+                  <a:rPr lang="en-IN" dirty="0"/>
+                  <a:t>Information from the model cannot help improve traditional SPH schemes</a:t>
+                </a:r>
+                <a:endParaRPr dirty="0"/>
+              </a:p>
+            </p:txBody>
+          </p:sp>
+        </mc:Choice>
+        <mc:Fallback>
+          <p:sp>
+            <p:nvSpPr>
+              <p:cNvPr id="338" name="Google Shape;338;p37"/>
+              <p:cNvSpPr txBox="1">
+                <a:spLocks noGrp="1" noRot="1" noChangeAspect="1" noMove="1" noResize="1" noEditPoints="1" noAdjustHandles="1" noChangeArrowheads="1" noChangeShapeType="1" noTextEdit="1"/>
+              </p:cNvSpPr>
+              <p:nvPr>
+                <p:ph type="body" idx="1"/>
+              </p:nvPr>
+            </p:nvSpPr>
+            <p:spPr>
+              <a:xfrm>
+                <a:off x="160732" y="963200"/>
+                <a:ext cx="11867599" cy="5452800"/>
+              </a:xfrm>
+              <a:prstGeom prst="rect">
+                <a:avLst/>
+              </a:prstGeom>
+              <a:blipFill>
+                <a:blip r:embed="rId3"/>
+                <a:stretch>
+                  <a:fillRect l="-154"/>
+                </a:stretch>
+              </a:blipFill>
+            </p:spPr>
+            <p:txBody>
+              <a:bodyPr/>
+              <a:lstStyle/>
+              <a:p>
+                <a:r>
+                  <a:rPr lang="en-IN">
+                    <a:noFill/>
+                  </a:rPr>
+                  <a:t> </a:t>
+                </a:r>
+              </a:p>
+            </p:txBody>
+          </p:sp>
+        </mc:Fallback>
+      </mc:AlternateContent>
       <p:sp>
         <p:nvSpPr>
-          <p:cNvPr id="359" name="Google Shape;359;p39"/>
+          <p:cNvPr id="339" name="Google Shape;339;p37"/>
           <p:cNvSpPr/>
           <p:nvPr/>
         </p:nvSpPr>
         <p:spPr>
           <a:xfrm>
-            <a:off x="970400" y="3362033"/>
-            <a:ext cx="10251200" cy="1233600"/>
-          </a:xfrm>
-          <a:prstGeom prst="roundRect">
-            <a:avLst>
-              <a:gd name="adj" fmla="val 16667"/>
-            </a:avLst>
+            <a:off x="13400" y="0"/>
+            <a:ext cx="12192000" cy="763600"/>
+          </a:xfrm>
+          <a:prstGeom prst="rect">
+            <a:avLst/>
           </a:prstGeom>
           <a:solidFill>
             <a:schemeClr val="lt2"/>
@@ -9468,200 +11097,7 @@
       </p:sp>
       <p:sp>
         <p:nvSpPr>
-          <p:cNvPr id="360" name="Google Shape;360;p39"/>
-          <p:cNvSpPr txBox="1"/>
-          <p:nvPr/>
-        </p:nvSpPr>
-        <p:spPr>
-          <a:xfrm>
-            <a:off x="970400" y="3362033"/>
-            <a:ext cx="10251200" cy="1233600"/>
-          </a:xfrm>
-          <a:prstGeom prst="rect">
-            <a:avLst/>
-          </a:prstGeom>
-          <a:noFill/>
-          <a:ln>
-            <a:noFill/>
-          </a:ln>
-        </p:spPr>
-        <p:txBody>
-          <a:bodyPr spcFirstLastPara="1" wrap="square" lIns="121900" tIns="121900" rIns="121900" bIns="121900" anchor="ctr" anchorCtr="0">
-            <a:noAutofit/>
-          </a:bodyPr>
-          <a:lstStyle/>
-          <a:p>
-            <a:pPr algn="ctr">
-              <a:buSzPts val="990"/>
-            </a:pPr>
-            <a:r>
-              <a:rPr lang="en" sz="3467" i="1">
-                <a:solidFill>
-                  <a:schemeClr val="lt1"/>
-                </a:solidFill>
-                <a:latin typeface="Proxima Nova"/>
-                <a:ea typeface="Proxima Nova"/>
-                <a:cs typeface="Proxima Nova"/>
-                <a:sym typeface="Proxima Nova"/>
-              </a:rPr>
-              <a:t>Thank you!</a:t>
-            </a:r>
-            <a:endParaRPr sz="1867" i="1">
-              <a:latin typeface="Proxima Nova"/>
-              <a:ea typeface="Proxima Nova"/>
-              <a:cs typeface="Proxima Nova"/>
-              <a:sym typeface="Proxima Nova"/>
-            </a:endParaRPr>
-          </a:p>
-        </p:txBody>
-      </p:sp>
-      <p:pic>
-        <p:nvPicPr>
-          <p:cNvPr id="361" name="Google Shape;361;p39"/>
-          <p:cNvPicPr preferRelativeResize="0"/>
-          <p:nvPr/>
-        </p:nvPicPr>
-        <p:blipFill>
-          <a:blip r:embed="rId3">
-            <a:alphaModFix/>
-          </a:blip>
-          <a:stretch>
-            <a:fillRect/>
-          </a:stretch>
-        </p:blipFill>
-        <p:spPr>
-          <a:xfrm>
-            <a:off x="5509402" y="1209801"/>
-            <a:ext cx="1173167" cy="1143567"/>
-          </a:xfrm>
-          <a:prstGeom prst="rect">
-            <a:avLst/>
-          </a:prstGeom>
-          <a:noFill/>
-          <a:ln>
-            <a:noFill/>
-          </a:ln>
-        </p:spPr>
-      </p:pic>
-      <p:sp>
-        <p:nvSpPr>
-          <p:cNvPr id="362" name="Google Shape;362;p39"/>
-          <p:cNvSpPr txBox="1">
-            <a:spLocks noGrp="1"/>
-          </p:cNvSpPr>
-          <p:nvPr>
-            <p:ph type="subTitle" idx="1"/>
-          </p:nvPr>
-        </p:nvSpPr>
-        <p:spPr>
-          <a:xfrm>
-            <a:off x="949800" y="5414801"/>
-            <a:ext cx="10292400" cy="1442790"/>
-          </a:xfrm>
-          <a:prstGeom prst="rect">
-            <a:avLst/>
-          </a:prstGeom>
-        </p:spPr>
-        <p:txBody>
-          <a:bodyPr spcFirstLastPara="1" wrap="square" lIns="121900" tIns="121900" rIns="121900" bIns="121900" anchor="t" anchorCtr="0">
-            <a:spAutoFit/>
-          </a:bodyPr>
-          <a:lstStyle/>
-          <a:p>
-            <a:pPr marL="0" indent="0" algn="ctr">
-              <a:lnSpc>
-                <a:spcPct val="90000"/>
-              </a:lnSpc>
-              <a:buSzPts val="358"/>
-            </a:pPr>
-            <a:r>
-              <a:rPr lang="en" sz="1600" dirty="0"/>
-              <a:t>Department of Aerospace Engineering</a:t>
-            </a:r>
-            <a:endParaRPr sz="1600" dirty="0"/>
-          </a:p>
-          <a:p>
-            <a:pPr marL="0" indent="0" algn="ctr">
-              <a:lnSpc>
-                <a:spcPct val="90000"/>
-              </a:lnSpc>
-              <a:buSzPts val="358"/>
-            </a:pPr>
-            <a:r>
-              <a:rPr lang="en" sz="1600" dirty="0"/>
-              <a:t>Indian Institute of Technology Bombay</a:t>
-            </a:r>
-            <a:endParaRPr sz="1600" dirty="0"/>
-          </a:p>
-          <a:p>
-            <a:pPr marL="0" indent="0" algn="ctr">
-              <a:lnSpc>
-                <a:spcPct val="90000"/>
-              </a:lnSpc>
-              <a:buSzPts val="358"/>
-            </a:pPr>
-            <a:endParaRPr sz="1440" dirty="0"/>
-          </a:p>
-          <a:p>
-            <a:pPr marL="0" indent="0" algn="ctr">
-              <a:lnSpc>
-                <a:spcPct val="90000"/>
-              </a:lnSpc>
-              <a:buSzPts val="358"/>
-            </a:pPr>
-            <a:endParaRPr sz="2000" dirty="0"/>
-          </a:p>
-          <a:p>
-            <a:pPr marL="0" indent="0" algn="ctr">
-              <a:lnSpc>
-                <a:spcPct val="90000"/>
-              </a:lnSpc>
-              <a:buSzPts val="358"/>
-            </a:pPr>
-            <a:r>
-              <a:rPr lang="en" sz="2000" dirty="0"/>
-              <a:t>October 25</a:t>
-            </a:r>
-            <a:r>
-              <a:rPr lang="en" sz="2000" baseline="30000" dirty="0"/>
-              <a:t>th</a:t>
-            </a:r>
-            <a:r>
-              <a:rPr lang="en" sz="2000" dirty="0"/>
-              <a:t>, 2022</a:t>
-            </a:r>
-            <a:endParaRPr sz="2000" dirty="0"/>
-          </a:p>
-        </p:txBody>
-      </p:sp>
-    </p:spTree>
-  </p:cSld>
-  <p:clrMapOvr>
-    <a:masterClrMapping/>
-  </p:clrMapOvr>
-</p:sld>
-</file>
-
-<file path=ppt/slides/slide14.xml><?xml version="1.0" encoding="utf-8"?>
-<p:sld xmlns:a="http://schemas.openxmlformats.org/drawingml/2006/main" xmlns:r="http://schemas.openxmlformats.org/officeDocument/2006/relationships" xmlns:p="http://schemas.openxmlformats.org/presentationml/2006/main">
-  <p:cSld>
-    <p:spTree>
-      <p:nvGrpSpPr>
-        <p:cNvPr id="1" name="Shape 366"/>
-        <p:cNvGrpSpPr/>
-        <p:nvPr/>
-      </p:nvGrpSpPr>
-      <p:grpSpPr>
-        <a:xfrm>
-          <a:off x="0" y="0"/>
-          <a:ext cx="0" cy="0"/>
-          <a:chOff x="0" y="0"/>
-          <a:chExt cx="0" cy="0"/>
-        </a:xfrm>
-      </p:grpSpPr>
-      <p:sp>
-        <p:nvSpPr>
-          <p:cNvPr id="367" name="Google Shape;367;p40"/>
+          <p:cNvPr id="340" name="Google Shape;340;p37"/>
           <p:cNvSpPr txBox="1">
             <a:spLocks noGrp="1"/>
           </p:cNvSpPr>
@@ -9671,8 +11107,8 @@
         </p:nvSpPr>
         <p:spPr>
           <a:xfrm>
-            <a:off x="653667" y="701800"/>
-            <a:ext cx="7730000" cy="5454400"/>
+            <a:off x="160733" y="0"/>
+            <a:ext cx="11867600" cy="763600"/>
           </a:xfrm>
           <a:prstGeom prst="rect">
             <a:avLst/>
@@ -9685,16 +11121,16 @@
           <a:lstStyle/>
           <a:p>
             <a:r>
-              <a:rPr lang="en-IN" dirty="0"/>
-              <a:t>Blank Template Slides</a:t>
-            </a:r>
-            <a:endParaRPr sz="2133" dirty="0"/>
+              <a:rPr lang="en-IN" b="1" dirty="0"/>
+              <a:t>Miscellaneous Models</a:t>
+            </a:r>
+            <a:endParaRPr b="1" dirty="0"/>
           </a:p>
         </p:txBody>
       </p:sp>
       <p:sp>
         <p:nvSpPr>
-          <p:cNvPr id="368" name="Google Shape;368;p40"/>
+          <p:cNvPr id="341" name="Google Shape;341;p37"/>
           <p:cNvSpPr txBox="1">
             <a:spLocks noGrp="1"/>
           </p:cNvSpPr>
@@ -9704,7 +11140,7 @@
         </p:nvSpPr>
         <p:spPr>
           <a:xfrm>
-            <a:off x="11296611" y="6217623"/>
+            <a:off x="11296744" y="6333189"/>
             <a:ext cx="731600" cy="524800"/>
           </a:xfrm>
           <a:prstGeom prst="rect">
@@ -9726,10 +11162,98 @@
           </a:p>
         </p:txBody>
       </p:sp>
+      <p:sp>
+        <p:nvSpPr>
+          <p:cNvPr id="346" name="Google Shape;346;p37"/>
+          <p:cNvSpPr txBox="1"/>
+          <p:nvPr/>
+        </p:nvSpPr>
+        <p:spPr>
+          <a:xfrm>
+            <a:off x="0" y="6333201"/>
+            <a:ext cx="9910400" cy="410393"/>
+          </a:xfrm>
+          <a:prstGeom prst="rect">
+            <a:avLst/>
+          </a:prstGeom>
+          <a:noFill/>
+          <a:ln>
+            <a:noFill/>
+          </a:ln>
+        </p:spPr>
+        <p:txBody>
+          <a:bodyPr spcFirstLastPara="1" wrap="square" lIns="121900" tIns="121900" rIns="121900" bIns="121900" anchor="t" anchorCtr="0">
+            <a:spAutoFit/>
+          </a:bodyPr>
+          <a:lstStyle/>
+          <a:p>
+            <a:r>
+              <a:rPr lang="en-US" sz="1067" dirty="0">
+                <a:solidFill>
+                  <a:schemeClr val="accent3"/>
+                </a:solidFill>
+                <a:latin typeface="Proxima Nova"/>
+                <a:ea typeface="Proxima Nova"/>
+                <a:cs typeface="Proxima Nova"/>
+                <a:sym typeface="Proxima Nova"/>
+              </a:rPr>
+              <a:t>[1] </a:t>
+            </a:r>
+            <a:r>
+              <a:rPr lang="en-US" sz="1067" dirty="0" err="1">
+                <a:solidFill>
+                  <a:schemeClr val="accent3"/>
+                </a:solidFill>
+                <a:latin typeface="Proxima Nova"/>
+                <a:ea typeface="Proxima Nova"/>
+                <a:cs typeface="Proxima Nova"/>
+                <a:sym typeface="Proxima Nova"/>
+              </a:rPr>
+              <a:t>Dynnikova</a:t>
+            </a:r>
+            <a:r>
+              <a:rPr lang="en-US" sz="1067" dirty="0">
+                <a:solidFill>
+                  <a:schemeClr val="accent3"/>
+                </a:solidFill>
+                <a:latin typeface="Proxima Nova"/>
+                <a:ea typeface="Proxima Nova"/>
+                <a:cs typeface="Proxima Nova"/>
+                <a:sym typeface="Proxima Nova"/>
+              </a:rPr>
+              <a:t>, G. </a:t>
+            </a:r>
+            <a:r>
+              <a:rPr lang="en-US" sz="1067" dirty="0" err="1">
+                <a:solidFill>
+                  <a:schemeClr val="accent3"/>
+                </a:solidFill>
+                <a:latin typeface="Proxima Nova"/>
+                <a:ea typeface="Proxima Nova"/>
+                <a:cs typeface="Proxima Nova"/>
+                <a:sym typeface="Proxima Nova"/>
+              </a:rPr>
+              <a:t>Ya</a:t>
+            </a:r>
+            <a:r>
+              <a:rPr lang="en-US" sz="1067" dirty="0">
+                <a:solidFill>
+                  <a:schemeClr val="accent3"/>
+                </a:solidFill>
+                <a:latin typeface="Proxima Nova"/>
+                <a:ea typeface="Proxima Nova"/>
+                <a:cs typeface="Proxima Nova"/>
+                <a:sym typeface="Proxima Nova"/>
+              </a:rPr>
+              <a:t> et al. (2021). “Stability of a reverse Karman vortex street”. In: Physics of Fluids 33.2. ISSN: 10897666. DOI: 10.1063/5.0035575.</a:t>
+            </a:r>
+          </a:p>
+        </p:txBody>
+      </p:sp>
     </p:spTree>
     <p:extLst>
       <p:ext uri="{BB962C8B-B14F-4D97-AF65-F5344CB8AC3E}">
-        <p14:creationId xmlns:p14="http://schemas.microsoft.com/office/powerpoint/2010/main" val="3905214173"/>
+        <p14:creationId xmlns:p14="http://schemas.microsoft.com/office/powerpoint/2010/main" val="2270119635"/>
       </p:ext>
     </p:extLst>
   </p:cSld>
@@ -9768,8 +11292,8 @@
         </p:nvSpPr>
         <p:spPr>
           <a:xfrm>
-            <a:off x="160733" y="963200"/>
-            <a:ext cx="7046000" cy="5452800"/>
+            <a:off x="160732" y="963200"/>
+            <a:ext cx="11867599" cy="5452800"/>
           </a:xfrm>
           <a:prstGeom prst="rect">
             <a:avLst/>
@@ -9781,9 +11305,39 @@
           </a:bodyPr>
           <a:lstStyle/>
           <a:p>
-            <a:pPr marL="0" indent="0">
-              <a:buNone/>
-            </a:pPr>
+            <a:pPr marL="285750" indent="-285750"/>
+            <a:r>
+              <a:rPr lang="en-IN" dirty="0"/>
+              <a:t>Most of </a:t>
+            </a:r>
+            <a:r>
+              <a:rPr lang="en-US" dirty="0"/>
+              <a:t>Lagrangian turbulent models seem to be tested for only complex surface flows</a:t>
+            </a:r>
+          </a:p>
+          <a:p>
+            <a:pPr marL="285750" indent="-285750"/>
+            <a:r>
+              <a:rPr lang="en-US" dirty="0"/>
+              <a:t>Systematic analysis of isotropic turbulence problems provides greater insight into the energy spectrum and its corresponding cascade across varying length scales.</a:t>
+            </a:r>
+          </a:p>
+          <a:p>
+            <a:pPr marL="285750" indent="-285750"/>
+            <a:r>
+              <a:rPr lang="en-US" dirty="0"/>
+              <a:t>Appropriate bounded/periodic test cases must be used when analyzing turbulence </a:t>
+            </a:r>
+          </a:p>
+          <a:p>
+            <a:pPr marL="285750" indent="-285750"/>
+            <a:r>
+              <a:rPr lang="en-US" dirty="0"/>
+              <a:t>Energy cascade might not always be apt? Use coherent structures, vorticity, other suitable metrics [Q]</a:t>
+            </a:r>
+          </a:p>
+          <a:p>
+            <a:pPr marL="285750" indent="-285750"/>
             <a:endParaRPr dirty="0"/>
           </a:p>
         </p:txBody>
@@ -9850,6 +11404,10 @@
           </a:bodyPr>
           <a:lstStyle/>
           <a:p>
+            <a:r>
+              <a:rPr lang="en-IN" b="1" dirty="0"/>
+              <a:t>Evaluation of Turbulence Models</a:t>
+            </a:r>
             <a:endParaRPr b="1" dirty="0"/>
           </a:p>
         </p:txBody>
@@ -9979,7 +11537,7 @@
     </p:spTree>
     <p:extLst>
       <p:ext uri="{BB962C8B-B14F-4D97-AF65-F5344CB8AC3E}">
-        <p14:creationId xmlns:p14="http://schemas.microsoft.com/office/powerpoint/2010/main" val="2270119635"/>
+        <p14:creationId xmlns:p14="http://schemas.microsoft.com/office/powerpoint/2010/main" val="1536110691"/>
       </p:ext>
     </p:extLst>
   </p:cSld>
@@ -9994,7 +11552,553 @@
   <p:cSld>
     <p:spTree>
       <p:nvGrpSpPr>
-        <p:cNvPr id="1" name="Shape 68"/>
+        <p:cNvPr id="1" name="Shape 337"/>
+        <p:cNvGrpSpPr/>
+        <p:nvPr/>
+      </p:nvGrpSpPr>
+      <p:grpSpPr>
+        <a:xfrm>
+          <a:off x="0" y="0"/>
+          <a:ext cx="0" cy="0"/>
+          <a:chOff x="0" y="0"/>
+          <a:chExt cx="0" cy="0"/>
+        </a:xfrm>
+      </p:grpSpPr>
+      <mc:AlternateContent xmlns:mc="http://schemas.openxmlformats.org/markup-compatibility/2006">
+        <mc:Choice xmlns:a14="http://schemas.microsoft.com/office/drawing/2010/main" Requires="a14">
+          <p:sp>
+            <p:nvSpPr>
+              <p:cNvPr id="338" name="Google Shape;338;p37"/>
+              <p:cNvSpPr txBox="1">
+                <a:spLocks noGrp="1"/>
+              </p:cNvSpPr>
+              <p:nvPr>
+                <p:ph type="body" idx="1"/>
+              </p:nvPr>
+            </p:nvSpPr>
+            <p:spPr>
+              <a:xfrm>
+                <a:off x="160732" y="963200"/>
+                <a:ext cx="11867599" cy="5452800"/>
+              </a:xfrm>
+              <a:prstGeom prst="rect">
+                <a:avLst/>
+              </a:prstGeom>
+            </p:spPr>
+            <p:txBody>
+              <a:bodyPr spcFirstLastPara="1" wrap="square" lIns="121900" tIns="121900" rIns="121900" bIns="121900" anchor="t" anchorCtr="0">
+                <a:normAutofit/>
+              </a:bodyPr>
+              <a:lstStyle/>
+              <a:p>
+                <a:pPr marL="285750" indent="-285750"/>
+                <a:r>
+                  <a:rPr lang="en-IN" dirty="0"/>
+                  <a:t>Taylor-Green Vortex Problem</a:t>
+                </a:r>
+              </a:p>
+              <a:p>
+                <a:pPr marL="895335" lvl="1" indent="-285750"/>
+                <a:r>
+                  <a:rPr lang="en-IN" dirty="0"/>
+                  <a:t>2D Case</a:t>
+                </a:r>
+              </a:p>
+              <a:p>
+                <a:pPr marL="1504919" lvl="2" indent="-285750"/>
+                <a:r>
+                  <a:rPr lang="en-IN" dirty="0"/>
+                  <a:t>Periodic, incompressible flow</a:t>
+                </a:r>
+              </a:p>
+              <a:p>
+                <a:pPr marL="1504919" lvl="2" indent="-285750"/>
+                <a:r>
+                  <a:rPr lang="en-IN" dirty="0"/>
+                  <a:t>Analytical solutions known</a:t>
+                </a:r>
+              </a:p>
+              <a:p>
+                <a:pPr marL="895335" lvl="1" indent="-285750"/>
+                <a:r>
+                  <a:rPr lang="en-IN" dirty="0"/>
+                  <a:t>3D Case</a:t>
+                </a:r>
+              </a:p>
+              <a:p>
+                <a:pPr marL="1504919" lvl="2" indent="-285750"/>
+                <a:r>
+                  <a:rPr lang="en-IN" dirty="0"/>
+                  <a:t>Initial flow conditions can be specified </a:t>
+                </a:r>
+              </a:p>
+              <a:p>
+                <a:pPr marL="285750" indent="-285750"/>
+                <a:r>
+                  <a:rPr lang="en-IN" dirty="0"/>
+                  <a:t>Thin Double-Shear Layer</a:t>
+                </a:r>
+              </a:p>
+              <a:p>
+                <a:pPr marL="895335" lvl="1" indent="-285750"/>
+                <a:r>
+                  <a:rPr lang="en-IN" dirty="0"/>
+                  <a:t>Flow under-resolved </a:t>
+                </a:r>
+                <a:r>
+                  <a:rPr lang="en-IN" dirty="0">
+                    <a:sym typeface="Wingdings" panose="05000000000000000000" pitchFamily="2" charset="2"/>
+                  </a:rPr>
+                  <a:t> Spurious structures are produced</a:t>
+                </a:r>
+              </a:p>
+              <a:p>
+                <a:pPr marL="895335" lvl="1" indent="-285750"/>
+                <a:r>
+                  <a:rPr lang="en-IN" dirty="0">
+                    <a:sym typeface="Wingdings" panose="05000000000000000000" pitchFamily="2" charset="2"/>
+                  </a:rPr>
+                  <a:t>Generation of the spurious structure depends on the scheme</a:t>
+                </a:r>
+              </a:p>
+              <a:p>
+                <a:pPr marL="285750" indent="-285750"/>
+                <a:r>
+                  <a:rPr lang="en-IN" dirty="0">
+                    <a:sym typeface="Wingdings" panose="05000000000000000000" pitchFamily="2" charset="2"/>
+                  </a:rPr>
+                  <a:t>3D Isotropic Turbulence</a:t>
+                </a:r>
+              </a:p>
+              <a:p>
+                <a:pPr marL="895335" lvl="1" indent="-285750"/>
+                <a:r>
+                  <a:rPr lang="en-IN" dirty="0">
+                    <a:sym typeface="Wingdings" panose="05000000000000000000" pitchFamily="2" charset="2"/>
+                  </a:rPr>
+                  <a:t>DNS dataset from the </a:t>
+                </a:r>
+                <a:r>
+                  <a:rPr lang="fr-FR" dirty="0">
+                    <a:sym typeface="Wingdings" panose="05000000000000000000" pitchFamily="2" charset="2"/>
+                  </a:rPr>
+                  <a:t>JHU Turbulence database Cluster [li2008public]</a:t>
+                </a:r>
+              </a:p>
+              <a:p>
+                <a:pPr marL="895335" lvl="1" indent="-285750"/>
+                <a:r>
+                  <a:rPr lang="fr-FR" dirty="0">
+                    <a:sym typeface="Wingdings" panose="05000000000000000000" pitchFamily="2" charset="2"/>
+                  </a:rPr>
+                  <a:t>Dataset: Incompressible flow with </a:t>
+                </a:r>
+                <a:r>
+                  <a:rPr lang="en-US" dirty="0">
+                    <a:sym typeface="Wingdings" panose="05000000000000000000" pitchFamily="2" charset="2"/>
+                  </a:rPr>
+                  <a:t>isotropic and forced turbulence.</a:t>
+                </a:r>
+              </a:p>
+              <a:p>
+                <a:pPr marL="895335" lvl="1" indent="-285750"/>
+                <a14:m>
+                  <m:oMath xmlns:m="http://schemas.openxmlformats.org/officeDocument/2006/math">
+                    <m:sSup>
+                      <m:sSupPr>
+                        <m:ctrlPr>
+                          <a:rPr lang="en-IN" b="0" i="1" smtClean="0">
+                            <a:latin typeface="Cambria Math" panose="02040503050406030204" pitchFamily="18" charset="0"/>
+                            <a:sym typeface="Wingdings" panose="05000000000000000000" pitchFamily="2" charset="2"/>
+                          </a:rPr>
+                        </m:ctrlPr>
+                      </m:sSupPr>
+                      <m:e>
+                        <m:r>
+                          <a:rPr lang="en-IN" b="0" i="1" smtClean="0">
+                            <a:latin typeface="Cambria Math" panose="02040503050406030204" pitchFamily="18" charset="0"/>
+                            <a:sym typeface="Wingdings" panose="05000000000000000000" pitchFamily="2" charset="2"/>
+                          </a:rPr>
+                          <m:t>1024</m:t>
+                        </m:r>
+                      </m:e>
+                      <m:sup>
+                        <m:r>
+                          <a:rPr lang="en-IN" b="0" i="1" smtClean="0">
+                            <a:latin typeface="Cambria Math" panose="02040503050406030204" pitchFamily="18" charset="0"/>
+                            <a:sym typeface="Wingdings" panose="05000000000000000000" pitchFamily="2" charset="2"/>
+                          </a:rPr>
+                          <m:t>3</m:t>
+                        </m:r>
+                      </m:sup>
+                    </m:sSup>
+                  </m:oMath>
+                </a14:m>
+                <a:r>
+                  <a:rPr lang="en-US" dirty="0">
+                    <a:sym typeface="Wingdings" panose="05000000000000000000" pitchFamily="2" charset="2"/>
+                  </a:rPr>
+                  <a:t> - Spatial points, with </a:t>
+                </a:r>
+                <a14:m>
+                  <m:oMath xmlns:m="http://schemas.openxmlformats.org/officeDocument/2006/math">
+                    <m:r>
+                      <a:rPr lang="en-IN" b="0" i="1" smtClean="0">
+                        <a:latin typeface="Cambria Math" panose="02040503050406030204" pitchFamily="18" charset="0"/>
+                        <a:sym typeface="Wingdings" panose="05000000000000000000" pitchFamily="2" charset="2"/>
+                      </a:rPr>
+                      <m:t>1024</m:t>
+                    </m:r>
+                  </m:oMath>
+                </a14:m>
+                <a:r>
+                  <a:rPr lang="en-US" dirty="0">
+                    <a:sym typeface="Wingdings" panose="05000000000000000000" pitchFamily="2" charset="2"/>
+                  </a:rPr>
+                  <a:t> time samples spanning one large-scale turnover time</a:t>
+                </a:r>
+              </a:p>
+              <a:p>
+                <a:pPr marL="285750" indent="-285750"/>
+                <a:r>
+                  <a:rPr lang="en-US" dirty="0">
+                    <a:sym typeface="Wingdings" panose="05000000000000000000" pitchFamily="2" charset="2"/>
+                  </a:rPr>
+                  <a:t>2D </a:t>
+                </a:r>
+                <a:r>
+                  <a:rPr lang="en-IN" dirty="0">
+                    <a:sym typeface="Wingdings" panose="05000000000000000000" pitchFamily="2" charset="2"/>
+                  </a:rPr>
+                  <a:t>Confined &amp; Driven Turbulence</a:t>
+                </a:r>
+              </a:p>
+              <a:p>
+                <a:pPr marL="895335" lvl="1" indent="-285750"/>
+                <a:r>
+                  <a:rPr lang="en-IN" dirty="0">
+                    <a:sym typeface="Wingdings" panose="05000000000000000000" pitchFamily="2" charset="2"/>
+                  </a:rPr>
+                  <a:t>2D fluid confined to a square box enclosing a cylinder</a:t>
+                </a:r>
+              </a:p>
+              <a:p>
+                <a:pPr marL="895335" lvl="1" indent="-285750"/>
+                <a:r>
+                  <a:rPr lang="en-IN" dirty="0">
+                    <a:sym typeface="Wingdings" panose="05000000000000000000" pitchFamily="2" charset="2"/>
+                  </a:rPr>
+                  <a:t>Cylinder moves in a </a:t>
+                </a:r>
+                <a:r>
+                  <a:rPr lang="en-IN">
+                    <a:sym typeface="Wingdings" panose="05000000000000000000" pitchFamily="2" charset="2"/>
+                  </a:rPr>
+                  <a:t>predetermined trajectory</a:t>
+                </a:r>
+                <a:endParaRPr lang="en-IN" dirty="0">
+                  <a:sym typeface="Wingdings" panose="05000000000000000000" pitchFamily="2" charset="2"/>
+                </a:endParaRPr>
+              </a:p>
+              <a:p>
+                <a:pPr marL="895335" lvl="1" indent="-285750"/>
+                <a:endParaRPr dirty="0"/>
+              </a:p>
+            </p:txBody>
+          </p:sp>
+        </mc:Choice>
+        <mc:Fallback>
+          <p:sp>
+            <p:nvSpPr>
+              <p:cNvPr id="338" name="Google Shape;338;p37"/>
+              <p:cNvSpPr txBox="1">
+                <a:spLocks noGrp="1" noRot="1" noChangeAspect="1" noMove="1" noResize="1" noEditPoints="1" noAdjustHandles="1" noChangeArrowheads="1" noChangeShapeType="1" noTextEdit="1"/>
+              </p:cNvSpPr>
+              <p:nvPr>
+                <p:ph type="body" idx="1"/>
+              </p:nvPr>
+            </p:nvSpPr>
+            <p:spPr>
+              <a:xfrm>
+                <a:off x="160732" y="963200"/>
+                <a:ext cx="11867599" cy="5452800"/>
+              </a:xfrm>
+              <a:prstGeom prst="rect">
+                <a:avLst/>
+              </a:prstGeom>
+              <a:blipFill>
+                <a:blip r:embed="rId4"/>
+                <a:stretch>
+                  <a:fillRect l="-154"/>
+                </a:stretch>
+              </a:blipFill>
+            </p:spPr>
+            <p:txBody>
+              <a:bodyPr/>
+              <a:lstStyle/>
+              <a:p>
+                <a:r>
+                  <a:rPr lang="en-IN">
+                    <a:noFill/>
+                  </a:rPr>
+                  <a:t> </a:t>
+                </a:r>
+              </a:p>
+            </p:txBody>
+          </p:sp>
+        </mc:Fallback>
+      </mc:AlternateContent>
+      <p:sp>
+        <p:nvSpPr>
+          <p:cNvPr id="339" name="Google Shape;339;p37"/>
+          <p:cNvSpPr/>
+          <p:nvPr/>
+        </p:nvSpPr>
+        <p:spPr>
+          <a:xfrm>
+            <a:off x="13400" y="0"/>
+            <a:ext cx="12192000" cy="763600"/>
+          </a:xfrm>
+          <a:prstGeom prst="rect">
+            <a:avLst/>
+          </a:prstGeom>
+          <a:solidFill>
+            <a:schemeClr val="lt2"/>
+          </a:solidFill>
+          <a:ln w="9525" cap="flat" cmpd="sng">
+            <a:solidFill>
+              <a:schemeClr val="dk2"/>
+            </a:solidFill>
+            <a:prstDash val="solid"/>
+            <a:round/>
+            <a:headEnd type="none" w="sm" len="sm"/>
+            <a:tailEnd type="none" w="sm" len="sm"/>
+          </a:ln>
+        </p:spPr>
+        <p:txBody>
+          <a:bodyPr spcFirstLastPara="1" wrap="square" lIns="121900" tIns="121900" rIns="121900" bIns="121900" anchor="ctr" anchorCtr="0">
+            <a:noAutofit/>
+          </a:bodyPr>
+          <a:lstStyle/>
+          <a:p>
+            <a:endParaRPr sz="1867"/>
+          </a:p>
+        </p:txBody>
+      </p:sp>
+      <p:sp>
+        <p:nvSpPr>
+          <p:cNvPr id="340" name="Google Shape;340;p37"/>
+          <p:cNvSpPr txBox="1">
+            <a:spLocks noGrp="1"/>
+          </p:cNvSpPr>
+          <p:nvPr>
+            <p:ph type="title"/>
+          </p:nvPr>
+        </p:nvSpPr>
+        <p:spPr>
+          <a:xfrm>
+            <a:off x="160733" y="0"/>
+            <a:ext cx="11867600" cy="763600"/>
+          </a:xfrm>
+          <a:prstGeom prst="rect">
+            <a:avLst/>
+          </a:prstGeom>
+        </p:spPr>
+        <p:txBody>
+          <a:bodyPr spcFirstLastPara="1" wrap="square" lIns="121900" tIns="121900" rIns="121900" bIns="121900" anchor="ctr" anchorCtr="0">
+            <a:normAutofit/>
+          </a:bodyPr>
+          <a:lstStyle/>
+          <a:p>
+            <a:r>
+              <a:rPr lang="en-IN" b="1" dirty="0"/>
+              <a:t>Benchmark Problems</a:t>
+            </a:r>
+            <a:endParaRPr b="1" dirty="0"/>
+          </a:p>
+        </p:txBody>
+      </p:sp>
+      <p:sp>
+        <p:nvSpPr>
+          <p:cNvPr id="341" name="Google Shape;341;p37"/>
+          <p:cNvSpPr txBox="1">
+            <a:spLocks noGrp="1"/>
+          </p:cNvSpPr>
+          <p:nvPr>
+            <p:ph type="sldNum" idx="12"/>
+          </p:nvPr>
+        </p:nvSpPr>
+        <p:spPr>
+          <a:xfrm>
+            <a:off x="11296744" y="6333189"/>
+            <a:ext cx="731600" cy="524800"/>
+          </a:xfrm>
+          <a:prstGeom prst="rect">
+            <a:avLst/>
+          </a:prstGeom>
+        </p:spPr>
+        <p:txBody>
+          <a:bodyPr spcFirstLastPara="1" wrap="square" lIns="121900" tIns="121900" rIns="121900" bIns="121900" anchor="ctr" anchorCtr="0">
+            <a:normAutofit/>
+          </a:bodyPr>
+          <a:lstStyle/>
+          <a:p>
+            <a:fld id="{00000000-1234-1234-1234-123412341234}" type="slidenum">
+              <a:rPr lang="en"/>
+              <a:pPr/>
+              <a:t>16</a:t>
+            </a:fld>
+            <a:endParaRPr/>
+          </a:p>
+        </p:txBody>
+      </p:sp>
+      <p:sp>
+        <p:nvSpPr>
+          <p:cNvPr id="346" name="Google Shape;346;p37"/>
+          <p:cNvSpPr txBox="1"/>
+          <p:nvPr/>
+        </p:nvSpPr>
+        <p:spPr>
+          <a:xfrm>
+            <a:off x="0" y="6333201"/>
+            <a:ext cx="9910400" cy="410393"/>
+          </a:xfrm>
+          <a:prstGeom prst="rect">
+            <a:avLst/>
+          </a:prstGeom>
+          <a:noFill/>
+          <a:ln>
+            <a:noFill/>
+          </a:ln>
+        </p:spPr>
+        <p:txBody>
+          <a:bodyPr spcFirstLastPara="1" wrap="square" lIns="121900" tIns="121900" rIns="121900" bIns="121900" anchor="t" anchorCtr="0">
+            <a:spAutoFit/>
+          </a:bodyPr>
+          <a:lstStyle/>
+          <a:p>
+            <a:r>
+              <a:rPr lang="en-US" sz="1067" dirty="0">
+                <a:solidFill>
+                  <a:schemeClr val="accent3"/>
+                </a:solidFill>
+                <a:latin typeface="Proxima Nova"/>
+                <a:ea typeface="Proxima Nova"/>
+                <a:cs typeface="Proxima Nova"/>
+                <a:sym typeface="Proxima Nova"/>
+              </a:rPr>
+              <a:t>[1] </a:t>
+            </a:r>
+            <a:r>
+              <a:rPr lang="en-US" sz="1067" dirty="0" err="1">
+                <a:solidFill>
+                  <a:schemeClr val="accent3"/>
+                </a:solidFill>
+                <a:latin typeface="Proxima Nova"/>
+                <a:ea typeface="Proxima Nova"/>
+                <a:cs typeface="Proxima Nova"/>
+                <a:sym typeface="Proxima Nova"/>
+              </a:rPr>
+              <a:t>Dynnikova</a:t>
+            </a:r>
+            <a:r>
+              <a:rPr lang="en-US" sz="1067" dirty="0">
+                <a:solidFill>
+                  <a:schemeClr val="accent3"/>
+                </a:solidFill>
+                <a:latin typeface="Proxima Nova"/>
+                <a:ea typeface="Proxima Nova"/>
+                <a:cs typeface="Proxima Nova"/>
+                <a:sym typeface="Proxima Nova"/>
+              </a:rPr>
+              <a:t>, G. </a:t>
+            </a:r>
+            <a:r>
+              <a:rPr lang="en-US" sz="1067" dirty="0" err="1">
+                <a:solidFill>
+                  <a:schemeClr val="accent3"/>
+                </a:solidFill>
+                <a:latin typeface="Proxima Nova"/>
+                <a:ea typeface="Proxima Nova"/>
+                <a:cs typeface="Proxima Nova"/>
+                <a:sym typeface="Proxima Nova"/>
+              </a:rPr>
+              <a:t>Ya</a:t>
+            </a:r>
+            <a:r>
+              <a:rPr lang="en-US" sz="1067" dirty="0">
+                <a:solidFill>
+                  <a:schemeClr val="accent3"/>
+                </a:solidFill>
+                <a:latin typeface="Proxima Nova"/>
+                <a:ea typeface="Proxima Nova"/>
+                <a:cs typeface="Proxima Nova"/>
+                <a:sym typeface="Proxima Nova"/>
+              </a:rPr>
+              <a:t> et al. (2021). “Stability of a reverse Karman vortex street”. In: Physics of Fluids 33.2. ISSN: 10897666. DOI: 10.1063/5.0035575.</a:t>
+            </a:r>
+          </a:p>
+        </p:txBody>
+      </p:sp>
+      <p:pic>
+        <p:nvPicPr>
+          <p:cNvPr id="3" name="Picture 2" descr="\documentclass{article}&#10;\usepackage{bbm}&#10;\usepackage{bm}&#10;\usepackage{amsmath}&#10;\usepackage{amssymb}&#10;\pagestyle{empty}&#10;&#10;% --------------------------------&#10;%% Custom Math Commands&#10;% --------------------------------&#10;\newcommand{\abs}[1]{\mid #1 \mid}&#10;&#10;\newcommand{\bb}[1]{\mathbb{#1}}&#10;&#10;\newcommand{\LagDerivative}[2][t]{\frac{\operatorname{D} #2}{\operatorname{D} #1}}&#10;&#10;\newcommand{\PartialDerivative}[2][t]{\frac{\partial #2}{\partial #1}}&#10;&#10;\newcommand{\vect}[1]{\mathbf{#1}}&#10;&#10;\newcommand{\tensor}[1]{\underline{\bm{#1}}}&#10;&#10;\newcommand{\WIJ}{W_{h, ij}}&#10;&#10;\newcommand{\DWIJ}{\nabla_{i} W_{h, ij}}&#10;&#10;\newcommand{\VIJ}{\vect{v}_{ij}}&#10;&#10;\newcommand{\RIJ}{\vect{r}_{ij}}&#10;&#10;\newcommand{\RtwoIJ}[1][2]{\abs{\vect{r}_{ij}}^{#1}}&#10;&#10;\newcommand{\VtwoIJ}[1][2]{\abs{\vect{v}_{ij}}^{#1}}&#10;&#10;\newcommand{\MachineEpsilon}{\bm{\xi}}&#10;&#10;\newcommand{\EncAngBrk}[2][]{#1\langle #2 #1\rangle}&#10;&#10;\newcommand{\RAProp}[1]{\EncAngBrk{#1}}&#10;&#10;\newcommand{\FrobeniusInnerProduct}[2]{\EncAngBrk{\tensor{#1}, \tensor{#2}}}&#10;&#10;\newcommand{\FrobeniusNorm}[1]{||\tensor{#1}||_F}&#10;&#10;\newcommand{\BasisVect}[1][i]{\hat{\vect{e}}_{#1}}&#10;&#10;\newcommand{\HalfFrac}{\frac{1}{2}}&#10;&#10;\newcommand{\Vol}[1][V]{\mathcal{#1}}&#10;&#10;\newcommand{\Vorticity}{\bm{\omega}}&#10;&#10;\newcommand{\Boundary}{\bm{\Omega}}&#10;&#10;\newcommand{\WaveNumber}{\mathrm{k}}&#10;&#10;\newcommand{\WaveNumberVector}{\vect{k}}&#10;&#10;\newcommand{\TildeR}{\widetilde{\vect{r}}}&#10;&#10;\newcommand{\TildeV}{\widetilde{\vect{v}}}&#10;&#10;\newcommand{\TildeDeltaV}{\delta\TildeV}&#10;&#10;\newcommand{\TildeRho}{\widetilde{\rho}}&#10;&#10;\newcommand{\TildeP}{\widetilde{P}}&#10;&#10;\newcommand{\IntRThreeAndT}{\int_{\mathbb{R}^3}&#10;\int_{-\infty}^{\infty}}&#10;&#10;\newcommand{\SciNot}[3][10]{#2 \times {#1}^{#3}}&#10;&#10;\newcommand{\IntD}{d \tau d V_y}&#10;&#10;\newcommand{\TilePArgRp}{\TildeP(\TildeR_p, t)}&#10;&#10;\newcommand{\PhiRY}{\phi (\TildeR_p(t)-\vect{y}, t-\tau)}&#10;&#10;\newcommand{\PY}{P(\vect{y}, \tau)}&#10;&#10;\newcommand{\VY}{\vect{v}(\vect{y}, \tau)}&#10;&#10;\newcommand{\TildeVArgRp}{\TildeV (\TildeR_p, t)}&#10;&#10;% --------------------------------&#10;%% Equations&#10;% --------------------------------&#10;\begin{document}&#10;&#10;\begin{equation*}&#10;v_{x, 0} = \sin(x) \cos(y) \cos(z)&#10;\end{equation*}&#10;&#10;\begin{equation*}&#10;v_{y, 0} = -\cos(x) \sin(y) \cos(z)&#10;\end{equation*}&#10;&#10;\begin{equation*}&#10;v_{z, 0} = 0&#10;\end{equation*}&#10;&#10;\begin{equation*}&#10;P_{0} = P_o + \frac{\rho_o \nu_o^2}{16} \bigg(2 + \cos(2z) \bigg) \bigg(\cos(2x) + \cos(2y) \bigg)&#10;\end{equation*}&#10;&#10;&#10;\end{document}" title="IguanaTex Bitmap Display">
+            <a:extLst>
+              <a:ext uri="{FF2B5EF4-FFF2-40B4-BE49-F238E27FC236}">
+                <a16:creationId xmlns:a16="http://schemas.microsoft.com/office/drawing/2014/main" id="{E10063BB-BBC8-AB2F-0FDD-29AE2A16FBE3}"/>
+              </a:ext>
+            </a:extLst>
+          </p:cNvPr>
+          <p:cNvPicPr>
+            <a:picLocks noChangeAspect="1"/>
+          </p:cNvPicPr>
+          <p:nvPr>
+            <p:custDataLst>
+              <p:tags r:id="rId1"/>
+            </p:custDataLst>
+          </p:nvPr>
+        </p:nvPicPr>
+        <p:blipFill>
+          <a:blip r:embed="rId5">
+            <a:extLst>
+              <a:ext uri="{28A0092B-C50C-407E-A947-70E740481C1C}">
+                <a14:useLocalDpi xmlns:a14="http://schemas.microsoft.com/office/drawing/2010/main" val="0"/>
+              </a:ext>
+            </a:extLst>
+          </a:blip>
+          <a:stretch>
+            <a:fillRect/>
+          </a:stretch>
+        </p:blipFill>
+        <p:spPr>
+          <a:xfrm>
+            <a:off x="8129037" y="963200"/>
+            <a:ext cx="5244670" cy="2620201"/>
+          </a:xfrm>
+          <a:prstGeom prst="rect">
+            <a:avLst/>
+          </a:prstGeom>
+        </p:spPr>
+      </p:pic>
+    </p:spTree>
+    <p:extLst>
+      <p:ext uri="{BB962C8B-B14F-4D97-AF65-F5344CB8AC3E}">
+        <p14:creationId xmlns:p14="http://schemas.microsoft.com/office/powerpoint/2010/main" val="3951101295"/>
+      </p:ext>
+    </p:extLst>
+  </p:cSld>
+  <p:clrMapOvr>
+    <a:masterClrMapping/>
+  </p:clrMapOvr>
+</p:sld>
+</file>
+
+<file path=ppt/slides/slide17.xml><?xml version="1.0" encoding="utf-8"?>
+<p:sld xmlns:a="http://schemas.openxmlformats.org/drawingml/2006/main" xmlns:r="http://schemas.openxmlformats.org/officeDocument/2006/relationships" xmlns:p="http://schemas.openxmlformats.org/presentationml/2006/main">
+  <p:cSld>
+    <p:spTree>
+      <p:nvGrpSpPr>
+        <p:cNvPr id="1" name="Shape 358"/>
         <p:cNvGrpSpPr/>
         <p:nvPr/>
       </p:nvGrpSpPr>
@@ -10008,17 +12112,19 @@
       </p:grpSpPr>
       <p:sp>
         <p:nvSpPr>
-          <p:cNvPr id="69" name="Google Shape;69;p14"/>
+          <p:cNvPr id="359" name="Google Shape;359;p39"/>
           <p:cNvSpPr/>
           <p:nvPr/>
         </p:nvSpPr>
         <p:spPr>
           <a:xfrm>
-            <a:off x="13400" y="0"/>
-            <a:ext cx="12192000" cy="763600"/>
-          </a:xfrm>
-          <a:prstGeom prst="rect">
-            <a:avLst/>
+            <a:off x="970400" y="3362033"/>
+            <a:ext cx="10251200" cy="1233600"/>
+          </a:xfrm>
+          <a:prstGeom prst="roundRect">
+            <a:avLst>
+              <a:gd name="adj" fmla="val 16667"/>
+            </a:avLst>
           </a:prstGeom>
           <a:solidFill>
             <a:schemeClr val="lt2"/>
@@ -10045,73 +12151,173 @@
       </p:sp>
       <p:sp>
         <p:nvSpPr>
-          <p:cNvPr id="70" name="Google Shape;70;p14"/>
+          <p:cNvPr id="360" name="Google Shape;360;p39"/>
+          <p:cNvSpPr txBox="1"/>
+          <p:nvPr/>
+        </p:nvSpPr>
+        <p:spPr>
+          <a:xfrm>
+            <a:off x="970400" y="3362033"/>
+            <a:ext cx="10251200" cy="1233600"/>
+          </a:xfrm>
+          <a:prstGeom prst="rect">
+            <a:avLst/>
+          </a:prstGeom>
+          <a:noFill/>
+          <a:ln>
+            <a:noFill/>
+          </a:ln>
+        </p:spPr>
+        <p:txBody>
+          <a:bodyPr spcFirstLastPara="1" wrap="square" lIns="121900" tIns="121900" rIns="121900" bIns="121900" anchor="ctr" anchorCtr="0">
+            <a:noAutofit/>
+          </a:bodyPr>
+          <a:lstStyle/>
+          <a:p>
+            <a:pPr algn="ctr">
+              <a:buSzPts val="990"/>
+            </a:pPr>
+            <a:r>
+              <a:rPr lang="en" sz="3467" i="1">
+                <a:solidFill>
+                  <a:schemeClr val="lt1"/>
+                </a:solidFill>
+                <a:latin typeface="Proxima Nova"/>
+                <a:ea typeface="Proxima Nova"/>
+                <a:cs typeface="Proxima Nova"/>
+                <a:sym typeface="Proxima Nova"/>
+              </a:rPr>
+              <a:t>Thank you!</a:t>
+            </a:r>
+            <a:endParaRPr sz="1867" i="1">
+              <a:latin typeface="Proxima Nova"/>
+              <a:ea typeface="Proxima Nova"/>
+              <a:cs typeface="Proxima Nova"/>
+              <a:sym typeface="Proxima Nova"/>
+            </a:endParaRPr>
+          </a:p>
+        </p:txBody>
+      </p:sp>
+      <p:pic>
+        <p:nvPicPr>
+          <p:cNvPr id="361" name="Google Shape;361;p39"/>
+          <p:cNvPicPr preferRelativeResize="0"/>
+          <p:nvPr/>
+        </p:nvPicPr>
+        <p:blipFill>
+          <a:blip r:embed="rId3">
+            <a:alphaModFix/>
+          </a:blip>
+          <a:stretch>
+            <a:fillRect/>
+          </a:stretch>
+        </p:blipFill>
+        <p:spPr>
+          <a:xfrm>
+            <a:off x="5509402" y="1209801"/>
+            <a:ext cx="1173167" cy="1143567"/>
+          </a:xfrm>
+          <a:prstGeom prst="rect">
+            <a:avLst/>
+          </a:prstGeom>
+          <a:noFill/>
+          <a:ln>
+            <a:noFill/>
+          </a:ln>
+        </p:spPr>
+      </p:pic>
+      <p:sp>
+        <p:nvSpPr>
+          <p:cNvPr id="362" name="Google Shape;362;p39"/>
           <p:cNvSpPr txBox="1">
             <a:spLocks noGrp="1"/>
           </p:cNvSpPr>
           <p:nvPr>
-            <p:ph type="title"/>
+            <p:ph type="subTitle" idx="1"/>
           </p:nvPr>
         </p:nvSpPr>
         <p:spPr>
           <a:xfrm>
-            <a:off x="160733" y="0"/>
-            <a:ext cx="11867600" cy="763600"/>
+            <a:off x="949800" y="5414801"/>
+            <a:ext cx="10292400" cy="1442790"/>
           </a:xfrm>
           <a:prstGeom prst="rect">
             <a:avLst/>
           </a:prstGeom>
         </p:spPr>
         <p:txBody>
-          <a:bodyPr spcFirstLastPara="1" wrap="square" lIns="121900" tIns="121900" rIns="121900" bIns="121900" anchor="ctr" anchorCtr="0">
-            <a:normAutofit/>
+          <a:bodyPr spcFirstLastPara="1" wrap="square" lIns="121900" tIns="121900" rIns="121900" bIns="121900" anchor="t" anchorCtr="0">
+            <a:spAutoFit/>
           </a:bodyPr>
           <a:lstStyle/>
           <a:p>
-            <a:endParaRPr b="1" dirty="0"/>
-          </a:p>
-        </p:txBody>
-      </p:sp>
-      <p:sp>
-        <p:nvSpPr>
-          <p:cNvPr id="71" name="Google Shape;71;p14"/>
-          <p:cNvSpPr txBox="1">
-            <a:spLocks noGrp="1"/>
-          </p:cNvSpPr>
-          <p:nvPr>
-            <p:ph type="sldNum" idx="12"/>
-          </p:nvPr>
-        </p:nvSpPr>
-        <p:spPr>
-          <a:xfrm>
-            <a:off x="11296744" y="6333189"/>
-            <a:ext cx="731600" cy="524800"/>
-          </a:xfrm>
-          <a:prstGeom prst="rect">
-            <a:avLst/>
-          </a:prstGeom>
-        </p:spPr>
-        <p:txBody>
-          <a:bodyPr spcFirstLastPara="1" wrap="square" lIns="121900" tIns="121900" rIns="121900" bIns="121900" anchor="ctr" anchorCtr="0">
-            <a:normAutofit/>
-          </a:bodyPr>
-          <a:lstStyle/>
-          <a:p>
-            <a:fld id="{00000000-1234-1234-1234-123412341234}" type="slidenum">
-              <a:rPr lang="en"/>
-              <a:pPr/>
-              <a:t>16</a:t>
-            </a:fld>
-            <a:endParaRPr/>
+            <a:pPr marL="0" indent="0" algn="ctr">
+              <a:lnSpc>
+                <a:spcPct val="90000"/>
+              </a:lnSpc>
+              <a:buSzPts val="358"/>
+            </a:pPr>
+            <a:r>
+              <a:rPr lang="en" sz="1600" dirty="0"/>
+              <a:t>Department of Aerospace Engineering</a:t>
+            </a:r>
+            <a:endParaRPr sz="1600" dirty="0"/>
+          </a:p>
+          <a:p>
+            <a:pPr marL="0" indent="0" algn="ctr">
+              <a:lnSpc>
+                <a:spcPct val="90000"/>
+              </a:lnSpc>
+              <a:buSzPts val="358"/>
+            </a:pPr>
+            <a:r>
+              <a:rPr lang="en" sz="1600" dirty="0"/>
+              <a:t>Indian Institute of Technology Bombay</a:t>
+            </a:r>
+            <a:endParaRPr sz="1600" dirty="0"/>
+          </a:p>
+          <a:p>
+            <a:pPr marL="0" indent="0" algn="ctr">
+              <a:lnSpc>
+                <a:spcPct val="90000"/>
+              </a:lnSpc>
+              <a:buSzPts val="358"/>
+            </a:pPr>
+            <a:endParaRPr sz="1440" dirty="0"/>
+          </a:p>
+          <a:p>
+            <a:pPr marL="0" indent="0" algn="ctr">
+              <a:lnSpc>
+                <a:spcPct val="90000"/>
+              </a:lnSpc>
+              <a:buSzPts val="358"/>
+            </a:pPr>
+            <a:endParaRPr sz="2000" dirty="0"/>
+          </a:p>
+          <a:p>
+            <a:pPr marL="0" indent="0" algn="ctr">
+              <a:lnSpc>
+                <a:spcPct val="90000"/>
+              </a:lnSpc>
+              <a:buSzPts val="358"/>
+            </a:pPr>
+            <a:r>
+              <a:rPr lang="en" sz="2000" dirty="0"/>
+              <a:t>October 25</a:t>
+            </a:r>
+            <a:r>
+              <a:rPr lang="en" sz="2000" baseline="30000" dirty="0"/>
+              <a:t>th</a:t>
+            </a:r>
+            <a:r>
+              <a:rPr lang="en" sz="2000" dirty="0"/>
+              <a:t>, 2022</a:t>
+            </a:r>
+            <a:endParaRPr sz="2000" dirty="0"/>
           </a:p>
         </p:txBody>
       </p:sp>
     </p:spTree>
-    <p:extLst>
-      <p:ext uri="{BB962C8B-B14F-4D97-AF65-F5344CB8AC3E}">
-        <p14:creationId xmlns:p14="http://schemas.microsoft.com/office/powerpoint/2010/main" val="2298647661"/>
-      </p:ext>
-    </p:extLst>
   </p:cSld>
   <p:clrMapOvr>
     <a:masterClrMapping/>
@@ -10119,7 +12325,7 @@
 </p:sld>
 </file>
 
-<file path=ppt/slides/slide17.xml><?xml version="1.0" encoding="utf-8"?>
+<file path=ppt/slides/slide18.xml><?xml version="1.0" encoding="utf-8"?>
 <p:sld xmlns:a="http://schemas.openxmlformats.org/drawingml/2006/main" xmlns:r="http://schemas.openxmlformats.org/officeDocument/2006/relationships" xmlns:p="http://schemas.openxmlformats.org/presentationml/2006/main">
   <p:cSld>
     <p:spTree>
@@ -10163,7 +12369,7 @@
           <a:p>
             <a:r>
               <a:rPr lang="en-IN" dirty="0"/>
-              <a:t>Filled Template Slides</a:t>
+              <a:t>Blank Template Slides</a:t>
             </a:r>
             <a:endParaRPr sz="2133" dirty="0"/>
           </a:p>
@@ -10197,1231 +12403,18 @@
             <a:fld id="{00000000-1234-1234-1234-123412341234}" type="slidenum">
               <a:rPr lang="en"/>
               <a:pPr/>
-              <a:t>17</a:t>
+              <a:t>18</a:t>
             </a:fld>
             <a:endParaRPr/>
           </a:p>
         </p:txBody>
       </p:sp>
     </p:spTree>
-  </p:cSld>
-  <p:clrMapOvr>
-    <a:masterClrMapping/>
-  </p:clrMapOvr>
-</p:sld>
-</file>
-
-<file path=ppt/slides/slide18.xml><?xml version="1.0" encoding="utf-8"?>
-<p:sld xmlns:a="http://schemas.openxmlformats.org/drawingml/2006/main" xmlns:r="http://schemas.openxmlformats.org/officeDocument/2006/relationships" xmlns:p="http://schemas.openxmlformats.org/presentationml/2006/main">
-  <p:cSld>
-    <p:spTree>
-      <p:nvGrpSpPr>
-        <p:cNvPr id="1" name="Shape 68"/>
-        <p:cNvGrpSpPr/>
-        <p:nvPr/>
-      </p:nvGrpSpPr>
-      <p:grpSpPr>
-        <a:xfrm>
-          <a:off x="0" y="0"/>
-          <a:ext cx="0" cy="0"/>
-          <a:chOff x="0" y="0"/>
-          <a:chExt cx="0" cy="0"/>
-        </a:xfrm>
-      </p:grpSpPr>
-      <p:sp>
-        <p:nvSpPr>
-          <p:cNvPr id="69" name="Google Shape;69;p14"/>
-          <p:cNvSpPr/>
-          <p:nvPr/>
-        </p:nvSpPr>
-        <p:spPr>
-          <a:xfrm>
-            <a:off x="13400" y="0"/>
-            <a:ext cx="12192000" cy="763600"/>
-          </a:xfrm>
-          <a:prstGeom prst="rect">
-            <a:avLst/>
-          </a:prstGeom>
-          <a:solidFill>
-            <a:schemeClr val="lt2"/>
-          </a:solidFill>
-          <a:ln w="9525" cap="flat" cmpd="sng">
-            <a:solidFill>
-              <a:schemeClr val="dk2"/>
-            </a:solidFill>
-            <a:prstDash val="solid"/>
-            <a:round/>
-            <a:headEnd type="none" w="sm" len="sm"/>
-            <a:tailEnd type="none" w="sm" len="sm"/>
-          </a:ln>
-        </p:spPr>
-        <p:txBody>
-          <a:bodyPr spcFirstLastPara="1" wrap="square" lIns="121900" tIns="121900" rIns="121900" bIns="121900" anchor="ctr" anchorCtr="0">
-            <a:noAutofit/>
-          </a:bodyPr>
-          <a:lstStyle/>
-          <a:p>
-            <a:endParaRPr sz="1867"/>
-          </a:p>
-        </p:txBody>
-      </p:sp>
-      <p:sp>
-        <p:nvSpPr>
-          <p:cNvPr id="70" name="Google Shape;70;p14"/>
-          <p:cNvSpPr txBox="1">
-            <a:spLocks noGrp="1"/>
-          </p:cNvSpPr>
-          <p:nvPr>
-            <p:ph type="title"/>
-          </p:nvPr>
-        </p:nvSpPr>
-        <p:spPr>
-          <a:xfrm>
-            <a:off x="160733" y="0"/>
-            <a:ext cx="11867600" cy="763600"/>
-          </a:xfrm>
-          <a:prstGeom prst="rect">
-            <a:avLst/>
-          </a:prstGeom>
-        </p:spPr>
-        <p:txBody>
-          <a:bodyPr spcFirstLastPara="1" wrap="square" lIns="121900" tIns="121900" rIns="121900" bIns="121900" anchor="ctr" anchorCtr="0">
-            <a:normAutofit/>
-          </a:bodyPr>
-          <a:lstStyle/>
-          <a:p>
-            <a:r>
-              <a:rPr lang="en" b="1" dirty="0"/>
-              <a:t>Project Motivation</a:t>
-            </a:r>
-            <a:endParaRPr b="1" dirty="0"/>
-          </a:p>
-        </p:txBody>
-      </p:sp>
-      <p:sp>
-        <p:nvSpPr>
-          <p:cNvPr id="71" name="Google Shape;71;p14"/>
-          <p:cNvSpPr txBox="1">
-            <a:spLocks noGrp="1"/>
-          </p:cNvSpPr>
-          <p:nvPr>
-            <p:ph type="sldNum" idx="12"/>
-          </p:nvPr>
-        </p:nvSpPr>
-        <p:spPr>
-          <a:xfrm>
-            <a:off x="11296744" y="6333189"/>
-            <a:ext cx="731600" cy="524800"/>
-          </a:xfrm>
-          <a:prstGeom prst="rect">
-            <a:avLst/>
-          </a:prstGeom>
-        </p:spPr>
-        <p:txBody>
-          <a:bodyPr spcFirstLastPara="1" wrap="square" lIns="121900" tIns="121900" rIns="121900" bIns="121900" anchor="ctr" anchorCtr="0">
-            <a:normAutofit/>
-          </a:bodyPr>
-          <a:lstStyle/>
-          <a:p>
-            <a:fld id="{00000000-1234-1234-1234-123412341234}" type="slidenum">
-              <a:rPr lang="en"/>
-              <a:pPr/>
-              <a:t>18</a:t>
-            </a:fld>
-            <a:endParaRPr/>
-          </a:p>
-        </p:txBody>
-      </p:sp>
-      <p:sp>
-        <p:nvSpPr>
-          <p:cNvPr id="72" name="Google Shape;72;p14"/>
-          <p:cNvSpPr/>
-          <p:nvPr/>
-        </p:nvSpPr>
-        <p:spPr>
-          <a:xfrm>
-            <a:off x="606767" y="1768267"/>
-            <a:ext cx="2426400" cy="1089600"/>
-          </a:xfrm>
-          <a:prstGeom prst="roundRect">
-            <a:avLst>
-              <a:gd name="adj" fmla="val 16667"/>
-            </a:avLst>
-          </a:prstGeom>
-          <a:solidFill>
-            <a:srgbClr val="F9CB9C"/>
-          </a:solidFill>
-          <a:ln w="9525" cap="flat" cmpd="sng">
-            <a:solidFill>
-              <a:srgbClr val="F9CB9C"/>
-            </a:solidFill>
-            <a:prstDash val="solid"/>
-            <a:round/>
-            <a:headEnd type="none" w="sm" len="sm"/>
-            <a:tailEnd type="none" w="sm" len="sm"/>
-          </a:ln>
-        </p:spPr>
-        <p:txBody>
-          <a:bodyPr spcFirstLastPara="1" wrap="square" lIns="121900" tIns="121900" rIns="121900" bIns="121900" anchor="ctr" anchorCtr="0">
-            <a:noAutofit/>
-          </a:bodyPr>
-          <a:lstStyle/>
-          <a:p>
-            <a:pPr algn="ctr"/>
-            <a:r>
-              <a:rPr lang="en" sz="1867" dirty="0">
-                <a:latin typeface="Proxima Nova Extrabold"/>
-                <a:ea typeface="Proxima Nova Extrabold"/>
-                <a:cs typeface="Proxima Nova Extrabold"/>
-                <a:sym typeface="Proxima Nova Extrabold"/>
-              </a:rPr>
-              <a:t>Motion of Biological Swimmers</a:t>
-            </a:r>
-            <a:endParaRPr sz="1867" dirty="0">
-              <a:latin typeface="Proxima Nova Extrabold"/>
-              <a:ea typeface="Proxima Nova Extrabold"/>
-              <a:cs typeface="Proxima Nova Extrabold"/>
-              <a:sym typeface="Proxima Nova Extrabold"/>
-            </a:endParaRPr>
-          </a:p>
-        </p:txBody>
-      </p:sp>
-      <p:sp>
-        <p:nvSpPr>
-          <p:cNvPr id="73" name="Google Shape;73;p14"/>
-          <p:cNvSpPr/>
-          <p:nvPr/>
-        </p:nvSpPr>
-        <p:spPr>
-          <a:xfrm>
-            <a:off x="3632200" y="993533"/>
-            <a:ext cx="2426400" cy="1089600"/>
-          </a:xfrm>
-          <a:prstGeom prst="roundRect">
-            <a:avLst>
-              <a:gd name="adj" fmla="val 16667"/>
-            </a:avLst>
-          </a:prstGeom>
-          <a:solidFill>
-            <a:srgbClr val="F9CB9C"/>
-          </a:solidFill>
-          <a:ln w="9525" cap="flat" cmpd="sng">
-            <a:solidFill>
-              <a:srgbClr val="F9CB9C"/>
-            </a:solidFill>
-            <a:prstDash val="solid"/>
-            <a:round/>
-            <a:headEnd type="none" w="sm" len="sm"/>
-            <a:tailEnd type="none" w="sm" len="sm"/>
-          </a:ln>
-        </p:spPr>
-        <p:txBody>
-          <a:bodyPr spcFirstLastPara="1" wrap="square" lIns="121900" tIns="121900" rIns="121900" bIns="121900" anchor="ctr" anchorCtr="0">
-            <a:noAutofit/>
-          </a:bodyPr>
-          <a:lstStyle/>
-          <a:p>
-            <a:pPr algn="ctr"/>
-            <a:r>
-              <a:rPr lang="en" sz="1867">
-                <a:latin typeface="Proxima Nova Extrabold"/>
-                <a:ea typeface="Proxima Nova Extrabold"/>
-                <a:cs typeface="Proxima Nova Extrabold"/>
-                <a:sym typeface="Proxima Nova Extrabold"/>
-              </a:rPr>
-              <a:t>Study of Forces</a:t>
-            </a:r>
-            <a:endParaRPr sz="1867">
-              <a:latin typeface="Proxima Nova Extrabold"/>
-              <a:ea typeface="Proxima Nova Extrabold"/>
-              <a:cs typeface="Proxima Nova Extrabold"/>
-              <a:sym typeface="Proxima Nova Extrabold"/>
-            </a:endParaRPr>
-          </a:p>
-        </p:txBody>
-      </p:sp>
-      <p:sp>
-        <p:nvSpPr>
-          <p:cNvPr id="74" name="Google Shape;74;p14"/>
-          <p:cNvSpPr/>
-          <p:nvPr/>
-        </p:nvSpPr>
-        <p:spPr>
-          <a:xfrm>
-            <a:off x="3632200" y="2511552"/>
-            <a:ext cx="2426400" cy="1089600"/>
-          </a:xfrm>
-          <a:prstGeom prst="roundRect">
-            <a:avLst>
-              <a:gd name="adj" fmla="val 16667"/>
-            </a:avLst>
-          </a:prstGeom>
-          <a:solidFill>
-            <a:srgbClr val="F9CB9C"/>
-          </a:solidFill>
-          <a:ln w="9525" cap="flat" cmpd="sng">
-            <a:solidFill>
-              <a:srgbClr val="F9CB9C"/>
-            </a:solidFill>
-            <a:prstDash val="solid"/>
-            <a:round/>
-            <a:headEnd type="none" w="sm" len="sm"/>
-            <a:tailEnd type="none" w="sm" len="sm"/>
-          </a:ln>
-        </p:spPr>
-        <p:txBody>
-          <a:bodyPr spcFirstLastPara="1" wrap="square" lIns="121900" tIns="121900" rIns="121900" bIns="121900" anchor="ctr" anchorCtr="0">
-            <a:noAutofit/>
-          </a:bodyPr>
-          <a:lstStyle/>
-          <a:p>
-            <a:pPr algn="ctr"/>
-            <a:r>
-              <a:rPr lang="en" sz="1867">
-                <a:latin typeface="Proxima Nova Extrabold"/>
-                <a:ea typeface="Proxima Nova Extrabold"/>
-                <a:cs typeface="Proxima Nova Extrabold"/>
-                <a:sym typeface="Proxima Nova Extrabold"/>
-              </a:rPr>
-              <a:t>Study of Energetics</a:t>
-            </a:r>
-            <a:endParaRPr sz="1867">
-              <a:latin typeface="Proxima Nova Extrabold"/>
-              <a:ea typeface="Proxima Nova Extrabold"/>
-              <a:cs typeface="Proxima Nova Extrabold"/>
-              <a:sym typeface="Proxima Nova Extrabold"/>
-            </a:endParaRPr>
-          </a:p>
-        </p:txBody>
-      </p:sp>
-      <p:sp>
-        <p:nvSpPr>
-          <p:cNvPr id="75" name="Google Shape;75;p14"/>
-          <p:cNvSpPr/>
-          <p:nvPr/>
-        </p:nvSpPr>
-        <p:spPr>
-          <a:xfrm>
-            <a:off x="6106951" y="937267"/>
-            <a:ext cx="319600" cy="2751600"/>
-          </a:xfrm>
-          <a:prstGeom prst="rightBracket">
-            <a:avLst>
-              <a:gd name="adj" fmla="val 8333"/>
-            </a:avLst>
-          </a:prstGeom>
-          <a:noFill/>
-          <a:ln w="38100" cap="flat" cmpd="sng">
-            <a:solidFill>
-              <a:srgbClr val="FF9900"/>
-            </a:solidFill>
-            <a:prstDash val="solid"/>
-            <a:round/>
-            <a:headEnd type="none" w="sm" len="sm"/>
-            <a:tailEnd type="none" w="sm" len="sm"/>
-          </a:ln>
-        </p:spPr>
-        <p:txBody>
-          <a:bodyPr spcFirstLastPara="1" wrap="square" lIns="121900" tIns="121900" rIns="121900" bIns="121900" anchor="ctr" anchorCtr="0">
-            <a:noAutofit/>
-          </a:bodyPr>
-          <a:lstStyle/>
-          <a:p>
-            <a:endParaRPr sz="1867"/>
-          </a:p>
-        </p:txBody>
-      </p:sp>
-      <p:sp>
-        <p:nvSpPr>
-          <p:cNvPr id="76" name="Google Shape;76;p14"/>
-          <p:cNvSpPr/>
-          <p:nvPr/>
-        </p:nvSpPr>
-        <p:spPr>
-          <a:xfrm>
-            <a:off x="6778967" y="1768267"/>
-            <a:ext cx="2426400" cy="1089600"/>
-          </a:xfrm>
-          <a:prstGeom prst="roundRect">
-            <a:avLst>
-              <a:gd name="adj" fmla="val 16667"/>
-            </a:avLst>
-          </a:prstGeom>
-          <a:solidFill>
-            <a:srgbClr val="F9CB9C"/>
-          </a:solidFill>
-          <a:ln w="9525" cap="flat" cmpd="sng">
-            <a:solidFill>
-              <a:srgbClr val="F9CB9C"/>
-            </a:solidFill>
-            <a:prstDash val="solid"/>
-            <a:round/>
-            <a:headEnd type="none" w="sm" len="sm"/>
-            <a:tailEnd type="none" w="sm" len="sm"/>
-          </a:ln>
-        </p:spPr>
-        <p:txBody>
-          <a:bodyPr spcFirstLastPara="1" wrap="square" lIns="121900" tIns="121900" rIns="121900" bIns="121900" anchor="ctr" anchorCtr="0">
-            <a:noAutofit/>
-          </a:bodyPr>
-          <a:lstStyle/>
-          <a:p>
-            <a:pPr algn="ctr"/>
-            <a:r>
-              <a:rPr lang="en" sz="1867">
-                <a:latin typeface="Proxima Nova Extrabold"/>
-                <a:ea typeface="Proxima Nova Extrabold"/>
-                <a:cs typeface="Proxima Nova Extrabold"/>
-                <a:sym typeface="Proxima Nova Extrabold"/>
-              </a:rPr>
-              <a:t>High-Fidelity - CFD Solvers</a:t>
-            </a:r>
-            <a:endParaRPr sz="1867">
-              <a:latin typeface="Proxima Nova Extrabold"/>
-              <a:ea typeface="Proxima Nova Extrabold"/>
-              <a:cs typeface="Proxima Nova Extrabold"/>
-              <a:sym typeface="Proxima Nova Extrabold"/>
-            </a:endParaRPr>
-          </a:p>
-        </p:txBody>
-      </p:sp>
-      <p:sp>
-        <p:nvSpPr>
-          <p:cNvPr id="77" name="Google Shape;77;p14"/>
-          <p:cNvSpPr/>
-          <p:nvPr/>
-        </p:nvSpPr>
-        <p:spPr>
-          <a:xfrm>
-            <a:off x="9573167" y="811267"/>
-            <a:ext cx="2426400" cy="3003600"/>
-          </a:xfrm>
-          <a:prstGeom prst="rect">
-            <a:avLst/>
-          </a:prstGeom>
-          <a:solidFill>
-            <a:srgbClr val="C9DAF8"/>
-          </a:solidFill>
-          <a:ln w="9525" cap="flat" cmpd="sng">
-            <a:solidFill>
-              <a:srgbClr val="D0E0E3"/>
-            </a:solidFill>
-            <a:prstDash val="solid"/>
-            <a:round/>
-            <a:headEnd type="none" w="sm" len="sm"/>
-            <a:tailEnd type="none" w="sm" len="sm"/>
-          </a:ln>
-        </p:spPr>
-        <p:txBody>
-          <a:bodyPr spcFirstLastPara="1" wrap="square" lIns="121900" tIns="121900" rIns="121900" bIns="121900" anchor="ctr" anchorCtr="0">
-            <a:noAutofit/>
-          </a:bodyPr>
-          <a:lstStyle/>
-          <a:p>
-            <a:pPr algn="ctr"/>
-            <a:r>
-              <a:rPr lang="en" sz="1867">
-                <a:latin typeface="Proxima Nova Extrabold"/>
-                <a:ea typeface="Proxima Nova Extrabold"/>
-                <a:cs typeface="Proxima Nova Extrabold"/>
-                <a:sym typeface="Proxima Nova Extrabold"/>
-              </a:rPr>
-              <a:t>Simulation Parameters</a:t>
-            </a:r>
-            <a:endParaRPr sz="1867">
-              <a:latin typeface="Proxima Nova Extrabold"/>
-              <a:ea typeface="Proxima Nova Extrabold"/>
-              <a:cs typeface="Proxima Nova Extrabold"/>
-              <a:sym typeface="Proxima Nova Extrabold"/>
-            </a:endParaRPr>
-          </a:p>
-          <a:p>
-            <a:pPr algn="ctr"/>
-            <a:endParaRPr sz="1467">
-              <a:latin typeface="Proxima Nova Semibold"/>
-              <a:ea typeface="Proxima Nova Semibold"/>
-              <a:cs typeface="Proxima Nova Semibold"/>
-              <a:sym typeface="Proxima Nova Semibold"/>
-            </a:endParaRPr>
-          </a:p>
-          <a:p>
-            <a:pPr marL="228594" indent="-173562">
-              <a:buSzPts val="1150"/>
-              <a:buFont typeface="Proxima Nova Semibold"/>
-              <a:buChar char="●"/>
-            </a:pPr>
-            <a:r>
-              <a:rPr lang="en" sz="1533">
-                <a:latin typeface="Proxima Nova Semibold"/>
-                <a:ea typeface="Proxima Nova Semibold"/>
-                <a:cs typeface="Proxima Nova Semibold"/>
-                <a:sym typeface="Proxima Nova Semibold"/>
-              </a:rPr>
-              <a:t>Reynolds number</a:t>
-            </a:r>
-            <a:endParaRPr sz="1533">
-              <a:latin typeface="Proxima Nova Semibold"/>
-              <a:ea typeface="Proxima Nova Semibold"/>
-              <a:cs typeface="Proxima Nova Semibold"/>
-              <a:sym typeface="Proxima Nova Semibold"/>
-            </a:endParaRPr>
-          </a:p>
-          <a:p>
-            <a:pPr marL="228594" indent="-173562">
-              <a:buSzPts val="1150"/>
-              <a:buFont typeface="Proxima Nova Semibold"/>
-              <a:buChar char="●"/>
-            </a:pPr>
-            <a:r>
-              <a:rPr lang="en" sz="1533">
-                <a:latin typeface="Proxima Nova Semibold"/>
-                <a:ea typeface="Proxima Nova Semibold"/>
-                <a:cs typeface="Proxima Nova Semibold"/>
-                <a:sym typeface="Proxima Nova Semibold"/>
-              </a:rPr>
-              <a:t>Swimming trajectories</a:t>
-            </a:r>
-            <a:endParaRPr sz="1533">
-              <a:latin typeface="Proxima Nova Semibold"/>
-              <a:ea typeface="Proxima Nova Semibold"/>
-              <a:cs typeface="Proxima Nova Semibold"/>
-              <a:sym typeface="Proxima Nova Semibold"/>
-            </a:endParaRPr>
-          </a:p>
-          <a:p>
-            <a:pPr marL="228594" indent="-173562">
-              <a:buSzPts val="1150"/>
-              <a:buFont typeface="Proxima Nova Semibold"/>
-              <a:buChar char="●"/>
-            </a:pPr>
-            <a:r>
-              <a:rPr lang="en" sz="1533">
-                <a:latin typeface="Proxima Nova Semibold"/>
-                <a:ea typeface="Proxima Nova Semibold"/>
-                <a:cs typeface="Proxima Nova Semibold"/>
-                <a:sym typeface="Proxima Nova Semibold"/>
-              </a:rPr>
-              <a:t>Single/Multi Swimmers</a:t>
-            </a:r>
-            <a:endParaRPr sz="1533">
-              <a:latin typeface="Proxima Nova Semibold"/>
-              <a:ea typeface="Proxima Nova Semibold"/>
-              <a:cs typeface="Proxima Nova Semibold"/>
-              <a:sym typeface="Proxima Nova Semibold"/>
-            </a:endParaRPr>
-          </a:p>
-          <a:p>
-            <a:pPr marL="228594" indent="-173562">
-              <a:buSzPts val="1150"/>
-              <a:buFont typeface="Proxima Nova Semibold"/>
-              <a:buChar char="●"/>
-            </a:pPr>
-            <a:r>
-              <a:rPr lang="en" sz="1533">
-                <a:latin typeface="Proxima Nova Semibold"/>
-                <a:ea typeface="Proxima Nova Semibold"/>
-                <a:cs typeface="Proxima Nova Semibold"/>
-                <a:sym typeface="Proxima Nova Semibold"/>
-              </a:rPr>
-              <a:t>Placements &amp; Configurations</a:t>
-            </a:r>
-            <a:endParaRPr sz="1533">
-              <a:latin typeface="Proxima Nova Semibold"/>
-              <a:ea typeface="Proxima Nova Semibold"/>
-              <a:cs typeface="Proxima Nova Semibold"/>
-              <a:sym typeface="Proxima Nova Semibold"/>
-            </a:endParaRPr>
-          </a:p>
-          <a:p>
-            <a:pPr marL="228594" indent="-173562">
-              <a:buSzPts val="1150"/>
-              <a:buFont typeface="Proxima Nova Semibold"/>
-              <a:buChar char="●"/>
-            </a:pPr>
-            <a:r>
-              <a:rPr lang="en" sz="1533">
-                <a:latin typeface="Proxima Nova Semibold"/>
-                <a:ea typeface="Proxima Nova Semibold"/>
-                <a:cs typeface="Proxima Nova Semibold"/>
-                <a:sym typeface="Proxima Nova Semibold"/>
-              </a:rPr>
-              <a:t>Boundary Conditions</a:t>
-            </a:r>
-            <a:endParaRPr sz="1533">
-              <a:latin typeface="Proxima Nova Semibold"/>
-              <a:ea typeface="Proxima Nova Semibold"/>
-              <a:cs typeface="Proxima Nova Semibold"/>
-              <a:sym typeface="Proxima Nova Semibold"/>
-            </a:endParaRPr>
-          </a:p>
-          <a:p>
-            <a:pPr marL="228594" indent="-173562">
-              <a:buSzPts val="1150"/>
-              <a:buFont typeface="Proxima Nova Semibold"/>
-              <a:buChar char="●"/>
-            </a:pPr>
-            <a:r>
-              <a:rPr lang="en" sz="1533">
-                <a:latin typeface="Proxima Nova Semibold"/>
-                <a:ea typeface="Proxima Nova Semibold"/>
-                <a:cs typeface="Proxima Nova Semibold"/>
-                <a:sym typeface="Proxima Nova Semibold"/>
-              </a:rPr>
-              <a:t>Geometry</a:t>
-            </a:r>
-            <a:endParaRPr sz="1533">
-              <a:latin typeface="Proxima Nova Semibold"/>
-              <a:ea typeface="Proxima Nova Semibold"/>
-              <a:cs typeface="Proxima Nova Semibold"/>
-              <a:sym typeface="Proxima Nova Semibold"/>
-            </a:endParaRPr>
-          </a:p>
-          <a:p>
-            <a:pPr marL="228594" indent="-173562">
-              <a:buSzPts val="1150"/>
-              <a:buFont typeface="Proxima Nova Semibold"/>
-              <a:buChar char="●"/>
-            </a:pPr>
-            <a:r>
-              <a:rPr lang="en" sz="1533">
-                <a:latin typeface="Proxima Nova Semibold"/>
-                <a:ea typeface="Proxima Nova Semibold"/>
-                <a:cs typeface="Proxima Nova Semibold"/>
-                <a:sym typeface="Proxima Nova Semibold"/>
-              </a:rPr>
-              <a:t>And many more...</a:t>
-            </a:r>
-            <a:endParaRPr sz="1533">
-              <a:latin typeface="Proxima Nova Semibold"/>
-              <a:ea typeface="Proxima Nova Semibold"/>
-              <a:cs typeface="Proxima Nova Semibold"/>
-              <a:sym typeface="Proxima Nova Semibold"/>
-            </a:endParaRPr>
-          </a:p>
-        </p:txBody>
-      </p:sp>
-      <p:sp>
-        <p:nvSpPr>
-          <p:cNvPr id="78" name="Google Shape;78;p14"/>
-          <p:cNvSpPr/>
-          <p:nvPr/>
-        </p:nvSpPr>
-        <p:spPr>
-          <a:xfrm>
-            <a:off x="1220367" y="3163067"/>
-            <a:ext cx="1199200" cy="1322000"/>
-          </a:xfrm>
-          <a:prstGeom prst="downArrow">
-            <a:avLst>
-              <a:gd name="adj1" fmla="val 50000"/>
-              <a:gd name="adj2" fmla="val 50000"/>
-            </a:avLst>
-          </a:prstGeom>
-          <a:solidFill>
-            <a:srgbClr val="F9CB9C"/>
-          </a:solidFill>
-          <a:ln w="9525" cap="flat" cmpd="sng">
-            <a:solidFill>
-              <a:srgbClr val="F9CB9C"/>
-            </a:solidFill>
-            <a:prstDash val="solid"/>
-            <a:round/>
-            <a:headEnd type="none" w="sm" len="sm"/>
-            <a:tailEnd type="none" w="sm" len="sm"/>
-          </a:ln>
-        </p:spPr>
-        <p:txBody>
-          <a:bodyPr spcFirstLastPara="1" wrap="square" lIns="121900" tIns="121900" rIns="121900" bIns="121900" anchor="ctr" anchorCtr="0">
-            <a:noAutofit/>
-          </a:bodyPr>
-          <a:lstStyle/>
-          <a:p>
-            <a:endParaRPr sz="1867"/>
-          </a:p>
-        </p:txBody>
-      </p:sp>
-      <p:sp>
-        <p:nvSpPr>
-          <p:cNvPr id="79" name="Google Shape;79;p14"/>
-          <p:cNvSpPr/>
-          <p:nvPr/>
-        </p:nvSpPr>
-        <p:spPr>
-          <a:xfrm>
-            <a:off x="171367" y="4588933"/>
-            <a:ext cx="3297200" cy="1956800"/>
-          </a:xfrm>
-          <a:prstGeom prst="rect">
-            <a:avLst/>
-          </a:prstGeom>
-          <a:solidFill>
-            <a:srgbClr val="F9CB9C"/>
-          </a:solidFill>
-          <a:ln w="9525" cap="flat" cmpd="sng">
-            <a:solidFill>
-              <a:srgbClr val="F9CB9C"/>
-            </a:solidFill>
-            <a:prstDash val="solid"/>
-            <a:round/>
-            <a:headEnd type="none" w="sm" len="sm"/>
-            <a:tailEnd type="none" w="sm" len="sm"/>
-          </a:ln>
-        </p:spPr>
-        <p:txBody>
-          <a:bodyPr spcFirstLastPara="1" wrap="square" lIns="121900" tIns="121900" rIns="121900" bIns="121900" anchor="ctr" anchorCtr="0">
-            <a:noAutofit/>
-          </a:bodyPr>
-          <a:lstStyle/>
-          <a:p>
-            <a:r>
-              <a:rPr lang="en" sz="1867" dirty="0">
-                <a:latin typeface="Proxima Nova Semibold"/>
-                <a:ea typeface="Proxima Nova Semibold"/>
-                <a:cs typeface="Proxima Nova Semibold"/>
-                <a:sym typeface="Proxima Nova Semibold"/>
-              </a:rPr>
-              <a:t>Develop underwater vehicles with:</a:t>
-            </a:r>
-            <a:endParaRPr sz="1867" dirty="0">
-              <a:latin typeface="Proxima Nova Semibold"/>
-              <a:ea typeface="Proxima Nova Semibold"/>
-              <a:cs typeface="Proxima Nova Semibold"/>
-              <a:sym typeface="Proxima Nova Semibold"/>
-            </a:endParaRPr>
-          </a:p>
-          <a:p>
-            <a:pPr marL="609585" indent="-423323">
-              <a:buSzPts val="1400"/>
-              <a:buFont typeface="Proxima Nova Semibold"/>
-              <a:buChar char="●"/>
-            </a:pPr>
-            <a:r>
-              <a:rPr lang="en" sz="1867" dirty="0">
-                <a:latin typeface="Proxima Nova Semibold"/>
-                <a:ea typeface="Proxima Nova Semibold"/>
-                <a:cs typeface="Proxima Nova Semibold"/>
-                <a:sym typeface="Proxima Nova Semibold"/>
-              </a:rPr>
-              <a:t>better mobility</a:t>
-            </a:r>
-            <a:endParaRPr sz="1867" dirty="0">
-              <a:latin typeface="Proxima Nova Semibold"/>
-              <a:ea typeface="Proxima Nova Semibold"/>
-              <a:cs typeface="Proxima Nova Semibold"/>
-              <a:sym typeface="Proxima Nova Semibold"/>
-            </a:endParaRPr>
-          </a:p>
-          <a:p>
-            <a:pPr marL="609585" indent="-423323">
-              <a:buSzPts val="1400"/>
-              <a:buFont typeface="Proxima Nova Semibold"/>
-              <a:buChar char="●"/>
-            </a:pPr>
-            <a:r>
-              <a:rPr lang="en" sz="1867" dirty="0">
-                <a:latin typeface="Proxima Nova Semibold"/>
-                <a:ea typeface="Proxima Nova Semibold"/>
-                <a:cs typeface="Proxima Nova Semibold"/>
-                <a:sym typeface="Proxima Nova Semibold"/>
-              </a:rPr>
-              <a:t>lower noise</a:t>
-            </a:r>
-            <a:endParaRPr sz="1867" dirty="0">
-              <a:latin typeface="Proxima Nova Semibold"/>
-              <a:ea typeface="Proxima Nova Semibold"/>
-              <a:cs typeface="Proxima Nova Semibold"/>
-              <a:sym typeface="Proxima Nova Semibold"/>
-            </a:endParaRPr>
-          </a:p>
-          <a:p>
-            <a:pPr marL="609585" indent="-423323">
-              <a:buSzPts val="1400"/>
-              <a:buFont typeface="Proxima Nova Semibold"/>
-              <a:buChar char="●"/>
-            </a:pPr>
-            <a:r>
-              <a:rPr lang="en" sz="1867" dirty="0">
-                <a:latin typeface="Proxima Nova Semibold"/>
-                <a:ea typeface="Proxima Nova Semibold"/>
-                <a:cs typeface="Proxima Nova Semibold"/>
-                <a:sym typeface="Proxima Nova Semibold"/>
-              </a:rPr>
-              <a:t>higher endurance</a:t>
-            </a:r>
-            <a:endParaRPr sz="1867" dirty="0">
-              <a:latin typeface="Proxima Nova Semibold"/>
-              <a:ea typeface="Proxima Nova Semibold"/>
-              <a:cs typeface="Proxima Nova Semibold"/>
-              <a:sym typeface="Proxima Nova Semibold"/>
-            </a:endParaRPr>
-          </a:p>
-          <a:p>
-            <a:pPr marL="609585" indent="-423323">
-              <a:buSzPts val="1400"/>
-              <a:buFont typeface="Proxima Nova Semibold"/>
-              <a:buChar char="●"/>
-            </a:pPr>
-            <a:r>
-              <a:rPr lang="en" sz="1867" dirty="0">
-                <a:latin typeface="Proxima Nova Semibold"/>
-                <a:ea typeface="Proxima Nova Semibold"/>
-                <a:cs typeface="Proxima Nova Semibold"/>
-                <a:sym typeface="Proxima Nova Semibold"/>
-              </a:rPr>
-              <a:t>efficiency</a:t>
-            </a:r>
-            <a:endParaRPr sz="1867" dirty="0">
-              <a:latin typeface="Proxima Nova Semibold"/>
-              <a:ea typeface="Proxima Nova Semibold"/>
-              <a:cs typeface="Proxima Nova Semibold"/>
-              <a:sym typeface="Proxima Nova Semibold"/>
-            </a:endParaRPr>
-          </a:p>
-        </p:txBody>
-      </p:sp>
-      <p:sp>
-        <p:nvSpPr>
-          <p:cNvPr id="80" name="Google Shape;80;p14"/>
-          <p:cNvSpPr/>
-          <p:nvPr/>
-        </p:nvSpPr>
-        <p:spPr>
-          <a:xfrm>
-            <a:off x="5080367" y="4800500"/>
-            <a:ext cx="2683600" cy="1577200"/>
-          </a:xfrm>
-          <a:prstGeom prst="roundRect">
-            <a:avLst>
-              <a:gd name="adj" fmla="val 16667"/>
-            </a:avLst>
-          </a:prstGeom>
-          <a:solidFill>
-            <a:srgbClr val="F9CB9C"/>
-          </a:solidFill>
-          <a:ln w="9525" cap="flat" cmpd="sng">
-            <a:solidFill>
-              <a:srgbClr val="F9CB9C"/>
-            </a:solidFill>
-            <a:prstDash val="solid"/>
-            <a:round/>
-            <a:headEnd type="none" w="sm" len="sm"/>
-            <a:tailEnd type="none" w="sm" len="sm"/>
-          </a:ln>
-        </p:spPr>
-        <p:txBody>
-          <a:bodyPr spcFirstLastPara="1" wrap="square" lIns="121900" tIns="121900" rIns="121900" bIns="121900" anchor="ctr" anchorCtr="0">
-            <a:noAutofit/>
-          </a:bodyPr>
-          <a:lstStyle/>
-          <a:p>
-            <a:pPr algn="ctr"/>
-            <a:r>
-              <a:rPr lang="en" sz="1867">
-                <a:latin typeface="Proxima Nova Extrabold"/>
-                <a:ea typeface="Proxima Nova Extrabold"/>
-                <a:cs typeface="Proxima Nova Extrabold"/>
-                <a:sym typeface="Proxima Nova Extrabold"/>
-              </a:rPr>
-              <a:t>Low-Fidelity - Theoretical or Computational Frameworks</a:t>
-            </a:r>
-            <a:endParaRPr sz="1867">
-              <a:latin typeface="Proxima Nova Extrabold"/>
-              <a:ea typeface="Proxima Nova Extrabold"/>
-              <a:cs typeface="Proxima Nova Extrabold"/>
-              <a:sym typeface="Proxima Nova Extrabold"/>
-            </a:endParaRPr>
-          </a:p>
-        </p:txBody>
-      </p:sp>
-      <p:sp>
-        <p:nvSpPr>
-          <p:cNvPr id="81" name="Google Shape;81;p14"/>
-          <p:cNvSpPr/>
-          <p:nvPr/>
-        </p:nvSpPr>
-        <p:spPr>
-          <a:xfrm>
-            <a:off x="8686967" y="4727900"/>
-            <a:ext cx="3297200" cy="1722400"/>
-          </a:xfrm>
-          <a:prstGeom prst="rect">
-            <a:avLst/>
-          </a:prstGeom>
-          <a:solidFill>
-            <a:schemeClr val="lt2"/>
-          </a:solidFill>
-          <a:ln w="9525" cap="flat" cmpd="sng">
-            <a:solidFill>
-              <a:schemeClr val="lt2"/>
-            </a:solidFill>
-            <a:prstDash val="solid"/>
-            <a:round/>
-            <a:headEnd type="none" w="sm" len="sm"/>
-            <a:tailEnd type="none" w="sm" len="sm"/>
-          </a:ln>
-        </p:spPr>
-        <p:txBody>
-          <a:bodyPr spcFirstLastPara="1" wrap="square" lIns="121900" tIns="121900" rIns="121900" bIns="121900" anchor="ctr" anchorCtr="0">
-            <a:noAutofit/>
-          </a:bodyPr>
-          <a:lstStyle/>
-          <a:p>
-            <a:pPr algn="ctr"/>
-            <a:r>
-              <a:rPr lang="en" sz="1867">
-                <a:latin typeface="Proxima Nova Extrabold"/>
-                <a:ea typeface="Proxima Nova Extrabold"/>
-                <a:cs typeface="Proxima Nova Extrabold"/>
-                <a:sym typeface="Proxima Nova Extrabold"/>
-              </a:rPr>
-              <a:t>Project Outcome</a:t>
-            </a:r>
-            <a:endParaRPr sz="1867">
-              <a:latin typeface="Proxima Nova Extrabold"/>
-              <a:ea typeface="Proxima Nova Extrabold"/>
-              <a:cs typeface="Proxima Nova Extrabold"/>
-              <a:sym typeface="Proxima Nova Extrabold"/>
-            </a:endParaRPr>
-          </a:p>
-          <a:p>
-            <a:pPr algn="ctr"/>
-            <a:endParaRPr sz="800">
-              <a:latin typeface="Proxima Nova Semibold"/>
-              <a:ea typeface="Proxima Nova Semibold"/>
-              <a:cs typeface="Proxima Nova Semibold"/>
-              <a:sym typeface="Proxima Nova Semibold"/>
-            </a:endParaRPr>
-          </a:p>
-          <a:p>
-            <a:pPr marL="228594" indent="-173562">
-              <a:buSzPts val="1150"/>
-              <a:buFont typeface="Proxima Nova Semibold"/>
-              <a:buChar char="●"/>
-            </a:pPr>
-            <a:r>
-              <a:rPr lang="en" sz="1533">
-                <a:latin typeface="Proxima Nova Semibold"/>
-                <a:ea typeface="Proxima Nova Semibold"/>
-                <a:cs typeface="Proxima Nova Semibold"/>
-                <a:sym typeface="Proxima Nova Semibold"/>
-              </a:rPr>
-              <a:t>Gain better understanding of the problem at hand</a:t>
-            </a:r>
-            <a:endParaRPr sz="1533">
-              <a:latin typeface="Proxima Nova Semibold"/>
-              <a:ea typeface="Proxima Nova Semibold"/>
-              <a:cs typeface="Proxima Nova Semibold"/>
-              <a:sym typeface="Proxima Nova Semibold"/>
-            </a:endParaRPr>
-          </a:p>
-          <a:p>
-            <a:pPr marL="228594" indent="-173562">
-              <a:buSzPts val="1150"/>
-              <a:buFont typeface="Proxima Nova Semibold"/>
-              <a:buChar char="●"/>
-            </a:pPr>
-            <a:r>
-              <a:rPr lang="en" sz="1533">
-                <a:latin typeface="Proxima Nova Semibold"/>
-                <a:ea typeface="Proxima Nova Semibold"/>
-                <a:cs typeface="Proxima Nova Semibold"/>
-                <a:sym typeface="Proxima Nova Semibold"/>
-              </a:rPr>
-              <a:t>Utilizes lesser resources</a:t>
-            </a:r>
-            <a:endParaRPr sz="1533">
-              <a:latin typeface="Proxima Nova Semibold"/>
-              <a:ea typeface="Proxima Nova Semibold"/>
-              <a:cs typeface="Proxima Nova Semibold"/>
-              <a:sym typeface="Proxima Nova Semibold"/>
-            </a:endParaRPr>
-          </a:p>
-          <a:p>
-            <a:pPr marL="228594" indent="-173562">
-              <a:buSzPts val="1150"/>
-              <a:buFont typeface="Proxima Nova Semibold"/>
-              <a:buChar char="●"/>
-            </a:pPr>
-            <a:r>
-              <a:rPr lang="en" sz="1533">
-                <a:latin typeface="Proxima Nova Semibold"/>
-                <a:ea typeface="Proxima Nova Semibold"/>
-                <a:cs typeface="Proxima Nova Semibold"/>
-                <a:sym typeface="Proxima Nova Semibold"/>
-              </a:rPr>
-              <a:t>Allows for faster iteration over models</a:t>
-            </a:r>
-            <a:endParaRPr sz="1533">
-              <a:latin typeface="Proxima Nova Semibold"/>
-              <a:ea typeface="Proxima Nova Semibold"/>
-              <a:cs typeface="Proxima Nova Semibold"/>
-              <a:sym typeface="Proxima Nova Semibold"/>
-            </a:endParaRPr>
-          </a:p>
-        </p:txBody>
-      </p:sp>
-      <p:cxnSp>
-        <p:nvCxnSpPr>
-          <p:cNvPr id="82" name="Google Shape;82;p14"/>
-          <p:cNvCxnSpPr>
-            <a:stCxn id="72" idx="3"/>
-            <a:endCxn id="73" idx="1"/>
-          </p:cNvCxnSpPr>
-          <p:nvPr/>
-        </p:nvCxnSpPr>
-        <p:spPr>
-          <a:xfrm rot="10800000" flipH="1">
-            <a:off x="3033167" y="1538267"/>
-            <a:ext cx="599200" cy="774800"/>
-          </a:xfrm>
-          <a:prstGeom prst="bentConnector3">
-            <a:avLst>
-              <a:gd name="adj1" fmla="val 49986"/>
-            </a:avLst>
-          </a:prstGeom>
-          <a:noFill/>
-          <a:ln w="28575" cap="flat" cmpd="sng">
-            <a:solidFill>
-              <a:srgbClr val="FF9900"/>
-            </a:solidFill>
-            <a:prstDash val="solid"/>
-            <a:round/>
-            <a:headEnd type="none" w="med" len="med"/>
-            <a:tailEnd type="stealth" w="med" len="med"/>
-          </a:ln>
-        </p:spPr>
-      </p:cxnSp>
-      <p:cxnSp>
-        <p:nvCxnSpPr>
-          <p:cNvPr id="83" name="Google Shape;83;p14"/>
-          <p:cNvCxnSpPr>
-            <a:stCxn id="72" idx="3"/>
-            <a:endCxn id="74" idx="1"/>
-          </p:cNvCxnSpPr>
-          <p:nvPr/>
-        </p:nvCxnSpPr>
-        <p:spPr>
-          <a:xfrm>
-            <a:off x="3033167" y="2313067"/>
-            <a:ext cx="599200" cy="743200"/>
-          </a:xfrm>
-          <a:prstGeom prst="bentConnector3">
-            <a:avLst>
-              <a:gd name="adj1" fmla="val 49986"/>
-            </a:avLst>
-          </a:prstGeom>
-          <a:noFill/>
-          <a:ln w="28575" cap="flat" cmpd="sng">
-            <a:solidFill>
-              <a:srgbClr val="FF9900"/>
-            </a:solidFill>
-            <a:prstDash val="solid"/>
-            <a:round/>
-            <a:headEnd type="none" w="med" len="med"/>
-            <a:tailEnd type="stealth" w="med" len="med"/>
-          </a:ln>
-        </p:spPr>
-      </p:cxnSp>
-      <p:cxnSp>
-        <p:nvCxnSpPr>
-          <p:cNvPr id="84" name="Google Shape;84;p14"/>
-          <p:cNvCxnSpPr>
-            <a:stCxn id="75" idx="2"/>
-            <a:endCxn id="76" idx="1"/>
-          </p:cNvCxnSpPr>
-          <p:nvPr/>
-        </p:nvCxnSpPr>
-        <p:spPr>
-          <a:xfrm>
-            <a:off x="6426551" y="2313067"/>
-            <a:ext cx="352400" cy="0"/>
-          </a:xfrm>
-          <a:prstGeom prst="straightConnector1">
-            <a:avLst/>
-          </a:prstGeom>
-          <a:noFill/>
-          <a:ln w="28575" cap="flat" cmpd="sng">
-            <a:solidFill>
-              <a:srgbClr val="FF9900"/>
-            </a:solidFill>
-            <a:prstDash val="solid"/>
-            <a:round/>
-            <a:headEnd type="none" w="med" len="med"/>
-            <a:tailEnd type="triangle" w="med" len="med"/>
-          </a:ln>
-        </p:spPr>
-      </p:cxnSp>
-      <p:sp>
-        <p:nvSpPr>
-          <p:cNvPr id="85" name="Google Shape;85;p14"/>
-          <p:cNvSpPr/>
-          <p:nvPr/>
-        </p:nvSpPr>
-        <p:spPr>
-          <a:xfrm>
-            <a:off x="7217367" y="1463067"/>
-            <a:ext cx="1549600" cy="1700000"/>
-          </a:xfrm>
-          <a:prstGeom prst="mathMultiply">
-            <a:avLst>
-              <a:gd name="adj1" fmla="val 23520"/>
-            </a:avLst>
-          </a:prstGeom>
-          <a:solidFill>
-            <a:srgbClr val="FF5252">
-              <a:alpha val="42700"/>
-            </a:srgbClr>
-          </a:solidFill>
-          <a:ln w="9525" cap="flat" cmpd="sng">
-            <a:solidFill>
-              <a:srgbClr val="202124"/>
-            </a:solidFill>
-            <a:prstDash val="solid"/>
-            <a:round/>
-            <a:headEnd type="none" w="sm" len="sm"/>
-            <a:tailEnd type="none" w="sm" len="sm"/>
-          </a:ln>
-        </p:spPr>
-        <p:txBody>
-          <a:bodyPr spcFirstLastPara="1" wrap="square" lIns="121900" tIns="121900" rIns="121900" bIns="121900" anchor="ctr" anchorCtr="0">
-            <a:noAutofit/>
-          </a:bodyPr>
-          <a:lstStyle/>
-          <a:p>
-            <a:endParaRPr sz="1867"/>
-          </a:p>
-        </p:txBody>
-      </p:sp>
-      <p:cxnSp>
-        <p:nvCxnSpPr>
-          <p:cNvPr id="86" name="Google Shape;86;p14"/>
-          <p:cNvCxnSpPr>
-            <a:stCxn id="75" idx="2"/>
-            <a:endCxn id="80" idx="0"/>
-          </p:cNvCxnSpPr>
-          <p:nvPr/>
-        </p:nvCxnSpPr>
-        <p:spPr>
-          <a:xfrm flipH="1">
-            <a:off x="6422151" y="2313067"/>
-            <a:ext cx="4400" cy="2487600"/>
-          </a:xfrm>
-          <a:prstGeom prst="straightConnector1">
-            <a:avLst/>
-          </a:prstGeom>
-          <a:noFill/>
-          <a:ln w="28575" cap="flat" cmpd="sng">
-            <a:solidFill>
-              <a:srgbClr val="FF9900"/>
-            </a:solidFill>
-            <a:prstDash val="solid"/>
-            <a:round/>
-            <a:headEnd type="none" w="med" len="med"/>
-            <a:tailEnd type="triangle" w="med" len="med"/>
-          </a:ln>
-        </p:spPr>
-      </p:cxnSp>
-      <p:sp>
-        <p:nvSpPr>
-          <p:cNvPr id="87" name="Google Shape;87;p14"/>
-          <p:cNvSpPr/>
-          <p:nvPr/>
-        </p:nvSpPr>
-        <p:spPr>
-          <a:xfrm>
-            <a:off x="7943067" y="5400300"/>
-            <a:ext cx="564800" cy="377600"/>
-          </a:xfrm>
-          <a:prstGeom prst="rightArrow">
-            <a:avLst>
-              <a:gd name="adj1" fmla="val 50000"/>
-              <a:gd name="adj2" fmla="val 50000"/>
-            </a:avLst>
-          </a:prstGeom>
-          <a:solidFill>
-            <a:schemeClr val="lt2"/>
-          </a:solidFill>
-          <a:ln w="9525" cap="flat" cmpd="sng">
-            <a:solidFill>
-              <a:schemeClr val="dk2"/>
-            </a:solidFill>
-            <a:prstDash val="solid"/>
-            <a:round/>
-            <a:headEnd type="none" w="sm" len="sm"/>
-            <a:tailEnd type="none" w="sm" len="sm"/>
-          </a:ln>
-        </p:spPr>
-        <p:txBody>
-          <a:bodyPr spcFirstLastPara="1" wrap="square" lIns="121900" tIns="121900" rIns="121900" bIns="121900" anchor="ctr" anchorCtr="0">
-            <a:noAutofit/>
-          </a:bodyPr>
-          <a:lstStyle/>
-          <a:p>
-            <a:endParaRPr sz="1867"/>
-          </a:p>
-        </p:txBody>
-      </p:sp>
-      <p:cxnSp>
-        <p:nvCxnSpPr>
-          <p:cNvPr id="88" name="Google Shape;88;p14"/>
-          <p:cNvCxnSpPr>
-            <a:stCxn id="77" idx="2"/>
-            <a:endCxn id="80" idx="0"/>
-          </p:cNvCxnSpPr>
-          <p:nvPr/>
-        </p:nvCxnSpPr>
-        <p:spPr>
-          <a:xfrm rot="5400000">
-            <a:off x="8111567" y="2125667"/>
-            <a:ext cx="985600" cy="4364000"/>
-          </a:xfrm>
-          <a:prstGeom prst="bentConnector3">
-            <a:avLst>
-              <a:gd name="adj1" fmla="val 50002"/>
-            </a:avLst>
-          </a:prstGeom>
-          <a:noFill/>
-          <a:ln w="28575" cap="flat" cmpd="sng">
-            <a:solidFill>
-              <a:srgbClr val="FF9900"/>
-            </a:solidFill>
-            <a:prstDash val="solid"/>
-            <a:round/>
-            <a:headEnd type="none" w="med" len="med"/>
-            <a:tailEnd type="stealth" w="med" len="med"/>
-          </a:ln>
-        </p:spPr>
-      </p:cxnSp>
-      <p:cxnSp>
-        <p:nvCxnSpPr>
-          <p:cNvPr id="89" name="Google Shape;89;p14"/>
-          <p:cNvCxnSpPr>
-            <a:stCxn id="77" idx="1"/>
-            <a:endCxn id="76" idx="3"/>
-          </p:cNvCxnSpPr>
-          <p:nvPr/>
-        </p:nvCxnSpPr>
-        <p:spPr>
-          <a:xfrm rot="10800000">
-            <a:off x="9205567" y="2313067"/>
-            <a:ext cx="367600" cy="0"/>
-          </a:xfrm>
-          <a:prstGeom prst="straightConnector1">
-            <a:avLst/>
-          </a:prstGeom>
-          <a:noFill/>
-          <a:ln w="28575" cap="flat" cmpd="sng">
-            <a:solidFill>
-              <a:srgbClr val="FF9900"/>
-            </a:solidFill>
-            <a:prstDash val="solid"/>
-            <a:round/>
-            <a:headEnd type="none" w="med" len="med"/>
-            <a:tailEnd type="triangle" w="med" len="med"/>
-          </a:ln>
-        </p:spPr>
-      </p:cxnSp>
-    </p:spTree>
+    <p:extLst>
+      <p:ext uri="{BB962C8B-B14F-4D97-AF65-F5344CB8AC3E}">
+        <p14:creationId xmlns:p14="http://schemas.microsoft.com/office/powerpoint/2010/main" val="3905214173"/>
+      </p:ext>
+    </p:extLst>
   </p:cSld>
   <p:clrMapOvr>
     <a:masterClrMapping/>
@@ -11458,8 +12451,8 @@
         </p:nvSpPr>
         <p:spPr>
           <a:xfrm>
-            <a:off x="160733" y="963200"/>
-            <a:ext cx="7046000" cy="5452800"/>
+            <a:off x="160732" y="963200"/>
+            <a:ext cx="11867599" cy="5452800"/>
           </a:xfrm>
           <a:prstGeom prst="rect">
             <a:avLst/>
@@ -11471,162 +12464,7 @@
           </a:bodyPr>
           <a:lstStyle/>
           <a:p>
-            <a:r>
-              <a:rPr lang="en" dirty="0"/>
-              <a:t>Thrust produced </a:t>
-            </a:r>
-            <a:r>
-              <a:rPr lang="en" dirty="0">
-                <a:solidFill>
-                  <a:srgbClr val="0000FF"/>
-                </a:solidFill>
-              </a:rPr>
-              <a:t>continuously </a:t>
-            </a:r>
-            <a:r>
-              <a:rPr lang="en" dirty="0"/>
-              <a:t>→ Output is </a:t>
-            </a:r>
-            <a:r>
-              <a:rPr lang="en" dirty="0">
-                <a:solidFill>
-                  <a:srgbClr val="0000FF"/>
-                </a:solidFill>
-              </a:rPr>
-              <a:t>not </a:t>
-            </a:r>
-            <a:r>
-              <a:rPr lang="en" dirty="0"/>
-              <a:t>stable.</a:t>
-            </a:r>
-            <a:endParaRPr dirty="0"/>
-          </a:p>
-          <a:p>
-            <a:r>
-              <a:rPr lang="en" dirty="0"/>
-              <a:t>Sharp peaks in thrust production </a:t>
-            </a:r>
-            <a:r>
-              <a:rPr lang="en" dirty="0">
-                <a:solidFill>
-                  <a:srgbClr val="0000FF"/>
-                </a:solidFill>
-              </a:rPr>
-              <a:t>coincide </a:t>
-            </a:r>
-            <a:r>
-              <a:rPr lang="en" dirty="0"/>
-              <a:t>with vortex shedding.</a:t>
-            </a:r>
-            <a:endParaRPr dirty="0"/>
-          </a:p>
-          <a:p>
-            <a:r>
-              <a:rPr lang="en" dirty="0"/>
-              <a:t>Airfoil starts its heaving motion with </a:t>
-            </a:r>
-            <a:r>
-              <a:rPr lang="en" dirty="0">
-                <a:solidFill>
-                  <a:srgbClr val="0000FF"/>
-                </a:solidFill>
-              </a:rPr>
-              <a:t>downwards </a:t>
-            </a:r>
-            <a:r>
-              <a:rPr lang="en" dirty="0"/>
-              <a:t>stroke → Small </a:t>
-            </a:r>
-            <a:r>
-              <a:rPr lang="en" dirty="0">
-                <a:solidFill>
-                  <a:srgbClr val="0000FF"/>
-                </a:solidFill>
-              </a:rPr>
-              <a:t>negative </a:t>
-            </a:r>
-            <a:r>
-              <a:rPr lang="en" dirty="0"/>
-              <a:t>lift is produced </a:t>
-            </a:r>
-            <a:r>
-              <a:rPr lang="en" i="1" dirty="0"/>
-              <a:t>(average)</a:t>
-            </a:r>
-            <a:endParaRPr i="1" dirty="0"/>
-          </a:p>
-          <a:p>
-            <a:r>
-              <a:rPr lang="en" dirty="0"/>
-              <a:t>Airfoil starts its heaving motion with </a:t>
-            </a:r>
-            <a:r>
-              <a:rPr lang="en" dirty="0">
-                <a:solidFill>
-                  <a:srgbClr val="0000FF"/>
-                </a:solidFill>
-              </a:rPr>
-              <a:t>upwards </a:t>
-            </a:r>
-            <a:r>
-              <a:rPr lang="en" dirty="0"/>
-              <a:t>stroke → Small </a:t>
-            </a:r>
-            <a:r>
-              <a:rPr lang="en" dirty="0">
-                <a:solidFill>
-                  <a:srgbClr val="0000FF"/>
-                </a:solidFill>
-              </a:rPr>
-              <a:t>positive </a:t>
-            </a:r>
-            <a:r>
-              <a:rPr lang="en" dirty="0"/>
-              <a:t>lift is produced </a:t>
-            </a:r>
-            <a:r>
-              <a:rPr lang="en" i="1" dirty="0"/>
-              <a:t>(average).</a:t>
-            </a:r>
-            <a:endParaRPr dirty="0"/>
-          </a:p>
-          <a:p>
-            <a:r>
-              <a:rPr lang="en" dirty="0"/>
-              <a:t>General </a:t>
-            </a:r>
-            <a:r>
-              <a:rPr lang="en" dirty="0">
-                <a:solidFill>
-                  <a:srgbClr val="0000FF"/>
-                </a:solidFill>
-              </a:rPr>
-              <a:t>trend </a:t>
-            </a:r>
-            <a:r>
-              <a:rPr lang="en" dirty="0"/>
-              <a:t>in bulk movement of shed vortices as shown by Dynnikova</a:t>
-            </a:r>
-            <a:r>
-              <a:rPr lang="en" baseline="30000" dirty="0"/>
-              <a:t>[1]</a:t>
-            </a:r>
-            <a:r>
-              <a:rPr lang="en" dirty="0"/>
-              <a:t> is observed.</a:t>
-            </a:r>
-            <a:endParaRPr dirty="0"/>
-          </a:p>
-          <a:p>
-            <a:pPr marL="0" indent="0">
-              <a:spcBef>
-                <a:spcPts val="1600"/>
-              </a:spcBef>
-              <a:spcAft>
-                <a:spcPts val="1600"/>
-              </a:spcAft>
-              <a:buNone/>
-            </a:pPr>
+            <a:pPr marL="285750" indent="-285750"/>
             <a:endParaRPr dirty="0"/>
           </a:p>
         </p:txBody>
@@ -11693,10 +12531,6 @@
           </a:bodyPr>
           <a:lstStyle/>
           <a:p>
-            <a:r>
-              <a:rPr lang="en" b="1" dirty="0"/>
-              <a:t>Conclusion</a:t>
-            </a:r>
             <a:endParaRPr b="1" dirty="0"/>
           </a:p>
         </p:txBody>
@@ -11730,6 +12564,2366 @@
               <a:rPr lang="en"/>
               <a:pPr/>
               <a:t>19</a:t>
+            </a:fld>
+            <a:endParaRPr/>
+          </a:p>
+        </p:txBody>
+      </p:sp>
+      <p:sp>
+        <p:nvSpPr>
+          <p:cNvPr id="346" name="Google Shape;346;p37"/>
+          <p:cNvSpPr txBox="1"/>
+          <p:nvPr/>
+        </p:nvSpPr>
+        <p:spPr>
+          <a:xfrm>
+            <a:off x="0" y="6333201"/>
+            <a:ext cx="9910400" cy="410393"/>
+          </a:xfrm>
+          <a:prstGeom prst="rect">
+            <a:avLst/>
+          </a:prstGeom>
+          <a:noFill/>
+          <a:ln>
+            <a:noFill/>
+          </a:ln>
+        </p:spPr>
+        <p:txBody>
+          <a:bodyPr spcFirstLastPara="1" wrap="square" lIns="121900" tIns="121900" rIns="121900" bIns="121900" anchor="t" anchorCtr="0">
+            <a:spAutoFit/>
+          </a:bodyPr>
+          <a:lstStyle/>
+          <a:p>
+            <a:r>
+              <a:rPr lang="en-US" sz="1067" dirty="0">
+                <a:solidFill>
+                  <a:schemeClr val="accent3"/>
+                </a:solidFill>
+                <a:latin typeface="Proxima Nova"/>
+                <a:ea typeface="Proxima Nova"/>
+                <a:cs typeface="Proxima Nova"/>
+                <a:sym typeface="Proxima Nova"/>
+              </a:rPr>
+              <a:t>[1] </a:t>
+            </a:r>
+            <a:r>
+              <a:rPr lang="en-US" sz="1067" dirty="0" err="1">
+                <a:solidFill>
+                  <a:schemeClr val="accent3"/>
+                </a:solidFill>
+                <a:latin typeface="Proxima Nova"/>
+                <a:ea typeface="Proxima Nova"/>
+                <a:cs typeface="Proxima Nova"/>
+                <a:sym typeface="Proxima Nova"/>
+              </a:rPr>
+              <a:t>Dynnikova</a:t>
+            </a:r>
+            <a:r>
+              <a:rPr lang="en-US" sz="1067" dirty="0">
+                <a:solidFill>
+                  <a:schemeClr val="accent3"/>
+                </a:solidFill>
+                <a:latin typeface="Proxima Nova"/>
+                <a:ea typeface="Proxima Nova"/>
+                <a:cs typeface="Proxima Nova"/>
+                <a:sym typeface="Proxima Nova"/>
+              </a:rPr>
+              <a:t>, G. </a:t>
+            </a:r>
+            <a:r>
+              <a:rPr lang="en-US" sz="1067" dirty="0" err="1">
+                <a:solidFill>
+                  <a:schemeClr val="accent3"/>
+                </a:solidFill>
+                <a:latin typeface="Proxima Nova"/>
+                <a:ea typeface="Proxima Nova"/>
+                <a:cs typeface="Proxima Nova"/>
+                <a:sym typeface="Proxima Nova"/>
+              </a:rPr>
+              <a:t>Ya</a:t>
+            </a:r>
+            <a:r>
+              <a:rPr lang="en-US" sz="1067" dirty="0">
+                <a:solidFill>
+                  <a:schemeClr val="accent3"/>
+                </a:solidFill>
+                <a:latin typeface="Proxima Nova"/>
+                <a:ea typeface="Proxima Nova"/>
+                <a:cs typeface="Proxima Nova"/>
+                <a:sym typeface="Proxima Nova"/>
+              </a:rPr>
+              <a:t> et al. (2021). “Stability of a reverse Karman vortex street”. In: Physics of Fluids 33.2. ISSN: 10897666. DOI: 10.1063/5.0035575.</a:t>
+            </a:r>
+          </a:p>
+        </p:txBody>
+      </p:sp>
+    </p:spTree>
+    <p:extLst>
+      <p:ext uri="{BB962C8B-B14F-4D97-AF65-F5344CB8AC3E}">
+        <p14:creationId xmlns:p14="http://schemas.microsoft.com/office/powerpoint/2010/main" val="2469735493"/>
+      </p:ext>
+    </p:extLst>
+  </p:cSld>
+  <p:clrMapOvr>
+    <a:masterClrMapping/>
+  </p:clrMapOvr>
+</p:sld>
+</file>
+
+<file path=ppt/slides/slide2.xml><?xml version="1.0" encoding="utf-8"?>
+<p:sld xmlns:a="http://schemas.openxmlformats.org/drawingml/2006/main" xmlns:r="http://schemas.openxmlformats.org/officeDocument/2006/relationships" xmlns:p="http://schemas.openxmlformats.org/presentationml/2006/main">
+  <p:cSld>
+    <p:spTree>
+      <p:nvGrpSpPr>
+        <p:cNvPr id="1" name="Shape 337"/>
+        <p:cNvGrpSpPr/>
+        <p:nvPr/>
+      </p:nvGrpSpPr>
+      <p:grpSpPr>
+        <a:xfrm>
+          <a:off x="0" y="0"/>
+          <a:ext cx="0" cy="0"/>
+          <a:chOff x="0" y="0"/>
+          <a:chExt cx="0" cy="0"/>
+        </a:xfrm>
+      </p:grpSpPr>
+      <p:sp>
+        <p:nvSpPr>
+          <p:cNvPr id="338" name="Google Shape;338;p37"/>
+          <p:cNvSpPr txBox="1">
+            <a:spLocks noGrp="1"/>
+          </p:cNvSpPr>
+          <p:nvPr>
+            <p:ph type="body" idx="1"/>
+          </p:nvPr>
+        </p:nvSpPr>
+        <p:spPr>
+          <a:xfrm>
+            <a:off x="160732" y="963200"/>
+            <a:ext cx="10728092" cy="5452800"/>
+          </a:xfrm>
+          <a:prstGeom prst="rect">
+            <a:avLst/>
+          </a:prstGeom>
+        </p:spPr>
+        <p:txBody>
+          <a:bodyPr spcFirstLastPara="1" wrap="square" lIns="121900" tIns="121900" rIns="121900" bIns="121900" anchor="t" anchorCtr="0">
+            <a:normAutofit/>
+          </a:bodyPr>
+          <a:lstStyle/>
+          <a:p>
+            <a:pPr marL="285750" indent="-285750">
+              <a:lnSpc>
+                <a:spcPct val="100000"/>
+              </a:lnSpc>
+            </a:pPr>
+            <a:r>
+              <a:rPr lang="en-US" dirty="0"/>
+              <a:t>Turbulent Flow:</a:t>
+            </a:r>
+          </a:p>
+          <a:p>
+            <a:pPr marL="895335" lvl="1" indent="-285750">
+              <a:lnSpc>
+                <a:spcPct val="100000"/>
+              </a:lnSpc>
+            </a:pPr>
+            <a:r>
+              <a:rPr lang="en-US" dirty="0"/>
+              <a:t>Characterization:</a:t>
+            </a:r>
+          </a:p>
+          <a:p>
+            <a:pPr marL="1504919" lvl="2" indent="-285750">
+              <a:lnSpc>
+                <a:spcPct val="100000"/>
+              </a:lnSpc>
+            </a:pPr>
+            <a:r>
+              <a:rPr lang="en-US" dirty="0"/>
+              <a:t>High Reynolds number flows</a:t>
+            </a:r>
+          </a:p>
+          <a:p>
+            <a:pPr marL="1504919" lvl="2" indent="-285750">
+              <a:lnSpc>
+                <a:spcPct val="100000"/>
+              </a:lnSpc>
+            </a:pPr>
+            <a:r>
+              <a:rPr lang="en-US" dirty="0"/>
+              <a:t>Random spatial &amp; temporal velocity fluctuations</a:t>
+            </a:r>
+          </a:p>
+          <a:p>
+            <a:pPr marL="1504919" lvl="2" indent="-285750">
+              <a:lnSpc>
+                <a:spcPct val="100000"/>
+              </a:lnSpc>
+            </a:pPr>
+            <a:r>
+              <a:rPr lang="en-US" dirty="0"/>
+              <a:t>Rotational &amp; 3D velocity field</a:t>
+            </a:r>
+          </a:p>
+          <a:p>
+            <a:pPr marL="1504919" lvl="2" indent="-285750">
+              <a:lnSpc>
+                <a:spcPct val="100000"/>
+              </a:lnSpc>
+            </a:pPr>
+            <a:r>
+              <a:rPr lang="en-US" dirty="0"/>
+              <a:t>Large mixing capacity of the flow</a:t>
+            </a:r>
+          </a:p>
+          <a:p>
+            <a:pPr marL="1504919" lvl="2" indent="-285750">
+              <a:lnSpc>
+                <a:spcPct val="100000"/>
+              </a:lnSpc>
+            </a:pPr>
+            <a:r>
+              <a:rPr lang="en-US" dirty="0"/>
+              <a:t>Chaotic nature of the solutions</a:t>
+            </a:r>
+          </a:p>
+          <a:p>
+            <a:pPr marL="895335" lvl="1" indent="-285750">
+              <a:lnSpc>
+                <a:spcPct val="100000"/>
+              </a:lnSpc>
+            </a:pPr>
+            <a:r>
+              <a:rPr lang="en-US" dirty="0"/>
+              <a:t>Modelling:</a:t>
+            </a:r>
+          </a:p>
+          <a:p>
+            <a:pPr marL="1504919" lvl="2" indent="-285750">
+              <a:lnSpc>
+                <a:spcPct val="100000"/>
+              </a:lnSpc>
+            </a:pPr>
+            <a:r>
+              <a:rPr lang="en-US" dirty="0"/>
+              <a:t>Lack analytical solutions except for simple flow cases</a:t>
+            </a:r>
+          </a:p>
+          <a:p>
+            <a:pPr marL="1504919" lvl="2" indent="-285750">
+              <a:lnSpc>
+                <a:spcPct val="100000"/>
+              </a:lnSpc>
+            </a:pPr>
+            <a:r>
+              <a:rPr lang="en-US" dirty="0">
+                <a:sym typeface="Wingdings" panose="05000000000000000000" pitchFamily="2" charset="2"/>
+              </a:rPr>
+              <a:t>CFD simulations required for complex flow cases</a:t>
+            </a:r>
+          </a:p>
+          <a:p>
+            <a:pPr marL="1504919" lvl="2" indent="-285750">
+              <a:lnSpc>
+                <a:spcPct val="100000"/>
+              </a:lnSpc>
+            </a:pPr>
+            <a:r>
+              <a:rPr lang="en-US" dirty="0">
+                <a:sym typeface="Wingdings" panose="05000000000000000000" pitchFamily="2" charset="2"/>
+              </a:rPr>
+              <a:t>Typical modelling techniques</a:t>
+            </a:r>
+          </a:p>
+          <a:p>
+            <a:pPr marL="2114504" lvl="3" indent="-285750">
+              <a:lnSpc>
+                <a:spcPct val="100000"/>
+              </a:lnSpc>
+            </a:pPr>
+            <a:r>
+              <a:rPr lang="en-US" dirty="0">
+                <a:sym typeface="Wingdings" panose="05000000000000000000" pitchFamily="2" charset="2"/>
+              </a:rPr>
+              <a:t>Governing equations  Averaged or filtered</a:t>
+            </a:r>
+          </a:p>
+          <a:p>
+            <a:pPr marL="2114504" lvl="3" indent="-285750">
+              <a:lnSpc>
+                <a:spcPct val="100000"/>
+              </a:lnSpc>
+            </a:pPr>
+            <a:r>
+              <a:rPr lang="en-US" dirty="0">
+                <a:sym typeface="Wingdings" panose="05000000000000000000" pitchFamily="2" charset="2"/>
+              </a:rPr>
+              <a:t>Closure problem  Model fluctuating components using mean flow properties</a:t>
+            </a:r>
+          </a:p>
+          <a:p>
+            <a:pPr marL="2114504" lvl="3" indent="-285750">
+              <a:lnSpc>
+                <a:spcPct val="100000"/>
+              </a:lnSpc>
+            </a:pPr>
+            <a:r>
+              <a:rPr lang="en-US" dirty="0">
+                <a:sym typeface="Wingdings" panose="05000000000000000000" pitchFamily="2" charset="2"/>
+              </a:rPr>
+              <a:t>Stochastic methods</a:t>
+            </a:r>
+          </a:p>
+          <a:p>
+            <a:pPr marL="1504919" lvl="2" indent="-285750">
+              <a:lnSpc>
+                <a:spcPct val="100000"/>
+              </a:lnSpc>
+            </a:pPr>
+            <a:r>
+              <a:rPr lang="en-US" b="1" dirty="0">
+                <a:sym typeface="Wingdings" panose="05000000000000000000" pitchFamily="2" charset="2"/>
+              </a:rPr>
+              <a:t>Eulerian frameworks</a:t>
+            </a:r>
+          </a:p>
+          <a:p>
+            <a:pPr marL="285750" indent="-285750">
+              <a:lnSpc>
+                <a:spcPct val="100000"/>
+              </a:lnSpc>
+            </a:pPr>
+            <a:r>
+              <a:rPr lang="en-US" dirty="0">
+                <a:sym typeface="Wingdings" panose="05000000000000000000" pitchFamily="2" charset="2"/>
+              </a:rPr>
+              <a:t>Lagrangian Modelling – SPH:</a:t>
+            </a:r>
+          </a:p>
+          <a:p>
+            <a:pPr marL="895335" lvl="1" indent="-285750">
+              <a:lnSpc>
+                <a:spcPct val="100000"/>
+              </a:lnSpc>
+            </a:pPr>
+            <a:r>
+              <a:rPr lang="en-US" dirty="0">
+                <a:sym typeface="Wingdings" panose="05000000000000000000" pitchFamily="2" charset="2"/>
+              </a:rPr>
+              <a:t>No background mesh required  Large deformations, complex boundary dynamics</a:t>
+            </a:r>
+          </a:p>
+          <a:p>
+            <a:pPr marL="895335" lvl="1" indent="-285750">
+              <a:lnSpc>
+                <a:spcPct val="100000"/>
+              </a:lnSpc>
+            </a:pPr>
+            <a:r>
+              <a:rPr lang="en-US" dirty="0">
+                <a:sym typeface="Wingdings" panose="05000000000000000000" pitchFamily="2" charset="2"/>
+              </a:rPr>
+              <a:t>Simplifies model implementation and parallelization to multi-core architectures</a:t>
+            </a:r>
+          </a:p>
+          <a:p>
+            <a:pPr marL="895335" lvl="1" indent="-285750">
+              <a:lnSpc>
+                <a:spcPct val="100000"/>
+              </a:lnSpc>
+            </a:pPr>
+            <a:endParaRPr lang="en-US" dirty="0">
+              <a:sym typeface="Wingdings" panose="05000000000000000000" pitchFamily="2" charset="2"/>
+            </a:endParaRPr>
+          </a:p>
+          <a:p>
+            <a:pPr marL="895335" lvl="1" indent="-285750">
+              <a:lnSpc>
+                <a:spcPct val="100000"/>
+              </a:lnSpc>
+            </a:pPr>
+            <a:endParaRPr lang="en-US" dirty="0">
+              <a:sym typeface="Wingdings" panose="05000000000000000000" pitchFamily="2" charset="2"/>
+            </a:endParaRPr>
+          </a:p>
+          <a:p>
+            <a:pPr marL="285750" indent="-285750">
+              <a:lnSpc>
+                <a:spcPct val="100000"/>
+              </a:lnSpc>
+            </a:pPr>
+            <a:endParaRPr lang="en-US" dirty="0">
+              <a:sym typeface="Wingdings" panose="05000000000000000000" pitchFamily="2" charset="2"/>
+            </a:endParaRPr>
+          </a:p>
+          <a:p>
+            <a:pPr marL="2114504" lvl="3" indent="-285750">
+              <a:lnSpc>
+                <a:spcPct val="100000"/>
+              </a:lnSpc>
+            </a:pPr>
+            <a:endParaRPr lang="en-US" dirty="0">
+              <a:sym typeface="Wingdings" panose="05000000000000000000" pitchFamily="2" charset="2"/>
+            </a:endParaRPr>
+          </a:p>
+          <a:p>
+            <a:pPr marL="1504919" lvl="2" indent="-285750">
+              <a:lnSpc>
+                <a:spcPct val="100000"/>
+              </a:lnSpc>
+            </a:pPr>
+            <a:endParaRPr lang="en-US" dirty="0">
+              <a:sym typeface="Wingdings" panose="05000000000000000000" pitchFamily="2" charset="2"/>
+            </a:endParaRPr>
+          </a:p>
+          <a:p>
+            <a:pPr marL="1504919" lvl="2" indent="-285750">
+              <a:lnSpc>
+                <a:spcPct val="100000"/>
+              </a:lnSpc>
+            </a:pPr>
+            <a:endParaRPr lang="en-US" dirty="0"/>
+          </a:p>
+          <a:p>
+            <a:pPr marL="895335" lvl="1" indent="-285750">
+              <a:lnSpc>
+                <a:spcPct val="100000"/>
+              </a:lnSpc>
+            </a:pPr>
+            <a:endParaRPr lang="en-US" dirty="0"/>
+          </a:p>
+          <a:p>
+            <a:pPr marL="895335" lvl="1" indent="-285750">
+              <a:lnSpc>
+                <a:spcPct val="100000"/>
+              </a:lnSpc>
+            </a:pPr>
+            <a:endParaRPr lang="en-US" dirty="0"/>
+          </a:p>
+          <a:p>
+            <a:pPr marL="895335" lvl="1" indent="-285750">
+              <a:lnSpc>
+                <a:spcPct val="100000"/>
+              </a:lnSpc>
+            </a:pPr>
+            <a:endParaRPr lang="en-US" dirty="0"/>
+          </a:p>
+          <a:p>
+            <a:pPr marL="285750" indent="-285750">
+              <a:lnSpc>
+                <a:spcPct val="100000"/>
+              </a:lnSpc>
+            </a:pPr>
+            <a:endParaRPr lang="en-US" dirty="0"/>
+          </a:p>
+        </p:txBody>
+      </p:sp>
+      <p:sp>
+        <p:nvSpPr>
+          <p:cNvPr id="339" name="Google Shape;339;p37"/>
+          <p:cNvSpPr/>
+          <p:nvPr/>
+        </p:nvSpPr>
+        <p:spPr>
+          <a:xfrm>
+            <a:off x="13400" y="0"/>
+            <a:ext cx="12192000" cy="763600"/>
+          </a:xfrm>
+          <a:prstGeom prst="rect">
+            <a:avLst/>
+          </a:prstGeom>
+          <a:solidFill>
+            <a:schemeClr val="lt2"/>
+          </a:solidFill>
+          <a:ln w="9525" cap="flat" cmpd="sng">
+            <a:solidFill>
+              <a:schemeClr val="dk2"/>
+            </a:solidFill>
+            <a:prstDash val="solid"/>
+            <a:round/>
+            <a:headEnd type="none" w="sm" len="sm"/>
+            <a:tailEnd type="none" w="sm" len="sm"/>
+          </a:ln>
+        </p:spPr>
+        <p:txBody>
+          <a:bodyPr spcFirstLastPara="1" wrap="square" lIns="121900" tIns="121900" rIns="121900" bIns="121900" anchor="ctr" anchorCtr="0">
+            <a:noAutofit/>
+          </a:bodyPr>
+          <a:lstStyle/>
+          <a:p>
+            <a:endParaRPr sz="1867"/>
+          </a:p>
+        </p:txBody>
+      </p:sp>
+      <p:sp>
+        <p:nvSpPr>
+          <p:cNvPr id="340" name="Google Shape;340;p37"/>
+          <p:cNvSpPr txBox="1">
+            <a:spLocks noGrp="1"/>
+          </p:cNvSpPr>
+          <p:nvPr>
+            <p:ph type="title"/>
+          </p:nvPr>
+        </p:nvSpPr>
+        <p:spPr>
+          <a:xfrm>
+            <a:off x="160733" y="0"/>
+            <a:ext cx="11867600" cy="763600"/>
+          </a:xfrm>
+          <a:prstGeom prst="rect">
+            <a:avLst/>
+          </a:prstGeom>
+        </p:spPr>
+        <p:txBody>
+          <a:bodyPr spcFirstLastPara="1" wrap="square" lIns="121900" tIns="121900" rIns="121900" bIns="121900" anchor="ctr" anchorCtr="0">
+            <a:normAutofit/>
+          </a:bodyPr>
+          <a:lstStyle/>
+          <a:p>
+            <a:r>
+              <a:rPr lang="en-US" b="1" dirty="0"/>
+              <a:t>Introduction </a:t>
+            </a:r>
+            <a:endParaRPr b="1" dirty="0"/>
+          </a:p>
+        </p:txBody>
+      </p:sp>
+      <p:sp>
+        <p:nvSpPr>
+          <p:cNvPr id="341" name="Google Shape;341;p37"/>
+          <p:cNvSpPr txBox="1">
+            <a:spLocks noGrp="1"/>
+          </p:cNvSpPr>
+          <p:nvPr>
+            <p:ph type="sldNum" idx="12"/>
+          </p:nvPr>
+        </p:nvSpPr>
+        <p:spPr>
+          <a:xfrm>
+            <a:off x="11296744" y="6333189"/>
+            <a:ext cx="731600" cy="524800"/>
+          </a:xfrm>
+          <a:prstGeom prst="rect">
+            <a:avLst/>
+          </a:prstGeom>
+        </p:spPr>
+        <p:txBody>
+          <a:bodyPr spcFirstLastPara="1" wrap="square" lIns="121900" tIns="121900" rIns="121900" bIns="121900" anchor="ctr" anchorCtr="0">
+            <a:normAutofit/>
+          </a:bodyPr>
+          <a:lstStyle/>
+          <a:p>
+            <a:fld id="{00000000-1234-1234-1234-123412341234}" type="slidenum">
+              <a:rPr lang="en"/>
+              <a:pPr/>
+              <a:t>2</a:t>
+            </a:fld>
+            <a:endParaRPr/>
+          </a:p>
+        </p:txBody>
+      </p:sp>
+      <p:pic>
+        <p:nvPicPr>
+          <p:cNvPr id="1026" name="Picture 2">
+            <a:extLst>
+              <a:ext uri="{FF2B5EF4-FFF2-40B4-BE49-F238E27FC236}">
+                <a16:creationId xmlns:a16="http://schemas.microsoft.com/office/drawing/2014/main" id="{67FF7DF4-C0F4-4CB3-B7D3-6F59012E5D74}"/>
+              </a:ext>
+            </a:extLst>
+          </p:cNvPr>
+          <p:cNvPicPr>
+            <a:picLocks noChangeAspect="1" noChangeArrowheads="1"/>
+          </p:cNvPicPr>
+          <p:nvPr/>
+        </p:nvPicPr>
+        <p:blipFill>
+          <a:blip r:embed="rId3">
+            <a:extLst>
+              <a:ext uri="{28A0092B-C50C-407E-A947-70E740481C1C}">
+                <a14:useLocalDpi xmlns:a14="http://schemas.microsoft.com/office/drawing/2010/main" val="0"/>
+              </a:ext>
+            </a:extLst>
+          </a:blip>
+          <a:srcRect/>
+          <a:stretch>
+            <a:fillRect/>
+          </a:stretch>
+        </p:blipFill>
+        <p:spPr bwMode="auto">
+          <a:xfrm>
+            <a:off x="10469488" y="2593910"/>
+            <a:ext cx="1558845" cy="2008414"/>
+          </a:xfrm>
+          <a:prstGeom prst="rect">
+            <a:avLst/>
+          </a:prstGeom>
+          <a:noFill/>
+          <a:extLst>
+            <a:ext uri="{909E8E84-426E-40DD-AFC4-6F175D3DCCD1}">
+              <a14:hiddenFill xmlns:a14="http://schemas.microsoft.com/office/drawing/2010/main">
+                <a:solidFill>
+                  <a:srgbClr val="FFFFFF"/>
+                </a:solidFill>
+              </a14:hiddenFill>
+            </a:ext>
+          </a:extLst>
+        </p:spPr>
+      </p:pic>
+    </p:spTree>
+    <p:extLst>
+      <p:ext uri="{BB962C8B-B14F-4D97-AF65-F5344CB8AC3E}">
+        <p14:creationId xmlns:p14="http://schemas.microsoft.com/office/powerpoint/2010/main" val="1115845575"/>
+      </p:ext>
+    </p:extLst>
+  </p:cSld>
+  <p:clrMapOvr>
+    <a:masterClrMapping/>
+  </p:clrMapOvr>
+</p:sld>
+</file>
+
+<file path=ppt/slides/slide20.xml><?xml version="1.0" encoding="utf-8"?>
+<p:sld xmlns:a="http://schemas.openxmlformats.org/drawingml/2006/main" xmlns:r="http://schemas.openxmlformats.org/officeDocument/2006/relationships" xmlns:p="http://schemas.openxmlformats.org/presentationml/2006/main">
+  <p:cSld>
+    <p:spTree>
+      <p:nvGrpSpPr>
+        <p:cNvPr id="1" name="Shape 68"/>
+        <p:cNvGrpSpPr/>
+        <p:nvPr/>
+      </p:nvGrpSpPr>
+      <p:grpSpPr>
+        <a:xfrm>
+          <a:off x="0" y="0"/>
+          <a:ext cx="0" cy="0"/>
+          <a:chOff x="0" y="0"/>
+          <a:chExt cx="0" cy="0"/>
+        </a:xfrm>
+      </p:grpSpPr>
+      <p:sp>
+        <p:nvSpPr>
+          <p:cNvPr id="69" name="Google Shape;69;p14"/>
+          <p:cNvSpPr/>
+          <p:nvPr/>
+        </p:nvSpPr>
+        <p:spPr>
+          <a:xfrm>
+            <a:off x="13400" y="0"/>
+            <a:ext cx="12192000" cy="763600"/>
+          </a:xfrm>
+          <a:prstGeom prst="rect">
+            <a:avLst/>
+          </a:prstGeom>
+          <a:solidFill>
+            <a:schemeClr val="lt2"/>
+          </a:solidFill>
+          <a:ln w="9525" cap="flat" cmpd="sng">
+            <a:solidFill>
+              <a:schemeClr val="dk2"/>
+            </a:solidFill>
+            <a:prstDash val="solid"/>
+            <a:round/>
+            <a:headEnd type="none" w="sm" len="sm"/>
+            <a:tailEnd type="none" w="sm" len="sm"/>
+          </a:ln>
+        </p:spPr>
+        <p:txBody>
+          <a:bodyPr spcFirstLastPara="1" wrap="square" lIns="121900" tIns="121900" rIns="121900" bIns="121900" anchor="ctr" anchorCtr="0">
+            <a:noAutofit/>
+          </a:bodyPr>
+          <a:lstStyle/>
+          <a:p>
+            <a:endParaRPr sz="1867"/>
+          </a:p>
+        </p:txBody>
+      </p:sp>
+      <p:sp>
+        <p:nvSpPr>
+          <p:cNvPr id="70" name="Google Shape;70;p14"/>
+          <p:cNvSpPr txBox="1">
+            <a:spLocks noGrp="1"/>
+          </p:cNvSpPr>
+          <p:nvPr>
+            <p:ph type="title"/>
+          </p:nvPr>
+        </p:nvSpPr>
+        <p:spPr>
+          <a:xfrm>
+            <a:off x="160733" y="0"/>
+            <a:ext cx="11867600" cy="763600"/>
+          </a:xfrm>
+          <a:prstGeom prst="rect">
+            <a:avLst/>
+          </a:prstGeom>
+        </p:spPr>
+        <p:txBody>
+          <a:bodyPr spcFirstLastPara="1" wrap="square" lIns="121900" tIns="121900" rIns="121900" bIns="121900" anchor="ctr" anchorCtr="0">
+            <a:normAutofit/>
+          </a:bodyPr>
+          <a:lstStyle/>
+          <a:p>
+            <a:endParaRPr b="1" dirty="0"/>
+          </a:p>
+        </p:txBody>
+      </p:sp>
+      <p:sp>
+        <p:nvSpPr>
+          <p:cNvPr id="71" name="Google Shape;71;p14"/>
+          <p:cNvSpPr txBox="1">
+            <a:spLocks noGrp="1"/>
+          </p:cNvSpPr>
+          <p:nvPr>
+            <p:ph type="sldNum" idx="12"/>
+          </p:nvPr>
+        </p:nvSpPr>
+        <p:spPr>
+          <a:xfrm>
+            <a:off x="11296744" y="6333189"/>
+            <a:ext cx="731600" cy="524800"/>
+          </a:xfrm>
+          <a:prstGeom prst="rect">
+            <a:avLst/>
+          </a:prstGeom>
+        </p:spPr>
+        <p:txBody>
+          <a:bodyPr spcFirstLastPara="1" wrap="square" lIns="121900" tIns="121900" rIns="121900" bIns="121900" anchor="ctr" anchorCtr="0">
+            <a:normAutofit/>
+          </a:bodyPr>
+          <a:lstStyle/>
+          <a:p>
+            <a:fld id="{00000000-1234-1234-1234-123412341234}" type="slidenum">
+              <a:rPr lang="en"/>
+              <a:pPr/>
+              <a:t>20</a:t>
+            </a:fld>
+            <a:endParaRPr/>
+          </a:p>
+        </p:txBody>
+      </p:sp>
+    </p:spTree>
+    <p:extLst>
+      <p:ext uri="{BB962C8B-B14F-4D97-AF65-F5344CB8AC3E}">
+        <p14:creationId xmlns:p14="http://schemas.microsoft.com/office/powerpoint/2010/main" val="2298647661"/>
+      </p:ext>
+    </p:extLst>
+  </p:cSld>
+  <p:clrMapOvr>
+    <a:masterClrMapping/>
+  </p:clrMapOvr>
+</p:sld>
+</file>
+
+<file path=ppt/slides/slide21.xml><?xml version="1.0" encoding="utf-8"?>
+<p:sld xmlns:a="http://schemas.openxmlformats.org/drawingml/2006/main" xmlns:r="http://schemas.openxmlformats.org/officeDocument/2006/relationships" xmlns:p="http://schemas.openxmlformats.org/presentationml/2006/main">
+  <p:cSld>
+    <p:spTree>
+      <p:nvGrpSpPr>
+        <p:cNvPr id="1" name="Shape 366"/>
+        <p:cNvGrpSpPr/>
+        <p:nvPr/>
+      </p:nvGrpSpPr>
+      <p:grpSpPr>
+        <a:xfrm>
+          <a:off x="0" y="0"/>
+          <a:ext cx="0" cy="0"/>
+          <a:chOff x="0" y="0"/>
+          <a:chExt cx="0" cy="0"/>
+        </a:xfrm>
+      </p:grpSpPr>
+      <p:sp>
+        <p:nvSpPr>
+          <p:cNvPr id="367" name="Google Shape;367;p40"/>
+          <p:cNvSpPr txBox="1">
+            <a:spLocks noGrp="1"/>
+          </p:cNvSpPr>
+          <p:nvPr>
+            <p:ph type="title"/>
+          </p:nvPr>
+        </p:nvSpPr>
+        <p:spPr>
+          <a:xfrm>
+            <a:off x="653667" y="701800"/>
+            <a:ext cx="7730000" cy="5454400"/>
+          </a:xfrm>
+          <a:prstGeom prst="rect">
+            <a:avLst/>
+          </a:prstGeom>
+        </p:spPr>
+        <p:txBody>
+          <a:bodyPr spcFirstLastPara="1" wrap="square" lIns="121900" tIns="121900" rIns="121900" bIns="121900" anchor="ctr" anchorCtr="0">
+            <a:normAutofit/>
+          </a:bodyPr>
+          <a:lstStyle/>
+          <a:p>
+            <a:r>
+              <a:rPr lang="en-IN" dirty="0"/>
+              <a:t>Filled Template Slides</a:t>
+            </a:r>
+            <a:endParaRPr sz="2133" dirty="0"/>
+          </a:p>
+        </p:txBody>
+      </p:sp>
+      <p:sp>
+        <p:nvSpPr>
+          <p:cNvPr id="368" name="Google Shape;368;p40"/>
+          <p:cNvSpPr txBox="1">
+            <a:spLocks noGrp="1"/>
+          </p:cNvSpPr>
+          <p:nvPr>
+            <p:ph type="sldNum" idx="12"/>
+          </p:nvPr>
+        </p:nvSpPr>
+        <p:spPr>
+          <a:xfrm>
+            <a:off x="11296611" y="6217623"/>
+            <a:ext cx="731600" cy="524800"/>
+          </a:xfrm>
+          <a:prstGeom prst="rect">
+            <a:avLst/>
+          </a:prstGeom>
+        </p:spPr>
+        <p:txBody>
+          <a:bodyPr spcFirstLastPara="1" wrap="square" lIns="121900" tIns="121900" rIns="121900" bIns="121900" anchor="ctr" anchorCtr="0">
+            <a:normAutofit/>
+          </a:bodyPr>
+          <a:lstStyle/>
+          <a:p>
+            <a:fld id="{00000000-1234-1234-1234-123412341234}" type="slidenum">
+              <a:rPr lang="en"/>
+              <a:pPr/>
+              <a:t>21</a:t>
+            </a:fld>
+            <a:endParaRPr/>
+          </a:p>
+        </p:txBody>
+      </p:sp>
+    </p:spTree>
+  </p:cSld>
+  <p:clrMapOvr>
+    <a:masterClrMapping/>
+  </p:clrMapOvr>
+</p:sld>
+</file>
+
+<file path=ppt/slides/slide22.xml><?xml version="1.0" encoding="utf-8"?>
+<p:sld xmlns:a="http://schemas.openxmlformats.org/drawingml/2006/main" xmlns:r="http://schemas.openxmlformats.org/officeDocument/2006/relationships" xmlns:p="http://schemas.openxmlformats.org/presentationml/2006/main">
+  <p:cSld>
+    <p:spTree>
+      <p:nvGrpSpPr>
+        <p:cNvPr id="1" name="Shape 68"/>
+        <p:cNvGrpSpPr/>
+        <p:nvPr/>
+      </p:nvGrpSpPr>
+      <p:grpSpPr>
+        <a:xfrm>
+          <a:off x="0" y="0"/>
+          <a:ext cx="0" cy="0"/>
+          <a:chOff x="0" y="0"/>
+          <a:chExt cx="0" cy="0"/>
+        </a:xfrm>
+      </p:grpSpPr>
+      <p:sp>
+        <p:nvSpPr>
+          <p:cNvPr id="69" name="Google Shape;69;p14"/>
+          <p:cNvSpPr/>
+          <p:nvPr/>
+        </p:nvSpPr>
+        <p:spPr>
+          <a:xfrm>
+            <a:off x="13400" y="0"/>
+            <a:ext cx="12192000" cy="763600"/>
+          </a:xfrm>
+          <a:prstGeom prst="rect">
+            <a:avLst/>
+          </a:prstGeom>
+          <a:solidFill>
+            <a:schemeClr val="lt2"/>
+          </a:solidFill>
+          <a:ln w="9525" cap="flat" cmpd="sng">
+            <a:solidFill>
+              <a:schemeClr val="dk2"/>
+            </a:solidFill>
+            <a:prstDash val="solid"/>
+            <a:round/>
+            <a:headEnd type="none" w="sm" len="sm"/>
+            <a:tailEnd type="none" w="sm" len="sm"/>
+          </a:ln>
+        </p:spPr>
+        <p:txBody>
+          <a:bodyPr spcFirstLastPara="1" wrap="square" lIns="121900" tIns="121900" rIns="121900" bIns="121900" anchor="ctr" anchorCtr="0">
+            <a:noAutofit/>
+          </a:bodyPr>
+          <a:lstStyle/>
+          <a:p>
+            <a:endParaRPr sz="1867"/>
+          </a:p>
+        </p:txBody>
+      </p:sp>
+      <p:sp>
+        <p:nvSpPr>
+          <p:cNvPr id="70" name="Google Shape;70;p14"/>
+          <p:cNvSpPr txBox="1">
+            <a:spLocks noGrp="1"/>
+          </p:cNvSpPr>
+          <p:nvPr>
+            <p:ph type="title"/>
+          </p:nvPr>
+        </p:nvSpPr>
+        <p:spPr>
+          <a:xfrm>
+            <a:off x="160733" y="0"/>
+            <a:ext cx="11867600" cy="763600"/>
+          </a:xfrm>
+          <a:prstGeom prst="rect">
+            <a:avLst/>
+          </a:prstGeom>
+        </p:spPr>
+        <p:txBody>
+          <a:bodyPr spcFirstLastPara="1" wrap="square" lIns="121900" tIns="121900" rIns="121900" bIns="121900" anchor="ctr" anchorCtr="0">
+            <a:normAutofit/>
+          </a:bodyPr>
+          <a:lstStyle/>
+          <a:p>
+            <a:r>
+              <a:rPr lang="en" b="1" dirty="0"/>
+              <a:t>Project Motivation</a:t>
+            </a:r>
+            <a:endParaRPr b="1" dirty="0"/>
+          </a:p>
+        </p:txBody>
+      </p:sp>
+      <p:sp>
+        <p:nvSpPr>
+          <p:cNvPr id="71" name="Google Shape;71;p14"/>
+          <p:cNvSpPr txBox="1">
+            <a:spLocks noGrp="1"/>
+          </p:cNvSpPr>
+          <p:nvPr>
+            <p:ph type="sldNum" idx="12"/>
+          </p:nvPr>
+        </p:nvSpPr>
+        <p:spPr>
+          <a:xfrm>
+            <a:off x="11296744" y="6333189"/>
+            <a:ext cx="731600" cy="524800"/>
+          </a:xfrm>
+          <a:prstGeom prst="rect">
+            <a:avLst/>
+          </a:prstGeom>
+        </p:spPr>
+        <p:txBody>
+          <a:bodyPr spcFirstLastPara="1" wrap="square" lIns="121900" tIns="121900" rIns="121900" bIns="121900" anchor="ctr" anchorCtr="0">
+            <a:normAutofit/>
+          </a:bodyPr>
+          <a:lstStyle/>
+          <a:p>
+            <a:fld id="{00000000-1234-1234-1234-123412341234}" type="slidenum">
+              <a:rPr lang="en"/>
+              <a:pPr/>
+              <a:t>22</a:t>
+            </a:fld>
+            <a:endParaRPr/>
+          </a:p>
+        </p:txBody>
+      </p:sp>
+      <p:sp>
+        <p:nvSpPr>
+          <p:cNvPr id="72" name="Google Shape;72;p14"/>
+          <p:cNvSpPr/>
+          <p:nvPr/>
+        </p:nvSpPr>
+        <p:spPr>
+          <a:xfrm>
+            <a:off x="606767" y="1768267"/>
+            <a:ext cx="2426400" cy="1089600"/>
+          </a:xfrm>
+          <a:prstGeom prst="roundRect">
+            <a:avLst>
+              <a:gd name="adj" fmla="val 16667"/>
+            </a:avLst>
+          </a:prstGeom>
+          <a:solidFill>
+            <a:srgbClr val="F9CB9C"/>
+          </a:solidFill>
+          <a:ln w="9525" cap="flat" cmpd="sng">
+            <a:solidFill>
+              <a:srgbClr val="F9CB9C"/>
+            </a:solidFill>
+            <a:prstDash val="solid"/>
+            <a:round/>
+            <a:headEnd type="none" w="sm" len="sm"/>
+            <a:tailEnd type="none" w="sm" len="sm"/>
+          </a:ln>
+        </p:spPr>
+        <p:txBody>
+          <a:bodyPr spcFirstLastPara="1" wrap="square" lIns="121900" tIns="121900" rIns="121900" bIns="121900" anchor="ctr" anchorCtr="0">
+            <a:noAutofit/>
+          </a:bodyPr>
+          <a:lstStyle/>
+          <a:p>
+            <a:pPr algn="ctr"/>
+            <a:r>
+              <a:rPr lang="en" sz="1867" dirty="0">
+                <a:latin typeface="Proxima Nova Extrabold"/>
+                <a:ea typeface="Proxima Nova Extrabold"/>
+                <a:cs typeface="Proxima Nova Extrabold"/>
+                <a:sym typeface="Proxima Nova Extrabold"/>
+              </a:rPr>
+              <a:t>Motion of Biological Swimmers</a:t>
+            </a:r>
+            <a:endParaRPr sz="1867" dirty="0">
+              <a:latin typeface="Proxima Nova Extrabold"/>
+              <a:ea typeface="Proxima Nova Extrabold"/>
+              <a:cs typeface="Proxima Nova Extrabold"/>
+              <a:sym typeface="Proxima Nova Extrabold"/>
+            </a:endParaRPr>
+          </a:p>
+        </p:txBody>
+      </p:sp>
+      <p:sp>
+        <p:nvSpPr>
+          <p:cNvPr id="73" name="Google Shape;73;p14"/>
+          <p:cNvSpPr/>
+          <p:nvPr/>
+        </p:nvSpPr>
+        <p:spPr>
+          <a:xfrm>
+            <a:off x="3632200" y="993533"/>
+            <a:ext cx="2426400" cy="1089600"/>
+          </a:xfrm>
+          <a:prstGeom prst="roundRect">
+            <a:avLst>
+              <a:gd name="adj" fmla="val 16667"/>
+            </a:avLst>
+          </a:prstGeom>
+          <a:solidFill>
+            <a:srgbClr val="F9CB9C"/>
+          </a:solidFill>
+          <a:ln w="9525" cap="flat" cmpd="sng">
+            <a:solidFill>
+              <a:srgbClr val="F9CB9C"/>
+            </a:solidFill>
+            <a:prstDash val="solid"/>
+            <a:round/>
+            <a:headEnd type="none" w="sm" len="sm"/>
+            <a:tailEnd type="none" w="sm" len="sm"/>
+          </a:ln>
+        </p:spPr>
+        <p:txBody>
+          <a:bodyPr spcFirstLastPara="1" wrap="square" lIns="121900" tIns="121900" rIns="121900" bIns="121900" anchor="ctr" anchorCtr="0">
+            <a:noAutofit/>
+          </a:bodyPr>
+          <a:lstStyle/>
+          <a:p>
+            <a:pPr algn="ctr"/>
+            <a:r>
+              <a:rPr lang="en" sz="1867">
+                <a:latin typeface="Proxima Nova Extrabold"/>
+                <a:ea typeface="Proxima Nova Extrabold"/>
+                <a:cs typeface="Proxima Nova Extrabold"/>
+                <a:sym typeface="Proxima Nova Extrabold"/>
+              </a:rPr>
+              <a:t>Study of Forces</a:t>
+            </a:r>
+            <a:endParaRPr sz="1867">
+              <a:latin typeface="Proxima Nova Extrabold"/>
+              <a:ea typeface="Proxima Nova Extrabold"/>
+              <a:cs typeface="Proxima Nova Extrabold"/>
+              <a:sym typeface="Proxima Nova Extrabold"/>
+            </a:endParaRPr>
+          </a:p>
+        </p:txBody>
+      </p:sp>
+      <p:sp>
+        <p:nvSpPr>
+          <p:cNvPr id="74" name="Google Shape;74;p14"/>
+          <p:cNvSpPr/>
+          <p:nvPr/>
+        </p:nvSpPr>
+        <p:spPr>
+          <a:xfrm>
+            <a:off x="3632200" y="2511552"/>
+            <a:ext cx="2426400" cy="1089600"/>
+          </a:xfrm>
+          <a:prstGeom prst="roundRect">
+            <a:avLst>
+              <a:gd name="adj" fmla="val 16667"/>
+            </a:avLst>
+          </a:prstGeom>
+          <a:solidFill>
+            <a:srgbClr val="F9CB9C"/>
+          </a:solidFill>
+          <a:ln w="9525" cap="flat" cmpd="sng">
+            <a:solidFill>
+              <a:srgbClr val="F9CB9C"/>
+            </a:solidFill>
+            <a:prstDash val="solid"/>
+            <a:round/>
+            <a:headEnd type="none" w="sm" len="sm"/>
+            <a:tailEnd type="none" w="sm" len="sm"/>
+          </a:ln>
+        </p:spPr>
+        <p:txBody>
+          <a:bodyPr spcFirstLastPara="1" wrap="square" lIns="121900" tIns="121900" rIns="121900" bIns="121900" anchor="ctr" anchorCtr="0">
+            <a:noAutofit/>
+          </a:bodyPr>
+          <a:lstStyle/>
+          <a:p>
+            <a:pPr algn="ctr"/>
+            <a:r>
+              <a:rPr lang="en" sz="1867">
+                <a:latin typeface="Proxima Nova Extrabold"/>
+                <a:ea typeface="Proxima Nova Extrabold"/>
+                <a:cs typeface="Proxima Nova Extrabold"/>
+                <a:sym typeface="Proxima Nova Extrabold"/>
+              </a:rPr>
+              <a:t>Study of Energetics</a:t>
+            </a:r>
+            <a:endParaRPr sz="1867">
+              <a:latin typeface="Proxima Nova Extrabold"/>
+              <a:ea typeface="Proxima Nova Extrabold"/>
+              <a:cs typeface="Proxima Nova Extrabold"/>
+              <a:sym typeface="Proxima Nova Extrabold"/>
+            </a:endParaRPr>
+          </a:p>
+        </p:txBody>
+      </p:sp>
+      <p:sp>
+        <p:nvSpPr>
+          <p:cNvPr id="75" name="Google Shape;75;p14"/>
+          <p:cNvSpPr/>
+          <p:nvPr/>
+        </p:nvSpPr>
+        <p:spPr>
+          <a:xfrm>
+            <a:off x="6106951" y="937267"/>
+            <a:ext cx="319600" cy="2751600"/>
+          </a:xfrm>
+          <a:prstGeom prst="rightBracket">
+            <a:avLst>
+              <a:gd name="adj" fmla="val 8333"/>
+            </a:avLst>
+          </a:prstGeom>
+          <a:noFill/>
+          <a:ln w="38100" cap="flat" cmpd="sng">
+            <a:solidFill>
+              <a:srgbClr val="FF9900"/>
+            </a:solidFill>
+            <a:prstDash val="solid"/>
+            <a:round/>
+            <a:headEnd type="none" w="sm" len="sm"/>
+            <a:tailEnd type="none" w="sm" len="sm"/>
+          </a:ln>
+        </p:spPr>
+        <p:txBody>
+          <a:bodyPr spcFirstLastPara="1" wrap="square" lIns="121900" tIns="121900" rIns="121900" bIns="121900" anchor="ctr" anchorCtr="0">
+            <a:noAutofit/>
+          </a:bodyPr>
+          <a:lstStyle/>
+          <a:p>
+            <a:endParaRPr sz="1867"/>
+          </a:p>
+        </p:txBody>
+      </p:sp>
+      <p:sp>
+        <p:nvSpPr>
+          <p:cNvPr id="76" name="Google Shape;76;p14"/>
+          <p:cNvSpPr/>
+          <p:nvPr/>
+        </p:nvSpPr>
+        <p:spPr>
+          <a:xfrm>
+            <a:off x="6778967" y="1768267"/>
+            <a:ext cx="2426400" cy="1089600"/>
+          </a:xfrm>
+          <a:prstGeom prst="roundRect">
+            <a:avLst>
+              <a:gd name="adj" fmla="val 16667"/>
+            </a:avLst>
+          </a:prstGeom>
+          <a:solidFill>
+            <a:srgbClr val="F9CB9C"/>
+          </a:solidFill>
+          <a:ln w="9525" cap="flat" cmpd="sng">
+            <a:solidFill>
+              <a:srgbClr val="F9CB9C"/>
+            </a:solidFill>
+            <a:prstDash val="solid"/>
+            <a:round/>
+            <a:headEnd type="none" w="sm" len="sm"/>
+            <a:tailEnd type="none" w="sm" len="sm"/>
+          </a:ln>
+        </p:spPr>
+        <p:txBody>
+          <a:bodyPr spcFirstLastPara="1" wrap="square" lIns="121900" tIns="121900" rIns="121900" bIns="121900" anchor="ctr" anchorCtr="0">
+            <a:noAutofit/>
+          </a:bodyPr>
+          <a:lstStyle/>
+          <a:p>
+            <a:pPr algn="ctr"/>
+            <a:r>
+              <a:rPr lang="en" sz="1867">
+                <a:latin typeface="Proxima Nova Extrabold"/>
+                <a:ea typeface="Proxima Nova Extrabold"/>
+                <a:cs typeface="Proxima Nova Extrabold"/>
+                <a:sym typeface="Proxima Nova Extrabold"/>
+              </a:rPr>
+              <a:t>High-Fidelity - CFD Solvers</a:t>
+            </a:r>
+            <a:endParaRPr sz="1867">
+              <a:latin typeface="Proxima Nova Extrabold"/>
+              <a:ea typeface="Proxima Nova Extrabold"/>
+              <a:cs typeface="Proxima Nova Extrabold"/>
+              <a:sym typeface="Proxima Nova Extrabold"/>
+            </a:endParaRPr>
+          </a:p>
+        </p:txBody>
+      </p:sp>
+      <p:sp>
+        <p:nvSpPr>
+          <p:cNvPr id="77" name="Google Shape;77;p14"/>
+          <p:cNvSpPr/>
+          <p:nvPr/>
+        </p:nvSpPr>
+        <p:spPr>
+          <a:xfrm>
+            <a:off x="9573167" y="811267"/>
+            <a:ext cx="2426400" cy="3003600"/>
+          </a:xfrm>
+          <a:prstGeom prst="rect">
+            <a:avLst/>
+          </a:prstGeom>
+          <a:solidFill>
+            <a:srgbClr val="C9DAF8"/>
+          </a:solidFill>
+          <a:ln w="9525" cap="flat" cmpd="sng">
+            <a:solidFill>
+              <a:srgbClr val="D0E0E3"/>
+            </a:solidFill>
+            <a:prstDash val="solid"/>
+            <a:round/>
+            <a:headEnd type="none" w="sm" len="sm"/>
+            <a:tailEnd type="none" w="sm" len="sm"/>
+          </a:ln>
+        </p:spPr>
+        <p:txBody>
+          <a:bodyPr spcFirstLastPara="1" wrap="square" lIns="121900" tIns="121900" rIns="121900" bIns="121900" anchor="ctr" anchorCtr="0">
+            <a:noAutofit/>
+          </a:bodyPr>
+          <a:lstStyle/>
+          <a:p>
+            <a:pPr algn="ctr"/>
+            <a:r>
+              <a:rPr lang="en" sz="1867">
+                <a:latin typeface="Proxima Nova Extrabold"/>
+                <a:ea typeface="Proxima Nova Extrabold"/>
+                <a:cs typeface="Proxima Nova Extrabold"/>
+                <a:sym typeface="Proxima Nova Extrabold"/>
+              </a:rPr>
+              <a:t>Simulation Parameters</a:t>
+            </a:r>
+            <a:endParaRPr sz="1867">
+              <a:latin typeface="Proxima Nova Extrabold"/>
+              <a:ea typeface="Proxima Nova Extrabold"/>
+              <a:cs typeface="Proxima Nova Extrabold"/>
+              <a:sym typeface="Proxima Nova Extrabold"/>
+            </a:endParaRPr>
+          </a:p>
+          <a:p>
+            <a:pPr algn="ctr"/>
+            <a:endParaRPr sz="1467">
+              <a:latin typeface="Proxima Nova Semibold"/>
+              <a:ea typeface="Proxima Nova Semibold"/>
+              <a:cs typeface="Proxima Nova Semibold"/>
+              <a:sym typeface="Proxima Nova Semibold"/>
+            </a:endParaRPr>
+          </a:p>
+          <a:p>
+            <a:pPr marL="228594" indent="-173562">
+              <a:buSzPts val="1150"/>
+              <a:buFont typeface="Proxima Nova Semibold"/>
+              <a:buChar char="●"/>
+            </a:pPr>
+            <a:r>
+              <a:rPr lang="en" sz="1533">
+                <a:latin typeface="Proxima Nova Semibold"/>
+                <a:ea typeface="Proxima Nova Semibold"/>
+                <a:cs typeface="Proxima Nova Semibold"/>
+                <a:sym typeface="Proxima Nova Semibold"/>
+              </a:rPr>
+              <a:t>Reynolds number</a:t>
+            </a:r>
+            <a:endParaRPr sz="1533">
+              <a:latin typeface="Proxima Nova Semibold"/>
+              <a:ea typeface="Proxima Nova Semibold"/>
+              <a:cs typeface="Proxima Nova Semibold"/>
+              <a:sym typeface="Proxima Nova Semibold"/>
+            </a:endParaRPr>
+          </a:p>
+          <a:p>
+            <a:pPr marL="228594" indent="-173562">
+              <a:buSzPts val="1150"/>
+              <a:buFont typeface="Proxima Nova Semibold"/>
+              <a:buChar char="●"/>
+            </a:pPr>
+            <a:r>
+              <a:rPr lang="en" sz="1533">
+                <a:latin typeface="Proxima Nova Semibold"/>
+                <a:ea typeface="Proxima Nova Semibold"/>
+                <a:cs typeface="Proxima Nova Semibold"/>
+                <a:sym typeface="Proxima Nova Semibold"/>
+              </a:rPr>
+              <a:t>Swimming trajectories</a:t>
+            </a:r>
+            <a:endParaRPr sz="1533">
+              <a:latin typeface="Proxima Nova Semibold"/>
+              <a:ea typeface="Proxima Nova Semibold"/>
+              <a:cs typeface="Proxima Nova Semibold"/>
+              <a:sym typeface="Proxima Nova Semibold"/>
+            </a:endParaRPr>
+          </a:p>
+          <a:p>
+            <a:pPr marL="228594" indent="-173562">
+              <a:buSzPts val="1150"/>
+              <a:buFont typeface="Proxima Nova Semibold"/>
+              <a:buChar char="●"/>
+            </a:pPr>
+            <a:r>
+              <a:rPr lang="en" sz="1533">
+                <a:latin typeface="Proxima Nova Semibold"/>
+                <a:ea typeface="Proxima Nova Semibold"/>
+                <a:cs typeface="Proxima Nova Semibold"/>
+                <a:sym typeface="Proxima Nova Semibold"/>
+              </a:rPr>
+              <a:t>Single/Multi Swimmers</a:t>
+            </a:r>
+            <a:endParaRPr sz="1533">
+              <a:latin typeface="Proxima Nova Semibold"/>
+              <a:ea typeface="Proxima Nova Semibold"/>
+              <a:cs typeface="Proxima Nova Semibold"/>
+              <a:sym typeface="Proxima Nova Semibold"/>
+            </a:endParaRPr>
+          </a:p>
+          <a:p>
+            <a:pPr marL="228594" indent="-173562">
+              <a:buSzPts val="1150"/>
+              <a:buFont typeface="Proxima Nova Semibold"/>
+              <a:buChar char="●"/>
+            </a:pPr>
+            <a:r>
+              <a:rPr lang="en" sz="1533">
+                <a:latin typeface="Proxima Nova Semibold"/>
+                <a:ea typeface="Proxima Nova Semibold"/>
+                <a:cs typeface="Proxima Nova Semibold"/>
+                <a:sym typeface="Proxima Nova Semibold"/>
+              </a:rPr>
+              <a:t>Placements &amp; Configurations</a:t>
+            </a:r>
+            <a:endParaRPr sz="1533">
+              <a:latin typeface="Proxima Nova Semibold"/>
+              <a:ea typeface="Proxima Nova Semibold"/>
+              <a:cs typeface="Proxima Nova Semibold"/>
+              <a:sym typeface="Proxima Nova Semibold"/>
+            </a:endParaRPr>
+          </a:p>
+          <a:p>
+            <a:pPr marL="228594" indent="-173562">
+              <a:buSzPts val="1150"/>
+              <a:buFont typeface="Proxima Nova Semibold"/>
+              <a:buChar char="●"/>
+            </a:pPr>
+            <a:r>
+              <a:rPr lang="en" sz="1533">
+                <a:latin typeface="Proxima Nova Semibold"/>
+                <a:ea typeface="Proxima Nova Semibold"/>
+                <a:cs typeface="Proxima Nova Semibold"/>
+                <a:sym typeface="Proxima Nova Semibold"/>
+              </a:rPr>
+              <a:t>Boundary Conditions</a:t>
+            </a:r>
+            <a:endParaRPr sz="1533">
+              <a:latin typeface="Proxima Nova Semibold"/>
+              <a:ea typeface="Proxima Nova Semibold"/>
+              <a:cs typeface="Proxima Nova Semibold"/>
+              <a:sym typeface="Proxima Nova Semibold"/>
+            </a:endParaRPr>
+          </a:p>
+          <a:p>
+            <a:pPr marL="228594" indent="-173562">
+              <a:buSzPts val="1150"/>
+              <a:buFont typeface="Proxima Nova Semibold"/>
+              <a:buChar char="●"/>
+            </a:pPr>
+            <a:r>
+              <a:rPr lang="en" sz="1533">
+                <a:latin typeface="Proxima Nova Semibold"/>
+                <a:ea typeface="Proxima Nova Semibold"/>
+                <a:cs typeface="Proxima Nova Semibold"/>
+                <a:sym typeface="Proxima Nova Semibold"/>
+              </a:rPr>
+              <a:t>Geometry</a:t>
+            </a:r>
+            <a:endParaRPr sz="1533">
+              <a:latin typeface="Proxima Nova Semibold"/>
+              <a:ea typeface="Proxima Nova Semibold"/>
+              <a:cs typeface="Proxima Nova Semibold"/>
+              <a:sym typeface="Proxima Nova Semibold"/>
+            </a:endParaRPr>
+          </a:p>
+          <a:p>
+            <a:pPr marL="228594" indent="-173562">
+              <a:buSzPts val="1150"/>
+              <a:buFont typeface="Proxima Nova Semibold"/>
+              <a:buChar char="●"/>
+            </a:pPr>
+            <a:r>
+              <a:rPr lang="en" sz="1533">
+                <a:latin typeface="Proxima Nova Semibold"/>
+                <a:ea typeface="Proxima Nova Semibold"/>
+                <a:cs typeface="Proxima Nova Semibold"/>
+                <a:sym typeface="Proxima Nova Semibold"/>
+              </a:rPr>
+              <a:t>And many more...</a:t>
+            </a:r>
+            <a:endParaRPr sz="1533">
+              <a:latin typeface="Proxima Nova Semibold"/>
+              <a:ea typeface="Proxima Nova Semibold"/>
+              <a:cs typeface="Proxima Nova Semibold"/>
+              <a:sym typeface="Proxima Nova Semibold"/>
+            </a:endParaRPr>
+          </a:p>
+        </p:txBody>
+      </p:sp>
+      <p:sp>
+        <p:nvSpPr>
+          <p:cNvPr id="78" name="Google Shape;78;p14"/>
+          <p:cNvSpPr/>
+          <p:nvPr/>
+        </p:nvSpPr>
+        <p:spPr>
+          <a:xfrm>
+            <a:off x="1220367" y="3163067"/>
+            <a:ext cx="1199200" cy="1322000"/>
+          </a:xfrm>
+          <a:prstGeom prst="downArrow">
+            <a:avLst>
+              <a:gd name="adj1" fmla="val 50000"/>
+              <a:gd name="adj2" fmla="val 50000"/>
+            </a:avLst>
+          </a:prstGeom>
+          <a:solidFill>
+            <a:srgbClr val="F9CB9C"/>
+          </a:solidFill>
+          <a:ln w="9525" cap="flat" cmpd="sng">
+            <a:solidFill>
+              <a:srgbClr val="F9CB9C"/>
+            </a:solidFill>
+            <a:prstDash val="solid"/>
+            <a:round/>
+            <a:headEnd type="none" w="sm" len="sm"/>
+            <a:tailEnd type="none" w="sm" len="sm"/>
+          </a:ln>
+        </p:spPr>
+        <p:txBody>
+          <a:bodyPr spcFirstLastPara="1" wrap="square" lIns="121900" tIns="121900" rIns="121900" bIns="121900" anchor="ctr" anchorCtr="0">
+            <a:noAutofit/>
+          </a:bodyPr>
+          <a:lstStyle/>
+          <a:p>
+            <a:endParaRPr sz="1867"/>
+          </a:p>
+        </p:txBody>
+      </p:sp>
+      <p:sp>
+        <p:nvSpPr>
+          <p:cNvPr id="79" name="Google Shape;79;p14"/>
+          <p:cNvSpPr/>
+          <p:nvPr/>
+        </p:nvSpPr>
+        <p:spPr>
+          <a:xfrm>
+            <a:off x="171367" y="4588933"/>
+            <a:ext cx="3297200" cy="1956800"/>
+          </a:xfrm>
+          <a:prstGeom prst="rect">
+            <a:avLst/>
+          </a:prstGeom>
+          <a:solidFill>
+            <a:srgbClr val="F9CB9C"/>
+          </a:solidFill>
+          <a:ln w="9525" cap="flat" cmpd="sng">
+            <a:solidFill>
+              <a:srgbClr val="F9CB9C"/>
+            </a:solidFill>
+            <a:prstDash val="solid"/>
+            <a:round/>
+            <a:headEnd type="none" w="sm" len="sm"/>
+            <a:tailEnd type="none" w="sm" len="sm"/>
+          </a:ln>
+        </p:spPr>
+        <p:txBody>
+          <a:bodyPr spcFirstLastPara="1" wrap="square" lIns="121900" tIns="121900" rIns="121900" bIns="121900" anchor="ctr" anchorCtr="0">
+            <a:noAutofit/>
+          </a:bodyPr>
+          <a:lstStyle/>
+          <a:p>
+            <a:r>
+              <a:rPr lang="en" sz="1867" dirty="0">
+                <a:latin typeface="Proxima Nova Semibold"/>
+                <a:ea typeface="Proxima Nova Semibold"/>
+                <a:cs typeface="Proxima Nova Semibold"/>
+                <a:sym typeface="Proxima Nova Semibold"/>
+              </a:rPr>
+              <a:t>Develop underwater vehicles with:</a:t>
+            </a:r>
+            <a:endParaRPr sz="1867" dirty="0">
+              <a:latin typeface="Proxima Nova Semibold"/>
+              <a:ea typeface="Proxima Nova Semibold"/>
+              <a:cs typeface="Proxima Nova Semibold"/>
+              <a:sym typeface="Proxima Nova Semibold"/>
+            </a:endParaRPr>
+          </a:p>
+          <a:p>
+            <a:pPr marL="609585" indent="-423323">
+              <a:buSzPts val="1400"/>
+              <a:buFont typeface="Proxima Nova Semibold"/>
+              <a:buChar char="●"/>
+            </a:pPr>
+            <a:r>
+              <a:rPr lang="en" sz="1867" dirty="0">
+                <a:latin typeface="Proxima Nova Semibold"/>
+                <a:ea typeface="Proxima Nova Semibold"/>
+                <a:cs typeface="Proxima Nova Semibold"/>
+                <a:sym typeface="Proxima Nova Semibold"/>
+              </a:rPr>
+              <a:t>better mobility</a:t>
+            </a:r>
+            <a:endParaRPr sz="1867" dirty="0">
+              <a:latin typeface="Proxima Nova Semibold"/>
+              <a:ea typeface="Proxima Nova Semibold"/>
+              <a:cs typeface="Proxima Nova Semibold"/>
+              <a:sym typeface="Proxima Nova Semibold"/>
+            </a:endParaRPr>
+          </a:p>
+          <a:p>
+            <a:pPr marL="609585" indent="-423323">
+              <a:buSzPts val="1400"/>
+              <a:buFont typeface="Proxima Nova Semibold"/>
+              <a:buChar char="●"/>
+            </a:pPr>
+            <a:r>
+              <a:rPr lang="en" sz="1867" dirty="0">
+                <a:latin typeface="Proxima Nova Semibold"/>
+                <a:ea typeface="Proxima Nova Semibold"/>
+                <a:cs typeface="Proxima Nova Semibold"/>
+                <a:sym typeface="Proxima Nova Semibold"/>
+              </a:rPr>
+              <a:t>lower noise</a:t>
+            </a:r>
+            <a:endParaRPr sz="1867" dirty="0">
+              <a:latin typeface="Proxima Nova Semibold"/>
+              <a:ea typeface="Proxima Nova Semibold"/>
+              <a:cs typeface="Proxima Nova Semibold"/>
+              <a:sym typeface="Proxima Nova Semibold"/>
+            </a:endParaRPr>
+          </a:p>
+          <a:p>
+            <a:pPr marL="609585" indent="-423323">
+              <a:buSzPts val="1400"/>
+              <a:buFont typeface="Proxima Nova Semibold"/>
+              <a:buChar char="●"/>
+            </a:pPr>
+            <a:r>
+              <a:rPr lang="en" sz="1867" dirty="0">
+                <a:latin typeface="Proxima Nova Semibold"/>
+                <a:ea typeface="Proxima Nova Semibold"/>
+                <a:cs typeface="Proxima Nova Semibold"/>
+                <a:sym typeface="Proxima Nova Semibold"/>
+              </a:rPr>
+              <a:t>higher endurance</a:t>
+            </a:r>
+            <a:endParaRPr sz="1867" dirty="0">
+              <a:latin typeface="Proxima Nova Semibold"/>
+              <a:ea typeface="Proxima Nova Semibold"/>
+              <a:cs typeface="Proxima Nova Semibold"/>
+              <a:sym typeface="Proxima Nova Semibold"/>
+            </a:endParaRPr>
+          </a:p>
+          <a:p>
+            <a:pPr marL="609585" indent="-423323">
+              <a:buSzPts val="1400"/>
+              <a:buFont typeface="Proxima Nova Semibold"/>
+              <a:buChar char="●"/>
+            </a:pPr>
+            <a:r>
+              <a:rPr lang="en" sz="1867" dirty="0">
+                <a:latin typeface="Proxima Nova Semibold"/>
+                <a:ea typeface="Proxima Nova Semibold"/>
+                <a:cs typeface="Proxima Nova Semibold"/>
+                <a:sym typeface="Proxima Nova Semibold"/>
+              </a:rPr>
+              <a:t>efficiency</a:t>
+            </a:r>
+            <a:endParaRPr sz="1867" dirty="0">
+              <a:latin typeface="Proxima Nova Semibold"/>
+              <a:ea typeface="Proxima Nova Semibold"/>
+              <a:cs typeface="Proxima Nova Semibold"/>
+              <a:sym typeface="Proxima Nova Semibold"/>
+            </a:endParaRPr>
+          </a:p>
+        </p:txBody>
+      </p:sp>
+      <p:sp>
+        <p:nvSpPr>
+          <p:cNvPr id="80" name="Google Shape;80;p14"/>
+          <p:cNvSpPr/>
+          <p:nvPr/>
+        </p:nvSpPr>
+        <p:spPr>
+          <a:xfrm>
+            <a:off x="5080367" y="4800500"/>
+            <a:ext cx="2683600" cy="1577200"/>
+          </a:xfrm>
+          <a:prstGeom prst="roundRect">
+            <a:avLst>
+              <a:gd name="adj" fmla="val 16667"/>
+            </a:avLst>
+          </a:prstGeom>
+          <a:solidFill>
+            <a:srgbClr val="F9CB9C"/>
+          </a:solidFill>
+          <a:ln w="9525" cap="flat" cmpd="sng">
+            <a:solidFill>
+              <a:srgbClr val="F9CB9C"/>
+            </a:solidFill>
+            <a:prstDash val="solid"/>
+            <a:round/>
+            <a:headEnd type="none" w="sm" len="sm"/>
+            <a:tailEnd type="none" w="sm" len="sm"/>
+          </a:ln>
+        </p:spPr>
+        <p:txBody>
+          <a:bodyPr spcFirstLastPara="1" wrap="square" lIns="121900" tIns="121900" rIns="121900" bIns="121900" anchor="ctr" anchorCtr="0">
+            <a:noAutofit/>
+          </a:bodyPr>
+          <a:lstStyle/>
+          <a:p>
+            <a:pPr algn="ctr"/>
+            <a:r>
+              <a:rPr lang="en" sz="1867">
+                <a:latin typeface="Proxima Nova Extrabold"/>
+                <a:ea typeface="Proxima Nova Extrabold"/>
+                <a:cs typeface="Proxima Nova Extrabold"/>
+                <a:sym typeface="Proxima Nova Extrabold"/>
+              </a:rPr>
+              <a:t>Low-Fidelity - Theoretical or Computational Frameworks</a:t>
+            </a:r>
+            <a:endParaRPr sz="1867">
+              <a:latin typeface="Proxima Nova Extrabold"/>
+              <a:ea typeface="Proxima Nova Extrabold"/>
+              <a:cs typeface="Proxima Nova Extrabold"/>
+              <a:sym typeface="Proxima Nova Extrabold"/>
+            </a:endParaRPr>
+          </a:p>
+        </p:txBody>
+      </p:sp>
+      <p:sp>
+        <p:nvSpPr>
+          <p:cNvPr id="81" name="Google Shape;81;p14"/>
+          <p:cNvSpPr/>
+          <p:nvPr/>
+        </p:nvSpPr>
+        <p:spPr>
+          <a:xfrm>
+            <a:off x="8686967" y="4727900"/>
+            <a:ext cx="3297200" cy="1722400"/>
+          </a:xfrm>
+          <a:prstGeom prst="rect">
+            <a:avLst/>
+          </a:prstGeom>
+          <a:solidFill>
+            <a:schemeClr val="lt2"/>
+          </a:solidFill>
+          <a:ln w="9525" cap="flat" cmpd="sng">
+            <a:solidFill>
+              <a:schemeClr val="lt2"/>
+            </a:solidFill>
+            <a:prstDash val="solid"/>
+            <a:round/>
+            <a:headEnd type="none" w="sm" len="sm"/>
+            <a:tailEnd type="none" w="sm" len="sm"/>
+          </a:ln>
+        </p:spPr>
+        <p:txBody>
+          <a:bodyPr spcFirstLastPara="1" wrap="square" lIns="121900" tIns="121900" rIns="121900" bIns="121900" anchor="ctr" anchorCtr="0">
+            <a:noAutofit/>
+          </a:bodyPr>
+          <a:lstStyle/>
+          <a:p>
+            <a:pPr algn="ctr"/>
+            <a:r>
+              <a:rPr lang="en" sz="1867">
+                <a:latin typeface="Proxima Nova Extrabold"/>
+                <a:ea typeface="Proxima Nova Extrabold"/>
+                <a:cs typeface="Proxima Nova Extrabold"/>
+                <a:sym typeface="Proxima Nova Extrabold"/>
+              </a:rPr>
+              <a:t>Project Outcome</a:t>
+            </a:r>
+            <a:endParaRPr sz="1867">
+              <a:latin typeface="Proxima Nova Extrabold"/>
+              <a:ea typeface="Proxima Nova Extrabold"/>
+              <a:cs typeface="Proxima Nova Extrabold"/>
+              <a:sym typeface="Proxima Nova Extrabold"/>
+            </a:endParaRPr>
+          </a:p>
+          <a:p>
+            <a:pPr algn="ctr"/>
+            <a:endParaRPr sz="800">
+              <a:latin typeface="Proxima Nova Semibold"/>
+              <a:ea typeface="Proxima Nova Semibold"/>
+              <a:cs typeface="Proxima Nova Semibold"/>
+              <a:sym typeface="Proxima Nova Semibold"/>
+            </a:endParaRPr>
+          </a:p>
+          <a:p>
+            <a:pPr marL="228594" indent="-173562">
+              <a:buSzPts val="1150"/>
+              <a:buFont typeface="Proxima Nova Semibold"/>
+              <a:buChar char="●"/>
+            </a:pPr>
+            <a:r>
+              <a:rPr lang="en" sz="1533">
+                <a:latin typeface="Proxima Nova Semibold"/>
+                <a:ea typeface="Proxima Nova Semibold"/>
+                <a:cs typeface="Proxima Nova Semibold"/>
+                <a:sym typeface="Proxima Nova Semibold"/>
+              </a:rPr>
+              <a:t>Gain better understanding of the problem at hand</a:t>
+            </a:r>
+            <a:endParaRPr sz="1533">
+              <a:latin typeface="Proxima Nova Semibold"/>
+              <a:ea typeface="Proxima Nova Semibold"/>
+              <a:cs typeface="Proxima Nova Semibold"/>
+              <a:sym typeface="Proxima Nova Semibold"/>
+            </a:endParaRPr>
+          </a:p>
+          <a:p>
+            <a:pPr marL="228594" indent="-173562">
+              <a:buSzPts val="1150"/>
+              <a:buFont typeface="Proxima Nova Semibold"/>
+              <a:buChar char="●"/>
+            </a:pPr>
+            <a:r>
+              <a:rPr lang="en" sz="1533">
+                <a:latin typeface="Proxima Nova Semibold"/>
+                <a:ea typeface="Proxima Nova Semibold"/>
+                <a:cs typeface="Proxima Nova Semibold"/>
+                <a:sym typeface="Proxima Nova Semibold"/>
+              </a:rPr>
+              <a:t>Utilizes lesser resources</a:t>
+            </a:r>
+            <a:endParaRPr sz="1533">
+              <a:latin typeface="Proxima Nova Semibold"/>
+              <a:ea typeface="Proxima Nova Semibold"/>
+              <a:cs typeface="Proxima Nova Semibold"/>
+              <a:sym typeface="Proxima Nova Semibold"/>
+            </a:endParaRPr>
+          </a:p>
+          <a:p>
+            <a:pPr marL="228594" indent="-173562">
+              <a:buSzPts val="1150"/>
+              <a:buFont typeface="Proxima Nova Semibold"/>
+              <a:buChar char="●"/>
+            </a:pPr>
+            <a:r>
+              <a:rPr lang="en" sz="1533">
+                <a:latin typeface="Proxima Nova Semibold"/>
+                <a:ea typeface="Proxima Nova Semibold"/>
+                <a:cs typeface="Proxima Nova Semibold"/>
+                <a:sym typeface="Proxima Nova Semibold"/>
+              </a:rPr>
+              <a:t>Allows for faster iteration over models</a:t>
+            </a:r>
+            <a:endParaRPr sz="1533">
+              <a:latin typeface="Proxima Nova Semibold"/>
+              <a:ea typeface="Proxima Nova Semibold"/>
+              <a:cs typeface="Proxima Nova Semibold"/>
+              <a:sym typeface="Proxima Nova Semibold"/>
+            </a:endParaRPr>
+          </a:p>
+        </p:txBody>
+      </p:sp>
+      <p:cxnSp>
+        <p:nvCxnSpPr>
+          <p:cNvPr id="82" name="Google Shape;82;p14"/>
+          <p:cNvCxnSpPr>
+            <a:stCxn id="72" idx="3"/>
+            <a:endCxn id="73" idx="1"/>
+          </p:cNvCxnSpPr>
+          <p:nvPr/>
+        </p:nvCxnSpPr>
+        <p:spPr>
+          <a:xfrm rot="10800000" flipH="1">
+            <a:off x="3033167" y="1538267"/>
+            <a:ext cx="599200" cy="774800"/>
+          </a:xfrm>
+          <a:prstGeom prst="bentConnector3">
+            <a:avLst>
+              <a:gd name="adj1" fmla="val 49986"/>
+            </a:avLst>
+          </a:prstGeom>
+          <a:noFill/>
+          <a:ln w="28575" cap="flat" cmpd="sng">
+            <a:solidFill>
+              <a:srgbClr val="FF9900"/>
+            </a:solidFill>
+            <a:prstDash val="solid"/>
+            <a:round/>
+            <a:headEnd type="none" w="med" len="med"/>
+            <a:tailEnd type="stealth" w="med" len="med"/>
+          </a:ln>
+        </p:spPr>
+      </p:cxnSp>
+      <p:cxnSp>
+        <p:nvCxnSpPr>
+          <p:cNvPr id="83" name="Google Shape;83;p14"/>
+          <p:cNvCxnSpPr>
+            <a:stCxn id="72" idx="3"/>
+            <a:endCxn id="74" idx="1"/>
+          </p:cNvCxnSpPr>
+          <p:nvPr/>
+        </p:nvCxnSpPr>
+        <p:spPr>
+          <a:xfrm>
+            <a:off x="3033167" y="2313067"/>
+            <a:ext cx="599200" cy="743200"/>
+          </a:xfrm>
+          <a:prstGeom prst="bentConnector3">
+            <a:avLst>
+              <a:gd name="adj1" fmla="val 49986"/>
+            </a:avLst>
+          </a:prstGeom>
+          <a:noFill/>
+          <a:ln w="28575" cap="flat" cmpd="sng">
+            <a:solidFill>
+              <a:srgbClr val="FF9900"/>
+            </a:solidFill>
+            <a:prstDash val="solid"/>
+            <a:round/>
+            <a:headEnd type="none" w="med" len="med"/>
+            <a:tailEnd type="stealth" w="med" len="med"/>
+          </a:ln>
+        </p:spPr>
+      </p:cxnSp>
+      <p:cxnSp>
+        <p:nvCxnSpPr>
+          <p:cNvPr id="84" name="Google Shape;84;p14"/>
+          <p:cNvCxnSpPr>
+            <a:stCxn id="75" idx="2"/>
+            <a:endCxn id="76" idx="1"/>
+          </p:cNvCxnSpPr>
+          <p:nvPr/>
+        </p:nvCxnSpPr>
+        <p:spPr>
+          <a:xfrm>
+            <a:off x="6426551" y="2313067"/>
+            <a:ext cx="352400" cy="0"/>
+          </a:xfrm>
+          <a:prstGeom prst="straightConnector1">
+            <a:avLst/>
+          </a:prstGeom>
+          <a:noFill/>
+          <a:ln w="28575" cap="flat" cmpd="sng">
+            <a:solidFill>
+              <a:srgbClr val="FF9900"/>
+            </a:solidFill>
+            <a:prstDash val="solid"/>
+            <a:round/>
+            <a:headEnd type="none" w="med" len="med"/>
+            <a:tailEnd type="triangle" w="med" len="med"/>
+          </a:ln>
+        </p:spPr>
+      </p:cxnSp>
+      <p:sp>
+        <p:nvSpPr>
+          <p:cNvPr id="85" name="Google Shape;85;p14"/>
+          <p:cNvSpPr/>
+          <p:nvPr/>
+        </p:nvSpPr>
+        <p:spPr>
+          <a:xfrm>
+            <a:off x="7217367" y="1463067"/>
+            <a:ext cx="1549600" cy="1700000"/>
+          </a:xfrm>
+          <a:prstGeom prst="mathMultiply">
+            <a:avLst>
+              <a:gd name="adj1" fmla="val 23520"/>
+            </a:avLst>
+          </a:prstGeom>
+          <a:solidFill>
+            <a:srgbClr val="FF5252">
+              <a:alpha val="42700"/>
+            </a:srgbClr>
+          </a:solidFill>
+          <a:ln w="9525" cap="flat" cmpd="sng">
+            <a:solidFill>
+              <a:srgbClr val="202124"/>
+            </a:solidFill>
+            <a:prstDash val="solid"/>
+            <a:round/>
+            <a:headEnd type="none" w="sm" len="sm"/>
+            <a:tailEnd type="none" w="sm" len="sm"/>
+          </a:ln>
+        </p:spPr>
+        <p:txBody>
+          <a:bodyPr spcFirstLastPara="1" wrap="square" lIns="121900" tIns="121900" rIns="121900" bIns="121900" anchor="ctr" anchorCtr="0">
+            <a:noAutofit/>
+          </a:bodyPr>
+          <a:lstStyle/>
+          <a:p>
+            <a:endParaRPr sz="1867"/>
+          </a:p>
+        </p:txBody>
+      </p:sp>
+      <p:cxnSp>
+        <p:nvCxnSpPr>
+          <p:cNvPr id="86" name="Google Shape;86;p14"/>
+          <p:cNvCxnSpPr>
+            <a:stCxn id="75" idx="2"/>
+            <a:endCxn id="80" idx="0"/>
+          </p:cNvCxnSpPr>
+          <p:nvPr/>
+        </p:nvCxnSpPr>
+        <p:spPr>
+          <a:xfrm flipH="1">
+            <a:off x="6422151" y="2313067"/>
+            <a:ext cx="4400" cy="2487600"/>
+          </a:xfrm>
+          <a:prstGeom prst="straightConnector1">
+            <a:avLst/>
+          </a:prstGeom>
+          <a:noFill/>
+          <a:ln w="28575" cap="flat" cmpd="sng">
+            <a:solidFill>
+              <a:srgbClr val="FF9900"/>
+            </a:solidFill>
+            <a:prstDash val="solid"/>
+            <a:round/>
+            <a:headEnd type="none" w="med" len="med"/>
+            <a:tailEnd type="triangle" w="med" len="med"/>
+          </a:ln>
+        </p:spPr>
+      </p:cxnSp>
+      <p:sp>
+        <p:nvSpPr>
+          <p:cNvPr id="87" name="Google Shape;87;p14"/>
+          <p:cNvSpPr/>
+          <p:nvPr/>
+        </p:nvSpPr>
+        <p:spPr>
+          <a:xfrm>
+            <a:off x="7943067" y="5400300"/>
+            <a:ext cx="564800" cy="377600"/>
+          </a:xfrm>
+          <a:prstGeom prst="rightArrow">
+            <a:avLst>
+              <a:gd name="adj1" fmla="val 50000"/>
+              <a:gd name="adj2" fmla="val 50000"/>
+            </a:avLst>
+          </a:prstGeom>
+          <a:solidFill>
+            <a:schemeClr val="lt2"/>
+          </a:solidFill>
+          <a:ln w="9525" cap="flat" cmpd="sng">
+            <a:solidFill>
+              <a:schemeClr val="dk2"/>
+            </a:solidFill>
+            <a:prstDash val="solid"/>
+            <a:round/>
+            <a:headEnd type="none" w="sm" len="sm"/>
+            <a:tailEnd type="none" w="sm" len="sm"/>
+          </a:ln>
+        </p:spPr>
+        <p:txBody>
+          <a:bodyPr spcFirstLastPara="1" wrap="square" lIns="121900" tIns="121900" rIns="121900" bIns="121900" anchor="ctr" anchorCtr="0">
+            <a:noAutofit/>
+          </a:bodyPr>
+          <a:lstStyle/>
+          <a:p>
+            <a:endParaRPr sz="1867"/>
+          </a:p>
+        </p:txBody>
+      </p:sp>
+      <p:cxnSp>
+        <p:nvCxnSpPr>
+          <p:cNvPr id="88" name="Google Shape;88;p14"/>
+          <p:cNvCxnSpPr>
+            <a:stCxn id="77" idx="2"/>
+            <a:endCxn id="80" idx="0"/>
+          </p:cNvCxnSpPr>
+          <p:nvPr/>
+        </p:nvCxnSpPr>
+        <p:spPr>
+          <a:xfrm rot="5400000">
+            <a:off x="8111567" y="2125667"/>
+            <a:ext cx="985600" cy="4364000"/>
+          </a:xfrm>
+          <a:prstGeom prst="bentConnector3">
+            <a:avLst>
+              <a:gd name="adj1" fmla="val 50002"/>
+            </a:avLst>
+          </a:prstGeom>
+          <a:noFill/>
+          <a:ln w="28575" cap="flat" cmpd="sng">
+            <a:solidFill>
+              <a:srgbClr val="FF9900"/>
+            </a:solidFill>
+            <a:prstDash val="solid"/>
+            <a:round/>
+            <a:headEnd type="none" w="med" len="med"/>
+            <a:tailEnd type="stealth" w="med" len="med"/>
+          </a:ln>
+        </p:spPr>
+      </p:cxnSp>
+      <p:cxnSp>
+        <p:nvCxnSpPr>
+          <p:cNvPr id="89" name="Google Shape;89;p14"/>
+          <p:cNvCxnSpPr>
+            <a:stCxn id="77" idx="1"/>
+            <a:endCxn id="76" idx="3"/>
+          </p:cNvCxnSpPr>
+          <p:nvPr/>
+        </p:nvCxnSpPr>
+        <p:spPr>
+          <a:xfrm rot="10800000">
+            <a:off x="9205567" y="2313067"/>
+            <a:ext cx="367600" cy="0"/>
+          </a:xfrm>
+          <a:prstGeom prst="straightConnector1">
+            <a:avLst/>
+          </a:prstGeom>
+          <a:noFill/>
+          <a:ln w="28575" cap="flat" cmpd="sng">
+            <a:solidFill>
+              <a:srgbClr val="FF9900"/>
+            </a:solidFill>
+            <a:prstDash val="solid"/>
+            <a:round/>
+            <a:headEnd type="none" w="med" len="med"/>
+            <a:tailEnd type="triangle" w="med" len="med"/>
+          </a:ln>
+        </p:spPr>
+      </p:cxnSp>
+    </p:spTree>
+  </p:cSld>
+  <p:clrMapOvr>
+    <a:masterClrMapping/>
+  </p:clrMapOvr>
+</p:sld>
+</file>
+
+<file path=ppt/slides/slide23.xml><?xml version="1.0" encoding="utf-8"?>
+<p:sld xmlns:a="http://schemas.openxmlformats.org/drawingml/2006/main" xmlns:r="http://schemas.openxmlformats.org/officeDocument/2006/relationships" xmlns:p="http://schemas.openxmlformats.org/presentationml/2006/main">
+  <p:cSld>
+    <p:spTree>
+      <p:nvGrpSpPr>
+        <p:cNvPr id="1" name="Shape 337"/>
+        <p:cNvGrpSpPr/>
+        <p:nvPr/>
+      </p:nvGrpSpPr>
+      <p:grpSpPr>
+        <a:xfrm>
+          <a:off x="0" y="0"/>
+          <a:ext cx="0" cy="0"/>
+          <a:chOff x="0" y="0"/>
+          <a:chExt cx="0" cy="0"/>
+        </a:xfrm>
+      </p:grpSpPr>
+      <p:sp>
+        <p:nvSpPr>
+          <p:cNvPr id="338" name="Google Shape;338;p37"/>
+          <p:cNvSpPr txBox="1">
+            <a:spLocks noGrp="1"/>
+          </p:cNvSpPr>
+          <p:nvPr>
+            <p:ph type="body" idx="1"/>
+          </p:nvPr>
+        </p:nvSpPr>
+        <p:spPr>
+          <a:xfrm>
+            <a:off x="160733" y="963200"/>
+            <a:ext cx="7046000" cy="5452800"/>
+          </a:xfrm>
+          <a:prstGeom prst="rect">
+            <a:avLst/>
+          </a:prstGeom>
+        </p:spPr>
+        <p:txBody>
+          <a:bodyPr spcFirstLastPara="1" wrap="square" lIns="121900" tIns="121900" rIns="121900" bIns="121900" anchor="t" anchorCtr="0">
+            <a:normAutofit/>
+          </a:bodyPr>
+          <a:lstStyle/>
+          <a:p>
+            <a:r>
+              <a:rPr lang="en" dirty="0"/>
+              <a:t>Thrust produced </a:t>
+            </a:r>
+            <a:r>
+              <a:rPr lang="en" dirty="0">
+                <a:solidFill>
+                  <a:srgbClr val="0000FF"/>
+                </a:solidFill>
+              </a:rPr>
+              <a:t>continuously </a:t>
+            </a:r>
+            <a:r>
+              <a:rPr lang="en" dirty="0"/>
+              <a:t>→ Output is </a:t>
+            </a:r>
+            <a:r>
+              <a:rPr lang="en" dirty="0">
+                <a:solidFill>
+                  <a:srgbClr val="0000FF"/>
+                </a:solidFill>
+              </a:rPr>
+              <a:t>not </a:t>
+            </a:r>
+            <a:r>
+              <a:rPr lang="en" dirty="0"/>
+              <a:t>stable.</a:t>
+            </a:r>
+            <a:endParaRPr dirty="0"/>
+          </a:p>
+          <a:p>
+            <a:r>
+              <a:rPr lang="en" dirty="0"/>
+              <a:t>Sharp peaks in thrust production </a:t>
+            </a:r>
+            <a:r>
+              <a:rPr lang="en" dirty="0">
+                <a:solidFill>
+                  <a:srgbClr val="0000FF"/>
+                </a:solidFill>
+              </a:rPr>
+              <a:t>coincide </a:t>
+            </a:r>
+            <a:r>
+              <a:rPr lang="en" dirty="0"/>
+              <a:t>with vortex shedding.</a:t>
+            </a:r>
+            <a:endParaRPr dirty="0"/>
+          </a:p>
+          <a:p>
+            <a:r>
+              <a:rPr lang="en" dirty="0"/>
+              <a:t>Airfoil starts its heaving motion with </a:t>
+            </a:r>
+            <a:r>
+              <a:rPr lang="en" dirty="0">
+                <a:solidFill>
+                  <a:srgbClr val="0000FF"/>
+                </a:solidFill>
+              </a:rPr>
+              <a:t>downwards </a:t>
+            </a:r>
+            <a:r>
+              <a:rPr lang="en" dirty="0"/>
+              <a:t>stroke → Small </a:t>
+            </a:r>
+            <a:r>
+              <a:rPr lang="en" dirty="0">
+                <a:solidFill>
+                  <a:srgbClr val="0000FF"/>
+                </a:solidFill>
+              </a:rPr>
+              <a:t>negative </a:t>
+            </a:r>
+            <a:r>
+              <a:rPr lang="en" dirty="0"/>
+              <a:t>lift is produced </a:t>
+            </a:r>
+            <a:r>
+              <a:rPr lang="en" i="1" dirty="0"/>
+              <a:t>(average)</a:t>
+            </a:r>
+            <a:endParaRPr i="1" dirty="0"/>
+          </a:p>
+          <a:p>
+            <a:r>
+              <a:rPr lang="en" dirty="0"/>
+              <a:t>Airfoil starts its heaving motion with </a:t>
+            </a:r>
+            <a:r>
+              <a:rPr lang="en" dirty="0">
+                <a:solidFill>
+                  <a:srgbClr val="0000FF"/>
+                </a:solidFill>
+              </a:rPr>
+              <a:t>upwards </a:t>
+            </a:r>
+            <a:r>
+              <a:rPr lang="en" dirty="0"/>
+              <a:t>stroke → Small </a:t>
+            </a:r>
+            <a:r>
+              <a:rPr lang="en" dirty="0">
+                <a:solidFill>
+                  <a:srgbClr val="0000FF"/>
+                </a:solidFill>
+              </a:rPr>
+              <a:t>positive </a:t>
+            </a:r>
+            <a:r>
+              <a:rPr lang="en" dirty="0"/>
+              <a:t>lift is produced </a:t>
+            </a:r>
+            <a:r>
+              <a:rPr lang="en" i="1" dirty="0"/>
+              <a:t>(average).</a:t>
+            </a:r>
+            <a:endParaRPr dirty="0"/>
+          </a:p>
+          <a:p>
+            <a:r>
+              <a:rPr lang="en" dirty="0"/>
+              <a:t>General </a:t>
+            </a:r>
+            <a:r>
+              <a:rPr lang="en" dirty="0">
+                <a:solidFill>
+                  <a:srgbClr val="0000FF"/>
+                </a:solidFill>
+              </a:rPr>
+              <a:t>trend </a:t>
+            </a:r>
+            <a:r>
+              <a:rPr lang="en" dirty="0"/>
+              <a:t>in bulk movement of shed vortices as shown by Dynnikova</a:t>
+            </a:r>
+            <a:r>
+              <a:rPr lang="en" baseline="30000" dirty="0"/>
+              <a:t>[1]</a:t>
+            </a:r>
+            <a:r>
+              <a:rPr lang="en" dirty="0"/>
+              <a:t> is observed.</a:t>
+            </a:r>
+            <a:endParaRPr dirty="0"/>
+          </a:p>
+          <a:p>
+            <a:pPr marL="0" indent="0">
+              <a:spcBef>
+                <a:spcPts val="1600"/>
+              </a:spcBef>
+              <a:spcAft>
+                <a:spcPts val="1600"/>
+              </a:spcAft>
+              <a:buNone/>
+            </a:pPr>
+            <a:endParaRPr dirty="0"/>
+          </a:p>
+        </p:txBody>
+      </p:sp>
+      <p:sp>
+        <p:nvSpPr>
+          <p:cNvPr id="339" name="Google Shape;339;p37"/>
+          <p:cNvSpPr/>
+          <p:nvPr/>
+        </p:nvSpPr>
+        <p:spPr>
+          <a:xfrm>
+            <a:off x="13400" y="0"/>
+            <a:ext cx="12192000" cy="763600"/>
+          </a:xfrm>
+          <a:prstGeom prst="rect">
+            <a:avLst/>
+          </a:prstGeom>
+          <a:solidFill>
+            <a:schemeClr val="lt2"/>
+          </a:solidFill>
+          <a:ln w="9525" cap="flat" cmpd="sng">
+            <a:solidFill>
+              <a:schemeClr val="dk2"/>
+            </a:solidFill>
+            <a:prstDash val="solid"/>
+            <a:round/>
+            <a:headEnd type="none" w="sm" len="sm"/>
+            <a:tailEnd type="none" w="sm" len="sm"/>
+          </a:ln>
+        </p:spPr>
+        <p:txBody>
+          <a:bodyPr spcFirstLastPara="1" wrap="square" lIns="121900" tIns="121900" rIns="121900" bIns="121900" anchor="ctr" anchorCtr="0">
+            <a:noAutofit/>
+          </a:bodyPr>
+          <a:lstStyle/>
+          <a:p>
+            <a:endParaRPr sz="1867"/>
+          </a:p>
+        </p:txBody>
+      </p:sp>
+      <p:sp>
+        <p:nvSpPr>
+          <p:cNvPr id="340" name="Google Shape;340;p37"/>
+          <p:cNvSpPr txBox="1">
+            <a:spLocks noGrp="1"/>
+          </p:cNvSpPr>
+          <p:nvPr>
+            <p:ph type="title"/>
+          </p:nvPr>
+        </p:nvSpPr>
+        <p:spPr>
+          <a:xfrm>
+            <a:off x="160733" y="0"/>
+            <a:ext cx="11867600" cy="763600"/>
+          </a:xfrm>
+          <a:prstGeom prst="rect">
+            <a:avLst/>
+          </a:prstGeom>
+        </p:spPr>
+        <p:txBody>
+          <a:bodyPr spcFirstLastPara="1" wrap="square" lIns="121900" tIns="121900" rIns="121900" bIns="121900" anchor="ctr" anchorCtr="0">
+            <a:normAutofit/>
+          </a:bodyPr>
+          <a:lstStyle/>
+          <a:p>
+            <a:r>
+              <a:rPr lang="en" b="1" dirty="0"/>
+              <a:t>Conclusion</a:t>
+            </a:r>
+            <a:endParaRPr b="1" dirty="0"/>
+          </a:p>
+        </p:txBody>
+      </p:sp>
+      <p:sp>
+        <p:nvSpPr>
+          <p:cNvPr id="341" name="Google Shape;341;p37"/>
+          <p:cNvSpPr txBox="1">
+            <a:spLocks noGrp="1"/>
+          </p:cNvSpPr>
+          <p:nvPr>
+            <p:ph type="sldNum" idx="12"/>
+          </p:nvPr>
+        </p:nvSpPr>
+        <p:spPr>
+          <a:xfrm>
+            <a:off x="11296744" y="6333189"/>
+            <a:ext cx="731600" cy="524800"/>
+          </a:xfrm>
+          <a:prstGeom prst="rect">
+            <a:avLst/>
+          </a:prstGeom>
+        </p:spPr>
+        <p:txBody>
+          <a:bodyPr spcFirstLastPara="1" wrap="square" lIns="121900" tIns="121900" rIns="121900" bIns="121900" anchor="ctr" anchorCtr="0">
+            <a:normAutofit/>
+          </a:bodyPr>
+          <a:lstStyle/>
+          <a:p>
+            <a:fld id="{00000000-1234-1234-1234-123412341234}" type="slidenum">
+              <a:rPr lang="en"/>
+              <a:pPr/>
+              <a:t>23</a:t>
             </a:fld>
             <a:endParaRPr/>
           </a:p>
@@ -11907,519 +15101,6 @@
         </p:txBody>
       </p:sp>
     </p:spTree>
-  </p:cSld>
-  <p:clrMapOvr>
-    <a:masterClrMapping/>
-  </p:clrMapOvr>
-</p:sld>
-</file>
-
-<file path=ppt/slides/slide2.xml><?xml version="1.0" encoding="utf-8"?>
-<p:sld xmlns:a="http://schemas.openxmlformats.org/drawingml/2006/main" xmlns:r="http://schemas.openxmlformats.org/officeDocument/2006/relationships" xmlns:p="http://schemas.openxmlformats.org/presentationml/2006/main">
-  <p:cSld>
-    <p:spTree>
-      <p:nvGrpSpPr>
-        <p:cNvPr id="1" name="Shape 337"/>
-        <p:cNvGrpSpPr/>
-        <p:nvPr/>
-      </p:nvGrpSpPr>
-      <p:grpSpPr>
-        <a:xfrm>
-          <a:off x="0" y="0"/>
-          <a:ext cx="0" cy="0"/>
-          <a:chOff x="0" y="0"/>
-          <a:chExt cx="0" cy="0"/>
-        </a:xfrm>
-      </p:grpSpPr>
-      <p:sp>
-        <p:nvSpPr>
-          <p:cNvPr id="338" name="Google Shape;338;p37"/>
-          <p:cNvSpPr txBox="1">
-            <a:spLocks noGrp="1"/>
-          </p:cNvSpPr>
-          <p:nvPr>
-            <p:ph type="body" idx="1"/>
-          </p:nvPr>
-        </p:nvSpPr>
-        <p:spPr>
-          <a:xfrm>
-            <a:off x="160732" y="963200"/>
-            <a:ext cx="10728092" cy="5452800"/>
-          </a:xfrm>
-          <a:prstGeom prst="rect">
-            <a:avLst/>
-          </a:prstGeom>
-        </p:spPr>
-        <p:txBody>
-          <a:bodyPr spcFirstLastPara="1" wrap="square" lIns="121900" tIns="121900" rIns="121900" bIns="121900" anchor="t" anchorCtr="0">
-            <a:normAutofit/>
-          </a:bodyPr>
-          <a:lstStyle/>
-          <a:p>
-            <a:pPr marL="285750" indent="-285750">
-              <a:lnSpc>
-                <a:spcPct val="100000"/>
-              </a:lnSpc>
-            </a:pPr>
-            <a:r>
-              <a:rPr lang="en-US" dirty="0"/>
-              <a:t>Turbulent Flow:</a:t>
-            </a:r>
-          </a:p>
-          <a:p>
-            <a:pPr marL="895335" lvl="1" indent="-285750">
-              <a:lnSpc>
-                <a:spcPct val="100000"/>
-              </a:lnSpc>
-            </a:pPr>
-            <a:r>
-              <a:rPr lang="en-US" dirty="0"/>
-              <a:t>Characterization:</a:t>
-            </a:r>
-          </a:p>
-          <a:p>
-            <a:pPr marL="1504919" lvl="2" indent="-285750">
-              <a:lnSpc>
-                <a:spcPct val="100000"/>
-              </a:lnSpc>
-            </a:pPr>
-            <a:r>
-              <a:rPr lang="en-US" dirty="0"/>
-              <a:t>High Reynolds number flows</a:t>
-            </a:r>
-          </a:p>
-          <a:p>
-            <a:pPr marL="1504919" lvl="2" indent="-285750">
-              <a:lnSpc>
-                <a:spcPct val="100000"/>
-              </a:lnSpc>
-            </a:pPr>
-            <a:r>
-              <a:rPr lang="en-US" dirty="0"/>
-              <a:t>Random spatial &amp; temporal velocity fluctuations</a:t>
-            </a:r>
-          </a:p>
-          <a:p>
-            <a:pPr marL="1504919" lvl="2" indent="-285750">
-              <a:lnSpc>
-                <a:spcPct val="100000"/>
-              </a:lnSpc>
-            </a:pPr>
-            <a:r>
-              <a:rPr lang="en-US" dirty="0"/>
-              <a:t>Rotational &amp; 3D velocity field</a:t>
-            </a:r>
-          </a:p>
-          <a:p>
-            <a:pPr marL="1504919" lvl="2" indent="-285750">
-              <a:lnSpc>
-                <a:spcPct val="100000"/>
-              </a:lnSpc>
-            </a:pPr>
-            <a:r>
-              <a:rPr lang="en-US" dirty="0"/>
-              <a:t>Large mixing capacity of the flow</a:t>
-            </a:r>
-          </a:p>
-          <a:p>
-            <a:pPr marL="1504919" lvl="2" indent="-285750">
-              <a:lnSpc>
-                <a:spcPct val="100000"/>
-              </a:lnSpc>
-            </a:pPr>
-            <a:r>
-              <a:rPr lang="en-US" dirty="0"/>
-              <a:t>Chaotic nature of the solutions</a:t>
-            </a:r>
-          </a:p>
-          <a:p>
-            <a:pPr marL="895335" lvl="1" indent="-285750">
-              <a:lnSpc>
-                <a:spcPct val="100000"/>
-              </a:lnSpc>
-            </a:pPr>
-            <a:r>
-              <a:rPr lang="en-US" dirty="0"/>
-              <a:t>Modelling:</a:t>
-            </a:r>
-          </a:p>
-          <a:p>
-            <a:pPr marL="1504919" lvl="2" indent="-285750">
-              <a:lnSpc>
-                <a:spcPct val="100000"/>
-              </a:lnSpc>
-            </a:pPr>
-            <a:r>
-              <a:rPr lang="en-US" dirty="0"/>
-              <a:t>Lack analytical solutions except for simple flow cases</a:t>
-            </a:r>
-          </a:p>
-          <a:p>
-            <a:pPr marL="1504919" lvl="2" indent="-285750">
-              <a:lnSpc>
-                <a:spcPct val="100000"/>
-              </a:lnSpc>
-            </a:pPr>
-            <a:r>
-              <a:rPr lang="en-US" dirty="0">
-                <a:sym typeface="Wingdings" panose="05000000000000000000" pitchFamily="2" charset="2"/>
-              </a:rPr>
-              <a:t>CFD simulations required for complex flow cases</a:t>
-            </a:r>
-          </a:p>
-          <a:p>
-            <a:pPr marL="1504919" lvl="2" indent="-285750">
-              <a:lnSpc>
-                <a:spcPct val="100000"/>
-              </a:lnSpc>
-            </a:pPr>
-            <a:r>
-              <a:rPr lang="en-US" dirty="0">
-                <a:sym typeface="Wingdings" panose="05000000000000000000" pitchFamily="2" charset="2"/>
-              </a:rPr>
-              <a:t>Typical modelling techniques</a:t>
-            </a:r>
-          </a:p>
-          <a:p>
-            <a:pPr marL="2114504" lvl="3" indent="-285750">
-              <a:lnSpc>
-                <a:spcPct val="100000"/>
-              </a:lnSpc>
-            </a:pPr>
-            <a:r>
-              <a:rPr lang="en-US" dirty="0">
-                <a:sym typeface="Wingdings" panose="05000000000000000000" pitchFamily="2" charset="2"/>
-              </a:rPr>
-              <a:t>Governing equations  Averaged or filtered</a:t>
-            </a:r>
-          </a:p>
-          <a:p>
-            <a:pPr marL="2114504" lvl="3" indent="-285750">
-              <a:lnSpc>
-                <a:spcPct val="100000"/>
-              </a:lnSpc>
-            </a:pPr>
-            <a:r>
-              <a:rPr lang="en-US" dirty="0">
-                <a:sym typeface="Wingdings" panose="05000000000000000000" pitchFamily="2" charset="2"/>
-              </a:rPr>
-              <a:t>Closure problem  Model fluctuating components using mean flow properties</a:t>
-            </a:r>
-          </a:p>
-          <a:p>
-            <a:pPr marL="2114504" lvl="3" indent="-285750">
-              <a:lnSpc>
-                <a:spcPct val="100000"/>
-              </a:lnSpc>
-            </a:pPr>
-            <a:r>
-              <a:rPr lang="en-US" dirty="0">
-                <a:sym typeface="Wingdings" panose="05000000000000000000" pitchFamily="2" charset="2"/>
-              </a:rPr>
-              <a:t>Stochastic methods</a:t>
-            </a:r>
-          </a:p>
-          <a:p>
-            <a:pPr marL="1504919" lvl="2" indent="-285750">
-              <a:lnSpc>
-                <a:spcPct val="100000"/>
-              </a:lnSpc>
-            </a:pPr>
-            <a:r>
-              <a:rPr lang="en-US" b="1" dirty="0">
-                <a:sym typeface="Wingdings" panose="05000000000000000000" pitchFamily="2" charset="2"/>
-              </a:rPr>
-              <a:t>Eulerian frameworks</a:t>
-            </a:r>
-          </a:p>
-          <a:p>
-            <a:pPr marL="285750" indent="-285750">
-              <a:lnSpc>
-                <a:spcPct val="100000"/>
-              </a:lnSpc>
-            </a:pPr>
-            <a:r>
-              <a:rPr lang="en-US" dirty="0">
-                <a:sym typeface="Wingdings" panose="05000000000000000000" pitchFamily="2" charset="2"/>
-              </a:rPr>
-              <a:t>Lagrangian Modelling – SPH:</a:t>
-            </a:r>
-          </a:p>
-          <a:p>
-            <a:pPr marL="895335" lvl="1" indent="-285750">
-              <a:lnSpc>
-                <a:spcPct val="100000"/>
-              </a:lnSpc>
-            </a:pPr>
-            <a:r>
-              <a:rPr lang="en-US" dirty="0">
-                <a:sym typeface="Wingdings" panose="05000000000000000000" pitchFamily="2" charset="2"/>
-              </a:rPr>
-              <a:t>No background mesh required  Large deformations, complex boundary dynamics</a:t>
-            </a:r>
-          </a:p>
-          <a:p>
-            <a:pPr marL="895335" lvl="1" indent="-285750">
-              <a:lnSpc>
-                <a:spcPct val="100000"/>
-              </a:lnSpc>
-            </a:pPr>
-            <a:r>
-              <a:rPr lang="en-US" dirty="0">
-                <a:sym typeface="Wingdings" panose="05000000000000000000" pitchFamily="2" charset="2"/>
-              </a:rPr>
-              <a:t>Simplifies model implementation and parallelization to multi-core architectures</a:t>
-            </a:r>
-          </a:p>
-          <a:p>
-            <a:pPr marL="895335" lvl="1" indent="-285750">
-              <a:lnSpc>
-                <a:spcPct val="100000"/>
-              </a:lnSpc>
-            </a:pPr>
-            <a:endParaRPr lang="en-US" dirty="0">
-              <a:sym typeface="Wingdings" panose="05000000000000000000" pitchFamily="2" charset="2"/>
-            </a:endParaRPr>
-          </a:p>
-          <a:p>
-            <a:pPr marL="895335" lvl="1" indent="-285750">
-              <a:lnSpc>
-                <a:spcPct val="100000"/>
-              </a:lnSpc>
-            </a:pPr>
-            <a:endParaRPr lang="en-US" dirty="0">
-              <a:sym typeface="Wingdings" panose="05000000000000000000" pitchFamily="2" charset="2"/>
-            </a:endParaRPr>
-          </a:p>
-          <a:p>
-            <a:pPr marL="285750" indent="-285750">
-              <a:lnSpc>
-                <a:spcPct val="100000"/>
-              </a:lnSpc>
-            </a:pPr>
-            <a:endParaRPr lang="en-US" dirty="0">
-              <a:sym typeface="Wingdings" panose="05000000000000000000" pitchFamily="2" charset="2"/>
-            </a:endParaRPr>
-          </a:p>
-          <a:p>
-            <a:pPr marL="2114504" lvl="3" indent="-285750">
-              <a:lnSpc>
-                <a:spcPct val="100000"/>
-              </a:lnSpc>
-            </a:pPr>
-            <a:endParaRPr lang="en-US" dirty="0">
-              <a:sym typeface="Wingdings" panose="05000000000000000000" pitchFamily="2" charset="2"/>
-            </a:endParaRPr>
-          </a:p>
-          <a:p>
-            <a:pPr marL="1504919" lvl="2" indent="-285750">
-              <a:lnSpc>
-                <a:spcPct val="100000"/>
-              </a:lnSpc>
-            </a:pPr>
-            <a:endParaRPr lang="en-US" dirty="0">
-              <a:sym typeface="Wingdings" panose="05000000000000000000" pitchFamily="2" charset="2"/>
-            </a:endParaRPr>
-          </a:p>
-          <a:p>
-            <a:pPr marL="1504919" lvl="2" indent="-285750">
-              <a:lnSpc>
-                <a:spcPct val="100000"/>
-              </a:lnSpc>
-            </a:pPr>
-            <a:endParaRPr lang="en-US" dirty="0"/>
-          </a:p>
-          <a:p>
-            <a:pPr marL="895335" lvl="1" indent="-285750">
-              <a:lnSpc>
-                <a:spcPct val="100000"/>
-              </a:lnSpc>
-            </a:pPr>
-            <a:endParaRPr lang="en-US" dirty="0"/>
-          </a:p>
-          <a:p>
-            <a:pPr marL="895335" lvl="1" indent="-285750">
-              <a:lnSpc>
-                <a:spcPct val="100000"/>
-              </a:lnSpc>
-            </a:pPr>
-            <a:endParaRPr lang="en-US" dirty="0"/>
-          </a:p>
-          <a:p>
-            <a:pPr marL="895335" lvl="1" indent="-285750">
-              <a:lnSpc>
-                <a:spcPct val="100000"/>
-              </a:lnSpc>
-            </a:pPr>
-            <a:endParaRPr lang="en-US" dirty="0"/>
-          </a:p>
-          <a:p>
-            <a:pPr marL="285750" indent="-285750">
-              <a:lnSpc>
-                <a:spcPct val="100000"/>
-              </a:lnSpc>
-            </a:pPr>
-            <a:endParaRPr lang="en-US" dirty="0"/>
-          </a:p>
-        </p:txBody>
-      </p:sp>
-      <p:sp>
-        <p:nvSpPr>
-          <p:cNvPr id="339" name="Google Shape;339;p37"/>
-          <p:cNvSpPr/>
-          <p:nvPr/>
-        </p:nvSpPr>
-        <p:spPr>
-          <a:xfrm>
-            <a:off x="13400" y="0"/>
-            <a:ext cx="12192000" cy="763600"/>
-          </a:xfrm>
-          <a:prstGeom prst="rect">
-            <a:avLst/>
-          </a:prstGeom>
-          <a:solidFill>
-            <a:schemeClr val="lt2"/>
-          </a:solidFill>
-          <a:ln w="9525" cap="flat" cmpd="sng">
-            <a:solidFill>
-              <a:schemeClr val="dk2"/>
-            </a:solidFill>
-            <a:prstDash val="solid"/>
-            <a:round/>
-            <a:headEnd type="none" w="sm" len="sm"/>
-            <a:tailEnd type="none" w="sm" len="sm"/>
-          </a:ln>
-        </p:spPr>
-        <p:txBody>
-          <a:bodyPr spcFirstLastPara="1" wrap="square" lIns="121900" tIns="121900" rIns="121900" bIns="121900" anchor="ctr" anchorCtr="0">
-            <a:noAutofit/>
-          </a:bodyPr>
-          <a:lstStyle/>
-          <a:p>
-            <a:endParaRPr sz="1867"/>
-          </a:p>
-        </p:txBody>
-      </p:sp>
-      <p:sp>
-        <p:nvSpPr>
-          <p:cNvPr id="340" name="Google Shape;340;p37"/>
-          <p:cNvSpPr txBox="1">
-            <a:spLocks noGrp="1"/>
-          </p:cNvSpPr>
-          <p:nvPr>
-            <p:ph type="title"/>
-          </p:nvPr>
-        </p:nvSpPr>
-        <p:spPr>
-          <a:xfrm>
-            <a:off x="160733" y="0"/>
-            <a:ext cx="11867600" cy="763600"/>
-          </a:xfrm>
-          <a:prstGeom prst="rect">
-            <a:avLst/>
-          </a:prstGeom>
-        </p:spPr>
-        <p:txBody>
-          <a:bodyPr spcFirstLastPara="1" wrap="square" lIns="121900" tIns="121900" rIns="121900" bIns="121900" anchor="ctr" anchorCtr="0">
-            <a:normAutofit/>
-          </a:bodyPr>
-          <a:lstStyle/>
-          <a:p>
-            <a:r>
-              <a:rPr lang="en-US" b="1" dirty="0"/>
-              <a:t>Introduction </a:t>
-            </a:r>
-            <a:endParaRPr b="1" dirty="0"/>
-          </a:p>
-        </p:txBody>
-      </p:sp>
-      <p:sp>
-        <p:nvSpPr>
-          <p:cNvPr id="341" name="Google Shape;341;p37"/>
-          <p:cNvSpPr txBox="1">
-            <a:spLocks noGrp="1"/>
-          </p:cNvSpPr>
-          <p:nvPr>
-            <p:ph type="sldNum" idx="12"/>
-          </p:nvPr>
-        </p:nvSpPr>
-        <p:spPr>
-          <a:xfrm>
-            <a:off x="11296744" y="6333189"/>
-            <a:ext cx="731600" cy="524800"/>
-          </a:xfrm>
-          <a:prstGeom prst="rect">
-            <a:avLst/>
-          </a:prstGeom>
-        </p:spPr>
-        <p:txBody>
-          <a:bodyPr spcFirstLastPara="1" wrap="square" lIns="121900" tIns="121900" rIns="121900" bIns="121900" anchor="ctr" anchorCtr="0">
-            <a:normAutofit/>
-          </a:bodyPr>
-          <a:lstStyle/>
-          <a:p>
-            <a:fld id="{00000000-1234-1234-1234-123412341234}" type="slidenum">
-              <a:rPr lang="en"/>
-              <a:pPr/>
-              <a:t>2</a:t>
-            </a:fld>
-            <a:endParaRPr/>
-          </a:p>
-        </p:txBody>
-      </p:sp>
-      <p:pic>
-        <p:nvPicPr>
-          <p:cNvPr id="1026" name="Picture 2">
-            <a:extLst>
-              <a:ext uri="{FF2B5EF4-FFF2-40B4-BE49-F238E27FC236}">
-                <a16:creationId xmlns:a16="http://schemas.microsoft.com/office/drawing/2014/main" id="{67FF7DF4-C0F4-4CB3-B7D3-6F59012E5D74}"/>
-              </a:ext>
-            </a:extLst>
-          </p:cNvPr>
-          <p:cNvPicPr>
-            <a:picLocks noChangeAspect="1" noChangeArrowheads="1"/>
-          </p:cNvPicPr>
-          <p:nvPr/>
-        </p:nvPicPr>
-        <p:blipFill>
-          <a:blip r:embed="rId3">
-            <a:extLst>
-              <a:ext uri="{28A0092B-C50C-407E-A947-70E740481C1C}">
-                <a14:useLocalDpi xmlns:a14="http://schemas.microsoft.com/office/drawing/2010/main" val="0"/>
-              </a:ext>
-            </a:extLst>
-          </a:blip>
-          <a:srcRect/>
-          <a:stretch>
-            <a:fillRect/>
-          </a:stretch>
-        </p:blipFill>
-        <p:spPr bwMode="auto">
-          <a:xfrm>
-            <a:off x="10469488" y="2593910"/>
-            <a:ext cx="1558845" cy="2008414"/>
-          </a:xfrm>
-          <a:prstGeom prst="rect">
-            <a:avLst/>
-          </a:prstGeom>
-          <a:noFill/>
-          <a:extLst>
-            <a:ext uri="{909E8E84-426E-40DD-AFC4-6F175D3DCCD1}">
-              <a14:hiddenFill xmlns:a14="http://schemas.microsoft.com/office/drawing/2010/main">
-                <a:solidFill>
-                  <a:srgbClr val="FFFFFF"/>
-                </a:solidFill>
-              </a14:hiddenFill>
-            </a:ext>
-          </a:extLst>
-        </p:spPr>
-      </p:pic>
-    </p:spTree>
-    <p:extLst>
-      <p:ext uri="{BB962C8B-B14F-4D97-AF65-F5344CB8AC3E}">
-        <p14:creationId xmlns:p14="http://schemas.microsoft.com/office/powerpoint/2010/main" val="1115845575"/>
-      </p:ext>
-    </p:extLst>
   </p:cSld>
   <p:clrMapOvr>
     <a:masterClrMapping/>
@@ -15731,6 +18412,46 @@
   <p:tag name="LATEXADDIN" val="\documentclass{article}&#10;\usepackage{bbm}&#10;\usepackage{bm}&#10;\usepackage{amsmath}&#10;\usepackage{amssymb}&#10;\pagestyle{empty}&#10;&#10;% --------------------------------&#10;%% Custom Math Commands&#10;% --------------------------------&#10;\newcommand{\abs}[1]{\mid #1 \mid}&#10;&#10;\newcommand{\bb}[1]{\mathbb{#1}}&#10;&#10;\newcommand{\LagDerivative}[2][t]{\frac{\operatorname{D} #2}{\operatorname{D} #1}}&#10;&#10;\newcommand{\PartialDerivative}[2][t]{\frac{\partial #2}{\partial #1}}&#10;&#10;\newcommand{\vect}[1]{\mathbf{#1}}&#10;&#10;\newcommand{\tensor}[1]{\underline{\bm{#1}}}&#10;&#10;\newcommand{\WIJ}{W_{h, ij}}&#10;&#10;\newcommand{\DWIJ}{\nabla_{i} W_{h, ij}}&#10;&#10;\newcommand{\VIJ}{\vect{v}_{ij}}&#10;&#10;\newcommand{\RIJ}{\vect{r}_{ij}}&#10;&#10;\newcommand{\RtwoIJ}[1][2]{\abs{\vect{r}_{ij}}^{#1}}&#10;&#10;\newcommand{\VtwoIJ}[1][2]{\abs{\vect{v}_{ij}}^{#1}}&#10;&#10;\newcommand{\MachineEpsilon}{\bm{\xi}}&#10;&#10;\newcommand{\EncAngBrk}[2][]{#1\langle #2 #1\rangle}&#10;&#10;\newcommand{\RAProp}[1]{\EncAngBrk{#1}}&#10;&#10;\newcommand{\FrobeniusInnerProduct}[2]{\EncAngBrk{\tensor{#1}, \tensor{#2}}}&#10;&#10;\newcommand{\FrobeniusNorm}[1]{||\tensor{#1}||_F}&#10;&#10;\newcommand{\BasisVect}[1][i]{\hat{\vect{e}}_{#1}}&#10;&#10;\newcommand{\HalfFrac}{\frac{1}{2}}&#10;&#10;\newcommand{\Vol}[1][V]{\mathcal{#1}}&#10;&#10;\newcommand{\Vorticity}{\bm{\omega}}&#10;&#10;\newcommand{\Boundary}{\bm{\Omega}}&#10;&#10;\newcommand{\WaveNumber}{\mathrm{k}}&#10;&#10;\newcommand{\WaveNumberVector}{\vect{k}}&#10;&#10;\newcommand{\TildeR}{\widetilde{\vect{r}}}&#10;&#10;\newcommand{\TildeV}{\widetilde{\vect{v}}}&#10;&#10;\newcommand{\TildeDeltaV}{\delta\TildeV}&#10;&#10;\newcommand{\TildeRho}{\widetilde{\rho}}&#10;&#10;\newcommand{\TildeP}{\widetilde{P}}&#10;&#10;\newcommand{\IntRThreeAndT}{\int_{\mathbb{R}^3}&#10;\int_{-\infty}^{\infty}}&#10;&#10;\newcommand{\SciNot}[3][10]{#2 \times {#1}^{#3}}&#10;&#10;\newcommand{\IntD}{d \tau d V_y}&#10;&#10;\newcommand{\TilePArgRp}{\TildeP(\TildeR_p, t)}&#10;&#10;\newcommand{\PhiRY}{\phi (\TildeR_p(t)-\vect{y}, t-\tau)}&#10;&#10;\newcommand{\PY}{P(\vect{y}, \tau)}&#10;&#10;\newcommand{\VY}{\vect{v}(\vect{y}, \tau)}&#10;&#10;\newcommand{\TildeVArgRp}{\TildeV (\TildeR_p, t)}&#10;&#10;% --------------------------------&#10;%% Equations&#10;% --------------------------------&#10;\begin{document}&#10;&#10;\begin{equation*}&#10;\nu_t = \rho (C_w \Delta x)^2 \frac{\FrobeniusInnerProduct{S^d}{S^d}^{3/2}}{\FrobeniusInnerProduct{S}{S}^{5/2} + \FrobeniusInnerProduct{S^d}{S^d}^{5/4}} \quad , \quad C_w=0.325&#10;\end{equation*}&#10;&#10;\begin{equation*}&#10;\tensor{S^d} = \HalfFrac \bigg( (\nabla \vect{v})^2 + \big((\nabla \vect{v})^T\big)^2 \bigg) - \frac{1}{3} \operatorname{tr}[(\nabla \vect{v})^2] \tensor{I}&#10;\end{equation*}&#10;&#10;\end{document}"/>
   <p:tag name="IGUANATEXSIZE" val="18.67"/>
   <p:tag name="IGUANATEXCURSOR" val="2409"/>
+  <p:tag name="TRANSPARENCY" val="True"/>
+  <p:tag name="LATEXENGINEID" val="0"/>
+  <p:tag name="TEMPFOLDER" val="C:\Users\prajw\Documents\temp\"/>
+  <p:tag name="LATEXFORMHEIGHT" val="320"/>
+  <p:tag name="LATEXFORMWIDTH" val="385"/>
+  <p:tag name="LATEXFORMWRAP" val="True"/>
+  <p:tag name="BITMAPVECTOR" val="0"/>
+</p:tagLst>
+</file>
+
+<file path=ppt/tags/tag6.xml><?xml version="1.0" encoding="utf-8"?>
+<p:tagLst xmlns:a="http://schemas.openxmlformats.org/drawingml/2006/main" xmlns:r="http://schemas.openxmlformats.org/officeDocument/2006/relationships" xmlns:p="http://schemas.openxmlformats.org/presentationml/2006/main">
+  <p:tag name="OUTPUTDPI" val="1200"/>
+  <p:tag name="ORIGINALHEIGHT" val="303.712"/>
+  <p:tag name="ORIGINALWIDTH" val="2261.717"/>
+  <p:tag name="OUTPUTTYPE" val="PNG"/>
+  <p:tag name="IGUANATEXVERSION" val="160"/>
+  <p:tag name="LATEXADDIN" val="\documentclass{article}&#10;\usepackage{bbm}&#10;\usepackage{bm}&#10;\usepackage{amsmath}&#10;\usepackage{amssymb}&#10;\pagestyle{empty}&#10;&#10;% --------------------------------&#10;%% Custom Math Commands&#10;% --------------------------------&#10;\newcommand{\abs}[1]{\mid #1 \mid}&#10;&#10;\newcommand{\bb}[1]{\mathbb{#1}}&#10;&#10;\newcommand{\LagDerivative}[2][t]{\frac{\operatorname{D} #2}{\operatorname{D} #1}}&#10;&#10;\newcommand{\PartialDerivative}[2][t]{\frac{\partial #2}{\partial #1}}&#10;&#10;\newcommand{\vect}[1]{\mathbf{#1}}&#10;&#10;\newcommand{\tensor}[1]{\underline{\bm{#1}}}&#10;&#10;\newcommand{\WIJ}{W_{h, ij}}&#10;&#10;\newcommand{\DWIJ}{\nabla_{i} W_{h, ij}}&#10;&#10;\newcommand{\VIJ}{\vect{v}_{ij}}&#10;&#10;\newcommand{\RIJ}{\vect{r}_{ij}}&#10;&#10;\newcommand{\RtwoIJ}[1][2]{\abs{\vect{r}_{ij}}^{#1}}&#10;&#10;\newcommand{\VtwoIJ}[1][2]{\abs{\vect{v}_{ij}}^{#1}}&#10;&#10;\newcommand{\MachineEpsilon}{\bm{\xi}}&#10;&#10;\newcommand{\EncAngBrk}[2][]{#1\langle #2 #1\rangle}&#10;&#10;\newcommand{\RAProp}[1]{\EncAngBrk{#1}}&#10;&#10;\newcommand{\FrobeniusInnerProduct}[2]{\EncAngBrk{\tensor{#1}, \tensor{#2}}}&#10;&#10;\newcommand{\FrobeniusNorm}[1]{||\tensor{#1}||_F}&#10;&#10;\newcommand{\BasisVect}[1][i]{\hat{\vect{e}}_{#1}}&#10;&#10;\newcommand{\HalfFrac}{\frac{1}{2}}&#10;&#10;\newcommand{\Vol}[1][V]{\mathcal{#1}}&#10;&#10;\newcommand{\Vorticity}{\bm{\omega}}&#10;&#10;\newcommand{\Boundary}{\bm{\Omega}}&#10;&#10;\newcommand{\WaveNumber}{\mathrm{k}}&#10;&#10;\newcommand{\WaveNumberVector}{\vect{k}}&#10;&#10;\newcommand{\TildeR}{\widetilde{\vect{r}}}&#10;&#10;\newcommand{\TildeV}{\widetilde{\vect{v}}}&#10;&#10;\newcommand{\TildeDeltaV}{\delta\TildeV}&#10;&#10;\newcommand{\TildeRho}{\widetilde{\rho}}&#10;&#10;\newcommand{\TildeP}{\widetilde{P}}&#10;&#10;\newcommand{\IntRThreeAndT}{\int_{\mathbb{R}^3}&#10;\int_{-\infty}^{\infty}}&#10;&#10;\newcommand{\SciNot}[3][10]{#2 \times {#1}^{#3}}&#10;&#10;\newcommand{\IntD}{d \tau d V_y}&#10;&#10;\newcommand{\TilePArgRp}{\TildeP(\TildeR_p, t)}&#10;&#10;\newcommand{\PhiRY}{\phi (\TildeR_p(t)-\vect{y}, t-\tau)}&#10;&#10;\newcommand{\PY}{P(\vect{y}, \tau)}&#10;&#10;\newcommand{\VY}{\vect{v}(\vect{y}, \tau)}&#10;&#10;\newcommand{\TildeVArgRp}{\TildeV (\TildeR_p, t)}&#10;&#10;% --------------------------------&#10;%% Equations&#10;% --------------------------------&#10;\begin{document}&#10;&#10;\begin{equation*}&#10;\widehat{\vect{v}}_i = \vect{v}_i - \varepsilon \sum_j \frac{m_j}{M_o} \VIJ K_{h', ij} \quad , \quad \varepsilon \in [0, 1]&#10;\end{equation*}&#10;&#10;\end{document}"/>
+  <p:tag name="IGUANATEXSIZE" val="18"/>
+  <p:tag name="IGUANATEXCURSOR" val="2164"/>
+  <p:tag name="TRANSPARENCY" val="True"/>
+  <p:tag name="LATEXENGINEID" val="0"/>
+  <p:tag name="TEMPFOLDER" val="C:\Users\prajw\Documents\temp\"/>
+  <p:tag name="LATEXFORMHEIGHT" val="320"/>
+  <p:tag name="LATEXFORMWIDTH" val="385"/>
+  <p:tag name="LATEXFORMWRAP" val="True"/>
+  <p:tag name="BITMAPVECTOR" val="0"/>
+</p:tagLst>
+</file>
+
+<file path=ppt/tags/tag7.xml><?xml version="1.0" encoding="utf-8"?>
+<p:tagLst xmlns:a="http://schemas.openxmlformats.org/drawingml/2006/main" xmlns:r="http://schemas.openxmlformats.org/officeDocument/2006/relationships" xmlns:p="http://schemas.openxmlformats.org/presentationml/2006/main">
+  <p:tag name="OUTPUTDPI" val="1200"/>
+  <p:tag name="ORIGINALHEIGHT" val="1381.327"/>
+  <p:tag name="ORIGINALWIDTH" val="2764.904"/>
+  <p:tag name="OUTPUTTYPE" val="PNG"/>
+  <p:tag name="IGUANATEXVERSION" val="160"/>
+  <p:tag name="LATEXADDIN" val="\documentclass{article}&#10;\usepackage{bbm}&#10;\usepackage{bm}&#10;\usepackage{amsmath}&#10;\usepackage{amssymb}&#10;\pagestyle{empty}&#10;&#10;% --------------------------------&#10;%% Custom Math Commands&#10;% --------------------------------&#10;\newcommand{\abs}[1]{\mid #1 \mid}&#10;&#10;\newcommand{\bb}[1]{\mathbb{#1}}&#10;&#10;\newcommand{\LagDerivative}[2][t]{\frac{\operatorname{D} #2}{\operatorname{D} #1}}&#10;&#10;\newcommand{\PartialDerivative}[2][t]{\frac{\partial #2}{\partial #1}}&#10;&#10;\newcommand{\vect}[1]{\mathbf{#1}}&#10;&#10;\newcommand{\tensor}[1]{\underline{\bm{#1}}}&#10;&#10;\newcommand{\WIJ}{W_{h, ij}}&#10;&#10;\newcommand{\DWIJ}{\nabla_{i} W_{h, ij}}&#10;&#10;\newcommand{\VIJ}{\vect{v}_{ij}}&#10;&#10;\newcommand{\RIJ}{\vect{r}_{ij}}&#10;&#10;\newcommand{\RtwoIJ}[1][2]{\abs{\vect{r}_{ij}}^{#1}}&#10;&#10;\newcommand{\VtwoIJ}[1][2]{\abs{\vect{v}_{ij}}^{#1}}&#10;&#10;\newcommand{\MachineEpsilon}{\bm{\xi}}&#10;&#10;\newcommand{\EncAngBrk}[2][]{#1\langle #2 #1\rangle}&#10;&#10;\newcommand{\RAProp}[1]{\EncAngBrk{#1}}&#10;&#10;\newcommand{\FrobeniusInnerProduct}[2]{\EncAngBrk{\tensor{#1}, \tensor{#2}}}&#10;&#10;\newcommand{\FrobeniusNorm}[1]{||\tensor{#1}||_F}&#10;&#10;\newcommand{\BasisVect}[1][i]{\hat{\vect{e}}_{#1}}&#10;&#10;\newcommand{\HalfFrac}{\frac{1}{2}}&#10;&#10;\newcommand{\Vol}[1][V]{\mathcal{#1}}&#10;&#10;\newcommand{\Vorticity}{\bm{\omega}}&#10;&#10;\newcommand{\Boundary}{\bm{\Omega}}&#10;&#10;\newcommand{\WaveNumber}{\mathrm{k}}&#10;&#10;\newcommand{\WaveNumberVector}{\vect{k}}&#10;&#10;\newcommand{\TildeR}{\widetilde{\vect{r}}}&#10;&#10;\newcommand{\TildeV}{\widetilde{\vect{v}}}&#10;&#10;\newcommand{\TildeDeltaV}{\delta\TildeV}&#10;&#10;\newcommand{\TildeRho}{\widetilde{\rho}}&#10;&#10;\newcommand{\TildeP}{\widetilde{P}}&#10;&#10;\newcommand{\IntRThreeAndT}{\int_{\mathbb{R}^3}&#10;\int_{-\infty}^{\infty}}&#10;&#10;\newcommand{\SciNot}[3][10]{#2 \times {#1}^{#3}}&#10;&#10;\newcommand{\IntD}{d \tau d V_y}&#10;&#10;\newcommand{\TilePArgRp}{\TildeP(\TildeR_p, t)}&#10;&#10;\newcommand{\PhiRY}{\phi (\TildeR_p(t)-\vect{y}, t-\tau)}&#10;&#10;\newcommand{\PY}{P(\vect{y}, \tau)}&#10;&#10;\newcommand{\VY}{\vect{v}(\vect{y}, \tau)}&#10;&#10;\newcommand{\TildeVArgRp}{\TildeV (\TildeR_p, t)}&#10;&#10;% --------------------------------&#10;%% Equations&#10;% --------------------------------&#10;\begin{document}&#10;&#10;\begin{equation*}&#10;v_{x, 0} = \sin(x) \cos(y) \cos(z)&#10;\end{equation*}&#10;&#10;\begin{equation*}&#10;v_{y, 0} = -\cos(x) \sin(y) \cos(z)&#10;\end{equation*}&#10;&#10;\begin{equation*}&#10;v_{z, 0} = 0&#10;\end{equation*}&#10;&#10;\begin{equation*}&#10;P_{0} = P_o + \frac{\rho_o \nu_o^2}{16} \bigg(2 + \cos(2z) \bigg) \bigg(\cos(2x) + \cos(2y) \bigg)&#10;\end{equation*}&#10;&#10;&#10;\end{document}"/>
+  <p:tag name="IGUANATEXSIZE" val="18.67"/>
+  <p:tag name="IGUANATEXCURSOR" val="2230"/>
   <p:tag name="TRANSPARENCY" val="True"/>
   <p:tag name="LATEXENGINEID" val="0"/>
   <p:tag name="TEMPFOLDER" val="C:\Users\prajw\Documents\temp\"/>

--- a/report/DDP Stage I - 2022.pptx
+++ b/report/DDP Stage I - 2022.pptx
@@ -12,8 +12,8 @@
     <p:sldId id="284" r:id="rId3"/>
     <p:sldId id="287" r:id="rId4"/>
     <p:sldId id="304" r:id="rId5"/>
-    <p:sldId id="288" r:id="rId6"/>
-    <p:sldId id="290" r:id="rId7"/>
+    <p:sldId id="290" r:id="rId6"/>
+    <p:sldId id="305" r:id="rId7"/>
     <p:sldId id="291" r:id="rId8"/>
     <p:sldId id="289" r:id="rId9"/>
     <p:sldId id="293" r:id="rId10"/>
@@ -37,6 +37,14 @@
   </p:sldIdLst>
   <p:sldSz cx="12192000" cy="6858000"/>
   <p:notesSz cx="6858000" cy="9144000"/>
+  <p:custShowLst>
+    <p:custShow name="Custom Show 1" id="0">
+      <p:sldLst>
+        <p:sld r:id="rId2"/>
+        <p:sld r:id="rId3"/>
+      </p:sldLst>
+    </p:custShow>
+  </p:custShowLst>
   <p:defaultTextStyle>
     <a:defPPr marR="0" lvl="0" algn="l" rtl="0">
       <a:lnSpc>
@@ -1119,7 +1127,13 @@
     </dgm:pt>
     <dgm:pt modelId="{1D90B20A-CF87-40C9-9B57-C47143906898}">
       <dgm:prSet phldrT="[Text]" custT="1"/>
-      <dgm:spPr/>
+      <dgm:spPr>
+        <a:solidFill>
+          <a:schemeClr val="bg2">
+            <a:lumMod val="75000"/>
+          </a:schemeClr>
+        </a:solidFill>
+      </dgm:spPr>
       <dgm:t>
         <a:bodyPr/>
         <a:lstStyle/>
@@ -1133,7 +1147,20 @@
     </dgm:pt>
     <dgm:pt modelId="{A0468C0B-16A2-42A5-9E92-D29ADBE35E62}" type="parTrans" cxnId="{543DC73D-AD8A-4D59-B953-4D40C22CADD9}">
       <dgm:prSet/>
-      <dgm:spPr/>
+      <dgm:spPr>
+        <a:solidFill>
+          <a:schemeClr val="bg2">
+            <a:lumMod val="75000"/>
+          </a:schemeClr>
+        </a:solidFill>
+        <a:ln>
+          <a:solidFill>
+            <a:schemeClr val="bg2">
+              <a:lumMod val="75000"/>
+            </a:schemeClr>
+          </a:solidFill>
+        </a:ln>
+      </dgm:spPr>
       <dgm:t>
         <a:bodyPr/>
         <a:lstStyle/>
@@ -1155,7 +1182,13 @@
     </dgm:pt>
     <dgm:pt modelId="{ABAE9ACD-0642-473C-A5F6-79449C479B07}">
       <dgm:prSet phldrT="[Text]" custT="1"/>
-      <dgm:spPr/>
+      <dgm:spPr>
+        <a:solidFill>
+          <a:schemeClr val="bg2">
+            <a:lumMod val="75000"/>
+          </a:schemeClr>
+        </a:solidFill>
+      </dgm:spPr>
       <dgm:t>
         <a:bodyPr/>
         <a:lstStyle/>
@@ -1169,7 +1202,15 @@
     </dgm:pt>
     <dgm:pt modelId="{47B90882-E34F-41DE-96F5-6676F0AE9633}" type="parTrans" cxnId="{1D2FC3E8-6184-4003-A8F0-3214C2A2608C}">
       <dgm:prSet/>
-      <dgm:spPr/>
+      <dgm:spPr>
+        <a:ln>
+          <a:solidFill>
+            <a:schemeClr val="bg2">
+              <a:lumMod val="75000"/>
+            </a:schemeClr>
+          </a:solidFill>
+        </a:ln>
+      </dgm:spPr>
       <dgm:t>
         <a:bodyPr/>
         <a:lstStyle/>
@@ -1191,7 +1232,13 @@
     </dgm:pt>
     <dgm:pt modelId="{B17E0DA2-7AD7-48A5-90DB-EB3DCE566DF0}">
       <dgm:prSet phldrT="[Text]" custT="1"/>
-      <dgm:spPr/>
+      <dgm:spPr>
+        <a:solidFill>
+          <a:schemeClr val="bg2">
+            <a:lumMod val="75000"/>
+          </a:schemeClr>
+        </a:solidFill>
+      </dgm:spPr>
       <dgm:t>
         <a:bodyPr/>
         <a:lstStyle/>
@@ -1205,7 +1252,15 @@
     </dgm:pt>
     <dgm:pt modelId="{1E25E818-ACC7-4144-8DDA-61BC86DB0986}" type="parTrans" cxnId="{451F8F91-A858-4C87-942A-9A6936EC8E5F}">
       <dgm:prSet/>
-      <dgm:spPr/>
+      <dgm:spPr>
+        <a:ln>
+          <a:solidFill>
+            <a:schemeClr val="bg2">
+              <a:lumMod val="75000"/>
+            </a:schemeClr>
+          </a:solidFill>
+        </a:ln>
+      </dgm:spPr>
       <dgm:t>
         <a:bodyPr/>
         <a:lstStyle/>
@@ -1227,7 +1282,13 @@
     </dgm:pt>
     <dgm:pt modelId="{AAA475BB-0DA1-4ACF-A43F-B145F4387A08}">
       <dgm:prSet phldrT="[Text]" custT="1"/>
-      <dgm:spPr/>
+      <dgm:spPr>
+        <a:solidFill>
+          <a:schemeClr val="bg2">
+            <a:lumMod val="75000"/>
+          </a:schemeClr>
+        </a:solidFill>
+      </dgm:spPr>
       <dgm:t>
         <a:bodyPr/>
         <a:lstStyle/>
@@ -1241,7 +1302,15 @@
     </dgm:pt>
     <dgm:pt modelId="{44732EEE-8951-4B41-BB72-6F8D14A5E99A}" type="parTrans" cxnId="{F50E5A2A-3C28-403A-8F38-25D33A30C3CE}">
       <dgm:prSet/>
-      <dgm:spPr/>
+      <dgm:spPr>
+        <a:ln>
+          <a:solidFill>
+            <a:schemeClr val="bg2">
+              <a:lumMod val="75000"/>
+            </a:schemeClr>
+          </a:solidFill>
+        </a:ln>
+      </dgm:spPr>
       <dgm:t>
         <a:bodyPr/>
         <a:lstStyle/>
@@ -1263,7 +1332,13 @@
     </dgm:pt>
     <dgm:pt modelId="{B2E0FC4F-8F86-4097-99B1-2B306DBF6E06}">
       <dgm:prSet phldrT="[Text]" custT="1"/>
-      <dgm:spPr/>
+      <dgm:spPr>
+        <a:solidFill>
+          <a:schemeClr val="bg2">
+            <a:lumMod val="75000"/>
+          </a:schemeClr>
+        </a:solidFill>
+      </dgm:spPr>
       <dgm:t>
         <a:bodyPr/>
         <a:lstStyle/>
@@ -1277,7 +1352,20 @@
     </dgm:pt>
     <dgm:pt modelId="{5A263D22-6844-4D37-8BD1-88A39A41AA04}" type="parTrans" cxnId="{CB3866CF-7B67-4A42-85ED-C51116834857}">
       <dgm:prSet/>
-      <dgm:spPr/>
+      <dgm:spPr>
+        <a:solidFill>
+          <a:schemeClr val="bg2">
+            <a:lumMod val="75000"/>
+          </a:schemeClr>
+        </a:solidFill>
+        <a:ln>
+          <a:solidFill>
+            <a:schemeClr val="bg2">
+              <a:lumMod val="75000"/>
+            </a:schemeClr>
+          </a:solidFill>
+        </a:ln>
+      </dgm:spPr>
       <dgm:t>
         <a:bodyPr/>
         <a:lstStyle/>
@@ -1299,7 +1387,13 @@
     </dgm:pt>
     <dgm:pt modelId="{A4B059C4-B87F-4E8C-8205-C51406468EC9}">
       <dgm:prSet phldrT="[Text]" custT="1"/>
-      <dgm:spPr/>
+      <dgm:spPr>
+        <a:solidFill>
+          <a:schemeClr val="accent5">
+            <a:lumMod val="75000"/>
+          </a:schemeClr>
+        </a:solidFill>
+      </dgm:spPr>
       <dgm:t>
         <a:bodyPr/>
         <a:lstStyle/>
@@ -1335,7 +1429,13 @@
     </dgm:pt>
     <dgm:pt modelId="{B21EFC55-A8C2-4D38-AEDB-DDECAC5B057C}">
       <dgm:prSet phldrT="[Text]" custT="1"/>
-      <dgm:spPr/>
+      <dgm:spPr>
+        <a:solidFill>
+          <a:schemeClr val="accent5">
+            <a:lumMod val="75000"/>
+          </a:schemeClr>
+        </a:solidFill>
+      </dgm:spPr>
       <dgm:t>
         <a:bodyPr/>
         <a:lstStyle/>
@@ -1371,7 +1471,13 @@
     </dgm:pt>
     <dgm:pt modelId="{54D06123-BBA6-46E2-BCE0-A3A07A01F5E4}">
       <dgm:prSet phldrT="[Text]" custT="1"/>
-      <dgm:spPr/>
+      <dgm:spPr>
+        <a:solidFill>
+          <a:schemeClr val="accent5">
+            <a:lumMod val="75000"/>
+          </a:schemeClr>
+        </a:solidFill>
+      </dgm:spPr>
       <dgm:t>
         <a:bodyPr/>
         <a:lstStyle/>
@@ -1407,7 +1513,13 @@
     </dgm:pt>
     <dgm:pt modelId="{7678D4D3-3481-4781-97D5-8EDC78DFB510}">
       <dgm:prSet phldrT="[Text]" custT="1"/>
-      <dgm:spPr/>
+      <dgm:spPr>
+        <a:solidFill>
+          <a:schemeClr val="accent5">
+            <a:lumMod val="75000"/>
+          </a:schemeClr>
+        </a:solidFill>
+      </dgm:spPr>
       <dgm:t>
         <a:bodyPr/>
         <a:lstStyle/>
@@ -1457,7 +1569,7 @@
     <dgm:pt modelId="{381EDDD9-3152-40A3-A00E-3F8ACA4D2FE0}" type="pres">
       <dgm:prSet presAssocID="{705A7AAF-9BA0-4BFD-B26B-B3CC49E6B79C}" presName="hierRoot1" presStyleCnt="0">
         <dgm:presLayoutVars>
-          <dgm:hierBranch val="init"/>
+          <dgm:hierBranch/>
         </dgm:presLayoutVars>
       </dgm:prSet>
       <dgm:spPr/>
@@ -1482,14 +1594,14 @@
       <dgm:prSet presAssocID="{705A7AAF-9BA0-4BFD-B26B-B3CC49E6B79C}" presName="hierChild2" presStyleCnt="0"/>
       <dgm:spPr/>
     </dgm:pt>
-    <dgm:pt modelId="{08E28C1E-3726-4995-8BBD-CF1A4027B8C4}" type="pres">
+    <dgm:pt modelId="{B69A1826-AB8B-474B-9370-C1D63D1FBF68}" type="pres">
       <dgm:prSet presAssocID="{A0468C0B-16A2-42A5-9E92-D29ADBE35E62}" presName="Name64" presStyleLbl="parChTrans1D2" presStyleIdx="0" presStyleCnt="5"/>
       <dgm:spPr/>
     </dgm:pt>
     <dgm:pt modelId="{FE3953C6-0F5F-4218-B26A-B1712EEC3924}" type="pres">
       <dgm:prSet presAssocID="{1D90B20A-CF87-40C9-9B57-C47143906898}" presName="hierRoot2" presStyleCnt="0">
         <dgm:presLayoutVars>
-          <dgm:hierBranch val="init"/>
+          <dgm:hierBranch/>
         </dgm:presLayoutVars>
       </dgm:prSet>
       <dgm:spPr/>
@@ -1514,14 +1626,14 @@
       <dgm:prSet presAssocID="{1D90B20A-CF87-40C9-9B57-C47143906898}" presName="hierChild4" presStyleCnt="0"/>
       <dgm:spPr/>
     </dgm:pt>
-    <dgm:pt modelId="{68D478F5-0C47-47CD-8D62-2A2650927F62}" type="pres">
+    <dgm:pt modelId="{797DB53D-32C7-4DA0-9900-D4456F4261DB}" type="pres">
       <dgm:prSet presAssocID="{89F5D055-B54E-4AA3-9D64-B1B1D0DEF28C}" presName="Name64" presStyleLbl="parChTrans1D3" presStyleIdx="0" presStyleCnt="4"/>
       <dgm:spPr/>
     </dgm:pt>
     <dgm:pt modelId="{30B6FFDC-F005-4670-93E5-0E43A6EF1509}" type="pres">
       <dgm:prSet presAssocID="{A4B059C4-B87F-4E8C-8205-C51406468EC9}" presName="hierRoot2" presStyleCnt="0">
         <dgm:presLayoutVars>
-          <dgm:hierBranch val="init"/>
+          <dgm:hierBranch/>
         </dgm:presLayoutVars>
       </dgm:prSet>
       <dgm:spPr/>
@@ -1550,14 +1662,14 @@
       <dgm:prSet presAssocID="{A4B059C4-B87F-4E8C-8205-C51406468EC9}" presName="hierChild5" presStyleCnt="0"/>
       <dgm:spPr/>
     </dgm:pt>
-    <dgm:pt modelId="{8E90C71C-217C-4484-8190-8ECFFE739D6E}" type="pres">
+    <dgm:pt modelId="{909ABB21-056B-4D9F-8348-1E34CBFD887B}" type="pres">
       <dgm:prSet presAssocID="{2D12823B-18FC-4C13-8B16-11024DE4F07B}" presName="Name64" presStyleLbl="parChTrans1D3" presStyleIdx="1" presStyleCnt="4"/>
       <dgm:spPr/>
     </dgm:pt>
     <dgm:pt modelId="{A483F36C-77E0-4A06-83CB-3D4CDEA9260C}" type="pres">
       <dgm:prSet presAssocID="{B21EFC55-A8C2-4D38-AEDB-DDECAC5B057C}" presName="hierRoot2" presStyleCnt="0">
         <dgm:presLayoutVars>
-          <dgm:hierBranch val="init"/>
+          <dgm:hierBranch/>
         </dgm:presLayoutVars>
       </dgm:prSet>
       <dgm:spPr/>
@@ -1590,14 +1702,14 @@
       <dgm:prSet presAssocID="{1D90B20A-CF87-40C9-9B57-C47143906898}" presName="hierChild5" presStyleCnt="0"/>
       <dgm:spPr/>
     </dgm:pt>
-    <dgm:pt modelId="{DB93B23D-3654-42F6-B419-E0266B1F467D}" type="pres">
+    <dgm:pt modelId="{6FE4442A-205D-4882-A7E1-84BAB4D663E6}" type="pres">
       <dgm:prSet presAssocID="{47B90882-E34F-41DE-96F5-6676F0AE9633}" presName="Name64" presStyleLbl="parChTrans1D2" presStyleIdx="1" presStyleCnt="5"/>
       <dgm:spPr/>
     </dgm:pt>
     <dgm:pt modelId="{521FAE11-E3AC-42DC-AE78-BC5193B23157}" type="pres">
       <dgm:prSet presAssocID="{ABAE9ACD-0642-473C-A5F6-79449C479B07}" presName="hierRoot2" presStyleCnt="0">
         <dgm:presLayoutVars>
-          <dgm:hierBranch val="init"/>
+          <dgm:hierBranch/>
         </dgm:presLayoutVars>
       </dgm:prSet>
       <dgm:spPr/>
@@ -1622,14 +1734,14 @@
       <dgm:prSet presAssocID="{ABAE9ACD-0642-473C-A5F6-79449C479B07}" presName="hierChild4" presStyleCnt="0"/>
       <dgm:spPr/>
     </dgm:pt>
-    <dgm:pt modelId="{C1F76DD6-B685-4E5B-A941-315678D4EF96}" type="pres">
+    <dgm:pt modelId="{4632A73F-05E2-4DEF-8987-902C3147852E}" type="pres">
       <dgm:prSet presAssocID="{03D4220D-07FF-4AAA-8C63-8FE03B425311}" presName="Name64" presStyleLbl="parChTrans1D3" presStyleIdx="2" presStyleCnt="4"/>
       <dgm:spPr/>
     </dgm:pt>
     <dgm:pt modelId="{27FBA0FF-05B9-426C-AB0E-569CBDB7DDAF}" type="pres">
       <dgm:prSet presAssocID="{54D06123-BBA6-46E2-BCE0-A3A07A01F5E4}" presName="hierRoot2" presStyleCnt="0">
         <dgm:presLayoutVars>
-          <dgm:hierBranch val="init"/>
+          <dgm:hierBranch/>
         </dgm:presLayoutVars>
       </dgm:prSet>
       <dgm:spPr/>
@@ -1658,14 +1770,14 @@
       <dgm:prSet presAssocID="{54D06123-BBA6-46E2-BCE0-A3A07A01F5E4}" presName="hierChild5" presStyleCnt="0"/>
       <dgm:spPr/>
     </dgm:pt>
-    <dgm:pt modelId="{23A11258-3936-46D8-8799-C63DD202D41D}" type="pres">
+    <dgm:pt modelId="{1F9E0327-11D7-4C99-BC69-AFB1A7F6A24E}" type="pres">
       <dgm:prSet presAssocID="{16FFCE90-49E3-408A-8F04-44ADE8752353}" presName="Name64" presStyleLbl="parChTrans1D3" presStyleIdx="3" presStyleCnt="4"/>
       <dgm:spPr/>
     </dgm:pt>
     <dgm:pt modelId="{96AC9338-77B5-438A-AD6B-BD22C85CB540}" type="pres">
       <dgm:prSet presAssocID="{7678D4D3-3481-4781-97D5-8EDC78DFB510}" presName="hierRoot2" presStyleCnt="0">
         <dgm:presLayoutVars>
-          <dgm:hierBranch val="init"/>
+          <dgm:hierBranch/>
         </dgm:presLayoutVars>
       </dgm:prSet>
       <dgm:spPr/>
@@ -1698,14 +1810,14 @@
       <dgm:prSet presAssocID="{ABAE9ACD-0642-473C-A5F6-79449C479B07}" presName="hierChild5" presStyleCnt="0"/>
       <dgm:spPr/>
     </dgm:pt>
-    <dgm:pt modelId="{DDE45145-B60C-4CB5-A180-F951087061C7}" type="pres">
+    <dgm:pt modelId="{DE95D286-C585-4C12-8E5B-E77FD804F6D2}" type="pres">
       <dgm:prSet presAssocID="{1E25E818-ACC7-4144-8DDA-61BC86DB0986}" presName="Name64" presStyleLbl="parChTrans1D2" presStyleIdx="2" presStyleCnt="5"/>
       <dgm:spPr/>
     </dgm:pt>
     <dgm:pt modelId="{0D34A365-2D96-4B88-A877-0BC1483AA65D}" type="pres">
       <dgm:prSet presAssocID="{B17E0DA2-7AD7-48A5-90DB-EB3DCE566DF0}" presName="hierRoot2" presStyleCnt="0">
         <dgm:presLayoutVars>
-          <dgm:hierBranch val="init"/>
+          <dgm:hierBranch/>
         </dgm:presLayoutVars>
       </dgm:prSet>
       <dgm:spPr/>
@@ -1734,14 +1846,14 @@
       <dgm:prSet presAssocID="{B17E0DA2-7AD7-48A5-90DB-EB3DCE566DF0}" presName="hierChild5" presStyleCnt="0"/>
       <dgm:spPr/>
     </dgm:pt>
-    <dgm:pt modelId="{F544394A-2E23-4745-B814-2D40F5FEDD03}" type="pres">
+    <dgm:pt modelId="{E896FABC-9A5C-4238-A19E-80D7E0562EAD}" type="pres">
       <dgm:prSet presAssocID="{44732EEE-8951-4B41-BB72-6F8D14A5E99A}" presName="Name64" presStyleLbl="parChTrans1D2" presStyleIdx="3" presStyleCnt="5"/>
       <dgm:spPr/>
     </dgm:pt>
     <dgm:pt modelId="{9AAD0291-F094-4BD1-A22D-909A33E6EA5F}" type="pres">
       <dgm:prSet presAssocID="{AAA475BB-0DA1-4ACF-A43F-B145F4387A08}" presName="hierRoot2" presStyleCnt="0">
         <dgm:presLayoutVars>
-          <dgm:hierBranch val="init"/>
+          <dgm:hierBranch/>
         </dgm:presLayoutVars>
       </dgm:prSet>
       <dgm:spPr/>
@@ -1770,14 +1882,14 @@
       <dgm:prSet presAssocID="{AAA475BB-0DA1-4ACF-A43F-B145F4387A08}" presName="hierChild5" presStyleCnt="0"/>
       <dgm:spPr/>
     </dgm:pt>
-    <dgm:pt modelId="{CAAAB844-050D-4CD8-82A6-DD728DC9B461}" type="pres">
+    <dgm:pt modelId="{BE111D7C-7187-4091-B028-92CAB69DD318}" type="pres">
       <dgm:prSet presAssocID="{5A263D22-6844-4D37-8BD1-88A39A41AA04}" presName="Name64" presStyleLbl="parChTrans1D2" presStyleIdx="4" presStyleCnt="5"/>
       <dgm:spPr/>
     </dgm:pt>
     <dgm:pt modelId="{3CF639BB-1B1C-460D-8333-69D6868CA84F}" type="pres">
       <dgm:prSet presAssocID="{B2E0FC4F-8F86-4097-99B1-2B306DBF6E06}" presName="hierRoot2" presStyleCnt="0">
         <dgm:presLayoutVars>
-          <dgm:hierBranch val="init"/>
+          <dgm:hierBranch/>
         </dgm:presLayoutVars>
       </dgm:prSet>
       <dgm:spPr/>
@@ -1813,43 +1925,43 @@
   </dgm:ptLst>
   <dgm:cxnLst>
     <dgm:cxn modelId="{C310BF00-8937-4FA9-9954-970CE7A755E2}" type="presOf" srcId="{B2E0FC4F-8F86-4097-99B1-2B306DBF6E06}" destId="{2416EC97-F0F7-4977-AEBF-21DDEB41CF2D}" srcOrd="0" destOrd="0" presId="urn:microsoft.com/office/officeart/2009/3/layout/HorizontalOrganizationChart"/>
+    <dgm:cxn modelId="{88FAEF00-A1B6-4E6C-BCFE-A0B1730F8C2C}" type="presOf" srcId="{2D12823B-18FC-4C13-8B16-11024DE4F07B}" destId="{909ABB21-056B-4D9F-8348-1E34CBFD887B}" srcOrd="0" destOrd="0" presId="urn:microsoft.com/office/officeart/2009/3/layout/HorizontalOrganizationChart"/>
     <dgm:cxn modelId="{D5A4DB03-07D0-4356-AE26-85B35A1E2454}" type="presOf" srcId="{ABAE9ACD-0642-473C-A5F6-79449C479B07}" destId="{6BFEA712-57BB-42FC-A0AC-3BD7D145259D}" srcOrd="0" destOrd="0" presId="urn:microsoft.com/office/officeart/2009/3/layout/HorizontalOrganizationChart"/>
-    <dgm:cxn modelId="{F99ACC10-EA5B-45E0-9851-45193CE2EE25}" type="presOf" srcId="{89F5D055-B54E-4AA3-9D64-B1B1D0DEF28C}" destId="{68D478F5-0C47-47CD-8D62-2A2650927F62}" srcOrd="0" destOrd="0" presId="urn:microsoft.com/office/officeart/2009/3/layout/HorizontalOrganizationChart"/>
+    <dgm:cxn modelId="{525C642A-7229-4260-8C09-C1661E6A2CFB}" type="presOf" srcId="{A0468C0B-16A2-42A5-9E92-D29ADBE35E62}" destId="{B69A1826-AB8B-474B-9370-C1D63D1FBF68}" srcOrd="0" destOrd="0" presId="urn:microsoft.com/office/officeart/2009/3/layout/HorizontalOrganizationChart"/>
     <dgm:cxn modelId="{F50E5A2A-3C28-403A-8F38-25D33A30C3CE}" srcId="{705A7AAF-9BA0-4BFD-B26B-B3CC49E6B79C}" destId="{AAA475BB-0DA1-4ACF-A43F-B145F4387A08}" srcOrd="3" destOrd="0" parTransId="{44732EEE-8951-4B41-BB72-6F8D14A5E99A}" sibTransId="{07DFEEF4-EE1F-474E-8125-876BF5A1D549}"/>
-    <dgm:cxn modelId="{EE207E2F-1F67-4C65-8FDE-AE755A0C8C38}" type="presOf" srcId="{2D12823B-18FC-4C13-8B16-11024DE4F07B}" destId="{8E90C71C-217C-4484-8190-8ECFFE739D6E}" srcOrd="0" destOrd="0" presId="urn:microsoft.com/office/officeart/2009/3/layout/HorizontalOrganizationChart"/>
     <dgm:cxn modelId="{543DC73D-AD8A-4D59-B953-4D40C22CADD9}" srcId="{705A7AAF-9BA0-4BFD-B26B-B3CC49E6B79C}" destId="{1D90B20A-CF87-40C9-9B57-C47143906898}" srcOrd="0" destOrd="0" parTransId="{A0468C0B-16A2-42A5-9E92-D29ADBE35E62}" sibTransId="{D2E61ABE-2472-4390-90AA-A921336DBEBA}"/>
+    <dgm:cxn modelId="{26B3DC61-1989-4B58-B77A-F32DF1F5144C}" type="presOf" srcId="{44732EEE-8951-4B41-BB72-6F8D14A5E99A}" destId="{E896FABC-9A5C-4238-A19E-80D7E0562EAD}" srcOrd="0" destOrd="0" presId="urn:microsoft.com/office/officeart/2009/3/layout/HorizontalOrganizationChart"/>
     <dgm:cxn modelId="{63CDAC43-CDFD-4DEF-9B60-166F9D3F8604}" type="presOf" srcId="{B17E0DA2-7AD7-48A5-90DB-EB3DCE566DF0}" destId="{106BB756-FF47-4C0A-BD4F-63BB133E7E87}" srcOrd="1" destOrd="0" presId="urn:microsoft.com/office/officeart/2009/3/layout/HorizontalOrganizationChart"/>
     <dgm:cxn modelId="{C5D33944-81C2-49D5-A515-6F056E38AFC0}" srcId="{56F2E759-8004-4B62-9596-9DD63BE678B8}" destId="{705A7AAF-9BA0-4BFD-B26B-B3CC49E6B79C}" srcOrd="0" destOrd="0" parTransId="{8B0BDE9B-7CD0-4980-B560-C4B337331A7C}" sibTransId="{46779A56-980C-4830-92D9-5DEE9D8D01BD}"/>
     <dgm:cxn modelId="{8CBB8766-9A95-4C4A-A37A-5124D4AC52FC}" type="presOf" srcId="{7678D4D3-3481-4781-97D5-8EDC78DFB510}" destId="{FFCBE815-D628-4934-BECB-8C836B7A6017}" srcOrd="0" destOrd="0" presId="urn:microsoft.com/office/officeart/2009/3/layout/HorizontalOrganizationChart"/>
     <dgm:cxn modelId="{F31DBE4A-59EC-4AC2-A42B-209A7DA31677}" type="presOf" srcId="{705A7AAF-9BA0-4BFD-B26B-B3CC49E6B79C}" destId="{8144FCFE-D16F-4B75-9A19-F3D95312E5A7}" srcOrd="1" destOrd="0" presId="urn:microsoft.com/office/officeart/2009/3/layout/HorizontalOrganizationChart"/>
+    <dgm:cxn modelId="{4A63724D-5DFB-4360-A341-8672AD163286}" type="presOf" srcId="{1E25E818-ACC7-4144-8DDA-61BC86DB0986}" destId="{DE95D286-C585-4C12-8E5B-E77FD804F6D2}" srcOrd="0" destOrd="0" presId="urn:microsoft.com/office/officeart/2009/3/layout/HorizontalOrganizationChart"/>
     <dgm:cxn modelId="{99593870-E1DD-49F2-9DA0-633A55574844}" type="presOf" srcId="{AAA475BB-0DA1-4ACF-A43F-B145F4387A08}" destId="{7F6B9792-FEFC-4133-804A-4C56B4464658}" srcOrd="1" destOrd="0" presId="urn:microsoft.com/office/officeart/2009/3/layout/HorizontalOrganizationChart"/>
-    <dgm:cxn modelId="{C7203989-88AE-4BCD-8AD8-1C8825BFAF68}" type="presOf" srcId="{16FFCE90-49E3-408A-8F04-44ADE8752353}" destId="{23A11258-3936-46D8-8799-C63DD202D41D}" srcOrd="0" destOrd="0" presId="urn:microsoft.com/office/officeart/2009/3/layout/HorizontalOrganizationChart"/>
     <dgm:cxn modelId="{58E80E8B-603D-4689-9DA7-4A5A2BE746CF}" srcId="{1D90B20A-CF87-40C9-9B57-C47143906898}" destId="{B21EFC55-A8C2-4D38-AEDB-DDECAC5B057C}" srcOrd="1" destOrd="0" parTransId="{2D12823B-18FC-4C13-8B16-11024DE4F07B}" sibTransId="{F6B7E6A7-3EE6-4DC8-BF7C-9BBEBE6AE798}"/>
-    <dgm:cxn modelId="{636B298F-9BC2-4B5A-97BF-A54CC9DE15F1}" type="presOf" srcId="{47B90882-E34F-41DE-96F5-6676F0AE9633}" destId="{DB93B23D-3654-42F6-B419-E0266B1F467D}" srcOrd="0" destOrd="0" presId="urn:microsoft.com/office/officeart/2009/3/layout/HorizontalOrganizationChart"/>
+    <dgm:cxn modelId="{CFF67691-44B2-4CF3-BEE4-6A9BFDEBAA57}" type="presOf" srcId="{89F5D055-B54E-4AA3-9D64-B1B1D0DEF28C}" destId="{797DB53D-32C7-4DA0-9900-D4456F4261DB}" srcOrd="0" destOrd="0" presId="urn:microsoft.com/office/officeart/2009/3/layout/HorizontalOrganizationChart"/>
     <dgm:cxn modelId="{451F8F91-A858-4C87-942A-9A6936EC8E5F}" srcId="{705A7AAF-9BA0-4BFD-B26B-B3CC49E6B79C}" destId="{B17E0DA2-7AD7-48A5-90DB-EB3DCE566DF0}" srcOrd="2" destOrd="0" parTransId="{1E25E818-ACC7-4144-8DDA-61BC86DB0986}" sibTransId="{ECF0A868-4BD2-427C-8B87-7678C004AF79}"/>
     <dgm:cxn modelId="{A8217695-4846-48FF-B6B3-935FE5CE4056}" type="presOf" srcId="{7678D4D3-3481-4781-97D5-8EDC78DFB510}" destId="{0F3A50FB-436D-49A2-9776-9CE5E30701EA}" srcOrd="1" destOrd="0" presId="urn:microsoft.com/office/officeart/2009/3/layout/HorizontalOrganizationChart"/>
     <dgm:cxn modelId="{F1F55896-3159-4394-A18A-DEB93443980C}" type="presOf" srcId="{1D90B20A-CF87-40C9-9B57-C47143906898}" destId="{CFB9AC66-C2E4-42BE-AC9B-71F5D3B88691}" srcOrd="1" destOrd="0" presId="urn:microsoft.com/office/officeart/2009/3/layout/HorizontalOrganizationChart"/>
     <dgm:cxn modelId="{7B3BEF9B-5F1C-4801-9F06-6798F0204D25}" type="presOf" srcId="{A4B059C4-B87F-4E8C-8205-C51406468EC9}" destId="{0CC3BDCA-DCEA-437D-917F-F3111331D32D}" srcOrd="0" destOrd="0" presId="urn:microsoft.com/office/officeart/2009/3/layout/HorizontalOrganizationChart"/>
+    <dgm:cxn modelId="{00D3EFA2-4B26-4EE0-B8EA-919EFD1580D0}" type="presOf" srcId="{16FFCE90-49E3-408A-8F04-44ADE8752353}" destId="{1F9E0327-11D7-4C99-BC69-AFB1A7F6A24E}" srcOrd="0" destOrd="0" presId="urn:microsoft.com/office/officeart/2009/3/layout/HorizontalOrganizationChart"/>
+    <dgm:cxn modelId="{E6FF1DAD-151C-4334-9B2F-2B4AEDE83B14}" type="presOf" srcId="{5A263D22-6844-4D37-8BD1-88A39A41AA04}" destId="{BE111D7C-7187-4091-B028-92CAB69DD318}" srcOrd="0" destOrd="0" presId="urn:microsoft.com/office/officeart/2009/3/layout/HorizontalOrganizationChart"/>
     <dgm:cxn modelId="{32CF73AD-674A-43E1-8696-768ACB578DA1}" type="presOf" srcId="{B21EFC55-A8C2-4D38-AEDB-DDECAC5B057C}" destId="{B43F36F5-9C6D-4646-B516-A86181E2170E}" srcOrd="0" destOrd="0" presId="urn:microsoft.com/office/officeart/2009/3/layout/HorizontalOrganizationChart"/>
     <dgm:cxn modelId="{8AF8B3B1-F433-4D99-8222-E06158641275}" type="presOf" srcId="{ABAE9ACD-0642-473C-A5F6-79449C479B07}" destId="{2D939A1F-C6DD-468B-A181-2BBCFF2A11D1}" srcOrd="1" destOrd="0" presId="urn:microsoft.com/office/officeart/2009/3/layout/HorizontalOrganizationChart"/>
     <dgm:cxn modelId="{5D0C38B4-9141-4A4A-B152-A9414101DB8F}" type="presOf" srcId="{705A7AAF-9BA0-4BFD-B26B-B3CC49E6B79C}" destId="{917A6EE7-9829-419F-9B7F-5293FA76D2A4}" srcOrd="0" destOrd="0" presId="urn:microsoft.com/office/officeart/2009/3/layout/HorizontalOrganizationChart"/>
     <dgm:cxn modelId="{2BB180B6-0524-4135-AAB9-1C16AB24EC1F}" type="presOf" srcId="{B21EFC55-A8C2-4D38-AEDB-DDECAC5B057C}" destId="{0A6418A1-189D-4AFD-A298-A7D2B0EDC34D}" srcOrd="1" destOrd="0" presId="urn:microsoft.com/office/officeart/2009/3/layout/HorizontalOrganizationChart"/>
+    <dgm:cxn modelId="{7985A0B6-8BEA-48F2-9DE6-499052B5526D}" type="presOf" srcId="{03D4220D-07FF-4AAA-8C63-8FE03B425311}" destId="{4632A73F-05E2-4DEF-8987-902C3147852E}" srcOrd="0" destOrd="0" presId="urn:microsoft.com/office/officeart/2009/3/layout/HorizontalOrganizationChart"/>
     <dgm:cxn modelId="{439621BA-6924-492A-8412-4357EF1340A5}" type="presOf" srcId="{56F2E759-8004-4B62-9596-9DD63BE678B8}" destId="{CD83DD86-832D-4405-9B73-95CDD8649037}" srcOrd="0" destOrd="0" presId="urn:microsoft.com/office/officeart/2009/3/layout/HorizontalOrganizationChart"/>
     <dgm:cxn modelId="{5C610FBE-A571-456A-8172-D6586F9DE055}" type="presOf" srcId="{54D06123-BBA6-46E2-BCE0-A3A07A01F5E4}" destId="{B5AEF2A9-062F-4932-BDBF-FFB35770F3E5}" srcOrd="1" destOrd="0" presId="urn:microsoft.com/office/officeart/2009/3/layout/HorizontalOrganizationChart"/>
     <dgm:cxn modelId="{82FB8BC3-2237-4695-ADB6-0FD7F3F83A8A}" srcId="{1D90B20A-CF87-40C9-9B57-C47143906898}" destId="{A4B059C4-B87F-4E8C-8205-C51406468EC9}" srcOrd="0" destOrd="0" parTransId="{89F5D055-B54E-4AA3-9D64-B1B1D0DEF28C}" sibTransId="{BBDA20BE-5A42-40F5-825B-FA229A0DE7C5}"/>
-    <dgm:cxn modelId="{956107C5-936A-4358-954A-7F3018C4613E}" type="presOf" srcId="{5A263D22-6844-4D37-8BD1-88A39A41AA04}" destId="{CAAAB844-050D-4CD8-82A6-DD728DC9B461}" srcOrd="0" destOrd="0" presId="urn:microsoft.com/office/officeart/2009/3/layout/HorizontalOrganizationChart"/>
     <dgm:cxn modelId="{81E1F2CB-A058-4C96-B828-0C80B38C74AB}" type="presOf" srcId="{B2E0FC4F-8F86-4097-99B1-2B306DBF6E06}" destId="{8416EEE7-6B6F-47DE-A62D-890C78699445}" srcOrd="1" destOrd="0" presId="urn:microsoft.com/office/officeart/2009/3/layout/HorizontalOrganizationChart"/>
     <dgm:cxn modelId="{BA7CE4CC-6064-473A-8C1A-1AF4B8FA2416}" type="presOf" srcId="{AAA475BB-0DA1-4ACF-A43F-B145F4387A08}" destId="{79E579D6-E277-4E39-ACC1-7C47D7354F44}" srcOrd="0" destOrd="0" presId="urn:microsoft.com/office/officeart/2009/3/layout/HorizontalOrganizationChart"/>
     <dgm:cxn modelId="{CB3866CF-7B67-4A42-85ED-C51116834857}" srcId="{705A7AAF-9BA0-4BFD-B26B-B3CC49E6B79C}" destId="{B2E0FC4F-8F86-4097-99B1-2B306DBF6E06}" srcOrd="4" destOrd="0" parTransId="{5A263D22-6844-4D37-8BD1-88A39A41AA04}" sibTransId="{5BF04077-E557-4173-AE8A-91FB64F5FBC8}"/>
-    <dgm:cxn modelId="{D87464D5-8D66-4DE1-8081-0EC8B71F471A}" type="presOf" srcId="{1E25E818-ACC7-4144-8DDA-61BC86DB0986}" destId="{DDE45145-B60C-4CB5-A180-F951087061C7}" srcOrd="0" destOrd="0" presId="urn:microsoft.com/office/officeart/2009/3/layout/HorizontalOrganizationChart"/>
-    <dgm:cxn modelId="{E26CCFD9-394E-4003-AF4F-80410C9501C8}" type="presOf" srcId="{03D4220D-07FF-4AAA-8C63-8FE03B425311}" destId="{C1F76DD6-B685-4E5B-A941-315678D4EF96}" srcOrd="0" destOrd="0" presId="urn:microsoft.com/office/officeart/2009/3/layout/HorizontalOrganizationChart"/>
     <dgm:cxn modelId="{BD0805DA-C87C-48C2-9A29-65C5E3076C38}" type="presOf" srcId="{1D90B20A-CF87-40C9-9B57-C47143906898}" destId="{1C7FDAB9-480E-4C21-9CEE-F77475D67B5F}" srcOrd="0" destOrd="0" presId="urn:microsoft.com/office/officeart/2009/3/layout/HorizontalOrganizationChart"/>
-    <dgm:cxn modelId="{CEDBBBDB-C59F-4B25-8FC3-375A26F921BC}" type="presOf" srcId="{44732EEE-8951-4B41-BB72-6F8D14A5E99A}" destId="{F544394A-2E23-4745-B814-2D40F5FEDD03}" srcOrd="0" destOrd="0" presId="urn:microsoft.com/office/officeart/2009/3/layout/HorizontalOrganizationChart"/>
     <dgm:cxn modelId="{0BFD08E5-A2B4-4B9F-A40F-52B9CD5692A7}" type="presOf" srcId="{54D06123-BBA6-46E2-BCE0-A3A07A01F5E4}" destId="{79E7A622-94A2-4F37-814A-F4254A645867}" srcOrd="0" destOrd="0" presId="urn:microsoft.com/office/officeart/2009/3/layout/HorizontalOrganizationChart"/>
     <dgm:cxn modelId="{1D2FC3E8-6184-4003-A8F0-3214C2A2608C}" srcId="{705A7AAF-9BA0-4BFD-B26B-B3CC49E6B79C}" destId="{ABAE9ACD-0642-473C-A5F6-79449C479B07}" srcOrd="1" destOrd="0" parTransId="{47B90882-E34F-41DE-96F5-6676F0AE9633}" sibTransId="{EAA9C2DF-A526-48D5-849A-19F3868FB285}"/>
-    <dgm:cxn modelId="{7D58D7F3-9116-469E-92E9-11E2D2D30F60}" type="presOf" srcId="{A0468C0B-16A2-42A5-9E92-D29ADBE35E62}" destId="{08E28C1E-3726-4995-8BBD-CF1A4027B8C4}" srcOrd="0" destOrd="0" presId="urn:microsoft.com/office/officeart/2009/3/layout/HorizontalOrganizationChart"/>
     <dgm:cxn modelId="{9CEEDBF5-ECE2-416F-806B-D90C6CA8795B}" srcId="{ABAE9ACD-0642-473C-A5F6-79449C479B07}" destId="{7678D4D3-3481-4781-97D5-8EDC78DFB510}" srcOrd="1" destOrd="0" parTransId="{16FFCE90-49E3-408A-8F04-44ADE8752353}" sibTransId="{62E0122E-6EC7-4130-A2B6-32A1731780CE}"/>
     <dgm:cxn modelId="{9B4C90F8-79B1-40B7-A30D-4E511719B67D}" type="presOf" srcId="{B17E0DA2-7AD7-48A5-90DB-EB3DCE566DF0}" destId="{4E424A26-AE94-4D81-9357-296A7CB8A8DD}" srcOrd="0" destOrd="0" presId="urn:microsoft.com/office/officeart/2009/3/layout/HorizontalOrganizationChart"/>
+    <dgm:cxn modelId="{E292F1F9-6B24-470D-BF1D-36B4CEF409ED}" type="presOf" srcId="{47B90882-E34F-41DE-96F5-6676F0AE9633}" destId="{6FE4442A-205D-4882-A7E1-84BAB4D663E6}" srcOrd="0" destOrd="0" presId="urn:microsoft.com/office/officeart/2009/3/layout/HorizontalOrganizationChart"/>
     <dgm:cxn modelId="{B05DDBFC-EF0D-4C5D-BBFD-C4E68DBC3820}" srcId="{ABAE9ACD-0642-473C-A5F6-79449C479B07}" destId="{54D06123-BBA6-46E2-BCE0-A3A07A01F5E4}" srcOrd="0" destOrd="0" parTransId="{03D4220D-07FF-4AAA-8C63-8FE03B425311}" sibTransId="{97C21C54-8E2E-42E9-AD59-C664FA400C46}"/>
     <dgm:cxn modelId="{5B71AAFE-3923-4C3A-9E67-E537EF8CF1C8}" type="presOf" srcId="{A4B059C4-B87F-4E8C-8205-C51406468EC9}" destId="{B254F22F-0A90-466C-A272-9646832FC609}" srcOrd="1" destOrd="0" presId="urn:microsoft.com/office/officeart/2009/3/layout/HorizontalOrganizationChart"/>
     <dgm:cxn modelId="{AAEED369-7BE7-4660-B45A-9C5E77E91C31}" type="presParOf" srcId="{CD83DD86-832D-4405-9B73-95CDD8649037}" destId="{381EDDD9-3152-40A3-A00E-3F8ACA4D2FE0}" srcOrd="0" destOrd="0" presId="urn:microsoft.com/office/officeart/2009/3/layout/HorizontalOrganizationChart"/>
@@ -1857,20 +1969,20 @@
     <dgm:cxn modelId="{13B9408C-4726-4398-A1BB-2D4FF837E23E}" type="presParOf" srcId="{3B80EE45-AA1F-4156-9C41-627B0F7496D3}" destId="{917A6EE7-9829-419F-9B7F-5293FA76D2A4}" srcOrd="0" destOrd="0" presId="urn:microsoft.com/office/officeart/2009/3/layout/HorizontalOrganizationChart"/>
     <dgm:cxn modelId="{363D03EE-32D7-4D3B-A19F-74735DBB3923}" type="presParOf" srcId="{3B80EE45-AA1F-4156-9C41-627B0F7496D3}" destId="{8144FCFE-D16F-4B75-9A19-F3D95312E5A7}" srcOrd="1" destOrd="0" presId="urn:microsoft.com/office/officeart/2009/3/layout/HorizontalOrganizationChart"/>
     <dgm:cxn modelId="{3876D1DC-A30F-42BF-AF37-5DA6A057384F}" type="presParOf" srcId="{381EDDD9-3152-40A3-A00E-3F8ACA4D2FE0}" destId="{9E36E990-3771-4B9A-A6DD-4F6AAB088393}" srcOrd="1" destOrd="0" presId="urn:microsoft.com/office/officeart/2009/3/layout/HorizontalOrganizationChart"/>
-    <dgm:cxn modelId="{FB5C4296-9855-4F37-BE21-C674B3EA9D21}" type="presParOf" srcId="{9E36E990-3771-4B9A-A6DD-4F6AAB088393}" destId="{08E28C1E-3726-4995-8BBD-CF1A4027B8C4}" srcOrd="0" destOrd="0" presId="urn:microsoft.com/office/officeart/2009/3/layout/HorizontalOrganizationChart"/>
+    <dgm:cxn modelId="{0AC9385E-9946-4F3A-85D1-B4562EC985BB}" type="presParOf" srcId="{9E36E990-3771-4B9A-A6DD-4F6AAB088393}" destId="{B69A1826-AB8B-474B-9370-C1D63D1FBF68}" srcOrd="0" destOrd="0" presId="urn:microsoft.com/office/officeart/2009/3/layout/HorizontalOrganizationChart"/>
     <dgm:cxn modelId="{96173144-0B8F-4FF8-87E3-390DEA5F6AE8}" type="presParOf" srcId="{9E36E990-3771-4B9A-A6DD-4F6AAB088393}" destId="{FE3953C6-0F5F-4218-B26A-B1712EEC3924}" srcOrd="1" destOrd="0" presId="urn:microsoft.com/office/officeart/2009/3/layout/HorizontalOrganizationChart"/>
     <dgm:cxn modelId="{FA37FC02-5C0C-445D-B614-22C620776103}" type="presParOf" srcId="{FE3953C6-0F5F-4218-B26A-B1712EEC3924}" destId="{A3BB24FC-5840-4A49-B899-FC0A67C380E0}" srcOrd="0" destOrd="0" presId="urn:microsoft.com/office/officeart/2009/3/layout/HorizontalOrganizationChart"/>
     <dgm:cxn modelId="{70B82E2C-2471-49F7-9ED7-15317330A1D9}" type="presParOf" srcId="{A3BB24FC-5840-4A49-B899-FC0A67C380E0}" destId="{1C7FDAB9-480E-4C21-9CEE-F77475D67B5F}" srcOrd="0" destOrd="0" presId="urn:microsoft.com/office/officeart/2009/3/layout/HorizontalOrganizationChart"/>
     <dgm:cxn modelId="{73AA6A72-98AB-445B-BF66-A6246CFAB9E0}" type="presParOf" srcId="{A3BB24FC-5840-4A49-B899-FC0A67C380E0}" destId="{CFB9AC66-C2E4-42BE-AC9B-71F5D3B88691}" srcOrd="1" destOrd="0" presId="urn:microsoft.com/office/officeart/2009/3/layout/HorizontalOrganizationChart"/>
     <dgm:cxn modelId="{37C91808-722C-47C8-98DE-EEB4B9CC3FCF}" type="presParOf" srcId="{FE3953C6-0F5F-4218-B26A-B1712EEC3924}" destId="{86FBA39F-00C4-4594-8EE4-0FD79DD8FAB5}" srcOrd="1" destOrd="0" presId="urn:microsoft.com/office/officeart/2009/3/layout/HorizontalOrganizationChart"/>
-    <dgm:cxn modelId="{0264B955-3D53-4543-9026-7F7E20E1B5DC}" type="presParOf" srcId="{86FBA39F-00C4-4594-8EE4-0FD79DD8FAB5}" destId="{68D478F5-0C47-47CD-8D62-2A2650927F62}" srcOrd="0" destOrd="0" presId="urn:microsoft.com/office/officeart/2009/3/layout/HorizontalOrganizationChart"/>
+    <dgm:cxn modelId="{A467EA40-4560-417D-8AA9-95CDF17F538B}" type="presParOf" srcId="{86FBA39F-00C4-4594-8EE4-0FD79DD8FAB5}" destId="{797DB53D-32C7-4DA0-9900-D4456F4261DB}" srcOrd="0" destOrd="0" presId="urn:microsoft.com/office/officeart/2009/3/layout/HorizontalOrganizationChart"/>
     <dgm:cxn modelId="{2C751878-94F0-4BE6-A3C5-4B5410444958}" type="presParOf" srcId="{86FBA39F-00C4-4594-8EE4-0FD79DD8FAB5}" destId="{30B6FFDC-F005-4670-93E5-0E43A6EF1509}" srcOrd="1" destOrd="0" presId="urn:microsoft.com/office/officeart/2009/3/layout/HorizontalOrganizationChart"/>
     <dgm:cxn modelId="{49D25F0D-290D-438F-9E16-3FC8E23252EB}" type="presParOf" srcId="{30B6FFDC-F005-4670-93E5-0E43A6EF1509}" destId="{13973098-4F48-498B-82EF-634F9C0116CA}" srcOrd="0" destOrd="0" presId="urn:microsoft.com/office/officeart/2009/3/layout/HorizontalOrganizationChart"/>
     <dgm:cxn modelId="{845059C6-A967-4A97-843E-1855B3E39C31}" type="presParOf" srcId="{13973098-4F48-498B-82EF-634F9C0116CA}" destId="{0CC3BDCA-DCEA-437D-917F-F3111331D32D}" srcOrd="0" destOrd="0" presId="urn:microsoft.com/office/officeart/2009/3/layout/HorizontalOrganizationChart"/>
     <dgm:cxn modelId="{02F1EA19-8202-49CC-9AC6-561E4161D9E4}" type="presParOf" srcId="{13973098-4F48-498B-82EF-634F9C0116CA}" destId="{B254F22F-0A90-466C-A272-9646832FC609}" srcOrd="1" destOrd="0" presId="urn:microsoft.com/office/officeart/2009/3/layout/HorizontalOrganizationChart"/>
     <dgm:cxn modelId="{04B7E087-989B-45F8-A810-F9645BDD34FA}" type="presParOf" srcId="{30B6FFDC-F005-4670-93E5-0E43A6EF1509}" destId="{23577D41-F00F-4B52-882C-BA6753916110}" srcOrd="1" destOrd="0" presId="urn:microsoft.com/office/officeart/2009/3/layout/HorizontalOrganizationChart"/>
     <dgm:cxn modelId="{7FC33D8B-86B4-4AEF-B837-99E990839DE7}" type="presParOf" srcId="{30B6FFDC-F005-4670-93E5-0E43A6EF1509}" destId="{901064FA-A9EB-4287-957A-C16D346CA12B}" srcOrd="2" destOrd="0" presId="urn:microsoft.com/office/officeart/2009/3/layout/HorizontalOrganizationChart"/>
-    <dgm:cxn modelId="{3E43DD73-8E68-4C3F-BE6E-4F8BDF8167EE}" type="presParOf" srcId="{86FBA39F-00C4-4594-8EE4-0FD79DD8FAB5}" destId="{8E90C71C-217C-4484-8190-8ECFFE739D6E}" srcOrd="2" destOrd="0" presId="urn:microsoft.com/office/officeart/2009/3/layout/HorizontalOrganizationChart"/>
+    <dgm:cxn modelId="{E5F81F5A-3ADB-415B-9BF1-06951B1EE53B}" type="presParOf" srcId="{86FBA39F-00C4-4594-8EE4-0FD79DD8FAB5}" destId="{909ABB21-056B-4D9F-8348-1E34CBFD887B}" srcOrd="2" destOrd="0" presId="urn:microsoft.com/office/officeart/2009/3/layout/HorizontalOrganizationChart"/>
     <dgm:cxn modelId="{7A73F2E4-D9EC-4AE3-868F-CBF1DB459BE5}" type="presParOf" srcId="{86FBA39F-00C4-4594-8EE4-0FD79DD8FAB5}" destId="{A483F36C-77E0-4A06-83CB-3D4CDEA9260C}" srcOrd="3" destOrd="0" presId="urn:microsoft.com/office/officeart/2009/3/layout/HorizontalOrganizationChart"/>
     <dgm:cxn modelId="{AEDCA8E5-1B49-43BD-961C-08F9CD5D33CD}" type="presParOf" srcId="{A483F36C-77E0-4A06-83CB-3D4CDEA9260C}" destId="{E3714974-AF4B-40E0-93D3-2D1E91DAE020}" srcOrd="0" destOrd="0" presId="urn:microsoft.com/office/officeart/2009/3/layout/HorizontalOrganizationChart"/>
     <dgm:cxn modelId="{41157F97-BCEC-462E-8680-18F3C807BACA}" type="presParOf" srcId="{E3714974-AF4B-40E0-93D3-2D1E91DAE020}" destId="{B43F36F5-9C6D-4646-B516-A86181E2170E}" srcOrd="0" destOrd="0" presId="urn:microsoft.com/office/officeart/2009/3/layout/HorizontalOrganizationChart"/>
@@ -1878,20 +1990,20 @@
     <dgm:cxn modelId="{8AF9009C-4B7B-49EF-8685-C671D079F398}" type="presParOf" srcId="{A483F36C-77E0-4A06-83CB-3D4CDEA9260C}" destId="{5613820A-AC39-4048-8329-6C4B809F8E68}" srcOrd="1" destOrd="0" presId="urn:microsoft.com/office/officeart/2009/3/layout/HorizontalOrganizationChart"/>
     <dgm:cxn modelId="{610A19ED-57FE-4EE0-BAAD-615729B06F67}" type="presParOf" srcId="{A483F36C-77E0-4A06-83CB-3D4CDEA9260C}" destId="{4E1306FA-307E-46DC-B92F-080FADA0D922}" srcOrd="2" destOrd="0" presId="urn:microsoft.com/office/officeart/2009/3/layout/HorizontalOrganizationChart"/>
     <dgm:cxn modelId="{EF900F95-5410-4E5D-82CB-B0A135AF7291}" type="presParOf" srcId="{FE3953C6-0F5F-4218-B26A-B1712EEC3924}" destId="{597E750D-D2B9-4818-A549-3A1B2066BDE3}" srcOrd="2" destOrd="0" presId="urn:microsoft.com/office/officeart/2009/3/layout/HorizontalOrganizationChart"/>
-    <dgm:cxn modelId="{6E90572B-EF5E-42AB-B02D-7DAEBA85C37E}" type="presParOf" srcId="{9E36E990-3771-4B9A-A6DD-4F6AAB088393}" destId="{DB93B23D-3654-42F6-B419-E0266B1F467D}" srcOrd="2" destOrd="0" presId="urn:microsoft.com/office/officeart/2009/3/layout/HorizontalOrganizationChart"/>
+    <dgm:cxn modelId="{22262741-ADAE-4FD4-ACC2-4E8597F37515}" type="presParOf" srcId="{9E36E990-3771-4B9A-A6DD-4F6AAB088393}" destId="{6FE4442A-205D-4882-A7E1-84BAB4D663E6}" srcOrd="2" destOrd="0" presId="urn:microsoft.com/office/officeart/2009/3/layout/HorizontalOrganizationChart"/>
     <dgm:cxn modelId="{40008EF2-CD0D-4120-8F68-9E2C7759C6D7}" type="presParOf" srcId="{9E36E990-3771-4B9A-A6DD-4F6AAB088393}" destId="{521FAE11-E3AC-42DC-AE78-BC5193B23157}" srcOrd="3" destOrd="0" presId="urn:microsoft.com/office/officeart/2009/3/layout/HorizontalOrganizationChart"/>
     <dgm:cxn modelId="{5D04BD9A-0960-4CB3-9618-CB93B128F437}" type="presParOf" srcId="{521FAE11-E3AC-42DC-AE78-BC5193B23157}" destId="{1259E2D3-301D-4CDB-A5B9-A352D0F3E22B}" srcOrd="0" destOrd="0" presId="urn:microsoft.com/office/officeart/2009/3/layout/HorizontalOrganizationChart"/>
     <dgm:cxn modelId="{E09385F8-B92C-4943-8CB5-18B95F2CFA99}" type="presParOf" srcId="{1259E2D3-301D-4CDB-A5B9-A352D0F3E22B}" destId="{6BFEA712-57BB-42FC-A0AC-3BD7D145259D}" srcOrd="0" destOrd="0" presId="urn:microsoft.com/office/officeart/2009/3/layout/HorizontalOrganizationChart"/>
     <dgm:cxn modelId="{2DD01F18-0762-45BD-85AA-959A2569350A}" type="presParOf" srcId="{1259E2D3-301D-4CDB-A5B9-A352D0F3E22B}" destId="{2D939A1F-C6DD-468B-A181-2BBCFF2A11D1}" srcOrd="1" destOrd="0" presId="urn:microsoft.com/office/officeart/2009/3/layout/HorizontalOrganizationChart"/>
     <dgm:cxn modelId="{7CBE34AB-C217-4222-91FC-A01C00905E6D}" type="presParOf" srcId="{521FAE11-E3AC-42DC-AE78-BC5193B23157}" destId="{1E4BA81A-47F6-4CE8-894E-1F58C69036AA}" srcOrd="1" destOrd="0" presId="urn:microsoft.com/office/officeart/2009/3/layout/HorizontalOrganizationChart"/>
-    <dgm:cxn modelId="{51EF45DB-D107-40C0-9C11-750285BFEFD3}" type="presParOf" srcId="{1E4BA81A-47F6-4CE8-894E-1F58C69036AA}" destId="{C1F76DD6-B685-4E5B-A941-315678D4EF96}" srcOrd="0" destOrd="0" presId="urn:microsoft.com/office/officeart/2009/3/layout/HorizontalOrganizationChart"/>
+    <dgm:cxn modelId="{8D651D7F-84DC-4687-BA9A-A52C8376FA4A}" type="presParOf" srcId="{1E4BA81A-47F6-4CE8-894E-1F58C69036AA}" destId="{4632A73F-05E2-4DEF-8987-902C3147852E}" srcOrd="0" destOrd="0" presId="urn:microsoft.com/office/officeart/2009/3/layout/HorizontalOrganizationChart"/>
     <dgm:cxn modelId="{D9EBD225-5A09-4B37-89DD-3D4655321C78}" type="presParOf" srcId="{1E4BA81A-47F6-4CE8-894E-1F58C69036AA}" destId="{27FBA0FF-05B9-426C-AB0E-569CBDB7DDAF}" srcOrd="1" destOrd="0" presId="urn:microsoft.com/office/officeart/2009/3/layout/HorizontalOrganizationChart"/>
     <dgm:cxn modelId="{1AC1F5B4-806B-4D5D-A595-D3A7C964E7E3}" type="presParOf" srcId="{27FBA0FF-05B9-426C-AB0E-569CBDB7DDAF}" destId="{DB708C18-23D1-49AA-807C-15B86B5E539F}" srcOrd="0" destOrd="0" presId="urn:microsoft.com/office/officeart/2009/3/layout/HorizontalOrganizationChart"/>
     <dgm:cxn modelId="{6933AD0D-FA92-4663-8CE2-925C61131C87}" type="presParOf" srcId="{DB708C18-23D1-49AA-807C-15B86B5E539F}" destId="{79E7A622-94A2-4F37-814A-F4254A645867}" srcOrd="0" destOrd="0" presId="urn:microsoft.com/office/officeart/2009/3/layout/HorizontalOrganizationChart"/>
     <dgm:cxn modelId="{2A36BFCA-035E-4B9A-AC7D-78271DAA4EA2}" type="presParOf" srcId="{DB708C18-23D1-49AA-807C-15B86B5E539F}" destId="{B5AEF2A9-062F-4932-BDBF-FFB35770F3E5}" srcOrd="1" destOrd="0" presId="urn:microsoft.com/office/officeart/2009/3/layout/HorizontalOrganizationChart"/>
     <dgm:cxn modelId="{79A98EDE-703B-4790-9021-95B27AAF0F06}" type="presParOf" srcId="{27FBA0FF-05B9-426C-AB0E-569CBDB7DDAF}" destId="{D6A50E82-6714-499E-8A93-838DA1781F2C}" srcOrd="1" destOrd="0" presId="urn:microsoft.com/office/officeart/2009/3/layout/HorizontalOrganizationChart"/>
     <dgm:cxn modelId="{AC879BBE-009A-4F2D-905B-8D8BA76C4D44}" type="presParOf" srcId="{27FBA0FF-05B9-426C-AB0E-569CBDB7DDAF}" destId="{C9FEC319-CC25-49AF-8546-37DB732DEDF7}" srcOrd="2" destOrd="0" presId="urn:microsoft.com/office/officeart/2009/3/layout/HorizontalOrganizationChart"/>
-    <dgm:cxn modelId="{511E34FB-04B2-4EBF-812E-E36E57B01B5F}" type="presParOf" srcId="{1E4BA81A-47F6-4CE8-894E-1F58C69036AA}" destId="{23A11258-3936-46D8-8799-C63DD202D41D}" srcOrd="2" destOrd="0" presId="urn:microsoft.com/office/officeart/2009/3/layout/HorizontalOrganizationChart"/>
+    <dgm:cxn modelId="{AB56B962-8223-4F68-AE3B-71D033F3B73A}" type="presParOf" srcId="{1E4BA81A-47F6-4CE8-894E-1F58C69036AA}" destId="{1F9E0327-11D7-4C99-BC69-AFB1A7F6A24E}" srcOrd="2" destOrd="0" presId="urn:microsoft.com/office/officeart/2009/3/layout/HorizontalOrganizationChart"/>
     <dgm:cxn modelId="{0F3C0E9C-E49C-4CE8-9F3F-95D90676131A}" type="presParOf" srcId="{1E4BA81A-47F6-4CE8-894E-1F58C69036AA}" destId="{96AC9338-77B5-438A-AD6B-BD22C85CB540}" srcOrd="3" destOrd="0" presId="urn:microsoft.com/office/officeart/2009/3/layout/HorizontalOrganizationChart"/>
     <dgm:cxn modelId="{60DC5DD5-9500-4EE1-ACAE-77AC269C67FC}" type="presParOf" srcId="{96AC9338-77B5-438A-AD6B-BD22C85CB540}" destId="{7A8ABEF3-00D5-4592-B7E2-02DA66646564}" srcOrd="0" destOrd="0" presId="urn:microsoft.com/office/officeart/2009/3/layout/HorizontalOrganizationChart"/>
     <dgm:cxn modelId="{E4DB4886-7E49-47FC-9AFC-1AAF6DC3BEA4}" type="presParOf" srcId="{7A8ABEF3-00D5-4592-B7E2-02DA66646564}" destId="{FFCBE815-D628-4934-BECB-8C836B7A6017}" srcOrd="0" destOrd="0" presId="urn:microsoft.com/office/officeart/2009/3/layout/HorizontalOrganizationChart"/>
@@ -1899,21 +2011,21 @@
     <dgm:cxn modelId="{9DFB1C74-6CF4-46AB-A4ED-2D7683658F3A}" type="presParOf" srcId="{96AC9338-77B5-438A-AD6B-BD22C85CB540}" destId="{7999849A-2191-4BE5-8459-304CBBCCBA98}" srcOrd="1" destOrd="0" presId="urn:microsoft.com/office/officeart/2009/3/layout/HorizontalOrganizationChart"/>
     <dgm:cxn modelId="{9C743BBC-0031-4D46-B869-7366FBA6B3E9}" type="presParOf" srcId="{96AC9338-77B5-438A-AD6B-BD22C85CB540}" destId="{6515DFBF-AC85-4FA6-8EB9-174E604EB070}" srcOrd="2" destOrd="0" presId="urn:microsoft.com/office/officeart/2009/3/layout/HorizontalOrganizationChart"/>
     <dgm:cxn modelId="{1855FBEB-D880-4761-AD43-63BC2EB0B779}" type="presParOf" srcId="{521FAE11-E3AC-42DC-AE78-BC5193B23157}" destId="{661D4275-F346-4C73-9F4B-E836AC701022}" srcOrd="2" destOrd="0" presId="urn:microsoft.com/office/officeart/2009/3/layout/HorizontalOrganizationChart"/>
-    <dgm:cxn modelId="{EF44283E-D70F-4E45-BE8A-36CC336EC3A0}" type="presParOf" srcId="{9E36E990-3771-4B9A-A6DD-4F6AAB088393}" destId="{DDE45145-B60C-4CB5-A180-F951087061C7}" srcOrd="4" destOrd="0" presId="urn:microsoft.com/office/officeart/2009/3/layout/HorizontalOrganizationChart"/>
+    <dgm:cxn modelId="{BB69583B-7D7C-4EDD-91C0-5A32515E5E2D}" type="presParOf" srcId="{9E36E990-3771-4B9A-A6DD-4F6AAB088393}" destId="{DE95D286-C585-4C12-8E5B-E77FD804F6D2}" srcOrd="4" destOrd="0" presId="urn:microsoft.com/office/officeart/2009/3/layout/HorizontalOrganizationChart"/>
     <dgm:cxn modelId="{A0814DCE-699A-4F05-8C07-A472B70A6E30}" type="presParOf" srcId="{9E36E990-3771-4B9A-A6DD-4F6AAB088393}" destId="{0D34A365-2D96-4B88-A877-0BC1483AA65D}" srcOrd="5" destOrd="0" presId="urn:microsoft.com/office/officeart/2009/3/layout/HorizontalOrganizationChart"/>
     <dgm:cxn modelId="{908E4D29-B012-4513-A9B9-7305507761E8}" type="presParOf" srcId="{0D34A365-2D96-4B88-A877-0BC1483AA65D}" destId="{F91C056B-477A-4702-9A5F-DB85A10DD019}" srcOrd="0" destOrd="0" presId="urn:microsoft.com/office/officeart/2009/3/layout/HorizontalOrganizationChart"/>
     <dgm:cxn modelId="{F833ED3D-2A70-48EA-B426-73F9BB07AFFE}" type="presParOf" srcId="{F91C056B-477A-4702-9A5F-DB85A10DD019}" destId="{4E424A26-AE94-4D81-9357-296A7CB8A8DD}" srcOrd="0" destOrd="0" presId="urn:microsoft.com/office/officeart/2009/3/layout/HorizontalOrganizationChart"/>
     <dgm:cxn modelId="{6358E521-9EF7-428C-B01A-D219346C5625}" type="presParOf" srcId="{F91C056B-477A-4702-9A5F-DB85A10DD019}" destId="{106BB756-FF47-4C0A-BD4F-63BB133E7E87}" srcOrd="1" destOrd="0" presId="urn:microsoft.com/office/officeart/2009/3/layout/HorizontalOrganizationChart"/>
     <dgm:cxn modelId="{FA66C21E-3764-40DE-8713-82D7379AD265}" type="presParOf" srcId="{0D34A365-2D96-4B88-A877-0BC1483AA65D}" destId="{7DFE99DA-4093-4756-A47B-0A0CF2565C9F}" srcOrd="1" destOrd="0" presId="urn:microsoft.com/office/officeart/2009/3/layout/HorizontalOrganizationChart"/>
     <dgm:cxn modelId="{42AC8718-2A03-4FAF-9ADE-9344A09A91CD}" type="presParOf" srcId="{0D34A365-2D96-4B88-A877-0BC1483AA65D}" destId="{7AB298DF-478D-4E65-9B2A-51B4F73C0858}" srcOrd="2" destOrd="0" presId="urn:microsoft.com/office/officeart/2009/3/layout/HorizontalOrganizationChart"/>
-    <dgm:cxn modelId="{EC8EE633-AA37-4385-B698-836305BD6563}" type="presParOf" srcId="{9E36E990-3771-4B9A-A6DD-4F6AAB088393}" destId="{F544394A-2E23-4745-B814-2D40F5FEDD03}" srcOrd="6" destOrd="0" presId="urn:microsoft.com/office/officeart/2009/3/layout/HorizontalOrganizationChart"/>
+    <dgm:cxn modelId="{FC72220A-9330-41E1-A5E8-91D35AA1CAF6}" type="presParOf" srcId="{9E36E990-3771-4B9A-A6DD-4F6AAB088393}" destId="{E896FABC-9A5C-4238-A19E-80D7E0562EAD}" srcOrd="6" destOrd="0" presId="urn:microsoft.com/office/officeart/2009/3/layout/HorizontalOrganizationChart"/>
     <dgm:cxn modelId="{031BA9B9-2A85-4EF0-9E00-84AB57113156}" type="presParOf" srcId="{9E36E990-3771-4B9A-A6DD-4F6AAB088393}" destId="{9AAD0291-F094-4BD1-A22D-909A33E6EA5F}" srcOrd="7" destOrd="0" presId="urn:microsoft.com/office/officeart/2009/3/layout/HorizontalOrganizationChart"/>
     <dgm:cxn modelId="{C0331098-DB7B-4A6D-99A9-832071529AF9}" type="presParOf" srcId="{9AAD0291-F094-4BD1-A22D-909A33E6EA5F}" destId="{4CCAF595-21C4-42E4-B897-0780D1ED1513}" srcOrd="0" destOrd="0" presId="urn:microsoft.com/office/officeart/2009/3/layout/HorizontalOrganizationChart"/>
     <dgm:cxn modelId="{5DD92A25-5AE7-4908-AE9D-CA63D9D3B277}" type="presParOf" srcId="{4CCAF595-21C4-42E4-B897-0780D1ED1513}" destId="{79E579D6-E277-4E39-ACC1-7C47D7354F44}" srcOrd="0" destOrd="0" presId="urn:microsoft.com/office/officeart/2009/3/layout/HorizontalOrganizationChart"/>
     <dgm:cxn modelId="{C0C33B40-7E03-4556-B7D7-2F75E352532E}" type="presParOf" srcId="{4CCAF595-21C4-42E4-B897-0780D1ED1513}" destId="{7F6B9792-FEFC-4133-804A-4C56B4464658}" srcOrd="1" destOrd="0" presId="urn:microsoft.com/office/officeart/2009/3/layout/HorizontalOrganizationChart"/>
     <dgm:cxn modelId="{AB9D1CA9-F02C-4E57-8DB1-CAF69BDA9679}" type="presParOf" srcId="{9AAD0291-F094-4BD1-A22D-909A33E6EA5F}" destId="{0EBCE108-69B2-4D7F-9CE2-6C24CA3B0C70}" srcOrd="1" destOrd="0" presId="urn:microsoft.com/office/officeart/2009/3/layout/HorizontalOrganizationChart"/>
     <dgm:cxn modelId="{8452AC56-90AB-4FF5-8654-4705B4211916}" type="presParOf" srcId="{9AAD0291-F094-4BD1-A22D-909A33E6EA5F}" destId="{BD8D2ED5-2915-470B-B956-374DB8739E6D}" srcOrd="2" destOrd="0" presId="urn:microsoft.com/office/officeart/2009/3/layout/HorizontalOrganizationChart"/>
-    <dgm:cxn modelId="{ABA224CD-DF21-444C-885D-BCABC253DCF2}" type="presParOf" srcId="{9E36E990-3771-4B9A-A6DD-4F6AAB088393}" destId="{CAAAB844-050D-4CD8-82A6-DD728DC9B461}" srcOrd="8" destOrd="0" presId="urn:microsoft.com/office/officeart/2009/3/layout/HorizontalOrganizationChart"/>
+    <dgm:cxn modelId="{B7B7F326-5862-4C6F-9FF8-B03C81E5E3F6}" type="presParOf" srcId="{9E36E990-3771-4B9A-A6DD-4F6AAB088393}" destId="{BE111D7C-7187-4091-B028-92CAB69DD318}" srcOrd="8" destOrd="0" presId="urn:microsoft.com/office/officeart/2009/3/layout/HorizontalOrganizationChart"/>
     <dgm:cxn modelId="{169E8EC3-0B00-4864-AC98-3EC2763E4218}" type="presParOf" srcId="{9E36E990-3771-4B9A-A6DD-4F6AAB088393}" destId="{3CF639BB-1B1C-460D-8333-69D6868CA84F}" srcOrd="9" destOrd="0" presId="urn:microsoft.com/office/officeart/2009/3/layout/HorizontalOrganizationChart"/>
     <dgm:cxn modelId="{A1FF07CF-9C5C-4EF7-BCF1-B14C1A12245B}" type="presParOf" srcId="{3CF639BB-1B1C-460D-8333-69D6868CA84F}" destId="{9EFF1666-6F4D-4046-AD04-345FDF26AF9D}" srcOrd="0" destOrd="0" presId="urn:microsoft.com/office/officeart/2009/3/layout/HorizontalOrganizationChart"/>
     <dgm:cxn modelId="{1891DA3A-2605-45F1-998C-0DF8C39FA2FA}" type="presParOf" srcId="{9EFF1666-6F4D-4046-AD04-345FDF26AF9D}" destId="{2416EC97-F0F7-4977-AEBF-21DDEB41CF2D}" srcOrd="0" destOrd="0" presId="urn:microsoft.com/office/officeart/2009/3/layout/HorizontalOrganizationChart"/>
@@ -1928,6 +2040,9 @@
     <a:ext uri="http://schemas.microsoft.com/office/drawing/2008/diagram">
       <dsp:dataModelExt xmlns:dsp="http://schemas.microsoft.com/office/drawing/2008/diagram" relId="rId7" minVer="http://schemas.openxmlformats.org/drawingml/2006/diagram"/>
     </a:ext>
+    <a:ext uri="{C62137D5-CB1D-491B-B009-E17868A290BF}">
+      <dgm14:recolorImg xmlns:dgm14="http://schemas.microsoft.com/office/drawing/2010/diagram" val="1"/>
+    </a:ext>
   </dgm:extLst>
 </dgm:dataModel>
 </file>
@@ -1940,7 +2055,7 @@
       <dsp:cNvGrpSpPr/>
     </dsp:nvGrpSpPr>
     <dsp:grpSpPr/>
-    <dsp:sp modelId="{CAAAB844-050D-4CD8-82A6-DD728DC9B461}">
+    <dsp:sp modelId="{BE111D7C-7187-4091-B028-92CAB69DD318}">
       <dsp:nvSpPr>
         <dsp:cNvPr id="0" name=""/>
         <dsp:cNvSpPr/>
@@ -1976,11 +2091,8 @@
         <a:noFill/>
         <a:ln w="25400" cap="flat" cmpd="sng" algn="ctr">
           <a:solidFill>
-            <a:schemeClr val="accent4">
-              <a:hueOff val="0"/>
-              <a:satOff val="0"/>
-              <a:lumOff val="0"/>
-              <a:alphaOff val="0"/>
+            <a:schemeClr val="bg2">
+              <a:lumMod val="75000"/>
             </a:schemeClr>
           </a:solidFill>
           <a:prstDash val="solid"/>
@@ -2000,7 +2112,7 @@
         <a:fontRef idx="minor"/>
       </dsp:style>
     </dsp:sp>
-    <dsp:sp modelId="{F544394A-2E23-4745-B814-2D40F5FEDD03}">
+    <dsp:sp modelId="{E896FABC-9A5C-4238-A19E-80D7E0562EAD}">
       <dsp:nvSpPr>
         <dsp:cNvPr id="0" name=""/>
         <dsp:cNvSpPr/>
@@ -2036,11 +2148,8 @@
         <a:noFill/>
         <a:ln w="25400" cap="flat" cmpd="sng" algn="ctr">
           <a:solidFill>
-            <a:schemeClr val="accent4">
-              <a:hueOff val="0"/>
-              <a:satOff val="0"/>
-              <a:lumOff val="0"/>
-              <a:alphaOff val="0"/>
+            <a:schemeClr val="bg2">
+              <a:lumMod val="75000"/>
             </a:schemeClr>
           </a:solidFill>
           <a:prstDash val="solid"/>
@@ -2060,7 +2169,7 @@
         <a:fontRef idx="minor"/>
       </dsp:style>
     </dsp:sp>
-    <dsp:sp modelId="{DDE45145-B60C-4CB5-A180-F951087061C7}">
+    <dsp:sp modelId="{DE95D286-C585-4C12-8E5B-E77FD804F6D2}">
       <dsp:nvSpPr>
         <dsp:cNvPr id="0" name=""/>
         <dsp:cNvSpPr/>
@@ -2096,11 +2205,8 @@
         <a:noFill/>
         <a:ln w="25400" cap="flat" cmpd="sng" algn="ctr">
           <a:solidFill>
-            <a:schemeClr val="accent4">
-              <a:hueOff val="0"/>
-              <a:satOff val="0"/>
-              <a:lumOff val="0"/>
-              <a:alphaOff val="0"/>
+            <a:schemeClr val="bg2">
+              <a:lumMod val="75000"/>
             </a:schemeClr>
           </a:solidFill>
           <a:prstDash val="solid"/>
@@ -2120,7 +2226,7 @@
         <a:fontRef idx="minor"/>
       </dsp:style>
     </dsp:sp>
-    <dsp:sp modelId="{23A11258-3936-46D8-8799-C63DD202D41D}">
+    <dsp:sp modelId="{1F9E0327-11D7-4C99-BC69-AFB1A7F6A24E}">
       <dsp:nvSpPr>
         <dsp:cNvPr id="0" name=""/>
         <dsp:cNvSpPr/>
@@ -2180,7 +2286,7 @@
         <a:fontRef idx="minor"/>
       </dsp:style>
     </dsp:sp>
-    <dsp:sp modelId="{C1F76DD6-B685-4E5B-A941-315678D4EF96}">
+    <dsp:sp modelId="{4632A73F-05E2-4DEF-8987-902C3147852E}">
       <dsp:nvSpPr>
         <dsp:cNvPr id="0" name=""/>
         <dsp:cNvSpPr/>
@@ -2240,7 +2346,7 @@
         <a:fontRef idx="minor"/>
       </dsp:style>
     </dsp:sp>
-    <dsp:sp modelId="{DB93B23D-3654-42F6-B419-E0266B1F467D}">
+    <dsp:sp modelId="{6FE4442A-205D-4882-A7E1-84BAB4D663E6}">
       <dsp:nvSpPr>
         <dsp:cNvPr id="0" name=""/>
         <dsp:cNvSpPr/>
@@ -2276,11 +2382,8 @@
         <a:noFill/>
         <a:ln w="25400" cap="flat" cmpd="sng" algn="ctr">
           <a:solidFill>
-            <a:schemeClr val="accent4">
-              <a:hueOff val="0"/>
-              <a:satOff val="0"/>
-              <a:lumOff val="0"/>
-              <a:alphaOff val="0"/>
+            <a:schemeClr val="bg2">
+              <a:lumMod val="75000"/>
             </a:schemeClr>
           </a:solidFill>
           <a:prstDash val="solid"/>
@@ -2300,7 +2403,7 @@
         <a:fontRef idx="minor"/>
       </dsp:style>
     </dsp:sp>
-    <dsp:sp modelId="{8E90C71C-217C-4484-8190-8ECFFE739D6E}">
+    <dsp:sp modelId="{909ABB21-056B-4D9F-8348-1E34CBFD887B}">
       <dsp:nvSpPr>
         <dsp:cNvPr id="0" name=""/>
         <dsp:cNvSpPr/>
@@ -2360,7 +2463,7 @@
         <a:fontRef idx="minor"/>
       </dsp:style>
     </dsp:sp>
-    <dsp:sp modelId="{68D478F5-0C47-47CD-8D62-2A2650927F62}">
+    <dsp:sp modelId="{797DB53D-32C7-4DA0-9900-D4456F4261DB}">
       <dsp:nvSpPr>
         <dsp:cNvPr id="0" name=""/>
         <dsp:cNvSpPr/>
@@ -2420,7 +2523,7 @@
         <a:fontRef idx="minor"/>
       </dsp:style>
     </dsp:sp>
-    <dsp:sp modelId="{08E28C1E-3726-4995-8BBD-CF1A4027B8C4}">
+    <dsp:sp modelId="{B69A1826-AB8B-474B-9370-C1D63D1FBF68}">
       <dsp:nvSpPr>
         <dsp:cNvPr id="0" name=""/>
         <dsp:cNvSpPr/>
@@ -2456,11 +2559,8 @@
         <a:noFill/>
         <a:ln w="25400" cap="flat" cmpd="sng" algn="ctr">
           <a:solidFill>
-            <a:schemeClr val="accent4">
-              <a:hueOff val="0"/>
-              <a:satOff val="0"/>
-              <a:lumOff val="0"/>
-              <a:alphaOff val="0"/>
+            <a:schemeClr val="bg2">
+              <a:lumMod val="75000"/>
             </a:schemeClr>
           </a:solidFill>
           <a:prstDash val="solid"/>
@@ -2571,11 +2671,8 @@
           <a:avLst/>
         </a:prstGeom>
         <a:solidFill>
-          <a:schemeClr val="accent4">
-            <a:hueOff val="0"/>
-            <a:satOff val="0"/>
-            <a:lumOff val="0"/>
-            <a:alphaOff val="0"/>
+          <a:schemeClr val="bg2">
+            <a:lumMod val="75000"/>
           </a:schemeClr>
         </a:solidFill>
         <a:ln w="25400" cap="flat" cmpd="sng" algn="ctr">
@@ -2649,10 +2746,7 @@
         </a:prstGeom>
         <a:solidFill>
           <a:schemeClr val="accent5">
-            <a:hueOff val="0"/>
-            <a:satOff val="0"/>
-            <a:lumOff val="0"/>
-            <a:alphaOff val="0"/>
+            <a:lumMod val="75000"/>
           </a:schemeClr>
         </a:solidFill>
         <a:ln w="25400" cap="flat" cmpd="sng" algn="ctr">
@@ -2726,10 +2820,7 @@
         </a:prstGeom>
         <a:solidFill>
           <a:schemeClr val="accent5">
-            <a:hueOff val="0"/>
-            <a:satOff val="0"/>
-            <a:lumOff val="0"/>
-            <a:alphaOff val="0"/>
+            <a:lumMod val="75000"/>
           </a:schemeClr>
         </a:solidFill>
         <a:ln w="25400" cap="flat" cmpd="sng" algn="ctr">
@@ -2802,11 +2893,8 @@
           <a:avLst/>
         </a:prstGeom>
         <a:solidFill>
-          <a:schemeClr val="accent4">
-            <a:hueOff val="0"/>
-            <a:satOff val="0"/>
-            <a:lumOff val="0"/>
-            <a:alphaOff val="0"/>
+          <a:schemeClr val="bg2">
+            <a:lumMod val="75000"/>
           </a:schemeClr>
         </a:solidFill>
         <a:ln w="25400" cap="flat" cmpd="sng" algn="ctr">
@@ -2880,10 +2968,7 @@
         </a:prstGeom>
         <a:solidFill>
           <a:schemeClr val="accent5">
-            <a:hueOff val="0"/>
-            <a:satOff val="0"/>
-            <a:lumOff val="0"/>
-            <a:alphaOff val="0"/>
+            <a:lumMod val="75000"/>
           </a:schemeClr>
         </a:solidFill>
         <a:ln w="25400" cap="flat" cmpd="sng" algn="ctr">
@@ -2957,10 +3042,7 @@
         </a:prstGeom>
         <a:solidFill>
           <a:schemeClr val="accent5">
-            <a:hueOff val="0"/>
-            <a:satOff val="0"/>
-            <a:lumOff val="0"/>
-            <a:alphaOff val="0"/>
+            <a:lumMod val="75000"/>
           </a:schemeClr>
         </a:solidFill>
         <a:ln w="25400" cap="flat" cmpd="sng" algn="ctr">
@@ -3033,11 +3115,8 @@
           <a:avLst/>
         </a:prstGeom>
         <a:solidFill>
-          <a:schemeClr val="accent4">
-            <a:hueOff val="0"/>
-            <a:satOff val="0"/>
-            <a:lumOff val="0"/>
-            <a:alphaOff val="0"/>
+          <a:schemeClr val="bg2">
+            <a:lumMod val="75000"/>
           </a:schemeClr>
         </a:solidFill>
         <a:ln w="25400" cap="flat" cmpd="sng" algn="ctr">
@@ -3110,11 +3189,8 @@
           <a:avLst/>
         </a:prstGeom>
         <a:solidFill>
-          <a:schemeClr val="accent4">
-            <a:hueOff val="0"/>
-            <a:satOff val="0"/>
-            <a:lumOff val="0"/>
-            <a:alphaOff val="0"/>
+          <a:schemeClr val="bg2">
+            <a:lumMod val="75000"/>
           </a:schemeClr>
         </a:solidFill>
         <a:ln w="25400" cap="flat" cmpd="sng" algn="ctr">
@@ -3187,11 +3263,8 @@
           <a:avLst/>
         </a:prstGeom>
         <a:solidFill>
-          <a:schemeClr val="accent4">
-            <a:hueOff val="0"/>
-            <a:satOff val="0"/>
-            <a:lumOff val="0"/>
-            <a:alphaOff val="0"/>
+          <a:schemeClr val="bg2">
+            <a:lumMod val="75000"/>
           </a:schemeClr>
         </a:solidFill>
         <a:ln w="25400" cap="flat" cmpd="sng" algn="ctr">
@@ -8278,7 +8351,7 @@
     </p:spTree>
     <p:extLst>
       <p:ext uri="{BB962C8B-B14F-4D97-AF65-F5344CB8AC3E}">
-        <p14:creationId xmlns:p14="http://schemas.microsoft.com/office/powerpoint/2010/main" val="712968214"/>
+        <p14:creationId xmlns:p14="http://schemas.microsoft.com/office/powerpoint/2010/main" val="2546422060"/>
       </p:ext>
     </p:extLst>
   </p:cSld>
@@ -8387,7 +8460,7 @@
     </p:spTree>
     <p:extLst>
       <p:ext uri="{BB962C8B-B14F-4D97-AF65-F5344CB8AC3E}">
-        <p14:creationId xmlns:p14="http://schemas.microsoft.com/office/powerpoint/2010/main" val="2546422060"/>
+        <p14:creationId xmlns:p14="http://schemas.microsoft.com/office/powerpoint/2010/main" val="2170856650"/>
       </p:ext>
     </p:extLst>
   </p:cSld>
@@ -19623,6 +19696,9 @@
                     <p:cTn id="3" fill="hold">
                       <p:stCondLst>
                         <p:cond delay="indefinite"/>
+                        <p:cond evt="onBegin" delay="0">
+                          <p:tn val="2"/>
+                        </p:cond>
                       </p:stCondLst>
                       <p:childTnLst>
                         <p:par>
@@ -19632,7 +19708,7 @@
                             </p:stCondLst>
                             <p:childTnLst>
                               <p:par>
-                                <p:cTn id="5" presetID="10" presetClass="entr" presetSubtype="0" fill="hold" grpId="0" nodeType="clickEffect">
+                                <p:cTn id="5" presetID="10" presetClass="entr" presetSubtype="0" fill="hold" grpId="0" nodeType="withEffect">
                                   <p:stCondLst>
                                     <p:cond delay="0"/>
                                   </p:stCondLst>
@@ -23792,6 +23868,9 @@
                     <p:cTn id="3" fill="hold">
                       <p:stCondLst>
                         <p:cond delay="indefinite"/>
+                        <p:cond evt="onBegin" delay="0">
+                          <p:tn val="2"/>
+                        </p:cond>
                       </p:stCondLst>
                       <p:childTnLst>
                         <p:par>
@@ -23801,7 +23880,7 @@
                             </p:stCondLst>
                             <p:childTnLst>
                               <p:par>
-                                <p:cTn id="5" presetID="10" presetClass="entr" presetSubtype="0" fill="hold" grpId="0" nodeType="clickEffect">
+                                <p:cTn id="5" presetID="10" presetClass="entr" presetSubtype="0" fill="hold" grpId="0" nodeType="withEffect">
                                   <p:stCondLst>
                                     <p:cond delay="0"/>
                                   </p:stCondLst>
@@ -24783,14 +24862,14 @@
             <a:avLst/>
           </a:prstGeom>
           <a:solidFill>
-            <a:schemeClr val="accent5">
+            <a:schemeClr val="tx2">
               <a:lumMod val="20000"/>
               <a:lumOff val="80000"/>
             </a:schemeClr>
           </a:solidFill>
           <a:ln>
             <a:solidFill>
-              <a:schemeClr val="accent5">
+              <a:schemeClr val="bg2">
                 <a:lumMod val="50000"/>
               </a:schemeClr>
             </a:solidFill>
@@ -24999,7 +25078,7 @@
           <p:nvPr>
             <p:extLst>
               <p:ext uri="{D42A27DB-BD31-4B8C-83A1-F6EECF244321}">
-                <p14:modId xmlns:p14="http://schemas.microsoft.com/office/powerpoint/2010/main" val="2108857135"/>
+                <p14:modId xmlns:p14="http://schemas.microsoft.com/office/powerpoint/2010/main" val="1730579573"/>
               </p:ext>
             </p:extLst>
           </p:nvPr>
@@ -25036,6 +25115,9 @@
                     <p:cTn id="3" fill="hold">
                       <p:stCondLst>
                         <p:cond delay="indefinite"/>
+                        <p:cond evt="onBegin" delay="0">
+                          <p:tn val="2"/>
+                        </p:cond>
                       </p:stCondLst>
                       <p:childTnLst>
                         <p:par>
@@ -25045,7 +25127,7 @@
                             </p:stCondLst>
                             <p:childTnLst>
                               <p:par>
-                                <p:cTn id="5" presetID="10" presetClass="entr" presetSubtype="0" fill="hold" grpId="0" nodeType="clickEffect">
+                                <p:cTn id="5" presetID="10" presetClass="entr" presetSubtype="0" fill="hold" grpId="0" nodeType="withEffect">
                                   <p:stCondLst>
                                     <p:cond delay="0"/>
                                   </p:stCondLst>
@@ -25359,7 +25441,7 @@
                                         <p:tgtEl>
                                           <p:spTgt spid="13">
                                             <p:graphicEl>
-                                              <a:dgm id="{08E28C1E-3726-4995-8BBD-CF1A4027B8C4}"/>
+                                              <a:dgm id="{B69A1826-AB8B-474B-9370-C1D63D1FBF68}"/>
                                             </p:graphicEl>
                                           </p:spTgt>
                                         </p:tgtEl>
@@ -25377,7 +25459,7 @@
                                         <p:tgtEl>
                                           <p:spTgt spid="13">
                                             <p:graphicEl>
-                                              <a:dgm id="{08E28C1E-3726-4995-8BBD-CF1A4027B8C4}"/>
+                                              <a:dgm id="{B69A1826-AB8B-474B-9370-C1D63D1FBF68}"/>
                                             </p:graphicEl>
                                           </p:spTgt>
                                         </p:tgtEl>
@@ -25386,24 +25468,15 @@
                                   </p:childTnLst>
                                 </p:cTn>
                               </p:par>
-                            </p:childTnLst>
-                          </p:cTn>
-                        </p:par>
-                        <p:par>
-                          <p:cTn id="31" fill="hold">
-                            <p:stCondLst>
-                              <p:cond delay="2000"/>
-                            </p:stCondLst>
-                            <p:childTnLst>
                               <p:par>
-                                <p:cTn id="32" presetID="10" presetClass="entr" presetSubtype="0" fill="hold" grpId="0" nodeType="afterEffect">
+                                <p:cTn id="31" presetID="10" presetClass="entr" presetSubtype="0" fill="hold" grpId="0" nodeType="withEffect">
                                   <p:stCondLst>
                                     <p:cond delay="0"/>
                                   </p:stCondLst>
                                   <p:childTnLst>
                                     <p:set>
                                       <p:cBhvr>
-                                        <p:cTn id="33" dur="1" fill="hold">
+                                        <p:cTn id="32" dur="1" fill="hold">
                                           <p:stCondLst>
                                             <p:cond delay="0"/>
                                           </p:stCondLst>
@@ -25425,7 +25498,7 @@
                                     </p:set>
                                     <p:animEffect transition="in" filter="fade">
                                       <p:cBhvr>
-                                        <p:cTn id="34" dur="500"/>
+                                        <p:cTn id="33" dur="500"/>
                                         <p:tgtEl>
                                           <p:spTgt spid="13">
                                             <p:graphicEl>
@@ -25438,24 +25511,15 @@
                                   </p:childTnLst>
                                 </p:cTn>
                               </p:par>
-                            </p:childTnLst>
-                          </p:cTn>
-                        </p:par>
-                        <p:par>
-                          <p:cTn id="35" fill="hold">
-                            <p:stCondLst>
-                              <p:cond delay="2500"/>
-                            </p:stCondLst>
-                            <p:childTnLst>
                               <p:par>
-                                <p:cTn id="36" presetID="10" presetClass="entr" presetSubtype="0" fill="hold" grpId="0" nodeType="afterEffect">
+                                <p:cTn id="34" presetID="10" presetClass="entr" presetSubtype="0" fill="hold" grpId="0" nodeType="withEffect">
                                   <p:stCondLst>
                                     <p:cond delay="0"/>
                                   </p:stCondLst>
                                   <p:childTnLst>
                                     <p:set>
                                       <p:cBhvr>
-                                        <p:cTn id="37" dur="1" fill="hold">
+                                        <p:cTn id="35" dur="1" fill="hold">
                                           <p:stCondLst>
                                             <p:cond delay="0"/>
                                           </p:stCondLst>
@@ -25463,7 +25527,7 @@
                                         <p:tgtEl>
                                           <p:spTgt spid="13">
                                             <p:graphicEl>
-                                              <a:dgm id="{DB93B23D-3654-42F6-B419-E0266B1F467D}"/>
+                                              <a:dgm id="{6FE4442A-205D-4882-A7E1-84BAB4D663E6}"/>
                                             </p:graphicEl>
                                           </p:spTgt>
                                         </p:tgtEl>
@@ -25477,11 +25541,11 @@
                                     </p:set>
                                     <p:animEffect transition="in" filter="fade">
                                       <p:cBhvr>
-                                        <p:cTn id="38" dur="500"/>
+                                        <p:cTn id="36" dur="500"/>
                                         <p:tgtEl>
                                           <p:spTgt spid="13">
                                             <p:graphicEl>
-                                              <a:dgm id="{DB93B23D-3654-42F6-B419-E0266B1F467D}"/>
+                                              <a:dgm id="{6FE4442A-205D-4882-A7E1-84BAB4D663E6}"/>
                                             </p:graphicEl>
                                           </p:spTgt>
                                         </p:tgtEl>
@@ -25490,24 +25554,15 @@
                                   </p:childTnLst>
                                 </p:cTn>
                               </p:par>
-                            </p:childTnLst>
-                          </p:cTn>
-                        </p:par>
-                        <p:par>
-                          <p:cTn id="39" fill="hold">
-                            <p:stCondLst>
-                              <p:cond delay="3000"/>
-                            </p:stCondLst>
-                            <p:childTnLst>
                               <p:par>
-                                <p:cTn id="40" presetID="10" presetClass="entr" presetSubtype="0" fill="hold" grpId="0" nodeType="afterEffect">
+                                <p:cTn id="37" presetID="10" presetClass="entr" presetSubtype="0" fill="hold" grpId="0" nodeType="withEffect">
                                   <p:stCondLst>
                                     <p:cond delay="0"/>
                                   </p:stCondLst>
                                   <p:childTnLst>
                                     <p:set>
                                       <p:cBhvr>
-                                        <p:cTn id="41" dur="1" fill="hold">
+                                        <p:cTn id="38" dur="1" fill="hold">
                                           <p:stCondLst>
                                             <p:cond delay="0"/>
                                           </p:stCondLst>
@@ -25529,7 +25584,7 @@
                                     </p:set>
                                     <p:animEffect transition="in" filter="fade">
                                       <p:cBhvr>
-                                        <p:cTn id="42" dur="500"/>
+                                        <p:cTn id="39" dur="500"/>
                                         <p:tgtEl>
                                           <p:spTgt spid="13">
                                             <p:graphicEl>
@@ -25542,24 +25597,15 @@
                                   </p:childTnLst>
                                 </p:cTn>
                               </p:par>
-                            </p:childTnLst>
-                          </p:cTn>
-                        </p:par>
-                        <p:par>
-                          <p:cTn id="43" fill="hold">
-                            <p:stCondLst>
-                              <p:cond delay="3500"/>
-                            </p:stCondLst>
-                            <p:childTnLst>
                               <p:par>
-                                <p:cTn id="44" presetID="10" presetClass="entr" presetSubtype="0" fill="hold" grpId="0" nodeType="afterEffect">
+                                <p:cTn id="40" presetID="10" presetClass="entr" presetSubtype="0" fill="hold" grpId="0" nodeType="withEffect">
                                   <p:stCondLst>
                                     <p:cond delay="0"/>
                                   </p:stCondLst>
                                   <p:childTnLst>
                                     <p:set>
                                       <p:cBhvr>
-                                        <p:cTn id="45" dur="1" fill="hold">
+                                        <p:cTn id="41" dur="1" fill="hold">
                                           <p:stCondLst>
                                             <p:cond delay="0"/>
                                           </p:stCondLst>
@@ -25567,7 +25613,7 @@
                                         <p:tgtEl>
                                           <p:spTgt spid="13">
                                             <p:graphicEl>
-                                              <a:dgm id="{DDE45145-B60C-4CB5-A180-F951087061C7}"/>
+                                              <a:dgm id="{DE95D286-C585-4C12-8E5B-E77FD804F6D2}"/>
                                             </p:graphicEl>
                                           </p:spTgt>
                                         </p:tgtEl>
@@ -25581,11 +25627,11 @@
                                     </p:set>
                                     <p:animEffect transition="in" filter="fade">
                                       <p:cBhvr>
-                                        <p:cTn id="46" dur="500"/>
+                                        <p:cTn id="42" dur="500"/>
                                         <p:tgtEl>
                                           <p:spTgt spid="13">
                                             <p:graphicEl>
-                                              <a:dgm id="{DDE45145-B60C-4CB5-A180-F951087061C7}"/>
+                                              <a:dgm id="{DE95D286-C585-4C12-8E5B-E77FD804F6D2}"/>
                                             </p:graphicEl>
                                           </p:spTgt>
                                         </p:tgtEl>
@@ -25594,24 +25640,15 @@
                                   </p:childTnLst>
                                 </p:cTn>
                               </p:par>
-                            </p:childTnLst>
-                          </p:cTn>
-                        </p:par>
-                        <p:par>
-                          <p:cTn id="47" fill="hold">
-                            <p:stCondLst>
-                              <p:cond delay="4000"/>
-                            </p:stCondLst>
-                            <p:childTnLst>
                               <p:par>
-                                <p:cTn id="48" presetID="10" presetClass="entr" presetSubtype="0" fill="hold" grpId="0" nodeType="afterEffect">
+                                <p:cTn id="43" presetID="10" presetClass="entr" presetSubtype="0" fill="hold" grpId="0" nodeType="withEffect">
                                   <p:stCondLst>
                                     <p:cond delay="0"/>
                                   </p:stCondLst>
                                   <p:childTnLst>
                                     <p:set>
                                       <p:cBhvr>
-                                        <p:cTn id="49" dur="1" fill="hold">
+                                        <p:cTn id="44" dur="1" fill="hold">
                                           <p:stCondLst>
                                             <p:cond delay="0"/>
                                           </p:stCondLst>
@@ -25633,7 +25670,7 @@
                                     </p:set>
                                     <p:animEffect transition="in" filter="fade">
                                       <p:cBhvr>
-                                        <p:cTn id="50" dur="500"/>
+                                        <p:cTn id="45" dur="500"/>
                                         <p:tgtEl>
                                           <p:spTgt spid="13">
                                             <p:graphicEl>
@@ -25646,24 +25683,15 @@
                                   </p:childTnLst>
                                 </p:cTn>
                               </p:par>
-                            </p:childTnLst>
-                          </p:cTn>
-                        </p:par>
-                        <p:par>
-                          <p:cTn id="51" fill="hold">
-                            <p:stCondLst>
-                              <p:cond delay="4500"/>
-                            </p:stCondLst>
-                            <p:childTnLst>
                               <p:par>
-                                <p:cTn id="52" presetID="10" presetClass="entr" presetSubtype="0" fill="hold" grpId="0" nodeType="afterEffect">
+                                <p:cTn id="46" presetID="10" presetClass="entr" presetSubtype="0" fill="hold" grpId="0" nodeType="withEffect">
                                   <p:stCondLst>
                                     <p:cond delay="0"/>
                                   </p:stCondLst>
                                   <p:childTnLst>
                                     <p:set>
                                       <p:cBhvr>
-                                        <p:cTn id="53" dur="1" fill="hold">
+                                        <p:cTn id="47" dur="1" fill="hold">
                                           <p:stCondLst>
                                             <p:cond delay="0"/>
                                           </p:stCondLst>
@@ -25671,7 +25699,7 @@
                                         <p:tgtEl>
                                           <p:spTgt spid="13">
                                             <p:graphicEl>
-                                              <a:dgm id="{F544394A-2E23-4745-B814-2D40F5FEDD03}"/>
+                                              <a:dgm id="{E896FABC-9A5C-4238-A19E-80D7E0562EAD}"/>
                                             </p:graphicEl>
                                           </p:spTgt>
                                         </p:tgtEl>
@@ -25685,11 +25713,11 @@
                                     </p:set>
                                     <p:animEffect transition="in" filter="fade">
                                       <p:cBhvr>
-                                        <p:cTn id="54" dur="500"/>
+                                        <p:cTn id="48" dur="500"/>
                                         <p:tgtEl>
                                           <p:spTgt spid="13">
                                             <p:graphicEl>
-                                              <a:dgm id="{F544394A-2E23-4745-B814-2D40F5FEDD03}"/>
+                                              <a:dgm id="{E896FABC-9A5C-4238-A19E-80D7E0562EAD}"/>
                                             </p:graphicEl>
                                           </p:spTgt>
                                         </p:tgtEl>
@@ -25698,24 +25726,15 @@
                                   </p:childTnLst>
                                 </p:cTn>
                               </p:par>
-                            </p:childTnLst>
-                          </p:cTn>
-                        </p:par>
-                        <p:par>
-                          <p:cTn id="55" fill="hold">
-                            <p:stCondLst>
-                              <p:cond delay="5000"/>
-                            </p:stCondLst>
-                            <p:childTnLst>
                               <p:par>
-                                <p:cTn id="56" presetID="10" presetClass="entr" presetSubtype="0" fill="hold" grpId="0" nodeType="afterEffect">
+                                <p:cTn id="49" presetID="10" presetClass="entr" presetSubtype="0" fill="hold" grpId="0" nodeType="withEffect">
                                   <p:stCondLst>
                                     <p:cond delay="0"/>
                                   </p:stCondLst>
                                   <p:childTnLst>
                                     <p:set>
                                       <p:cBhvr>
-                                        <p:cTn id="57" dur="1" fill="hold">
+                                        <p:cTn id="50" dur="1" fill="hold">
                                           <p:stCondLst>
                                             <p:cond delay="0"/>
                                           </p:stCondLst>
@@ -25737,7 +25756,7 @@
                                     </p:set>
                                     <p:animEffect transition="in" filter="fade">
                                       <p:cBhvr>
-                                        <p:cTn id="58" dur="500"/>
+                                        <p:cTn id="51" dur="500"/>
                                         <p:tgtEl>
                                           <p:spTgt spid="13">
                                             <p:graphicEl>
@@ -25750,24 +25769,15 @@
                                   </p:childTnLst>
                                 </p:cTn>
                               </p:par>
-                            </p:childTnLst>
-                          </p:cTn>
-                        </p:par>
-                        <p:par>
-                          <p:cTn id="59" fill="hold">
-                            <p:stCondLst>
-                              <p:cond delay="5500"/>
-                            </p:stCondLst>
-                            <p:childTnLst>
                               <p:par>
-                                <p:cTn id="60" presetID="10" presetClass="entr" presetSubtype="0" fill="hold" grpId="0" nodeType="afterEffect">
+                                <p:cTn id="52" presetID="10" presetClass="entr" presetSubtype="0" fill="hold" grpId="0" nodeType="withEffect">
                                   <p:stCondLst>
                                     <p:cond delay="0"/>
                                   </p:stCondLst>
                                   <p:childTnLst>
                                     <p:set>
                                       <p:cBhvr>
-                                        <p:cTn id="61" dur="1" fill="hold">
+                                        <p:cTn id="53" dur="1" fill="hold">
                                           <p:stCondLst>
                                             <p:cond delay="0"/>
                                           </p:stCondLst>
@@ -25775,7 +25785,7 @@
                                         <p:tgtEl>
                                           <p:spTgt spid="13">
                                             <p:graphicEl>
-                                              <a:dgm id="{CAAAB844-050D-4CD8-82A6-DD728DC9B461}"/>
+                                              <a:dgm id="{BE111D7C-7187-4091-B028-92CAB69DD318}"/>
                                             </p:graphicEl>
                                           </p:spTgt>
                                         </p:tgtEl>
@@ -25789,11 +25799,11 @@
                                     </p:set>
                                     <p:animEffect transition="in" filter="fade">
                                       <p:cBhvr>
-                                        <p:cTn id="62" dur="500"/>
+                                        <p:cTn id="54" dur="500"/>
                                         <p:tgtEl>
                                           <p:spTgt spid="13">
                                             <p:graphicEl>
-                                              <a:dgm id="{CAAAB844-050D-4CD8-82A6-DD728DC9B461}"/>
+                                              <a:dgm id="{BE111D7C-7187-4091-B028-92CAB69DD318}"/>
                                             </p:graphicEl>
                                           </p:spTgt>
                                         </p:tgtEl>
@@ -25802,24 +25812,15 @@
                                   </p:childTnLst>
                                 </p:cTn>
                               </p:par>
-                            </p:childTnLst>
-                          </p:cTn>
-                        </p:par>
-                        <p:par>
-                          <p:cTn id="63" fill="hold">
-                            <p:stCondLst>
-                              <p:cond delay="6000"/>
-                            </p:stCondLst>
-                            <p:childTnLst>
                               <p:par>
-                                <p:cTn id="64" presetID="10" presetClass="entr" presetSubtype="0" fill="hold" grpId="0" nodeType="afterEffect">
+                                <p:cTn id="55" presetID="10" presetClass="entr" presetSubtype="0" fill="hold" grpId="0" nodeType="withEffect">
                                   <p:stCondLst>
                                     <p:cond delay="0"/>
                                   </p:stCondLst>
                                   <p:childTnLst>
                                     <p:set>
                                       <p:cBhvr>
-                                        <p:cTn id="65" dur="1" fill="hold">
+                                        <p:cTn id="56" dur="1" fill="hold">
                                           <p:stCondLst>
                                             <p:cond delay="0"/>
                                           </p:stCondLst>
@@ -25841,7 +25842,7 @@
                                     </p:set>
                                     <p:animEffect transition="in" filter="fade">
                                       <p:cBhvr>
-                                        <p:cTn id="66" dur="500"/>
+                                        <p:cTn id="57" dur="500"/>
                                         <p:tgtEl>
                                           <p:spTgt spid="13">
                                             <p:graphicEl>
@@ -25858,20 +25859,20 @@
                           </p:cTn>
                         </p:par>
                         <p:par>
-                          <p:cTn id="67" fill="hold">
+                          <p:cTn id="58" fill="hold">
                             <p:stCondLst>
-                              <p:cond delay="6500"/>
+                              <p:cond delay="2000"/>
                             </p:stCondLst>
                             <p:childTnLst>
                               <p:par>
-                                <p:cTn id="68" presetID="10" presetClass="entr" presetSubtype="0" fill="hold" grpId="0" nodeType="afterEffect">
+                                <p:cTn id="59" presetID="10" presetClass="entr" presetSubtype="0" fill="hold" grpId="0" nodeType="afterEffect">
                                   <p:stCondLst>
                                     <p:cond delay="0"/>
                                   </p:stCondLst>
                                   <p:childTnLst>
                                     <p:set>
                                       <p:cBhvr>
-                                        <p:cTn id="69" dur="1" fill="hold">
+                                        <p:cTn id="60" dur="1" fill="hold">
                                           <p:stCondLst>
                                             <p:cond delay="0"/>
                                           </p:stCondLst>
@@ -25879,7 +25880,7 @@
                                         <p:tgtEl>
                                           <p:spTgt spid="13">
                                             <p:graphicEl>
-                                              <a:dgm id="{68D478F5-0C47-47CD-8D62-2A2650927F62}"/>
+                                              <a:dgm id="{797DB53D-32C7-4DA0-9900-D4456F4261DB}"/>
                                             </p:graphicEl>
                                           </p:spTgt>
                                         </p:tgtEl>
@@ -25893,11 +25894,11 @@
                                     </p:set>
                                     <p:animEffect transition="in" filter="fade">
                                       <p:cBhvr>
-                                        <p:cTn id="70" dur="500"/>
+                                        <p:cTn id="61" dur="500"/>
                                         <p:tgtEl>
                                           <p:spTgt spid="13">
                                             <p:graphicEl>
-                                              <a:dgm id="{68D478F5-0C47-47CD-8D62-2A2650927F62}"/>
+                                              <a:dgm id="{797DB53D-32C7-4DA0-9900-D4456F4261DB}"/>
                                             </p:graphicEl>
                                           </p:spTgt>
                                         </p:tgtEl>
@@ -25906,24 +25907,15 @@
                                   </p:childTnLst>
                                 </p:cTn>
                               </p:par>
-                            </p:childTnLst>
-                          </p:cTn>
-                        </p:par>
-                        <p:par>
-                          <p:cTn id="71" fill="hold">
-                            <p:stCondLst>
-                              <p:cond delay="7000"/>
-                            </p:stCondLst>
-                            <p:childTnLst>
                               <p:par>
-                                <p:cTn id="72" presetID="10" presetClass="entr" presetSubtype="0" fill="hold" grpId="0" nodeType="afterEffect">
+                                <p:cTn id="62" presetID="10" presetClass="entr" presetSubtype="0" fill="hold" grpId="0" nodeType="withEffect">
                                   <p:stCondLst>
                                     <p:cond delay="0"/>
                                   </p:stCondLst>
                                   <p:childTnLst>
                                     <p:set>
                                       <p:cBhvr>
-                                        <p:cTn id="73" dur="1" fill="hold">
+                                        <p:cTn id="63" dur="1" fill="hold">
                                           <p:stCondLst>
                                             <p:cond delay="0"/>
                                           </p:stCondLst>
@@ -25945,7 +25937,7 @@
                                     </p:set>
                                     <p:animEffect transition="in" filter="fade">
                                       <p:cBhvr>
-                                        <p:cTn id="74" dur="500"/>
+                                        <p:cTn id="64" dur="500"/>
                                         <p:tgtEl>
                                           <p:spTgt spid="13">
                                             <p:graphicEl>
@@ -25958,24 +25950,15 @@
                                   </p:childTnLst>
                                 </p:cTn>
                               </p:par>
-                            </p:childTnLst>
-                          </p:cTn>
-                        </p:par>
-                        <p:par>
-                          <p:cTn id="75" fill="hold">
-                            <p:stCondLst>
-                              <p:cond delay="7500"/>
-                            </p:stCondLst>
-                            <p:childTnLst>
                               <p:par>
-                                <p:cTn id="76" presetID="10" presetClass="entr" presetSubtype="0" fill="hold" grpId="0" nodeType="afterEffect">
+                                <p:cTn id="65" presetID="10" presetClass="entr" presetSubtype="0" fill="hold" grpId="0" nodeType="withEffect">
                                   <p:stCondLst>
                                     <p:cond delay="0"/>
                                   </p:stCondLst>
                                   <p:childTnLst>
                                     <p:set>
                                       <p:cBhvr>
-                                        <p:cTn id="77" dur="1" fill="hold">
+                                        <p:cTn id="66" dur="1" fill="hold">
                                           <p:stCondLst>
                                             <p:cond delay="0"/>
                                           </p:stCondLst>
@@ -25983,7 +25966,7 @@
                                         <p:tgtEl>
                                           <p:spTgt spid="13">
                                             <p:graphicEl>
-                                              <a:dgm id="{8E90C71C-217C-4484-8190-8ECFFE739D6E}"/>
+                                              <a:dgm id="{909ABB21-056B-4D9F-8348-1E34CBFD887B}"/>
                                             </p:graphicEl>
                                           </p:spTgt>
                                         </p:tgtEl>
@@ -25997,11 +25980,11 @@
                                     </p:set>
                                     <p:animEffect transition="in" filter="fade">
                                       <p:cBhvr>
-                                        <p:cTn id="78" dur="500"/>
+                                        <p:cTn id="67" dur="500"/>
                                         <p:tgtEl>
                                           <p:spTgt spid="13">
                                             <p:graphicEl>
-                                              <a:dgm id="{8E90C71C-217C-4484-8190-8ECFFE739D6E}"/>
+                                              <a:dgm id="{909ABB21-056B-4D9F-8348-1E34CBFD887B}"/>
                                             </p:graphicEl>
                                           </p:spTgt>
                                         </p:tgtEl>
@@ -26010,24 +25993,15 @@
                                   </p:childTnLst>
                                 </p:cTn>
                               </p:par>
-                            </p:childTnLst>
-                          </p:cTn>
-                        </p:par>
-                        <p:par>
-                          <p:cTn id="79" fill="hold">
-                            <p:stCondLst>
-                              <p:cond delay="8000"/>
-                            </p:stCondLst>
-                            <p:childTnLst>
                               <p:par>
-                                <p:cTn id="80" presetID="10" presetClass="entr" presetSubtype="0" fill="hold" grpId="0" nodeType="afterEffect">
+                                <p:cTn id="68" presetID="10" presetClass="entr" presetSubtype="0" fill="hold" grpId="0" nodeType="withEffect">
                                   <p:stCondLst>
                                     <p:cond delay="0"/>
                                   </p:stCondLst>
                                   <p:childTnLst>
                                     <p:set>
                                       <p:cBhvr>
-                                        <p:cTn id="81" dur="1" fill="hold">
+                                        <p:cTn id="69" dur="1" fill="hold">
                                           <p:stCondLst>
                                             <p:cond delay="0"/>
                                           </p:stCondLst>
@@ -26049,7 +26023,7 @@
                                     </p:set>
                                     <p:animEffect transition="in" filter="fade">
                                       <p:cBhvr>
-                                        <p:cTn id="82" dur="500"/>
+                                        <p:cTn id="70" dur="500"/>
                                         <p:tgtEl>
                                           <p:spTgt spid="13">
                                             <p:graphicEl>
@@ -26062,24 +26036,15 @@
                                   </p:childTnLst>
                                 </p:cTn>
                               </p:par>
-                            </p:childTnLst>
-                          </p:cTn>
-                        </p:par>
-                        <p:par>
-                          <p:cTn id="83" fill="hold">
-                            <p:stCondLst>
-                              <p:cond delay="8500"/>
-                            </p:stCondLst>
-                            <p:childTnLst>
                               <p:par>
-                                <p:cTn id="84" presetID="10" presetClass="entr" presetSubtype="0" fill="hold" grpId="0" nodeType="afterEffect">
+                                <p:cTn id="71" presetID="10" presetClass="entr" presetSubtype="0" fill="hold" grpId="0" nodeType="withEffect">
                                   <p:stCondLst>
                                     <p:cond delay="0"/>
                                   </p:stCondLst>
                                   <p:childTnLst>
                                     <p:set>
                                       <p:cBhvr>
-                                        <p:cTn id="85" dur="1" fill="hold">
+                                        <p:cTn id="72" dur="1" fill="hold">
                                           <p:stCondLst>
                                             <p:cond delay="0"/>
                                           </p:stCondLst>
@@ -26087,7 +26052,7 @@
                                         <p:tgtEl>
                                           <p:spTgt spid="13">
                                             <p:graphicEl>
-                                              <a:dgm id="{C1F76DD6-B685-4E5B-A941-315678D4EF96}"/>
+                                              <a:dgm id="{4632A73F-05E2-4DEF-8987-902C3147852E}"/>
                                             </p:graphicEl>
                                           </p:spTgt>
                                         </p:tgtEl>
@@ -26101,11 +26066,11 @@
                                     </p:set>
                                     <p:animEffect transition="in" filter="fade">
                                       <p:cBhvr>
-                                        <p:cTn id="86" dur="500"/>
+                                        <p:cTn id="73" dur="500"/>
                                         <p:tgtEl>
                                           <p:spTgt spid="13">
                                             <p:graphicEl>
-                                              <a:dgm id="{C1F76DD6-B685-4E5B-A941-315678D4EF96}"/>
+                                              <a:dgm id="{4632A73F-05E2-4DEF-8987-902C3147852E}"/>
                                             </p:graphicEl>
                                           </p:spTgt>
                                         </p:tgtEl>
@@ -26114,24 +26079,15 @@
                                   </p:childTnLst>
                                 </p:cTn>
                               </p:par>
-                            </p:childTnLst>
-                          </p:cTn>
-                        </p:par>
-                        <p:par>
-                          <p:cTn id="87" fill="hold">
-                            <p:stCondLst>
-                              <p:cond delay="9000"/>
-                            </p:stCondLst>
-                            <p:childTnLst>
                               <p:par>
-                                <p:cTn id="88" presetID="10" presetClass="entr" presetSubtype="0" fill="hold" grpId="0" nodeType="afterEffect">
+                                <p:cTn id="74" presetID="10" presetClass="entr" presetSubtype="0" fill="hold" grpId="0" nodeType="withEffect">
                                   <p:stCondLst>
                                     <p:cond delay="0"/>
                                   </p:stCondLst>
                                   <p:childTnLst>
                                     <p:set>
                                       <p:cBhvr>
-                                        <p:cTn id="89" dur="1" fill="hold">
+                                        <p:cTn id="75" dur="1" fill="hold">
                                           <p:stCondLst>
                                             <p:cond delay="0"/>
                                           </p:stCondLst>
@@ -26153,7 +26109,7 @@
                                     </p:set>
                                     <p:animEffect transition="in" filter="fade">
                                       <p:cBhvr>
-                                        <p:cTn id="90" dur="500"/>
+                                        <p:cTn id="76" dur="500"/>
                                         <p:tgtEl>
                                           <p:spTgt spid="13">
                                             <p:graphicEl>
@@ -26166,24 +26122,15 @@
                                   </p:childTnLst>
                                 </p:cTn>
                               </p:par>
-                            </p:childTnLst>
-                          </p:cTn>
-                        </p:par>
-                        <p:par>
-                          <p:cTn id="91" fill="hold">
-                            <p:stCondLst>
-                              <p:cond delay="9500"/>
-                            </p:stCondLst>
-                            <p:childTnLst>
                               <p:par>
-                                <p:cTn id="92" presetID="10" presetClass="entr" presetSubtype="0" fill="hold" grpId="0" nodeType="afterEffect">
+                                <p:cTn id="77" presetID="10" presetClass="entr" presetSubtype="0" fill="hold" grpId="0" nodeType="withEffect">
                                   <p:stCondLst>
                                     <p:cond delay="0"/>
                                   </p:stCondLst>
                                   <p:childTnLst>
                                     <p:set>
                                       <p:cBhvr>
-                                        <p:cTn id="93" dur="1" fill="hold">
+                                        <p:cTn id="78" dur="1" fill="hold">
                                           <p:stCondLst>
                                             <p:cond delay="0"/>
                                           </p:stCondLst>
@@ -26191,7 +26138,7 @@
                                         <p:tgtEl>
                                           <p:spTgt spid="13">
                                             <p:graphicEl>
-                                              <a:dgm id="{23A11258-3936-46D8-8799-C63DD202D41D}"/>
+                                              <a:dgm id="{1F9E0327-11D7-4C99-BC69-AFB1A7F6A24E}"/>
                                             </p:graphicEl>
                                           </p:spTgt>
                                         </p:tgtEl>
@@ -26205,11 +26152,11 @@
                                     </p:set>
                                     <p:animEffect transition="in" filter="fade">
                                       <p:cBhvr>
-                                        <p:cTn id="94" dur="500"/>
+                                        <p:cTn id="79" dur="500"/>
                                         <p:tgtEl>
                                           <p:spTgt spid="13">
                                             <p:graphicEl>
-                                              <a:dgm id="{23A11258-3936-46D8-8799-C63DD202D41D}"/>
+                                              <a:dgm id="{1F9E0327-11D7-4C99-BC69-AFB1A7F6A24E}"/>
                                             </p:graphicEl>
                                           </p:spTgt>
                                         </p:tgtEl>
@@ -26218,24 +26165,15 @@
                                   </p:childTnLst>
                                 </p:cTn>
                               </p:par>
-                            </p:childTnLst>
-                          </p:cTn>
-                        </p:par>
-                        <p:par>
-                          <p:cTn id="95" fill="hold">
-                            <p:stCondLst>
-                              <p:cond delay="10000"/>
-                            </p:stCondLst>
-                            <p:childTnLst>
                               <p:par>
-                                <p:cTn id="96" presetID="10" presetClass="entr" presetSubtype="0" fill="hold" grpId="0" nodeType="afterEffect">
+                                <p:cTn id="80" presetID="10" presetClass="entr" presetSubtype="0" fill="hold" grpId="0" nodeType="withEffect">
                                   <p:stCondLst>
                                     <p:cond delay="0"/>
                                   </p:stCondLst>
                                   <p:childTnLst>
                                     <p:set>
                                       <p:cBhvr>
-                                        <p:cTn id="97" dur="1" fill="hold">
+                                        <p:cTn id="81" dur="1" fill="hold">
                                           <p:stCondLst>
                                             <p:cond delay="0"/>
                                           </p:stCondLst>
@@ -26257,7 +26195,7 @@
                                     </p:set>
                                     <p:animEffect transition="in" filter="fade">
                                       <p:cBhvr>
-                                        <p:cTn id="98" dur="500"/>
+                                        <p:cTn id="82" dur="500"/>
                                         <p:tgtEl>
                                           <p:spTgt spid="13">
                                             <p:graphicEl>
@@ -26274,20 +26212,20 @@
                           </p:cTn>
                         </p:par>
                         <p:par>
-                          <p:cTn id="99" fill="hold">
+                          <p:cTn id="83" fill="hold">
                             <p:stCondLst>
-                              <p:cond delay="10500"/>
+                              <p:cond delay="2500"/>
                             </p:stCondLst>
                             <p:childTnLst>
                               <p:par>
-                                <p:cTn id="100" presetID="10" presetClass="entr" presetSubtype="0" fill="hold" grpId="0" nodeType="afterEffect">
+                                <p:cTn id="84" presetID="10" presetClass="entr" presetSubtype="0" fill="hold" grpId="0" nodeType="afterEffect">
                                   <p:stCondLst>
                                     <p:cond delay="0"/>
                                   </p:stCondLst>
                                   <p:childTnLst>
                                     <p:set>
                                       <p:cBhvr>
-                                        <p:cTn id="101" dur="1" fill="hold">
+                                        <p:cTn id="85" dur="1" fill="hold">
                                           <p:stCondLst>
                                             <p:cond delay="0"/>
                                           </p:stCondLst>
@@ -26309,7 +26247,7 @@
                                     </p:set>
                                     <p:animEffect transition="in" filter="fade">
                                       <p:cBhvr>
-                                        <p:cTn id="102" dur="500"/>
+                                        <p:cTn id="86" dur="500"/>
                                         <p:tgtEl>
                                           <p:spTgt spid="12">
                                             <p:txEl>
@@ -26323,14 +26261,14 @@
                                 </p:cTn>
                               </p:par>
                               <p:par>
-                                <p:cTn id="103" presetID="10" presetClass="entr" presetSubtype="0" fill="hold" grpId="0" nodeType="withEffect">
+                                <p:cTn id="87" presetID="10" presetClass="entr" presetSubtype="0" fill="hold" grpId="0" nodeType="withEffect">
                                   <p:stCondLst>
                                     <p:cond delay="0"/>
                                   </p:stCondLst>
                                   <p:childTnLst>
                                     <p:set>
                                       <p:cBhvr>
-                                        <p:cTn id="104" dur="1" fill="hold">
+                                        <p:cTn id="88" dur="1" fill="hold">
                                           <p:stCondLst>
                                             <p:cond delay="0"/>
                                           </p:stCondLst>
@@ -26352,7 +26290,7 @@
                                     </p:set>
                                     <p:animEffect transition="in" filter="fade">
                                       <p:cBhvr>
-                                        <p:cTn id="105" dur="500"/>
+                                        <p:cTn id="89" dur="500"/>
                                         <p:tgtEl>
                                           <p:spTgt spid="12">
                                             <p:txEl>
@@ -26366,14 +26304,14 @@
                                 </p:cTn>
                               </p:par>
                               <p:par>
-                                <p:cTn id="106" presetID="10" presetClass="entr" presetSubtype="0" fill="hold" grpId="0" nodeType="withEffect">
+                                <p:cTn id="90" presetID="10" presetClass="entr" presetSubtype="0" fill="hold" grpId="0" nodeType="withEffect">
                                   <p:stCondLst>
                                     <p:cond delay="0"/>
                                   </p:stCondLst>
                                   <p:childTnLst>
                                     <p:set>
                                       <p:cBhvr>
-                                        <p:cTn id="107" dur="1" fill="hold">
+                                        <p:cTn id="91" dur="1" fill="hold">
                                           <p:stCondLst>
                                             <p:cond delay="0"/>
                                           </p:stCondLst>
@@ -26395,7 +26333,7 @@
                                     </p:set>
                                     <p:animEffect transition="in" filter="fade">
                                       <p:cBhvr>
-                                        <p:cTn id="108" dur="500"/>
+                                        <p:cTn id="92" dur="500"/>
                                         <p:tgtEl>
                                           <p:spTgt spid="12">
                                             <p:txEl>
@@ -26438,7 +26376,7 @@
     <p:bldLst>
       <p:bldP spid="3" grpId="0" build="p"/>
       <p:bldP spid="12" grpId="0" uiExpand="1" build="p" animBg="1"/>
-      <p:bldGraphic spid="13" grpId="0">
+      <p:bldGraphic spid="13" grpId="0" uiExpand="1">
         <p:bldSub>
           <a:bldDgm bld="lvlAtOnce"/>
         </p:bldSub>
@@ -26449,224 +26387,6 @@
 </file>
 
 <file path=ppt/slides/slide5.xml><?xml version="1.0" encoding="utf-8"?>
-<p:sld xmlns:a="http://schemas.openxmlformats.org/drawingml/2006/main" xmlns:r="http://schemas.openxmlformats.org/officeDocument/2006/relationships" xmlns:p="http://schemas.openxmlformats.org/presentationml/2006/main">
-  <p:cSld>
-    <p:spTree>
-      <p:nvGrpSpPr>
-        <p:cNvPr id="1" name="Shape 337"/>
-        <p:cNvGrpSpPr/>
-        <p:nvPr/>
-      </p:nvGrpSpPr>
-      <p:grpSpPr>
-        <a:xfrm>
-          <a:off x="0" y="0"/>
-          <a:ext cx="0" cy="0"/>
-          <a:chOff x="0" y="0"/>
-          <a:chExt cx="0" cy="0"/>
-        </a:xfrm>
-      </p:grpSpPr>
-      <p:sp>
-        <p:nvSpPr>
-          <p:cNvPr id="338" name="Google Shape;338;p37"/>
-          <p:cNvSpPr txBox="1">
-            <a:spLocks noGrp="1"/>
-          </p:cNvSpPr>
-          <p:nvPr>
-            <p:ph type="body" idx="1"/>
-          </p:nvPr>
-        </p:nvSpPr>
-        <p:spPr>
-          <a:xfrm>
-            <a:off x="160732" y="963200"/>
-            <a:ext cx="11867599" cy="5452800"/>
-          </a:xfrm>
-          <a:prstGeom prst="rect">
-            <a:avLst/>
-          </a:prstGeom>
-        </p:spPr>
-        <p:txBody>
-          <a:bodyPr spcFirstLastPara="1" wrap="square" lIns="121900" tIns="121900" rIns="121900" bIns="121900" anchor="t" anchorCtr="0">
-            <a:normAutofit/>
-          </a:bodyPr>
-          <a:lstStyle/>
-          <a:p>
-            <a:pPr marL="285750" indent="-285750"/>
-            <a:r>
-              <a:rPr lang="en-US" dirty="0"/>
-              <a:t>Surveyed research papers detailing work on turbulence models for SPH (c. 2000 – 2022)</a:t>
-            </a:r>
-          </a:p>
-          <a:p>
-            <a:pPr marL="285750" indent="-285750"/>
-            <a:r>
-              <a:rPr lang="en-US" dirty="0"/>
-              <a:t>Classified 5 major categories of turbulence models</a:t>
-            </a:r>
-          </a:p>
-          <a:p>
-            <a:pPr marL="895335" lvl="1" indent="-285750"/>
-            <a:r>
-              <a:rPr lang="en-US" dirty="0"/>
-              <a:t>[chart]</a:t>
-            </a:r>
-          </a:p>
-          <a:p>
-            <a:pPr marL="285750" indent="-285750"/>
-            <a:r>
-              <a:rPr lang="en-US" dirty="0"/>
-              <a:t>Identified a systematic, model-evaluation method</a:t>
-            </a:r>
-          </a:p>
-          <a:p>
-            <a:pPr marL="895335" lvl="1" indent="-285750"/>
-            <a:r>
-              <a:rPr lang="en-US" dirty="0"/>
-              <a:t>Benchmark problems amenable to SPH</a:t>
-            </a:r>
-          </a:p>
-          <a:p>
-            <a:pPr marL="895335" lvl="1" indent="-285750"/>
-            <a:r>
-              <a:rPr lang="en-US" dirty="0"/>
-              <a:t>Post-simulation analysis techniques</a:t>
-            </a:r>
-          </a:p>
-          <a:p>
-            <a:pPr marL="895335" lvl="1" indent="-285750"/>
-            <a:endParaRPr lang="en-US" dirty="0"/>
-          </a:p>
-          <a:p>
-            <a:pPr marL="895335" lvl="1" indent="-285750"/>
-            <a:endParaRPr lang="en-US" dirty="0"/>
-          </a:p>
-          <a:p>
-            <a:pPr marL="285750" indent="-285750"/>
-            <a:endParaRPr lang="en-US" dirty="0"/>
-          </a:p>
-          <a:p>
-            <a:pPr marL="285750" indent="-285750"/>
-            <a:endParaRPr dirty="0"/>
-          </a:p>
-        </p:txBody>
-      </p:sp>
-      <p:sp>
-        <p:nvSpPr>
-          <p:cNvPr id="339" name="Google Shape;339;p37"/>
-          <p:cNvSpPr/>
-          <p:nvPr/>
-        </p:nvSpPr>
-        <p:spPr>
-          <a:xfrm>
-            <a:off x="13400" y="0"/>
-            <a:ext cx="12192000" cy="763600"/>
-          </a:xfrm>
-          <a:prstGeom prst="rect">
-            <a:avLst/>
-          </a:prstGeom>
-          <a:solidFill>
-            <a:schemeClr val="lt2"/>
-          </a:solidFill>
-          <a:ln w="9525" cap="flat" cmpd="sng">
-            <a:solidFill>
-              <a:schemeClr val="dk2"/>
-            </a:solidFill>
-            <a:prstDash val="solid"/>
-            <a:round/>
-            <a:headEnd type="none" w="sm" len="sm"/>
-            <a:tailEnd type="none" w="sm" len="sm"/>
-          </a:ln>
-        </p:spPr>
-        <p:txBody>
-          <a:bodyPr spcFirstLastPara="1" wrap="square" lIns="121900" tIns="121900" rIns="121900" bIns="121900" anchor="ctr" anchorCtr="0">
-            <a:noAutofit/>
-          </a:bodyPr>
-          <a:lstStyle/>
-          <a:p>
-            <a:endParaRPr sz="1867"/>
-          </a:p>
-        </p:txBody>
-      </p:sp>
-      <p:sp>
-        <p:nvSpPr>
-          <p:cNvPr id="340" name="Google Shape;340;p37"/>
-          <p:cNvSpPr txBox="1">
-            <a:spLocks noGrp="1"/>
-          </p:cNvSpPr>
-          <p:nvPr>
-            <p:ph type="title"/>
-          </p:nvPr>
-        </p:nvSpPr>
-        <p:spPr>
-          <a:xfrm>
-            <a:off x="160733" y="0"/>
-            <a:ext cx="11867600" cy="763600"/>
-          </a:xfrm>
-          <a:prstGeom prst="rect">
-            <a:avLst/>
-          </a:prstGeom>
-        </p:spPr>
-        <p:txBody>
-          <a:bodyPr spcFirstLastPara="1" wrap="square" lIns="121900" tIns="121900" rIns="121900" bIns="121900" anchor="ctr" anchorCtr="0">
-            <a:normAutofit/>
-          </a:bodyPr>
-          <a:lstStyle/>
-          <a:p>
-            <a:r>
-              <a:rPr lang="en-US" b="1" dirty="0"/>
-              <a:t>Turbulence Modelling</a:t>
-            </a:r>
-            <a:endParaRPr b="1" dirty="0"/>
-          </a:p>
-        </p:txBody>
-      </p:sp>
-      <p:sp>
-        <p:nvSpPr>
-          <p:cNvPr id="341" name="Google Shape;341;p37"/>
-          <p:cNvSpPr txBox="1">
-            <a:spLocks noGrp="1"/>
-          </p:cNvSpPr>
-          <p:nvPr>
-            <p:ph type="sldNum" idx="12"/>
-          </p:nvPr>
-        </p:nvSpPr>
-        <p:spPr>
-          <a:xfrm>
-            <a:off x="11296744" y="6333189"/>
-            <a:ext cx="731600" cy="524800"/>
-          </a:xfrm>
-          <a:prstGeom prst="rect">
-            <a:avLst/>
-          </a:prstGeom>
-        </p:spPr>
-        <p:txBody>
-          <a:bodyPr spcFirstLastPara="1" wrap="square" lIns="121900" tIns="121900" rIns="121900" bIns="121900" anchor="ctr" anchorCtr="0">
-            <a:normAutofit/>
-          </a:bodyPr>
-          <a:lstStyle/>
-          <a:p>
-            <a:fld id="{00000000-1234-1234-1234-123412341234}" type="slidenum">
-              <a:rPr lang="en"/>
-              <a:pPr/>
-              <a:t>5</a:t>
-            </a:fld>
-            <a:endParaRPr/>
-          </a:p>
-        </p:txBody>
-      </p:sp>
-    </p:spTree>
-    <p:extLst>
-      <p:ext uri="{BB962C8B-B14F-4D97-AF65-F5344CB8AC3E}">
-        <p14:creationId xmlns:p14="http://schemas.microsoft.com/office/powerpoint/2010/main" val="1550785220"/>
-      </p:ext>
-    </p:extLst>
-  </p:cSld>
-  <p:clrMapOvr>
-    <a:masterClrMapping/>
-  </p:clrMapOvr>
-</p:sld>
-</file>
-
-<file path=ppt/slides/slide6.xml><?xml version="1.0" encoding="utf-8"?>
 <p:sld xmlns:a="http://schemas.openxmlformats.org/drawingml/2006/main" xmlns:r="http://schemas.openxmlformats.org/officeDocument/2006/relationships" xmlns:p="http://schemas.openxmlformats.org/presentationml/2006/main">
   <p:cSld>
     <p:spTree>
@@ -26713,7 +26433,15 @@
                 <a:pPr marL="285750" indent="-285750"/>
                 <a:r>
                   <a:rPr lang="en-IN" dirty="0"/>
-                  <a:t>Eddy Viscosity Model [Violeau]</a:t>
+                  <a:t>Eddy Viscosity Model</a:t>
+                </a:r>
+                <a:r>
+                  <a:rPr lang="en-IN" baseline="30000" dirty="0"/>
+                  <a:t>[1]</a:t>
+                </a:r>
+                <a:r>
+                  <a:rPr lang="en-IN" dirty="0"/>
+                  <a:t> </a:t>
                 </a:r>
               </a:p>
               <a:p>
@@ -26734,13 +26462,16 @@
                 <a:pPr marL="895335" lvl="1" indent="-285750"/>
                 <a:r>
                   <a:rPr lang="en-IN" dirty="0"/>
-                  <a:t>First-order closure model </a:t>
+                  <a:t>First-order closure model:</a:t>
                 </a:r>
+              </a:p>
+              <a:p>
+                <a:pPr marL="1504919" lvl="2" indent="-285750"/>
                 <a:r>
                   <a:rPr lang="en-IN" dirty="0">
                     <a:sym typeface="Wingdings" panose="05000000000000000000" pitchFamily="2" charset="2"/>
                   </a:rPr>
-                  <a:t> Reynolds stress tensor &amp; mean vel gradients</a:t>
+                  <a:t>Reynolds stress tensor &amp; mean velocity gradients</a:t>
                 </a:r>
               </a:p>
               <a:p>
@@ -26749,7 +26480,7 @@
                   <a:rPr lang="en-IN" dirty="0">
                     <a:sym typeface="Wingdings" panose="05000000000000000000" pitchFamily="2" charset="2"/>
                   </a:rPr>
-                  <a:t>Considered the turbulent eddy viscosity</a:t>
+                  <a:t>Turbulent eddy viscosity considered</a:t>
                 </a:r>
               </a:p>
               <a:p>
@@ -26823,6 +26554,25 @@
                 <a:endParaRPr lang="en-IN" dirty="0"/>
               </a:p>
               <a:p>
+                <a:pPr marL="895335" lvl="1" indent="-285750"/>
+                <a:endParaRPr lang="en-IN" dirty="0">
+                  <a:solidFill>
+                    <a:srgbClr val="0070C0"/>
+                  </a:solidFill>
+                </a:endParaRPr>
+              </a:p>
+              <a:p>
+                <a:pPr marL="895335" lvl="1" indent="-285750"/>
+                <a:r>
+                  <a:rPr lang="en-IN" dirty="0">
+                    <a:solidFill>
+                      <a:srgbClr val="0070C0"/>
+                    </a:solidFill>
+                  </a:rPr>
+                  <a:t>Comments</a:t>
+                </a:r>
+              </a:p>
+              <a:p>
                 <a:pPr marL="1504919" lvl="2" indent="-285750"/>
                 <a:r>
                   <a:rPr lang="en-IN" dirty="0"/>
@@ -26835,740 +26585,6 @@
                   <a:rPr lang="en-IN" dirty="0"/>
                   <a:t>Appropriate for shear flows</a:t>
                 </a:r>
-              </a:p>
-              <a:p>
-                <a:pPr marL="285750" indent="-285750"/>
-                <a:r>
-                  <a:rPr lang="en-IN" dirty="0"/>
-                  <a:t>GLM [Violeau]</a:t>
-                </a:r>
-              </a:p>
-              <a:p>
-                <a:pPr marL="895335" lvl="1" indent="-285750"/>
-                <a:r>
-                  <a:rPr lang="en-IN" dirty="0"/>
-                  <a:t>Prescribed the particle velocity as a random process</a:t>
-                </a:r>
-              </a:p>
-              <a:p>
-                <a:pPr marL="895335" lvl="1" indent="-285750"/>
-                <a:r>
-                  <a:rPr lang="en-IN" dirty="0"/>
-                  <a:t>Same test-case as earlier considered</a:t>
-                </a:r>
-              </a:p>
-              <a:p>
-                <a:pPr marL="895335" lvl="1" indent="-285750"/>
-                <a:r>
-                  <a:rPr lang="en-IN" dirty="0"/>
-                  <a:t>Large deviations observed</a:t>
-                </a:r>
-              </a:p>
-              <a:p>
-                <a:pPr marL="895335" lvl="1" indent="-285750"/>
-                <a:r>
-                  <a:rPr lang="en-IN" dirty="0"/>
-                  <a:t>Can be generalized to various flows unlike earlier model</a:t>
-                </a:r>
-              </a:p>
-              <a:p>
-                <a:pPr marL="895335" lvl="1" indent="-285750"/>
-                <a:endParaRPr lang="en-IN" dirty="0"/>
-              </a:p>
-              <a:p>
-                <a:pPr marL="895335" lvl="1" indent="-285750"/>
-                <a:r>
-                  <a:rPr lang="en-IN" dirty="0"/>
-                  <a:t>Images?</a:t>
-                </a:r>
-              </a:p>
-              <a:p>
-                <a:pPr marL="895335" lvl="1" indent="-285750"/>
-                <a:endParaRPr lang="en-IN" dirty="0"/>
-              </a:p>
-              <a:p>
-                <a:pPr marL="895335" lvl="1" indent="-285750"/>
-                <a:endParaRPr lang="en-IN" dirty="0"/>
-              </a:p>
-              <a:p>
-                <a:pPr marL="895335" lvl="1" indent="-285750"/>
-                <a:endParaRPr lang="en-IN" dirty="0"/>
-              </a:p>
-              <a:p>
-                <a:pPr marL="895335" lvl="1" indent="-285750"/>
-                <a:endParaRPr lang="en-IN" dirty="0"/>
-              </a:p>
-              <a:p>
-                <a:pPr marL="895335" lvl="1" indent="-285750"/>
-                <a:endParaRPr dirty="0"/>
-              </a:p>
-            </p:txBody>
-          </p:sp>
-        </mc:Choice>
-        <mc:Fallback>
-          <p:sp>
-            <p:nvSpPr>
-              <p:cNvPr id="338" name="Google Shape;338;p37"/>
-              <p:cNvSpPr txBox="1">
-                <a:spLocks noGrp="1" noRot="1" noChangeAspect="1" noMove="1" noResize="1" noEditPoints="1" noAdjustHandles="1" noChangeArrowheads="1" noChangeShapeType="1" noTextEdit="1"/>
-              </p:cNvSpPr>
-              <p:nvPr>
-                <p:ph type="body" idx="1"/>
-              </p:nvPr>
-            </p:nvSpPr>
-            <p:spPr>
-              <a:xfrm>
-                <a:off x="160733" y="963200"/>
-                <a:ext cx="11867600" cy="5452800"/>
-              </a:xfrm>
-              <a:prstGeom prst="rect">
-                <a:avLst/>
-              </a:prstGeom>
-              <a:blipFill>
-                <a:blip r:embed="rId5"/>
-                <a:stretch>
-                  <a:fillRect l="-154"/>
-                </a:stretch>
-              </a:blipFill>
-            </p:spPr>
-            <p:txBody>
-              <a:bodyPr/>
-              <a:lstStyle/>
-              <a:p>
-                <a:r>
-                  <a:rPr lang="en-IN">
-                    <a:noFill/>
-                  </a:rPr>
-                  <a:t> </a:t>
-                </a:r>
-              </a:p>
-            </p:txBody>
-          </p:sp>
-        </mc:Fallback>
-      </mc:AlternateContent>
-      <p:sp>
-        <p:nvSpPr>
-          <p:cNvPr id="339" name="Google Shape;339;p37"/>
-          <p:cNvSpPr/>
-          <p:nvPr/>
-        </p:nvSpPr>
-        <p:spPr>
-          <a:xfrm>
-            <a:off x="13400" y="0"/>
-            <a:ext cx="12192000" cy="763600"/>
-          </a:xfrm>
-          <a:prstGeom prst="rect">
-            <a:avLst/>
-          </a:prstGeom>
-          <a:solidFill>
-            <a:schemeClr val="lt2"/>
-          </a:solidFill>
-          <a:ln w="9525" cap="flat" cmpd="sng">
-            <a:solidFill>
-              <a:schemeClr val="dk2"/>
-            </a:solidFill>
-            <a:prstDash val="solid"/>
-            <a:round/>
-            <a:headEnd type="none" w="sm" len="sm"/>
-            <a:tailEnd type="none" w="sm" len="sm"/>
-          </a:ln>
-        </p:spPr>
-        <p:txBody>
-          <a:bodyPr spcFirstLastPara="1" wrap="square" lIns="121900" tIns="121900" rIns="121900" bIns="121900" anchor="ctr" anchorCtr="0">
-            <a:noAutofit/>
-          </a:bodyPr>
-          <a:lstStyle/>
-          <a:p>
-            <a:endParaRPr sz="1867"/>
-          </a:p>
-        </p:txBody>
-      </p:sp>
-      <p:sp>
-        <p:nvSpPr>
-          <p:cNvPr id="340" name="Google Shape;340;p37"/>
-          <p:cNvSpPr txBox="1">
-            <a:spLocks noGrp="1"/>
-          </p:cNvSpPr>
-          <p:nvPr>
-            <p:ph type="title"/>
-          </p:nvPr>
-        </p:nvSpPr>
-        <p:spPr>
-          <a:xfrm>
-            <a:off x="160733" y="0"/>
-            <a:ext cx="11867600" cy="763600"/>
-          </a:xfrm>
-          <a:prstGeom prst="rect">
-            <a:avLst/>
-          </a:prstGeom>
-        </p:spPr>
-        <p:txBody>
-          <a:bodyPr spcFirstLastPara="1" wrap="square" lIns="121900" tIns="121900" rIns="121900" bIns="121900" anchor="ctr" anchorCtr="0">
-            <a:normAutofit/>
-          </a:bodyPr>
-          <a:lstStyle/>
-          <a:p>
-            <a:r>
-              <a:rPr lang="en-IN" b="1" dirty="0"/>
-              <a:t>Viscosity-based Models</a:t>
-            </a:r>
-            <a:endParaRPr b="1" dirty="0"/>
-          </a:p>
-        </p:txBody>
-      </p:sp>
-      <p:sp>
-        <p:nvSpPr>
-          <p:cNvPr id="341" name="Google Shape;341;p37"/>
-          <p:cNvSpPr txBox="1">
-            <a:spLocks noGrp="1"/>
-          </p:cNvSpPr>
-          <p:nvPr>
-            <p:ph type="sldNum" idx="12"/>
-          </p:nvPr>
-        </p:nvSpPr>
-        <p:spPr>
-          <a:xfrm>
-            <a:off x="11296744" y="6333189"/>
-            <a:ext cx="731600" cy="524800"/>
-          </a:xfrm>
-          <a:prstGeom prst="rect">
-            <a:avLst/>
-          </a:prstGeom>
-        </p:spPr>
-        <p:txBody>
-          <a:bodyPr spcFirstLastPara="1" wrap="square" lIns="121900" tIns="121900" rIns="121900" bIns="121900" anchor="ctr" anchorCtr="0">
-            <a:normAutofit/>
-          </a:bodyPr>
-          <a:lstStyle/>
-          <a:p>
-            <a:fld id="{00000000-1234-1234-1234-123412341234}" type="slidenum">
-              <a:rPr lang="en"/>
-              <a:pPr/>
-              <a:t>6</a:t>
-            </a:fld>
-            <a:endParaRPr/>
-          </a:p>
-        </p:txBody>
-      </p:sp>
-      <p:sp>
-        <p:nvSpPr>
-          <p:cNvPr id="346" name="Google Shape;346;p37"/>
-          <p:cNvSpPr txBox="1"/>
-          <p:nvPr/>
-        </p:nvSpPr>
-        <p:spPr>
-          <a:xfrm>
-            <a:off x="0" y="6333201"/>
-            <a:ext cx="9910400" cy="410393"/>
-          </a:xfrm>
-          <a:prstGeom prst="rect">
-            <a:avLst/>
-          </a:prstGeom>
-          <a:noFill/>
-          <a:ln>
-            <a:noFill/>
-          </a:ln>
-        </p:spPr>
-        <p:txBody>
-          <a:bodyPr spcFirstLastPara="1" wrap="square" lIns="121900" tIns="121900" rIns="121900" bIns="121900" anchor="t" anchorCtr="0">
-            <a:spAutoFit/>
-          </a:bodyPr>
-          <a:lstStyle/>
-          <a:p>
-            <a:r>
-              <a:rPr lang="en-US" sz="1067" dirty="0">
-                <a:solidFill>
-                  <a:schemeClr val="accent3"/>
-                </a:solidFill>
-                <a:latin typeface="Proxima Nova"/>
-                <a:ea typeface="Proxima Nova"/>
-                <a:cs typeface="Proxima Nova"/>
-                <a:sym typeface="Proxima Nova"/>
-              </a:rPr>
-              <a:t>[1] </a:t>
-            </a:r>
-            <a:r>
-              <a:rPr lang="en-US" sz="1067" dirty="0" err="1">
-                <a:solidFill>
-                  <a:schemeClr val="accent3"/>
-                </a:solidFill>
-                <a:latin typeface="Proxima Nova"/>
-                <a:ea typeface="Proxima Nova"/>
-                <a:cs typeface="Proxima Nova"/>
-                <a:sym typeface="Proxima Nova"/>
-              </a:rPr>
-              <a:t>Dynnikova</a:t>
-            </a:r>
-            <a:r>
-              <a:rPr lang="en-US" sz="1067" dirty="0">
-                <a:solidFill>
-                  <a:schemeClr val="accent3"/>
-                </a:solidFill>
-                <a:latin typeface="Proxima Nova"/>
-                <a:ea typeface="Proxima Nova"/>
-                <a:cs typeface="Proxima Nova"/>
-                <a:sym typeface="Proxima Nova"/>
-              </a:rPr>
-              <a:t>, G. </a:t>
-            </a:r>
-            <a:r>
-              <a:rPr lang="en-US" sz="1067" dirty="0" err="1">
-                <a:solidFill>
-                  <a:schemeClr val="accent3"/>
-                </a:solidFill>
-                <a:latin typeface="Proxima Nova"/>
-                <a:ea typeface="Proxima Nova"/>
-                <a:cs typeface="Proxima Nova"/>
-                <a:sym typeface="Proxima Nova"/>
-              </a:rPr>
-              <a:t>Ya</a:t>
-            </a:r>
-            <a:r>
-              <a:rPr lang="en-US" sz="1067" dirty="0">
-                <a:solidFill>
-                  <a:schemeClr val="accent3"/>
-                </a:solidFill>
-                <a:latin typeface="Proxima Nova"/>
-                <a:ea typeface="Proxima Nova"/>
-                <a:cs typeface="Proxima Nova"/>
-                <a:sym typeface="Proxima Nova"/>
-              </a:rPr>
-              <a:t> et al. (2021). “Stability of a reverse Karman vortex street”. In: Physics of Fluids 33.2. ISSN: 10897666. DOI: 10.1063/5.0035575.</a:t>
-            </a:r>
-          </a:p>
-        </p:txBody>
-      </p:sp>
-      <p:pic>
-        <p:nvPicPr>
-          <p:cNvPr id="13" name="Picture 12" descr="\documentclass{article}&#10;\usepackage{bbm}&#10;\usepackage{bm}&#10;\usepackage{amsmath}&#10;\usepackage{amssymb}&#10;\pagestyle{empty}&#10;&#10;% --------------------------------&#10;%% Custom Math Commands&#10;% --------------------------------&#10;\newcommand{\abs}[1]{\mid #1 \mid}&#10;&#10;\newcommand{\bb}[1]{\mathbb{#1}}&#10;&#10;\newcommand{\LagDerivative}[2][t]{\frac{\operatorname{D} #2}{\operatorname{D} #1}}&#10;&#10;\newcommand{\PartialDerivative}[2][t]{\frac{\partial #2}{\partial #1}}&#10;&#10;\newcommand{\vect}[1]{\mathbf{#1}}&#10;&#10;\newcommand{\tensor}[1]{\underline{\bm{#1}}}&#10;&#10;\newcommand{\WIJ}{W_{h, ij}}&#10;&#10;\newcommand{\DWIJ}{\nabla_{i} W_{h, ij}}&#10;&#10;\newcommand{\VIJ}{\vect{v}_{ij}}&#10;&#10;\newcommand{\RIJ}{\vect{r}_{ij}}&#10;&#10;\newcommand{\RtwoIJ}[1][2]{\abs{\vect{r}_{ij}}^{#1}}&#10;&#10;\newcommand{\VtwoIJ}[1][2]{\abs{\vect{v}_{ij}}^{#1}}&#10;&#10;\newcommand{\MachineEpsilon}{\bm{\xi}}&#10;&#10;\newcommand{\EncAngBrk}[2][]{#1\langle #2 #1\rangle}&#10;&#10;\newcommand{\RAProp}[1]{\EncAngBrk{#1}}&#10;&#10;\newcommand{\FrobeniusInnerProduct}[2]{\EncAngBrk{\tensor{#1}, \tensor{#2}}}&#10;&#10;\newcommand{\FrobeniusNorm}[1]{||\tensor{#1}||_F}&#10;&#10;\newcommand{\BasisVect}[1][i]{\hat{\vect{e}}_{#1}}&#10;&#10;\newcommand{\HalfFrac}{\frac{1}{2}}&#10;&#10;\newcommand{\Vol}[1][V]{\mathcal{#1}}&#10;&#10;\newcommand{\Vorticity}{\bm{\omega}}&#10;&#10;\newcommand{\Boundary}{\bm{\Omega}}&#10;&#10;\newcommand{\WaveNumber}{\mathrm{k}}&#10;&#10;\newcommand{\WaveNumberVector}{\vect{k}}&#10;&#10;\newcommand{\TildeR}{\widetilde{\vect{r}}}&#10;&#10;\newcommand{\TildeV}{\widetilde{\vect{v}}}&#10;&#10;\newcommand{\TildeDeltaV}{\delta\TildeV}&#10;&#10;\newcommand{\TildeRho}{\widetilde{\rho}}&#10;&#10;\newcommand{\TildeP}{\widetilde{P}}&#10;&#10;\newcommand{\IntRThreeAndT}{\int_{\mathbb{R}^3}&#10;\int_{-\infty}^{\infty}}&#10;&#10;\newcommand{\SciNot}[3][10]{#2 \times {#1}^{#3}}&#10;&#10;\newcommand{\IntD}{d \tau d V_y}&#10;&#10;\newcommand{\TilePArgRp}{\TildeP(\TildeR_p, t)}&#10;&#10;\newcommand{\PhiRY}{\phi (\TildeR_p(t)-\vect{y}, t-\tau)}&#10;&#10;\newcommand{\PY}{P(\vect{y}, \tau)}&#10;&#10;\newcommand{\VY}{\vect{v}(\vect{y}, \tau)}&#10;&#10;\newcommand{\TildeVArgRp}{\TildeV (\TildeR_p, t)}&#10;&#10;% --------------------------------&#10;%% Equations&#10;% --------------------------------&#10;\begin{document}&#10;&#10;\begin{equation*}&#10;\LagDerivative{\vect{v}_i} = - \sum_j m_j \bigg( \frac{P_i}{\rho_i^2} + \frac{P_j}{\rho_j^2} + \widetilde{\Pi}_{ij} \bigg) \DWIJ + \vect{F}_i&#10;\end{equation*}&#10;&#10;\begin{equation*}&#10;\widetilde{\Pi}_{ij} = -8 \frac{\nu_{t, i} + \nu_{t, j}}{\rho_i + \rho_j} \frac{\RAProp{\vect{v}}_{ij} \cdot \RIJ }{\RtwoIJ + \MachineEpsilon^2} &#10;\end{equation*}&#10;&#10;\begin{equation*}&#10;\nu_t = L_m^2 \FrobeniusNorm{S} = L_m^2 \sqrt{\FrobeniusInnerProduct{S}{S}}&#10;\end{equation*}&#10;&#10;\begin{equation*}&#10;\nabla \RAProp{\vect{v}}_i = - \frac{1}{\rho_i} \sum_j m_j \RAProp{\vect{v}}_{ij} \otimes \DWIJ&#10;\end{equation*}&#10;&#10;\end{document}" title="IguanaTex Bitmap Display">
-            <a:extLst>
-              <a:ext uri="{FF2B5EF4-FFF2-40B4-BE49-F238E27FC236}">
-                <a16:creationId xmlns:a16="http://schemas.microsoft.com/office/drawing/2014/main" id="{7428128B-83B0-A86E-5250-142B5D581C3C}"/>
-              </a:ext>
-            </a:extLst>
-          </p:cNvPr>
-          <p:cNvPicPr>
-            <a:picLocks noChangeAspect="1"/>
-          </p:cNvPicPr>
-          <p:nvPr>
-            <p:custDataLst>
-              <p:tags r:id="rId1"/>
-            </p:custDataLst>
-          </p:nvPr>
-        </p:nvPicPr>
-        <p:blipFill>
-          <a:blip r:embed="rId6">
-            <a:extLst>
-              <a:ext uri="{28A0092B-C50C-407E-A947-70E740481C1C}">
-                <a14:useLocalDpi xmlns:a14="http://schemas.microsoft.com/office/drawing/2010/main" val="0"/>
-              </a:ext>
-            </a:extLst>
-          </a:blip>
-          <a:stretch>
-            <a:fillRect/>
-          </a:stretch>
-        </p:blipFill>
-        <p:spPr>
-          <a:xfrm>
-            <a:off x="6842299" y="1091194"/>
-            <a:ext cx="4906117" cy="2984355"/>
-          </a:xfrm>
-          <a:prstGeom prst="rect">
-            <a:avLst/>
-          </a:prstGeom>
-        </p:spPr>
-      </p:pic>
-      <p:pic>
-        <p:nvPicPr>
-          <p:cNvPr id="19" name="Picture 18" descr="\documentclass{article}&#10;\usepackage{bbm}&#10;\usepackage{bm}&#10;\usepackage{amsmath}&#10;\usepackage{amssymb}&#10;\pagestyle{empty}&#10;&#10;% --------------------------------&#10;%% Custom Math Commands&#10;% --------------------------------&#10;\newcommand{\abs}[1]{\mid #1 \mid}&#10;&#10;\newcommand{\bb}[1]{\mathbb{#1}}&#10;&#10;\newcommand{\LagDerivative}[2][t]{\frac{\operatorname{D} #2}{\operatorname{D} #1}}&#10;&#10;\newcommand{\PartialDerivative}[2][t]{\frac{\partial #2}{\partial #1}}&#10;&#10;\newcommand{\vect}[1]{\mathbf{#1}}&#10;&#10;\newcommand{\tensor}[1]{\underline{\bm{#1}}}&#10;&#10;\newcommand{\WIJ}{W_{h, ij}}&#10;&#10;\newcommand{\DWIJ}{\nabla_{i} W_{h, ij}}&#10;&#10;\newcommand{\VIJ}{\vect{v}_{ij}}&#10;&#10;\newcommand{\RIJ}{\vect{r}_{ij}}&#10;&#10;\newcommand{\RtwoIJ}[1][2]{\abs{\vect{r}_{ij}}^{#1}}&#10;&#10;\newcommand{\VtwoIJ}[1][2]{\abs{\vect{v}_{ij}}^{#1}}&#10;&#10;\newcommand{\MachineEpsilon}{\bm{\xi}}&#10;&#10;\newcommand{\EncAngBrk}[2][]{#1\langle #2 #1\rangle}&#10;&#10;\newcommand{\RAProp}[1]{\EncAngBrk{#1}}&#10;&#10;\newcommand{\FrobeniusInnerProduct}[2]{\EncAngBrk{\tensor{#1}, \tensor{#2}}}&#10;&#10;\newcommand{\FrobeniusNorm}[1]{||\tensor{#1}||_F}&#10;&#10;\newcommand{\BasisVect}[1][i]{\hat{\vect{e}}_{#1}}&#10;&#10;\newcommand{\HalfFrac}{\frac{1}{2}}&#10;&#10;\newcommand{\Vol}[1][V]{\mathcal{#1}}&#10;&#10;\newcommand{\Vorticity}{\bm{\omega}}&#10;&#10;\newcommand{\Boundary}{\bm{\Omega}}&#10;&#10;\newcommand{\WaveNumber}{\mathrm{k}}&#10;&#10;\newcommand{\WaveNumberVector}{\vect{k}}&#10;&#10;\newcommand{\TildeR}{\widetilde{\vect{r}}}&#10;&#10;\newcommand{\TildeV}{\widetilde{\vect{v}}}&#10;&#10;\newcommand{\TildeDeltaV}{\delta\TildeV}&#10;&#10;\newcommand{\TildeRho}{\widetilde{\rho}}&#10;&#10;\newcommand{\TildeP}{\widetilde{P}}&#10;&#10;\newcommand{\IntRThreeAndT}{\int_{\mathbb{R}^3}&#10;\int_{-\infty}^{\infty}}&#10;&#10;\newcommand{\SciNot}[3][10]{#2 \times {#1}^{#3}}&#10;&#10;\newcommand{\IntD}{d \tau d V_y}&#10;&#10;\newcommand{\TilePArgRp}{\TildeP(\TildeR_p, t)}&#10;&#10;\newcommand{\PhiRY}{\phi (\TildeR_p(t)-\vect{y}, t-\tau)}&#10;&#10;\newcommand{\PY}{P(\vect{y}, \tau)}&#10;&#10;\newcommand{\VY}{\vect{v}(\vect{y}, \tau)}&#10;&#10;\newcommand{\TildeVArgRp}{\TildeV (\TildeR_p, t)}&#10;&#10;% --------------------------------&#10;%% Equations&#10;% --------------------------------&#10;\begin{document}&#10;&#10;\begin{equation*}&#10;\LagDerivative{\vect{v}_i} = -\sum_j m_j \bigg( \frac{\RAProp{P}_i}{\rho_i^2} + \frac{\RAProp{P}_j}{\rho_j^2} \bigg) \DWIJ - \HalfFrac C_1 \frac{\epsilon_i}{k_i} \vect{v}'_i + C_2 \nabla \RAProp{\vect{v}}_i \cdot \vect{v}'_i + \sqrt{\frac{C_0 \epsilon_i}{\Delta t}} \Vec{\xi}_i&#10;\end{equation*}&#10;&#10;\begin{equation*}&#10;    \epsilon_i = 2 \nu_{t, i} + &#10;    \FrobeniusNorm{S_i}^2&#10;\end{equation*}&#10;&#10;\begin{equation*}&#10;    k_i = \frac{\epsilon_i \nu_{t, i}}{C_{\mu}} \quad , \quad C_{\mu} = 0.009&#10;\end{equation*}&#10;&#10;\end{document}" title="IguanaTex Bitmap Display">
-            <a:extLst>
-              <a:ext uri="{FF2B5EF4-FFF2-40B4-BE49-F238E27FC236}">
-                <a16:creationId xmlns:a16="http://schemas.microsoft.com/office/drawing/2014/main" id="{341AD2CD-7359-7EB0-B6D6-E3D072D92B70}"/>
-              </a:ext>
-            </a:extLst>
-          </p:cNvPr>
-          <p:cNvPicPr>
-            <a:picLocks noChangeAspect="1"/>
-          </p:cNvPicPr>
-          <p:nvPr>
-            <p:custDataLst>
-              <p:tags r:id="rId2"/>
-            </p:custDataLst>
-          </p:nvPr>
-        </p:nvPicPr>
-        <p:blipFill>
-          <a:blip r:embed="rId7">
-            <a:extLst>
-              <a:ext uri="{28A0092B-C50C-407E-A947-70E740481C1C}">
-                <a14:useLocalDpi xmlns:a14="http://schemas.microsoft.com/office/drawing/2010/main" val="0"/>
-              </a:ext>
-            </a:extLst>
-          </a:blip>
-          <a:stretch>
-            <a:fillRect/>
-          </a:stretch>
-        </p:blipFill>
-        <p:spPr>
-          <a:xfrm>
-            <a:off x="7060468" y="4536904"/>
-            <a:ext cx="5397844" cy="1468691"/>
-          </a:xfrm>
-          <a:prstGeom prst="rect">
-            <a:avLst/>
-          </a:prstGeom>
-        </p:spPr>
-      </p:pic>
-    </p:spTree>
-    <p:extLst>
-      <p:ext uri="{BB962C8B-B14F-4D97-AF65-F5344CB8AC3E}">
-        <p14:creationId xmlns:p14="http://schemas.microsoft.com/office/powerpoint/2010/main" val="781494642"/>
-      </p:ext>
-    </p:extLst>
-  </p:cSld>
-  <p:clrMapOvr>
-    <a:masterClrMapping/>
-  </p:clrMapOvr>
-</p:sld>
-</file>
-
-<file path=ppt/slides/slide7.xml><?xml version="1.0" encoding="utf-8"?>
-<p:sld xmlns:a="http://schemas.openxmlformats.org/drawingml/2006/main" xmlns:r="http://schemas.openxmlformats.org/officeDocument/2006/relationships" xmlns:p="http://schemas.openxmlformats.org/presentationml/2006/main">
-  <p:cSld>
-    <p:spTree>
-      <p:nvGrpSpPr>
-        <p:cNvPr id="1" name="Shape 337"/>
-        <p:cNvGrpSpPr/>
-        <p:nvPr/>
-      </p:nvGrpSpPr>
-      <p:grpSpPr>
-        <a:xfrm>
-          <a:off x="0" y="0"/>
-          <a:ext cx="0" cy="0"/>
-          <a:chOff x="0" y="0"/>
-          <a:chExt cx="0" cy="0"/>
-        </a:xfrm>
-      </p:grpSpPr>
-      <mc:AlternateContent xmlns:mc="http://schemas.openxmlformats.org/markup-compatibility/2006">
-        <mc:Choice xmlns:a14="http://schemas.microsoft.com/office/drawing/2010/main" Requires="a14">
-          <p:sp>
-            <p:nvSpPr>
-              <p:cNvPr id="338" name="Google Shape;338;p37"/>
-              <p:cNvSpPr txBox="1">
-                <a:spLocks noGrp="1"/>
-              </p:cNvSpPr>
-              <p:nvPr>
-                <p:ph type="body" idx="1"/>
-              </p:nvPr>
-            </p:nvSpPr>
-            <p:spPr>
-              <a:xfrm>
-                <a:off x="160733" y="963200"/>
-                <a:ext cx="11867600" cy="5452800"/>
-              </a:xfrm>
-              <a:prstGeom prst="rect">
-                <a:avLst/>
-              </a:prstGeom>
-            </p:spPr>
-            <p:txBody>
-              <a:bodyPr spcFirstLastPara="1" wrap="square" lIns="121900" tIns="121900" rIns="121900" bIns="121900" anchor="t" anchorCtr="0">
-                <a:normAutofit/>
-              </a:bodyPr>
-              <a:lstStyle/>
-              <a:p>
-                <a:pPr marL="285750" indent="-285750"/>
-                <a:r>
-                  <a:rPr lang="en-IN" dirty="0"/>
-                  <a:t>mSPH [Adami2012]</a:t>
-                </a:r>
-              </a:p>
-              <a:p>
-                <a:pPr marL="895335" lvl="1" indent="-285750"/>
-                <a:r>
-                  <a:rPr lang="en-IN" dirty="0"/>
-                  <a:t>Observed absence of viscosity </a:t>
-                </a:r>
-                <a:r>
-                  <a:rPr lang="en-IN" dirty="0">
-                    <a:sym typeface="Wingdings" panose="05000000000000000000" pitchFamily="2" charset="2"/>
-                  </a:rPr>
-                  <a:t> Noisy particle motion</a:t>
-                </a:r>
-              </a:p>
-              <a:p>
-                <a:pPr marL="895335" lvl="1" indent="-285750"/>
-                <a:r>
-                  <a:rPr lang="en-IN" dirty="0">
-                    <a:sym typeface="Wingdings" panose="05000000000000000000" pitchFamily="2" charset="2"/>
-                  </a:rPr>
-                  <a:t>Finite viscosity  Over-predict dissipation</a:t>
-                </a:r>
-              </a:p>
-              <a:p>
-                <a:pPr marL="895335" lvl="1" indent="-285750"/>
-                <a:r>
-                  <a:rPr lang="en-IN" dirty="0">
-                    <a:sym typeface="Wingdings" panose="05000000000000000000" pitchFamily="2" charset="2"/>
-                  </a:rPr>
-                  <a:t>Modified EOS &amp; momentum eq to homogenise particle distribution (to stabilise scheme)</a:t>
-                </a:r>
-              </a:p>
-              <a:p>
-                <a:pPr marL="895335" lvl="1" indent="-285750"/>
-                <a:r>
-                  <a:rPr lang="en-IN" dirty="0">
-                    <a:sym typeface="Wingdings" panose="05000000000000000000" pitchFamily="2" charset="2"/>
-                  </a:rPr>
-                  <a:t>Simulated 2D Taylor-Green Vortex (TGV) </a:t>
-                </a:r>
-                <a14:m>
-                  <m:oMath xmlns:m="http://schemas.openxmlformats.org/officeDocument/2006/math">
-                    <m:d>
-                      <m:dPr>
-                        <m:ctrlPr>
-                          <a:rPr lang="en-IN" i="1" dirty="0" smtClean="0">
-                            <a:latin typeface="Cambria Math" panose="02040503050406030204" pitchFamily="18" charset="0"/>
-                            <a:sym typeface="Wingdings" panose="05000000000000000000" pitchFamily="2" charset="2"/>
-                          </a:rPr>
-                        </m:ctrlPr>
-                      </m:dPr>
-                      <m:e>
-                        <m:r>
-                          <a:rPr lang="en-IN" i="1" dirty="0" smtClean="0">
-                            <a:latin typeface="Cambria Math" panose="02040503050406030204" pitchFamily="18" charset="0"/>
-                            <a:sym typeface="Wingdings" panose="05000000000000000000" pitchFamily="2" charset="2"/>
-                          </a:rPr>
-                          <m:t>𝑅𝑒</m:t>
-                        </m:r>
-                        <m:r>
-                          <a:rPr lang="en-IN" i="1" dirty="0" smtClean="0">
-                            <a:latin typeface="Cambria Math" panose="02040503050406030204" pitchFamily="18" charset="0"/>
-                            <a:sym typeface="Wingdings" panose="05000000000000000000" pitchFamily="2" charset="2"/>
-                          </a:rPr>
-                          <m:t> =∞,  </m:t>
-                        </m:r>
-                        <m:sSub>
-                          <m:sSubPr>
-                            <m:ctrlPr>
-                              <a:rPr lang="en-IN" b="0" i="1" dirty="0" smtClean="0">
-                                <a:latin typeface="Cambria Math" panose="02040503050406030204" pitchFamily="18" charset="0"/>
-                                <a:sym typeface="Wingdings" panose="05000000000000000000" pitchFamily="2" charset="2"/>
-                              </a:rPr>
-                            </m:ctrlPr>
-                          </m:sSubPr>
-                          <m:e>
-                            <m:r>
-                              <a:rPr lang="en-IN" b="0" i="1" dirty="0" smtClean="0">
-                                <a:latin typeface="Cambria Math" panose="02040503050406030204" pitchFamily="18" charset="0"/>
-                                <a:sym typeface="Wingdings" panose="05000000000000000000" pitchFamily="2" charset="2"/>
-                              </a:rPr>
-                              <m:t>𝑁</m:t>
-                            </m:r>
-                          </m:e>
-                          <m:sub>
-                            <m:r>
-                              <a:rPr lang="en-IN" b="0" i="1" dirty="0" smtClean="0">
-                                <a:latin typeface="Cambria Math" panose="02040503050406030204" pitchFamily="18" charset="0"/>
-                                <a:sym typeface="Wingdings" panose="05000000000000000000" pitchFamily="2" charset="2"/>
-                              </a:rPr>
-                              <m:t>𝑖</m:t>
-                            </m:r>
-                          </m:sub>
-                        </m:sSub>
-                        <m:r>
-                          <a:rPr lang="en-IN" b="0" i="1" dirty="0" smtClean="0">
-                            <a:latin typeface="Cambria Math" panose="02040503050406030204" pitchFamily="18" charset="0"/>
-                            <a:sym typeface="Wingdings" panose="05000000000000000000" pitchFamily="2" charset="2"/>
-                          </a:rPr>
-                          <m:t>=</m:t>
-                        </m:r>
-                        <m:sSup>
-                          <m:sSupPr>
-                            <m:ctrlPr>
-                              <a:rPr lang="en-IN" b="0" i="1" dirty="0" smtClean="0">
-                                <a:latin typeface="Cambria Math" panose="02040503050406030204" pitchFamily="18" charset="0"/>
-                                <a:sym typeface="Wingdings" panose="05000000000000000000" pitchFamily="2" charset="2"/>
-                              </a:rPr>
-                            </m:ctrlPr>
-                          </m:sSupPr>
-                          <m:e>
-                            <m:r>
-                              <a:rPr lang="en-IN" b="0" i="1" dirty="0" smtClean="0">
-                                <a:latin typeface="Cambria Math" panose="02040503050406030204" pitchFamily="18" charset="0"/>
-                                <a:sym typeface="Wingdings" panose="05000000000000000000" pitchFamily="2" charset="2"/>
-                              </a:rPr>
-                              <m:t>64</m:t>
-                            </m:r>
-                          </m:e>
-                          <m:sup>
-                            <m:r>
-                              <a:rPr lang="en-IN" b="0" i="1" dirty="0" smtClean="0">
-                                <a:latin typeface="Cambria Math" panose="02040503050406030204" pitchFamily="18" charset="0"/>
-                                <a:sym typeface="Wingdings" panose="05000000000000000000" pitchFamily="2" charset="2"/>
-                              </a:rPr>
-                              <m:t>2</m:t>
-                            </m:r>
-                          </m:sup>
-                        </m:sSup>
-                      </m:e>
-                    </m:d>
-                  </m:oMath>
-                </a14:m>
-                <a:endParaRPr lang="en-IN" b="0" dirty="0">
-                  <a:sym typeface="Wingdings" panose="05000000000000000000" pitchFamily="2" charset="2"/>
-                </a:endParaRPr>
-              </a:p>
-              <a:p>
-                <a:pPr marL="1504919" lvl="2" indent="-285750"/>
-                <a:r>
-                  <a:rPr lang="en-IN" dirty="0"/>
-                  <a:t>Observed merging of vortices [</a:t>
-                </a:r>
-                <a:r>
-                  <a:rPr lang="en-IN" b="1" dirty="0"/>
-                  <a:t>Q</a:t>
-                </a:r>
-                <a:r>
-                  <a:rPr lang="en-IN" dirty="0"/>
-                  <a:t>]</a:t>
-                </a:r>
-              </a:p>
-              <a:p>
-                <a:pPr marL="1504919" lvl="2" indent="-285750"/>
-                <a:r>
-                  <a:rPr lang="en-IN" dirty="0"/>
-                  <a:t>Energy cascade (Kolmogorv scale) slopes: mSPH (-3), standard SPH (1)  </a:t>
-                </a:r>
-              </a:p>
-              <a:p>
-                <a:pPr marL="895335" lvl="1" indent="-285750"/>
-                <a:r>
-                  <a:rPr lang="en-IN" dirty="0">
-                    <a:sym typeface="Wingdings" panose="05000000000000000000" pitchFamily="2" charset="2"/>
-                  </a:rPr>
-                  <a:t>Simulated 3D Taylor-Green Vortex (TGV) </a:t>
-                </a:r>
-                <a14:m>
-                  <m:oMath xmlns:m="http://schemas.openxmlformats.org/officeDocument/2006/math">
-                    <m:d>
-                      <m:dPr>
-                        <m:ctrlPr>
-                          <a:rPr lang="en-IN" i="1" dirty="0" smtClean="0">
-                            <a:latin typeface="Cambria Math" panose="02040503050406030204" pitchFamily="18" charset="0"/>
-                            <a:sym typeface="Wingdings" panose="05000000000000000000" pitchFamily="2" charset="2"/>
-                          </a:rPr>
-                        </m:ctrlPr>
-                      </m:dPr>
-                      <m:e>
-                        <m:r>
-                          <a:rPr lang="en-IN" i="1" dirty="0" smtClean="0">
-                            <a:latin typeface="Cambria Math" panose="02040503050406030204" pitchFamily="18" charset="0"/>
-                            <a:sym typeface="Wingdings" panose="05000000000000000000" pitchFamily="2" charset="2"/>
-                          </a:rPr>
-                          <m:t>𝑅𝑒</m:t>
-                        </m:r>
-                        <m:r>
-                          <a:rPr lang="en-IN" i="1" dirty="0" smtClean="0">
-                            <a:latin typeface="Cambria Math" panose="02040503050406030204" pitchFamily="18" charset="0"/>
-                            <a:sym typeface="Wingdings" panose="05000000000000000000" pitchFamily="2" charset="2"/>
-                          </a:rPr>
-                          <m:t> =400,  </m:t>
-                        </m:r>
-                        <m:sSub>
-                          <m:sSubPr>
-                            <m:ctrlPr>
-                              <a:rPr lang="en-IN" b="0" i="1" dirty="0" smtClean="0">
-                                <a:latin typeface="Cambria Math" panose="02040503050406030204" pitchFamily="18" charset="0"/>
-                                <a:sym typeface="Wingdings" panose="05000000000000000000" pitchFamily="2" charset="2"/>
-                              </a:rPr>
-                            </m:ctrlPr>
-                          </m:sSubPr>
-                          <m:e>
-                            <m:r>
-                              <a:rPr lang="en-IN" b="0" i="1" dirty="0" smtClean="0">
-                                <a:latin typeface="Cambria Math" panose="02040503050406030204" pitchFamily="18" charset="0"/>
-                                <a:sym typeface="Wingdings" panose="05000000000000000000" pitchFamily="2" charset="2"/>
-                              </a:rPr>
-                              <m:t>𝑁</m:t>
-                            </m:r>
-                          </m:e>
-                          <m:sub>
-                            <m:r>
-                              <a:rPr lang="en-IN" b="0" i="1" dirty="0" smtClean="0">
-                                <a:latin typeface="Cambria Math" panose="02040503050406030204" pitchFamily="18" charset="0"/>
-                                <a:sym typeface="Wingdings" panose="05000000000000000000" pitchFamily="2" charset="2"/>
-                              </a:rPr>
-                              <m:t>𝑖</m:t>
-                            </m:r>
-                          </m:sub>
-                        </m:sSub>
-                        <m:r>
-                          <a:rPr lang="en-IN" b="0" i="1" dirty="0" smtClean="0">
-                            <a:latin typeface="Cambria Math" panose="02040503050406030204" pitchFamily="18" charset="0"/>
-                            <a:sym typeface="Wingdings" panose="05000000000000000000" pitchFamily="2" charset="2"/>
-                          </a:rPr>
-                          <m:t>=</m:t>
-                        </m:r>
-                        <m:sSup>
-                          <m:sSupPr>
-                            <m:ctrlPr>
-                              <a:rPr lang="en-IN" b="0" i="1" dirty="0" smtClean="0">
-                                <a:latin typeface="Cambria Math" panose="02040503050406030204" pitchFamily="18" charset="0"/>
-                                <a:sym typeface="Wingdings" panose="05000000000000000000" pitchFamily="2" charset="2"/>
-                              </a:rPr>
-                            </m:ctrlPr>
-                          </m:sSupPr>
-                          <m:e>
-                            <m:r>
-                              <a:rPr lang="en-IN" b="0" i="1" dirty="0" smtClean="0">
-                                <a:latin typeface="Cambria Math" panose="02040503050406030204" pitchFamily="18" charset="0"/>
-                                <a:sym typeface="Wingdings" panose="05000000000000000000" pitchFamily="2" charset="2"/>
-                              </a:rPr>
-                              <m:t>64</m:t>
-                            </m:r>
-                          </m:e>
-                          <m:sup>
-                            <m:r>
-                              <a:rPr lang="en-IN" b="0" i="1" dirty="0" smtClean="0">
-                                <a:latin typeface="Cambria Math" panose="02040503050406030204" pitchFamily="18" charset="0"/>
-                                <a:sym typeface="Wingdings" panose="05000000000000000000" pitchFamily="2" charset="2"/>
-                              </a:rPr>
-                              <m:t>3</m:t>
-                            </m:r>
-                          </m:sup>
-                        </m:sSup>
-                      </m:e>
-                    </m:d>
-                  </m:oMath>
-                </a14:m>
-                <a:endParaRPr lang="en-IN" dirty="0">
-                  <a:sym typeface="Wingdings" panose="05000000000000000000" pitchFamily="2" charset="2"/>
-                </a:endParaRPr>
-              </a:p>
-              <a:p>
-                <a:pPr marL="1504919" lvl="2" indent="-285750"/>
-                <a:r>
-                  <a:rPr lang="en-IN" dirty="0">
-                    <a:sym typeface="Wingdings" panose="05000000000000000000" pitchFamily="2" charset="2"/>
-                  </a:rPr>
-                  <a:t>Can simulate transitional flow with reasonable dissipation rate</a:t>
-                </a:r>
-              </a:p>
-              <a:p>
-                <a:pPr marL="895335" lvl="1" indent="-285750"/>
-                <a:r>
-                  <a:rPr lang="en-IN" dirty="0">
-                    <a:sym typeface="Wingdings" panose="05000000000000000000" pitchFamily="2" charset="2"/>
-                  </a:rPr>
-                  <a:t>mSPH similar to eddy viscosity model below numerical resolution</a:t>
-                </a:r>
-              </a:p>
-              <a:p>
-                <a:pPr marL="895335" lvl="1" indent="-285750"/>
-                <a:endParaRPr lang="en-IN" dirty="0"/>
-              </a:p>
-              <a:p>
-                <a:pPr marL="895335" lvl="1" indent="-285750"/>
-                <a:endParaRPr lang="en-IN" dirty="0"/>
               </a:p>
               <a:p>
                 <a:pPr marL="895335" lvl="1" indent="-285750"/>
@@ -27728,6 +26744,2849 @@
             <a:fld id="{00000000-1234-1234-1234-123412341234}" type="slidenum">
               <a:rPr lang="en"/>
               <a:pPr/>
+              <a:t>5</a:t>
+            </a:fld>
+            <a:endParaRPr/>
+          </a:p>
+        </p:txBody>
+      </p:sp>
+      <p:sp>
+        <p:nvSpPr>
+          <p:cNvPr id="346" name="Google Shape;346;p37"/>
+          <p:cNvSpPr txBox="1"/>
+          <p:nvPr/>
+        </p:nvSpPr>
+        <p:spPr>
+          <a:xfrm>
+            <a:off x="0" y="6292561"/>
+            <a:ext cx="9910400" cy="574604"/>
+          </a:xfrm>
+          <a:prstGeom prst="rect">
+            <a:avLst/>
+          </a:prstGeom>
+          <a:noFill/>
+          <a:ln>
+            <a:noFill/>
+          </a:ln>
+        </p:spPr>
+        <p:txBody>
+          <a:bodyPr spcFirstLastPara="1" wrap="square" lIns="121900" tIns="121900" rIns="121900" bIns="121900" anchor="t" anchorCtr="0">
+            <a:spAutoFit/>
+          </a:bodyPr>
+          <a:lstStyle/>
+          <a:p>
+            <a:r>
+              <a:rPr lang="en-US" sz="1067" dirty="0">
+                <a:solidFill>
+                  <a:schemeClr val="accent3"/>
+                </a:solidFill>
+                <a:latin typeface="Proxima Nova"/>
+                <a:ea typeface="Proxima Nova"/>
+                <a:cs typeface="Proxima Nova"/>
+                <a:sym typeface="Proxima Nova"/>
+              </a:rPr>
+              <a:t>[1] D. VIOLEAU, S. PICCON, and J.-P. CHABARD, “TWO ATTEMPTS OF TURBULENCE MODELLING IN SMOOTHED PARTICLE HYDRODYNAMICS,” in Advances in Fluid Modeling and Turbulence Measurements, Jul. 2002, vol. 1, no. 5, pp. 339–346, </a:t>
+            </a:r>
+            <a:r>
+              <a:rPr lang="en-US" sz="1067" dirty="0" err="1">
+                <a:solidFill>
+                  <a:schemeClr val="accent3"/>
+                </a:solidFill>
+                <a:latin typeface="Proxima Nova"/>
+                <a:ea typeface="Proxima Nova"/>
+                <a:cs typeface="Proxima Nova"/>
+                <a:sym typeface="Proxima Nova"/>
+              </a:rPr>
+              <a:t>doi</a:t>
+            </a:r>
+            <a:r>
+              <a:rPr lang="en-US" sz="1067" dirty="0">
+                <a:solidFill>
+                  <a:schemeClr val="accent3"/>
+                </a:solidFill>
+                <a:latin typeface="Proxima Nova"/>
+                <a:ea typeface="Proxima Nova"/>
+                <a:cs typeface="Proxima Nova"/>
+                <a:sym typeface="Proxima Nova"/>
+              </a:rPr>
+              <a:t>: 10.1142/9789812777591_0041.</a:t>
+            </a:r>
+          </a:p>
+        </p:txBody>
+      </p:sp>
+      <p:pic>
+        <p:nvPicPr>
+          <p:cNvPr id="13" name="Picture 12" descr="\documentclass{article}&#10;\usepackage{bbm}&#10;\usepackage{bm}&#10;\usepackage{amsmath}&#10;\usepackage{amssymb}&#10;\pagestyle{empty}&#10;&#10;% --------------------------------&#10;%% Custom Math Commands&#10;% --------------------------------&#10;\newcommand{\abs}[1]{\mid #1 \mid}&#10;&#10;\newcommand{\bb}[1]{\mathbb{#1}}&#10;&#10;\newcommand{\LagDerivative}[2][t]{\frac{\operatorname{D} #2}{\operatorname{D} #1}}&#10;&#10;\newcommand{\PartialDerivative}[2][t]{\frac{\partial #2}{\partial #1}}&#10;&#10;\newcommand{\vect}[1]{\mathbf{#1}}&#10;&#10;\newcommand{\tensor}[1]{\underline{\bm{#1}}}&#10;&#10;\newcommand{\WIJ}{W_{h, ij}}&#10;&#10;\newcommand{\DWIJ}{\nabla_{i} W_{h, ij}}&#10;&#10;\newcommand{\VIJ}{\vect{v}_{ij}}&#10;&#10;\newcommand{\RIJ}{\vect{r}_{ij}}&#10;&#10;\newcommand{\RtwoIJ}[1][2]{\abs{\vect{r}_{ij}}^{#1}}&#10;&#10;\newcommand{\VtwoIJ}[1][2]{\abs{\vect{v}_{ij}}^{#1}}&#10;&#10;\newcommand{\MachineEpsilon}{\bm{\xi}}&#10;&#10;\newcommand{\EncAngBrk}[2][]{#1\langle #2 #1\rangle}&#10;&#10;\newcommand{\RAProp}[1]{\EncAngBrk{#1}}&#10;&#10;\newcommand{\FrobeniusInnerProduct}[2]{\EncAngBrk{\tensor{#1}, \tensor{#2}}}&#10;&#10;\newcommand{\FrobeniusNorm}[1]{||\tensor{#1}||_F}&#10;&#10;\newcommand{\BasisVect}[1][i]{\hat{\vect{e}}_{#1}}&#10;&#10;\newcommand{\HalfFrac}{\frac{1}{2}}&#10;&#10;\newcommand{\Vol}[1][V]{\mathcal{#1}}&#10;&#10;\newcommand{\Vorticity}{\bm{\omega}}&#10;&#10;\newcommand{\Boundary}{\bm{\Omega}}&#10;&#10;\newcommand{\WaveNumber}{\mathrm{k}}&#10;&#10;\newcommand{\WaveNumberVector}{\vect{k}}&#10;&#10;\newcommand{\TildeR}{\widetilde{\vect{r}}}&#10;&#10;\newcommand{\TildeV}{\widetilde{\vect{v}}}&#10;&#10;\newcommand{\TildeDeltaV}{\delta\TildeV}&#10;&#10;\newcommand{\TildeRho}{\widetilde{\rho}}&#10;&#10;\newcommand{\TildeP}{\widetilde{P}}&#10;&#10;\newcommand{\IntRThreeAndT}{\int_{\mathbb{R}^3}&#10;\int_{-\infty}^{\infty}}&#10;&#10;\newcommand{\SciNot}[3][10]{#2 \times {#1}^{#3}}&#10;&#10;\newcommand{\IntD}{d \tau d V_y}&#10;&#10;\newcommand{\TilePArgRp}{\TildeP(\TildeR_p, t)}&#10;&#10;\newcommand{\PhiRY}{\phi (\TildeR_p(t)-\vect{y}, t-\tau)}&#10;&#10;\newcommand{\PY}{P(\vect{y}, \tau)}&#10;&#10;\newcommand{\VY}{\vect{v}(\vect{y}, \tau)}&#10;&#10;\newcommand{\TildeVArgRp}{\TildeV (\TildeR_p, t)}&#10;&#10;% --------------------------------&#10;%% Equations&#10;% --------------------------------&#10;\begin{document}&#10;&#10;\begin{equation*}&#10;\LagDerivative{\vect{v}_i} = - \sum_j m_j \bigg( \frac{P_i}{\rho_i^2} + \frac{P_j}{\rho_j^2} + \widetilde{\Pi}_{ij} \bigg) \DWIJ + \vect{F}_i&#10;\end{equation*}&#10;&#10;\begin{equation*}&#10;\widetilde{\Pi}_{ij} = -8 \frac{\nu_{t, i} + \nu_{t, j}}{\rho_i + \rho_j} \frac{\RAProp{\vect{v}}_{ij} \cdot \RIJ }{\RtwoIJ + \MachineEpsilon^2} &#10;\end{equation*}&#10;&#10;\begin{equation*}&#10;\nu_t = L_m^2 \FrobeniusNorm{S} = L_m^2 \sqrt{\FrobeniusInnerProduct{S}{S}}&#10;\end{equation*}&#10;&#10;\begin{equation*}&#10;\nabla \RAProp{\vect{v}}_i = - \frac{1}{\rho_i} \sum_j m_j \RAProp{\vect{v}}_{ij} \otimes \DWIJ&#10;\end{equation*}&#10;&#10;\end{document}" title="IguanaTex Bitmap Display">
+            <a:extLst>
+              <a:ext uri="{FF2B5EF4-FFF2-40B4-BE49-F238E27FC236}">
+                <a16:creationId xmlns:a16="http://schemas.microsoft.com/office/drawing/2014/main" id="{7428128B-83B0-A86E-5250-142B5D581C3C}"/>
+              </a:ext>
+            </a:extLst>
+          </p:cNvPr>
+          <p:cNvPicPr>
+            <a:picLocks noChangeAspect="1"/>
+          </p:cNvPicPr>
+          <p:nvPr>
+            <p:custDataLst>
+              <p:tags r:id="rId1"/>
+            </p:custDataLst>
+          </p:nvPr>
+        </p:nvPicPr>
+        <p:blipFill>
+          <a:blip r:embed="rId5">
+            <a:extLst>
+              <a:ext uri="{28A0092B-C50C-407E-A947-70E740481C1C}">
+                <a14:useLocalDpi xmlns:a14="http://schemas.microsoft.com/office/drawing/2010/main" val="0"/>
+              </a:ext>
+            </a:extLst>
+          </a:blip>
+          <a:stretch>
+            <a:fillRect/>
+          </a:stretch>
+        </p:blipFill>
+        <p:spPr>
+          <a:xfrm>
+            <a:off x="8258036" y="4162003"/>
+            <a:ext cx="3564776" cy="2168427"/>
+          </a:xfrm>
+          <a:prstGeom prst="rect">
+            <a:avLst/>
+          </a:prstGeom>
+        </p:spPr>
+      </p:pic>
+      <p:grpSp>
+        <p:nvGrpSpPr>
+          <p:cNvPr id="23" name="Group 22">
+            <a:extLst>
+              <a:ext uri="{FF2B5EF4-FFF2-40B4-BE49-F238E27FC236}">
+                <a16:creationId xmlns:a16="http://schemas.microsoft.com/office/drawing/2014/main" id="{1C311917-E89B-DA03-8911-082A1BBA3814}"/>
+              </a:ext>
+            </a:extLst>
+          </p:cNvPr>
+          <p:cNvGrpSpPr/>
+          <p:nvPr/>
+        </p:nvGrpSpPr>
+        <p:grpSpPr>
+          <a:xfrm>
+            <a:off x="8258036" y="918746"/>
+            <a:ext cx="3734612" cy="3241229"/>
+            <a:chOff x="8075708" y="1224199"/>
+            <a:chExt cx="3734612" cy="3241229"/>
+          </a:xfrm>
+        </p:grpSpPr>
+        <p:pic>
+          <p:nvPicPr>
+            <p:cNvPr id="21" name="Picture 20">
+              <a:extLst>
+                <a:ext uri="{FF2B5EF4-FFF2-40B4-BE49-F238E27FC236}">
+                  <a16:creationId xmlns:a16="http://schemas.microsoft.com/office/drawing/2014/main" id="{255ED653-F533-F166-EFD7-830F86B7EA56}"/>
+                </a:ext>
+              </a:extLst>
+            </p:cNvPr>
+            <p:cNvPicPr>
+              <a:picLocks noChangeAspect="1"/>
+            </p:cNvPicPr>
+            <p:nvPr/>
+          </p:nvPicPr>
+          <p:blipFill>
+            <a:blip r:embed="rId6">
+              <a:extLst>
+                <a:ext uri="{28A0092B-C50C-407E-A947-70E740481C1C}">
+                  <a14:useLocalDpi xmlns:a14="http://schemas.microsoft.com/office/drawing/2010/main" val="0"/>
+                </a:ext>
+              </a:extLst>
+            </a:blip>
+            <a:stretch>
+              <a:fillRect/>
+            </a:stretch>
+          </p:blipFill>
+          <p:spPr>
+            <a:xfrm>
+              <a:off x="8075708" y="1224199"/>
+              <a:ext cx="3734612" cy="2626131"/>
+            </a:xfrm>
+            <a:prstGeom prst="rect">
+              <a:avLst/>
+            </a:prstGeom>
+          </p:spPr>
+        </p:pic>
+        <p:sp>
+          <p:nvSpPr>
+            <p:cNvPr id="22" name="TextBox 21">
+              <a:extLst>
+                <a:ext uri="{FF2B5EF4-FFF2-40B4-BE49-F238E27FC236}">
+                  <a16:creationId xmlns:a16="http://schemas.microsoft.com/office/drawing/2014/main" id="{9CB78D94-1E83-A303-B8A3-03E77417C3D5}"/>
+                </a:ext>
+              </a:extLst>
+            </p:cNvPr>
+            <p:cNvSpPr txBox="1"/>
+            <p:nvPr/>
+          </p:nvSpPr>
+          <p:spPr>
+            <a:xfrm>
+              <a:off x="8526282" y="3819097"/>
+              <a:ext cx="2833464" cy="646331"/>
+            </a:xfrm>
+            <a:prstGeom prst="rect">
+              <a:avLst/>
+            </a:prstGeom>
+            <a:noFill/>
+          </p:spPr>
+          <p:txBody>
+            <a:bodyPr wrap="square" rtlCol="0">
+              <a:spAutoFit/>
+            </a:bodyPr>
+            <a:lstStyle/>
+            <a:p>
+              <a:pPr algn="ctr"/>
+              <a:r>
+                <a:rPr lang="en-IN" sz="1200" b="1" dirty="0">
+                  <a:latin typeface="Proxima Nova"/>
+                </a:rPr>
+                <a:t>Fig</a:t>
+              </a:r>
+              <a:r>
+                <a:rPr lang="en-IN" sz="1200" dirty="0">
+                  <a:latin typeface="Proxima Nova"/>
+                </a:rPr>
+                <a:t>: Computed mean velocity profile of turbulent Poiseuille flow in a pipe (Rep: Violeau et al)</a:t>
+              </a:r>
+            </a:p>
+          </p:txBody>
+        </p:sp>
+      </p:grpSp>
+      <p:sp>
+        <p:nvSpPr>
+          <p:cNvPr id="24" name="Rectangle: Rounded Corners 23">
+            <a:extLst>
+              <a:ext uri="{FF2B5EF4-FFF2-40B4-BE49-F238E27FC236}">
+                <a16:creationId xmlns:a16="http://schemas.microsoft.com/office/drawing/2014/main" id="{1535F1BA-A5A4-50D2-A7DE-46A10E83F654}"/>
+              </a:ext>
+            </a:extLst>
+          </p:cNvPr>
+          <p:cNvSpPr/>
+          <p:nvPr/>
+        </p:nvSpPr>
+        <p:spPr>
+          <a:xfrm>
+            <a:off x="649926" y="3544877"/>
+            <a:ext cx="5446074" cy="1352243"/>
+          </a:xfrm>
+          <a:prstGeom prst="roundRect">
+            <a:avLst/>
+          </a:prstGeom>
+          <a:noFill/>
+          <a:ln w="38100">
+            <a:solidFill>
+              <a:schemeClr val="bg2">
+                <a:lumMod val="50000"/>
+              </a:schemeClr>
+            </a:solidFill>
+          </a:ln>
+        </p:spPr>
+        <p:style>
+          <a:lnRef idx="2">
+            <a:schemeClr val="accent1">
+              <a:shade val="50000"/>
+            </a:schemeClr>
+          </a:lnRef>
+          <a:fillRef idx="1">
+            <a:schemeClr val="accent1"/>
+          </a:fillRef>
+          <a:effectRef idx="0">
+            <a:schemeClr val="accent1"/>
+          </a:effectRef>
+          <a:fontRef idx="minor">
+            <a:schemeClr val="lt1"/>
+          </a:fontRef>
+        </p:style>
+        <p:txBody>
+          <a:bodyPr rtlCol="0" anchor="ctr"/>
+          <a:lstStyle/>
+          <a:p>
+            <a:pPr algn="ctr"/>
+            <a:endParaRPr lang="en-IN"/>
+          </a:p>
+        </p:txBody>
+      </p:sp>
+    </p:spTree>
+    <p:extLst>
+      <p:ext uri="{BB962C8B-B14F-4D97-AF65-F5344CB8AC3E}">
+        <p14:creationId xmlns:p14="http://schemas.microsoft.com/office/powerpoint/2010/main" val="781494642"/>
+      </p:ext>
+    </p:extLst>
+  </p:cSld>
+  <p:clrMapOvr>
+    <a:masterClrMapping/>
+  </p:clrMapOvr>
+  <p:timing>
+    <p:tnLst>
+      <p:par>
+        <p:cTn id="1" dur="indefinite" restart="never" nodeType="tmRoot">
+          <p:childTnLst>
+            <p:seq concurrent="1" nextAc="seek">
+              <p:cTn id="2" dur="indefinite" nodeType="mainSeq">
+                <p:childTnLst>
+                  <p:par>
+                    <p:cTn id="3" fill="hold">
+                      <p:stCondLst>
+                        <p:cond delay="indefinite"/>
+                        <p:cond evt="onBegin" delay="0">
+                          <p:tn val="2"/>
+                        </p:cond>
+                      </p:stCondLst>
+                      <p:childTnLst>
+                        <p:par>
+                          <p:cTn id="4" fill="hold">
+                            <p:stCondLst>
+                              <p:cond delay="0"/>
+                            </p:stCondLst>
+                            <p:childTnLst>
+                              <p:par>
+                                <p:cTn id="5" presetID="10" presetClass="entr" presetSubtype="0" fill="hold" grpId="0" nodeType="withEffect">
+                                  <p:stCondLst>
+                                    <p:cond delay="0"/>
+                                  </p:stCondLst>
+                                  <p:childTnLst>
+                                    <p:set>
+                                      <p:cBhvr>
+                                        <p:cTn id="6" dur="1" fill="hold">
+                                          <p:stCondLst>
+                                            <p:cond delay="0"/>
+                                          </p:stCondLst>
+                                        </p:cTn>
+                                        <p:tgtEl>
+                                          <p:spTgt spid="340"/>
+                                        </p:tgtEl>
+                                        <p:attrNameLst>
+                                          <p:attrName>style.visibility</p:attrName>
+                                        </p:attrNameLst>
+                                      </p:cBhvr>
+                                      <p:to>
+                                        <p:strVal val="visible"/>
+                                      </p:to>
+                                    </p:set>
+                                    <p:animEffect transition="in" filter="fade">
+                                      <p:cBhvr>
+                                        <p:cTn id="7" dur="500"/>
+                                        <p:tgtEl>
+                                          <p:spTgt spid="340"/>
+                                        </p:tgtEl>
+                                      </p:cBhvr>
+                                    </p:animEffect>
+                                  </p:childTnLst>
+                                </p:cTn>
+                              </p:par>
+                            </p:childTnLst>
+                          </p:cTn>
+                        </p:par>
+                      </p:childTnLst>
+                    </p:cTn>
+                  </p:par>
+                  <p:par>
+                    <p:cTn id="8" fill="hold">
+                      <p:stCondLst>
+                        <p:cond delay="indefinite"/>
+                      </p:stCondLst>
+                      <p:childTnLst>
+                        <p:par>
+                          <p:cTn id="9" fill="hold">
+                            <p:stCondLst>
+                              <p:cond delay="0"/>
+                            </p:stCondLst>
+                            <p:childTnLst>
+                              <p:par>
+                                <p:cTn id="10" presetID="10" presetClass="entr" presetSubtype="0" fill="hold" grpId="0" nodeType="clickEffect">
+                                  <p:stCondLst>
+                                    <p:cond delay="0"/>
+                                  </p:stCondLst>
+                                  <p:childTnLst>
+                                    <p:set>
+                                      <p:cBhvr>
+                                        <p:cTn id="11" dur="1" fill="hold">
+                                          <p:stCondLst>
+                                            <p:cond delay="0"/>
+                                          </p:stCondLst>
+                                        </p:cTn>
+                                        <p:tgtEl>
+                                          <p:spTgt spid="338">
+                                            <p:txEl>
+                                              <p:pRg st="0" end="0"/>
+                                            </p:txEl>
+                                          </p:spTgt>
+                                        </p:tgtEl>
+                                        <p:attrNameLst>
+                                          <p:attrName>style.visibility</p:attrName>
+                                        </p:attrNameLst>
+                                      </p:cBhvr>
+                                      <p:to>
+                                        <p:strVal val="visible"/>
+                                      </p:to>
+                                    </p:set>
+                                    <p:animEffect transition="in" filter="fade">
+                                      <p:cBhvr>
+                                        <p:cTn id="12" dur="500"/>
+                                        <p:tgtEl>
+                                          <p:spTgt spid="338">
+                                            <p:txEl>
+                                              <p:pRg st="0" end="0"/>
+                                            </p:txEl>
+                                          </p:spTgt>
+                                        </p:tgtEl>
+                                      </p:cBhvr>
+                                    </p:animEffect>
+                                  </p:childTnLst>
+                                </p:cTn>
+                              </p:par>
+                            </p:childTnLst>
+                          </p:cTn>
+                        </p:par>
+                        <p:par>
+                          <p:cTn id="13" fill="hold">
+                            <p:stCondLst>
+                              <p:cond delay="500"/>
+                            </p:stCondLst>
+                            <p:childTnLst>
+                              <p:par>
+                                <p:cTn id="14" presetID="10" presetClass="entr" presetSubtype="0" fill="hold" grpId="0" nodeType="afterEffect">
+                                  <p:stCondLst>
+                                    <p:cond delay="0"/>
+                                  </p:stCondLst>
+                                  <p:childTnLst>
+                                    <p:set>
+                                      <p:cBhvr>
+                                        <p:cTn id="15" dur="1" fill="hold">
+                                          <p:stCondLst>
+                                            <p:cond delay="0"/>
+                                          </p:stCondLst>
+                                        </p:cTn>
+                                        <p:tgtEl>
+                                          <p:spTgt spid="346"/>
+                                        </p:tgtEl>
+                                        <p:attrNameLst>
+                                          <p:attrName>style.visibility</p:attrName>
+                                        </p:attrNameLst>
+                                      </p:cBhvr>
+                                      <p:to>
+                                        <p:strVal val="visible"/>
+                                      </p:to>
+                                    </p:set>
+                                    <p:animEffect transition="in" filter="fade">
+                                      <p:cBhvr>
+                                        <p:cTn id="16" dur="500"/>
+                                        <p:tgtEl>
+                                          <p:spTgt spid="346"/>
+                                        </p:tgtEl>
+                                      </p:cBhvr>
+                                    </p:animEffect>
+                                  </p:childTnLst>
+                                </p:cTn>
+                              </p:par>
+                              <p:par>
+                                <p:cTn id="17" presetID="10" presetClass="entr" presetSubtype="0" fill="hold" grpId="0" nodeType="withEffect">
+                                  <p:stCondLst>
+                                    <p:cond delay="0"/>
+                                  </p:stCondLst>
+                                  <p:childTnLst>
+                                    <p:set>
+                                      <p:cBhvr>
+                                        <p:cTn id="18" dur="1" fill="hold">
+                                          <p:stCondLst>
+                                            <p:cond delay="0"/>
+                                          </p:stCondLst>
+                                        </p:cTn>
+                                        <p:tgtEl>
+                                          <p:spTgt spid="338">
+                                            <p:txEl>
+                                              <p:pRg st="1" end="1"/>
+                                            </p:txEl>
+                                          </p:spTgt>
+                                        </p:tgtEl>
+                                        <p:attrNameLst>
+                                          <p:attrName>style.visibility</p:attrName>
+                                        </p:attrNameLst>
+                                      </p:cBhvr>
+                                      <p:to>
+                                        <p:strVal val="visible"/>
+                                      </p:to>
+                                    </p:set>
+                                    <p:animEffect transition="in" filter="fade">
+                                      <p:cBhvr>
+                                        <p:cTn id="19" dur="500"/>
+                                        <p:tgtEl>
+                                          <p:spTgt spid="338">
+                                            <p:txEl>
+                                              <p:pRg st="1" end="1"/>
+                                            </p:txEl>
+                                          </p:spTgt>
+                                        </p:tgtEl>
+                                      </p:cBhvr>
+                                    </p:animEffect>
+                                  </p:childTnLst>
+                                </p:cTn>
+                              </p:par>
+                              <p:par>
+                                <p:cTn id="20" presetID="10" presetClass="entr" presetSubtype="0" fill="hold" grpId="0" nodeType="withEffect">
+                                  <p:stCondLst>
+                                    <p:cond delay="0"/>
+                                  </p:stCondLst>
+                                  <p:childTnLst>
+                                    <p:set>
+                                      <p:cBhvr>
+                                        <p:cTn id="21" dur="1" fill="hold">
+                                          <p:stCondLst>
+                                            <p:cond delay="0"/>
+                                          </p:stCondLst>
+                                        </p:cTn>
+                                        <p:tgtEl>
+                                          <p:spTgt spid="338">
+                                            <p:txEl>
+                                              <p:pRg st="2" end="2"/>
+                                            </p:txEl>
+                                          </p:spTgt>
+                                        </p:tgtEl>
+                                        <p:attrNameLst>
+                                          <p:attrName>style.visibility</p:attrName>
+                                        </p:attrNameLst>
+                                      </p:cBhvr>
+                                      <p:to>
+                                        <p:strVal val="visible"/>
+                                      </p:to>
+                                    </p:set>
+                                    <p:animEffect transition="in" filter="fade">
+                                      <p:cBhvr>
+                                        <p:cTn id="22" dur="500"/>
+                                        <p:tgtEl>
+                                          <p:spTgt spid="338">
+                                            <p:txEl>
+                                              <p:pRg st="2" end="2"/>
+                                            </p:txEl>
+                                          </p:spTgt>
+                                        </p:tgtEl>
+                                      </p:cBhvr>
+                                    </p:animEffect>
+                                  </p:childTnLst>
+                                </p:cTn>
+                              </p:par>
+                              <p:par>
+                                <p:cTn id="23" presetID="10" presetClass="entr" presetSubtype="0" fill="hold" grpId="0" nodeType="withEffect">
+                                  <p:stCondLst>
+                                    <p:cond delay="0"/>
+                                  </p:stCondLst>
+                                  <p:childTnLst>
+                                    <p:set>
+                                      <p:cBhvr>
+                                        <p:cTn id="24" dur="1" fill="hold">
+                                          <p:stCondLst>
+                                            <p:cond delay="0"/>
+                                          </p:stCondLst>
+                                        </p:cTn>
+                                        <p:tgtEl>
+                                          <p:spTgt spid="338">
+                                            <p:txEl>
+                                              <p:pRg st="3" end="3"/>
+                                            </p:txEl>
+                                          </p:spTgt>
+                                        </p:tgtEl>
+                                        <p:attrNameLst>
+                                          <p:attrName>style.visibility</p:attrName>
+                                        </p:attrNameLst>
+                                      </p:cBhvr>
+                                      <p:to>
+                                        <p:strVal val="visible"/>
+                                      </p:to>
+                                    </p:set>
+                                    <p:animEffect transition="in" filter="fade">
+                                      <p:cBhvr>
+                                        <p:cTn id="25" dur="500"/>
+                                        <p:tgtEl>
+                                          <p:spTgt spid="338">
+                                            <p:txEl>
+                                              <p:pRg st="3" end="3"/>
+                                            </p:txEl>
+                                          </p:spTgt>
+                                        </p:tgtEl>
+                                      </p:cBhvr>
+                                    </p:animEffect>
+                                  </p:childTnLst>
+                                </p:cTn>
+                              </p:par>
+                              <p:par>
+                                <p:cTn id="26" presetID="10" presetClass="entr" presetSubtype="0" fill="hold" grpId="0" nodeType="withEffect">
+                                  <p:stCondLst>
+                                    <p:cond delay="0"/>
+                                  </p:stCondLst>
+                                  <p:childTnLst>
+                                    <p:set>
+                                      <p:cBhvr>
+                                        <p:cTn id="27" dur="1" fill="hold">
+                                          <p:stCondLst>
+                                            <p:cond delay="0"/>
+                                          </p:stCondLst>
+                                        </p:cTn>
+                                        <p:tgtEl>
+                                          <p:spTgt spid="338">
+                                            <p:txEl>
+                                              <p:pRg st="4" end="4"/>
+                                            </p:txEl>
+                                          </p:spTgt>
+                                        </p:tgtEl>
+                                        <p:attrNameLst>
+                                          <p:attrName>style.visibility</p:attrName>
+                                        </p:attrNameLst>
+                                      </p:cBhvr>
+                                      <p:to>
+                                        <p:strVal val="visible"/>
+                                      </p:to>
+                                    </p:set>
+                                    <p:animEffect transition="in" filter="fade">
+                                      <p:cBhvr>
+                                        <p:cTn id="28" dur="500"/>
+                                        <p:tgtEl>
+                                          <p:spTgt spid="338">
+                                            <p:txEl>
+                                              <p:pRg st="4" end="4"/>
+                                            </p:txEl>
+                                          </p:spTgt>
+                                        </p:tgtEl>
+                                      </p:cBhvr>
+                                    </p:animEffect>
+                                  </p:childTnLst>
+                                </p:cTn>
+                              </p:par>
+                              <p:par>
+                                <p:cTn id="29" presetID="10" presetClass="entr" presetSubtype="0" fill="hold" grpId="0" nodeType="withEffect">
+                                  <p:stCondLst>
+                                    <p:cond delay="0"/>
+                                  </p:stCondLst>
+                                  <p:childTnLst>
+                                    <p:set>
+                                      <p:cBhvr>
+                                        <p:cTn id="30" dur="1" fill="hold">
+                                          <p:stCondLst>
+                                            <p:cond delay="0"/>
+                                          </p:stCondLst>
+                                        </p:cTn>
+                                        <p:tgtEl>
+                                          <p:spTgt spid="338">
+                                            <p:txEl>
+                                              <p:pRg st="5" end="5"/>
+                                            </p:txEl>
+                                          </p:spTgt>
+                                        </p:tgtEl>
+                                        <p:attrNameLst>
+                                          <p:attrName>style.visibility</p:attrName>
+                                        </p:attrNameLst>
+                                      </p:cBhvr>
+                                      <p:to>
+                                        <p:strVal val="visible"/>
+                                      </p:to>
+                                    </p:set>
+                                    <p:animEffect transition="in" filter="fade">
+                                      <p:cBhvr>
+                                        <p:cTn id="31" dur="500"/>
+                                        <p:tgtEl>
+                                          <p:spTgt spid="338">
+                                            <p:txEl>
+                                              <p:pRg st="5" end="5"/>
+                                            </p:txEl>
+                                          </p:spTgt>
+                                        </p:tgtEl>
+                                      </p:cBhvr>
+                                    </p:animEffect>
+                                  </p:childTnLst>
+                                </p:cTn>
+                              </p:par>
+                              <p:par>
+                                <p:cTn id="32" presetID="10" presetClass="entr" presetSubtype="0" fill="hold" grpId="0" nodeType="withEffect">
+                                  <p:stCondLst>
+                                    <p:cond delay="0"/>
+                                  </p:stCondLst>
+                                  <p:childTnLst>
+                                    <p:set>
+                                      <p:cBhvr>
+                                        <p:cTn id="33" dur="1" fill="hold">
+                                          <p:stCondLst>
+                                            <p:cond delay="0"/>
+                                          </p:stCondLst>
+                                        </p:cTn>
+                                        <p:tgtEl>
+                                          <p:spTgt spid="338">
+                                            <p:txEl>
+                                              <p:pRg st="6" end="6"/>
+                                            </p:txEl>
+                                          </p:spTgt>
+                                        </p:tgtEl>
+                                        <p:attrNameLst>
+                                          <p:attrName>style.visibility</p:attrName>
+                                        </p:attrNameLst>
+                                      </p:cBhvr>
+                                      <p:to>
+                                        <p:strVal val="visible"/>
+                                      </p:to>
+                                    </p:set>
+                                    <p:animEffect transition="in" filter="fade">
+                                      <p:cBhvr>
+                                        <p:cTn id="34" dur="500"/>
+                                        <p:tgtEl>
+                                          <p:spTgt spid="338">
+                                            <p:txEl>
+                                              <p:pRg st="6" end="6"/>
+                                            </p:txEl>
+                                          </p:spTgt>
+                                        </p:tgtEl>
+                                      </p:cBhvr>
+                                    </p:animEffect>
+                                  </p:childTnLst>
+                                </p:cTn>
+                              </p:par>
+                            </p:childTnLst>
+                          </p:cTn>
+                        </p:par>
+                        <p:par>
+                          <p:cTn id="35" fill="hold">
+                            <p:stCondLst>
+                              <p:cond delay="1000"/>
+                            </p:stCondLst>
+                            <p:childTnLst>
+                              <p:par>
+                                <p:cTn id="36" presetID="10" presetClass="entr" presetSubtype="0" fill="hold" nodeType="afterEffect">
+                                  <p:stCondLst>
+                                    <p:cond delay="0"/>
+                                  </p:stCondLst>
+                                  <p:childTnLst>
+                                    <p:set>
+                                      <p:cBhvr>
+                                        <p:cTn id="37" dur="1" fill="hold">
+                                          <p:stCondLst>
+                                            <p:cond delay="0"/>
+                                          </p:stCondLst>
+                                        </p:cTn>
+                                        <p:tgtEl>
+                                          <p:spTgt spid="13"/>
+                                        </p:tgtEl>
+                                        <p:attrNameLst>
+                                          <p:attrName>style.visibility</p:attrName>
+                                        </p:attrNameLst>
+                                      </p:cBhvr>
+                                      <p:to>
+                                        <p:strVal val="visible"/>
+                                      </p:to>
+                                    </p:set>
+                                    <p:animEffect transition="in" filter="fade">
+                                      <p:cBhvr>
+                                        <p:cTn id="38" dur="500"/>
+                                        <p:tgtEl>
+                                          <p:spTgt spid="13"/>
+                                        </p:tgtEl>
+                                      </p:cBhvr>
+                                    </p:animEffect>
+                                  </p:childTnLst>
+                                </p:cTn>
+                              </p:par>
+                            </p:childTnLst>
+                          </p:cTn>
+                        </p:par>
+                        <p:par>
+                          <p:cTn id="39" fill="hold">
+                            <p:stCondLst>
+                              <p:cond delay="1500"/>
+                            </p:stCondLst>
+                            <p:childTnLst>
+                              <p:par>
+                                <p:cTn id="40" presetID="10" presetClass="entr" presetSubtype="0" fill="hold" nodeType="afterEffect">
+                                  <p:stCondLst>
+                                    <p:cond delay="0"/>
+                                  </p:stCondLst>
+                                  <p:childTnLst>
+                                    <p:set>
+                                      <p:cBhvr>
+                                        <p:cTn id="41" dur="1" fill="hold">
+                                          <p:stCondLst>
+                                            <p:cond delay="0"/>
+                                          </p:stCondLst>
+                                        </p:cTn>
+                                        <p:tgtEl>
+                                          <p:spTgt spid="23"/>
+                                        </p:tgtEl>
+                                        <p:attrNameLst>
+                                          <p:attrName>style.visibility</p:attrName>
+                                        </p:attrNameLst>
+                                      </p:cBhvr>
+                                      <p:to>
+                                        <p:strVal val="visible"/>
+                                      </p:to>
+                                    </p:set>
+                                    <p:animEffect transition="in" filter="fade">
+                                      <p:cBhvr>
+                                        <p:cTn id="42" dur="500"/>
+                                        <p:tgtEl>
+                                          <p:spTgt spid="23"/>
+                                        </p:tgtEl>
+                                      </p:cBhvr>
+                                    </p:animEffect>
+                                  </p:childTnLst>
+                                </p:cTn>
+                              </p:par>
+                            </p:childTnLst>
+                          </p:cTn>
+                        </p:par>
+                      </p:childTnLst>
+                    </p:cTn>
+                  </p:par>
+                  <p:par>
+                    <p:cTn id="43" fill="hold">
+                      <p:stCondLst>
+                        <p:cond delay="indefinite"/>
+                      </p:stCondLst>
+                      <p:childTnLst>
+                        <p:par>
+                          <p:cTn id="44" fill="hold">
+                            <p:stCondLst>
+                              <p:cond delay="0"/>
+                            </p:stCondLst>
+                            <p:childTnLst>
+                              <p:par>
+                                <p:cTn id="45" presetID="10" presetClass="entr" presetSubtype="0" fill="hold" grpId="0" nodeType="clickEffect">
+                                  <p:stCondLst>
+                                    <p:cond delay="0"/>
+                                  </p:stCondLst>
+                                  <p:childTnLst>
+                                    <p:set>
+                                      <p:cBhvr>
+                                        <p:cTn id="46" dur="1" fill="hold">
+                                          <p:stCondLst>
+                                            <p:cond delay="0"/>
+                                          </p:stCondLst>
+                                        </p:cTn>
+                                        <p:tgtEl>
+                                          <p:spTgt spid="338">
+                                            <p:txEl>
+                                              <p:pRg st="8" end="8"/>
+                                            </p:txEl>
+                                          </p:spTgt>
+                                        </p:tgtEl>
+                                        <p:attrNameLst>
+                                          <p:attrName>style.visibility</p:attrName>
+                                        </p:attrNameLst>
+                                      </p:cBhvr>
+                                      <p:to>
+                                        <p:strVal val="visible"/>
+                                      </p:to>
+                                    </p:set>
+                                    <p:animEffect transition="in" filter="fade">
+                                      <p:cBhvr>
+                                        <p:cTn id="47" dur="500"/>
+                                        <p:tgtEl>
+                                          <p:spTgt spid="338">
+                                            <p:txEl>
+                                              <p:pRg st="8" end="8"/>
+                                            </p:txEl>
+                                          </p:spTgt>
+                                        </p:tgtEl>
+                                      </p:cBhvr>
+                                    </p:animEffect>
+                                  </p:childTnLst>
+                                </p:cTn>
+                              </p:par>
+                              <p:par>
+                                <p:cTn id="48" presetID="10" presetClass="entr" presetSubtype="0" fill="hold" grpId="0" nodeType="withEffect">
+                                  <p:stCondLst>
+                                    <p:cond delay="0"/>
+                                  </p:stCondLst>
+                                  <p:childTnLst>
+                                    <p:set>
+                                      <p:cBhvr>
+                                        <p:cTn id="49" dur="1" fill="hold">
+                                          <p:stCondLst>
+                                            <p:cond delay="0"/>
+                                          </p:stCondLst>
+                                        </p:cTn>
+                                        <p:tgtEl>
+                                          <p:spTgt spid="338">
+                                            <p:txEl>
+                                              <p:pRg st="9" end="9"/>
+                                            </p:txEl>
+                                          </p:spTgt>
+                                        </p:tgtEl>
+                                        <p:attrNameLst>
+                                          <p:attrName>style.visibility</p:attrName>
+                                        </p:attrNameLst>
+                                      </p:cBhvr>
+                                      <p:to>
+                                        <p:strVal val="visible"/>
+                                      </p:to>
+                                    </p:set>
+                                    <p:animEffect transition="in" filter="fade">
+                                      <p:cBhvr>
+                                        <p:cTn id="50" dur="500"/>
+                                        <p:tgtEl>
+                                          <p:spTgt spid="338">
+                                            <p:txEl>
+                                              <p:pRg st="9" end="9"/>
+                                            </p:txEl>
+                                          </p:spTgt>
+                                        </p:tgtEl>
+                                      </p:cBhvr>
+                                    </p:animEffect>
+                                  </p:childTnLst>
+                                </p:cTn>
+                              </p:par>
+                              <p:par>
+                                <p:cTn id="51" presetID="10" presetClass="entr" presetSubtype="0" fill="hold" grpId="0" nodeType="withEffect">
+                                  <p:stCondLst>
+                                    <p:cond delay="0"/>
+                                  </p:stCondLst>
+                                  <p:childTnLst>
+                                    <p:set>
+                                      <p:cBhvr>
+                                        <p:cTn id="52" dur="1" fill="hold">
+                                          <p:stCondLst>
+                                            <p:cond delay="0"/>
+                                          </p:stCondLst>
+                                        </p:cTn>
+                                        <p:tgtEl>
+                                          <p:spTgt spid="338">
+                                            <p:txEl>
+                                              <p:pRg st="10" end="10"/>
+                                            </p:txEl>
+                                          </p:spTgt>
+                                        </p:tgtEl>
+                                        <p:attrNameLst>
+                                          <p:attrName>style.visibility</p:attrName>
+                                        </p:attrNameLst>
+                                      </p:cBhvr>
+                                      <p:to>
+                                        <p:strVal val="visible"/>
+                                      </p:to>
+                                    </p:set>
+                                    <p:animEffect transition="in" filter="fade">
+                                      <p:cBhvr>
+                                        <p:cTn id="53" dur="500"/>
+                                        <p:tgtEl>
+                                          <p:spTgt spid="338">
+                                            <p:txEl>
+                                              <p:pRg st="10" end="10"/>
+                                            </p:txEl>
+                                          </p:spTgt>
+                                        </p:tgtEl>
+                                      </p:cBhvr>
+                                    </p:animEffect>
+                                  </p:childTnLst>
+                                </p:cTn>
+                              </p:par>
+                            </p:childTnLst>
+                          </p:cTn>
+                        </p:par>
+                        <p:par>
+                          <p:cTn id="54" fill="hold">
+                            <p:stCondLst>
+                              <p:cond delay="500"/>
+                            </p:stCondLst>
+                            <p:childTnLst>
+                              <p:par>
+                                <p:cTn id="55" presetID="10" presetClass="entr" presetSubtype="0" fill="hold" grpId="0" nodeType="afterEffect">
+                                  <p:stCondLst>
+                                    <p:cond delay="0"/>
+                                  </p:stCondLst>
+                                  <p:childTnLst>
+                                    <p:set>
+                                      <p:cBhvr>
+                                        <p:cTn id="56" dur="1" fill="hold">
+                                          <p:stCondLst>
+                                            <p:cond delay="0"/>
+                                          </p:stCondLst>
+                                        </p:cTn>
+                                        <p:tgtEl>
+                                          <p:spTgt spid="24"/>
+                                        </p:tgtEl>
+                                        <p:attrNameLst>
+                                          <p:attrName>style.visibility</p:attrName>
+                                        </p:attrNameLst>
+                                      </p:cBhvr>
+                                      <p:to>
+                                        <p:strVal val="visible"/>
+                                      </p:to>
+                                    </p:set>
+                                    <p:animEffect transition="in" filter="fade">
+                                      <p:cBhvr>
+                                        <p:cTn id="57" dur="500"/>
+                                        <p:tgtEl>
+                                          <p:spTgt spid="24"/>
+                                        </p:tgtEl>
+                                      </p:cBhvr>
+                                    </p:animEffect>
+                                  </p:childTnLst>
+                                </p:cTn>
+                              </p:par>
+                            </p:childTnLst>
+                          </p:cTn>
+                        </p:par>
+                      </p:childTnLst>
+                    </p:cTn>
+                  </p:par>
+                </p:childTnLst>
+              </p:cTn>
+              <p:prevCondLst>
+                <p:cond evt="onPrev" delay="0">
+                  <p:tgtEl>
+                    <p:sldTgt/>
+                  </p:tgtEl>
+                </p:cond>
+              </p:prevCondLst>
+              <p:nextCondLst>
+                <p:cond evt="onNext" delay="0">
+                  <p:tgtEl>
+                    <p:sldTgt/>
+                  </p:tgtEl>
+                </p:cond>
+              </p:nextCondLst>
+            </p:seq>
+          </p:childTnLst>
+        </p:cTn>
+      </p:par>
+    </p:tnLst>
+    <p:bldLst>
+      <p:bldP spid="338" grpId="0" uiExpand="1" build="p"/>
+      <p:bldP spid="340" grpId="0"/>
+      <p:bldP spid="346" grpId="0"/>
+      <p:bldP spid="24" grpId="0" animBg="1"/>
+    </p:bldLst>
+  </p:timing>
+</p:sld>
+</file>
+
+<file path=ppt/slides/slide6.xml><?xml version="1.0" encoding="utf-8"?>
+<p:sld xmlns:a="http://schemas.openxmlformats.org/drawingml/2006/main" xmlns:r="http://schemas.openxmlformats.org/officeDocument/2006/relationships" xmlns:p="http://schemas.openxmlformats.org/presentationml/2006/main">
+  <p:cSld>
+    <p:spTree>
+      <p:nvGrpSpPr>
+        <p:cNvPr id="1" name="Shape 337"/>
+        <p:cNvGrpSpPr/>
+        <p:nvPr/>
+      </p:nvGrpSpPr>
+      <p:grpSpPr>
+        <a:xfrm>
+          <a:off x="0" y="0"/>
+          <a:ext cx="0" cy="0"/>
+          <a:chOff x="0" y="0"/>
+          <a:chExt cx="0" cy="0"/>
+        </a:xfrm>
+      </p:grpSpPr>
+      <mc:AlternateContent xmlns:mc="http://schemas.openxmlformats.org/markup-compatibility/2006">
+        <mc:Choice xmlns:a14="http://schemas.microsoft.com/office/drawing/2010/main" Requires="a14">
+          <p:sp>
+            <p:nvSpPr>
+              <p:cNvPr id="338" name="Google Shape;338;p37"/>
+              <p:cNvSpPr txBox="1">
+                <a:spLocks noGrp="1"/>
+              </p:cNvSpPr>
+              <p:nvPr>
+                <p:ph type="body" idx="1"/>
+              </p:nvPr>
+            </p:nvSpPr>
+            <p:spPr>
+              <a:xfrm>
+                <a:off x="160733" y="963200"/>
+                <a:ext cx="7093507" cy="5452800"/>
+              </a:xfrm>
+              <a:prstGeom prst="rect">
+                <a:avLst/>
+              </a:prstGeom>
+            </p:spPr>
+            <p:txBody>
+              <a:bodyPr spcFirstLastPara="1" wrap="square" lIns="121900" tIns="121900" rIns="121900" bIns="121900" anchor="t" anchorCtr="0">
+                <a:normAutofit/>
+              </a:bodyPr>
+              <a:lstStyle/>
+              <a:p>
+                <a:pPr marL="285750" indent="-285750"/>
+                <a:r>
+                  <a:rPr lang="en-IN" dirty="0"/>
+                  <a:t>Generalized Langevin Model</a:t>
+                </a:r>
+                <a:r>
+                  <a:rPr lang="en-IN" baseline="30000" dirty="0"/>
+                  <a:t>[1]</a:t>
+                </a:r>
+                <a:endParaRPr lang="en-IN" dirty="0"/>
+              </a:p>
+              <a:p>
+                <a:pPr marL="895335" lvl="1" indent="-285750"/>
+                <a:r>
+                  <a:rPr lang="en-IN" dirty="0"/>
+                  <a:t>Prescribed the particle velocity as a random process</a:t>
+                </a:r>
+              </a:p>
+              <a:p>
+                <a:pPr marL="895335" lvl="1" indent="-285750"/>
+                <a:r>
+                  <a:rPr lang="en-IN" dirty="0"/>
+                  <a:t>Acceleration </a:t>
+                </a:r>
+                <a:r>
+                  <a:rPr lang="en-IN" dirty="0">
+                    <a:sym typeface="Wingdings" panose="05000000000000000000" pitchFamily="2" charset="2"/>
+                  </a:rPr>
+                  <a:t> Function of a random vector </a:t>
+                </a:r>
+                <a:r>
+                  <a:rPr lang="en-IN" i="1" dirty="0">
+                    <a:sym typeface="Wingdings" panose="05000000000000000000" pitchFamily="2" charset="2"/>
+                  </a:rPr>
+                  <a:t>(non-correlated with velocity)</a:t>
+                </a:r>
+                <a:endParaRPr lang="en-IN" i="1" dirty="0"/>
+              </a:p>
+              <a:p>
+                <a:pPr marL="895335" lvl="1" indent="-285750"/>
+                <a:r>
+                  <a:rPr lang="en-IN" dirty="0">
+                    <a:sym typeface="Wingdings" panose="05000000000000000000" pitchFamily="2" charset="2"/>
+                  </a:rPr>
+                  <a:t>Simulated Poiseuille flow </a:t>
+                </a:r>
+                <a14:m>
+                  <m:oMath xmlns:m="http://schemas.openxmlformats.org/officeDocument/2006/math">
+                    <m:r>
+                      <a:rPr lang="en-IN" i="1" dirty="0">
+                        <a:latin typeface="Cambria Math" panose="02040503050406030204" pitchFamily="18" charset="0"/>
+                        <a:sym typeface="Wingdings" panose="05000000000000000000" pitchFamily="2" charset="2"/>
+                      </a:rPr>
+                      <m:t>(</m:t>
+                    </m:r>
+                    <m:r>
+                      <a:rPr lang="en-IN" i="1" dirty="0">
+                        <a:latin typeface="Cambria Math" panose="02040503050406030204" pitchFamily="18" charset="0"/>
+                        <a:sym typeface="Wingdings" panose="05000000000000000000" pitchFamily="2" charset="2"/>
+                      </a:rPr>
+                      <m:t>𝑅𝑒</m:t>
+                    </m:r>
+                    <m:r>
+                      <a:rPr lang="en-IN" i="1" dirty="0">
+                        <a:latin typeface="Cambria Math" panose="02040503050406030204" pitchFamily="18" charset="0"/>
+                        <a:sym typeface="Wingdings" panose="05000000000000000000" pitchFamily="2" charset="2"/>
+                      </a:rPr>
+                      <m:t> = 6.4×</m:t>
+                    </m:r>
+                    <m:sSup>
+                      <m:sSupPr>
+                        <m:ctrlPr>
+                          <a:rPr lang="en-IN" i="1" dirty="0">
+                            <a:latin typeface="Cambria Math" panose="02040503050406030204" pitchFamily="18" charset="0"/>
+                            <a:sym typeface="Wingdings" panose="05000000000000000000" pitchFamily="2" charset="2"/>
+                          </a:rPr>
+                        </m:ctrlPr>
+                      </m:sSupPr>
+                      <m:e>
+                        <m:r>
+                          <a:rPr lang="en-IN" i="1" dirty="0">
+                            <a:latin typeface="Cambria Math" panose="02040503050406030204" pitchFamily="18" charset="0"/>
+                            <a:sym typeface="Wingdings" panose="05000000000000000000" pitchFamily="2" charset="2"/>
+                          </a:rPr>
+                          <m:t>10</m:t>
+                        </m:r>
+                      </m:e>
+                      <m:sup>
+                        <m:r>
+                          <a:rPr lang="en-IN" i="1" dirty="0">
+                            <a:latin typeface="Cambria Math" panose="02040503050406030204" pitchFamily="18" charset="0"/>
+                            <a:sym typeface="Wingdings" panose="05000000000000000000" pitchFamily="2" charset="2"/>
+                          </a:rPr>
+                          <m:t>4</m:t>
+                        </m:r>
+                      </m:sup>
+                    </m:sSup>
+                    <m:r>
+                      <a:rPr lang="en-IN" i="1" dirty="0">
+                        <a:latin typeface="Cambria Math" panose="02040503050406030204" pitchFamily="18" charset="0"/>
+                        <a:sym typeface="Wingdings" panose="05000000000000000000" pitchFamily="2" charset="2"/>
+                      </a:rPr>
+                      <m:t>)</m:t>
+                    </m:r>
+                  </m:oMath>
+                </a14:m>
+                <a:endParaRPr lang="en-IN" dirty="0"/>
+              </a:p>
+              <a:p>
+                <a:pPr marL="895335" lvl="1" indent="-285750"/>
+                <a:endParaRPr lang="en-IN" dirty="0"/>
+              </a:p>
+              <a:p>
+                <a:pPr marL="895335" lvl="1" indent="-285750"/>
+                <a:r>
+                  <a:rPr lang="en-IN" dirty="0">
+                    <a:solidFill>
+                      <a:srgbClr val="0070C0"/>
+                    </a:solidFill>
+                  </a:rPr>
+                  <a:t>Comments</a:t>
+                </a:r>
+              </a:p>
+              <a:p>
+                <a:pPr marL="1504919" lvl="2" indent="-285750"/>
+                <a:r>
+                  <a:rPr lang="en-US" dirty="0"/>
+                  <a:t>Mean operator appeared to behave like a LES filter</a:t>
+                </a:r>
+                <a:endParaRPr lang="en-IN" dirty="0"/>
+              </a:p>
+              <a:p>
+                <a:pPr marL="1504919" lvl="2" indent="-285750"/>
+                <a:r>
+                  <a:rPr lang="en-IN" dirty="0"/>
+                  <a:t>Large deviations observed in mean velocity profile </a:t>
+                </a:r>
+                <a14:m>
+                  <m:oMath xmlns:m="http://schemas.openxmlformats.org/officeDocument/2006/math">
+                    <m:r>
+                      <a:rPr lang="en-IN" b="0" i="1" smtClean="0">
+                        <a:latin typeface="Cambria Math" panose="02040503050406030204" pitchFamily="18" charset="0"/>
+                      </a:rPr>
+                      <m:t>(∝</m:t>
+                    </m:r>
+                    <m:sSup>
+                      <m:sSupPr>
+                        <m:ctrlPr>
+                          <a:rPr lang="en-IN" b="0" i="1" smtClean="0">
+                            <a:latin typeface="Cambria Math" panose="02040503050406030204" pitchFamily="18" charset="0"/>
+                          </a:rPr>
+                        </m:ctrlPr>
+                      </m:sSupPr>
+                      <m:e>
+                        <m:r>
+                          <a:rPr lang="en-IN" b="0" i="1" smtClean="0">
+                            <a:latin typeface="Cambria Math" panose="02040503050406030204" pitchFamily="18" charset="0"/>
+                          </a:rPr>
+                          <m:t>𝑘</m:t>
+                        </m:r>
+                      </m:e>
+                      <m:sup>
+                        <m:r>
+                          <a:rPr lang="en-IN" b="0" i="1" smtClean="0">
+                            <a:latin typeface="Cambria Math" panose="02040503050406030204" pitchFamily="18" charset="0"/>
+                          </a:rPr>
+                          <m:t>0.5</m:t>
+                        </m:r>
+                      </m:sup>
+                    </m:sSup>
+                    <m:r>
+                      <a:rPr lang="en-IN" b="0" i="1" smtClean="0">
+                        <a:latin typeface="Cambria Math" panose="02040503050406030204" pitchFamily="18" charset="0"/>
+                      </a:rPr>
+                      <m:t>)</m:t>
+                    </m:r>
+                  </m:oMath>
+                </a14:m>
+                <a:endParaRPr lang="en-IN" dirty="0"/>
+              </a:p>
+              <a:p>
+                <a:pPr marL="1504919" lvl="2" indent="-285750"/>
+                <a:r>
+                  <a:rPr lang="en-IN" dirty="0"/>
+                  <a:t>Can be generalized to various types of turbulent flows, &amp; not only shear flows</a:t>
+                </a:r>
+              </a:p>
+              <a:p>
+                <a:pPr marL="609585" lvl="1" indent="0">
+                  <a:buNone/>
+                </a:pPr>
+                <a:endParaRPr lang="en-IN" dirty="0"/>
+              </a:p>
+              <a:p>
+                <a:pPr marL="895335" lvl="1" indent="-285750"/>
+                <a:endParaRPr lang="en-IN" dirty="0"/>
+              </a:p>
+              <a:p>
+                <a:pPr marL="895335" lvl="1" indent="-285750"/>
+                <a:endParaRPr lang="en-IN" dirty="0"/>
+              </a:p>
+              <a:p>
+                <a:pPr marL="895335" lvl="1" indent="-285750"/>
+                <a:endParaRPr lang="en-IN" dirty="0"/>
+              </a:p>
+              <a:p>
+                <a:pPr marL="895335" lvl="1" indent="-285750"/>
+                <a:endParaRPr dirty="0"/>
+              </a:p>
+            </p:txBody>
+          </p:sp>
+        </mc:Choice>
+        <mc:Fallback>
+          <p:sp>
+            <p:nvSpPr>
+              <p:cNvPr id="338" name="Google Shape;338;p37"/>
+              <p:cNvSpPr txBox="1">
+                <a:spLocks noGrp="1" noRot="1" noChangeAspect="1" noMove="1" noResize="1" noEditPoints="1" noAdjustHandles="1" noChangeArrowheads="1" noChangeShapeType="1" noTextEdit="1"/>
+              </p:cNvSpPr>
+              <p:nvPr>
+                <p:ph type="body" idx="1"/>
+              </p:nvPr>
+            </p:nvSpPr>
+            <p:spPr>
+              <a:xfrm>
+                <a:off x="160733" y="963200"/>
+                <a:ext cx="7093507" cy="5452800"/>
+              </a:xfrm>
+              <a:prstGeom prst="rect">
+                <a:avLst/>
+              </a:prstGeom>
+              <a:blipFill>
+                <a:blip r:embed="rId4"/>
+                <a:stretch>
+                  <a:fillRect l="-258" r="-86"/>
+                </a:stretch>
+              </a:blipFill>
+            </p:spPr>
+            <p:txBody>
+              <a:bodyPr/>
+              <a:lstStyle/>
+              <a:p>
+                <a:r>
+                  <a:rPr lang="en-IN">
+                    <a:noFill/>
+                  </a:rPr>
+                  <a:t> </a:t>
+                </a:r>
+              </a:p>
+            </p:txBody>
+          </p:sp>
+        </mc:Fallback>
+      </mc:AlternateContent>
+      <p:sp>
+        <p:nvSpPr>
+          <p:cNvPr id="339" name="Google Shape;339;p37"/>
+          <p:cNvSpPr/>
+          <p:nvPr/>
+        </p:nvSpPr>
+        <p:spPr>
+          <a:xfrm>
+            <a:off x="13400" y="0"/>
+            <a:ext cx="12192000" cy="763600"/>
+          </a:xfrm>
+          <a:prstGeom prst="rect">
+            <a:avLst/>
+          </a:prstGeom>
+          <a:solidFill>
+            <a:schemeClr val="lt2"/>
+          </a:solidFill>
+          <a:ln w="9525" cap="flat" cmpd="sng">
+            <a:solidFill>
+              <a:schemeClr val="dk2"/>
+            </a:solidFill>
+            <a:prstDash val="solid"/>
+            <a:round/>
+            <a:headEnd type="none" w="sm" len="sm"/>
+            <a:tailEnd type="none" w="sm" len="sm"/>
+          </a:ln>
+        </p:spPr>
+        <p:txBody>
+          <a:bodyPr spcFirstLastPara="1" wrap="square" lIns="121900" tIns="121900" rIns="121900" bIns="121900" anchor="ctr" anchorCtr="0">
+            <a:noAutofit/>
+          </a:bodyPr>
+          <a:lstStyle/>
+          <a:p>
+            <a:endParaRPr sz="1867"/>
+          </a:p>
+        </p:txBody>
+      </p:sp>
+      <p:sp>
+        <p:nvSpPr>
+          <p:cNvPr id="340" name="Google Shape;340;p37"/>
+          <p:cNvSpPr txBox="1">
+            <a:spLocks noGrp="1"/>
+          </p:cNvSpPr>
+          <p:nvPr>
+            <p:ph type="title"/>
+          </p:nvPr>
+        </p:nvSpPr>
+        <p:spPr>
+          <a:xfrm>
+            <a:off x="160733" y="0"/>
+            <a:ext cx="11867600" cy="763600"/>
+          </a:xfrm>
+          <a:prstGeom prst="rect">
+            <a:avLst/>
+          </a:prstGeom>
+        </p:spPr>
+        <p:txBody>
+          <a:bodyPr spcFirstLastPara="1" wrap="square" lIns="121900" tIns="121900" rIns="121900" bIns="121900" anchor="ctr" anchorCtr="0">
+            <a:normAutofit/>
+          </a:bodyPr>
+          <a:lstStyle/>
+          <a:p>
+            <a:r>
+              <a:rPr lang="en-IN" b="1" dirty="0"/>
+              <a:t>Viscosity-based Models</a:t>
+            </a:r>
+            <a:endParaRPr b="1" dirty="0"/>
+          </a:p>
+        </p:txBody>
+      </p:sp>
+      <p:sp>
+        <p:nvSpPr>
+          <p:cNvPr id="341" name="Google Shape;341;p37"/>
+          <p:cNvSpPr txBox="1">
+            <a:spLocks noGrp="1"/>
+          </p:cNvSpPr>
+          <p:nvPr>
+            <p:ph type="sldNum" idx="12"/>
+          </p:nvPr>
+        </p:nvSpPr>
+        <p:spPr>
+          <a:xfrm>
+            <a:off x="11296744" y="6333189"/>
+            <a:ext cx="731600" cy="524800"/>
+          </a:xfrm>
+          <a:prstGeom prst="rect">
+            <a:avLst/>
+          </a:prstGeom>
+        </p:spPr>
+        <p:txBody>
+          <a:bodyPr spcFirstLastPara="1" wrap="square" lIns="121900" tIns="121900" rIns="121900" bIns="121900" anchor="ctr" anchorCtr="0">
+            <a:normAutofit/>
+          </a:bodyPr>
+          <a:lstStyle/>
+          <a:p>
+            <a:fld id="{00000000-1234-1234-1234-123412341234}" type="slidenum">
+              <a:rPr lang="en"/>
+              <a:pPr/>
+              <a:t>6</a:t>
+            </a:fld>
+            <a:endParaRPr/>
+          </a:p>
+        </p:txBody>
+      </p:sp>
+      <p:pic>
+        <p:nvPicPr>
+          <p:cNvPr id="11" name="Picture 10" descr="\documentclass{article}&#10;\usepackage{bbm}&#10;\usepackage{bm}&#10;\usepackage{amsmath}&#10;\usepackage{amssymb}&#10;\pagestyle{empty}&#10;&#10;% --------------------------------&#10;%% Custom Math Commands&#10;% --------------------------------&#10;\newcommand{\abs}[1]{\mid #1 \mid}&#10;&#10;\newcommand{\bb}[1]{\mathbb{#1}}&#10;&#10;\newcommand{\LagDerivative}[2][t]{\frac{\operatorname{D} #2}{\operatorname{D} #1}}&#10;&#10;\newcommand{\PartialDerivative}[2][t]{\frac{\partial #2}{\partial #1}}&#10;&#10;\newcommand{\vect}[1]{\mathbf{#1}}&#10;&#10;\newcommand{\tensor}[1]{\underline{\bm{#1}}}&#10;&#10;\newcommand{\WIJ}{W_{h, ij}}&#10;&#10;\newcommand{\DWIJ}{\nabla_{i} W_{h, ij}}&#10;&#10;\newcommand{\VIJ}{\vect{v}_{ij}}&#10;&#10;\newcommand{\RIJ}{\vect{r}_{ij}}&#10;&#10;\newcommand{\RtwoIJ}[1][2]{\abs{\vect{r}_{ij}}^{#1}}&#10;&#10;\newcommand{\VtwoIJ}[1][2]{\abs{\vect{v}_{ij}}^{#1}}&#10;&#10;\newcommand{\MachineEpsilon}{\bm{\xi}}&#10;&#10;\newcommand{\EncAngBrk}[2][]{#1\langle #2 #1\rangle}&#10;&#10;\newcommand{\RAProp}[1]{\EncAngBrk{#1}}&#10;&#10;\newcommand{\FrobeniusInnerProduct}[2]{\EncAngBrk{\tensor{#1}, \tensor{#2}}}&#10;&#10;\newcommand{\FrobeniusNorm}[1]{||\tensor{#1}||_F}&#10;&#10;\newcommand{\BasisVect}[1][i]{\hat{\vect{e}}_{#1}}&#10;&#10;\newcommand{\HalfFrac}{\frac{1}{2}}&#10;&#10;\newcommand{\Vol}[1][V]{\mathcal{#1}}&#10;&#10;\newcommand{\Vorticity}{\bm{\omega}}&#10;&#10;\newcommand{\Boundary}{\bm{\Omega}}&#10;&#10;\newcommand{\WaveNumber}{\mathrm{k}}&#10;&#10;\newcommand{\WaveNumberVector}{\vect{k}}&#10;&#10;\newcommand{\TildeR}{\widetilde{\vect{r}}}&#10;&#10;\newcommand{\TildeV}{\widetilde{\vect{v}}}&#10;&#10;\newcommand{\TildeDeltaV}{\delta\TildeV}&#10;&#10;\newcommand{\TildeRho}{\widetilde{\rho}}&#10;&#10;\newcommand{\TildeP}{\widetilde{P}}&#10;&#10;\newcommand{\IntRThreeAndT}{\int_{\mathbb{R}^3}&#10;\int_{-\infty}^{\infty}}&#10;&#10;\newcommand{\SciNot}[3][10]{#2 \times {#1}^{#3}}&#10;&#10;\newcommand{\IntD}{d \tau d V_y}&#10;&#10;\newcommand{\TilePArgRp}{\TildeP(\TildeR_p, t)}&#10;&#10;\newcommand{\PhiRY}{\phi (\TildeR_p(t)-\vect{y}, t-\tau)}&#10;&#10;\newcommand{\PY}{P(\vect{y}, \tau)}&#10;&#10;\newcommand{\VY}{\vect{v}(\vect{y}, \tau)}&#10;&#10;\newcommand{\TildeVArgRp}{\TildeV (\TildeR_p, t)}&#10;&#10;% --------------------------------&#10;%% Equations&#10;% --------------------------------&#10;\begin{document}&#10;&#10;\begin{align*}&#10;\LagDerivative{\vect{v}_i} = -\sum_j m_j \bigg( \frac{\RAProp{P}_i}{\rho_i^2} + \frac{\RAProp{P}_j}{\rho_j^2} \bigg) \DWIJ - \\ \HalfFrac C_1 \frac{\epsilon_i}{k_i} \vect{v}'_i + C_2 \nabla \RAProp{\vect{v}}_i \cdot \vect{v}'_i + \sqrt{\frac{C_0 \epsilon_i}{\Delta t}} \Vec{\xi}_i&#10;\end{align*}&#10;&#10;\begin{equation*}&#10;    \epsilon_i = 2 \nu_{t, i} + &#10;    \FrobeniusNorm{S_i}^2&#10;\end{equation*}&#10;&#10;\begin{equation*}&#10;    k_i = \frac{\epsilon_i \nu_{t, i}}{C_{\mu}} \quad , \quad C_{\mu} = 0.009&#10;\end{equation*}&#10;&#10;\end{document}" title="IguanaTex Bitmap Display">
+            <a:extLst>
+              <a:ext uri="{FF2B5EF4-FFF2-40B4-BE49-F238E27FC236}">
+                <a16:creationId xmlns:a16="http://schemas.microsoft.com/office/drawing/2014/main" id="{8F3ED3FD-9C82-F751-0058-9D1A6D9580B6}"/>
+              </a:ext>
+            </a:extLst>
+          </p:cNvPr>
+          <p:cNvPicPr>
+            <a:picLocks noChangeAspect="1"/>
+          </p:cNvPicPr>
+          <p:nvPr>
+            <p:custDataLst>
+              <p:tags r:id="rId1"/>
+            </p:custDataLst>
+          </p:nvPr>
+        </p:nvPicPr>
+        <p:blipFill>
+          <a:blip r:embed="rId5">
+            <a:extLst>
+              <a:ext uri="{28A0092B-C50C-407E-A947-70E740481C1C}">
+                <a14:useLocalDpi xmlns:a14="http://schemas.microsoft.com/office/drawing/2010/main" val="0"/>
+              </a:ext>
+            </a:extLst>
+          </a:blip>
+          <a:stretch>
+            <a:fillRect/>
+          </a:stretch>
+        </p:blipFill>
+        <p:spPr>
+          <a:xfrm>
+            <a:off x="8673717" y="4241406"/>
+            <a:ext cx="2903250" cy="1939923"/>
+          </a:xfrm>
+          <a:prstGeom prst="rect">
+            <a:avLst/>
+          </a:prstGeom>
+        </p:spPr>
+      </p:pic>
+      <p:sp>
+        <p:nvSpPr>
+          <p:cNvPr id="2" name="Google Shape;346;p37">
+            <a:extLst>
+              <a:ext uri="{FF2B5EF4-FFF2-40B4-BE49-F238E27FC236}">
+                <a16:creationId xmlns:a16="http://schemas.microsoft.com/office/drawing/2014/main" id="{681A3CAD-F35B-816E-97F5-DED9033980C6}"/>
+              </a:ext>
+            </a:extLst>
+          </p:cNvPr>
+          <p:cNvSpPr txBox="1"/>
+          <p:nvPr/>
+        </p:nvSpPr>
+        <p:spPr>
+          <a:xfrm>
+            <a:off x="0" y="6292561"/>
+            <a:ext cx="9910400" cy="574604"/>
+          </a:xfrm>
+          <a:prstGeom prst="rect">
+            <a:avLst/>
+          </a:prstGeom>
+          <a:noFill/>
+          <a:ln>
+            <a:noFill/>
+          </a:ln>
+        </p:spPr>
+        <p:txBody>
+          <a:bodyPr spcFirstLastPara="1" wrap="square" lIns="121900" tIns="121900" rIns="121900" bIns="121900" anchor="t" anchorCtr="0">
+            <a:spAutoFit/>
+          </a:bodyPr>
+          <a:lstStyle/>
+          <a:p>
+            <a:r>
+              <a:rPr lang="en-US" sz="1067" dirty="0">
+                <a:solidFill>
+                  <a:schemeClr val="accent3"/>
+                </a:solidFill>
+                <a:latin typeface="Proxima Nova"/>
+                <a:ea typeface="Proxima Nova"/>
+                <a:cs typeface="Proxima Nova"/>
+                <a:sym typeface="Proxima Nova"/>
+              </a:rPr>
+              <a:t>[1] D. VIOLEAU, S. PICCON, and J.-P. CHABARD, “TWO ATTEMPTS OF TURBULENCE MODELLING IN SMOOTHED PARTICLE HYDRODYNAMICS,” in Advances in Fluid Modeling and Turbulence Measurements, Jul. 2002, vol. 1, no. 5, pp. 339–346, </a:t>
+            </a:r>
+            <a:r>
+              <a:rPr lang="en-US" sz="1067" dirty="0" err="1">
+                <a:solidFill>
+                  <a:schemeClr val="accent3"/>
+                </a:solidFill>
+                <a:latin typeface="Proxima Nova"/>
+                <a:ea typeface="Proxima Nova"/>
+                <a:cs typeface="Proxima Nova"/>
+                <a:sym typeface="Proxima Nova"/>
+              </a:rPr>
+              <a:t>doi</a:t>
+            </a:r>
+            <a:r>
+              <a:rPr lang="en-US" sz="1067" dirty="0">
+                <a:solidFill>
+                  <a:schemeClr val="accent3"/>
+                </a:solidFill>
+                <a:latin typeface="Proxima Nova"/>
+                <a:ea typeface="Proxima Nova"/>
+                <a:cs typeface="Proxima Nova"/>
+                <a:sym typeface="Proxima Nova"/>
+              </a:rPr>
+              <a:t>: 10.1142/9789812777591_0041.</a:t>
+            </a:r>
+          </a:p>
+        </p:txBody>
+      </p:sp>
+      <p:grpSp>
+        <p:nvGrpSpPr>
+          <p:cNvPr id="6" name="Group 5">
+            <a:extLst>
+              <a:ext uri="{FF2B5EF4-FFF2-40B4-BE49-F238E27FC236}">
+                <a16:creationId xmlns:a16="http://schemas.microsoft.com/office/drawing/2014/main" id="{627E7D5A-84D4-55E3-9275-3E69F793440C}"/>
+              </a:ext>
+            </a:extLst>
+          </p:cNvPr>
+          <p:cNvGrpSpPr/>
+          <p:nvPr/>
+        </p:nvGrpSpPr>
+        <p:grpSpPr>
+          <a:xfrm>
+            <a:off x="8094436" y="918746"/>
+            <a:ext cx="4061812" cy="3251846"/>
+            <a:chOff x="7914978" y="963200"/>
+            <a:chExt cx="4061812" cy="3251846"/>
+          </a:xfrm>
+        </p:grpSpPr>
+        <p:pic>
+          <p:nvPicPr>
+            <p:cNvPr id="4" name="Picture 3">
+              <a:extLst>
+                <a:ext uri="{FF2B5EF4-FFF2-40B4-BE49-F238E27FC236}">
+                  <a16:creationId xmlns:a16="http://schemas.microsoft.com/office/drawing/2014/main" id="{8318B254-BBAA-534B-51DB-00E4D067DAB5}"/>
+                </a:ext>
+              </a:extLst>
+            </p:cNvPr>
+            <p:cNvPicPr>
+              <a:picLocks noChangeAspect="1"/>
+            </p:cNvPicPr>
+            <p:nvPr/>
+          </p:nvPicPr>
+          <p:blipFill>
+            <a:blip r:embed="rId6">
+              <a:extLst>
+                <a:ext uri="{28A0092B-C50C-407E-A947-70E740481C1C}">
+                  <a14:useLocalDpi xmlns:a14="http://schemas.microsoft.com/office/drawing/2010/main" val="0"/>
+                </a:ext>
+              </a:extLst>
+            </a:blip>
+            <a:stretch>
+              <a:fillRect/>
+            </a:stretch>
+          </p:blipFill>
+          <p:spPr>
+            <a:xfrm>
+              <a:off x="7914978" y="963200"/>
+              <a:ext cx="4061812" cy="2636748"/>
+            </a:xfrm>
+            <a:prstGeom prst="rect">
+              <a:avLst/>
+            </a:prstGeom>
+          </p:spPr>
+        </p:pic>
+        <p:sp>
+          <p:nvSpPr>
+            <p:cNvPr id="5" name="TextBox 4">
+              <a:extLst>
+                <a:ext uri="{FF2B5EF4-FFF2-40B4-BE49-F238E27FC236}">
+                  <a16:creationId xmlns:a16="http://schemas.microsoft.com/office/drawing/2014/main" id="{8F1642F1-216D-23E6-6F97-7B1AB23C5BFF}"/>
+                </a:ext>
+              </a:extLst>
+            </p:cNvPr>
+            <p:cNvSpPr txBox="1"/>
+            <p:nvPr/>
+          </p:nvSpPr>
+          <p:spPr>
+            <a:xfrm>
+              <a:off x="8529152" y="3568715"/>
+              <a:ext cx="2833464" cy="646331"/>
+            </a:xfrm>
+            <a:prstGeom prst="rect">
+              <a:avLst/>
+            </a:prstGeom>
+            <a:noFill/>
+          </p:spPr>
+          <p:txBody>
+            <a:bodyPr wrap="square" rtlCol="0">
+              <a:spAutoFit/>
+            </a:bodyPr>
+            <a:lstStyle/>
+            <a:p>
+              <a:pPr algn="ctr"/>
+              <a:r>
+                <a:rPr lang="en-IN" sz="1200" b="1" dirty="0">
+                  <a:latin typeface="Proxima Nova"/>
+                </a:rPr>
+                <a:t>Fig</a:t>
+              </a:r>
+              <a:r>
+                <a:rPr lang="en-IN" sz="1200" dirty="0">
+                  <a:latin typeface="Proxima Nova"/>
+                </a:rPr>
+                <a:t>: Computed mean velocity profile of turbulent Poiseuille flow in a pipe (Rep: Violeau et al)</a:t>
+              </a:r>
+            </a:p>
+          </p:txBody>
+        </p:sp>
+      </p:grpSp>
+      <p:sp>
+        <p:nvSpPr>
+          <p:cNvPr id="12" name="Rectangle: Rounded Corners 11">
+            <a:extLst>
+              <a:ext uri="{FF2B5EF4-FFF2-40B4-BE49-F238E27FC236}">
+                <a16:creationId xmlns:a16="http://schemas.microsoft.com/office/drawing/2014/main" id="{1B66F02C-355D-01D7-50FB-21B42F3C7BA9}"/>
+              </a:ext>
+            </a:extLst>
+          </p:cNvPr>
+          <p:cNvSpPr/>
+          <p:nvPr/>
+        </p:nvSpPr>
+        <p:spPr>
+          <a:xfrm>
+            <a:off x="649926" y="2936240"/>
+            <a:ext cx="6604314" cy="2174239"/>
+          </a:xfrm>
+          <a:prstGeom prst="roundRect">
+            <a:avLst/>
+          </a:prstGeom>
+          <a:noFill/>
+          <a:ln w="38100">
+            <a:solidFill>
+              <a:schemeClr val="bg2">
+                <a:lumMod val="50000"/>
+              </a:schemeClr>
+            </a:solidFill>
+          </a:ln>
+        </p:spPr>
+        <p:style>
+          <a:lnRef idx="2">
+            <a:schemeClr val="accent1">
+              <a:shade val="50000"/>
+            </a:schemeClr>
+          </a:lnRef>
+          <a:fillRef idx="1">
+            <a:schemeClr val="accent1"/>
+          </a:fillRef>
+          <a:effectRef idx="0">
+            <a:schemeClr val="accent1"/>
+          </a:effectRef>
+          <a:fontRef idx="minor">
+            <a:schemeClr val="lt1"/>
+          </a:fontRef>
+        </p:style>
+        <p:txBody>
+          <a:bodyPr rtlCol="0" anchor="ctr"/>
+          <a:lstStyle/>
+          <a:p>
+            <a:pPr algn="ctr"/>
+            <a:endParaRPr lang="en-IN"/>
+          </a:p>
+        </p:txBody>
+      </p:sp>
+    </p:spTree>
+    <p:extLst>
+      <p:ext uri="{BB962C8B-B14F-4D97-AF65-F5344CB8AC3E}">
+        <p14:creationId xmlns:p14="http://schemas.microsoft.com/office/powerpoint/2010/main" val="403608809"/>
+      </p:ext>
+    </p:extLst>
+  </p:cSld>
+  <p:clrMapOvr>
+    <a:masterClrMapping/>
+  </p:clrMapOvr>
+  <p:timing>
+    <p:tnLst>
+      <p:par>
+        <p:cTn id="1" dur="indefinite" restart="never" nodeType="tmRoot">
+          <p:childTnLst>
+            <p:seq concurrent="1" nextAc="seek">
+              <p:cTn id="2" dur="indefinite" nodeType="mainSeq">
+                <p:childTnLst>
+                  <p:par>
+                    <p:cTn id="3" fill="hold">
+                      <p:stCondLst>
+                        <p:cond delay="indefinite"/>
+                        <p:cond evt="onBegin" delay="0">
+                          <p:tn val="2"/>
+                        </p:cond>
+                      </p:stCondLst>
+                      <p:childTnLst>
+                        <p:par>
+                          <p:cTn id="4" fill="hold">
+                            <p:stCondLst>
+                              <p:cond delay="0"/>
+                            </p:stCondLst>
+                            <p:childTnLst>
+                              <p:par>
+                                <p:cTn id="5" presetID="10" presetClass="entr" presetSubtype="0" fill="hold" grpId="0" nodeType="withEffect">
+                                  <p:stCondLst>
+                                    <p:cond delay="0"/>
+                                  </p:stCondLst>
+                                  <p:childTnLst>
+                                    <p:set>
+                                      <p:cBhvr>
+                                        <p:cTn id="6" dur="1" fill="hold">
+                                          <p:stCondLst>
+                                            <p:cond delay="0"/>
+                                          </p:stCondLst>
+                                        </p:cTn>
+                                        <p:tgtEl>
+                                          <p:spTgt spid="340"/>
+                                        </p:tgtEl>
+                                        <p:attrNameLst>
+                                          <p:attrName>style.visibility</p:attrName>
+                                        </p:attrNameLst>
+                                      </p:cBhvr>
+                                      <p:to>
+                                        <p:strVal val="visible"/>
+                                      </p:to>
+                                    </p:set>
+                                    <p:animEffect transition="in" filter="fade">
+                                      <p:cBhvr>
+                                        <p:cTn id="7" dur="500"/>
+                                        <p:tgtEl>
+                                          <p:spTgt spid="340"/>
+                                        </p:tgtEl>
+                                      </p:cBhvr>
+                                    </p:animEffect>
+                                  </p:childTnLst>
+                                </p:cTn>
+                              </p:par>
+                            </p:childTnLst>
+                          </p:cTn>
+                        </p:par>
+                      </p:childTnLst>
+                    </p:cTn>
+                  </p:par>
+                  <p:par>
+                    <p:cTn id="8" fill="hold">
+                      <p:stCondLst>
+                        <p:cond delay="indefinite"/>
+                      </p:stCondLst>
+                      <p:childTnLst>
+                        <p:par>
+                          <p:cTn id="9" fill="hold">
+                            <p:stCondLst>
+                              <p:cond delay="0"/>
+                            </p:stCondLst>
+                            <p:childTnLst>
+                              <p:par>
+                                <p:cTn id="10" presetID="10" presetClass="entr" presetSubtype="0" fill="hold" grpId="0" nodeType="clickEffect">
+                                  <p:stCondLst>
+                                    <p:cond delay="0"/>
+                                  </p:stCondLst>
+                                  <p:childTnLst>
+                                    <p:set>
+                                      <p:cBhvr>
+                                        <p:cTn id="11" dur="1" fill="hold">
+                                          <p:stCondLst>
+                                            <p:cond delay="0"/>
+                                          </p:stCondLst>
+                                        </p:cTn>
+                                        <p:tgtEl>
+                                          <p:spTgt spid="338">
+                                            <p:txEl>
+                                              <p:pRg st="0" end="0"/>
+                                            </p:txEl>
+                                          </p:spTgt>
+                                        </p:tgtEl>
+                                        <p:attrNameLst>
+                                          <p:attrName>style.visibility</p:attrName>
+                                        </p:attrNameLst>
+                                      </p:cBhvr>
+                                      <p:to>
+                                        <p:strVal val="visible"/>
+                                      </p:to>
+                                    </p:set>
+                                    <p:animEffect transition="in" filter="fade">
+                                      <p:cBhvr>
+                                        <p:cTn id="12" dur="500"/>
+                                        <p:tgtEl>
+                                          <p:spTgt spid="338">
+                                            <p:txEl>
+                                              <p:pRg st="0" end="0"/>
+                                            </p:txEl>
+                                          </p:spTgt>
+                                        </p:tgtEl>
+                                      </p:cBhvr>
+                                    </p:animEffect>
+                                  </p:childTnLst>
+                                </p:cTn>
+                              </p:par>
+                              <p:par>
+                                <p:cTn id="13" presetID="10" presetClass="entr" presetSubtype="0" fill="hold" grpId="0" nodeType="withEffect">
+                                  <p:stCondLst>
+                                    <p:cond delay="0"/>
+                                  </p:stCondLst>
+                                  <p:childTnLst>
+                                    <p:set>
+                                      <p:cBhvr>
+                                        <p:cTn id="14" dur="1" fill="hold">
+                                          <p:stCondLst>
+                                            <p:cond delay="0"/>
+                                          </p:stCondLst>
+                                        </p:cTn>
+                                        <p:tgtEl>
+                                          <p:spTgt spid="338">
+                                            <p:txEl>
+                                              <p:pRg st="1" end="1"/>
+                                            </p:txEl>
+                                          </p:spTgt>
+                                        </p:tgtEl>
+                                        <p:attrNameLst>
+                                          <p:attrName>style.visibility</p:attrName>
+                                        </p:attrNameLst>
+                                      </p:cBhvr>
+                                      <p:to>
+                                        <p:strVal val="visible"/>
+                                      </p:to>
+                                    </p:set>
+                                    <p:animEffect transition="in" filter="fade">
+                                      <p:cBhvr>
+                                        <p:cTn id="15" dur="500"/>
+                                        <p:tgtEl>
+                                          <p:spTgt spid="338">
+                                            <p:txEl>
+                                              <p:pRg st="1" end="1"/>
+                                            </p:txEl>
+                                          </p:spTgt>
+                                        </p:tgtEl>
+                                      </p:cBhvr>
+                                    </p:animEffect>
+                                  </p:childTnLst>
+                                </p:cTn>
+                              </p:par>
+                              <p:par>
+                                <p:cTn id="16" presetID="10" presetClass="entr" presetSubtype="0" fill="hold" grpId="0" nodeType="withEffect">
+                                  <p:stCondLst>
+                                    <p:cond delay="0"/>
+                                  </p:stCondLst>
+                                  <p:childTnLst>
+                                    <p:set>
+                                      <p:cBhvr>
+                                        <p:cTn id="17" dur="1" fill="hold">
+                                          <p:stCondLst>
+                                            <p:cond delay="0"/>
+                                          </p:stCondLst>
+                                        </p:cTn>
+                                        <p:tgtEl>
+                                          <p:spTgt spid="338">
+                                            <p:txEl>
+                                              <p:pRg st="2" end="2"/>
+                                            </p:txEl>
+                                          </p:spTgt>
+                                        </p:tgtEl>
+                                        <p:attrNameLst>
+                                          <p:attrName>style.visibility</p:attrName>
+                                        </p:attrNameLst>
+                                      </p:cBhvr>
+                                      <p:to>
+                                        <p:strVal val="visible"/>
+                                      </p:to>
+                                    </p:set>
+                                    <p:animEffect transition="in" filter="fade">
+                                      <p:cBhvr>
+                                        <p:cTn id="18" dur="500"/>
+                                        <p:tgtEl>
+                                          <p:spTgt spid="338">
+                                            <p:txEl>
+                                              <p:pRg st="2" end="2"/>
+                                            </p:txEl>
+                                          </p:spTgt>
+                                        </p:tgtEl>
+                                      </p:cBhvr>
+                                    </p:animEffect>
+                                  </p:childTnLst>
+                                </p:cTn>
+                              </p:par>
+                              <p:par>
+                                <p:cTn id="19" presetID="10" presetClass="entr" presetSubtype="0" fill="hold" grpId="0" nodeType="withEffect">
+                                  <p:stCondLst>
+                                    <p:cond delay="0"/>
+                                  </p:stCondLst>
+                                  <p:childTnLst>
+                                    <p:set>
+                                      <p:cBhvr>
+                                        <p:cTn id="20" dur="1" fill="hold">
+                                          <p:stCondLst>
+                                            <p:cond delay="0"/>
+                                          </p:stCondLst>
+                                        </p:cTn>
+                                        <p:tgtEl>
+                                          <p:spTgt spid="338">
+                                            <p:txEl>
+                                              <p:pRg st="3" end="3"/>
+                                            </p:txEl>
+                                          </p:spTgt>
+                                        </p:tgtEl>
+                                        <p:attrNameLst>
+                                          <p:attrName>style.visibility</p:attrName>
+                                        </p:attrNameLst>
+                                      </p:cBhvr>
+                                      <p:to>
+                                        <p:strVal val="visible"/>
+                                      </p:to>
+                                    </p:set>
+                                    <p:animEffect transition="in" filter="fade">
+                                      <p:cBhvr>
+                                        <p:cTn id="21" dur="500"/>
+                                        <p:tgtEl>
+                                          <p:spTgt spid="338">
+                                            <p:txEl>
+                                              <p:pRg st="3" end="3"/>
+                                            </p:txEl>
+                                          </p:spTgt>
+                                        </p:tgtEl>
+                                      </p:cBhvr>
+                                    </p:animEffect>
+                                  </p:childTnLst>
+                                </p:cTn>
+                              </p:par>
+                            </p:childTnLst>
+                          </p:cTn>
+                        </p:par>
+                        <p:par>
+                          <p:cTn id="22" fill="hold">
+                            <p:stCondLst>
+                              <p:cond delay="500"/>
+                            </p:stCondLst>
+                            <p:childTnLst>
+                              <p:par>
+                                <p:cTn id="23" presetID="10" presetClass="entr" presetSubtype="0" fill="hold" grpId="0" nodeType="afterEffect">
+                                  <p:stCondLst>
+                                    <p:cond delay="0"/>
+                                  </p:stCondLst>
+                                  <p:childTnLst>
+                                    <p:set>
+                                      <p:cBhvr>
+                                        <p:cTn id="24" dur="1" fill="hold">
+                                          <p:stCondLst>
+                                            <p:cond delay="0"/>
+                                          </p:stCondLst>
+                                        </p:cTn>
+                                        <p:tgtEl>
+                                          <p:spTgt spid="2"/>
+                                        </p:tgtEl>
+                                        <p:attrNameLst>
+                                          <p:attrName>style.visibility</p:attrName>
+                                        </p:attrNameLst>
+                                      </p:cBhvr>
+                                      <p:to>
+                                        <p:strVal val="visible"/>
+                                      </p:to>
+                                    </p:set>
+                                    <p:animEffect transition="in" filter="fade">
+                                      <p:cBhvr>
+                                        <p:cTn id="25" dur="500"/>
+                                        <p:tgtEl>
+                                          <p:spTgt spid="2"/>
+                                        </p:tgtEl>
+                                      </p:cBhvr>
+                                    </p:animEffect>
+                                  </p:childTnLst>
+                                </p:cTn>
+                              </p:par>
+                            </p:childTnLst>
+                          </p:cTn>
+                        </p:par>
+                        <p:par>
+                          <p:cTn id="26" fill="hold">
+                            <p:stCondLst>
+                              <p:cond delay="1000"/>
+                            </p:stCondLst>
+                            <p:childTnLst>
+                              <p:par>
+                                <p:cTn id="27" presetID="10" presetClass="entr" presetSubtype="0" fill="hold" nodeType="afterEffect">
+                                  <p:stCondLst>
+                                    <p:cond delay="0"/>
+                                  </p:stCondLst>
+                                  <p:childTnLst>
+                                    <p:set>
+                                      <p:cBhvr>
+                                        <p:cTn id="28" dur="1" fill="hold">
+                                          <p:stCondLst>
+                                            <p:cond delay="0"/>
+                                          </p:stCondLst>
+                                        </p:cTn>
+                                        <p:tgtEl>
+                                          <p:spTgt spid="11"/>
+                                        </p:tgtEl>
+                                        <p:attrNameLst>
+                                          <p:attrName>style.visibility</p:attrName>
+                                        </p:attrNameLst>
+                                      </p:cBhvr>
+                                      <p:to>
+                                        <p:strVal val="visible"/>
+                                      </p:to>
+                                    </p:set>
+                                    <p:animEffect transition="in" filter="fade">
+                                      <p:cBhvr>
+                                        <p:cTn id="29" dur="500"/>
+                                        <p:tgtEl>
+                                          <p:spTgt spid="11"/>
+                                        </p:tgtEl>
+                                      </p:cBhvr>
+                                    </p:animEffect>
+                                  </p:childTnLst>
+                                </p:cTn>
+                              </p:par>
+                            </p:childTnLst>
+                          </p:cTn>
+                        </p:par>
+                        <p:par>
+                          <p:cTn id="30" fill="hold">
+                            <p:stCondLst>
+                              <p:cond delay="1500"/>
+                            </p:stCondLst>
+                            <p:childTnLst>
+                              <p:par>
+                                <p:cTn id="31" presetID="10" presetClass="entr" presetSubtype="0" fill="hold" nodeType="afterEffect">
+                                  <p:stCondLst>
+                                    <p:cond delay="0"/>
+                                  </p:stCondLst>
+                                  <p:childTnLst>
+                                    <p:set>
+                                      <p:cBhvr>
+                                        <p:cTn id="32" dur="1" fill="hold">
+                                          <p:stCondLst>
+                                            <p:cond delay="0"/>
+                                          </p:stCondLst>
+                                        </p:cTn>
+                                        <p:tgtEl>
+                                          <p:spTgt spid="6"/>
+                                        </p:tgtEl>
+                                        <p:attrNameLst>
+                                          <p:attrName>style.visibility</p:attrName>
+                                        </p:attrNameLst>
+                                      </p:cBhvr>
+                                      <p:to>
+                                        <p:strVal val="visible"/>
+                                      </p:to>
+                                    </p:set>
+                                    <p:animEffect transition="in" filter="fade">
+                                      <p:cBhvr>
+                                        <p:cTn id="33" dur="500"/>
+                                        <p:tgtEl>
+                                          <p:spTgt spid="6"/>
+                                        </p:tgtEl>
+                                      </p:cBhvr>
+                                    </p:animEffect>
+                                  </p:childTnLst>
+                                </p:cTn>
+                              </p:par>
+                            </p:childTnLst>
+                          </p:cTn>
+                        </p:par>
+                      </p:childTnLst>
+                    </p:cTn>
+                  </p:par>
+                  <p:par>
+                    <p:cTn id="34" fill="hold">
+                      <p:stCondLst>
+                        <p:cond delay="indefinite"/>
+                      </p:stCondLst>
+                      <p:childTnLst>
+                        <p:par>
+                          <p:cTn id="35" fill="hold">
+                            <p:stCondLst>
+                              <p:cond delay="0"/>
+                            </p:stCondLst>
+                            <p:childTnLst>
+                              <p:par>
+                                <p:cTn id="36" presetID="10" presetClass="entr" presetSubtype="0" fill="hold" grpId="0" nodeType="clickEffect">
+                                  <p:stCondLst>
+                                    <p:cond delay="0"/>
+                                  </p:stCondLst>
+                                  <p:childTnLst>
+                                    <p:set>
+                                      <p:cBhvr>
+                                        <p:cTn id="37" dur="1" fill="hold">
+                                          <p:stCondLst>
+                                            <p:cond delay="0"/>
+                                          </p:stCondLst>
+                                        </p:cTn>
+                                        <p:tgtEl>
+                                          <p:spTgt spid="338">
+                                            <p:txEl>
+                                              <p:pRg st="5" end="5"/>
+                                            </p:txEl>
+                                          </p:spTgt>
+                                        </p:tgtEl>
+                                        <p:attrNameLst>
+                                          <p:attrName>style.visibility</p:attrName>
+                                        </p:attrNameLst>
+                                      </p:cBhvr>
+                                      <p:to>
+                                        <p:strVal val="visible"/>
+                                      </p:to>
+                                    </p:set>
+                                    <p:animEffect transition="in" filter="fade">
+                                      <p:cBhvr>
+                                        <p:cTn id="38" dur="500"/>
+                                        <p:tgtEl>
+                                          <p:spTgt spid="338">
+                                            <p:txEl>
+                                              <p:pRg st="5" end="5"/>
+                                            </p:txEl>
+                                          </p:spTgt>
+                                        </p:tgtEl>
+                                      </p:cBhvr>
+                                    </p:animEffect>
+                                  </p:childTnLst>
+                                </p:cTn>
+                              </p:par>
+                              <p:par>
+                                <p:cTn id="39" presetID="10" presetClass="entr" presetSubtype="0" fill="hold" grpId="0" nodeType="withEffect">
+                                  <p:stCondLst>
+                                    <p:cond delay="0"/>
+                                  </p:stCondLst>
+                                  <p:childTnLst>
+                                    <p:set>
+                                      <p:cBhvr>
+                                        <p:cTn id="40" dur="1" fill="hold">
+                                          <p:stCondLst>
+                                            <p:cond delay="0"/>
+                                          </p:stCondLst>
+                                        </p:cTn>
+                                        <p:tgtEl>
+                                          <p:spTgt spid="338">
+                                            <p:txEl>
+                                              <p:pRg st="6" end="6"/>
+                                            </p:txEl>
+                                          </p:spTgt>
+                                        </p:tgtEl>
+                                        <p:attrNameLst>
+                                          <p:attrName>style.visibility</p:attrName>
+                                        </p:attrNameLst>
+                                      </p:cBhvr>
+                                      <p:to>
+                                        <p:strVal val="visible"/>
+                                      </p:to>
+                                    </p:set>
+                                    <p:animEffect transition="in" filter="fade">
+                                      <p:cBhvr>
+                                        <p:cTn id="41" dur="500"/>
+                                        <p:tgtEl>
+                                          <p:spTgt spid="338">
+                                            <p:txEl>
+                                              <p:pRg st="6" end="6"/>
+                                            </p:txEl>
+                                          </p:spTgt>
+                                        </p:tgtEl>
+                                      </p:cBhvr>
+                                    </p:animEffect>
+                                  </p:childTnLst>
+                                </p:cTn>
+                              </p:par>
+                              <p:par>
+                                <p:cTn id="42" presetID="10" presetClass="entr" presetSubtype="0" fill="hold" grpId="0" nodeType="withEffect">
+                                  <p:stCondLst>
+                                    <p:cond delay="0"/>
+                                  </p:stCondLst>
+                                  <p:childTnLst>
+                                    <p:set>
+                                      <p:cBhvr>
+                                        <p:cTn id="43" dur="1" fill="hold">
+                                          <p:stCondLst>
+                                            <p:cond delay="0"/>
+                                          </p:stCondLst>
+                                        </p:cTn>
+                                        <p:tgtEl>
+                                          <p:spTgt spid="338">
+                                            <p:txEl>
+                                              <p:pRg st="7" end="7"/>
+                                            </p:txEl>
+                                          </p:spTgt>
+                                        </p:tgtEl>
+                                        <p:attrNameLst>
+                                          <p:attrName>style.visibility</p:attrName>
+                                        </p:attrNameLst>
+                                      </p:cBhvr>
+                                      <p:to>
+                                        <p:strVal val="visible"/>
+                                      </p:to>
+                                    </p:set>
+                                    <p:animEffect transition="in" filter="fade">
+                                      <p:cBhvr>
+                                        <p:cTn id="44" dur="500"/>
+                                        <p:tgtEl>
+                                          <p:spTgt spid="338">
+                                            <p:txEl>
+                                              <p:pRg st="7" end="7"/>
+                                            </p:txEl>
+                                          </p:spTgt>
+                                        </p:tgtEl>
+                                      </p:cBhvr>
+                                    </p:animEffect>
+                                  </p:childTnLst>
+                                </p:cTn>
+                              </p:par>
+                              <p:par>
+                                <p:cTn id="45" presetID="10" presetClass="entr" presetSubtype="0" fill="hold" grpId="0" nodeType="withEffect">
+                                  <p:stCondLst>
+                                    <p:cond delay="0"/>
+                                  </p:stCondLst>
+                                  <p:childTnLst>
+                                    <p:set>
+                                      <p:cBhvr>
+                                        <p:cTn id="46" dur="1" fill="hold">
+                                          <p:stCondLst>
+                                            <p:cond delay="0"/>
+                                          </p:stCondLst>
+                                        </p:cTn>
+                                        <p:tgtEl>
+                                          <p:spTgt spid="338">
+                                            <p:txEl>
+                                              <p:pRg st="8" end="8"/>
+                                            </p:txEl>
+                                          </p:spTgt>
+                                        </p:tgtEl>
+                                        <p:attrNameLst>
+                                          <p:attrName>style.visibility</p:attrName>
+                                        </p:attrNameLst>
+                                      </p:cBhvr>
+                                      <p:to>
+                                        <p:strVal val="visible"/>
+                                      </p:to>
+                                    </p:set>
+                                    <p:animEffect transition="in" filter="fade">
+                                      <p:cBhvr>
+                                        <p:cTn id="47" dur="500"/>
+                                        <p:tgtEl>
+                                          <p:spTgt spid="338">
+                                            <p:txEl>
+                                              <p:pRg st="8" end="8"/>
+                                            </p:txEl>
+                                          </p:spTgt>
+                                        </p:tgtEl>
+                                      </p:cBhvr>
+                                    </p:animEffect>
+                                  </p:childTnLst>
+                                </p:cTn>
+                              </p:par>
+                            </p:childTnLst>
+                          </p:cTn>
+                        </p:par>
+                        <p:par>
+                          <p:cTn id="48" fill="hold">
+                            <p:stCondLst>
+                              <p:cond delay="500"/>
+                            </p:stCondLst>
+                            <p:childTnLst>
+                              <p:par>
+                                <p:cTn id="49" presetID="10" presetClass="entr" presetSubtype="0" fill="hold" grpId="0" nodeType="afterEffect">
+                                  <p:stCondLst>
+                                    <p:cond delay="0"/>
+                                  </p:stCondLst>
+                                  <p:childTnLst>
+                                    <p:set>
+                                      <p:cBhvr>
+                                        <p:cTn id="50" dur="1" fill="hold">
+                                          <p:stCondLst>
+                                            <p:cond delay="0"/>
+                                          </p:stCondLst>
+                                        </p:cTn>
+                                        <p:tgtEl>
+                                          <p:spTgt spid="12"/>
+                                        </p:tgtEl>
+                                        <p:attrNameLst>
+                                          <p:attrName>style.visibility</p:attrName>
+                                        </p:attrNameLst>
+                                      </p:cBhvr>
+                                      <p:to>
+                                        <p:strVal val="visible"/>
+                                      </p:to>
+                                    </p:set>
+                                    <p:animEffect transition="in" filter="fade">
+                                      <p:cBhvr>
+                                        <p:cTn id="51" dur="500"/>
+                                        <p:tgtEl>
+                                          <p:spTgt spid="12"/>
+                                        </p:tgtEl>
+                                      </p:cBhvr>
+                                    </p:animEffect>
+                                  </p:childTnLst>
+                                </p:cTn>
+                              </p:par>
+                            </p:childTnLst>
+                          </p:cTn>
+                        </p:par>
+                      </p:childTnLst>
+                    </p:cTn>
+                  </p:par>
+                </p:childTnLst>
+              </p:cTn>
+              <p:prevCondLst>
+                <p:cond evt="onPrev" delay="0">
+                  <p:tgtEl>
+                    <p:sldTgt/>
+                  </p:tgtEl>
+                </p:cond>
+              </p:prevCondLst>
+              <p:nextCondLst>
+                <p:cond evt="onNext" delay="0">
+                  <p:tgtEl>
+                    <p:sldTgt/>
+                  </p:tgtEl>
+                </p:cond>
+              </p:nextCondLst>
+            </p:seq>
+          </p:childTnLst>
+        </p:cTn>
+      </p:par>
+    </p:tnLst>
+    <p:bldLst>
+      <p:bldP spid="338" grpId="0" uiExpand="1" build="p"/>
+      <p:bldP spid="340" grpId="0"/>
+      <p:bldP spid="2" grpId="0"/>
+      <p:bldP spid="12" grpId="0" animBg="1"/>
+    </p:bldLst>
+  </p:timing>
+</p:sld>
+</file>
+
+<file path=ppt/slides/slide7.xml><?xml version="1.0" encoding="utf-8"?>
+<p:sld xmlns:a="http://schemas.openxmlformats.org/drawingml/2006/main" xmlns:r="http://schemas.openxmlformats.org/officeDocument/2006/relationships" xmlns:p="http://schemas.openxmlformats.org/presentationml/2006/main">
+  <p:cSld>
+    <p:spTree>
+      <p:nvGrpSpPr>
+        <p:cNvPr id="1" name="Shape 337"/>
+        <p:cNvGrpSpPr/>
+        <p:nvPr/>
+      </p:nvGrpSpPr>
+      <p:grpSpPr>
+        <a:xfrm>
+          <a:off x="0" y="0"/>
+          <a:ext cx="0" cy="0"/>
+          <a:chOff x="0" y="0"/>
+          <a:chExt cx="0" cy="0"/>
+        </a:xfrm>
+      </p:grpSpPr>
+      <mc:AlternateContent xmlns:mc="http://schemas.openxmlformats.org/markup-compatibility/2006">
+        <mc:Choice xmlns:a14="http://schemas.microsoft.com/office/drawing/2010/main" Requires="a14">
+          <p:sp>
+            <p:nvSpPr>
+              <p:cNvPr id="338" name="Google Shape;338;p37"/>
+              <p:cNvSpPr txBox="1">
+                <a:spLocks noGrp="1"/>
+              </p:cNvSpPr>
+              <p:nvPr>
+                <p:ph type="body" idx="1"/>
+              </p:nvPr>
+            </p:nvSpPr>
+            <p:spPr>
+              <a:xfrm>
+                <a:off x="160733" y="963200"/>
+                <a:ext cx="7814867" cy="5452800"/>
+              </a:xfrm>
+              <a:prstGeom prst="rect">
+                <a:avLst/>
+              </a:prstGeom>
+            </p:spPr>
+            <p:txBody>
+              <a:bodyPr spcFirstLastPara="1" wrap="square" lIns="121900" tIns="121900" rIns="121900" bIns="121900" anchor="t" anchorCtr="0">
+                <a:noAutofit/>
+              </a:bodyPr>
+              <a:lstStyle/>
+              <a:p>
+                <a:pPr marL="285750" indent="-180000"/>
+                <a:r>
+                  <a:rPr lang="en-IN" dirty="0"/>
+                  <a:t>Modified-SPH (mSPH)</a:t>
+                </a:r>
+                <a:r>
+                  <a:rPr lang="en-IN" baseline="30000" dirty="0"/>
+                  <a:t>[1]</a:t>
+                </a:r>
+                <a:endParaRPr lang="en-IN" dirty="0"/>
+              </a:p>
+              <a:p>
+                <a:pPr marL="895335" lvl="1" indent="-180000"/>
+                <a:r>
+                  <a:rPr lang="en-IN" sz="1800" dirty="0"/>
+                  <a:t>Observation: Absence of viscosity </a:t>
+                </a:r>
+                <a:r>
+                  <a:rPr lang="en-IN" sz="1800" dirty="0">
+                    <a:sym typeface="Wingdings" panose="05000000000000000000" pitchFamily="2" charset="2"/>
+                  </a:rPr>
+                  <a:t> Noisy particle motion</a:t>
+                </a:r>
+              </a:p>
+              <a:p>
+                <a:pPr marL="895335" lvl="1" indent="-180000"/>
+                <a:r>
+                  <a:rPr lang="en-IN" sz="1800" dirty="0">
+                    <a:sym typeface="Wingdings" panose="05000000000000000000" pitchFamily="2" charset="2"/>
+                  </a:rPr>
+                  <a:t>Finite viscosity  Over-prediction of dissipation</a:t>
+                </a:r>
+              </a:p>
+              <a:p>
+                <a:pPr marL="895335" lvl="1" indent="-180000"/>
+                <a:r>
+                  <a:rPr lang="en-IN" sz="1800" dirty="0">
+                    <a:sym typeface="Wingdings" panose="05000000000000000000" pitchFamily="2" charset="2"/>
+                  </a:rPr>
+                  <a:t>Modified EOS &amp; MOM eqs.  Particle distribution homogenised</a:t>
+                </a:r>
+              </a:p>
+              <a:p>
+                <a:pPr marL="895335" lvl="1" indent="-180000"/>
+                <a:r>
+                  <a:rPr lang="en-IN" sz="1800" dirty="0">
+                    <a:sym typeface="Wingdings" panose="05000000000000000000" pitchFamily="2" charset="2"/>
+                  </a:rPr>
+                  <a:t>Simulated:</a:t>
+                </a:r>
+              </a:p>
+              <a:p>
+                <a:pPr marL="1504919" lvl="2" indent="-180000"/>
+                <a:r>
+                  <a:rPr lang="en-IN" sz="1800" dirty="0">
+                    <a:sym typeface="Wingdings" panose="05000000000000000000" pitchFamily="2" charset="2"/>
+                  </a:rPr>
+                  <a:t>2D Taylor-Green Vortex (TGV) </a:t>
+                </a:r>
+                <a14:m>
+                  <m:oMath xmlns:m="http://schemas.openxmlformats.org/officeDocument/2006/math">
+                    <m:d>
+                      <m:dPr>
+                        <m:ctrlPr>
+                          <a:rPr lang="en-IN" sz="1800" i="1" dirty="0" smtClean="0">
+                            <a:sym typeface="Wingdings" panose="05000000000000000000" pitchFamily="2" charset="2"/>
+                          </a:rPr>
+                        </m:ctrlPr>
+                      </m:dPr>
+                      <m:e>
+                        <m:r>
+                          <a:rPr lang="en-IN" sz="1800" i="1" dirty="0" smtClean="0">
+                            <a:sym typeface="Wingdings" panose="05000000000000000000" pitchFamily="2" charset="2"/>
+                          </a:rPr>
+                          <m:t>𝑅𝑒</m:t>
+                        </m:r>
+                        <m:r>
+                          <a:rPr lang="en-IN" sz="1800" i="1" dirty="0" smtClean="0">
+                            <a:sym typeface="Wingdings" panose="05000000000000000000" pitchFamily="2" charset="2"/>
+                          </a:rPr>
+                          <m:t> =∞,  </m:t>
+                        </m:r>
+                        <m:sSub>
+                          <m:sSubPr>
+                            <m:ctrlPr>
+                              <a:rPr lang="en-IN" sz="1800" b="0" i="1" dirty="0" smtClean="0">
+                                <a:sym typeface="Wingdings" panose="05000000000000000000" pitchFamily="2" charset="2"/>
+                              </a:rPr>
+                            </m:ctrlPr>
+                          </m:sSubPr>
+                          <m:e>
+                            <m:r>
+                              <a:rPr lang="en-IN" sz="1800" b="0" i="1" dirty="0" smtClean="0">
+                                <a:sym typeface="Wingdings" panose="05000000000000000000" pitchFamily="2" charset="2"/>
+                              </a:rPr>
+                              <m:t>𝑁</m:t>
+                            </m:r>
+                          </m:e>
+                          <m:sub>
+                            <m:r>
+                              <a:rPr lang="en-IN" sz="1800" b="0" i="1" dirty="0" smtClean="0">
+                                <a:sym typeface="Wingdings" panose="05000000000000000000" pitchFamily="2" charset="2"/>
+                              </a:rPr>
+                              <m:t>𝑖</m:t>
+                            </m:r>
+                          </m:sub>
+                        </m:sSub>
+                        <m:r>
+                          <a:rPr lang="en-IN" sz="1800" b="0" i="1" dirty="0" smtClean="0">
+                            <a:sym typeface="Wingdings" panose="05000000000000000000" pitchFamily="2" charset="2"/>
+                          </a:rPr>
+                          <m:t>=</m:t>
+                        </m:r>
+                        <m:sSup>
+                          <m:sSupPr>
+                            <m:ctrlPr>
+                              <a:rPr lang="en-IN" sz="1800" b="0" i="1" dirty="0" smtClean="0">
+                                <a:sym typeface="Wingdings" panose="05000000000000000000" pitchFamily="2" charset="2"/>
+                              </a:rPr>
+                            </m:ctrlPr>
+                          </m:sSupPr>
+                          <m:e>
+                            <m:r>
+                              <a:rPr lang="en-IN" sz="1800" b="0" i="1" dirty="0" smtClean="0">
+                                <a:sym typeface="Wingdings" panose="05000000000000000000" pitchFamily="2" charset="2"/>
+                              </a:rPr>
+                              <m:t>64</m:t>
+                            </m:r>
+                          </m:e>
+                          <m:sup>
+                            <m:r>
+                              <a:rPr lang="en-IN" sz="1800" b="0" i="1" dirty="0" smtClean="0">
+                                <a:sym typeface="Wingdings" panose="05000000000000000000" pitchFamily="2" charset="2"/>
+                              </a:rPr>
+                              <m:t>2</m:t>
+                            </m:r>
+                          </m:sup>
+                        </m:sSup>
+                      </m:e>
+                    </m:d>
+                  </m:oMath>
+                </a14:m>
+                <a:endParaRPr lang="en-IN" sz="1800" b="0" dirty="0">
+                  <a:sym typeface="Wingdings" panose="05000000000000000000" pitchFamily="2" charset="2"/>
+                </a:endParaRPr>
+              </a:p>
+              <a:p>
+                <a:pPr marL="1504919" lvl="2" indent="-180000"/>
+                <a:r>
+                  <a:rPr lang="en-IN" sz="1800" dirty="0">
+                    <a:sym typeface="Wingdings" panose="05000000000000000000" pitchFamily="2" charset="2"/>
+                  </a:rPr>
+                  <a:t>3D Taylor-Green Vortex (TGV) </a:t>
+                </a:r>
+                <a14:m>
+                  <m:oMath xmlns:m="http://schemas.openxmlformats.org/officeDocument/2006/math">
+                    <m:d>
+                      <m:dPr>
+                        <m:ctrlPr>
+                          <a:rPr lang="en-IN" sz="1800" i="1" dirty="0" smtClean="0">
+                            <a:sym typeface="Wingdings" panose="05000000000000000000" pitchFamily="2" charset="2"/>
+                          </a:rPr>
+                        </m:ctrlPr>
+                      </m:dPr>
+                      <m:e>
+                        <m:r>
+                          <a:rPr lang="en-IN" sz="1800" i="1" dirty="0" smtClean="0">
+                            <a:sym typeface="Wingdings" panose="05000000000000000000" pitchFamily="2" charset="2"/>
+                          </a:rPr>
+                          <m:t>𝑅𝑒</m:t>
+                        </m:r>
+                        <m:r>
+                          <a:rPr lang="en-IN" sz="1800" i="1" dirty="0" smtClean="0">
+                            <a:sym typeface="Wingdings" panose="05000000000000000000" pitchFamily="2" charset="2"/>
+                          </a:rPr>
+                          <m:t> =400,  </m:t>
+                        </m:r>
+                        <m:sSub>
+                          <m:sSubPr>
+                            <m:ctrlPr>
+                              <a:rPr lang="en-IN" sz="1800" b="0" i="1" dirty="0" smtClean="0">
+                                <a:sym typeface="Wingdings" panose="05000000000000000000" pitchFamily="2" charset="2"/>
+                              </a:rPr>
+                            </m:ctrlPr>
+                          </m:sSubPr>
+                          <m:e>
+                            <m:r>
+                              <a:rPr lang="en-IN" sz="1800" b="0" i="1" dirty="0" smtClean="0">
+                                <a:sym typeface="Wingdings" panose="05000000000000000000" pitchFamily="2" charset="2"/>
+                              </a:rPr>
+                              <m:t>𝑁</m:t>
+                            </m:r>
+                          </m:e>
+                          <m:sub>
+                            <m:r>
+                              <a:rPr lang="en-IN" sz="1800" b="0" i="1" dirty="0" smtClean="0">
+                                <a:sym typeface="Wingdings" panose="05000000000000000000" pitchFamily="2" charset="2"/>
+                              </a:rPr>
+                              <m:t>𝑖</m:t>
+                            </m:r>
+                          </m:sub>
+                        </m:sSub>
+                        <m:r>
+                          <a:rPr lang="en-IN" sz="1800" b="0" i="1" dirty="0" smtClean="0">
+                            <a:sym typeface="Wingdings" panose="05000000000000000000" pitchFamily="2" charset="2"/>
+                          </a:rPr>
+                          <m:t>=</m:t>
+                        </m:r>
+                        <m:sSup>
+                          <m:sSupPr>
+                            <m:ctrlPr>
+                              <a:rPr lang="en-IN" sz="1800" b="0" i="1" dirty="0" smtClean="0">
+                                <a:sym typeface="Wingdings" panose="05000000000000000000" pitchFamily="2" charset="2"/>
+                              </a:rPr>
+                            </m:ctrlPr>
+                          </m:sSupPr>
+                          <m:e>
+                            <m:r>
+                              <a:rPr lang="en-IN" sz="1800" b="0" i="1" dirty="0" smtClean="0">
+                                <a:sym typeface="Wingdings" panose="05000000000000000000" pitchFamily="2" charset="2"/>
+                              </a:rPr>
+                              <m:t>64</m:t>
+                            </m:r>
+                          </m:e>
+                          <m:sup>
+                            <m:r>
+                              <a:rPr lang="en-IN" sz="1800" b="0" i="1" dirty="0" smtClean="0">
+                                <a:sym typeface="Wingdings" panose="05000000000000000000" pitchFamily="2" charset="2"/>
+                              </a:rPr>
+                              <m:t>3</m:t>
+                            </m:r>
+                          </m:sup>
+                        </m:sSup>
+                      </m:e>
+                    </m:d>
+                  </m:oMath>
+                </a14:m>
+                <a:endParaRPr lang="en-IN" sz="1800" dirty="0">
+                  <a:sym typeface="Wingdings" panose="05000000000000000000" pitchFamily="2" charset="2"/>
+                </a:endParaRPr>
+              </a:p>
+              <a:p>
+                <a:pPr marL="1504919" lvl="2" indent="-180000"/>
+                <a:endParaRPr lang="en-IN" sz="1800" dirty="0">
+                  <a:sym typeface="Wingdings" panose="05000000000000000000" pitchFamily="2" charset="2"/>
+                </a:endParaRPr>
+              </a:p>
+              <a:p>
+                <a:pPr marL="895335" lvl="1" indent="-180000"/>
+                <a:r>
+                  <a:rPr lang="en-IN" sz="1800" dirty="0">
+                    <a:solidFill>
+                      <a:srgbClr val="0070C0"/>
+                    </a:solidFill>
+                    <a:sym typeface="Wingdings" panose="05000000000000000000" pitchFamily="2" charset="2"/>
+                  </a:rPr>
+                  <a:t>Comments</a:t>
+                </a:r>
+              </a:p>
+              <a:p>
+                <a:pPr marL="1504919" lvl="2" indent="-180000"/>
+                <a:r>
+                  <a:rPr lang="en-IN" sz="1800" dirty="0">
+                    <a:sym typeface="Wingdings" panose="05000000000000000000" pitchFamily="2" charset="2"/>
+                  </a:rPr>
+                  <a:t>Merging of vortices observed</a:t>
+                </a:r>
+              </a:p>
+              <a:p>
+                <a:pPr marL="1504919" lvl="2" indent="-180000"/>
+                <a:r>
+                  <a:rPr lang="en-IN" sz="1800" dirty="0"/>
+                  <a:t>Energy cascade (Kolmogorv scale) slopes reproduced</a:t>
+                </a:r>
+              </a:p>
+              <a:p>
+                <a:pPr marL="2114504" lvl="3" indent="-180000"/>
+                <a:r>
+                  <a:rPr lang="en-IN" sz="1800" dirty="0"/>
+                  <a:t>mSPH (-3); standard SPH (1)</a:t>
+                </a:r>
+              </a:p>
+              <a:p>
+                <a:pPr marL="1504919" lvl="2" indent="-180000"/>
+                <a:r>
+                  <a:rPr lang="en-IN" sz="1800" dirty="0">
+                    <a:sym typeface="Wingdings" panose="05000000000000000000" pitchFamily="2" charset="2"/>
+                  </a:rPr>
+                  <a:t>Transitional flow simulated with reasonable dissipation rate</a:t>
+                </a:r>
+              </a:p>
+              <a:p>
+                <a:pPr marL="1504919" lvl="2" indent="-180000"/>
+                <a:r>
+                  <a:rPr lang="en-IN" sz="1800" dirty="0">
+                    <a:sym typeface="Wingdings" panose="05000000000000000000" pitchFamily="2" charset="2"/>
+                  </a:rPr>
+                  <a:t>mSPH </a:t>
+                </a:r>
+                <a14:m>
+                  <m:oMath xmlns:m="http://schemas.openxmlformats.org/officeDocument/2006/math">
+                    <m:r>
+                      <a:rPr lang="en-IN" sz="1800" b="0" i="1" smtClean="0">
+                        <a:latin typeface="Cambria Math" panose="02040503050406030204" pitchFamily="18" charset="0"/>
+                        <a:sym typeface="Wingdings" panose="05000000000000000000" pitchFamily="2" charset="2"/>
+                      </a:rPr>
+                      <m:t>∼</m:t>
+                    </m:r>
+                  </m:oMath>
+                </a14:m>
+                <a:r>
+                  <a:rPr lang="en-IN" sz="1800" dirty="0">
+                    <a:sym typeface="Wingdings" panose="05000000000000000000" pitchFamily="2" charset="2"/>
+                  </a:rPr>
+                  <a:t> Eddy viscosity model below numerical resolution</a:t>
+                </a:r>
+                <a:endParaRPr sz="1800" dirty="0"/>
+              </a:p>
+            </p:txBody>
+          </p:sp>
+        </mc:Choice>
+        <mc:Fallback>
+          <p:sp>
+            <p:nvSpPr>
+              <p:cNvPr id="338" name="Google Shape;338;p37"/>
+              <p:cNvSpPr txBox="1">
+                <a:spLocks noGrp="1" noRot="1" noChangeAspect="1" noMove="1" noResize="1" noEditPoints="1" noAdjustHandles="1" noChangeArrowheads="1" noChangeShapeType="1" noTextEdit="1"/>
+              </p:cNvSpPr>
+              <p:nvPr>
+                <p:ph type="body" idx="1"/>
+              </p:nvPr>
+            </p:nvSpPr>
+            <p:spPr>
+              <a:xfrm>
+                <a:off x="160733" y="963200"/>
+                <a:ext cx="7814867" cy="5452800"/>
+              </a:xfrm>
+              <a:prstGeom prst="rect">
+                <a:avLst/>
+              </a:prstGeom>
+              <a:blipFill>
+                <a:blip r:embed="rId3"/>
+                <a:stretch>
+                  <a:fillRect/>
+                </a:stretch>
+              </a:blipFill>
+            </p:spPr>
+            <p:txBody>
+              <a:bodyPr/>
+              <a:lstStyle/>
+              <a:p>
+                <a:r>
+                  <a:rPr lang="en-IN">
+                    <a:noFill/>
+                  </a:rPr>
+                  <a:t> </a:t>
+                </a:r>
+              </a:p>
+            </p:txBody>
+          </p:sp>
+        </mc:Fallback>
+      </mc:AlternateContent>
+      <p:sp>
+        <p:nvSpPr>
+          <p:cNvPr id="339" name="Google Shape;339;p37"/>
+          <p:cNvSpPr/>
+          <p:nvPr/>
+        </p:nvSpPr>
+        <p:spPr>
+          <a:xfrm>
+            <a:off x="13400" y="0"/>
+            <a:ext cx="12192000" cy="763600"/>
+          </a:xfrm>
+          <a:prstGeom prst="rect">
+            <a:avLst/>
+          </a:prstGeom>
+          <a:solidFill>
+            <a:schemeClr val="lt2"/>
+          </a:solidFill>
+          <a:ln w="9525" cap="flat" cmpd="sng">
+            <a:solidFill>
+              <a:schemeClr val="dk2"/>
+            </a:solidFill>
+            <a:prstDash val="solid"/>
+            <a:round/>
+            <a:headEnd type="none" w="sm" len="sm"/>
+            <a:tailEnd type="none" w="sm" len="sm"/>
+          </a:ln>
+        </p:spPr>
+        <p:txBody>
+          <a:bodyPr spcFirstLastPara="1" wrap="square" lIns="121900" tIns="121900" rIns="121900" bIns="121900" anchor="ctr" anchorCtr="0">
+            <a:noAutofit/>
+          </a:bodyPr>
+          <a:lstStyle/>
+          <a:p>
+            <a:endParaRPr sz="1867"/>
+          </a:p>
+        </p:txBody>
+      </p:sp>
+      <p:sp>
+        <p:nvSpPr>
+          <p:cNvPr id="340" name="Google Shape;340;p37"/>
+          <p:cNvSpPr txBox="1">
+            <a:spLocks noGrp="1"/>
+          </p:cNvSpPr>
+          <p:nvPr>
+            <p:ph type="title"/>
+          </p:nvPr>
+        </p:nvSpPr>
+        <p:spPr>
+          <a:xfrm>
+            <a:off x="160733" y="0"/>
+            <a:ext cx="11867600" cy="763600"/>
+          </a:xfrm>
+          <a:prstGeom prst="rect">
+            <a:avLst/>
+          </a:prstGeom>
+        </p:spPr>
+        <p:txBody>
+          <a:bodyPr spcFirstLastPara="1" wrap="square" lIns="121900" tIns="121900" rIns="121900" bIns="121900" anchor="ctr" anchorCtr="0">
+            <a:normAutofit/>
+          </a:bodyPr>
+          <a:lstStyle/>
+          <a:p>
+            <a:r>
+              <a:rPr lang="en-IN" b="1" dirty="0"/>
+              <a:t>Viscosity-based Models</a:t>
+            </a:r>
+            <a:endParaRPr b="1" dirty="0"/>
+          </a:p>
+        </p:txBody>
+      </p:sp>
+      <p:sp>
+        <p:nvSpPr>
+          <p:cNvPr id="341" name="Google Shape;341;p37"/>
+          <p:cNvSpPr txBox="1">
+            <a:spLocks noGrp="1"/>
+          </p:cNvSpPr>
+          <p:nvPr>
+            <p:ph type="sldNum" idx="12"/>
+          </p:nvPr>
+        </p:nvSpPr>
+        <p:spPr>
+          <a:xfrm>
+            <a:off x="11296744" y="6333189"/>
+            <a:ext cx="731600" cy="524800"/>
+          </a:xfrm>
+          <a:prstGeom prst="rect">
+            <a:avLst/>
+          </a:prstGeom>
+        </p:spPr>
+        <p:txBody>
+          <a:bodyPr spcFirstLastPara="1" wrap="square" lIns="121900" tIns="121900" rIns="121900" bIns="121900" anchor="ctr" anchorCtr="0">
+            <a:normAutofit/>
+          </a:bodyPr>
+          <a:lstStyle/>
+          <a:p>
+            <a:fld id="{00000000-1234-1234-1234-123412341234}" type="slidenum">
+              <a:rPr lang="en"/>
+              <a:pPr/>
               <a:t>7</a:t>
             </a:fld>
             <a:endParaRPr/>
@@ -27769,7 +29628,7 @@
                 <a:cs typeface="Proxima Nova"/>
                 <a:sym typeface="Proxima Nova"/>
               </a:rPr>
-              <a:t>[1] </a:t>
+              <a:t>[1] S. </a:t>
             </a:r>
             <a:r>
               <a:rPr lang="en-US" sz="1067" dirty="0" err="1">
@@ -27781,7 +29640,7 @@
                 <a:cs typeface="Proxima Nova"/>
                 <a:sym typeface="Proxima Nova"/>
               </a:rPr>
-              <a:t>Dynnikova</a:t>
+              <a:t>Adami</a:t>
             </a:r>
             <a:r>
               <a:rPr lang="en-US" sz="1067" dirty="0">
@@ -27793,75 +29652,178 @@
                 <a:cs typeface="Proxima Nova"/>
                 <a:sym typeface="Proxima Nova"/>
               </a:rPr>
-              <a:t>, G. </a:t>
-            </a:r>
-            <a:r>
-              <a:rPr lang="en-US" sz="1067" dirty="0" err="1">
-                <a:solidFill>
-                  <a:schemeClr val="accent3"/>
-                </a:solidFill>
-                <a:latin typeface="Proxima Nova"/>
-                <a:ea typeface="Proxima Nova"/>
-                <a:cs typeface="Proxima Nova"/>
-                <a:sym typeface="Proxima Nova"/>
-              </a:rPr>
-              <a:t>Ya</a:t>
-            </a:r>
-            <a:r>
-              <a:rPr lang="en-US" sz="1067" dirty="0">
-                <a:solidFill>
-                  <a:schemeClr val="accent3"/>
-                </a:solidFill>
-                <a:latin typeface="Proxima Nova"/>
-                <a:ea typeface="Proxima Nova"/>
-                <a:cs typeface="Proxima Nova"/>
-                <a:sym typeface="Proxima Nova"/>
-              </a:rPr>
-              <a:t> et al. (2021). “Stability of a reverse Karman vortex street”. In: Physics of Fluids 33.2. ISSN: 10897666. DOI: 10.1063/5.0035575.</a:t>
+              <a:t>, X. Y. Hu, and N. A. Adams, “Simulating three-dimensional turbulence with SPH,” 2012.</a:t>
             </a:r>
           </a:p>
         </p:txBody>
       </p:sp>
-      <p:pic>
-        <p:nvPicPr>
-          <p:cNvPr id="3" name="Picture 2" descr="\documentclass{article}&#10;\usepackage{bbm}&#10;\usepackage{bm}&#10;\usepackage{amsmath}&#10;\usepackage{amssymb}&#10;\pagestyle{empty}&#10;&#10;% --------------------------------&#10;%% Custom Math Commands&#10;% --------------------------------&#10;\newcommand{\abs}[1]{\mid #1 \mid}&#10;&#10;\newcommand{\bb}[1]{\mathbb{#1}}&#10;&#10;\newcommand{\LagDerivative}[2][t]{\frac{\operatorname{D} #2}{\operatorname{D} #1}}&#10;&#10;\newcommand{\PartialDerivative}[2][t]{\frac{\partial #2}{\partial #1}}&#10;&#10;\newcommand{\vect}[1]{\mathbf{#1}}&#10;&#10;\newcommand{\tensor}[1]{\underline{\bm{#1}}}&#10;&#10;\newcommand{\WIJ}{W_{h, ij}}&#10;&#10;\newcommand{\DWIJ}{\nabla_{i} W_{h, ij}}&#10;&#10;\newcommand{\VIJ}{\vect{v}_{ij}}&#10;&#10;\newcommand{\RIJ}{\vect{r}_{ij}}&#10;&#10;\newcommand{\RtwoIJ}[1][2]{\abs{\vect{r}_{ij}}^{#1}}&#10;&#10;\newcommand{\VtwoIJ}[1][2]{\abs{\vect{v}_{ij}}^{#1}}&#10;&#10;\newcommand{\MachineEpsilon}{\bm{\xi}}&#10;&#10;\newcommand{\EncAngBrk}[2][]{#1\langle #2 #1\rangle}&#10;&#10;\newcommand{\RAProp}[1]{\EncAngBrk{#1}}&#10;&#10;\newcommand{\FrobeniusInnerProduct}[2]{\EncAngBrk{\tensor{#1}, \tensor{#2}}}&#10;&#10;\newcommand{\FrobeniusNorm}[1]{||\tensor{#1}||_F}&#10;&#10;\newcommand{\BasisVect}[1][i]{\hat{\vect{e}}_{#1}}&#10;&#10;\newcommand{\HalfFrac}{\frac{1}{2}}&#10;&#10;\newcommand{\Vol}[1][V]{\mathcal{#1}}&#10;&#10;\newcommand{\Vorticity}{\bm{\omega}}&#10;&#10;\newcommand{\Boundary}{\bm{\Omega}}&#10;&#10;\newcommand{\WaveNumber}{\mathrm{k}}&#10;&#10;\newcommand{\WaveNumberVector}{\vect{k}}&#10;&#10;\newcommand{\TildeR}{\widetilde{\vect{r}}}&#10;&#10;\newcommand{\TildeV}{\widetilde{\vect{v}}}&#10;&#10;\newcommand{\TildeDeltaV}{\delta\TildeV}&#10;&#10;\newcommand{\TildeRho}{\widetilde{\rho}}&#10;&#10;\newcommand{\TildeP}{\widetilde{P}}&#10;&#10;\newcommand{\IntRThreeAndT}{\int_{\mathbb{R}^3}&#10;\int_{-\infty}^{\infty}}&#10;&#10;\newcommand{\SciNot}[3][10]{#2 \times {#1}^{#3}}&#10;&#10;\newcommand{\IntD}{d \tau d V_y}&#10;&#10;\newcommand{\TilePArgRp}{\TildeP(\TildeR_p, t)}&#10;&#10;\newcommand{\PhiRY}{\phi (\TildeR_p(t)-\vect{y}, t-\tau)}&#10;&#10;\newcommand{\PY}{P(\vect{y}, \tau)}&#10;&#10;\newcommand{\VY}{\vect{v}(\vect{y}, \tau)}&#10;&#10;\newcommand{\TildeVArgRp}{\TildeV (\TildeR_p, t)}&#10;&#10;% --------------------------------&#10;%% Equations&#10;% --------------------------------&#10;\begin{document}&#10;&#10;\begin{equation*}&#10;\rho_i = m_i\sum_j \WIJ&#10;\end{equation*}&#10;&#10;\begin{equation*}&#10;P_i = c_s^2 (\rho_i - \rho_o)&#10;\end{equation*}&#10;&#10;\begin{equation*}&#10;\LagDerivative{\vect{v}_i} = -\frac{1}{m_i} \sum_j (\Vol^2_i + \Vol^2_j) \frac{P_i \rho_j + P_j \rho_i}{\rho_i + \rho_i} \DWIJ - \frac{\eta}{m_i} \sum_j (\Vol^2_i + \Vol^2_j) \frac{\VIJ}{\RtwoIJ[]}\DWIJ + \vect{F}_i&#10;\end{equation*}&#10;&#10;\end{document}" title="IguanaTex Bitmap Display">
+      <p:grpSp>
+        <p:nvGrpSpPr>
+          <p:cNvPr id="9" name="Group 8">
             <a:extLst>
               <a:ext uri="{FF2B5EF4-FFF2-40B4-BE49-F238E27FC236}">
-                <a16:creationId xmlns:a16="http://schemas.microsoft.com/office/drawing/2014/main" id="{FD63411F-A4DB-7AD6-0349-30DA582AA18A}"/>
+                <a16:creationId xmlns:a16="http://schemas.microsoft.com/office/drawing/2014/main" id="{2F244660-5664-600D-D85C-0DDE342DC1E5}"/>
               </a:ext>
             </a:extLst>
           </p:cNvPr>
-          <p:cNvPicPr>
-            <a:picLocks noChangeAspect="1"/>
-          </p:cNvPicPr>
-          <p:nvPr>
-            <p:custDataLst>
-              <p:tags r:id="rId1"/>
-            </p:custDataLst>
-          </p:nvPr>
-        </p:nvPicPr>
-        <p:blipFill>
-          <a:blip r:embed="rId5">
+          <p:cNvGrpSpPr/>
+          <p:nvPr/>
+        </p:nvGrpSpPr>
+        <p:grpSpPr>
+          <a:xfrm>
+            <a:off x="7683086" y="1361440"/>
+            <a:ext cx="4454627" cy="2658238"/>
+            <a:chOff x="7683086" y="1950720"/>
+            <a:chExt cx="4454627" cy="2658238"/>
+          </a:xfrm>
+        </p:grpSpPr>
+        <p:pic>
+          <p:nvPicPr>
+            <p:cNvPr id="5" name="Picture 4">
+              <a:extLst>
+                <a:ext uri="{FF2B5EF4-FFF2-40B4-BE49-F238E27FC236}">
+                  <a16:creationId xmlns:a16="http://schemas.microsoft.com/office/drawing/2014/main" id="{4D0D1310-6AD0-1FC9-AEC3-70B416B9D958}"/>
+                </a:ext>
+              </a:extLst>
+            </p:cNvPr>
+            <p:cNvPicPr>
+              <a:picLocks noChangeAspect="1"/>
+            </p:cNvPicPr>
+            <p:nvPr/>
+          </p:nvPicPr>
+          <p:blipFill>
+            <a:blip r:embed="rId4">
+              <a:extLst>
+                <a:ext uri="{28A0092B-C50C-407E-A947-70E740481C1C}">
+                  <a14:useLocalDpi xmlns:a14="http://schemas.microsoft.com/office/drawing/2010/main" val="0"/>
+                </a:ext>
+              </a:extLst>
+            </a:blip>
+            <a:stretch>
+              <a:fillRect/>
+            </a:stretch>
+          </p:blipFill>
+          <p:spPr>
+            <a:xfrm>
+              <a:off x="7683086" y="1950720"/>
+              <a:ext cx="4454627" cy="2196573"/>
+            </a:xfrm>
+            <a:prstGeom prst="rect">
+              <a:avLst/>
+            </a:prstGeom>
+          </p:spPr>
+        </p:pic>
+        <p:sp>
+          <p:nvSpPr>
+            <p:cNvPr id="6" name="TextBox 5">
+              <a:extLst>
+                <a:ext uri="{FF2B5EF4-FFF2-40B4-BE49-F238E27FC236}">
+                  <a16:creationId xmlns:a16="http://schemas.microsoft.com/office/drawing/2014/main" id="{A6F4189A-2D6D-EE88-79A8-48363E1D5508}"/>
+                </a:ext>
+              </a:extLst>
+            </p:cNvPr>
+            <p:cNvSpPr txBox="1"/>
+            <p:nvPr/>
+          </p:nvSpPr>
+          <p:spPr>
+            <a:xfrm>
+              <a:off x="8493667" y="4147293"/>
+              <a:ext cx="2833464" cy="461665"/>
+            </a:xfrm>
+            <a:prstGeom prst="rect">
+              <a:avLst/>
+            </a:prstGeom>
+            <a:noFill/>
+          </p:spPr>
+          <p:txBody>
+            <a:bodyPr wrap="square" rtlCol="0">
+              <a:spAutoFit/>
+            </a:bodyPr>
+            <a:lstStyle/>
+            <a:p>
+              <a:pPr algn="ctr"/>
+              <a:r>
+                <a:rPr lang="en-IN" sz="1200" b="1" dirty="0">
+                  <a:latin typeface="Proxima Nova"/>
+                </a:rPr>
+                <a:t>Fig</a:t>
+              </a:r>
+              <a:r>
+                <a:rPr lang="en-IN" sz="1200" dirty="0">
+                  <a:latin typeface="Proxima Nova"/>
+                </a:rPr>
+                <a:t>: </a:t>
+              </a:r>
+              <a:r>
+                <a:rPr lang="en-US" sz="1200" dirty="0">
+                  <a:latin typeface="Proxima Nova"/>
+                </a:rPr>
+                <a:t>Velocity vector plot at t=2 (left) and t=30 (right). </a:t>
+              </a:r>
+              <a:r>
+                <a:rPr lang="en-IN" sz="1200" dirty="0">
+                  <a:latin typeface="Proxima Nova"/>
+                </a:rPr>
+                <a:t>(Rep: Adami et al)</a:t>
+              </a:r>
+            </a:p>
+          </p:txBody>
+        </p:sp>
+      </p:grpSp>
+      <p:sp>
+        <p:nvSpPr>
+          <p:cNvPr id="8" name="Rectangle: Rounded Corners 7">
             <a:extLst>
-              <a:ext uri="{28A0092B-C50C-407E-A947-70E740481C1C}">
-                <a14:useLocalDpi xmlns:a14="http://schemas.microsoft.com/office/drawing/2010/main" val="0"/>
+              <a:ext uri="{FF2B5EF4-FFF2-40B4-BE49-F238E27FC236}">
+                <a16:creationId xmlns:a16="http://schemas.microsoft.com/office/drawing/2014/main" id="{A7286433-B677-EEF2-B9B4-CA3B8E9AF8AE}"/>
               </a:ext>
             </a:extLst>
-          </a:blip>
-          <a:stretch>
-            <a:fillRect/>
-          </a:stretch>
-        </p:blipFill>
+          </p:cNvPr>
+          <p:cNvSpPr/>
+          <p:nvPr/>
+        </p:nvSpPr>
         <p:spPr>
           <a:xfrm>
-            <a:off x="5572449" y="3933040"/>
-            <a:ext cx="7389061" cy="2059164"/>
+            <a:off x="649925" y="3606801"/>
+            <a:ext cx="7213915" cy="2196574"/>
           </a:xfrm>
-          <a:prstGeom prst="rect">
+          <a:prstGeom prst="roundRect">
             <a:avLst/>
           </a:prstGeom>
+          <a:noFill/>
+          <a:ln w="38100">
+            <a:solidFill>
+              <a:schemeClr val="bg2">
+                <a:lumMod val="50000"/>
+              </a:schemeClr>
+            </a:solidFill>
+          </a:ln>
         </p:spPr>
-      </p:pic>
+        <p:style>
+          <a:lnRef idx="2">
+            <a:schemeClr val="accent1">
+              <a:shade val="50000"/>
+            </a:schemeClr>
+          </a:lnRef>
+          <a:fillRef idx="1">
+            <a:schemeClr val="accent1"/>
+          </a:fillRef>
+          <a:effectRef idx="0">
+            <a:schemeClr val="accent1"/>
+          </a:effectRef>
+          <a:fontRef idx="minor">
+            <a:schemeClr val="lt1"/>
+          </a:fontRef>
+        </p:style>
+        <p:txBody>
+          <a:bodyPr rtlCol="0" anchor="ctr"/>
+          <a:lstStyle/>
+          <a:p>
+            <a:pPr algn="ctr"/>
+            <a:endParaRPr lang="en-IN"/>
+          </a:p>
+        </p:txBody>
+      </p:sp>
     </p:spTree>
     <p:extLst>
       <p:ext uri="{BB962C8B-B14F-4D97-AF65-F5344CB8AC3E}">
@@ -27872,6 +29834,816 @@
   <p:clrMapOvr>
     <a:masterClrMapping/>
   </p:clrMapOvr>
+  <p:timing>
+    <p:tnLst>
+      <p:par>
+        <p:cTn id="1" dur="indefinite" restart="never" nodeType="tmRoot">
+          <p:childTnLst>
+            <p:seq concurrent="1" nextAc="seek">
+              <p:cTn id="2" dur="indefinite" nodeType="mainSeq">
+                <p:childTnLst>
+                  <p:par>
+                    <p:cTn id="3" fill="hold">
+                      <p:stCondLst>
+                        <p:cond delay="indefinite"/>
+                        <p:cond evt="onBegin" delay="0">
+                          <p:tn val="2"/>
+                        </p:cond>
+                      </p:stCondLst>
+                      <p:childTnLst>
+                        <p:par>
+                          <p:cTn id="4" fill="hold">
+                            <p:stCondLst>
+                              <p:cond delay="0"/>
+                            </p:stCondLst>
+                            <p:childTnLst>
+                              <p:par>
+                                <p:cTn id="5" presetID="10" presetClass="entr" presetSubtype="0" fill="hold" grpId="0" nodeType="withEffect">
+                                  <p:stCondLst>
+                                    <p:cond delay="0"/>
+                                  </p:stCondLst>
+                                  <p:childTnLst>
+                                    <p:set>
+                                      <p:cBhvr>
+                                        <p:cTn id="6" dur="1" fill="hold">
+                                          <p:stCondLst>
+                                            <p:cond delay="0"/>
+                                          </p:stCondLst>
+                                        </p:cTn>
+                                        <p:tgtEl>
+                                          <p:spTgt spid="340"/>
+                                        </p:tgtEl>
+                                        <p:attrNameLst>
+                                          <p:attrName>style.visibility</p:attrName>
+                                        </p:attrNameLst>
+                                      </p:cBhvr>
+                                      <p:to>
+                                        <p:strVal val="visible"/>
+                                      </p:to>
+                                    </p:set>
+                                    <p:animEffect transition="in" filter="fade">
+                                      <p:cBhvr>
+                                        <p:cTn id="7" dur="500"/>
+                                        <p:tgtEl>
+                                          <p:spTgt spid="340"/>
+                                        </p:tgtEl>
+                                      </p:cBhvr>
+                                    </p:animEffect>
+                                  </p:childTnLst>
+                                </p:cTn>
+                              </p:par>
+                            </p:childTnLst>
+                          </p:cTn>
+                        </p:par>
+                      </p:childTnLst>
+                    </p:cTn>
+                  </p:par>
+                  <p:par>
+                    <p:cTn id="8" fill="hold">
+                      <p:stCondLst>
+                        <p:cond delay="indefinite"/>
+                      </p:stCondLst>
+                      <p:childTnLst>
+                        <p:par>
+                          <p:cTn id="9" fill="hold">
+                            <p:stCondLst>
+                              <p:cond delay="0"/>
+                            </p:stCondLst>
+                            <p:childTnLst>
+                              <p:par>
+                                <p:cTn id="10" presetID="10" presetClass="entr" presetSubtype="0" fill="hold" grpId="0" nodeType="clickEffect">
+                                  <p:stCondLst>
+                                    <p:cond delay="0"/>
+                                  </p:stCondLst>
+                                  <p:childTnLst>
+                                    <p:set>
+                                      <p:cBhvr>
+                                        <p:cTn id="11" dur="1" fill="hold">
+                                          <p:stCondLst>
+                                            <p:cond delay="0"/>
+                                          </p:stCondLst>
+                                        </p:cTn>
+                                        <p:tgtEl>
+                                          <p:spTgt spid="338">
+                                            <p:txEl>
+                                              <p:pRg st="0" end="0"/>
+                                            </p:txEl>
+                                          </p:spTgt>
+                                        </p:tgtEl>
+                                        <p:attrNameLst>
+                                          <p:attrName>style.visibility</p:attrName>
+                                        </p:attrNameLst>
+                                      </p:cBhvr>
+                                      <p:to>
+                                        <p:strVal val="visible"/>
+                                      </p:to>
+                                    </p:set>
+                                    <p:animEffect transition="in" filter="fade">
+                                      <p:cBhvr>
+                                        <p:cTn id="12" dur="500"/>
+                                        <p:tgtEl>
+                                          <p:spTgt spid="338">
+                                            <p:txEl>
+                                              <p:pRg st="0" end="0"/>
+                                            </p:txEl>
+                                          </p:spTgt>
+                                        </p:tgtEl>
+                                      </p:cBhvr>
+                                    </p:animEffect>
+                                  </p:childTnLst>
+                                </p:cTn>
+                              </p:par>
+                              <p:par>
+                                <p:cTn id="13" presetID="10" presetClass="entr" presetSubtype="0" fill="hold" grpId="0" nodeType="withEffect">
+                                  <p:stCondLst>
+                                    <p:cond delay="0"/>
+                                  </p:stCondLst>
+                                  <p:childTnLst>
+                                    <p:set>
+                                      <p:cBhvr>
+                                        <p:cTn id="14" dur="1" fill="hold">
+                                          <p:stCondLst>
+                                            <p:cond delay="0"/>
+                                          </p:stCondLst>
+                                        </p:cTn>
+                                        <p:tgtEl>
+                                          <p:spTgt spid="338">
+                                            <p:txEl>
+                                              <p:pRg st="1" end="1"/>
+                                            </p:txEl>
+                                          </p:spTgt>
+                                        </p:tgtEl>
+                                        <p:attrNameLst>
+                                          <p:attrName>style.visibility</p:attrName>
+                                        </p:attrNameLst>
+                                      </p:cBhvr>
+                                      <p:to>
+                                        <p:strVal val="visible"/>
+                                      </p:to>
+                                    </p:set>
+                                    <p:animEffect transition="in" filter="fade">
+                                      <p:cBhvr>
+                                        <p:cTn id="15" dur="500"/>
+                                        <p:tgtEl>
+                                          <p:spTgt spid="338">
+                                            <p:txEl>
+                                              <p:pRg st="1" end="1"/>
+                                            </p:txEl>
+                                          </p:spTgt>
+                                        </p:tgtEl>
+                                      </p:cBhvr>
+                                    </p:animEffect>
+                                  </p:childTnLst>
+                                </p:cTn>
+                              </p:par>
+                              <p:par>
+                                <p:cTn id="16" presetID="10" presetClass="entr" presetSubtype="0" fill="hold" grpId="0" nodeType="withEffect">
+                                  <p:stCondLst>
+                                    <p:cond delay="0"/>
+                                  </p:stCondLst>
+                                  <p:childTnLst>
+                                    <p:set>
+                                      <p:cBhvr>
+                                        <p:cTn id="17" dur="1" fill="hold">
+                                          <p:stCondLst>
+                                            <p:cond delay="0"/>
+                                          </p:stCondLst>
+                                        </p:cTn>
+                                        <p:tgtEl>
+                                          <p:spTgt spid="338">
+                                            <p:txEl>
+                                              <p:pRg st="2" end="2"/>
+                                            </p:txEl>
+                                          </p:spTgt>
+                                        </p:tgtEl>
+                                        <p:attrNameLst>
+                                          <p:attrName>style.visibility</p:attrName>
+                                        </p:attrNameLst>
+                                      </p:cBhvr>
+                                      <p:to>
+                                        <p:strVal val="visible"/>
+                                      </p:to>
+                                    </p:set>
+                                    <p:animEffect transition="in" filter="fade">
+                                      <p:cBhvr>
+                                        <p:cTn id="18" dur="500"/>
+                                        <p:tgtEl>
+                                          <p:spTgt spid="338">
+                                            <p:txEl>
+                                              <p:pRg st="2" end="2"/>
+                                            </p:txEl>
+                                          </p:spTgt>
+                                        </p:tgtEl>
+                                      </p:cBhvr>
+                                    </p:animEffect>
+                                  </p:childTnLst>
+                                </p:cTn>
+                              </p:par>
+                              <p:par>
+                                <p:cTn id="19" presetID="10" presetClass="entr" presetSubtype="0" fill="hold" grpId="0" nodeType="withEffect">
+                                  <p:stCondLst>
+                                    <p:cond delay="0"/>
+                                  </p:stCondLst>
+                                  <p:childTnLst>
+                                    <p:set>
+                                      <p:cBhvr>
+                                        <p:cTn id="20" dur="1" fill="hold">
+                                          <p:stCondLst>
+                                            <p:cond delay="0"/>
+                                          </p:stCondLst>
+                                        </p:cTn>
+                                        <p:tgtEl>
+                                          <p:spTgt spid="338">
+                                            <p:txEl>
+                                              <p:pRg st="3" end="3"/>
+                                            </p:txEl>
+                                          </p:spTgt>
+                                        </p:tgtEl>
+                                        <p:attrNameLst>
+                                          <p:attrName>style.visibility</p:attrName>
+                                        </p:attrNameLst>
+                                      </p:cBhvr>
+                                      <p:to>
+                                        <p:strVal val="visible"/>
+                                      </p:to>
+                                    </p:set>
+                                    <p:animEffect transition="in" filter="fade">
+                                      <p:cBhvr>
+                                        <p:cTn id="21" dur="500"/>
+                                        <p:tgtEl>
+                                          <p:spTgt spid="338">
+                                            <p:txEl>
+                                              <p:pRg st="3" end="3"/>
+                                            </p:txEl>
+                                          </p:spTgt>
+                                        </p:tgtEl>
+                                      </p:cBhvr>
+                                    </p:animEffect>
+                                  </p:childTnLst>
+                                </p:cTn>
+                              </p:par>
+                              <p:par>
+                                <p:cTn id="22" presetID="10" presetClass="entr" presetSubtype="0" fill="hold" grpId="0" nodeType="withEffect">
+                                  <p:stCondLst>
+                                    <p:cond delay="0"/>
+                                  </p:stCondLst>
+                                  <p:childTnLst>
+                                    <p:set>
+                                      <p:cBhvr>
+                                        <p:cTn id="23" dur="1" fill="hold">
+                                          <p:stCondLst>
+                                            <p:cond delay="0"/>
+                                          </p:stCondLst>
+                                        </p:cTn>
+                                        <p:tgtEl>
+                                          <p:spTgt spid="338">
+                                            <p:txEl>
+                                              <p:pRg st="4" end="4"/>
+                                            </p:txEl>
+                                          </p:spTgt>
+                                        </p:tgtEl>
+                                        <p:attrNameLst>
+                                          <p:attrName>style.visibility</p:attrName>
+                                        </p:attrNameLst>
+                                      </p:cBhvr>
+                                      <p:to>
+                                        <p:strVal val="visible"/>
+                                      </p:to>
+                                    </p:set>
+                                    <p:animEffect transition="in" filter="fade">
+                                      <p:cBhvr>
+                                        <p:cTn id="24" dur="500"/>
+                                        <p:tgtEl>
+                                          <p:spTgt spid="338">
+                                            <p:txEl>
+                                              <p:pRg st="4" end="4"/>
+                                            </p:txEl>
+                                          </p:spTgt>
+                                        </p:tgtEl>
+                                      </p:cBhvr>
+                                    </p:animEffect>
+                                  </p:childTnLst>
+                                </p:cTn>
+                              </p:par>
+                              <p:par>
+                                <p:cTn id="25" presetID="10" presetClass="entr" presetSubtype="0" fill="hold" grpId="0" nodeType="withEffect">
+                                  <p:stCondLst>
+                                    <p:cond delay="0"/>
+                                  </p:stCondLst>
+                                  <p:childTnLst>
+                                    <p:set>
+                                      <p:cBhvr>
+                                        <p:cTn id="26" dur="1" fill="hold">
+                                          <p:stCondLst>
+                                            <p:cond delay="0"/>
+                                          </p:stCondLst>
+                                        </p:cTn>
+                                        <p:tgtEl>
+                                          <p:spTgt spid="338">
+                                            <p:txEl>
+                                              <p:pRg st="5" end="5"/>
+                                            </p:txEl>
+                                          </p:spTgt>
+                                        </p:tgtEl>
+                                        <p:attrNameLst>
+                                          <p:attrName>style.visibility</p:attrName>
+                                        </p:attrNameLst>
+                                      </p:cBhvr>
+                                      <p:to>
+                                        <p:strVal val="visible"/>
+                                      </p:to>
+                                    </p:set>
+                                    <p:animEffect transition="in" filter="fade">
+                                      <p:cBhvr>
+                                        <p:cTn id="27" dur="500"/>
+                                        <p:tgtEl>
+                                          <p:spTgt spid="338">
+                                            <p:txEl>
+                                              <p:pRg st="5" end="5"/>
+                                            </p:txEl>
+                                          </p:spTgt>
+                                        </p:tgtEl>
+                                      </p:cBhvr>
+                                    </p:animEffect>
+                                  </p:childTnLst>
+                                </p:cTn>
+                              </p:par>
+                              <p:par>
+                                <p:cTn id="28" presetID="10" presetClass="entr" presetSubtype="0" fill="hold" grpId="0" nodeType="withEffect">
+                                  <p:stCondLst>
+                                    <p:cond delay="0"/>
+                                  </p:stCondLst>
+                                  <p:childTnLst>
+                                    <p:set>
+                                      <p:cBhvr>
+                                        <p:cTn id="29" dur="1" fill="hold">
+                                          <p:stCondLst>
+                                            <p:cond delay="0"/>
+                                          </p:stCondLst>
+                                        </p:cTn>
+                                        <p:tgtEl>
+                                          <p:spTgt spid="338">
+                                            <p:txEl>
+                                              <p:pRg st="6" end="6"/>
+                                            </p:txEl>
+                                          </p:spTgt>
+                                        </p:tgtEl>
+                                        <p:attrNameLst>
+                                          <p:attrName>style.visibility</p:attrName>
+                                        </p:attrNameLst>
+                                      </p:cBhvr>
+                                      <p:to>
+                                        <p:strVal val="visible"/>
+                                      </p:to>
+                                    </p:set>
+                                    <p:animEffect transition="in" filter="fade">
+                                      <p:cBhvr>
+                                        <p:cTn id="30" dur="500"/>
+                                        <p:tgtEl>
+                                          <p:spTgt spid="338">
+                                            <p:txEl>
+                                              <p:pRg st="6" end="6"/>
+                                            </p:txEl>
+                                          </p:spTgt>
+                                        </p:tgtEl>
+                                      </p:cBhvr>
+                                    </p:animEffect>
+                                  </p:childTnLst>
+                                </p:cTn>
+                              </p:par>
+                              <p:par>
+                                <p:cTn id="31" presetID="10" presetClass="entr" presetSubtype="0" fill="hold" grpId="0" nodeType="withEffect">
+                                  <p:stCondLst>
+                                    <p:cond delay="0"/>
+                                  </p:stCondLst>
+                                  <p:childTnLst>
+                                    <p:set>
+                                      <p:cBhvr>
+                                        <p:cTn id="32" dur="1" fill="hold">
+                                          <p:stCondLst>
+                                            <p:cond delay="0"/>
+                                          </p:stCondLst>
+                                        </p:cTn>
+                                        <p:tgtEl>
+                                          <p:spTgt spid="346"/>
+                                        </p:tgtEl>
+                                        <p:attrNameLst>
+                                          <p:attrName>style.visibility</p:attrName>
+                                        </p:attrNameLst>
+                                      </p:cBhvr>
+                                      <p:to>
+                                        <p:strVal val="visible"/>
+                                      </p:to>
+                                    </p:set>
+                                    <p:animEffect transition="in" filter="fade">
+                                      <p:cBhvr>
+                                        <p:cTn id="33" dur="500"/>
+                                        <p:tgtEl>
+                                          <p:spTgt spid="346"/>
+                                        </p:tgtEl>
+                                      </p:cBhvr>
+                                    </p:animEffect>
+                                  </p:childTnLst>
+                                </p:cTn>
+                              </p:par>
+                            </p:childTnLst>
+                          </p:cTn>
+                        </p:par>
+                        <p:par>
+                          <p:cTn id="34" fill="hold">
+                            <p:stCondLst>
+                              <p:cond delay="500"/>
+                            </p:stCondLst>
+                            <p:childTnLst>
+                              <p:par>
+                                <p:cTn id="35" presetID="10" presetClass="entr" presetSubtype="0" fill="hold" nodeType="afterEffect">
+                                  <p:stCondLst>
+                                    <p:cond delay="0"/>
+                                  </p:stCondLst>
+                                  <p:childTnLst>
+                                    <p:set>
+                                      <p:cBhvr>
+                                        <p:cTn id="36" dur="1" fill="hold">
+                                          <p:stCondLst>
+                                            <p:cond delay="0"/>
+                                          </p:stCondLst>
+                                        </p:cTn>
+                                        <p:tgtEl>
+                                          <p:spTgt spid="9"/>
+                                        </p:tgtEl>
+                                        <p:attrNameLst>
+                                          <p:attrName>style.visibility</p:attrName>
+                                        </p:attrNameLst>
+                                      </p:cBhvr>
+                                      <p:to>
+                                        <p:strVal val="visible"/>
+                                      </p:to>
+                                    </p:set>
+                                    <p:animEffect transition="in" filter="fade">
+                                      <p:cBhvr>
+                                        <p:cTn id="37" dur="500"/>
+                                        <p:tgtEl>
+                                          <p:spTgt spid="9"/>
+                                        </p:tgtEl>
+                                      </p:cBhvr>
+                                    </p:animEffect>
+                                  </p:childTnLst>
+                                </p:cTn>
+                              </p:par>
+                            </p:childTnLst>
+                          </p:cTn>
+                        </p:par>
+                      </p:childTnLst>
+                    </p:cTn>
+                  </p:par>
+                  <p:par>
+                    <p:cTn id="38" fill="hold">
+                      <p:stCondLst>
+                        <p:cond delay="indefinite"/>
+                      </p:stCondLst>
+                      <p:childTnLst>
+                        <p:par>
+                          <p:cTn id="39" fill="hold">
+                            <p:stCondLst>
+                              <p:cond delay="0"/>
+                            </p:stCondLst>
+                            <p:childTnLst>
+                              <p:par>
+                                <p:cTn id="40" presetID="10" presetClass="entr" presetSubtype="0" fill="hold" grpId="0" nodeType="clickEffect">
+                                  <p:stCondLst>
+                                    <p:cond delay="0"/>
+                                  </p:stCondLst>
+                                  <p:childTnLst>
+                                    <p:set>
+                                      <p:cBhvr>
+                                        <p:cTn id="41" dur="1" fill="hold">
+                                          <p:stCondLst>
+                                            <p:cond delay="0"/>
+                                          </p:stCondLst>
+                                        </p:cTn>
+                                        <p:tgtEl>
+                                          <p:spTgt spid="338">
+                                            <p:txEl>
+                                              <p:pRg st="8" end="8"/>
+                                            </p:txEl>
+                                          </p:spTgt>
+                                        </p:tgtEl>
+                                        <p:attrNameLst>
+                                          <p:attrName>style.visibility</p:attrName>
+                                        </p:attrNameLst>
+                                      </p:cBhvr>
+                                      <p:to>
+                                        <p:strVal val="visible"/>
+                                      </p:to>
+                                    </p:set>
+                                    <p:animEffect transition="in" filter="fade">
+                                      <p:cBhvr>
+                                        <p:cTn id="42" dur="500"/>
+                                        <p:tgtEl>
+                                          <p:spTgt spid="338">
+                                            <p:txEl>
+                                              <p:pRg st="8" end="8"/>
+                                            </p:txEl>
+                                          </p:spTgt>
+                                        </p:tgtEl>
+                                      </p:cBhvr>
+                                    </p:animEffect>
+                                  </p:childTnLst>
+                                </p:cTn>
+                              </p:par>
+                              <p:par>
+                                <p:cTn id="43" presetID="10" presetClass="entr" presetSubtype="0" fill="hold" grpId="0" nodeType="withEffect">
+                                  <p:stCondLst>
+                                    <p:cond delay="0"/>
+                                  </p:stCondLst>
+                                  <p:childTnLst>
+                                    <p:set>
+                                      <p:cBhvr>
+                                        <p:cTn id="44" dur="1" fill="hold">
+                                          <p:stCondLst>
+                                            <p:cond delay="0"/>
+                                          </p:stCondLst>
+                                        </p:cTn>
+                                        <p:tgtEl>
+                                          <p:spTgt spid="338">
+                                            <p:txEl>
+                                              <p:pRg st="9" end="9"/>
+                                            </p:txEl>
+                                          </p:spTgt>
+                                        </p:tgtEl>
+                                        <p:attrNameLst>
+                                          <p:attrName>style.visibility</p:attrName>
+                                        </p:attrNameLst>
+                                      </p:cBhvr>
+                                      <p:to>
+                                        <p:strVal val="visible"/>
+                                      </p:to>
+                                    </p:set>
+                                    <p:animEffect transition="in" filter="fade">
+                                      <p:cBhvr>
+                                        <p:cTn id="45" dur="500"/>
+                                        <p:tgtEl>
+                                          <p:spTgt spid="338">
+                                            <p:txEl>
+                                              <p:pRg st="9" end="9"/>
+                                            </p:txEl>
+                                          </p:spTgt>
+                                        </p:tgtEl>
+                                      </p:cBhvr>
+                                    </p:animEffect>
+                                  </p:childTnLst>
+                                </p:cTn>
+                              </p:par>
+                              <p:par>
+                                <p:cTn id="46" presetID="10" presetClass="entr" presetSubtype="0" fill="hold" grpId="0" nodeType="withEffect">
+                                  <p:stCondLst>
+                                    <p:cond delay="0"/>
+                                  </p:stCondLst>
+                                  <p:childTnLst>
+                                    <p:set>
+                                      <p:cBhvr>
+                                        <p:cTn id="47" dur="1" fill="hold">
+                                          <p:stCondLst>
+                                            <p:cond delay="0"/>
+                                          </p:stCondLst>
+                                        </p:cTn>
+                                        <p:tgtEl>
+                                          <p:spTgt spid="338">
+                                            <p:txEl>
+                                              <p:pRg st="10" end="10"/>
+                                            </p:txEl>
+                                          </p:spTgt>
+                                        </p:tgtEl>
+                                        <p:attrNameLst>
+                                          <p:attrName>style.visibility</p:attrName>
+                                        </p:attrNameLst>
+                                      </p:cBhvr>
+                                      <p:to>
+                                        <p:strVal val="visible"/>
+                                      </p:to>
+                                    </p:set>
+                                    <p:animEffect transition="in" filter="fade">
+                                      <p:cBhvr>
+                                        <p:cTn id="48" dur="500"/>
+                                        <p:tgtEl>
+                                          <p:spTgt spid="338">
+                                            <p:txEl>
+                                              <p:pRg st="10" end="10"/>
+                                            </p:txEl>
+                                          </p:spTgt>
+                                        </p:tgtEl>
+                                      </p:cBhvr>
+                                    </p:animEffect>
+                                  </p:childTnLst>
+                                </p:cTn>
+                              </p:par>
+                              <p:par>
+                                <p:cTn id="49" presetID="10" presetClass="entr" presetSubtype="0" fill="hold" grpId="0" nodeType="withEffect">
+                                  <p:stCondLst>
+                                    <p:cond delay="0"/>
+                                  </p:stCondLst>
+                                  <p:childTnLst>
+                                    <p:set>
+                                      <p:cBhvr>
+                                        <p:cTn id="50" dur="1" fill="hold">
+                                          <p:stCondLst>
+                                            <p:cond delay="0"/>
+                                          </p:stCondLst>
+                                        </p:cTn>
+                                        <p:tgtEl>
+                                          <p:spTgt spid="338">
+                                            <p:txEl>
+                                              <p:pRg st="11" end="11"/>
+                                            </p:txEl>
+                                          </p:spTgt>
+                                        </p:tgtEl>
+                                        <p:attrNameLst>
+                                          <p:attrName>style.visibility</p:attrName>
+                                        </p:attrNameLst>
+                                      </p:cBhvr>
+                                      <p:to>
+                                        <p:strVal val="visible"/>
+                                      </p:to>
+                                    </p:set>
+                                    <p:animEffect transition="in" filter="fade">
+                                      <p:cBhvr>
+                                        <p:cTn id="51" dur="500"/>
+                                        <p:tgtEl>
+                                          <p:spTgt spid="338">
+                                            <p:txEl>
+                                              <p:pRg st="11" end="11"/>
+                                            </p:txEl>
+                                          </p:spTgt>
+                                        </p:tgtEl>
+                                      </p:cBhvr>
+                                    </p:animEffect>
+                                  </p:childTnLst>
+                                </p:cTn>
+                              </p:par>
+                              <p:par>
+                                <p:cTn id="52" presetID="10" presetClass="entr" presetSubtype="0" fill="hold" grpId="0" nodeType="withEffect">
+                                  <p:stCondLst>
+                                    <p:cond delay="0"/>
+                                  </p:stCondLst>
+                                  <p:childTnLst>
+                                    <p:set>
+                                      <p:cBhvr>
+                                        <p:cTn id="53" dur="1" fill="hold">
+                                          <p:stCondLst>
+                                            <p:cond delay="0"/>
+                                          </p:stCondLst>
+                                        </p:cTn>
+                                        <p:tgtEl>
+                                          <p:spTgt spid="338">
+                                            <p:txEl>
+                                              <p:pRg st="12" end="12"/>
+                                            </p:txEl>
+                                          </p:spTgt>
+                                        </p:tgtEl>
+                                        <p:attrNameLst>
+                                          <p:attrName>style.visibility</p:attrName>
+                                        </p:attrNameLst>
+                                      </p:cBhvr>
+                                      <p:to>
+                                        <p:strVal val="visible"/>
+                                      </p:to>
+                                    </p:set>
+                                    <p:animEffect transition="in" filter="fade">
+                                      <p:cBhvr>
+                                        <p:cTn id="54" dur="500"/>
+                                        <p:tgtEl>
+                                          <p:spTgt spid="338">
+                                            <p:txEl>
+                                              <p:pRg st="12" end="12"/>
+                                            </p:txEl>
+                                          </p:spTgt>
+                                        </p:tgtEl>
+                                      </p:cBhvr>
+                                    </p:animEffect>
+                                  </p:childTnLst>
+                                </p:cTn>
+                              </p:par>
+                              <p:par>
+                                <p:cTn id="55" presetID="10" presetClass="entr" presetSubtype="0" fill="hold" grpId="0" nodeType="withEffect">
+                                  <p:stCondLst>
+                                    <p:cond delay="0"/>
+                                  </p:stCondLst>
+                                  <p:childTnLst>
+                                    <p:set>
+                                      <p:cBhvr>
+                                        <p:cTn id="56" dur="1" fill="hold">
+                                          <p:stCondLst>
+                                            <p:cond delay="0"/>
+                                          </p:stCondLst>
+                                        </p:cTn>
+                                        <p:tgtEl>
+                                          <p:spTgt spid="338">
+                                            <p:txEl>
+                                              <p:pRg st="13" end="13"/>
+                                            </p:txEl>
+                                          </p:spTgt>
+                                        </p:tgtEl>
+                                        <p:attrNameLst>
+                                          <p:attrName>style.visibility</p:attrName>
+                                        </p:attrNameLst>
+                                      </p:cBhvr>
+                                      <p:to>
+                                        <p:strVal val="visible"/>
+                                      </p:to>
+                                    </p:set>
+                                    <p:animEffect transition="in" filter="fade">
+                                      <p:cBhvr>
+                                        <p:cTn id="57" dur="500"/>
+                                        <p:tgtEl>
+                                          <p:spTgt spid="338">
+                                            <p:txEl>
+                                              <p:pRg st="13" end="13"/>
+                                            </p:txEl>
+                                          </p:spTgt>
+                                        </p:tgtEl>
+                                      </p:cBhvr>
+                                    </p:animEffect>
+                                  </p:childTnLst>
+                                </p:cTn>
+                              </p:par>
+                            </p:childTnLst>
+                          </p:cTn>
+                        </p:par>
+                        <p:par>
+                          <p:cTn id="58" fill="hold">
+                            <p:stCondLst>
+                              <p:cond delay="500"/>
+                            </p:stCondLst>
+                            <p:childTnLst>
+                              <p:par>
+                                <p:cTn id="59" presetID="10" presetClass="entr" presetSubtype="0" fill="hold" grpId="0" nodeType="afterEffect">
+                                  <p:stCondLst>
+                                    <p:cond delay="0"/>
+                                  </p:stCondLst>
+                                  <p:childTnLst>
+                                    <p:set>
+                                      <p:cBhvr>
+                                        <p:cTn id="60" dur="1" fill="hold">
+                                          <p:stCondLst>
+                                            <p:cond delay="0"/>
+                                          </p:stCondLst>
+                                        </p:cTn>
+                                        <p:tgtEl>
+                                          <p:spTgt spid="8"/>
+                                        </p:tgtEl>
+                                        <p:attrNameLst>
+                                          <p:attrName>style.visibility</p:attrName>
+                                        </p:attrNameLst>
+                                      </p:cBhvr>
+                                      <p:to>
+                                        <p:strVal val="visible"/>
+                                      </p:to>
+                                    </p:set>
+                                    <p:animEffect transition="in" filter="fade">
+                                      <p:cBhvr>
+                                        <p:cTn id="61" dur="500"/>
+                                        <p:tgtEl>
+                                          <p:spTgt spid="8"/>
+                                        </p:tgtEl>
+                                      </p:cBhvr>
+                                    </p:animEffect>
+                                  </p:childTnLst>
+                                </p:cTn>
+                              </p:par>
+                            </p:childTnLst>
+                          </p:cTn>
+                        </p:par>
+                      </p:childTnLst>
+                    </p:cTn>
+                  </p:par>
+                </p:childTnLst>
+              </p:cTn>
+              <p:prevCondLst>
+                <p:cond evt="onPrev" delay="0">
+                  <p:tgtEl>
+                    <p:sldTgt/>
+                  </p:tgtEl>
+                </p:cond>
+              </p:prevCondLst>
+              <p:nextCondLst>
+                <p:cond evt="onNext" delay="0">
+                  <p:tgtEl>
+                    <p:sldTgt/>
+                  </p:tgtEl>
+                </p:cond>
+              </p:nextCondLst>
+            </p:seq>
+          </p:childTnLst>
+        </p:cTn>
+      </p:par>
+    </p:tnLst>
+    <p:bldLst>
+      <p:bldP spid="338" grpId="0" uiExpand="1" build="p"/>
+      <p:bldP spid="340" grpId="0"/>
+      <p:bldP spid="346" grpId="0"/>
+      <p:bldP spid="8" grpId="0" animBg="1"/>
+    </p:bldLst>
+  </p:timing>
 </p:sld>
 </file>
 
@@ -29011,13 +31783,13 @@
 <file path=ppt/tags/tag2.xml><?xml version="1.0" encoding="utf-8"?>
 <p:tagLst xmlns:a="http://schemas.openxmlformats.org/drawingml/2006/main" xmlns:r="http://schemas.openxmlformats.org/officeDocument/2006/relationships" xmlns:p="http://schemas.openxmlformats.org/presentationml/2006/main">
   <p:tag name="OUTPUTDPI" val="1200"/>
-  <p:tag name="ORIGINALHEIGHT" val="1161.605"/>
-  <p:tag name="ORIGINALWIDTH" val="4269.216"/>
+  <p:tag name="ORIGINALHEIGHT" val="1534.308"/>
+  <p:tag name="ORIGINALWIDTH" val="2296.213"/>
   <p:tag name="OUTPUTTYPE" val="PNG"/>
   <p:tag name="IGUANATEXVERSION" val="160"/>
-  <p:tag name="LATEXADDIN" val="\documentclass{article}&#10;\usepackage{bbm}&#10;\usepackage{bm}&#10;\usepackage{amsmath}&#10;\usepackage{amssymb}&#10;\pagestyle{empty}&#10;&#10;% --------------------------------&#10;%% Custom Math Commands&#10;% --------------------------------&#10;\newcommand{\abs}[1]{\mid #1 \mid}&#10;&#10;\newcommand{\bb}[1]{\mathbb{#1}}&#10;&#10;\newcommand{\LagDerivative}[2][t]{\frac{\operatorname{D} #2}{\operatorname{D} #1}}&#10;&#10;\newcommand{\PartialDerivative}[2][t]{\frac{\partial #2}{\partial #1}}&#10;&#10;\newcommand{\vect}[1]{\mathbf{#1}}&#10;&#10;\newcommand{\tensor}[1]{\underline{\bm{#1}}}&#10;&#10;\newcommand{\WIJ}{W_{h, ij}}&#10;&#10;\newcommand{\DWIJ}{\nabla_{i} W_{h, ij}}&#10;&#10;\newcommand{\VIJ}{\vect{v}_{ij}}&#10;&#10;\newcommand{\RIJ}{\vect{r}_{ij}}&#10;&#10;\newcommand{\RtwoIJ}[1][2]{\abs{\vect{r}_{ij}}^{#1}}&#10;&#10;\newcommand{\VtwoIJ}[1][2]{\abs{\vect{v}_{ij}}^{#1}}&#10;&#10;\newcommand{\MachineEpsilon}{\bm{\xi}}&#10;&#10;\newcommand{\EncAngBrk}[2][]{#1\langle #2 #1\rangle}&#10;&#10;\newcommand{\RAProp}[1]{\EncAngBrk{#1}}&#10;&#10;\newcommand{\FrobeniusInnerProduct}[2]{\EncAngBrk{\tensor{#1}, \tensor{#2}}}&#10;&#10;\newcommand{\FrobeniusNorm}[1]{||\tensor{#1}||_F}&#10;&#10;\newcommand{\BasisVect}[1][i]{\hat{\vect{e}}_{#1}}&#10;&#10;\newcommand{\HalfFrac}{\frac{1}{2}}&#10;&#10;\newcommand{\Vol}[1][V]{\mathcal{#1}}&#10;&#10;\newcommand{\Vorticity}{\bm{\omega}}&#10;&#10;\newcommand{\Boundary}{\bm{\Omega}}&#10;&#10;\newcommand{\WaveNumber}{\mathrm{k}}&#10;&#10;\newcommand{\WaveNumberVector}{\vect{k}}&#10;&#10;\newcommand{\TildeR}{\widetilde{\vect{r}}}&#10;&#10;\newcommand{\TildeV}{\widetilde{\vect{v}}}&#10;&#10;\newcommand{\TildeDeltaV}{\delta\TildeV}&#10;&#10;\newcommand{\TildeRho}{\widetilde{\rho}}&#10;&#10;\newcommand{\TildeP}{\widetilde{P}}&#10;&#10;\newcommand{\IntRThreeAndT}{\int_{\mathbb{R}^3}&#10;\int_{-\infty}^{\infty}}&#10;&#10;\newcommand{\SciNot}[3][10]{#2 \times {#1}^{#3}}&#10;&#10;\newcommand{\IntD}{d \tau d V_y}&#10;&#10;\newcommand{\TilePArgRp}{\TildeP(\TildeR_p, t)}&#10;&#10;\newcommand{\PhiRY}{\phi (\TildeR_p(t)-\vect{y}, t-\tau)}&#10;&#10;\newcommand{\PY}{P(\vect{y}, \tau)}&#10;&#10;\newcommand{\VY}{\vect{v}(\vect{y}, \tau)}&#10;&#10;\newcommand{\TildeVArgRp}{\TildeV (\TildeR_p, t)}&#10;&#10;% --------------------------------&#10;%% Equations&#10;% --------------------------------&#10;\begin{document}&#10;&#10;\begin{equation*}&#10;\LagDerivative{\vect{v}_i} = -\sum_j m_j \bigg( \frac{\RAProp{P}_i}{\rho_i^2} + \frac{\RAProp{P}_j}{\rho_j^2} \bigg) \DWIJ - \HalfFrac C_1 \frac{\epsilon_i}{k_i} \vect{v}'_i + C_2 \nabla \RAProp{\vect{v}}_i \cdot \vect{v}'_i + \sqrt{\frac{C_0 \epsilon_i}{\Delta t}} \Vec{\xi}_i&#10;\end{equation*}&#10;&#10;\begin{equation*}&#10;    \epsilon_i = 2 \nu_{t, i} + &#10;    \FrobeniusNorm{S_i}^2&#10;\end{equation*}&#10;&#10;\begin{equation*}&#10;    k_i = \frac{\epsilon_i \nu_{t, i}}{C_{\mu}} \quad , \quad C_{\mu} = 0.009&#10;\end{equation*}&#10;&#10;\end{document}"/>
+  <p:tag name="LATEXADDIN" val="\documentclass{article}&#10;\usepackage{bbm}&#10;\usepackage{bm}&#10;\usepackage{amsmath}&#10;\usepackage{amssymb}&#10;\pagestyle{empty}&#10;&#10;% --------------------------------&#10;%% Custom Math Commands&#10;% --------------------------------&#10;\newcommand{\abs}[1]{\mid #1 \mid}&#10;&#10;\newcommand{\bb}[1]{\mathbb{#1}}&#10;&#10;\newcommand{\LagDerivative}[2][t]{\frac{\operatorname{D} #2}{\operatorname{D} #1}}&#10;&#10;\newcommand{\PartialDerivative}[2][t]{\frac{\partial #2}{\partial #1}}&#10;&#10;\newcommand{\vect}[1]{\mathbf{#1}}&#10;&#10;\newcommand{\tensor}[1]{\underline{\bm{#1}}}&#10;&#10;\newcommand{\WIJ}{W_{h, ij}}&#10;&#10;\newcommand{\DWIJ}{\nabla_{i} W_{h, ij}}&#10;&#10;\newcommand{\VIJ}{\vect{v}_{ij}}&#10;&#10;\newcommand{\RIJ}{\vect{r}_{ij}}&#10;&#10;\newcommand{\RtwoIJ}[1][2]{\abs{\vect{r}_{ij}}^{#1}}&#10;&#10;\newcommand{\VtwoIJ}[1][2]{\abs{\vect{v}_{ij}}^{#1}}&#10;&#10;\newcommand{\MachineEpsilon}{\bm{\xi}}&#10;&#10;\newcommand{\EncAngBrk}[2][]{#1\langle #2 #1\rangle}&#10;&#10;\newcommand{\RAProp}[1]{\EncAngBrk{#1}}&#10;&#10;\newcommand{\FrobeniusInnerProduct}[2]{\EncAngBrk{\tensor{#1}, \tensor{#2}}}&#10;&#10;\newcommand{\FrobeniusNorm}[1]{||\tensor{#1}||_F}&#10;&#10;\newcommand{\BasisVect}[1][i]{\hat{\vect{e}}_{#1}}&#10;&#10;\newcommand{\HalfFrac}{\frac{1}{2}}&#10;&#10;\newcommand{\Vol}[1][V]{\mathcal{#1}}&#10;&#10;\newcommand{\Vorticity}{\bm{\omega}}&#10;&#10;\newcommand{\Boundary}{\bm{\Omega}}&#10;&#10;\newcommand{\WaveNumber}{\mathrm{k}}&#10;&#10;\newcommand{\WaveNumberVector}{\vect{k}}&#10;&#10;\newcommand{\TildeR}{\widetilde{\vect{r}}}&#10;&#10;\newcommand{\TildeV}{\widetilde{\vect{v}}}&#10;&#10;\newcommand{\TildeDeltaV}{\delta\TildeV}&#10;&#10;\newcommand{\TildeRho}{\widetilde{\rho}}&#10;&#10;\newcommand{\TildeP}{\widetilde{P}}&#10;&#10;\newcommand{\IntRThreeAndT}{\int_{\mathbb{R}^3}&#10;\int_{-\infty}^{\infty}}&#10;&#10;\newcommand{\SciNot}[3][10]{#2 \times {#1}^{#3}}&#10;&#10;\newcommand{\IntD}{d \tau d V_y}&#10;&#10;\newcommand{\TilePArgRp}{\TildeP(\TildeR_p, t)}&#10;&#10;\newcommand{\PhiRY}{\phi (\TildeR_p(t)-\vect{y}, t-\tau)}&#10;&#10;\newcommand{\PY}{P(\vect{y}, \tau)}&#10;&#10;\newcommand{\VY}{\vect{v}(\vect{y}, \tau)}&#10;&#10;\newcommand{\TildeVArgRp}{\TildeV (\TildeR_p, t)}&#10;&#10;% --------------------------------&#10;%% Equations&#10;% --------------------------------&#10;\begin{document}&#10;&#10;\begin{align*}&#10;\LagDerivative{\vect{v}_i} = -\sum_j m_j \bigg( \frac{\RAProp{P}_i}{\rho_i^2} + \frac{\RAProp{P}_j}{\rho_j^2} \bigg) \DWIJ - \\ \HalfFrac C_1 \frac{\epsilon_i}{k_i} \vect{v}'_i + C_2 \nabla \RAProp{\vect{v}}_i \cdot \vect{v}'_i + \sqrt{\frac{C_0 \epsilon_i}{\Delta t}} \Vec{\xi}_i&#10;\end{align*}&#10;&#10;\begin{equation*}&#10;    \epsilon_i = 2 \nu_{t, i} + &#10;    \FrobeniusNorm{S_i}^2&#10;\end{equation*}&#10;&#10;\begin{equation*}&#10;    k_i = \frac{\epsilon_i \nu_{t, i}}{C_{\mu}} \quad , \quad C_{\mu} = 0.009&#10;\end{equation*}&#10;&#10;\end{document}"/>
   <p:tag name="IGUANATEXSIZE" val="18.67"/>
-  <p:tag name="IGUANATEXCURSOR" val="2542"/>
+  <p:tag name="IGUANATEXCURSOR" val="2166"/>
   <p:tag name="TRANSPARENCY" val="True"/>
   <p:tag name="LATEXENGINEID" val="0"/>
   <p:tag name="TEMPFOLDER" val="C:\Users\prajw\Documents\temp\"/>
@@ -29029,26 +31801,6 @@
 </file>
 
 <file path=ppt/tags/tag3.xml><?xml version="1.0" encoding="utf-8"?>
-<p:tagLst xmlns:a="http://schemas.openxmlformats.org/drawingml/2006/main" xmlns:r="http://schemas.openxmlformats.org/officeDocument/2006/relationships" xmlns:p="http://schemas.openxmlformats.org/presentationml/2006/main">
-  <p:tag name="OUTPUTDPI" val="1200"/>
-  <p:tag name="ORIGINALHEIGHT" val="1226.097"/>
-  <p:tag name="ORIGINALWIDTH" val="4399.7"/>
-  <p:tag name="OUTPUTTYPE" val="PNG"/>
-  <p:tag name="IGUANATEXVERSION" val="160"/>
-  <p:tag name="LATEXADDIN" val="\documentclass{article}&#10;\usepackage{bbm}&#10;\usepackage{bm}&#10;\usepackage{amsmath}&#10;\usepackage{amssymb}&#10;\pagestyle{empty}&#10;&#10;% --------------------------------&#10;%% Custom Math Commands&#10;% --------------------------------&#10;\newcommand{\abs}[1]{\mid #1 \mid}&#10;&#10;\newcommand{\bb}[1]{\mathbb{#1}}&#10;&#10;\newcommand{\LagDerivative}[2][t]{\frac{\operatorname{D} #2}{\operatorname{D} #1}}&#10;&#10;\newcommand{\PartialDerivative}[2][t]{\frac{\partial #2}{\partial #1}}&#10;&#10;\newcommand{\vect}[1]{\mathbf{#1}}&#10;&#10;\newcommand{\tensor}[1]{\underline{\bm{#1}}}&#10;&#10;\newcommand{\WIJ}{W_{h, ij}}&#10;&#10;\newcommand{\DWIJ}{\nabla_{i} W_{h, ij}}&#10;&#10;\newcommand{\VIJ}{\vect{v}_{ij}}&#10;&#10;\newcommand{\RIJ}{\vect{r}_{ij}}&#10;&#10;\newcommand{\RtwoIJ}[1][2]{\abs{\vect{r}_{ij}}^{#1}}&#10;&#10;\newcommand{\VtwoIJ}[1][2]{\abs{\vect{v}_{ij}}^{#1}}&#10;&#10;\newcommand{\MachineEpsilon}{\bm{\xi}}&#10;&#10;\newcommand{\EncAngBrk}[2][]{#1\langle #2 #1\rangle}&#10;&#10;\newcommand{\RAProp}[1]{\EncAngBrk{#1}}&#10;&#10;\newcommand{\FrobeniusInnerProduct}[2]{\EncAngBrk{\tensor{#1}, \tensor{#2}}}&#10;&#10;\newcommand{\FrobeniusNorm}[1]{||\tensor{#1}||_F}&#10;&#10;\newcommand{\BasisVect}[1][i]{\hat{\vect{e}}_{#1}}&#10;&#10;\newcommand{\HalfFrac}{\frac{1}{2}}&#10;&#10;\newcommand{\Vol}[1][V]{\mathcal{#1}}&#10;&#10;\newcommand{\Vorticity}{\bm{\omega}}&#10;&#10;\newcommand{\Boundary}{\bm{\Omega}}&#10;&#10;\newcommand{\WaveNumber}{\mathrm{k}}&#10;&#10;\newcommand{\WaveNumberVector}{\vect{k}}&#10;&#10;\newcommand{\TildeR}{\widetilde{\vect{r}}}&#10;&#10;\newcommand{\TildeV}{\widetilde{\vect{v}}}&#10;&#10;\newcommand{\TildeDeltaV}{\delta\TildeV}&#10;&#10;\newcommand{\TildeRho}{\widetilde{\rho}}&#10;&#10;\newcommand{\TildeP}{\widetilde{P}}&#10;&#10;\newcommand{\IntRThreeAndT}{\int_{\mathbb{R}^3}&#10;\int_{-\infty}^{\infty}}&#10;&#10;\newcommand{\SciNot}[3][10]{#2 \times {#1}^{#3}}&#10;&#10;\newcommand{\IntD}{d \tau d V_y}&#10;&#10;\newcommand{\TilePArgRp}{\TildeP(\TildeR_p, t)}&#10;&#10;\newcommand{\PhiRY}{\phi (\TildeR_p(t)-\vect{y}, t-\tau)}&#10;&#10;\newcommand{\PY}{P(\vect{y}, \tau)}&#10;&#10;\newcommand{\VY}{\vect{v}(\vect{y}, \tau)}&#10;&#10;\newcommand{\TildeVArgRp}{\TildeV (\TildeR_p, t)}&#10;&#10;% --------------------------------&#10;%% Equations&#10;% --------------------------------&#10;\begin{document}&#10;&#10;\begin{equation*}&#10;\rho_i = m_i\sum_j \WIJ&#10;\end{equation*}&#10;&#10;\begin{equation*}&#10;P_i = c_s^2 (\rho_i - \rho_o)&#10;\end{equation*}&#10;&#10;\begin{equation*}&#10;\LagDerivative{\vect{v}_i} = -\frac{1}{m_i} \sum_j (\Vol^2_i + \Vol^2_j) \frac{P_i \rho_j + P_j \rho_i}{\rho_i + \rho_i} \DWIJ - \frac{\eta}{m_i} \sum_j (\Vol^2_i + \Vol^2_j) \frac{\VIJ}{\RtwoIJ[]}\DWIJ + \vect{F}_i&#10;\end{equation*}&#10;&#10;\end{document}"/>
-  <p:tag name="IGUANATEXSIZE" val="18.67"/>
-  <p:tag name="IGUANATEXCURSOR" val="2165"/>
-  <p:tag name="TRANSPARENCY" val="True"/>
-  <p:tag name="LATEXENGINEID" val="0"/>
-  <p:tag name="TEMPFOLDER" val="C:\Users\prajw\Documents\temp\"/>
-  <p:tag name="LATEXFORMHEIGHT" val="320"/>
-  <p:tag name="LATEXFORMWIDTH" val="385"/>
-  <p:tag name="LATEXFORMWRAP" val="True"/>
-  <p:tag name="BITMAPVECTOR" val="0"/>
-</p:tagLst>
-</file>
-
-<file path=ppt/tags/tag4.xml><?xml version="1.0" encoding="utf-8"?>
 <p:tagLst xmlns:a="http://schemas.openxmlformats.org/drawingml/2006/main" xmlns:r="http://schemas.openxmlformats.org/officeDocument/2006/relationships" xmlns:p="http://schemas.openxmlformats.org/presentationml/2006/main">
   <p:tag name="OUTPUTDPI" val="1200"/>
   <p:tag name="ORIGINALHEIGHT" val="693.6633"/>
@@ -29068,7 +31820,7 @@
 </p:tagLst>
 </file>
 
-<file path=ppt/tags/tag5.xml><?xml version="1.0" encoding="utf-8"?>
+<file path=ppt/tags/tag4.xml><?xml version="1.0" encoding="utf-8"?>
 <p:tagLst xmlns:a="http://schemas.openxmlformats.org/drawingml/2006/main" xmlns:r="http://schemas.openxmlformats.org/officeDocument/2006/relationships" xmlns:p="http://schemas.openxmlformats.org/presentationml/2006/main">
   <p:tag name="OUTPUTDPI" val="1200"/>
   <p:tag name="ORIGINALHEIGHT" val="729.6588"/>
@@ -29088,7 +31840,7 @@
 </p:tagLst>
 </file>
 
-<file path=ppt/tags/tag6.xml><?xml version="1.0" encoding="utf-8"?>
+<file path=ppt/tags/tag5.xml><?xml version="1.0" encoding="utf-8"?>
 <p:tagLst xmlns:a="http://schemas.openxmlformats.org/drawingml/2006/main" xmlns:r="http://schemas.openxmlformats.org/officeDocument/2006/relationships" xmlns:p="http://schemas.openxmlformats.org/presentationml/2006/main">
   <p:tag name="OUTPUTDPI" val="1200"/>
   <p:tag name="ORIGINALHEIGHT" val="303.712"/>
@@ -29108,7 +31860,7 @@
 </p:tagLst>
 </file>
 
-<file path=ppt/tags/tag7.xml><?xml version="1.0" encoding="utf-8"?>
+<file path=ppt/tags/tag6.xml><?xml version="1.0" encoding="utf-8"?>
 <p:tagLst xmlns:a="http://schemas.openxmlformats.org/drawingml/2006/main" xmlns:r="http://schemas.openxmlformats.org/officeDocument/2006/relationships" xmlns:p="http://schemas.openxmlformats.org/presentationml/2006/main">
   <p:tag name="OUTPUTDPI" val="1200"/>
   <p:tag name="ORIGINALHEIGHT" val="1381.327"/>

--- a/report/DDP Stage I - 2022.pptx
+++ b/report/DDP Stage I - 2022.pptx
@@ -5,7 +5,7 @@
     <p:sldMasterId id="2147483660" r:id="rId1"/>
   </p:sldMasterIdLst>
   <p:notesMasterIdLst>
-    <p:notesMasterId r:id="rId28"/>
+    <p:notesMasterId r:id="rId29"/>
   </p:notesMasterIdLst>
   <p:sldIdLst>
     <p:sldId id="258" r:id="rId2"/>
@@ -16,24 +16,25 @@
     <p:sldId id="305" r:id="rId7"/>
     <p:sldId id="291" r:id="rId8"/>
     <p:sldId id="289" r:id="rId9"/>
-    <p:sldId id="293" r:id="rId10"/>
+    <p:sldId id="306" r:id="rId10"/>
     <p:sldId id="294" r:id="rId11"/>
     <p:sldId id="295" r:id="rId12"/>
     <p:sldId id="297" r:id="rId13"/>
     <p:sldId id="296" r:id="rId14"/>
-    <p:sldId id="298" r:id="rId15"/>
-    <p:sldId id="292" r:id="rId16"/>
-    <p:sldId id="299" r:id="rId17"/>
-    <p:sldId id="300" r:id="rId18"/>
-    <p:sldId id="301" r:id="rId19"/>
-    <p:sldId id="302" r:id="rId20"/>
-    <p:sldId id="282" r:id="rId21"/>
-    <p:sldId id="286" r:id="rId22"/>
-    <p:sldId id="303" r:id="rId23"/>
-    <p:sldId id="285" r:id="rId24"/>
-    <p:sldId id="283" r:id="rId25"/>
-    <p:sldId id="257" r:id="rId26"/>
-    <p:sldId id="280" r:id="rId27"/>
+    <p:sldId id="307" r:id="rId15"/>
+    <p:sldId id="298" r:id="rId16"/>
+    <p:sldId id="292" r:id="rId17"/>
+    <p:sldId id="299" r:id="rId18"/>
+    <p:sldId id="300" r:id="rId19"/>
+    <p:sldId id="301" r:id="rId20"/>
+    <p:sldId id="302" r:id="rId21"/>
+    <p:sldId id="282" r:id="rId22"/>
+    <p:sldId id="286" r:id="rId23"/>
+    <p:sldId id="303" r:id="rId24"/>
+    <p:sldId id="285" r:id="rId25"/>
+    <p:sldId id="283" r:id="rId26"/>
+    <p:sldId id="257" r:id="rId27"/>
+    <p:sldId id="280" r:id="rId28"/>
   </p:sldIdLst>
   <p:sldSz cx="12192000" cy="6858000"/>
   <p:notesSz cx="6858000" cy="9144000"/>
@@ -5996,7 +5997,7 @@
               </a:rPr>
               <a:t>Buy Aeroelasticity (Dover Books on Aeronautical Engineering) Book Online at Low Prices in India | Aeroelasticity (Dover Books on Aeronautical Engineering) Reviews &amp; Ratings</a:t>
             </a:r>
-            <a:endParaRPr/>
+            <a:endParaRPr dirty="0"/>
           </a:p>
           <a:p>
             <a:pPr marL="0" lvl="0" indent="0" algn="l" rtl="0">
@@ -6008,7 +6009,7 @@
               </a:spcAft>
               <a:buNone/>
             </a:pPr>
-            <a:endParaRPr/>
+            <a:endParaRPr dirty="0"/>
           </a:p>
           <a:p>
             <a:pPr marL="0" lvl="0" indent="0" algn="l" rtl="0">
@@ -6024,7 +6025,7 @@
               <a:rPr lang="en"/>
               <a:t>Merging Radius between two vortices</a:t>
             </a:r>
-            <a:endParaRPr/>
+            <a:endParaRPr dirty="0"/>
           </a:p>
           <a:p>
             <a:pPr marL="0" lvl="0" indent="0" algn="l" rtl="0">
@@ -6040,7 +6041,7 @@
               <a:rPr lang="en"/>
               <a:t>Summarize the russian paper</a:t>
             </a:r>
-            <a:endParaRPr/>
+            <a:endParaRPr dirty="0"/>
           </a:p>
           <a:p>
             <a:pPr marL="0" lvl="0" indent="0" algn="l" rtl="0">
@@ -6056,7 +6057,7 @@
               <a:rPr lang="en"/>
               <a:t>Sine wave/Saw tooth wave/Squre wave - heaving motion for the cylinder</a:t>
             </a:r>
-            <a:endParaRPr/>
+            <a:endParaRPr dirty="0"/>
           </a:p>
           <a:p>
             <a:pPr marL="0" lvl="0" indent="0" algn="l" rtl="0">
@@ -6068,7 +6069,7 @@
               </a:spcAft>
               <a:buNone/>
             </a:pPr>
-            <a:endParaRPr/>
+            <a:endParaRPr dirty="0"/>
           </a:p>
           <a:p>
             <a:pPr marL="0" lvl="0" indent="0" algn="l" rtl="0">
@@ -6080,7 +6081,7 @@
               </a:spcAft>
               <a:buNone/>
             </a:pPr>
-            <a:endParaRPr/>
+            <a:endParaRPr dirty="0"/>
           </a:p>
         </p:txBody>
       </p:sp>
@@ -6627,7 +6628,7 @@
     </p:spTree>
     <p:extLst>
       <p:ext uri="{BB962C8B-B14F-4D97-AF65-F5344CB8AC3E}">
-        <p14:creationId xmlns:p14="http://schemas.microsoft.com/office/powerpoint/2010/main" val="3417433426"/>
+        <p14:creationId xmlns:p14="http://schemas.microsoft.com/office/powerpoint/2010/main" val="2059471201"/>
       </p:ext>
     </p:extLst>
   </p:cSld>
@@ -6736,7 +6737,7 @@
     </p:spTree>
     <p:extLst>
       <p:ext uri="{BB962C8B-B14F-4D97-AF65-F5344CB8AC3E}">
-        <p14:creationId xmlns:p14="http://schemas.microsoft.com/office/powerpoint/2010/main" val="1840351271"/>
+        <p14:creationId xmlns:p14="http://schemas.microsoft.com/office/powerpoint/2010/main" val="3417433426"/>
       </p:ext>
     </p:extLst>
   </p:cSld>
@@ -6845,7 +6846,7 @@
     </p:spTree>
     <p:extLst>
       <p:ext uri="{BB962C8B-B14F-4D97-AF65-F5344CB8AC3E}">
-        <p14:creationId xmlns:p14="http://schemas.microsoft.com/office/powerpoint/2010/main" val="3739136214"/>
+        <p14:creationId xmlns:p14="http://schemas.microsoft.com/office/powerpoint/2010/main" val="1840351271"/>
       </p:ext>
     </p:extLst>
   </p:cSld>
@@ -6954,7 +6955,7 @@
     </p:spTree>
     <p:extLst>
       <p:ext uri="{BB962C8B-B14F-4D97-AF65-F5344CB8AC3E}">
-        <p14:creationId xmlns:p14="http://schemas.microsoft.com/office/powerpoint/2010/main" val="2830440693"/>
+        <p14:creationId xmlns:p14="http://schemas.microsoft.com/office/powerpoint/2010/main" val="3739136214"/>
       </p:ext>
     </p:extLst>
   </p:cSld>
@@ -7063,7 +7064,7 @@
     </p:spTree>
     <p:extLst>
       <p:ext uri="{BB962C8B-B14F-4D97-AF65-F5344CB8AC3E}">
-        <p14:creationId xmlns:p14="http://schemas.microsoft.com/office/powerpoint/2010/main" val="4076054923"/>
+        <p14:creationId xmlns:p14="http://schemas.microsoft.com/office/powerpoint/2010/main" val="2830440693"/>
       </p:ext>
     </p:extLst>
   </p:cSld>
@@ -7172,7 +7173,7 @@
     </p:spTree>
     <p:extLst>
       <p:ext uri="{BB962C8B-B14F-4D97-AF65-F5344CB8AC3E}">
-        <p14:creationId xmlns:p14="http://schemas.microsoft.com/office/powerpoint/2010/main" val="2092800115"/>
+        <p14:creationId xmlns:p14="http://schemas.microsoft.com/office/powerpoint/2010/main" val="4076054923"/>
       </p:ext>
     </p:extLst>
   </p:cSld>
@@ -7274,7 +7275,7 @@
               </a:spcAft>
               <a:buNone/>
             </a:pPr>
-            <a:endParaRPr/>
+            <a:endParaRPr dirty="0"/>
           </a:p>
         </p:txBody>
       </p:sp>
@@ -7292,6 +7293,115 @@
 </file>
 
 <file path=ppt/notesSlides/notesSlide20.xml><?xml version="1.0" encoding="utf-8"?>
+<p:notes xmlns:a="http://schemas.openxmlformats.org/drawingml/2006/main" xmlns:r="http://schemas.openxmlformats.org/officeDocument/2006/relationships" xmlns:p="http://schemas.openxmlformats.org/presentationml/2006/main" showMasterSp="0" showMasterPhAnim="0">
+  <p:cSld>
+    <p:spTree>
+      <p:nvGrpSpPr>
+        <p:cNvPr id="1" name="Shape 334"/>
+        <p:cNvGrpSpPr/>
+        <p:nvPr/>
+      </p:nvGrpSpPr>
+      <p:grpSpPr>
+        <a:xfrm>
+          <a:off x="0" y="0"/>
+          <a:ext cx="0" cy="0"/>
+          <a:chOff x="0" y="0"/>
+          <a:chExt cx="0" cy="0"/>
+        </a:xfrm>
+      </p:grpSpPr>
+      <p:sp>
+        <p:nvSpPr>
+          <p:cNvPr id="335" name="Google Shape;335;gf3fb92cc5f_1_266:notes"/>
+          <p:cNvSpPr>
+            <a:spLocks noGrp="1" noRot="1" noChangeAspect="1"/>
+          </p:cNvSpPr>
+          <p:nvPr>
+            <p:ph type="sldImg" idx="2"/>
+          </p:nvPr>
+        </p:nvSpPr>
+        <p:spPr>
+          <a:xfrm>
+            <a:off x="381000" y="685800"/>
+            <a:ext cx="6096000" cy="3429000"/>
+          </a:xfrm>
+          <a:custGeom>
+            <a:avLst/>
+            <a:gdLst/>
+            <a:ahLst/>
+            <a:cxnLst/>
+            <a:rect l="l" t="t" r="r" b="b"/>
+            <a:pathLst>
+              <a:path w="120000" h="120000" extrusionOk="0">
+                <a:moveTo>
+                  <a:pt x="0" y="0"/>
+                </a:moveTo>
+                <a:lnTo>
+                  <a:pt x="120000" y="0"/>
+                </a:lnTo>
+                <a:lnTo>
+                  <a:pt x="120000" y="120000"/>
+                </a:lnTo>
+                <a:lnTo>
+                  <a:pt x="0" y="120000"/>
+                </a:lnTo>
+                <a:close/>
+              </a:path>
+            </a:pathLst>
+          </a:custGeom>
+        </p:spPr>
+      </p:sp>
+      <p:sp>
+        <p:nvSpPr>
+          <p:cNvPr id="336" name="Google Shape;336;gf3fb92cc5f_1_266:notes"/>
+          <p:cNvSpPr txBox="1">
+            <a:spLocks noGrp="1"/>
+          </p:cNvSpPr>
+          <p:nvPr>
+            <p:ph type="body" idx="1"/>
+          </p:nvPr>
+        </p:nvSpPr>
+        <p:spPr>
+          <a:xfrm>
+            <a:off x="685800" y="4343400"/>
+            <a:ext cx="5486400" cy="4114800"/>
+          </a:xfrm>
+          <a:prstGeom prst="rect">
+            <a:avLst/>
+          </a:prstGeom>
+        </p:spPr>
+        <p:txBody>
+          <a:bodyPr spcFirstLastPara="1" wrap="square" lIns="91425" tIns="91425" rIns="91425" bIns="91425" anchor="t" anchorCtr="0">
+            <a:noAutofit/>
+          </a:bodyPr>
+          <a:lstStyle/>
+          <a:p>
+            <a:pPr marL="0" lvl="0" indent="0" algn="l" rtl="0">
+              <a:spcBef>
+                <a:spcPts val="0"/>
+              </a:spcBef>
+              <a:spcAft>
+                <a:spcPts val="0"/>
+              </a:spcAft>
+              <a:buNone/>
+            </a:pPr>
+            <a:endParaRPr/>
+          </a:p>
+        </p:txBody>
+      </p:sp>
+    </p:spTree>
+    <p:extLst>
+      <p:ext uri="{BB962C8B-B14F-4D97-AF65-F5344CB8AC3E}">
+        <p14:creationId xmlns:p14="http://schemas.microsoft.com/office/powerpoint/2010/main" val="2092800115"/>
+      </p:ext>
+    </p:extLst>
+  </p:cSld>
+  <p:clrMapOvr>
+    <a:masterClrMapping/>
+  </p:clrMapOvr>
+</p:notes>
+</file>
+
+<file path=ppt/notesSlides/notesSlide21.xml><?xml version="1.0" encoding="utf-8"?>
 <p:notes xmlns:a="http://schemas.openxmlformats.org/drawingml/2006/main" xmlns:r="http://schemas.openxmlformats.org/officeDocument/2006/relationships" xmlns:p="http://schemas.openxmlformats.org/presentationml/2006/main" showMasterSp="0" showMasterPhAnim="0">
   <p:cSld>
     <p:spTree>
@@ -7395,7 +7505,7 @@
 </p:notes>
 </file>
 
-<file path=ppt/notesSlides/notesSlide21.xml><?xml version="1.0" encoding="utf-8"?>
+<file path=ppt/notesSlides/notesSlide22.xml><?xml version="1.0" encoding="utf-8"?>
 <p:notes xmlns:a="http://schemas.openxmlformats.org/drawingml/2006/main" xmlns:r="http://schemas.openxmlformats.org/officeDocument/2006/relationships" xmlns:p="http://schemas.openxmlformats.org/presentationml/2006/main" showMasterSp="0" showMasterPhAnim="0">
   <p:cSld>
     <p:spTree>
@@ -7504,7 +7614,7 @@
 </p:notes>
 </file>
 
-<file path=ppt/notesSlides/notesSlide22.xml><?xml version="1.0" encoding="utf-8"?>
+<file path=ppt/notesSlides/notesSlide23.xml><?xml version="1.0" encoding="utf-8"?>
 <p:notes xmlns:a="http://schemas.openxmlformats.org/drawingml/2006/main" xmlns:r="http://schemas.openxmlformats.org/officeDocument/2006/relationships" xmlns:p="http://schemas.openxmlformats.org/presentationml/2006/main" showMasterSp="0" showMasterPhAnim="0">
   <p:cSld>
     <p:spTree>
@@ -7613,7 +7723,7 @@
 </p:notes>
 </file>
 
-<file path=ppt/notesSlides/notesSlide23.xml><?xml version="1.0" encoding="utf-8"?>
+<file path=ppt/notesSlides/notesSlide24.xml><?xml version="1.0" encoding="utf-8"?>
 <p:notes xmlns:a="http://schemas.openxmlformats.org/drawingml/2006/main" xmlns:r="http://schemas.openxmlformats.org/officeDocument/2006/relationships" xmlns:p="http://schemas.openxmlformats.org/presentationml/2006/main" showMasterSp="0" showMasterPhAnim="0">
   <p:cSld>
     <p:spTree>
@@ -7722,7 +7832,7 @@
 </p:notes>
 </file>
 
-<file path=ppt/notesSlides/notesSlide24.xml><?xml version="1.0" encoding="utf-8"?>
+<file path=ppt/notesSlides/notesSlide25.xml><?xml version="1.0" encoding="utf-8"?>
 <p:notes xmlns:a="http://schemas.openxmlformats.org/drawingml/2006/main" xmlns:r="http://schemas.openxmlformats.org/officeDocument/2006/relationships" xmlns:p="http://schemas.openxmlformats.org/presentationml/2006/main" showMasterSp="0" showMasterPhAnim="0">
   <p:cSld>
     <p:spTree>
@@ -7826,7 +7936,7 @@
 </p:notes>
 </file>
 
-<file path=ppt/notesSlides/notesSlide25.xml><?xml version="1.0" encoding="utf-8"?>
+<file path=ppt/notesSlides/notesSlide26.xml><?xml version="1.0" encoding="utf-8"?>
 <p:notes xmlns:a="http://schemas.openxmlformats.org/drawingml/2006/main" xmlns:r="http://schemas.openxmlformats.org/officeDocument/2006/relationships" xmlns:p="http://schemas.openxmlformats.org/presentationml/2006/main" showMasterSp="0" showMasterPhAnim="0">
   <p:cSld>
     <p:spTree>
@@ -7930,7 +8040,7 @@
 </p:notes>
 </file>
 
-<file path=ppt/notesSlides/notesSlide26.xml><?xml version="1.0" encoding="utf-8"?>
+<file path=ppt/notesSlides/notesSlide27.xml><?xml version="1.0" encoding="utf-8"?>
 <p:notes xmlns:a="http://schemas.openxmlformats.org/drawingml/2006/main" xmlns:r="http://schemas.openxmlformats.org/officeDocument/2006/relationships" xmlns:p="http://schemas.openxmlformats.org/presentationml/2006/main" showMasterSp="0" showMasterPhAnim="0">
   <p:cSld>
     <p:spTree>
@@ -8662,6 +8772,31 @@
           </a:bodyPr>
           <a:lstStyle/>
           <a:p>
+            <a:pPr marL="171450" marR="0" lvl="0" indent="-171450" algn="l" defTabSz="914400" rtl="0" eaLnBrk="1" fontAlgn="auto" latinLnBrk="0" hangingPunct="1">
+              <a:lnSpc>
+                <a:spcPct val="100000"/>
+              </a:lnSpc>
+              <a:spcBef>
+                <a:spcPts val="0"/>
+              </a:spcBef>
+              <a:spcAft>
+                <a:spcPts val="0"/>
+              </a:spcAft>
+              <a:buClrTx/>
+              <a:buSzTx/>
+              <a:buFont typeface="Arial" panose="020B0604020202020204" pitchFamily="34" charset="0"/>
+              <a:buChar char="•"/>
+              <a:tabLst/>
+              <a:defRPr/>
+            </a:pPr>
+            <a:r>
+              <a:rPr lang="en-IN" dirty="0">
+                <a:sym typeface="Wingdings" panose="05000000000000000000" pitchFamily="2" charset="2"/>
+              </a:rPr>
+              <a:t>Model is modified to include wall effects, s.t., it is not over-dissipative inside laminar layer</a:t>
+            </a:r>
+          </a:p>
+          <a:p>
             <a:pPr marL="0" lvl="0" indent="0" algn="l" rtl="0">
               <a:spcBef>
                 <a:spcPts val="0"/>
@@ -8671,7 +8806,7 @@
               </a:spcAft>
               <a:buNone/>
             </a:pPr>
-            <a:endParaRPr/>
+            <a:endParaRPr dirty="0"/>
           </a:p>
         </p:txBody>
       </p:sp>
@@ -8787,7 +8922,7 @@
     </p:spTree>
     <p:extLst>
       <p:ext uri="{BB962C8B-B14F-4D97-AF65-F5344CB8AC3E}">
-        <p14:creationId xmlns:p14="http://schemas.microsoft.com/office/powerpoint/2010/main" val="3930493520"/>
+        <p14:creationId xmlns:p14="http://schemas.microsoft.com/office/powerpoint/2010/main" val="2696327062"/>
       </p:ext>
     </p:extLst>
   </p:cSld>
@@ -13919,7 +14054,7 @@
           </a:bodyPr>
           <a:lstStyle/>
           <a:p>
-            <a:endParaRPr sz="1867"/>
+            <a:endParaRPr sz="1867" dirty="0"/>
           </a:p>
         </p:txBody>
       </p:sp>
@@ -14109,7 +14244,7 @@
               <a:rPr lang="en" sz="2000"/>
               <a:t>K T Prajwal Prathiksh</a:t>
             </a:r>
-            <a:endParaRPr sz="1333"/>
+            <a:endParaRPr sz="1333" dirty="0"/>
           </a:p>
         </p:txBody>
       </p:sp>
@@ -14215,114 +14350,317 @@
           <a:chExt cx="0" cy="0"/>
         </a:xfrm>
       </p:grpSpPr>
-      <p:sp>
-        <p:nvSpPr>
-          <p:cNvPr id="338" name="Google Shape;338;p37"/>
-          <p:cNvSpPr txBox="1">
-            <a:spLocks noGrp="1"/>
-          </p:cNvSpPr>
-          <p:nvPr>
-            <p:ph type="body" idx="1"/>
-          </p:nvPr>
-        </p:nvSpPr>
-        <p:spPr>
-          <a:xfrm>
-            <a:off x="160732" y="963200"/>
-            <a:ext cx="11867599" cy="5452800"/>
-          </a:xfrm>
-          <a:prstGeom prst="rect">
-            <a:avLst/>
-          </a:prstGeom>
-        </p:spPr>
-        <p:txBody>
-          <a:bodyPr spcFirstLastPara="1" wrap="square" lIns="121900" tIns="121900" rIns="121900" bIns="121900" anchor="t" anchorCtr="0">
-            <a:normAutofit/>
-          </a:bodyPr>
-          <a:lstStyle/>
-          <a:p>
-            <a:pPr marL="285750" indent="-285750"/>
-            <a:r>
-              <a:rPr lang="en-IN" dirty="0"/>
-              <a:t>Explicit Pressure Poisson-based Models</a:t>
-            </a:r>
-          </a:p>
-          <a:p>
-            <a:pPr marL="895335" lvl="1" indent="-285750"/>
-            <a:r>
-              <a:rPr lang="en-IN" dirty="0"/>
-              <a:t>[Canelas2016] Observed the </a:t>
-            </a:r>
-            <a:r>
-              <a:rPr lang="en-US" dirty="0"/>
-              <a:t>standard Smagorinsky model cannot enforce wall conditions and non-vanishing stresses with laminar flows.</a:t>
-            </a:r>
-            <a:endParaRPr lang="en-IN" dirty="0"/>
-          </a:p>
-          <a:p>
-            <a:pPr marL="895335" lvl="1" indent="-285750"/>
-            <a:r>
-              <a:rPr lang="en-US" dirty="0">
-                <a:sym typeface="Wingdings" panose="05000000000000000000" pitchFamily="2" charset="2"/>
-              </a:rPr>
-              <a:t>Wall-adapting local eddy viscosity (WALE) model </a:t>
-            </a:r>
-          </a:p>
-          <a:p>
-            <a:pPr marL="895335" lvl="1" indent="-285750"/>
-            <a:r>
-              <a:rPr lang="en-US" dirty="0">
-                <a:sym typeface="Wingdings" panose="05000000000000000000" pitchFamily="2" charset="2"/>
-              </a:rPr>
-              <a:t>Simulated:</a:t>
-            </a:r>
-          </a:p>
-          <a:p>
-            <a:pPr marL="1504919" lvl="2" indent="-285750"/>
-            <a:r>
-              <a:rPr lang="en-US" dirty="0">
-                <a:sym typeface="Wingdings" panose="05000000000000000000" pitchFamily="2" charset="2"/>
-              </a:rPr>
-              <a:t>Array of cylinders in 2D flow</a:t>
-            </a:r>
-          </a:p>
-          <a:p>
-            <a:pPr marL="1504919" lvl="2" indent="-285750"/>
-            <a:r>
-              <a:rPr lang="en-IN" dirty="0">
-                <a:sym typeface="Wingdings" panose="05000000000000000000" pitchFamily="2" charset="2"/>
-              </a:rPr>
-              <a:t>Studied LCS of the flow</a:t>
-            </a:r>
-          </a:p>
-          <a:p>
-            <a:pPr marL="1504919" lvl="2" indent="-285750"/>
-            <a:r>
-              <a:rPr lang="en-IN" dirty="0">
-                <a:sym typeface="Wingdings" panose="05000000000000000000" pitchFamily="2" charset="2"/>
-              </a:rPr>
-              <a:t>Observed recombination of vortices to larger structures</a:t>
-            </a:r>
-          </a:p>
-          <a:p>
-            <a:pPr marL="1504919" lvl="2" indent="-285750"/>
-            <a:r>
-              <a:rPr lang="en-IN" dirty="0">
-                <a:sym typeface="Wingdings" panose="05000000000000000000" pitchFamily="2" charset="2"/>
-              </a:rPr>
-              <a:t>Vortices with opposing strengths cancelled each other</a:t>
-            </a:r>
-          </a:p>
-          <a:p>
-            <a:pPr marL="1504919" lvl="2" indent="-285750"/>
-            <a:r>
-              <a:rPr lang="en-IN" dirty="0">
-                <a:sym typeface="Wingdings" panose="05000000000000000000" pitchFamily="2" charset="2"/>
-              </a:rPr>
-              <a:t>Believe such interactions lead to difficulty in interpreting the energy spectrum</a:t>
-            </a:r>
-          </a:p>
-        </p:txBody>
-      </p:sp>
+      <mc:AlternateContent xmlns:mc="http://schemas.openxmlformats.org/markup-compatibility/2006">
+        <mc:Choice xmlns:a14="http://schemas.microsoft.com/office/drawing/2010/main" Requires="a14">
+          <p:sp>
+            <p:nvSpPr>
+              <p:cNvPr id="338" name="Google Shape;338;p37"/>
+              <p:cNvSpPr txBox="1">
+                <a:spLocks noGrp="1"/>
+              </p:cNvSpPr>
+              <p:nvPr>
+                <p:ph type="body" idx="1"/>
+              </p:nvPr>
+            </p:nvSpPr>
+            <p:spPr>
+              <a:xfrm>
+                <a:off x="160732" y="963200"/>
+                <a:ext cx="7398862" cy="5452800"/>
+              </a:xfrm>
+              <a:prstGeom prst="rect">
+                <a:avLst/>
+              </a:prstGeom>
+            </p:spPr>
+            <p:txBody>
+              <a:bodyPr spcFirstLastPara="1" wrap="square" lIns="121900" tIns="121900" rIns="121900" bIns="121900" anchor="t" anchorCtr="0">
+                <a:normAutofit/>
+              </a:bodyPr>
+              <a:lstStyle/>
+              <a:p>
+                <a:pPr marL="285750" indent="-285750"/>
+                <a:r>
+                  <a:rPr lang="en-IN" dirty="0"/>
+                  <a:t>Explicit Pressure EOS-based Models</a:t>
+                </a:r>
+                <a:r>
+                  <a:rPr lang="en-IN" baseline="30000" dirty="0"/>
+                  <a:t>[1]</a:t>
+                </a:r>
+                <a:endParaRPr lang="en-IN" dirty="0"/>
+              </a:p>
+              <a:p>
+                <a:pPr marL="895335" lvl="1" indent="-285750"/>
+                <a:r>
+                  <a:rPr lang="en-IN" dirty="0"/>
+                  <a:t>Observation: S</a:t>
+                </a:r>
+                <a:r>
+                  <a:rPr lang="en-US" dirty="0"/>
+                  <a:t>tandard Smagorinsky model cannot enforce</a:t>
+                </a:r>
+              </a:p>
+              <a:p>
+                <a:pPr marL="1504919" lvl="2" indent="-285750"/>
+                <a:r>
+                  <a:rPr lang="en-US" dirty="0"/>
+                  <a:t>Wall conditions</a:t>
+                </a:r>
+              </a:p>
+              <a:p>
+                <a:pPr marL="1504919" lvl="2" indent="-285750"/>
+                <a:r>
+                  <a:rPr lang="en-US" dirty="0"/>
+                  <a:t>Non-vanishing stresses with laminar flows</a:t>
+                </a:r>
+                <a:endParaRPr lang="en-IN" dirty="0"/>
+              </a:p>
+              <a:p>
+                <a:pPr marL="895335" lvl="1" indent="-285750"/>
+                <a:r>
+                  <a:rPr lang="en-US" dirty="0">
+                    <a:sym typeface="Wingdings" panose="05000000000000000000" pitchFamily="2" charset="2"/>
+                  </a:rPr>
+                  <a:t>Devised Wall-adapting local eddy viscosity model (WALE)</a:t>
+                </a:r>
+              </a:p>
+              <a:p>
+                <a:pPr marL="895335" lvl="1" indent="-285750"/>
+                <a:r>
+                  <a:rPr lang="en-US" dirty="0">
+                    <a:sym typeface="Wingdings" panose="05000000000000000000" pitchFamily="2" charset="2"/>
+                  </a:rPr>
+                  <a:t>Simulated an array of cylinders in 2D flow </a:t>
+                </a:r>
+                <a14:m>
+                  <m:oMath xmlns:m="http://schemas.openxmlformats.org/officeDocument/2006/math">
+                    <m:d>
+                      <m:dPr>
+                        <m:ctrlPr>
+                          <a:rPr lang="en-IN" i="1" dirty="0" smtClean="0">
+                            <a:latin typeface="Cambria Math" panose="02040503050406030204" pitchFamily="18" charset="0"/>
+                            <a:sym typeface="Wingdings" panose="05000000000000000000" pitchFamily="2" charset="2"/>
+                          </a:rPr>
+                        </m:ctrlPr>
+                      </m:dPr>
+                      <m:e>
+                        <m:r>
+                          <a:rPr lang="en-IN" i="1" dirty="0">
+                            <a:latin typeface="Cambria Math" panose="02040503050406030204" pitchFamily="18" charset="0"/>
+                            <a:sym typeface="Wingdings" panose="05000000000000000000" pitchFamily="2" charset="2"/>
+                          </a:rPr>
+                          <m:t>𝑅𝑒</m:t>
+                        </m:r>
+                        <m:r>
+                          <a:rPr lang="en-IN" b="0" i="1" dirty="0" smtClean="0">
+                            <a:latin typeface="Cambria Math" panose="02040503050406030204" pitchFamily="18" charset="0"/>
+                            <a:sym typeface="Wingdings" panose="05000000000000000000" pitchFamily="2" charset="2"/>
+                          </a:rPr>
+                          <m:t>≈</m:t>
+                        </m:r>
+                        <m:sSup>
+                          <m:sSupPr>
+                            <m:ctrlPr>
+                              <a:rPr lang="en-IN" b="0" i="1" dirty="0" smtClean="0">
+                                <a:latin typeface="Cambria Math" panose="02040503050406030204" pitchFamily="18" charset="0"/>
+                                <a:sym typeface="Wingdings" panose="05000000000000000000" pitchFamily="2" charset="2"/>
+                              </a:rPr>
+                            </m:ctrlPr>
+                          </m:sSupPr>
+                          <m:e>
+                            <m:r>
+                              <a:rPr lang="en-IN" b="0" i="1" dirty="0" smtClean="0">
+                                <a:latin typeface="Cambria Math" panose="02040503050406030204" pitchFamily="18" charset="0"/>
+                                <a:sym typeface="Wingdings" panose="05000000000000000000" pitchFamily="2" charset="2"/>
+                              </a:rPr>
+                              <m:t>10</m:t>
+                            </m:r>
+                          </m:e>
+                          <m:sup>
+                            <m:r>
+                              <a:rPr lang="en-IN" b="0" i="1" dirty="0" smtClean="0">
+                                <a:latin typeface="Cambria Math" panose="02040503050406030204" pitchFamily="18" charset="0"/>
+                                <a:sym typeface="Wingdings" panose="05000000000000000000" pitchFamily="2" charset="2"/>
+                              </a:rPr>
+                              <m:t>2</m:t>
+                            </m:r>
+                          </m:sup>
+                        </m:sSup>
+                        <m:r>
+                          <a:rPr lang="en-IN" i="1" dirty="0">
+                            <a:latin typeface="Cambria Math" panose="02040503050406030204" pitchFamily="18" charset="0"/>
+                            <a:sym typeface="Wingdings" panose="05000000000000000000" pitchFamily="2" charset="2"/>
+                          </a:rPr>
+                          <m:t>,  </m:t>
+                        </m:r>
+                        <m:sSub>
+                          <m:sSubPr>
+                            <m:ctrlPr>
+                              <a:rPr lang="en-IN" i="1" dirty="0">
+                                <a:latin typeface="Cambria Math" panose="02040503050406030204" pitchFamily="18" charset="0"/>
+                                <a:sym typeface="Wingdings" panose="05000000000000000000" pitchFamily="2" charset="2"/>
+                              </a:rPr>
+                            </m:ctrlPr>
+                          </m:sSubPr>
+                          <m:e>
+                            <m:r>
+                              <a:rPr lang="en-IN" i="1" dirty="0">
+                                <a:latin typeface="Cambria Math" panose="02040503050406030204" pitchFamily="18" charset="0"/>
+                                <a:sym typeface="Wingdings" panose="05000000000000000000" pitchFamily="2" charset="2"/>
+                              </a:rPr>
+                              <m:t>𝑁</m:t>
+                            </m:r>
+                          </m:e>
+                          <m:sub>
+                            <m:r>
+                              <a:rPr lang="en-IN" i="1" dirty="0">
+                                <a:latin typeface="Cambria Math" panose="02040503050406030204" pitchFamily="18" charset="0"/>
+                                <a:sym typeface="Wingdings" panose="05000000000000000000" pitchFamily="2" charset="2"/>
+                              </a:rPr>
+                              <m:t>𝑖</m:t>
+                            </m:r>
+                          </m:sub>
+                        </m:sSub>
+                        <m:r>
+                          <a:rPr lang="en-IN" i="1" dirty="0">
+                            <a:latin typeface="Cambria Math" panose="02040503050406030204" pitchFamily="18" charset="0"/>
+                            <a:sym typeface="Wingdings" panose="05000000000000000000" pitchFamily="2" charset="2"/>
+                          </a:rPr>
+                          <m:t>≈</m:t>
+                        </m:r>
+                        <m:sSup>
+                          <m:sSupPr>
+                            <m:ctrlPr>
+                              <a:rPr lang="en-IN" i="1" dirty="0" smtClean="0">
+                                <a:latin typeface="Cambria Math" panose="02040503050406030204" pitchFamily="18" charset="0"/>
+                                <a:sym typeface="Wingdings" panose="05000000000000000000" pitchFamily="2" charset="2"/>
+                              </a:rPr>
+                            </m:ctrlPr>
+                          </m:sSupPr>
+                          <m:e>
+                            <m:r>
+                              <a:rPr lang="en-IN" i="1" dirty="0">
+                                <a:latin typeface="Cambria Math" panose="02040503050406030204" pitchFamily="18" charset="0"/>
+                                <a:sym typeface="Wingdings" panose="05000000000000000000" pitchFamily="2" charset="2"/>
+                              </a:rPr>
+                              <m:t>10</m:t>
+                            </m:r>
+                          </m:e>
+                          <m:sup>
+                            <m:r>
+                              <a:rPr lang="en-IN" i="1" dirty="0">
+                                <a:latin typeface="Cambria Math" panose="02040503050406030204" pitchFamily="18" charset="0"/>
+                                <a:sym typeface="Wingdings" panose="05000000000000000000" pitchFamily="2" charset="2"/>
+                              </a:rPr>
+                              <m:t>4</m:t>
+                            </m:r>
+                          </m:sup>
+                        </m:sSup>
+                      </m:e>
+                    </m:d>
+                  </m:oMath>
+                </a14:m>
+                <a:endParaRPr lang="en-US" dirty="0">
+                  <a:sym typeface="Wingdings" panose="05000000000000000000" pitchFamily="2" charset="2"/>
+                </a:endParaRPr>
+              </a:p>
+              <a:p>
+                <a:pPr marL="895335" lvl="1" indent="-285750"/>
+                <a:endParaRPr lang="en-US" dirty="0">
+                  <a:sym typeface="Wingdings" panose="05000000000000000000" pitchFamily="2" charset="2"/>
+                </a:endParaRPr>
+              </a:p>
+              <a:p>
+                <a:pPr marL="895335" lvl="1" indent="-285750"/>
+                <a:r>
+                  <a:rPr lang="en-US" dirty="0">
+                    <a:solidFill>
+                      <a:srgbClr val="0070C0"/>
+                    </a:solidFill>
+                    <a:sym typeface="Wingdings" panose="05000000000000000000" pitchFamily="2" charset="2"/>
+                  </a:rPr>
+                  <a:t>Comments</a:t>
+                </a:r>
+              </a:p>
+              <a:p>
+                <a:pPr marL="1504919" lvl="2" indent="-285750"/>
+                <a:r>
+                  <a:rPr lang="en-IN" dirty="0">
+                    <a:sym typeface="Wingdings" panose="05000000000000000000" pitchFamily="2" charset="2"/>
+                  </a:rPr>
+                  <a:t>LCS captured reasonably well</a:t>
+                </a:r>
+              </a:p>
+              <a:p>
+                <a:pPr marL="1504919" lvl="2" indent="-285750"/>
+                <a:r>
+                  <a:rPr lang="en-IN" dirty="0">
+                    <a:sym typeface="Wingdings" panose="05000000000000000000" pitchFamily="2" charset="2"/>
+                  </a:rPr>
+                  <a:t>Observed merging of vortices to larger structures</a:t>
+                </a:r>
+              </a:p>
+              <a:p>
+                <a:pPr marL="1504919" lvl="2" indent="-285750"/>
+                <a:r>
+                  <a:rPr lang="en-IN" dirty="0">
+                    <a:sym typeface="Wingdings" panose="05000000000000000000" pitchFamily="2" charset="2"/>
+                  </a:rPr>
+                  <a:t>Interactions of vortices with opposing strengths  Vorticity cancellation</a:t>
+                </a:r>
+              </a:p>
+              <a:p>
+                <a:pPr marL="1504919" lvl="2" indent="-285750"/>
+                <a:r>
+                  <a:rPr lang="en-IN" dirty="0">
+                    <a:sym typeface="Wingdings" panose="05000000000000000000" pitchFamily="2" charset="2"/>
+                  </a:rPr>
+                  <a:t>Claim: Complex vortex interactions  Possible difficulty in interpreting the energy spectrum</a:t>
+                </a:r>
+              </a:p>
+            </p:txBody>
+          </p:sp>
+        </mc:Choice>
+        <mc:Fallback>
+          <p:sp>
+            <p:nvSpPr>
+              <p:cNvPr id="338" name="Google Shape;338;p37"/>
+              <p:cNvSpPr txBox="1">
+                <a:spLocks noGrp="1" noRot="1" noChangeAspect="1" noMove="1" noResize="1" noEditPoints="1" noAdjustHandles="1" noChangeArrowheads="1" noChangeShapeType="1" noTextEdit="1"/>
+              </p:cNvSpPr>
+              <p:nvPr>
+                <p:ph type="body" idx="1"/>
+              </p:nvPr>
+            </p:nvSpPr>
+            <p:spPr>
+              <a:xfrm>
+                <a:off x="160732" y="963200"/>
+                <a:ext cx="7398862" cy="5452800"/>
+              </a:xfrm>
+              <a:prstGeom prst="rect">
+                <a:avLst/>
+              </a:prstGeom>
+              <a:blipFill>
+                <a:blip r:embed="rId4"/>
+                <a:stretch>
+                  <a:fillRect l="-247"/>
+                </a:stretch>
+              </a:blipFill>
+            </p:spPr>
+            <p:txBody>
+              <a:bodyPr/>
+              <a:lstStyle/>
+              <a:p>
+                <a:r>
+                  <a:rPr lang="en-IN">
+                    <a:noFill/>
+                  </a:rPr>
+                  <a:t> </a:t>
+                </a:r>
+              </a:p>
+            </p:txBody>
+          </p:sp>
+        </mc:Fallback>
+      </mc:AlternateContent>
       <p:sp>
         <p:nvSpPr>
           <p:cNvPr id="339" name="Google Shape;339;p37"/>
@@ -14435,8 +14773,8 @@
         </p:nvSpPr>
         <p:spPr>
           <a:xfrm>
-            <a:off x="0" y="6333201"/>
-            <a:ext cx="9910400" cy="410393"/>
+            <a:off x="0" y="6294289"/>
+            <a:ext cx="10787974" cy="569346"/>
           </a:xfrm>
           <a:prstGeom prst="rect">
             <a:avLst/>
@@ -14453,7 +14791,7 @@
           <a:lstStyle/>
           <a:p>
             <a:r>
-              <a:rPr lang="en-US" sz="1067" dirty="0">
+              <a:rPr lang="en-US" sz="1050" dirty="0">
                 <a:solidFill>
                   <a:schemeClr val="accent3"/>
                 </a:solidFill>
@@ -14462,65 +14800,17 @@
                 <a:cs typeface="Proxima Nova"/>
                 <a:sym typeface="Proxima Nova"/>
               </a:rPr>
-              <a:t>[1] </a:t>
-            </a:r>
-            <a:r>
-              <a:rPr lang="en-US" sz="1067" dirty="0" err="1">
-                <a:solidFill>
-                  <a:schemeClr val="accent3"/>
-                </a:solidFill>
-                <a:latin typeface="Proxima Nova"/>
-                <a:ea typeface="Proxima Nova"/>
-                <a:cs typeface="Proxima Nova"/>
-                <a:sym typeface="Proxima Nova"/>
-              </a:rPr>
-              <a:t>Dynnikova</a:t>
-            </a:r>
-            <a:r>
-              <a:rPr lang="en-US" sz="1067" dirty="0">
-                <a:solidFill>
-                  <a:schemeClr val="accent3"/>
-                </a:solidFill>
-                <a:latin typeface="Proxima Nova"/>
-                <a:ea typeface="Proxima Nova"/>
-                <a:cs typeface="Proxima Nova"/>
-                <a:sym typeface="Proxima Nova"/>
-              </a:rPr>
-              <a:t>, G. </a:t>
-            </a:r>
-            <a:r>
-              <a:rPr lang="en-US" sz="1067" dirty="0" err="1">
-                <a:solidFill>
-                  <a:schemeClr val="accent3"/>
-                </a:solidFill>
-                <a:latin typeface="Proxima Nova"/>
-                <a:ea typeface="Proxima Nova"/>
-                <a:cs typeface="Proxima Nova"/>
-                <a:sym typeface="Proxima Nova"/>
-              </a:rPr>
-              <a:t>Ya</a:t>
-            </a:r>
-            <a:r>
-              <a:rPr lang="en-US" sz="1067" dirty="0">
-                <a:solidFill>
-                  <a:schemeClr val="accent3"/>
-                </a:solidFill>
-                <a:latin typeface="Proxima Nova"/>
-                <a:ea typeface="Proxima Nova"/>
-                <a:cs typeface="Proxima Nova"/>
-                <a:sym typeface="Proxima Nova"/>
-              </a:rPr>
-              <a:t> et al. (2021). “Stability of a reverse Karman vortex street”. In: Physics of Fluids 33.2. ISSN: 10897666. DOI: 10.1063/5.0035575.</a:t>
+              <a:t>[1] R. B. Canelas, A. M. Ricardo, R. M. L. Ferreira, J. M. Domínguez, and A. J. C. Crespo, “Hunting for Lagrangian Coherent Structures : SPH-LES turbulence simulations with Wall-adapting Local Eddy Viscosity ( WALE ) model,” 11th SPHERIC, no. March 2017, 2016, [Online].</a:t>
             </a:r>
           </a:p>
         </p:txBody>
       </p:sp>
       <p:pic>
         <p:nvPicPr>
-          <p:cNvPr id="4" name="Picture 3" descr="\documentclass{article}&#10;\usepackage{bbm}&#10;\usepackage{bm}&#10;\usepackage{amsmath}&#10;\usepackage{amssymb}&#10;\pagestyle{empty}&#10;&#10;% --------------------------------&#10;%% Custom Math Commands&#10;% --------------------------------&#10;\newcommand{\abs}[1]{\mid #1 \mid}&#10;&#10;\newcommand{\bb}[1]{\mathbb{#1}}&#10;&#10;\newcommand{\LagDerivative}[2][t]{\frac{\operatorname{D} #2}{\operatorname{D} #1}}&#10;&#10;\newcommand{\PartialDerivative}[2][t]{\frac{\partial #2}{\partial #1}}&#10;&#10;\newcommand{\vect}[1]{\mathbf{#1}}&#10;&#10;\newcommand{\tensor}[1]{\underline{\bm{#1}}}&#10;&#10;\newcommand{\WIJ}{W_{h, ij}}&#10;&#10;\newcommand{\DWIJ}{\nabla_{i} W_{h, ij}}&#10;&#10;\newcommand{\VIJ}{\vect{v}_{ij}}&#10;&#10;\newcommand{\RIJ}{\vect{r}_{ij}}&#10;&#10;\newcommand{\RtwoIJ}[1][2]{\abs{\vect{r}_{ij}}^{#1}}&#10;&#10;\newcommand{\VtwoIJ}[1][2]{\abs{\vect{v}_{ij}}^{#1}}&#10;&#10;\newcommand{\MachineEpsilon}{\bm{\xi}}&#10;&#10;\newcommand{\EncAngBrk}[2][]{#1\langle #2 #1\rangle}&#10;&#10;\newcommand{\RAProp}[1]{\EncAngBrk{#1}}&#10;&#10;\newcommand{\FrobeniusInnerProduct}[2]{\EncAngBrk{\tensor{#1}, \tensor{#2}}}&#10;&#10;\newcommand{\FrobeniusNorm}[1]{||\tensor{#1}||_F}&#10;&#10;\newcommand{\BasisVect}[1][i]{\hat{\vect{e}}_{#1}}&#10;&#10;\newcommand{\HalfFrac}{\frac{1}{2}}&#10;&#10;\newcommand{\Vol}[1][V]{\mathcal{#1}}&#10;&#10;\newcommand{\Vorticity}{\bm{\omega}}&#10;&#10;\newcommand{\Boundary}{\bm{\Omega}}&#10;&#10;\newcommand{\WaveNumber}{\mathrm{k}}&#10;&#10;\newcommand{\WaveNumberVector}{\vect{k}}&#10;&#10;\newcommand{\TildeR}{\widetilde{\vect{r}}}&#10;&#10;\newcommand{\TildeV}{\widetilde{\vect{v}}}&#10;&#10;\newcommand{\TildeDeltaV}{\delta\TildeV}&#10;&#10;\newcommand{\TildeRho}{\widetilde{\rho}}&#10;&#10;\newcommand{\TildeP}{\widetilde{P}}&#10;&#10;\newcommand{\IntRThreeAndT}{\int_{\mathbb{R}^3}&#10;\int_{-\infty}^{\infty}}&#10;&#10;\newcommand{\SciNot}[3][10]{#2 \times {#1}^{#3}}&#10;&#10;\newcommand{\IntD}{d \tau d V_y}&#10;&#10;\newcommand{\TilePArgRp}{\TildeP(\TildeR_p, t)}&#10;&#10;\newcommand{\PhiRY}{\phi (\TildeR_p(t)-\vect{y}, t-\tau)}&#10;&#10;\newcommand{\PY}{P(\vect{y}, \tau)}&#10;&#10;\newcommand{\VY}{\vect{v}(\vect{y}, \tau)}&#10;&#10;\newcommand{\TildeVArgRp}{\TildeV (\TildeR_p, t)}&#10;&#10;% --------------------------------&#10;%% Equations&#10;% --------------------------------&#10;\begin{document}&#10;&#10;\begin{equation*}&#10;\nu_t = \rho (C_w \Delta x)^2 \frac{\FrobeniusInnerProduct{S^d}{S^d}^{3/2}}{\FrobeniusInnerProduct{S}{S}^{5/2} + \FrobeniusInnerProduct{S^d}{S^d}^{5/4}} \quad , \quad C_w=0.325&#10;\end{equation*}&#10;&#10;\begin{equation*}&#10;\tensor{S^d} = \HalfFrac \bigg( (\nabla \vect{v})^2 + \big((\nabla \vect{v})^T\big)^2 \bigg) - \frac{1}{3} \operatorname{tr}[(\nabla \vect{v})^2] \tensor{I}&#10;\end{equation*}&#10;&#10;\end{document}" title="IguanaTex Bitmap Display">
+          <p:cNvPr id="8" name="Picture 7" descr="\documentclass{article}&#10;\usepackage{bbm}&#10;\usepackage{bm}&#10;\usepackage{amsmath}&#10;\usepackage{amssymb}&#10;\pagestyle{empty}&#10;&#10;% --------------------------------&#10;%% Custom Math Commands&#10;% --------------------------------&#10;\newcommand{\abs}[1]{\mid #1 \mid}&#10;&#10;\newcommand{\bb}[1]{\mathbb{#1}}&#10;&#10;\newcommand{\LagDerivative}[2][t]{\frac{\operatorname{D} #2}{\operatorname{D} #1}}&#10;&#10;\newcommand{\PartialDerivative}[2][t]{\frac{\partial #2}{\partial #1}}&#10;&#10;\newcommand{\vect}[1]{\mathbf{#1}}&#10;&#10;\newcommand{\tensor}[1]{\underline{\bm{#1}}}&#10;&#10;\newcommand{\WIJ}{W_{h, ij}}&#10;&#10;\newcommand{\DWIJ}{\nabla_{i} W_{h, ij}}&#10;&#10;\newcommand{\VIJ}{\vect{v}_{ij}}&#10;&#10;\newcommand{\RIJ}{\vect{r}_{ij}}&#10;&#10;\newcommand{\RtwoIJ}[1][2]{\abs{\vect{r}_{ij}}^{#1}}&#10;&#10;\newcommand{\VtwoIJ}[1][2]{\abs{\vect{v}_{ij}}^{#1}}&#10;&#10;\newcommand{\MachineEpsilon}{\bm{\xi}}&#10;&#10;\newcommand{\EncAngBrk}[2][]{#1\langle #2 #1\rangle}&#10;&#10;\newcommand{\RAProp}[1]{\EncAngBrk{#1}}&#10;&#10;\newcommand{\FrobeniusInnerProduct}[2]{\EncAngBrk{\tensor{#1}, \tensor{#2}}}&#10;&#10;\newcommand{\FrobeniusNorm}[1]{||\tensor{#1}||_F}&#10;&#10;\newcommand{\BasisVect}[1][i]{\hat{\vect{e}}_{#1}}&#10;&#10;\newcommand{\HalfFrac}{\frac{1}{2}}&#10;&#10;\newcommand{\Vol}[1][V]{\mathcal{#1}}&#10;&#10;\newcommand{\Vorticity}{\bm{\omega}}&#10;&#10;\newcommand{\Boundary}{\bm{\Omega}}&#10;&#10;\newcommand{\WaveNumber}{\mathrm{k}}&#10;&#10;\newcommand{\WaveNumberVector}{\vect{k}}&#10;&#10;\newcommand{\TildeR}{\widetilde{\vect{r}}}&#10;&#10;\newcommand{\TildeV}{\widetilde{\vect{v}}}&#10;&#10;\newcommand{\TildeDeltaV}{\delta\TildeV}&#10;&#10;\newcommand{\TildeRho}{\widetilde{\rho}}&#10;&#10;\newcommand{\TildeP}{\widetilde{P}}&#10;&#10;\newcommand{\IntRThreeAndT}{\int_{\mathbb{R}^3}&#10;\int_{-\infty}^{\infty}}&#10;&#10;\newcommand{\SciNot}[3][10]{#2 \times {#1}^{#3}}&#10;&#10;\newcommand{\IntD}{d \tau d V_y}&#10;&#10;\newcommand{\TilePArgRp}{\TildeP(\TildeR_p, t)}&#10;&#10;\newcommand{\PhiRY}{\phi (\TildeR_p(t)-\vect{y}, t-\tau)}&#10;&#10;\newcommand{\PY}{P(\vect{y}, \tau)}&#10;&#10;\newcommand{\VY}{\vect{v}(\vect{y}, \tau)}&#10;&#10;\newcommand{\TildeVArgRp}{\TildeV (\TildeR_p, t)}&#10;&#10;% --------------------------------&#10;%% Equations&#10;% --------------------------------&#10;\begin{document}&#10;&#10;\begin{equation*}&#10;\nu_t = \rho (C_w \Delta x)^2 \frac{\FrobeniusInnerProduct{S^d}{S^d}^{3/2}}{\FrobeniusInnerProduct{S}{S}^{5/2} + \FrobeniusInnerProduct{S^d}{S^d}^{5/4}}&#10;\end{equation*}&#10;&#10;\begin{equation*}&#10;\tensor{S^d} = \HalfFrac \bigg( (\nabla \vect{v})^2 + \big((\nabla \vect{v})^T\big)^2 \bigg) - \frac{1}{3} \operatorname{tr}[(\nabla \vect{v})^2] \tensor{I}&#10;\end{equation*}&#10;&#10;\end{document}" title="IguanaTex Bitmap Display">
             <a:extLst>
               <a:ext uri="{FF2B5EF4-FFF2-40B4-BE49-F238E27FC236}">
-                <a16:creationId xmlns:a16="http://schemas.microsoft.com/office/drawing/2014/main" id="{2A543F4C-BD3D-5FD1-34FA-4688C38C1F80}"/>
+                <a16:creationId xmlns:a16="http://schemas.microsoft.com/office/drawing/2014/main" id="{A71A0695-D38E-5B8B-5D2F-934D3106202D}"/>
               </a:ext>
             </a:extLst>
           </p:cNvPr>
@@ -14534,7 +14824,7 @@
           </p:nvPr>
         </p:nvPicPr>
         <p:blipFill>
-          <a:blip r:embed="rId4">
+          <a:blip r:embed="rId5">
             <a:extLst>
               <a:ext uri="{28A0092B-C50C-407E-A947-70E740481C1C}">
                 <a14:useLocalDpi xmlns:a14="http://schemas.microsoft.com/office/drawing/2010/main" val="0"/>
@@ -14547,14 +14837,181 @@
         </p:blipFill>
         <p:spPr>
           <a:xfrm>
-            <a:off x="6336130" y="4621526"/>
-            <a:ext cx="5779521" cy="1384069"/>
+            <a:off x="7977654" y="4766721"/>
+            <a:ext cx="3865492" cy="1150542"/>
           </a:xfrm>
           <a:prstGeom prst="rect">
             <a:avLst/>
           </a:prstGeom>
         </p:spPr>
       </p:pic>
+      <p:grpSp>
+        <p:nvGrpSpPr>
+          <p:cNvPr id="10" name="Group 9">
+            <a:extLst>
+              <a:ext uri="{FF2B5EF4-FFF2-40B4-BE49-F238E27FC236}">
+                <a16:creationId xmlns:a16="http://schemas.microsoft.com/office/drawing/2014/main" id="{6B955F84-573F-CAFE-D796-8A181E8D9D4E}"/>
+              </a:ext>
+            </a:extLst>
+          </p:cNvPr>
+          <p:cNvGrpSpPr/>
+          <p:nvPr/>
+        </p:nvGrpSpPr>
+        <p:grpSpPr>
+          <a:xfrm>
+            <a:off x="7667506" y="885962"/>
+            <a:ext cx="4198984" cy="3518740"/>
+            <a:chOff x="7667506" y="885962"/>
+            <a:chExt cx="4198984" cy="3518740"/>
+          </a:xfrm>
+        </p:grpSpPr>
+        <p:pic>
+          <p:nvPicPr>
+            <p:cNvPr id="6" name="Picture 5">
+              <a:extLst>
+                <a:ext uri="{FF2B5EF4-FFF2-40B4-BE49-F238E27FC236}">
+                  <a16:creationId xmlns:a16="http://schemas.microsoft.com/office/drawing/2014/main" id="{BA398CCF-B932-B8E1-A4BA-43E7AD34BE8F}"/>
+                </a:ext>
+              </a:extLst>
+            </p:cNvPr>
+            <p:cNvPicPr>
+              <a:picLocks noChangeAspect="1"/>
+            </p:cNvPicPr>
+            <p:nvPr/>
+          </p:nvPicPr>
+          <p:blipFill>
+            <a:blip r:embed="rId6">
+              <a:extLst>
+                <a:ext uri="{28A0092B-C50C-407E-A947-70E740481C1C}">
+                  <a14:useLocalDpi xmlns:a14="http://schemas.microsoft.com/office/drawing/2010/main" val="0"/>
+                </a:ext>
+              </a:extLst>
+            </a:blip>
+            <a:stretch>
+              <a:fillRect/>
+            </a:stretch>
+          </p:blipFill>
+          <p:spPr>
+            <a:xfrm>
+              <a:off x="7667506" y="885962"/>
+              <a:ext cx="4198984" cy="3139712"/>
+            </a:xfrm>
+            <a:prstGeom prst="rect">
+              <a:avLst/>
+            </a:prstGeom>
+          </p:spPr>
+        </p:pic>
+        <p:sp>
+          <p:nvSpPr>
+            <p:cNvPr id="9" name="TextBox 8">
+              <a:extLst>
+                <a:ext uri="{FF2B5EF4-FFF2-40B4-BE49-F238E27FC236}">
+                  <a16:creationId xmlns:a16="http://schemas.microsoft.com/office/drawing/2014/main" id="{1612A710-6346-C91A-C030-1D5A8A5C889D}"/>
+                </a:ext>
+              </a:extLst>
+            </p:cNvPr>
+            <p:cNvSpPr txBox="1"/>
+            <p:nvPr/>
+          </p:nvSpPr>
+          <p:spPr>
+            <a:xfrm>
+              <a:off x="8372370" y="3943037"/>
+              <a:ext cx="3076060" cy="461665"/>
+            </a:xfrm>
+            <a:prstGeom prst="rect">
+              <a:avLst/>
+            </a:prstGeom>
+            <a:noFill/>
+          </p:spPr>
+          <p:txBody>
+            <a:bodyPr wrap="square" rtlCol="0">
+              <a:spAutoFit/>
+            </a:bodyPr>
+            <a:lstStyle/>
+            <a:p>
+              <a:pPr algn="ctr"/>
+              <a:r>
+                <a:rPr lang="en-IN" sz="1200" b="1" dirty="0">
+                  <a:latin typeface="Proxima Nova"/>
+                </a:rPr>
+                <a:t>Fig</a:t>
+              </a:r>
+              <a:r>
+                <a:rPr lang="en-IN" sz="1200" dirty="0">
+                  <a:latin typeface="Proxima Nova"/>
+                </a:rPr>
+                <a:t>: Backward-in-time FTLE field</a:t>
+              </a:r>
+              <a:r>
+                <a:rPr lang="en-US" sz="1200" dirty="0">
+                  <a:latin typeface="Proxima Nova"/>
+                </a:rPr>
+                <a:t>. </a:t>
+              </a:r>
+              <a:r>
+                <a:rPr lang="en-IN" sz="1200" dirty="0">
+                  <a:latin typeface="Proxima Nova"/>
+                </a:rPr>
+                <a:t>(Rep: Canelas et al)</a:t>
+              </a:r>
+            </a:p>
+          </p:txBody>
+        </p:sp>
+      </p:grpSp>
+      <p:sp>
+        <p:nvSpPr>
+          <p:cNvPr id="11" name="Rectangle: Rounded Corners 10">
+            <a:extLst>
+              <a:ext uri="{FF2B5EF4-FFF2-40B4-BE49-F238E27FC236}">
+                <a16:creationId xmlns:a16="http://schemas.microsoft.com/office/drawing/2014/main" id="{4681EAB8-9A78-4B99-9FD4-CB7B6A475A42}"/>
+              </a:ext>
+            </a:extLst>
+          </p:cNvPr>
+          <p:cNvSpPr/>
+          <p:nvPr/>
+        </p:nvSpPr>
+        <p:spPr>
+          <a:xfrm>
+            <a:off x="649925" y="3579779"/>
+            <a:ext cx="7025197" cy="2514910"/>
+          </a:xfrm>
+          <a:prstGeom prst="roundRect">
+            <a:avLst/>
+          </a:prstGeom>
+          <a:noFill/>
+          <a:ln w="38100">
+            <a:solidFill>
+              <a:schemeClr val="bg2">
+                <a:lumMod val="50000"/>
+              </a:schemeClr>
+            </a:solidFill>
+          </a:ln>
+        </p:spPr>
+        <p:style>
+          <a:lnRef idx="2">
+            <a:schemeClr val="accent1">
+              <a:shade val="50000"/>
+            </a:schemeClr>
+          </a:lnRef>
+          <a:fillRef idx="1">
+            <a:schemeClr val="accent1"/>
+          </a:fillRef>
+          <a:effectRef idx="0">
+            <a:schemeClr val="accent1"/>
+          </a:effectRef>
+          <a:fontRef idx="minor">
+            <a:schemeClr val="lt1"/>
+          </a:fontRef>
+        </p:style>
+        <p:txBody>
+          <a:bodyPr rtlCol="0" anchor="ctr"/>
+          <a:lstStyle/>
+          <a:p>
+            <a:pPr algn="ctr"/>
+            <a:endParaRPr lang="en-IN"/>
+          </a:p>
+        </p:txBody>
+      </p:sp>
     </p:spTree>
     <p:extLst>
       <p:ext uri="{BB962C8B-B14F-4D97-AF65-F5344CB8AC3E}">
@@ -14565,6 +15022,783 @@
   <p:clrMapOvr>
     <a:masterClrMapping/>
   </p:clrMapOvr>
+  <p:timing>
+    <p:tnLst>
+      <p:par>
+        <p:cTn id="1" dur="indefinite" restart="never" nodeType="tmRoot">
+          <p:childTnLst>
+            <p:seq concurrent="1" nextAc="seek">
+              <p:cTn id="2" dur="indefinite" nodeType="mainSeq">
+                <p:childTnLst>
+                  <p:par>
+                    <p:cTn id="3" fill="hold">
+                      <p:stCondLst>
+                        <p:cond delay="indefinite"/>
+                        <p:cond evt="onBegin" delay="0">
+                          <p:tn val="2"/>
+                        </p:cond>
+                      </p:stCondLst>
+                      <p:childTnLst>
+                        <p:par>
+                          <p:cTn id="4" fill="hold">
+                            <p:stCondLst>
+                              <p:cond delay="0"/>
+                            </p:stCondLst>
+                            <p:childTnLst>
+                              <p:par>
+                                <p:cTn id="5" presetID="10" presetClass="entr" presetSubtype="0" fill="hold" grpId="0" nodeType="withEffect">
+                                  <p:stCondLst>
+                                    <p:cond delay="0"/>
+                                  </p:stCondLst>
+                                  <p:childTnLst>
+                                    <p:set>
+                                      <p:cBhvr>
+                                        <p:cTn id="6" dur="1" fill="hold">
+                                          <p:stCondLst>
+                                            <p:cond delay="0"/>
+                                          </p:stCondLst>
+                                        </p:cTn>
+                                        <p:tgtEl>
+                                          <p:spTgt spid="340"/>
+                                        </p:tgtEl>
+                                        <p:attrNameLst>
+                                          <p:attrName>style.visibility</p:attrName>
+                                        </p:attrNameLst>
+                                      </p:cBhvr>
+                                      <p:to>
+                                        <p:strVal val="visible"/>
+                                      </p:to>
+                                    </p:set>
+                                    <p:animEffect transition="in" filter="fade">
+                                      <p:cBhvr>
+                                        <p:cTn id="7" dur="500"/>
+                                        <p:tgtEl>
+                                          <p:spTgt spid="340"/>
+                                        </p:tgtEl>
+                                      </p:cBhvr>
+                                    </p:animEffect>
+                                  </p:childTnLst>
+                                </p:cTn>
+                              </p:par>
+                            </p:childTnLst>
+                          </p:cTn>
+                        </p:par>
+                      </p:childTnLst>
+                    </p:cTn>
+                  </p:par>
+                  <p:par>
+                    <p:cTn id="8" fill="hold">
+                      <p:stCondLst>
+                        <p:cond delay="indefinite"/>
+                      </p:stCondLst>
+                      <p:childTnLst>
+                        <p:par>
+                          <p:cTn id="9" fill="hold">
+                            <p:stCondLst>
+                              <p:cond delay="0"/>
+                            </p:stCondLst>
+                            <p:childTnLst>
+                              <p:par>
+                                <p:cTn id="10" presetID="10" presetClass="entr" presetSubtype="0" fill="hold" grpId="0" nodeType="clickEffect">
+                                  <p:stCondLst>
+                                    <p:cond delay="0"/>
+                                  </p:stCondLst>
+                                  <p:childTnLst>
+                                    <p:set>
+                                      <p:cBhvr>
+                                        <p:cTn id="11" dur="1" fill="hold">
+                                          <p:stCondLst>
+                                            <p:cond delay="0"/>
+                                          </p:stCondLst>
+                                        </p:cTn>
+                                        <p:tgtEl>
+                                          <p:spTgt spid="338">
+                                            <p:txEl>
+                                              <p:pRg st="0" end="0"/>
+                                            </p:txEl>
+                                          </p:spTgt>
+                                        </p:tgtEl>
+                                        <p:attrNameLst>
+                                          <p:attrName>style.visibility</p:attrName>
+                                        </p:attrNameLst>
+                                      </p:cBhvr>
+                                      <p:to>
+                                        <p:strVal val="visible"/>
+                                      </p:to>
+                                    </p:set>
+                                    <p:animEffect transition="in" filter="fade">
+                                      <p:cBhvr>
+                                        <p:cTn id="12" dur="500"/>
+                                        <p:tgtEl>
+                                          <p:spTgt spid="338">
+                                            <p:txEl>
+                                              <p:pRg st="0" end="0"/>
+                                            </p:txEl>
+                                          </p:spTgt>
+                                        </p:tgtEl>
+                                      </p:cBhvr>
+                                    </p:animEffect>
+                                  </p:childTnLst>
+                                </p:cTn>
+                              </p:par>
+                              <p:par>
+                                <p:cTn id="13" presetID="10" presetClass="entr" presetSubtype="0" fill="hold" grpId="0" nodeType="withEffect">
+                                  <p:stCondLst>
+                                    <p:cond delay="0"/>
+                                  </p:stCondLst>
+                                  <p:childTnLst>
+                                    <p:set>
+                                      <p:cBhvr>
+                                        <p:cTn id="14" dur="1" fill="hold">
+                                          <p:stCondLst>
+                                            <p:cond delay="0"/>
+                                          </p:stCondLst>
+                                        </p:cTn>
+                                        <p:tgtEl>
+                                          <p:spTgt spid="338">
+                                            <p:txEl>
+                                              <p:pRg st="1" end="1"/>
+                                            </p:txEl>
+                                          </p:spTgt>
+                                        </p:tgtEl>
+                                        <p:attrNameLst>
+                                          <p:attrName>style.visibility</p:attrName>
+                                        </p:attrNameLst>
+                                      </p:cBhvr>
+                                      <p:to>
+                                        <p:strVal val="visible"/>
+                                      </p:to>
+                                    </p:set>
+                                    <p:animEffect transition="in" filter="fade">
+                                      <p:cBhvr>
+                                        <p:cTn id="15" dur="500"/>
+                                        <p:tgtEl>
+                                          <p:spTgt spid="338">
+                                            <p:txEl>
+                                              <p:pRg st="1" end="1"/>
+                                            </p:txEl>
+                                          </p:spTgt>
+                                        </p:tgtEl>
+                                      </p:cBhvr>
+                                    </p:animEffect>
+                                  </p:childTnLst>
+                                </p:cTn>
+                              </p:par>
+                              <p:par>
+                                <p:cTn id="16" presetID="10" presetClass="entr" presetSubtype="0" fill="hold" grpId="0" nodeType="withEffect">
+                                  <p:stCondLst>
+                                    <p:cond delay="0"/>
+                                  </p:stCondLst>
+                                  <p:childTnLst>
+                                    <p:set>
+                                      <p:cBhvr>
+                                        <p:cTn id="17" dur="1" fill="hold">
+                                          <p:stCondLst>
+                                            <p:cond delay="0"/>
+                                          </p:stCondLst>
+                                        </p:cTn>
+                                        <p:tgtEl>
+                                          <p:spTgt spid="338">
+                                            <p:txEl>
+                                              <p:pRg st="2" end="2"/>
+                                            </p:txEl>
+                                          </p:spTgt>
+                                        </p:tgtEl>
+                                        <p:attrNameLst>
+                                          <p:attrName>style.visibility</p:attrName>
+                                        </p:attrNameLst>
+                                      </p:cBhvr>
+                                      <p:to>
+                                        <p:strVal val="visible"/>
+                                      </p:to>
+                                    </p:set>
+                                    <p:animEffect transition="in" filter="fade">
+                                      <p:cBhvr>
+                                        <p:cTn id="18" dur="500"/>
+                                        <p:tgtEl>
+                                          <p:spTgt spid="338">
+                                            <p:txEl>
+                                              <p:pRg st="2" end="2"/>
+                                            </p:txEl>
+                                          </p:spTgt>
+                                        </p:tgtEl>
+                                      </p:cBhvr>
+                                    </p:animEffect>
+                                  </p:childTnLst>
+                                </p:cTn>
+                              </p:par>
+                              <p:par>
+                                <p:cTn id="19" presetID="10" presetClass="entr" presetSubtype="0" fill="hold" grpId="0" nodeType="withEffect">
+                                  <p:stCondLst>
+                                    <p:cond delay="0"/>
+                                  </p:stCondLst>
+                                  <p:childTnLst>
+                                    <p:set>
+                                      <p:cBhvr>
+                                        <p:cTn id="20" dur="1" fill="hold">
+                                          <p:stCondLst>
+                                            <p:cond delay="0"/>
+                                          </p:stCondLst>
+                                        </p:cTn>
+                                        <p:tgtEl>
+                                          <p:spTgt spid="338">
+                                            <p:txEl>
+                                              <p:pRg st="3" end="3"/>
+                                            </p:txEl>
+                                          </p:spTgt>
+                                        </p:tgtEl>
+                                        <p:attrNameLst>
+                                          <p:attrName>style.visibility</p:attrName>
+                                        </p:attrNameLst>
+                                      </p:cBhvr>
+                                      <p:to>
+                                        <p:strVal val="visible"/>
+                                      </p:to>
+                                    </p:set>
+                                    <p:animEffect transition="in" filter="fade">
+                                      <p:cBhvr>
+                                        <p:cTn id="21" dur="500"/>
+                                        <p:tgtEl>
+                                          <p:spTgt spid="338">
+                                            <p:txEl>
+                                              <p:pRg st="3" end="3"/>
+                                            </p:txEl>
+                                          </p:spTgt>
+                                        </p:tgtEl>
+                                      </p:cBhvr>
+                                    </p:animEffect>
+                                  </p:childTnLst>
+                                </p:cTn>
+                              </p:par>
+                              <p:par>
+                                <p:cTn id="22" presetID="10" presetClass="entr" presetSubtype="0" fill="hold" grpId="0" nodeType="withEffect">
+                                  <p:stCondLst>
+                                    <p:cond delay="0"/>
+                                  </p:stCondLst>
+                                  <p:childTnLst>
+                                    <p:set>
+                                      <p:cBhvr>
+                                        <p:cTn id="23" dur="1" fill="hold">
+                                          <p:stCondLst>
+                                            <p:cond delay="0"/>
+                                          </p:stCondLst>
+                                        </p:cTn>
+                                        <p:tgtEl>
+                                          <p:spTgt spid="338">
+                                            <p:txEl>
+                                              <p:pRg st="4" end="4"/>
+                                            </p:txEl>
+                                          </p:spTgt>
+                                        </p:tgtEl>
+                                        <p:attrNameLst>
+                                          <p:attrName>style.visibility</p:attrName>
+                                        </p:attrNameLst>
+                                      </p:cBhvr>
+                                      <p:to>
+                                        <p:strVal val="visible"/>
+                                      </p:to>
+                                    </p:set>
+                                    <p:animEffect transition="in" filter="fade">
+                                      <p:cBhvr>
+                                        <p:cTn id="24" dur="500"/>
+                                        <p:tgtEl>
+                                          <p:spTgt spid="338">
+                                            <p:txEl>
+                                              <p:pRg st="4" end="4"/>
+                                            </p:txEl>
+                                          </p:spTgt>
+                                        </p:tgtEl>
+                                      </p:cBhvr>
+                                    </p:animEffect>
+                                  </p:childTnLst>
+                                </p:cTn>
+                              </p:par>
+                              <p:par>
+                                <p:cTn id="25" presetID="10" presetClass="entr" presetSubtype="0" fill="hold" grpId="0" nodeType="withEffect">
+                                  <p:stCondLst>
+                                    <p:cond delay="0"/>
+                                  </p:stCondLst>
+                                  <p:childTnLst>
+                                    <p:set>
+                                      <p:cBhvr>
+                                        <p:cTn id="26" dur="1" fill="hold">
+                                          <p:stCondLst>
+                                            <p:cond delay="0"/>
+                                          </p:stCondLst>
+                                        </p:cTn>
+                                        <p:tgtEl>
+                                          <p:spTgt spid="338">
+                                            <p:txEl>
+                                              <p:pRg st="5" end="5"/>
+                                            </p:txEl>
+                                          </p:spTgt>
+                                        </p:tgtEl>
+                                        <p:attrNameLst>
+                                          <p:attrName>style.visibility</p:attrName>
+                                        </p:attrNameLst>
+                                      </p:cBhvr>
+                                      <p:to>
+                                        <p:strVal val="visible"/>
+                                      </p:to>
+                                    </p:set>
+                                    <p:animEffect transition="in" filter="fade">
+                                      <p:cBhvr>
+                                        <p:cTn id="27" dur="500"/>
+                                        <p:tgtEl>
+                                          <p:spTgt spid="338">
+                                            <p:txEl>
+                                              <p:pRg st="5" end="5"/>
+                                            </p:txEl>
+                                          </p:spTgt>
+                                        </p:tgtEl>
+                                      </p:cBhvr>
+                                    </p:animEffect>
+                                  </p:childTnLst>
+                                </p:cTn>
+                              </p:par>
+                            </p:childTnLst>
+                          </p:cTn>
+                        </p:par>
+                        <p:par>
+                          <p:cTn id="28" fill="hold">
+                            <p:stCondLst>
+                              <p:cond delay="500"/>
+                            </p:stCondLst>
+                            <p:childTnLst>
+                              <p:par>
+                                <p:cTn id="29" presetID="10" presetClass="entr" presetSubtype="0" fill="hold" grpId="0" nodeType="afterEffect">
+                                  <p:stCondLst>
+                                    <p:cond delay="0"/>
+                                  </p:stCondLst>
+                                  <p:childTnLst>
+                                    <p:set>
+                                      <p:cBhvr>
+                                        <p:cTn id="30" dur="1" fill="hold">
+                                          <p:stCondLst>
+                                            <p:cond delay="0"/>
+                                          </p:stCondLst>
+                                        </p:cTn>
+                                        <p:tgtEl>
+                                          <p:spTgt spid="346"/>
+                                        </p:tgtEl>
+                                        <p:attrNameLst>
+                                          <p:attrName>style.visibility</p:attrName>
+                                        </p:attrNameLst>
+                                      </p:cBhvr>
+                                      <p:to>
+                                        <p:strVal val="visible"/>
+                                      </p:to>
+                                    </p:set>
+                                    <p:animEffect transition="in" filter="fade">
+                                      <p:cBhvr>
+                                        <p:cTn id="31" dur="500"/>
+                                        <p:tgtEl>
+                                          <p:spTgt spid="346"/>
+                                        </p:tgtEl>
+                                      </p:cBhvr>
+                                    </p:animEffect>
+                                  </p:childTnLst>
+                                </p:cTn>
+                              </p:par>
+                            </p:childTnLst>
+                          </p:cTn>
+                        </p:par>
+                        <p:par>
+                          <p:cTn id="32" fill="hold">
+                            <p:stCondLst>
+                              <p:cond delay="1000"/>
+                            </p:stCondLst>
+                            <p:childTnLst>
+                              <p:par>
+                                <p:cTn id="33" presetID="10" presetClass="entr" presetSubtype="0" fill="hold" nodeType="afterEffect">
+                                  <p:stCondLst>
+                                    <p:cond delay="0"/>
+                                  </p:stCondLst>
+                                  <p:childTnLst>
+                                    <p:set>
+                                      <p:cBhvr>
+                                        <p:cTn id="34" dur="1" fill="hold">
+                                          <p:stCondLst>
+                                            <p:cond delay="0"/>
+                                          </p:stCondLst>
+                                        </p:cTn>
+                                        <p:tgtEl>
+                                          <p:spTgt spid="8"/>
+                                        </p:tgtEl>
+                                        <p:attrNameLst>
+                                          <p:attrName>style.visibility</p:attrName>
+                                        </p:attrNameLst>
+                                      </p:cBhvr>
+                                      <p:to>
+                                        <p:strVal val="visible"/>
+                                      </p:to>
+                                    </p:set>
+                                    <p:animEffect transition="in" filter="fade">
+                                      <p:cBhvr>
+                                        <p:cTn id="35" dur="500"/>
+                                        <p:tgtEl>
+                                          <p:spTgt spid="8"/>
+                                        </p:tgtEl>
+                                      </p:cBhvr>
+                                    </p:animEffect>
+                                  </p:childTnLst>
+                                </p:cTn>
+                              </p:par>
+                            </p:childTnLst>
+                          </p:cTn>
+                        </p:par>
+                        <p:par>
+                          <p:cTn id="36" fill="hold">
+                            <p:stCondLst>
+                              <p:cond delay="1500"/>
+                            </p:stCondLst>
+                            <p:childTnLst>
+                              <p:par>
+                                <p:cTn id="37" presetID="10" presetClass="entr" presetSubtype="0" fill="hold" nodeType="afterEffect">
+                                  <p:stCondLst>
+                                    <p:cond delay="0"/>
+                                  </p:stCondLst>
+                                  <p:childTnLst>
+                                    <p:set>
+                                      <p:cBhvr>
+                                        <p:cTn id="38" dur="1" fill="hold">
+                                          <p:stCondLst>
+                                            <p:cond delay="0"/>
+                                          </p:stCondLst>
+                                        </p:cTn>
+                                        <p:tgtEl>
+                                          <p:spTgt spid="10"/>
+                                        </p:tgtEl>
+                                        <p:attrNameLst>
+                                          <p:attrName>style.visibility</p:attrName>
+                                        </p:attrNameLst>
+                                      </p:cBhvr>
+                                      <p:to>
+                                        <p:strVal val="visible"/>
+                                      </p:to>
+                                    </p:set>
+                                    <p:animEffect transition="in" filter="fade">
+                                      <p:cBhvr>
+                                        <p:cTn id="39" dur="500"/>
+                                        <p:tgtEl>
+                                          <p:spTgt spid="10"/>
+                                        </p:tgtEl>
+                                      </p:cBhvr>
+                                    </p:animEffect>
+                                  </p:childTnLst>
+                                </p:cTn>
+                              </p:par>
+                            </p:childTnLst>
+                          </p:cTn>
+                        </p:par>
+                      </p:childTnLst>
+                    </p:cTn>
+                  </p:par>
+                  <p:par>
+                    <p:cTn id="40" fill="hold">
+                      <p:stCondLst>
+                        <p:cond delay="indefinite"/>
+                      </p:stCondLst>
+                      <p:childTnLst>
+                        <p:par>
+                          <p:cTn id="41" fill="hold">
+                            <p:stCondLst>
+                              <p:cond delay="0"/>
+                            </p:stCondLst>
+                            <p:childTnLst>
+                              <p:par>
+                                <p:cTn id="42" presetID="10" presetClass="entr" presetSubtype="0" fill="hold" grpId="0" nodeType="clickEffect">
+                                  <p:stCondLst>
+                                    <p:cond delay="0"/>
+                                  </p:stCondLst>
+                                  <p:childTnLst>
+                                    <p:set>
+                                      <p:cBhvr>
+                                        <p:cTn id="43" dur="1" fill="hold">
+                                          <p:stCondLst>
+                                            <p:cond delay="0"/>
+                                          </p:stCondLst>
+                                        </p:cTn>
+                                        <p:tgtEl>
+                                          <p:spTgt spid="338">
+                                            <p:txEl>
+                                              <p:pRg st="7" end="7"/>
+                                            </p:txEl>
+                                          </p:spTgt>
+                                        </p:tgtEl>
+                                        <p:attrNameLst>
+                                          <p:attrName>style.visibility</p:attrName>
+                                        </p:attrNameLst>
+                                      </p:cBhvr>
+                                      <p:to>
+                                        <p:strVal val="visible"/>
+                                      </p:to>
+                                    </p:set>
+                                    <p:animEffect transition="in" filter="fade">
+                                      <p:cBhvr>
+                                        <p:cTn id="44" dur="500"/>
+                                        <p:tgtEl>
+                                          <p:spTgt spid="338">
+                                            <p:txEl>
+                                              <p:pRg st="7" end="7"/>
+                                            </p:txEl>
+                                          </p:spTgt>
+                                        </p:tgtEl>
+                                      </p:cBhvr>
+                                    </p:animEffect>
+                                  </p:childTnLst>
+                                </p:cTn>
+                              </p:par>
+                              <p:par>
+                                <p:cTn id="45" presetID="10" presetClass="entr" presetSubtype="0" fill="hold" grpId="0" nodeType="withEffect">
+                                  <p:stCondLst>
+                                    <p:cond delay="0"/>
+                                  </p:stCondLst>
+                                  <p:childTnLst>
+                                    <p:set>
+                                      <p:cBhvr>
+                                        <p:cTn id="46" dur="1" fill="hold">
+                                          <p:stCondLst>
+                                            <p:cond delay="0"/>
+                                          </p:stCondLst>
+                                        </p:cTn>
+                                        <p:tgtEl>
+                                          <p:spTgt spid="338">
+                                            <p:txEl>
+                                              <p:pRg st="8" end="8"/>
+                                            </p:txEl>
+                                          </p:spTgt>
+                                        </p:tgtEl>
+                                        <p:attrNameLst>
+                                          <p:attrName>style.visibility</p:attrName>
+                                        </p:attrNameLst>
+                                      </p:cBhvr>
+                                      <p:to>
+                                        <p:strVal val="visible"/>
+                                      </p:to>
+                                    </p:set>
+                                    <p:animEffect transition="in" filter="fade">
+                                      <p:cBhvr>
+                                        <p:cTn id="47" dur="500"/>
+                                        <p:tgtEl>
+                                          <p:spTgt spid="338">
+                                            <p:txEl>
+                                              <p:pRg st="8" end="8"/>
+                                            </p:txEl>
+                                          </p:spTgt>
+                                        </p:tgtEl>
+                                      </p:cBhvr>
+                                    </p:animEffect>
+                                  </p:childTnLst>
+                                </p:cTn>
+                              </p:par>
+                              <p:par>
+                                <p:cTn id="48" presetID="10" presetClass="entr" presetSubtype="0" fill="hold" grpId="0" nodeType="withEffect">
+                                  <p:stCondLst>
+                                    <p:cond delay="0"/>
+                                  </p:stCondLst>
+                                  <p:childTnLst>
+                                    <p:set>
+                                      <p:cBhvr>
+                                        <p:cTn id="49" dur="1" fill="hold">
+                                          <p:stCondLst>
+                                            <p:cond delay="0"/>
+                                          </p:stCondLst>
+                                        </p:cTn>
+                                        <p:tgtEl>
+                                          <p:spTgt spid="338">
+                                            <p:txEl>
+                                              <p:pRg st="9" end="9"/>
+                                            </p:txEl>
+                                          </p:spTgt>
+                                        </p:tgtEl>
+                                        <p:attrNameLst>
+                                          <p:attrName>style.visibility</p:attrName>
+                                        </p:attrNameLst>
+                                      </p:cBhvr>
+                                      <p:to>
+                                        <p:strVal val="visible"/>
+                                      </p:to>
+                                    </p:set>
+                                    <p:animEffect transition="in" filter="fade">
+                                      <p:cBhvr>
+                                        <p:cTn id="50" dur="500"/>
+                                        <p:tgtEl>
+                                          <p:spTgt spid="338">
+                                            <p:txEl>
+                                              <p:pRg st="9" end="9"/>
+                                            </p:txEl>
+                                          </p:spTgt>
+                                        </p:tgtEl>
+                                      </p:cBhvr>
+                                    </p:animEffect>
+                                  </p:childTnLst>
+                                </p:cTn>
+                              </p:par>
+                              <p:par>
+                                <p:cTn id="51" presetID="10" presetClass="entr" presetSubtype="0" fill="hold" grpId="0" nodeType="withEffect">
+                                  <p:stCondLst>
+                                    <p:cond delay="0"/>
+                                  </p:stCondLst>
+                                  <p:childTnLst>
+                                    <p:set>
+                                      <p:cBhvr>
+                                        <p:cTn id="52" dur="1" fill="hold">
+                                          <p:stCondLst>
+                                            <p:cond delay="0"/>
+                                          </p:stCondLst>
+                                        </p:cTn>
+                                        <p:tgtEl>
+                                          <p:spTgt spid="338">
+                                            <p:txEl>
+                                              <p:pRg st="10" end="10"/>
+                                            </p:txEl>
+                                          </p:spTgt>
+                                        </p:tgtEl>
+                                        <p:attrNameLst>
+                                          <p:attrName>style.visibility</p:attrName>
+                                        </p:attrNameLst>
+                                      </p:cBhvr>
+                                      <p:to>
+                                        <p:strVal val="visible"/>
+                                      </p:to>
+                                    </p:set>
+                                    <p:animEffect transition="in" filter="fade">
+                                      <p:cBhvr>
+                                        <p:cTn id="53" dur="500"/>
+                                        <p:tgtEl>
+                                          <p:spTgt spid="338">
+                                            <p:txEl>
+                                              <p:pRg st="10" end="10"/>
+                                            </p:txEl>
+                                          </p:spTgt>
+                                        </p:tgtEl>
+                                      </p:cBhvr>
+                                    </p:animEffect>
+                                  </p:childTnLst>
+                                </p:cTn>
+                              </p:par>
+                              <p:par>
+                                <p:cTn id="54" presetID="10" presetClass="entr" presetSubtype="0" fill="hold" grpId="0" nodeType="withEffect">
+                                  <p:stCondLst>
+                                    <p:cond delay="0"/>
+                                  </p:stCondLst>
+                                  <p:childTnLst>
+                                    <p:set>
+                                      <p:cBhvr>
+                                        <p:cTn id="55" dur="1" fill="hold">
+                                          <p:stCondLst>
+                                            <p:cond delay="0"/>
+                                          </p:stCondLst>
+                                        </p:cTn>
+                                        <p:tgtEl>
+                                          <p:spTgt spid="338">
+                                            <p:txEl>
+                                              <p:pRg st="11" end="11"/>
+                                            </p:txEl>
+                                          </p:spTgt>
+                                        </p:tgtEl>
+                                        <p:attrNameLst>
+                                          <p:attrName>style.visibility</p:attrName>
+                                        </p:attrNameLst>
+                                      </p:cBhvr>
+                                      <p:to>
+                                        <p:strVal val="visible"/>
+                                      </p:to>
+                                    </p:set>
+                                    <p:animEffect transition="in" filter="fade">
+                                      <p:cBhvr>
+                                        <p:cTn id="56" dur="500"/>
+                                        <p:tgtEl>
+                                          <p:spTgt spid="338">
+                                            <p:txEl>
+                                              <p:pRg st="11" end="11"/>
+                                            </p:txEl>
+                                          </p:spTgt>
+                                        </p:tgtEl>
+                                      </p:cBhvr>
+                                    </p:animEffect>
+                                  </p:childTnLst>
+                                </p:cTn>
+                              </p:par>
+                            </p:childTnLst>
+                          </p:cTn>
+                        </p:par>
+                        <p:par>
+                          <p:cTn id="57" fill="hold">
+                            <p:stCondLst>
+                              <p:cond delay="500"/>
+                            </p:stCondLst>
+                            <p:childTnLst>
+                              <p:par>
+                                <p:cTn id="58" presetID="10" presetClass="entr" presetSubtype="0" fill="hold" grpId="0" nodeType="afterEffect">
+                                  <p:stCondLst>
+                                    <p:cond delay="0"/>
+                                  </p:stCondLst>
+                                  <p:childTnLst>
+                                    <p:set>
+                                      <p:cBhvr>
+                                        <p:cTn id="59" dur="1" fill="hold">
+                                          <p:stCondLst>
+                                            <p:cond delay="0"/>
+                                          </p:stCondLst>
+                                        </p:cTn>
+                                        <p:tgtEl>
+                                          <p:spTgt spid="11"/>
+                                        </p:tgtEl>
+                                        <p:attrNameLst>
+                                          <p:attrName>style.visibility</p:attrName>
+                                        </p:attrNameLst>
+                                      </p:cBhvr>
+                                      <p:to>
+                                        <p:strVal val="visible"/>
+                                      </p:to>
+                                    </p:set>
+                                    <p:animEffect transition="in" filter="fade">
+                                      <p:cBhvr>
+                                        <p:cTn id="60" dur="500"/>
+                                        <p:tgtEl>
+                                          <p:spTgt spid="11"/>
+                                        </p:tgtEl>
+                                      </p:cBhvr>
+                                    </p:animEffect>
+                                  </p:childTnLst>
+                                </p:cTn>
+                              </p:par>
+                            </p:childTnLst>
+                          </p:cTn>
+                        </p:par>
+                      </p:childTnLst>
+                    </p:cTn>
+                  </p:par>
+                </p:childTnLst>
+              </p:cTn>
+              <p:prevCondLst>
+                <p:cond evt="onPrev" delay="0">
+                  <p:tgtEl>
+                    <p:sldTgt/>
+                  </p:tgtEl>
+                </p:cond>
+              </p:prevCondLst>
+              <p:nextCondLst>
+                <p:cond evt="onNext" delay="0">
+                  <p:tgtEl>
+                    <p:sldTgt/>
+                  </p:tgtEl>
+                </p:cond>
+              </p:nextCondLst>
+            </p:seq>
+          </p:childTnLst>
+        </p:cTn>
+      </p:par>
+    </p:tnLst>
+    <p:bldLst>
+      <p:bldP spid="338" grpId="0" uiExpand="1" build="p"/>
+      <p:bldP spid="340" grpId="0"/>
+      <p:bldP spid="346" grpId="0"/>
+      <p:bldP spid="11" grpId="0" animBg="1"/>
+    </p:bldLst>
+  </p:timing>
 </p:sld>
 </file>
 
@@ -14600,7 +15834,7 @@
             <p:spPr>
               <a:xfrm>
                 <a:off x="160732" y="963200"/>
-                <a:ext cx="11867599" cy="5452800"/>
+                <a:ext cx="7708945" cy="5452800"/>
               </a:xfrm>
               <a:prstGeom prst="rect">
                 <a:avLst/>
@@ -14608,29 +15842,43 @@
             </p:spPr>
             <p:txBody>
               <a:bodyPr spcFirstLastPara="1" wrap="square" lIns="121900" tIns="121900" rIns="121900" bIns="121900" anchor="t" anchorCtr="0">
-                <a:normAutofit/>
+                <a:normAutofit fontScale="92500"/>
               </a:bodyPr>
               <a:lstStyle/>
               <a:p>
                 <a:pPr marL="285750" indent="-285750"/>
                 <a:r>
                   <a:rPr lang="en-IN" dirty="0"/>
-                  <a:t>Explicit Weakly Compressible Models</a:t>
+                  <a:t>Explicit Pressure EOS-based Models</a:t>
                 </a:r>
+                <a:r>
+                  <a:rPr lang="en-IN" baseline="30000" dirty="0"/>
+                  <a:t>[1]</a:t>
+                </a:r>
+                <a:endParaRPr lang="en-IN" dirty="0"/>
               </a:p>
               <a:p>
                 <a:pPr marL="895335" lvl="1" indent="-285750"/>
                 <a:r>
                   <a:rPr lang="en-IN" dirty="0"/>
-                  <a:t>[Okraschevski2022] Reinterpret SPH as a </a:t>
+                  <a:t>Reinterpret SPH </a:t>
+                </a:r>
+                <a:r>
+                  <a:rPr lang="en-IN" dirty="0">
+                    <a:sym typeface="Wingdings" panose="05000000000000000000" pitchFamily="2" charset="2"/>
+                  </a:rPr>
+                  <a:t> </a:t>
                 </a:r>
                 <a:r>
                   <a:rPr lang="en-US" dirty="0"/>
-                  <a:t>Lagrangian quadrature technique for explicit LES eqs</a:t>
+                  <a:t>Lagrangian quadrature technique for explicit LES</a:t>
                 </a:r>
               </a:p>
               <a:p>
-                <a:pPr marL="1504919" lvl="2" indent="-285750"/>
+                <a:pPr marL="1562069" lvl="2" indent="-342900">
+                  <a:buFont typeface="Wingdings" panose="05000000000000000000" pitchFamily="2" charset="2"/>
+                  <a:buChar char="Ø"/>
+                </a:pPr>
                 <a:r>
                   <a:rPr lang="en-IN" dirty="0">
                     <a:sym typeface="Wingdings" panose="05000000000000000000" pitchFamily="2" charset="2"/>
@@ -14641,10 +15889,18 @@
               <a:p>
                 <a:pPr marL="895335" lvl="1" indent="-285750"/>
                 <a:r>
+                  <a:rPr lang="en-IN" dirty="0"/>
+                  <a:t>Navier-Stokes (NS) eqs. </a:t>
+                </a:r>
+                <a:r>
                   <a:rPr lang="en-IN" dirty="0">
                     <a:sym typeface="Wingdings" panose="05000000000000000000" pitchFamily="2" charset="2"/>
                   </a:rPr>
-                  <a:t>Considered spatial filtering on compressible NS </a:t>
+                  <a:t></a:t>
+                </a:r>
+                <a:r>
+                  <a:rPr lang="en-IN" dirty="0"/>
+                  <a:t> Spatially filtered</a:t>
                 </a:r>
               </a:p>
               <a:p>
@@ -14653,7 +15909,33 @@
                   <a:rPr lang="en-IN" dirty="0">
                     <a:sym typeface="Wingdings" panose="05000000000000000000" pitchFamily="2" charset="2"/>
                   </a:rPr>
-                  <a:t>Compared multiple Smagorinsky models (standard, sigma, MCG-form)</a:t>
+                  <a:t>Compared multiple Smagorinsky models	</a:t>
+                </a:r>
+              </a:p>
+              <a:p>
+                <a:pPr marL="1504919" lvl="2" indent="-285750"/>
+                <a:r>
+                  <a:rPr lang="en-IN" dirty="0">
+                    <a:sym typeface="Wingdings" panose="05000000000000000000" pitchFamily="2" charset="2"/>
+                  </a:rPr>
+                  <a:t>(standard, </a:t>
+                </a:r>
+                <a14:m>
+                  <m:oMath xmlns:m="http://schemas.openxmlformats.org/officeDocument/2006/math">
+                    <m:r>
+                      <a:rPr lang="en-IN" b="0" i="1" smtClean="0">
+                        <a:latin typeface="Cambria Math" panose="02040503050406030204" pitchFamily="18" charset="0"/>
+                        <a:sym typeface="Wingdings" panose="05000000000000000000" pitchFamily="2" charset="2"/>
+                      </a:rPr>
+                      <m:t>𝜎</m:t>
+                    </m:r>
+                  </m:oMath>
+                </a14:m>
+                <a:r>
+                  <a:rPr lang="en-IN" dirty="0">
+                    <a:sym typeface="Wingdings" panose="05000000000000000000" pitchFamily="2" charset="2"/>
+                  </a:rPr>
+                  <a:t>, MCG-form)</a:t>
                 </a:r>
               </a:p>
               <a:p>
@@ -14922,12 +16204,21 @@
                 </a:endParaRPr>
               </a:p>
               <a:p>
-                <a:pPr marL="1504919" lvl="2" indent="-285750"/>
+                <a:pPr marL="895335" lvl="1" indent="-285750"/>
+                <a:endParaRPr lang="en-IN" dirty="0">
+                  <a:sym typeface="Wingdings" panose="05000000000000000000" pitchFamily="2" charset="2"/>
+                </a:endParaRPr>
+              </a:p>
+              <a:p>
+                <a:pPr marL="895335" lvl="1" indent="-285750"/>
                 <a:r>
                   <a:rPr lang="en-IN" dirty="0">
+                    <a:solidFill>
+                      <a:srgbClr val="0070C0"/>
+                    </a:solidFill>
                     <a:sym typeface="Wingdings" panose="05000000000000000000" pitchFamily="2" charset="2"/>
                   </a:rPr>
-                  <a:t>All of the Smagorisnky models reduced the averaged kinetic energy</a:t>
+                  <a:t>Comments</a:t>
                 </a:r>
               </a:p>
               <a:p>
@@ -14936,16 +16227,7 @@
                   <a:rPr lang="en-IN" dirty="0">
                     <a:sym typeface="Wingdings" panose="05000000000000000000" pitchFamily="2" charset="2"/>
                   </a:rPr>
-                  <a:t>Did not predict the dissipation rates accurately</a:t>
-                </a:r>
-              </a:p>
-              <a:p>
-                <a:pPr marL="895335" lvl="1" indent="-285750"/>
-                <a:r>
-                  <a:rPr lang="en-IN" dirty="0">
-                    <a:sym typeface="Wingdings" panose="05000000000000000000" pitchFamily="2" charset="2"/>
-                  </a:rPr>
-                  <a:t>Overall comments:</a:t>
+                  <a:t>Smagorisnky models reduced averaged kinetic energy</a:t>
                 </a:r>
               </a:p>
               <a:p>
@@ -14954,7 +16236,7 @@
                   <a:rPr lang="en-IN" dirty="0">
                     <a:sym typeface="Wingdings" panose="05000000000000000000" pitchFamily="2" charset="2"/>
                   </a:rPr>
-                  <a:t>[fig2.14a,c]</a:t>
+                  <a:t>Dissipation rates not predicted accurately</a:t>
                 </a:r>
               </a:p>
               <a:p>
@@ -14963,7 +16245,13 @@
                   <a:rPr lang="en-IN" dirty="0">
                     <a:sym typeface="Wingdings" panose="05000000000000000000" pitchFamily="2" charset="2"/>
                   </a:rPr>
-                  <a:t>SPH can capture turbulence up to kernel scale at a high cost</a:t>
+                  <a:t>SPH can capture turbulence up to kernel scale </a:t>
+                </a:r>
+                <a:r>
+                  <a:rPr lang="en-IN" i="1" dirty="0">
+                    <a:sym typeface="Wingdings" panose="05000000000000000000" pitchFamily="2" charset="2"/>
+                  </a:rPr>
+                  <a:t>(high cost)</a:t>
                 </a:r>
               </a:p>
               <a:p>
@@ -14972,7 +16260,7 @@
                   <a:rPr lang="en-IN" dirty="0">
                     <a:sym typeface="Wingdings" panose="05000000000000000000" pitchFamily="2" charset="2"/>
                   </a:rPr>
-                  <a:t>Explicit SFS models will remove kinetic energy, heightening the energy deficit of standard SPH</a:t>
+                  <a:t>Explicit SGS models remove kinetic energy  Increases energy deficit of standard SPH</a:t>
                 </a:r>
               </a:p>
               <a:p>
@@ -14981,7 +16269,11 @@
                   <a:rPr lang="en-US" dirty="0">
                     <a:sym typeface="Wingdings" panose="05000000000000000000" pitchFamily="2" charset="2"/>
                   </a:rPr>
-                  <a:t>Such models in an SPH framework can only degrade the quality of the approximation for subsonic turbulent flow [rennehan2021mixing]</a:t>
+                  <a:t>“SGS models in SPH framework only degrade the quality of the subsonic turbulent flow approximation”</a:t>
+                </a:r>
+                <a:r>
+                  <a:rPr lang="en-IN" baseline="30000" dirty="0"/>
+                  <a:t>[2]</a:t>
                 </a:r>
                 <a:endParaRPr lang="en-IN" dirty="0">
                   <a:sym typeface="Wingdings" panose="05000000000000000000" pitchFamily="2" charset="2"/>
@@ -15022,7 +16314,7 @@
             <p:spPr>
               <a:xfrm>
                 <a:off x="160732" y="963200"/>
-                <a:ext cx="11867599" cy="5452800"/>
+                <a:ext cx="7708945" cy="5452800"/>
               </a:xfrm>
               <a:prstGeom prst="rect">
                 <a:avLst/>
@@ -15030,7 +16322,7 @@
               <a:blipFill>
                 <a:blip r:embed="rId3"/>
                 <a:stretch>
-                  <a:fillRect l="-154"/>
+                  <a:fillRect l="-237"/>
                 </a:stretch>
               </a:blipFill>
             </p:spPr>
@@ -15161,8 +16453,8 @@
         </p:nvSpPr>
         <p:spPr>
           <a:xfrm>
-            <a:off x="0" y="6333201"/>
-            <a:ext cx="9910400" cy="410393"/>
+            <a:off x="-1" y="6226193"/>
+            <a:ext cx="11296731" cy="523180"/>
           </a:xfrm>
           <a:prstGeom prst="rect">
             <a:avLst/>
@@ -15179,7 +16471,7 @@
           <a:lstStyle/>
           <a:p>
             <a:r>
-              <a:rPr lang="en-US" sz="1067" dirty="0">
+              <a:rPr lang="en-US" sz="900" dirty="0">
                 <a:solidFill>
                   <a:schemeClr val="accent3"/>
                 </a:solidFill>
@@ -15188,10 +16480,12 @@
                 <a:cs typeface="Proxima Nova"/>
                 <a:sym typeface="Proxima Nova"/>
               </a:rPr>
-              <a:t>[1] </a:t>
+              <a:t>[1] M. Okraschevski, N. Bürkle, R. Koch, and H.-J. Bauer, “Smoothed Particle Hydrodynamics Physically Reconsidered -- The Relation to Explicit Large Eddy Simulation and the Issue of Particle Duality,” 2022, [Online].</a:t>
             </a:r>
+          </a:p>
+          <a:p>
             <a:r>
-              <a:rPr lang="en-US" sz="1067" dirty="0" err="1">
+              <a:rPr lang="en-US" sz="900" dirty="0">
                 <a:solidFill>
                   <a:schemeClr val="accent3"/>
                 </a:solidFill>
@@ -15200,44 +16494,248 @@
                 <a:cs typeface="Proxima Nova"/>
                 <a:sym typeface="Proxima Nova"/>
               </a:rPr>
-              <a:t>Dynnikova</a:t>
+              <a:t>[2] D. Rennehan, “Mixing matters,” Mon. Not. R. Astron. Soc., vol. 506, no. 2, pp. 2836–2852, 2021.</a:t>
             </a:r>
-            <a:r>
-              <a:rPr lang="en-US" sz="1067" dirty="0">
-                <a:solidFill>
-                  <a:schemeClr val="accent3"/>
-                </a:solidFill>
-                <a:latin typeface="Proxima Nova"/>
-                <a:ea typeface="Proxima Nova"/>
-                <a:cs typeface="Proxima Nova"/>
-                <a:sym typeface="Proxima Nova"/>
-              </a:rPr>
-              <a:t>, G. </a:t>
-            </a:r>
-            <a:r>
-              <a:rPr lang="en-US" sz="1067" dirty="0" err="1">
-                <a:solidFill>
-                  <a:schemeClr val="accent3"/>
-                </a:solidFill>
-                <a:latin typeface="Proxima Nova"/>
-                <a:ea typeface="Proxima Nova"/>
-                <a:cs typeface="Proxima Nova"/>
-                <a:sym typeface="Proxima Nova"/>
-              </a:rPr>
-              <a:t>Ya</a:t>
-            </a:r>
-            <a:r>
-              <a:rPr lang="en-US" sz="1067" dirty="0">
-                <a:solidFill>
-                  <a:schemeClr val="accent3"/>
-                </a:solidFill>
-                <a:latin typeface="Proxima Nova"/>
-                <a:ea typeface="Proxima Nova"/>
-                <a:cs typeface="Proxima Nova"/>
-                <a:sym typeface="Proxima Nova"/>
-              </a:rPr>
-              <a:t> et al. (2021). “Stability of a reverse Karman vortex street”. In: Physics of Fluids 33.2. ISSN: 10897666. DOI: 10.1063/5.0035575.</a:t>
-            </a:r>
+          </a:p>
+        </p:txBody>
+      </p:sp>
+      <p:grpSp>
+        <p:nvGrpSpPr>
+          <p:cNvPr id="12" name="Group 11">
+            <a:extLst>
+              <a:ext uri="{FF2B5EF4-FFF2-40B4-BE49-F238E27FC236}">
+                <a16:creationId xmlns:a16="http://schemas.microsoft.com/office/drawing/2014/main" id="{6CE8B8B6-DC12-E0DE-4F5C-C71E6D9C4754}"/>
+              </a:ext>
+            </a:extLst>
+          </p:cNvPr>
+          <p:cNvGrpSpPr/>
+          <p:nvPr/>
+        </p:nvGrpSpPr>
+        <p:grpSpPr>
+          <a:xfrm>
+            <a:off x="7706010" y="917484"/>
+            <a:ext cx="4322323" cy="5368817"/>
+            <a:chOff x="7920433" y="866141"/>
+            <a:chExt cx="4322323" cy="5368817"/>
+          </a:xfrm>
+        </p:grpSpPr>
+        <p:sp>
+          <p:nvSpPr>
+            <p:cNvPr id="10" name="TextBox 9">
+              <a:extLst>
+                <a:ext uri="{FF2B5EF4-FFF2-40B4-BE49-F238E27FC236}">
+                  <a16:creationId xmlns:a16="http://schemas.microsoft.com/office/drawing/2014/main" id="{6FD02A88-34BE-A812-2652-1765DD5E671E}"/>
+                </a:ext>
+              </a:extLst>
+            </p:cNvPr>
+            <p:cNvSpPr txBox="1"/>
+            <p:nvPr/>
+          </p:nvSpPr>
+          <p:spPr>
+            <a:xfrm>
+              <a:off x="7920433" y="5773293"/>
+              <a:ext cx="4322323" cy="461665"/>
+            </a:xfrm>
+            <a:prstGeom prst="rect">
+              <a:avLst/>
+            </a:prstGeom>
+            <a:noFill/>
+          </p:spPr>
+          <p:txBody>
+            <a:bodyPr wrap="square" rtlCol="0">
+              <a:spAutoFit/>
+            </a:bodyPr>
+            <a:lstStyle/>
+            <a:p>
+              <a:pPr algn="ctr"/>
+              <a:r>
+                <a:rPr lang="en-IN" sz="1200" b="1" dirty="0">
+                  <a:latin typeface="Proxima Nova"/>
+                </a:rPr>
+                <a:t>Fig</a:t>
+              </a:r>
+              <a:r>
+                <a:rPr lang="en-IN" sz="1200" dirty="0">
+                  <a:latin typeface="Proxima Nova"/>
+                </a:rPr>
+                <a:t>: Density-weighted averaged kinetic energy (top), averaged dissipation rate (bottom)</a:t>
+              </a:r>
+              <a:r>
+                <a:rPr lang="en-US" sz="1200" dirty="0">
+                  <a:latin typeface="Proxima Nova"/>
+                </a:rPr>
+                <a:t>. </a:t>
+              </a:r>
+              <a:r>
+                <a:rPr lang="en-IN" sz="1200" dirty="0">
+                  <a:latin typeface="Proxima Nova"/>
+                </a:rPr>
+                <a:t>(Rep: </a:t>
+              </a:r>
+              <a:r>
+                <a:rPr lang="en-US" sz="1200" dirty="0">
+                  <a:solidFill>
+                    <a:schemeClr val="accent3"/>
+                  </a:solidFill>
+                  <a:latin typeface="Proxima Nova"/>
+                  <a:ea typeface="Proxima Nova"/>
+                  <a:cs typeface="Proxima Nova"/>
+                  <a:sym typeface="Proxima Nova"/>
+                </a:rPr>
+                <a:t>Okraschevski</a:t>
+              </a:r>
+              <a:r>
+                <a:rPr lang="en-IN" sz="1200" dirty="0">
+                  <a:latin typeface="Proxima Nova"/>
+                </a:rPr>
+                <a:t> et al)</a:t>
+              </a:r>
+            </a:p>
+          </p:txBody>
+        </p:sp>
+        <p:grpSp>
+          <p:nvGrpSpPr>
+            <p:cNvPr id="11" name="Group 10">
+              <a:extLst>
+                <a:ext uri="{FF2B5EF4-FFF2-40B4-BE49-F238E27FC236}">
+                  <a16:creationId xmlns:a16="http://schemas.microsoft.com/office/drawing/2014/main" id="{5C1440C4-EE28-7D43-1D6E-7FBF92832D7F}"/>
+                </a:ext>
+              </a:extLst>
+            </p:cNvPr>
+            <p:cNvGrpSpPr/>
+            <p:nvPr/>
+          </p:nvGrpSpPr>
+          <p:grpSpPr>
+            <a:xfrm>
+              <a:off x="8272018" y="866141"/>
+              <a:ext cx="3409727" cy="4934203"/>
+              <a:chOff x="5764303" y="879426"/>
+              <a:chExt cx="2687484" cy="4784475"/>
+            </a:xfrm>
+          </p:grpSpPr>
+          <p:pic>
+            <p:nvPicPr>
+              <p:cNvPr id="8" name="Picture 7">
+                <a:extLst>
+                  <a:ext uri="{FF2B5EF4-FFF2-40B4-BE49-F238E27FC236}">
+                    <a16:creationId xmlns:a16="http://schemas.microsoft.com/office/drawing/2014/main" id="{95019F78-9531-39F2-D73B-8705661D8415}"/>
+                  </a:ext>
+                </a:extLst>
+              </p:cNvPr>
+              <p:cNvPicPr>
+                <a:picLocks noChangeAspect="1"/>
+              </p:cNvPicPr>
+              <p:nvPr/>
+            </p:nvPicPr>
+            <p:blipFill rotWithShape="1">
+              <a:blip r:embed="rId4">
+                <a:extLst>
+                  <a:ext uri="{28A0092B-C50C-407E-A947-70E740481C1C}">
+                    <a14:useLocalDpi xmlns:a14="http://schemas.microsoft.com/office/drawing/2010/main" val="0"/>
+                  </a:ext>
+                </a:extLst>
+              </a:blip>
+              <a:srcRect t="54236" r="49533"/>
+              <a:stretch/>
+            </p:blipFill>
+            <p:spPr>
+              <a:xfrm>
+                <a:off x="5764303" y="3257518"/>
+                <a:ext cx="2684956" cy="2406383"/>
+              </a:xfrm>
+              <a:prstGeom prst="rect">
+                <a:avLst/>
+              </a:prstGeom>
+            </p:spPr>
+          </p:pic>
+          <p:pic>
+            <p:nvPicPr>
+              <p:cNvPr id="6" name="Picture 5">
+                <a:extLst>
+                  <a:ext uri="{FF2B5EF4-FFF2-40B4-BE49-F238E27FC236}">
+                    <a16:creationId xmlns:a16="http://schemas.microsoft.com/office/drawing/2014/main" id="{4499D394-141F-F0BA-5D84-07E3010680DD}"/>
+                  </a:ext>
+                </a:extLst>
+              </p:cNvPr>
+              <p:cNvPicPr>
+                <a:picLocks noChangeAspect="1"/>
+              </p:cNvPicPr>
+              <p:nvPr/>
+            </p:nvPicPr>
+            <p:blipFill rotWithShape="1">
+              <a:blip r:embed="rId4">
+                <a:extLst>
+                  <a:ext uri="{28A0092B-C50C-407E-A947-70E740481C1C}">
+                    <a14:useLocalDpi xmlns:a14="http://schemas.microsoft.com/office/drawing/2010/main" val="0"/>
+                  </a:ext>
+                </a:extLst>
+              </a:blip>
+              <a:srcRect t="1731" r="49533" b="51549"/>
+              <a:stretch/>
+            </p:blipFill>
+            <p:spPr>
+              <a:xfrm>
+                <a:off x="5844314" y="879426"/>
+                <a:ext cx="2607473" cy="2385744"/>
+              </a:xfrm>
+              <a:prstGeom prst="rect">
+                <a:avLst/>
+              </a:prstGeom>
+            </p:spPr>
+          </p:pic>
+        </p:grpSp>
+      </p:grpSp>
+      <p:sp>
+        <p:nvSpPr>
+          <p:cNvPr id="13" name="Rectangle: Rounded Corners 12">
+            <a:extLst>
+              <a:ext uri="{FF2B5EF4-FFF2-40B4-BE49-F238E27FC236}">
+                <a16:creationId xmlns:a16="http://schemas.microsoft.com/office/drawing/2014/main" id="{B595CE2B-FE08-FD09-B271-B29F2DC6BE03}"/>
+              </a:ext>
+            </a:extLst>
+          </p:cNvPr>
+          <p:cNvSpPr/>
+          <p:nvPr/>
+        </p:nvSpPr>
+        <p:spPr>
+          <a:xfrm>
+            <a:off x="649925" y="3704253"/>
+            <a:ext cx="7025197" cy="2521940"/>
+          </a:xfrm>
+          <a:prstGeom prst="roundRect">
+            <a:avLst/>
+          </a:prstGeom>
+          <a:noFill/>
+          <a:ln w="38100">
+            <a:solidFill>
+              <a:schemeClr val="bg2">
+                <a:lumMod val="50000"/>
+              </a:schemeClr>
+            </a:solidFill>
+          </a:ln>
+        </p:spPr>
+        <p:style>
+          <a:lnRef idx="2">
+            <a:schemeClr val="accent1">
+              <a:shade val="50000"/>
+            </a:schemeClr>
+          </a:lnRef>
+          <a:fillRef idx="1">
+            <a:schemeClr val="accent1"/>
+          </a:fillRef>
+          <a:effectRef idx="0">
+            <a:schemeClr val="accent1"/>
+          </a:effectRef>
+          <a:fontRef idx="minor">
+            <a:schemeClr val="lt1"/>
+          </a:fontRef>
+        </p:style>
+        <p:txBody>
+          <a:bodyPr rtlCol="0" anchor="ctr"/>
+          <a:lstStyle/>
+          <a:p>
+            <a:pPr algn="ctr"/>
+            <a:endParaRPr lang="en-IN"/>
           </a:p>
         </p:txBody>
       </p:sp>
@@ -15251,6 +16749,875 @@
   <p:clrMapOvr>
     <a:masterClrMapping/>
   </p:clrMapOvr>
+  <p:timing>
+    <p:tnLst>
+      <p:par>
+        <p:cTn id="1" dur="indefinite" restart="never" nodeType="tmRoot">
+          <p:childTnLst>
+            <p:seq concurrent="1" nextAc="seek">
+              <p:cTn id="2" dur="indefinite" nodeType="mainSeq">
+                <p:childTnLst>
+                  <p:par>
+                    <p:cTn id="3" fill="hold">
+                      <p:stCondLst>
+                        <p:cond delay="indefinite"/>
+                        <p:cond evt="onBegin" delay="0">
+                          <p:tn val="2"/>
+                        </p:cond>
+                      </p:stCondLst>
+                      <p:childTnLst>
+                        <p:par>
+                          <p:cTn id="4" fill="hold">
+                            <p:stCondLst>
+                              <p:cond delay="0"/>
+                            </p:stCondLst>
+                            <p:childTnLst>
+                              <p:par>
+                                <p:cTn id="5" presetID="10" presetClass="entr" presetSubtype="0" fill="hold" grpId="0" nodeType="withEffect">
+                                  <p:stCondLst>
+                                    <p:cond delay="0"/>
+                                  </p:stCondLst>
+                                  <p:childTnLst>
+                                    <p:set>
+                                      <p:cBhvr>
+                                        <p:cTn id="6" dur="1" fill="hold">
+                                          <p:stCondLst>
+                                            <p:cond delay="0"/>
+                                          </p:stCondLst>
+                                        </p:cTn>
+                                        <p:tgtEl>
+                                          <p:spTgt spid="340"/>
+                                        </p:tgtEl>
+                                        <p:attrNameLst>
+                                          <p:attrName>style.visibility</p:attrName>
+                                        </p:attrNameLst>
+                                      </p:cBhvr>
+                                      <p:to>
+                                        <p:strVal val="visible"/>
+                                      </p:to>
+                                    </p:set>
+                                    <p:animEffect transition="in" filter="fade">
+                                      <p:cBhvr>
+                                        <p:cTn id="7" dur="500"/>
+                                        <p:tgtEl>
+                                          <p:spTgt spid="340"/>
+                                        </p:tgtEl>
+                                      </p:cBhvr>
+                                    </p:animEffect>
+                                  </p:childTnLst>
+                                </p:cTn>
+                              </p:par>
+                            </p:childTnLst>
+                          </p:cTn>
+                        </p:par>
+                      </p:childTnLst>
+                    </p:cTn>
+                  </p:par>
+                  <p:par>
+                    <p:cTn id="8" fill="hold">
+                      <p:stCondLst>
+                        <p:cond delay="indefinite"/>
+                      </p:stCondLst>
+                      <p:childTnLst>
+                        <p:par>
+                          <p:cTn id="9" fill="hold">
+                            <p:stCondLst>
+                              <p:cond delay="0"/>
+                            </p:stCondLst>
+                            <p:childTnLst>
+                              <p:par>
+                                <p:cTn id="10" presetID="10" presetClass="entr" presetSubtype="0" fill="hold" grpId="0" nodeType="clickEffect">
+                                  <p:stCondLst>
+                                    <p:cond delay="0"/>
+                                  </p:stCondLst>
+                                  <p:childTnLst>
+                                    <p:set>
+                                      <p:cBhvr>
+                                        <p:cTn id="11" dur="1" fill="hold">
+                                          <p:stCondLst>
+                                            <p:cond delay="0"/>
+                                          </p:stCondLst>
+                                        </p:cTn>
+                                        <p:tgtEl>
+                                          <p:spTgt spid="338">
+                                            <p:txEl>
+                                              <p:pRg st="0" end="0"/>
+                                            </p:txEl>
+                                          </p:spTgt>
+                                        </p:tgtEl>
+                                        <p:attrNameLst>
+                                          <p:attrName>style.visibility</p:attrName>
+                                        </p:attrNameLst>
+                                      </p:cBhvr>
+                                      <p:to>
+                                        <p:strVal val="visible"/>
+                                      </p:to>
+                                    </p:set>
+                                    <p:animEffect transition="in" filter="fade">
+                                      <p:cBhvr>
+                                        <p:cTn id="12" dur="500"/>
+                                        <p:tgtEl>
+                                          <p:spTgt spid="338">
+                                            <p:txEl>
+                                              <p:pRg st="0" end="0"/>
+                                            </p:txEl>
+                                          </p:spTgt>
+                                        </p:tgtEl>
+                                      </p:cBhvr>
+                                    </p:animEffect>
+                                  </p:childTnLst>
+                                </p:cTn>
+                              </p:par>
+                              <p:par>
+                                <p:cTn id="13" presetID="10" presetClass="entr" presetSubtype="0" fill="hold" grpId="0" nodeType="withEffect">
+                                  <p:stCondLst>
+                                    <p:cond delay="0"/>
+                                  </p:stCondLst>
+                                  <p:childTnLst>
+                                    <p:set>
+                                      <p:cBhvr>
+                                        <p:cTn id="14" dur="1" fill="hold">
+                                          <p:stCondLst>
+                                            <p:cond delay="0"/>
+                                          </p:stCondLst>
+                                        </p:cTn>
+                                        <p:tgtEl>
+                                          <p:spTgt spid="338">
+                                            <p:txEl>
+                                              <p:pRg st="1" end="1"/>
+                                            </p:txEl>
+                                          </p:spTgt>
+                                        </p:tgtEl>
+                                        <p:attrNameLst>
+                                          <p:attrName>style.visibility</p:attrName>
+                                        </p:attrNameLst>
+                                      </p:cBhvr>
+                                      <p:to>
+                                        <p:strVal val="visible"/>
+                                      </p:to>
+                                    </p:set>
+                                    <p:animEffect transition="in" filter="fade">
+                                      <p:cBhvr>
+                                        <p:cTn id="15" dur="500"/>
+                                        <p:tgtEl>
+                                          <p:spTgt spid="338">
+                                            <p:txEl>
+                                              <p:pRg st="1" end="1"/>
+                                            </p:txEl>
+                                          </p:spTgt>
+                                        </p:tgtEl>
+                                      </p:cBhvr>
+                                    </p:animEffect>
+                                  </p:childTnLst>
+                                </p:cTn>
+                              </p:par>
+                              <p:par>
+                                <p:cTn id="16" presetID="10" presetClass="entr" presetSubtype="0" fill="hold" grpId="0" nodeType="withEffect">
+                                  <p:stCondLst>
+                                    <p:cond delay="0"/>
+                                  </p:stCondLst>
+                                  <p:childTnLst>
+                                    <p:set>
+                                      <p:cBhvr>
+                                        <p:cTn id="17" dur="1" fill="hold">
+                                          <p:stCondLst>
+                                            <p:cond delay="0"/>
+                                          </p:stCondLst>
+                                        </p:cTn>
+                                        <p:tgtEl>
+                                          <p:spTgt spid="338">
+                                            <p:txEl>
+                                              <p:pRg st="2" end="2"/>
+                                            </p:txEl>
+                                          </p:spTgt>
+                                        </p:tgtEl>
+                                        <p:attrNameLst>
+                                          <p:attrName>style.visibility</p:attrName>
+                                        </p:attrNameLst>
+                                      </p:cBhvr>
+                                      <p:to>
+                                        <p:strVal val="visible"/>
+                                      </p:to>
+                                    </p:set>
+                                    <p:animEffect transition="in" filter="fade">
+                                      <p:cBhvr>
+                                        <p:cTn id="18" dur="500"/>
+                                        <p:tgtEl>
+                                          <p:spTgt spid="338">
+                                            <p:txEl>
+                                              <p:pRg st="2" end="2"/>
+                                            </p:txEl>
+                                          </p:spTgt>
+                                        </p:tgtEl>
+                                      </p:cBhvr>
+                                    </p:animEffect>
+                                  </p:childTnLst>
+                                </p:cTn>
+                              </p:par>
+                              <p:par>
+                                <p:cTn id="19" presetID="10" presetClass="entr" presetSubtype="0" fill="hold" grpId="0" nodeType="withEffect">
+                                  <p:stCondLst>
+                                    <p:cond delay="0"/>
+                                  </p:stCondLst>
+                                  <p:childTnLst>
+                                    <p:set>
+                                      <p:cBhvr>
+                                        <p:cTn id="20" dur="1" fill="hold">
+                                          <p:stCondLst>
+                                            <p:cond delay="0"/>
+                                          </p:stCondLst>
+                                        </p:cTn>
+                                        <p:tgtEl>
+                                          <p:spTgt spid="338">
+                                            <p:txEl>
+                                              <p:pRg st="3" end="3"/>
+                                            </p:txEl>
+                                          </p:spTgt>
+                                        </p:tgtEl>
+                                        <p:attrNameLst>
+                                          <p:attrName>style.visibility</p:attrName>
+                                        </p:attrNameLst>
+                                      </p:cBhvr>
+                                      <p:to>
+                                        <p:strVal val="visible"/>
+                                      </p:to>
+                                    </p:set>
+                                    <p:animEffect transition="in" filter="fade">
+                                      <p:cBhvr>
+                                        <p:cTn id="21" dur="500"/>
+                                        <p:tgtEl>
+                                          <p:spTgt spid="338">
+                                            <p:txEl>
+                                              <p:pRg st="3" end="3"/>
+                                            </p:txEl>
+                                          </p:spTgt>
+                                        </p:tgtEl>
+                                      </p:cBhvr>
+                                    </p:animEffect>
+                                  </p:childTnLst>
+                                </p:cTn>
+                              </p:par>
+                              <p:par>
+                                <p:cTn id="22" presetID="10" presetClass="entr" presetSubtype="0" fill="hold" grpId="0" nodeType="withEffect">
+                                  <p:stCondLst>
+                                    <p:cond delay="0"/>
+                                  </p:stCondLst>
+                                  <p:childTnLst>
+                                    <p:set>
+                                      <p:cBhvr>
+                                        <p:cTn id="23" dur="1" fill="hold">
+                                          <p:stCondLst>
+                                            <p:cond delay="0"/>
+                                          </p:stCondLst>
+                                        </p:cTn>
+                                        <p:tgtEl>
+                                          <p:spTgt spid="338">
+                                            <p:txEl>
+                                              <p:pRg st="4" end="4"/>
+                                            </p:txEl>
+                                          </p:spTgt>
+                                        </p:tgtEl>
+                                        <p:attrNameLst>
+                                          <p:attrName>style.visibility</p:attrName>
+                                        </p:attrNameLst>
+                                      </p:cBhvr>
+                                      <p:to>
+                                        <p:strVal val="visible"/>
+                                      </p:to>
+                                    </p:set>
+                                    <p:animEffect transition="in" filter="fade">
+                                      <p:cBhvr>
+                                        <p:cTn id="24" dur="500"/>
+                                        <p:tgtEl>
+                                          <p:spTgt spid="338">
+                                            <p:txEl>
+                                              <p:pRg st="4" end="4"/>
+                                            </p:txEl>
+                                          </p:spTgt>
+                                        </p:tgtEl>
+                                      </p:cBhvr>
+                                    </p:animEffect>
+                                  </p:childTnLst>
+                                </p:cTn>
+                              </p:par>
+                              <p:par>
+                                <p:cTn id="25" presetID="10" presetClass="entr" presetSubtype="0" fill="hold" grpId="0" nodeType="withEffect">
+                                  <p:stCondLst>
+                                    <p:cond delay="0"/>
+                                  </p:stCondLst>
+                                  <p:childTnLst>
+                                    <p:set>
+                                      <p:cBhvr>
+                                        <p:cTn id="26" dur="1" fill="hold">
+                                          <p:stCondLst>
+                                            <p:cond delay="0"/>
+                                          </p:stCondLst>
+                                        </p:cTn>
+                                        <p:tgtEl>
+                                          <p:spTgt spid="338">
+                                            <p:txEl>
+                                              <p:pRg st="5" end="5"/>
+                                            </p:txEl>
+                                          </p:spTgt>
+                                        </p:tgtEl>
+                                        <p:attrNameLst>
+                                          <p:attrName>style.visibility</p:attrName>
+                                        </p:attrNameLst>
+                                      </p:cBhvr>
+                                      <p:to>
+                                        <p:strVal val="visible"/>
+                                      </p:to>
+                                    </p:set>
+                                    <p:animEffect transition="in" filter="fade">
+                                      <p:cBhvr>
+                                        <p:cTn id="27" dur="500"/>
+                                        <p:tgtEl>
+                                          <p:spTgt spid="338">
+                                            <p:txEl>
+                                              <p:pRg st="5" end="5"/>
+                                            </p:txEl>
+                                          </p:spTgt>
+                                        </p:tgtEl>
+                                      </p:cBhvr>
+                                    </p:animEffect>
+                                  </p:childTnLst>
+                                </p:cTn>
+                              </p:par>
+                              <p:par>
+                                <p:cTn id="28" presetID="10" presetClass="entr" presetSubtype="0" fill="hold" grpId="0" nodeType="withEffect">
+                                  <p:stCondLst>
+                                    <p:cond delay="0"/>
+                                  </p:stCondLst>
+                                  <p:childTnLst>
+                                    <p:set>
+                                      <p:cBhvr>
+                                        <p:cTn id="29" dur="1" fill="hold">
+                                          <p:stCondLst>
+                                            <p:cond delay="0"/>
+                                          </p:stCondLst>
+                                        </p:cTn>
+                                        <p:tgtEl>
+                                          <p:spTgt spid="338">
+                                            <p:txEl>
+                                              <p:pRg st="6" end="6"/>
+                                            </p:txEl>
+                                          </p:spTgt>
+                                        </p:tgtEl>
+                                        <p:attrNameLst>
+                                          <p:attrName>style.visibility</p:attrName>
+                                        </p:attrNameLst>
+                                      </p:cBhvr>
+                                      <p:to>
+                                        <p:strVal val="visible"/>
+                                      </p:to>
+                                    </p:set>
+                                    <p:animEffect transition="in" filter="fade">
+                                      <p:cBhvr>
+                                        <p:cTn id="30" dur="500"/>
+                                        <p:tgtEl>
+                                          <p:spTgt spid="338">
+                                            <p:txEl>
+                                              <p:pRg st="6" end="6"/>
+                                            </p:txEl>
+                                          </p:spTgt>
+                                        </p:tgtEl>
+                                      </p:cBhvr>
+                                    </p:animEffect>
+                                  </p:childTnLst>
+                                </p:cTn>
+                              </p:par>
+                            </p:childTnLst>
+                          </p:cTn>
+                        </p:par>
+                        <p:par>
+                          <p:cTn id="31" fill="hold">
+                            <p:stCondLst>
+                              <p:cond delay="500"/>
+                            </p:stCondLst>
+                            <p:childTnLst>
+                              <p:par>
+                                <p:cTn id="32" presetID="10" presetClass="entr" presetSubtype="0" fill="hold" nodeType="afterEffect">
+                                  <p:stCondLst>
+                                    <p:cond delay="0"/>
+                                  </p:stCondLst>
+                                  <p:childTnLst>
+                                    <p:set>
+                                      <p:cBhvr>
+                                        <p:cTn id="33" dur="1" fill="hold">
+                                          <p:stCondLst>
+                                            <p:cond delay="0"/>
+                                          </p:stCondLst>
+                                        </p:cTn>
+                                        <p:tgtEl>
+                                          <p:spTgt spid="346">
+                                            <p:txEl>
+                                              <p:pRg st="0" end="0"/>
+                                            </p:txEl>
+                                          </p:spTgt>
+                                        </p:tgtEl>
+                                        <p:attrNameLst>
+                                          <p:attrName>style.visibility</p:attrName>
+                                        </p:attrNameLst>
+                                      </p:cBhvr>
+                                      <p:to>
+                                        <p:strVal val="visible"/>
+                                      </p:to>
+                                    </p:set>
+                                    <p:animEffect transition="in" filter="fade">
+                                      <p:cBhvr>
+                                        <p:cTn id="34" dur="500"/>
+                                        <p:tgtEl>
+                                          <p:spTgt spid="346">
+                                            <p:txEl>
+                                              <p:pRg st="0" end="0"/>
+                                            </p:txEl>
+                                          </p:spTgt>
+                                        </p:tgtEl>
+                                      </p:cBhvr>
+                                    </p:animEffect>
+                                  </p:childTnLst>
+                                </p:cTn>
+                              </p:par>
+                              <p:par>
+                                <p:cTn id="35" presetID="10" presetClass="entr" presetSubtype="0" fill="hold" nodeType="withEffect">
+                                  <p:stCondLst>
+                                    <p:cond delay="0"/>
+                                  </p:stCondLst>
+                                  <p:childTnLst>
+                                    <p:set>
+                                      <p:cBhvr>
+                                        <p:cTn id="36" dur="1" fill="hold">
+                                          <p:stCondLst>
+                                            <p:cond delay="0"/>
+                                          </p:stCondLst>
+                                        </p:cTn>
+                                        <p:tgtEl>
+                                          <p:spTgt spid="346">
+                                            <p:txEl>
+                                              <p:pRg st="1" end="1"/>
+                                            </p:txEl>
+                                          </p:spTgt>
+                                        </p:tgtEl>
+                                        <p:attrNameLst>
+                                          <p:attrName>style.visibility</p:attrName>
+                                        </p:attrNameLst>
+                                      </p:cBhvr>
+                                      <p:to>
+                                        <p:strVal val="visible"/>
+                                      </p:to>
+                                    </p:set>
+                                    <p:animEffect transition="in" filter="fade">
+                                      <p:cBhvr>
+                                        <p:cTn id="37" dur="500"/>
+                                        <p:tgtEl>
+                                          <p:spTgt spid="346">
+                                            <p:txEl>
+                                              <p:pRg st="1" end="1"/>
+                                            </p:txEl>
+                                          </p:spTgt>
+                                        </p:tgtEl>
+                                      </p:cBhvr>
+                                    </p:animEffect>
+                                  </p:childTnLst>
+                                </p:cTn>
+                              </p:par>
+                            </p:childTnLst>
+                          </p:cTn>
+                        </p:par>
+                        <p:par>
+                          <p:cTn id="38" fill="hold">
+                            <p:stCondLst>
+                              <p:cond delay="1000"/>
+                            </p:stCondLst>
+                            <p:childTnLst>
+                              <p:par>
+                                <p:cTn id="39" presetID="10" presetClass="entr" presetSubtype="0" fill="hold" nodeType="afterEffect">
+                                  <p:stCondLst>
+                                    <p:cond delay="0"/>
+                                  </p:stCondLst>
+                                  <p:childTnLst>
+                                    <p:set>
+                                      <p:cBhvr>
+                                        <p:cTn id="40" dur="1" fill="hold">
+                                          <p:stCondLst>
+                                            <p:cond delay="0"/>
+                                          </p:stCondLst>
+                                        </p:cTn>
+                                        <p:tgtEl>
+                                          <p:spTgt spid="12"/>
+                                        </p:tgtEl>
+                                        <p:attrNameLst>
+                                          <p:attrName>style.visibility</p:attrName>
+                                        </p:attrNameLst>
+                                      </p:cBhvr>
+                                      <p:to>
+                                        <p:strVal val="visible"/>
+                                      </p:to>
+                                    </p:set>
+                                    <p:animEffect transition="in" filter="fade">
+                                      <p:cBhvr>
+                                        <p:cTn id="41" dur="500"/>
+                                        <p:tgtEl>
+                                          <p:spTgt spid="12"/>
+                                        </p:tgtEl>
+                                      </p:cBhvr>
+                                    </p:animEffect>
+                                  </p:childTnLst>
+                                </p:cTn>
+                              </p:par>
+                            </p:childTnLst>
+                          </p:cTn>
+                        </p:par>
+                      </p:childTnLst>
+                    </p:cTn>
+                  </p:par>
+                  <p:par>
+                    <p:cTn id="42" fill="hold">
+                      <p:stCondLst>
+                        <p:cond delay="indefinite"/>
+                      </p:stCondLst>
+                      <p:childTnLst>
+                        <p:par>
+                          <p:cTn id="43" fill="hold">
+                            <p:stCondLst>
+                              <p:cond delay="0"/>
+                            </p:stCondLst>
+                            <p:childTnLst>
+                              <p:par>
+                                <p:cTn id="44" presetID="10" presetClass="entr" presetSubtype="0" fill="hold" grpId="0" nodeType="clickEffect">
+                                  <p:stCondLst>
+                                    <p:cond delay="0"/>
+                                  </p:stCondLst>
+                                  <p:childTnLst>
+                                    <p:set>
+                                      <p:cBhvr>
+                                        <p:cTn id="45" dur="1" fill="hold">
+                                          <p:stCondLst>
+                                            <p:cond delay="0"/>
+                                          </p:stCondLst>
+                                        </p:cTn>
+                                        <p:tgtEl>
+                                          <p:spTgt spid="338">
+                                            <p:txEl>
+                                              <p:pRg st="8" end="8"/>
+                                            </p:txEl>
+                                          </p:spTgt>
+                                        </p:tgtEl>
+                                        <p:attrNameLst>
+                                          <p:attrName>style.visibility</p:attrName>
+                                        </p:attrNameLst>
+                                      </p:cBhvr>
+                                      <p:to>
+                                        <p:strVal val="visible"/>
+                                      </p:to>
+                                    </p:set>
+                                    <p:animEffect transition="in" filter="fade">
+                                      <p:cBhvr>
+                                        <p:cTn id="46" dur="500"/>
+                                        <p:tgtEl>
+                                          <p:spTgt spid="338">
+                                            <p:txEl>
+                                              <p:pRg st="8" end="8"/>
+                                            </p:txEl>
+                                          </p:spTgt>
+                                        </p:tgtEl>
+                                      </p:cBhvr>
+                                    </p:animEffect>
+                                  </p:childTnLst>
+                                </p:cTn>
+                              </p:par>
+                              <p:par>
+                                <p:cTn id="47" presetID="10" presetClass="entr" presetSubtype="0" fill="hold" grpId="0" nodeType="withEffect">
+                                  <p:stCondLst>
+                                    <p:cond delay="0"/>
+                                  </p:stCondLst>
+                                  <p:childTnLst>
+                                    <p:set>
+                                      <p:cBhvr>
+                                        <p:cTn id="48" dur="1" fill="hold">
+                                          <p:stCondLst>
+                                            <p:cond delay="0"/>
+                                          </p:stCondLst>
+                                        </p:cTn>
+                                        <p:tgtEl>
+                                          <p:spTgt spid="338">
+                                            <p:txEl>
+                                              <p:pRg st="9" end="9"/>
+                                            </p:txEl>
+                                          </p:spTgt>
+                                        </p:tgtEl>
+                                        <p:attrNameLst>
+                                          <p:attrName>style.visibility</p:attrName>
+                                        </p:attrNameLst>
+                                      </p:cBhvr>
+                                      <p:to>
+                                        <p:strVal val="visible"/>
+                                      </p:to>
+                                    </p:set>
+                                    <p:animEffect transition="in" filter="fade">
+                                      <p:cBhvr>
+                                        <p:cTn id="49" dur="500"/>
+                                        <p:tgtEl>
+                                          <p:spTgt spid="338">
+                                            <p:txEl>
+                                              <p:pRg st="9" end="9"/>
+                                            </p:txEl>
+                                          </p:spTgt>
+                                        </p:tgtEl>
+                                      </p:cBhvr>
+                                    </p:animEffect>
+                                  </p:childTnLst>
+                                </p:cTn>
+                              </p:par>
+                              <p:par>
+                                <p:cTn id="50" presetID="10" presetClass="entr" presetSubtype="0" fill="hold" grpId="0" nodeType="withEffect">
+                                  <p:stCondLst>
+                                    <p:cond delay="0"/>
+                                  </p:stCondLst>
+                                  <p:childTnLst>
+                                    <p:set>
+                                      <p:cBhvr>
+                                        <p:cTn id="51" dur="1" fill="hold">
+                                          <p:stCondLst>
+                                            <p:cond delay="0"/>
+                                          </p:stCondLst>
+                                        </p:cTn>
+                                        <p:tgtEl>
+                                          <p:spTgt spid="338">
+                                            <p:txEl>
+                                              <p:pRg st="10" end="10"/>
+                                            </p:txEl>
+                                          </p:spTgt>
+                                        </p:tgtEl>
+                                        <p:attrNameLst>
+                                          <p:attrName>style.visibility</p:attrName>
+                                        </p:attrNameLst>
+                                      </p:cBhvr>
+                                      <p:to>
+                                        <p:strVal val="visible"/>
+                                      </p:to>
+                                    </p:set>
+                                    <p:animEffect transition="in" filter="fade">
+                                      <p:cBhvr>
+                                        <p:cTn id="52" dur="500"/>
+                                        <p:tgtEl>
+                                          <p:spTgt spid="338">
+                                            <p:txEl>
+                                              <p:pRg st="10" end="10"/>
+                                            </p:txEl>
+                                          </p:spTgt>
+                                        </p:tgtEl>
+                                      </p:cBhvr>
+                                    </p:animEffect>
+                                  </p:childTnLst>
+                                </p:cTn>
+                              </p:par>
+                              <p:par>
+                                <p:cTn id="53" presetID="10" presetClass="entr" presetSubtype="0" fill="hold" grpId="0" nodeType="withEffect">
+                                  <p:stCondLst>
+                                    <p:cond delay="0"/>
+                                  </p:stCondLst>
+                                  <p:childTnLst>
+                                    <p:set>
+                                      <p:cBhvr>
+                                        <p:cTn id="54" dur="1" fill="hold">
+                                          <p:stCondLst>
+                                            <p:cond delay="0"/>
+                                          </p:stCondLst>
+                                        </p:cTn>
+                                        <p:tgtEl>
+                                          <p:spTgt spid="338">
+                                            <p:txEl>
+                                              <p:pRg st="11" end="11"/>
+                                            </p:txEl>
+                                          </p:spTgt>
+                                        </p:tgtEl>
+                                        <p:attrNameLst>
+                                          <p:attrName>style.visibility</p:attrName>
+                                        </p:attrNameLst>
+                                      </p:cBhvr>
+                                      <p:to>
+                                        <p:strVal val="visible"/>
+                                      </p:to>
+                                    </p:set>
+                                    <p:animEffect transition="in" filter="fade">
+                                      <p:cBhvr>
+                                        <p:cTn id="55" dur="500"/>
+                                        <p:tgtEl>
+                                          <p:spTgt spid="338">
+                                            <p:txEl>
+                                              <p:pRg st="11" end="11"/>
+                                            </p:txEl>
+                                          </p:spTgt>
+                                        </p:tgtEl>
+                                      </p:cBhvr>
+                                    </p:animEffect>
+                                  </p:childTnLst>
+                                </p:cTn>
+                              </p:par>
+                              <p:par>
+                                <p:cTn id="56" presetID="10" presetClass="entr" presetSubtype="0" fill="hold" grpId="0" nodeType="withEffect">
+                                  <p:stCondLst>
+                                    <p:cond delay="0"/>
+                                  </p:stCondLst>
+                                  <p:childTnLst>
+                                    <p:set>
+                                      <p:cBhvr>
+                                        <p:cTn id="57" dur="1" fill="hold">
+                                          <p:stCondLst>
+                                            <p:cond delay="0"/>
+                                          </p:stCondLst>
+                                        </p:cTn>
+                                        <p:tgtEl>
+                                          <p:spTgt spid="338">
+                                            <p:txEl>
+                                              <p:pRg st="12" end="12"/>
+                                            </p:txEl>
+                                          </p:spTgt>
+                                        </p:tgtEl>
+                                        <p:attrNameLst>
+                                          <p:attrName>style.visibility</p:attrName>
+                                        </p:attrNameLst>
+                                      </p:cBhvr>
+                                      <p:to>
+                                        <p:strVal val="visible"/>
+                                      </p:to>
+                                    </p:set>
+                                    <p:animEffect transition="in" filter="fade">
+                                      <p:cBhvr>
+                                        <p:cTn id="58" dur="500"/>
+                                        <p:tgtEl>
+                                          <p:spTgt spid="338">
+                                            <p:txEl>
+                                              <p:pRg st="12" end="12"/>
+                                            </p:txEl>
+                                          </p:spTgt>
+                                        </p:tgtEl>
+                                      </p:cBhvr>
+                                    </p:animEffect>
+                                  </p:childTnLst>
+                                </p:cTn>
+                              </p:par>
+                              <p:par>
+                                <p:cTn id="59" presetID="10" presetClass="entr" presetSubtype="0" fill="hold" grpId="0" nodeType="withEffect">
+                                  <p:stCondLst>
+                                    <p:cond delay="0"/>
+                                  </p:stCondLst>
+                                  <p:childTnLst>
+                                    <p:set>
+                                      <p:cBhvr>
+                                        <p:cTn id="60" dur="1" fill="hold">
+                                          <p:stCondLst>
+                                            <p:cond delay="0"/>
+                                          </p:stCondLst>
+                                        </p:cTn>
+                                        <p:tgtEl>
+                                          <p:spTgt spid="338">
+                                            <p:txEl>
+                                              <p:pRg st="13" end="13"/>
+                                            </p:txEl>
+                                          </p:spTgt>
+                                        </p:tgtEl>
+                                        <p:attrNameLst>
+                                          <p:attrName>style.visibility</p:attrName>
+                                        </p:attrNameLst>
+                                      </p:cBhvr>
+                                      <p:to>
+                                        <p:strVal val="visible"/>
+                                      </p:to>
+                                    </p:set>
+                                    <p:animEffect transition="in" filter="fade">
+                                      <p:cBhvr>
+                                        <p:cTn id="61" dur="500"/>
+                                        <p:tgtEl>
+                                          <p:spTgt spid="338">
+                                            <p:txEl>
+                                              <p:pRg st="13" end="13"/>
+                                            </p:txEl>
+                                          </p:spTgt>
+                                        </p:tgtEl>
+                                      </p:cBhvr>
+                                    </p:animEffect>
+                                  </p:childTnLst>
+                                </p:cTn>
+                              </p:par>
+                            </p:childTnLst>
+                          </p:cTn>
+                        </p:par>
+                        <p:par>
+                          <p:cTn id="62" fill="hold">
+                            <p:stCondLst>
+                              <p:cond delay="500"/>
+                            </p:stCondLst>
+                            <p:childTnLst>
+                              <p:par>
+                                <p:cTn id="63" presetID="10" presetClass="entr" presetSubtype="0" fill="hold" grpId="0" nodeType="afterEffect">
+                                  <p:stCondLst>
+                                    <p:cond delay="0"/>
+                                  </p:stCondLst>
+                                  <p:childTnLst>
+                                    <p:set>
+                                      <p:cBhvr>
+                                        <p:cTn id="64" dur="1" fill="hold">
+                                          <p:stCondLst>
+                                            <p:cond delay="0"/>
+                                          </p:stCondLst>
+                                        </p:cTn>
+                                        <p:tgtEl>
+                                          <p:spTgt spid="13"/>
+                                        </p:tgtEl>
+                                        <p:attrNameLst>
+                                          <p:attrName>style.visibility</p:attrName>
+                                        </p:attrNameLst>
+                                      </p:cBhvr>
+                                      <p:to>
+                                        <p:strVal val="visible"/>
+                                      </p:to>
+                                    </p:set>
+                                    <p:animEffect transition="in" filter="fade">
+                                      <p:cBhvr>
+                                        <p:cTn id="65" dur="500"/>
+                                        <p:tgtEl>
+                                          <p:spTgt spid="13"/>
+                                        </p:tgtEl>
+                                      </p:cBhvr>
+                                    </p:animEffect>
+                                  </p:childTnLst>
+                                </p:cTn>
+                              </p:par>
+                            </p:childTnLst>
+                          </p:cTn>
+                        </p:par>
+                      </p:childTnLst>
+                    </p:cTn>
+                  </p:par>
+                </p:childTnLst>
+              </p:cTn>
+              <p:prevCondLst>
+                <p:cond evt="onPrev" delay="0">
+                  <p:tgtEl>
+                    <p:sldTgt/>
+                  </p:tgtEl>
+                </p:cond>
+              </p:prevCondLst>
+              <p:nextCondLst>
+                <p:cond evt="onNext" delay="0">
+                  <p:tgtEl>
+                    <p:sldTgt/>
+                  </p:tgtEl>
+                </p:cond>
+              </p:nextCondLst>
+            </p:seq>
+          </p:childTnLst>
+        </p:cTn>
+      </p:par>
+    </p:tnLst>
+    <p:bldLst>
+      <p:bldP spid="338" grpId="0" uiExpand="1" build="p"/>
+      <p:bldP spid="340" grpId="0"/>
+      <p:bldP spid="13" grpId="0" animBg="1"/>
+    </p:bldLst>
+  </p:timing>
 </p:sld>
 </file>
 
@@ -15442,31 +17809,7 @@
                 <a:cs typeface="Proxima Nova"/>
                 <a:sym typeface="Proxima Nova"/>
               </a:rPr>
-              <a:t>[1] </a:t>
-            </a:r>
-            <a:r>
-              <a:rPr lang="en-US" sz="1067" dirty="0" err="1">
-                <a:solidFill>
-                  <a:schemeClr val="accent3"/>
-                </a:solidFill>
-                <a:latin typeface="Proxima Nova"/>
-                <a:ea typeface="Proxima Nova"/>
-                <a:cs typeface="Proxima Nova"/>
-                <a:sym typeface="Proxima Nova"/>
-              </a:rPr>
-              <a:t>Dynnikova</a:t>
-            </a:r>
-            <a:r>
-              <a:rPr lang="en-US" sz="1067" dirty="0">
-                <a:solidFill>
-                  <a:schemeClr val="accent3"/>
-                </a:solidFill>
-                <a:latin typeface="Proxima Nova"/>
-                <a:ea typeface="Proxima Nova"/>
-                <a:cs typeface="Proxima Nova"/>
-                <a:sym typeface="Proxima Nova"/>
-              </a:rPr>
-              <a:t>, G. </a:t>
+              <a:t>[1] Dynnikova, G. </a:t>
             </a:r>
             <a:r>
               <a:rPr lang="en-US" sz="1067" dirty="0" err="1">
@@ -16287,31 +18630,7 @@
                 <a:cs typeface="Proxima Nova"/>
                 <a:sym typeface="Proxima Nova"/>
               </a:rPr>
-              <a:t>[1] </a:t>
-            </a:r>
-            <a:r>
-              <a:rPr lang="en-US" sz="1067" dirty="0" err="1">
-                <a:solidFill>
-                  <a:schemeClr val="accent3"/>
-                </a:solidFill>
-                <a:latin typeface="Proxima Nova"/>
-                <a:ea typeface="Proxima Nova"/>
-                <a:cs typeface="Proxima Nova"/>
-                <a:sym typeface="Proxima Nova"/>
-              </a:rPr>
-              <a:t>Dynnikova</a:t>
-            </a:r>
-            <a:r>
-              <a:rPr lang="en-US" sz="1067" dirty="0">
-                <a:solidFill>
-                  <a:schemeClr val="accent3"/>
-                </a:solidFill>
-                <a:latin typeface="Proxima Nova"/>
-                <a:ea typeface="Proxima Nova"/>
-                <a:cs typeface="Proxima Nova"/>
-                <a:sym typeface="Proxima Nova"/>
-              </a:rPr>
-              <a:t>, G. </a:t>
+              <a:t>[1] Dynnikova, G. </a:t>
             </a:r>
             <a:r>
               <a:rPr lang="en-US" sz="1067" dirty="0" err="1">
@@ -16354,6 +18673,827 @@
 </file>
 
 <file path=ppt/slides/slide14.xml><?xml version="1.0" encoding="utf-8"?>
+<p:sld xmlns:a="http://schemas.openxmlformats.org/drawingml/2006/main" xmlns:r="http://schemas.openxmlformats.org/officeDocument/2006/relationships" xmlns:p="http://schemas.openxmlformats.org/presentationml/2006/main">
+  <p:cSld>
+    <p:spTree>
+      <p:nvGrpSpPr>
+        <p:cNvPr id="1" name="Shape 337"/>
+        <p:cNvGrpSpPr/>
+        <p:nvPr/>
+      </p:nvGrpSpPr>
+      <p:grpSpPr>
+        <a:xfrm>
+          <a:off x="0" y="0"/>
+          <a:ext cx="0" cy="0"/>
+          <a:chOff x="0" y="0"/>
+          <a:chExt cx="0" cy="0"/>
+        </a:xfrm>
+      </p:grpSpPr>
+      <mc:AlternateContent xmlns:mc="http://schemas.openxmlformats.org/markup-compatibility/2006">
+        <mc:Choice xmlns:a14="http://schemas.microsoft.com/office/drawing/2010/main" Requires="a14">
+          <p:sp>
+            <p:nvSpPr>
+              <p:cNvPr id="338" name="Google Shape;338;p37"/>
+              <p:cNvSpPr txBox="1">
+                <a:spLocks noGrp="1"/>
+              </p:cNvSpPr>
+              <p:nvPr>
+                <p:ph type="body" idx="1"/>
+              </p:nvPr>
+            </p:nvSpPr>
+            <p:spPr>
+              <a:xfrm>
+                <a:off x="160733" y="963200"/>
+                <a:ext cx="11867600" cy="5452800"/>
+              </a:xfrm>
+              <a:prstGeom prst="rect">
+                <a:avLst/>
+              </a:prstGeom>
+            </p:spPr>
+            <p:txBody>
+              <a:bodyPr spcFirstLastPara="1" wrap="square" lIns="121900" tIns="121900" rIns="121900" bIns="121900" anchor="t" anchorCtr="0">
+                <a:normAutofit/>
+              </a:bodyPr>
+              <a:lstStyle/>
+              <a:p>
+                <a:pPr marL="285750" indent="-285750"/>
+                <a:r>
+                  <a:rPr lang="en-IN" dirty="0"/>
+                  <a:t>[Shao2006, Wang2020]</a:t>
+                </a:r>
+              </a:p>
+              <a:p>
+                <a:pPr marL="895335" lvl="1" indent="-285750"/>
+                <a:r>
+                  <a:rPr lang="en-IN" dirty="0"/>
+                  <a:t>Considered incompressible, unsteady RANS equations</a:t>
+                </a:r>
+              </a:p>
+              <a:p>
+                <a:pPr marL="895335" lvl="1" indent="-285750"/>
+                <a:r>
+                  <a:rPr lang="en-IN" dirty="0"/>
+                  <a:t>Evolved using predictor-corrector scheme </a:t>
+                </a:r>
+                <a:r>
+                  <a:rPr lang="en-IN" dirty="0">
+                    <a:sym typeface="Wingdings" panose="05000000000000000000" pitchFamily="2" charset="2"/>
+                  </a:rPr>
+                  <a:t> Implicit pressure poisson equation </a:t>
+                </a:r>
+              </a:p>
+              <a:p>
+                <a:pPr marL="895335" lvl="1" indent="-285750"/>
+                <a:r>
+                  <a:rPr lang="en-IN" dirty="0">
+                    <a:sym typeface="Wingdings" panose="05000000000000000000" pitchFamily="2" charset="2"/>
+                  </a:rPr>
+                  <a:t>Coefficients of the </a:t>
+                </a:r>
+                <a14:m>
+                  <m:oMath xmlns:m="http://schemas.openxmlformats.org/officeDocument/2006/math">
+                    <m:r>
+                      <a:rPr lang="en-IN" b="0" i="1" smtClean="0">
+                        <a:latin typeface="Cambria Math" panose="02040503050406030204" pitchFamily="18" charset="0"/>
+                        <a:sym typeface="Wingdings" panose="05000000000000000000" pitchFamily="2" charset="2"/>
+                      </a:rPr>
+                      <m:t>𝑘</m:t>
+                    </m:r>
+                    <m:r>
+                      <a:rPr lang="en-IN" b="0" i="1" smtClean="0">
+                        <a:latin typeface="Cambria Math" panose="02040503050406030204" pitchFamily="18" charset="0"/>
+                        <a:sym typeface="Wingdings" panose="05000000000000000000" pitchFamily="2" charset="2"/>
+                      </a:rPr>
+                      <m:t>−</m:t>
+                    </m:r>
+                    <m:r>
+                      <a:rPr lang="en-IN" b="0" i="1" smtClean="0">
+                        <a:latin typeface="Cambria Math" panose="02040503050406030204" pitchFamily="18" charset="0"/>
+                        <a:sym typeface="Wingdings" panose="05000000000000000000" pitchFamily="2" charset="2"/>
+                      </a:rPr>
+                      <m:t>𝜖</m:t>
+                    </m:r>
+                  </m:oMath>
+                </a14:m>
+                <a:r>
+                  <a:rPr lang="en-IN" dirty="0"/>
+                  <a:t> transport equations are empirically defined</a:t>
+                </a:r>
+              </a:p>
+              <a:p>
+                <a:pPr marL="895335" lvl="1" indent="-285750"/>
+                <a:r>
+                  <a:rPr lang="en-US" dirty="0"/>
+                  <a:t>Simulated:</a:t>
+                </a:r>
+              </a:p>
+              <a:p>
+                <a:pPr marL="1504919" lvl="2" indent="-285750"/>
+                <a:r>
+                  <a:rPr lang="en-US" dirty="0"/>
+                  <a:t>2D wave breaking and overtopping of sloping wall [Shao2006] </a:t>
+                </a:r>
+                <a14:m>
+                  <m:oMath xmlns:m="http://schemas.openxmlformats.org/officeDocument/2006/math">
+                    <m:d>
+                      <m:dPr>
+                        <m:ctrlPr>
+                          <a:rPr lang="en-IN" sz="2000" b="0" i="1" smtClean="0">
+                            <a:solidFill>
+                              <a:srgbClr val="616161"/>
+                            </a:solidFill>
+                            <a:effectLst/>
+                            <a:latin typeface="Cambria Math" panose="02040503050406030204" pitchFamily="18" charset="0"/>
+                            <a:ea typeface="Proxima Nova"/>
+                            <a:cs typeface="Proxima Nova"/>
+                          </a:rPr>
+                        </m:ctrlPr>
+                      </m:dPr>
+                      <m:e>
+                        <m:r>
+                          <a:rPr lang="en-IN" sz="2000" b="0" i="1">
+                            <a:solidFill>
+                              <a:srgbClr val="616161"/>
+                            </a:solidFill>
+                            <a:effectLst/>
+                            <a:latin typeface="Cambria Math" panose="02040503050406030204" pitchFamily="18" charset="0"/>
+                            <a:ea typeface="Proxima Nova"/>
+                            <a:cs typeface="Proxima Nova"/>
+                          </a:rPr>
+                          <m:t>𝑅𝑒</m:t>
+                        </m:r>
+                        <m:r>
+                          <a:rPr lang="en-IN" sz="2000" b="0" i="1">
+                            <a:solidFill>
+                              <a:srgbClr val="616161"/>
+                            </a:solidFill>
+                            <a:effectLst/>
+                            <a:latin typeface="Cambria Math" panose="02040503050406030204" pitchFamily="18" charset="0"/>
+                            <a:ea typeface="Proxima Nova"/>
+                            <a:cs typeface="Proxima Nova"/>
+                          </a:rPr>
+                          <m:t>≈</m:t>
+                        </m:r>
+                        <m:sSup>
+                          <m:sSupPr>
+                            <m:ctrlPr>
+                              <a:rPr lang="en-IN" sz="2000" b="0" i="1">
+                                <a:solidFill>
+                                  <a:srgbClr val="616161"/>
+                                </a:solidFill>
+                                <a:effectLst/>
+                                <a:latin typeface="Cambria Math" panose="02040503050406030204" pitchFamily="18" charset="0"/>
+                                <a:ea typeface="Proxima Nova"/>
+                                <a:cs typeface="Proxima Nova"/>
+                              </a:rPr>
+                            </m:ctrlPr>
+                          </m:sSupPr>
+                          <m:e>
+                            <m:r>
+                              <a:rPr lang="en-IN" sz="2000" b="0" i="1">
+                                <a:solidFill>
+                                  <a:srgbClr val="616161"/>
+                                </a:solidFill>
+                                <a:effectLst/>
+                                <a:latin typeface="Cambria Math" panose="02040503050406030204" pitchFamily="18" charset="0"/>
+                                <a:ea typeface="Proxima Nova"/>
+                                <a:cs typeface="Proxima Nova"/>
+                              </a:rPr>
+                              <m:t>10</m:t>
+                            </m:r>
+                          </m:e>
+                          <m:sup>
+                            <m:r>
+                              <a:rPr lang="en-IN" sz="2000" b="0" i="1" smtClean="0">
+                                <a:solidFill>
+                                  <a:srgbClr val="616161"/>
+                                </a:solidFill>
+                                <a:effectLst/>
+                                <a:latin typeface="Cambria Math" panose="02040503050406030204" pitchFamily="18" charset="0"/>
+                                <a:ea typeface="Proxima Nova"/>
+                                <a:cs typeface="Proxima Nova"/>
+                              </a:rPr>
+                              <m:t>6</m:t>
+                            </m:r>
+                          </m:sup>
+                        </m:sSup>
+                        <m:r>
+                          <a:rPr lang="en-IN" sz="2000" b="0" i="1">
+                            <a:solidFill>
+                              <a:srgbClr val="616161"/>
+                            </a:solidFill>
+                            <a:effectLst/>
+                            <a:latin typeface="Cambria Math" panose="02040503050406030204" pitchFamily="18" charset="0"/>
+                            <a:ea typeface="Proxima Nova"/>
+                            <a:cs typeface="Proxima Nova"/>
+                          </a:rPr>
+                          <m:t>,  </m:t>
+                        </m:r>
+                        <m:sSub>
+                          <m:sSubPr>
+                            <m:ctrlPr>
+                              <a:rPr lang="en-IN" sz="2000" b="0" i="1">
+                                <a:solidFill>
+                                  <a:srgbClr val="616161"/>
+                                </a:solidFill>
+                                <a:effectLst/>
+                                <a:latin typeface="Cambria Math" panose="02040503050406030204" pitchFamily="18" charset="0"/>
+                                <a:ea typeface="Proxima Nova"/>
+                                <a:cs typeface="Proxima Nova"/>
+                              </a:rPr>
+                            </m:ctrlPr>
+                          </m:sSubPr>
+                          <m:e>
+                            <m:r>
+                              <a:rPr lang="en-IN" sz="2000" b="0" i="1">
+                                <a:solidFill>
+                                  <a:srgbClr val="616161"/>
+                                </a:solidFill>
+                                <a:effectLst/>
+                                <a:latin typeface="Cambria Math" panose="02040503050406030204" pitchFamily="18" charset="0"/>
+                                <a:ea typeface="Proxima Nova"/>
+                                <a:cs typeface="Proxima Nova"/>
+                              </a:rPr>
+                              <m:t>𝑁</m:t>
+                            </m:r>
+                          </m:e>
+                          <m:sub>
+                            <m:r>
+                              <a:rPr lang="en-IN" sz="2000" b="0" i="1">
+                                <a:solidFill>
+                                  <a:srgbClr val="616161"/>
+                                </a:solidFill>
+                                <a:effectLst/>
+                                <a:latin typeface="Cambria Math" panose="02040503050406030204" pitchFamily="18" charset="0"/>
+                                <a:ea typeface="Proxima Nova"/>
+                                <a:cs typeface="Proxima Nova"/>
+                              </a:rPr>
+                              <m:t>𝑖</m:t>
+                            </m:r>
+                          </m:sub>
+                        </m:sSub>
+                        <m:r>
+                          <a:rPr lang="en-IN" sz="2000" b="0" i="1" smtClean="0">
+                            <a:solidFill>
+                              <a:srgbClr val="616161"/>
+                            </a:solidFill>
+                            <a:effectLst/>
+                            <a:latin typeface="Cambria Math" panose="02040503050406030204" pitchFamily="18" charset="0"/>
+                            <a:ea typeface="Proxima Nova"/>
+                            <a:cs typeface="Proxima Nova"/>
+                          </a:rPr>
+                          <m:t>=</m:t>
+                        </m:r>
+                        <m:r>
+                          <a:rPr lang="en-IN" sz="2000" b="0" i="1" smtClean="0">
+                            <a:solidFill>
+                              <a:srgbClr val="616161"/>
+                            </a:solidFill>
+                            <a:effectLst/>
+                            <a:latin typeface="Cambria Math" panose="02040503050406030204" pitchFamily="18" charset="0"/>
+                            <a:ea typeface="Proxima Nova"/>
+                            <a:cs typeface="Proxima Nova"/>
+                          </a:rPr>
+                          <m:t>6000</m:t>
+                        </m:r>
+                      </m:e>
+                    </m:d>
+                  </m:oMath>
+                </a14:m>
+                <a:endParaRPr lang="en-US" dirty="0"/>
+              </a:p>
+              <a:p>
+                <a:pPr marL="1504919" lvl="2" indent="-285750"/>
+                <a:r>
+                  <a:rPr lang="en-US" dirty="0"/>
+                  <a:t>2D solitary wave propagating over a bottom-mounted barrier [Wang2020] </a:t>
+                </a:r>
+                <a14:m>
+                  <m:oMath xmlns:m="http://schemas.openxmlformats.org/officeDocument/2006/math">
+                    <m:d>
+                      <m:dPr>
+                        <m:ctrlPr>
+                          <a:rPr lang="en-IN" sz="2000" b="0" i="1" smtClean="0">
+                            <a:solidFill>
+                              <a:srgbClr val="616161"/>
+                            </a:solidFill>
+                            <a:effectLst/>
+                            <a:latin typeface="Cambria Math" panose="02040503050406030204" pitchFamily="18" charset="0"/>
+                            <a:ea typeface="Proxima Nova"/>
+                            <a:cs typeface="Proxima Nova"/>
+                          </a:rPr>
+                        </m:ctrlPr>
+                      </m:dPr>
+                      <m:e>
+                        <m:r>
+                          <a:rPr lang="en-IN" sz="2000" b="0" i="1">
+                            <a:solidFill>
+                              <a:srgbClr val="616161"/>
+                            </a:solidFill>
+                            <a:effectLst/>
+                            <a:latin typeface="Cambria Math" panose="02040503050406030204" pitchFamily="18" charset="0"/>
+                            <a:ea typeface="Proxima Nova"/>
+                            <a:cs typeface="Proxima Nova"/>
+                          </a:rPr>
+                          <m:t>𝑅𝑒</m:t>
+                        </m:r>
+                        <m:r>
+                          <a:rPr lang="en-IN" sz="2000" b="0" i="1">
+                            <a:solidFill>
+                              <a:srgbClr val="616161"/>
+                            </a:solidFill>
+                            <a:effectLst/>
+                            <a:latin typeface="Cambria Math" panose="02040503050406030204" pitchFamily="18" charset="0"/>
+                            <a:ea typeface="Proxima Nova"/>
+                            <a:cs typeface="Proxima Nova"/>
+                          </a:rPr>
+                          <m:t>≈</m:t>
+                        </m:r>
+                        <m:sSup>
+                          <m:sSupPr>
+                            <m:ctrlPr>
+                              <a:rPr lang="en-IN" sz="2000" b="0" i="1">
+                                <a:solidFill>
+                                  <a:srgbClr val="616161"/>
+                                </a:solidFill>
+                                <a:effectLst/>
+                                <a:latin typeface="Cambria Math" panose="02040503050406030204" pitchFamily="18" charset="0"/>
+                                <a:ea typeface="Proxima Nova"/>
+                                <a:cs typeface="Proxima Nova"/>
+                              </a:rPr>
+                            </m:ctrlPr>
+                          </m:sSupPr>
+                          <m:e>
+                            <m:r>
+                              <a:rPr lang="en-IN" sz="2000" b="0" i="1">
+                                <a:solidFill>
+                                  <a:srgbClr val="616161"/>
+                                </a:solidFill>
+                                <a:effectLst/>
+                                <a:latin typeface="Cambria Math" panose="02040503050406030204" pitchFamily="18" charset="0"/>
+                                <a:ea typeface="Proxima Nova"/>
+                                <a:cs typeface="Proxima Nova"/>
+                              </a:rPr>
+                              <m:t>10</m:t>
+                            </m:r>
+                          </m:e>
+                          <m:sup>
+                            <m:r>
+                              <a:rPr lang="en-IN" sz="2000" b="0" i="1" smtClean="0">
+                                <a:solidFill>
+                                  <a:srgbClr val="616161"/>
+                                </a:solidFill>
+                                <a:effectLst/>
+                                <a:latin typeface="Cambria Math" panose="02040503050406030204" pitchFamily="18" charset="0"/>
+                                <a:ea typeface="Proxima Nova"/>
+                                <a:cs typeface="Proxima Nova"/>
+                              </a:rPr>
+                              <m:t>6</m:t>
+                            </m:r>
+                          </m:sup>
+                        </m:sSup>
+                        <m:r>
+                          <a:rPr lang="en-IN" sz="2000" b="0" i="1">
+                            <a:solidFill>
+                              <a:srgbClr val="616161"/>
+                            </a:solidFill>
+                            <a:effectLst/>
+                            <a:latin typeface="Cambria Math" panose="02040503050406030204" pitchFamily="18" charset="0"/>
+                            <a:ea typeface="Proxima Nova"/>
+                            <a:cs typeface="Proxima Nova"/>
+                          </a:rPr>
+                          <m:t>,  </m:t>
+                        </m:r>
+                        <m:sSub>
+                          <m:sSubPr>
+                            <m:ctrlPr>
+                              <a:rPr lang="en-IN" sz="2000" b="0" i="1">
+                                <a:solidFill>
+                                  <a:srgbClr val="616161"/>
+                                </a:solidFill>
+                                <a:effectLst/>
+                                <a:latin typeface="Cambria Math" panose="02040503050406030204" pitchFamily="18" charset="0"/>
+                                <a:ea typeface="Proxima Nova"/>
+                                <a:cs typeface="Proxima Nova"/>
+                              </a:rPr>
+                            </m:ctrlPr>
+                          </m:sSubPr>
+                          <m:e>
+                            <m:r>
+                              <a:rPr lang="en-IN" sz="2000" b="0" i="1">
+                                <a:solidFill>
+                                  <a:srgbClr val="616161"/>
+                                </a:solidFill>
+                                <a:effectLst/>
+                                <a:latin typeface="Cambria Math" panose="02040503050406030204" pitchFamily="18" charset="0"/>
+                                <a:ea typeface="Proxima Nova"/>
+                                <a:cs typeface="Proxima Nova"/>
+                              </a:rPr>
+                              <m:t>𝑁</m:t>
+                            </m:r>
+                          </m:e>
+                          <m:sub>
+                            <m:r>
+                              <a:rPr lang="en-IN" sz="2000" b="0" i="1">
+                                <a:solidFill>
+                                  <a:srgbClr val="616161"/>
+                                </a:solidFill>
+                                <a:effectLst/>
+                                <a:latin typeface="Cambria Math" panose="02040503050406030204" pitchFamily="18" charset="0"/>
+                                <a:ea typeface="Proxima Nova"/>
+                                <a:cs typeface="Proxima Nova"/>
+                              </a:rPr>
+                              <m:t>𝑖</m:t>
+                            </m:r>
+                          </m:sub>
+                        </m:sSub>
+                        <m:r>
+                          <a:rPr lang="en-IN" sz="2000" b="0" i="1" smtClean="0">
+                            <a:solidFill>
+                              <a:srgbClr val="616161"/>
+                            </a:solidFill>
+                            <a:effectLst/>
+                            <a:latin typeface="Cambria Math" panose="02040503050406030204" pitchFamily="18" charset="0"/>
+                            <a:ea typeface="Proxima Nova"/>
+                            <a:cs typeface="Proxima Nova"/>
+                          </a:rPr>
+                          <m:t>≈1.3×</m:t>
+                        </m:r>
+                        <m:sSup>
+                          <m:sSupPr>
+                            <m:ctrlPr>
+                              <a:rPr lang="en-IN" sz="2000" b="0" i="1" smtClean="0">
+                                <a:solidFill>
+                                  <a:srgbClr val="616161"/>
+                                </a:solidFill>
+                                <a:effectLst/>
+                                <a:latin typeface="Cambria Math" panose="02040503050406030204" pitchFamily="18" charset="0"/>
+                                <a:ea typeface="Proxima Nova"/>
+                                <a:cs typeface="Proxima Nova"/>
+                              </a:rPr>
+                            </m:ctrlPr>
+                          </m:sSupPr>
+                          <m:e>
+                            <m:r>
+                              <a:rPr lang="en-IN" sz="2000" b="0" i="1" smtClean="0">
+                                <a:solidFill>
+                                  <a:srgbClr val="616161"/>
+                                </a:solidFill>
+                                <a:effectLst/>
+                                <a:latin typeface="Cambria Math" panose="02040503050406030204" pitchFamily="18" charset="0"/>
+                                <a:ea typeface="Proxima Nova"/>
+                                <a:cs typeface="Proxima Nova"/>
+                              </a:rPr>
+                              <m:t>10</m:t>
+                            </m:r>
+                          </m:e>
+                          <m:sup>
+                            <m:r>
+                              <a:rPr lang="en-IN" sz="2000" b="0" i="1" smtClean="0">
+                                <a:solidFill>
+                                  <a:srgbClr val="616161"/>
+                                </a:solidFill>
+                                <a:effectLst/>
+                                <a:latin typeface="Cambria Math" panose="02040503050406030204" pitchFamily="18" charset="0"/>
+                                <a:ea typeface="Proxima Nova"/>
+                                <a:cs typeface="Proxima Nova"/>
+                              </a:rPr>
+                              <m:t>5</m:t>
+                            </m:r>
+                          </m:sup>
+                        </m:sSup>
+                      </m:e>
+                    </m:d>
+                  </m:oMath>
+                </a14:m>
+                <a:endParaRPr lang="en-US" dirty="0"/>
+              </a:p>
+              <a:p>
+                <a:pPr marL="895335" lvl="1" indent="-285750"/>
+                <a:r>
+                  <a:rPr lang="en-US" dirty="0"/>
+                  <a:t>Comments:</a:t>
+                </a:r>
+              </a:p>
+              <a:p>
+                <a:pPr marL="1504919" lvl="2" indent="-285750"/>
+                <a:r>
+                  <a:rPr lang="en-US" dirty="0"/>
+                  <a:t>coefficients derived from a quasi-steady state may behave sub-optimally in transient flow</a:t>
+                </a:r>
+              </a:p>
+              <a:p>
+                <a:pPr marL="1504919" lvl="2" indent="-285750"/>
+                <a:r>
+                  <a:rPr lang="en-US" dirty="0"/>
+                  <a:t>model would require further sensitivity analysis for the turbulence model and spatial resolution for improved results, despite being reasonably accurate in tracking free surfaces.</a:t>
+                </a:r>
+              </a:p>
+              <a:p>
+                <a:pPr marL="1504919" lvl="2" indent="-285750"/>
+                <a:r>
+                  <a:rPr lang="en-US" dirty="0"/>
+                  <a:t>Underpredicts max k, sensitive to initial seeding of k</a:t>
+                </a:r>
+              </a:p>
+              <a:p>
+                <a:pPr marL="1504919" lvl="2" indent="-285750"/>
+                <a:r>
+                  <a:rPr lang="en-US" dirty="0"/>
+                  <a:t>Effects of physical viscous dissipation and numerical dissipation needs to be balanced aptly</a:t>
+                </a:r>
+                <a:endParaRPr dirty="0"/>
+              </a:p>
+            </p:txBody>
+          </p:sp>
+        </mc:Choice>
+        <mc:Fallback>
+          <p:sp>
+            <p:nvSpPr>
+              <p:cNvPr id="338" name="Google Shape;338;p37"/>
+              <p:cNvSpPr txBox="1">
+                <a:spLocks noGrp="1" noRot="1" noChangeAspect="1" noMove="1" noResize="1" noEditPoints="1" noAdjustHandles="1" noChangeArrowheads="1" noChangeShapeType="1" noTextEdit="1"/>
+              </p:cNvSpPr>
+              <p:nvPr>
+                <p:ph type="body" idx="1"/>
+              </p:nvPr>
+            </p:nvSpPr>
+            <p:spPr>
+              <a:xfrm>
+                <a:off x="160733" y="963200"/>
+                <a:ext cx="11867600" cy="5452800"/>
+              </a:xfrm>
+              <a:prstGeom prst="rect">
+                <a:avLst/>
+              </a:prstGeom>
+              <a:blipFill>
+                <a:blip r:embed="rId3"/>
+                <a:stretch>
+                  <a:fillRect l="-154"/>
+                </a:stretch>
+              </a:blipFill>
+            </p:spPr>
+            <p:txBody>
+              <a:bodyPr/>
+              <a:lstStyle/>
+              <a:p>
+                <a:r>
+                  <a:rPr lang="en-IN">
+                    <a:noFill/>
+                  </a:rPr>
+                  <a:t> </a:t>
+                </a:r>
+              </a:p>
+            </p:txBody>
+          </p:sp>
+        </mc:Fallback>
+      </mc:AlternateContent>
+      <p:sp>
+        <p:nvSpPr>
+          <p:cNvPr id="339" name="Google Shape;339;p37"/>
+          <p:cNvSpPr/>
+          <p:nvPr/>
+        </p:nvSpPr>
+        <p:spPr>
+          <a:xfrm>
+            <a:off x="13400" y="0"/>
+            <a:ext cx="12192000" cy="763600"/>
+          </a:xfrm>
+          <a:prstGeom prst="rect">
+            <a:avLst/>
+          </a:prstGeom>
+          <a:solidFill>
+            <a:schemeClr val="lt2"/>
+          </a:solidFill>
+          <a:ln w="9525" cap="flat" cmpd="sng">
+            <a:solidFill>
+              <a:schemeClr val="dk2"/>
+            </a:solidFill>
+            <a:prstDash val="solid"/>
+            <a:round/>
+            <a:headEnd type="none" w="sm" len="sm"/>
+            <a:tailEnd type="none" w="sm" len="sm"/>
+          </a:ln>
+        </p:spPr>
+        <p:txBody>
+          <a:bodyPr spcFirstLastPara="1" wrap="square" lIns="121900" tIns="121900" rIns="121900" bIns="121900" anchor="ctr" anchorCtr="0">
+            <a:noAutofit/>
+          </a:bodyPr>
+          <a:lstStyle/>
+          <a:p>
+            <a:endParaRPr sz="1867"/>
+          </a:p>
+        </p:txBody>
+      </p:sp>
+      <mc:AlternateContent xmlns:mc="http://schemas.openxmlformats.org/markup-compatibility/2006">
+        <mc:Choice xmlns:a14="http://schemas.microsoft.com/office/drawing/2010/main" Requires="a14">
+          <p:sp>
+            <p:nvSpPr>
+              <p:cNvPr id="340" name="Google Shape;340;p37"/>
+              <p:cNvSpPr txBox="1">
+                <a:spLocks noGrp="1"/>
+              </p:cNvSpPr>
+              <p:nvPr>
+                <p:ph type="title"/>
+              </p:nvPr>
+            </p:nvSpPr>
+            <p:spPr>
+              <a:xfrm>
+                <a:off x="160733" y="0"/>
+                <a:ext cx="11867600" cy="763600"/>
+              </a:xfrm>
+              <a:prstGeom prst="rect">
+                <a:avLst/>
+              </a:prstGeom>
+            </p:spPr>
+            <p:txBody>
+              <a:bodyPr spcFirstLastPara="1" wrap="square" lIns="121900" tIns="121900" rIns="121900" bIns="121900" anchor="ctr" anchorCtr="0">
+                <a:normAutofit/>
+              </a:bodyPr>
+              <a:lstStyle/>
+              <a:p>
+                <a:r>
+                  <a:rPr lang="en-IN" b="1" dirty="0"/>
+                  <a:t>RANS-based </a:t>
+                </a:r>
+                <a14:m>
+                  <m:oMath xmlns:m="http://schemas.openxmlformats.org/officeDocument/2006/math">
+                    <m:r>
+                      <a:rPr lang="en-IN" b="1" i="1" smtClean="0"/>
+                      <m:t>𝒌</m:t>
+                    </m:r>
+                    <m:r>
+                      <a:rPr lang="en-IN" b="1" i="1" smtClean="0"/>
+                      <m:t>−</m:t>
+                    </m:r>
+                    <m:r>
+                      <a:rPr lang="en-IN" b="1" i="1" smtClean="0"/>
+                      <m:t>𝝐</m:t>
+                    </m:r>
+                  </m:oMath>
+                </a14:m>
+                <a:r>
+                  <a:rPr lang="en-IN" b="1" dirty="0"/>
+                  <a:t> Models</a:t>
+                </a:r>
+                <a:endParaRPr b="1" dirty="0"/>
+              </a:p>
+            </p:txBody>
+          </p:sp>
+        </mc:Choice>
+        <mc:Fallback>
+          <p:sp>
+            <p:nvSpPr>
+              <p:cNvPr id="340" name="Google Shape;340;p37"/>
+              <p:cNvSpPr txBox="1">
+                <a:spLocks noGrp="1" noRot="1" noChangeAspect="1" noMove="1" noResize="1" noEditPoints="1" noAdjustHandles="1" noChangeArrowheads="1" noChangeShapeType="1" noTextEdit="1"/>
+              </p:cNvSpPr>
+              <p:nvPr>
+                <p:ph type="title"/>
+              </p:nvPr>
+            </p:nvSpPr>
+            <p:spPr>
+              <a:xfrm>
+                <a:off x="160733" y="0"/>
+                <a:ext cx="11867600" cy="763600"/>
+              </a:xfrm>
+              <a:prstGeom prst="rect">
+                <a:avLst/>
+              </a:prstGeom>
+              <a:blipFill>
+                <a:blip r:embed="rId4"/>
+                <a:stretch>
+                  <a:fillRect l="-770" b="-5600"/>
+                </a:stretch>
+              </a:blipFill>
+            </p:spPr>
+            <p:txBody>
+              <a:bodyPr/>
+              <a:lstStyle/>
+              <a:p>
+                <a:r>
+                  <a:rPr lang="en-IN">
+                    <a:noFill/>
+                  </a:rPr>
+                  <a:t> </a:t>
+                </a:r>
+              </a:p>
+            </p:txBody>
+          </p:sp>
+        </mc:Fallback>
+      </mc:AlternateContent>
+      <p:sp>
+        <p:nvSpPr>
+          <p:cNvPr id="341" name="Google Shape;341;p37"/>
+          <p:cNvSpPr txBox="1">
+            <a:spLocks noGrp="1"/>
+          </p:cNvSpPr>
+          <p:nvPr>
+            <p:ph type="sldNum" idx="12"/>
+          </p:nvPr>
+        </p:nvSpPr>
+        <p:spPr>
+          <a:xfrm>
+            <a:off x="11296744" y="6333189"/>
+            <a:ext cx="731600" cy="524800"/>
+          </a:xfrm>
+          <a:prstGeom prst="rect">
+            <a:avLst/>
+          </a:prstGeom>
+        </p:spPr>
+        <p:txBody>
+          <a:bodyPr spcFirstLastPara="1" wrap="square" lIns="121900" tIns="121900" rIns="121900" bIns="121900" anchor="ctr" anchorCtr="0">
+            <a:normAutofit/>
+          </a:bodyPr>
+          <a:lstStyle/>
+          <a:p>
+            <a:fld id="{00000000-1234-1234-1234-123412341234}" type="slidenum">
+              <a:rPr lang="en"/>
+              <a:pPr/>
+              <a:t>14</a:t>
+            </a:fld>
+            <a:endParaRPr/>
+          </a:p>
+        </p:txBody>
+      </p:sp>
+      <p:sp>
+        <p:nvSpPr>
+          <p:cNvPr id="346" name="Google Shape;346;p37"/>
+          <p:cNvSpPr txBox="1"/>
+          <p:nvPr/>
+        </p:nvSpPr>
+        <p:spPr>
+          <a:xfrm>
+            <a:off x="0" y="6333201"/>
+            <a:ext cx="9910400" cy="410393"/>
+          </a:xfrm>
+          <a:prstGeom prst="rect">
+            <a:avLst/>
+          </a:prstGeom>
+          <a:noFill/>
+          <a:ln>
+            <a:noFill/>
+          </a:ln>
+        </p:spPr>
+        <p:txBody>
+          <a:bodyPr spcFirstLastPara="1" wrap="square" lIns="121900" tIns="121900" rIns="121900" bIns="121900" anchor="t" anchorCtr="0">
+            <a:spAutoFit/>
+          </a:bodyPr>
+          <a:lstStyle/>
+          <a:p>
+            <a:r>
+              <a:rPr lang="en-US" sz="1067" dirty="0">
+                <a:solidFill>
+                  <a:schemeClr val="accent3"/>
+                </a:solidFill>
+                <a:latin typeface="Proxima Nova"/>
+                <a:ea typeface="Proxima Nova"/>
+                <a:cs typeface="Proxima Nova"/>
+                <a:sym typeface="Proxima Nova"/>
+              </a:rPr>
+              <a:t>[1] Dynnikova, G. </a:t>
+            </a:r>
+            <a:r>
+              <a:rPr lang="en-US" sz="1067" dirty="0" err="1">
+                <a:solidFill>
+                  <a:schemeClr val="accent3"/>
+                </a:solidFill>
+                <a:latin typeface="Proxima Nova"/>
+                <a:ea typeface="Proxima Nova"/>
+                <a:cs typeface="Proxima Nova"/>
+                <a:sym typeface="Proxima Nova"/>
+              </a:rPr>
+              <a:t>Ya</a:t>
+            </a:r>
+            <a:r>
+              <a:rPr lang="en-US" sz="1067" dirty="0">
+                <a:solidFill>
+                  <a:schemeClr val="accent3"/>
+                </a:solidFill>
+                <a:latin typeface="Proxima Nova"/>
+                <a:ea typeface="Proxima Nova"/>
+                <a:cs typeface="Proxima Nova"/>
+                <a:sym typeface="Proxima Nova"/>
+              </a:rPr>
+              <a:t> et al. (2021). “Stability of a reverse Karman vortex street”. In: Physics of Fluids 33.2. ISSN: 10897666. DOI: 10.1063/5.0035575.</a:t>
+            </a:r>
+          </a:p>
+        </p:txBody>
+      </p:sp>
+    </p:spTree>
+    <p:extLst>
+      <p:ext uri="{BB962C8B-B14F-4D97-AF65-F5344CB8AC3E}">
+        <p14:creationId xmlns:p14="http://schemas.microsoft.com/office/powerpoint/2010/main" val="4035024996"/>
+      </p:ext>
+    </p:extLst>
+  </p:cSld>
+  <p:clrMapOvr>
+    <a:masterClrMapping/>
+  </p:clrMapOvr>
+</p:sld>
+</file>
+
+<file path=ppt/slides/slide15.xml><?xml version="1.0" encoding="utf-8"?>
 <p:sld xmlns:a="http://schemas.openxmlformats.org/drawingml/2006/main" xmlns:r="http://schemas.openxmlformats.org/officeDocument/2006/relationships" xmlns:p="http://schemas.openxmlformats.org/presentationml/2006/main">
   <p:cSld>
     <p:spTree>
@@ -16703,7 +19843,7 @@
             <a:fld id="{00000000-1234-1234-1234-123412341234}" type="slidenum">
               <a:rPr lang="en"/>
               <a:pPr/>
-              <a:t>14</a:t>
+              <a:t>15</a:t>
             </a:fld>
             <a:endParaRPr/>
           </a:p>
@@ -16744,31 +19884,7 @@
                 <a:cs typeface="Proxima Nova"/>
                 <a:sym typeface="Proxima Nova"/>
               </a:rPr>
-              <a:t>[1] </a:t>
-            </a:r>
-            <a:r>
-              <a:rPr lang="en-US" sz="1067" dirty="0" err="1">
-                <a:solidFill>
-                  <a:schemeClr val="accent3"/>
-                </a:solidFill>
-                <a:latin typeface="Proxima Nova"/>
-                <a:ea typeface="Proxima Nova"/>
-                <a:cs typeface="Proxima Nova"/>
-                <a:sym typeface="Proxima Nova"/>
-              </a:rPr>
-              <a:t>Dynnikova</a:t>
-            </a:r>
-            <a:r>
-              <a:rPr lang="en-US" sz="1067" dirty="0">
-                <a:solidFill>
-                  <a:schemeClr val="accent3"/>
-                </a:solidFill>
-                <a:latin typeface="Proxima Nova"/>
-                <a:ea typeface="Proxima Nova"/>
-                <a:cs typeface="Proxima Nova"/>
-                <a:sym typeface="Proxima Nova"/>
-              </a:rPr>
-              <a:t>, G. </a:t>
+              <a:t>[1] Dynnikova, G. </a:t>
             </a:r>
             <a:r>
               <a:rPr lang="en-US" sz="1067" dirty="0" err="1">
@@ -16829,7 +19945,7 @@
         </p:blipFill>
         <p:spPr>
           <a:xfrm>
-            <a:off x="7842286" y="208171"/>
+            <a:off x="7842286" y="5450166"/>
             <a:ext cx="4136228" cy="555429"/>
           </a:xfrm>
           <a:prstGeom prst="rect">
@@ -16850,7 +19966,7 @@
 </p:sld>
 </file>
 
-<file path=ppt/slides/slide15.xml><?xml version="1.0" encoding="utf-8"?>
+<file path=ppt/slides/slide16.xml><?xml version="1.0" encoding="utf-8"?>
 <p:sld xmlns:a="http://schemas.openxmlformats.org/drawingml/2006/main" xmlns:r="http://schemas.openxmlformats.org/officeDocument/2006/relationships" xmlns:p="http://schemas.openxmlformats.org/presentationml/2006/main">
   <p:cSld>
     <p:spTree>
@@ -17132,7 +20248,7 @@
             <a:fld id="{00000000-1234-1234-1234-123412341234}" type="slidenum">
               <a:rPr lang="en"/>
               <a:pPr/>
-              <a:t>15</a:t>
+              <a:t>16</a:t>
             </a:fld>
             <a:endParaRPr/>
           </a:p>
@@ -17173,31 +20289,7 @@
                 <a:cs typeface="Proxima Nova"/>
                 <a:sym typeface="Proxima Nova"/>
               </a:rPr>
-              <a:t>[1] </a:t>
-            </a:r>
-            <a:r>
-              <a:rPr lang="en-US" sz="1067" dirty="0" err="1">
-                <a:solidFill>
-                  <a:schemeClr val="accent3"/>
-                </a:solidFill>
-                <a:latin typeface="Proxima Nova"/>
-                <a:ea typeface="Proxima Nova"/>
-                <a:cs typeface="Proxima Nova"/>
-                <a:sym typeface="Proxima Nova"/>
-              </a:rPr>
-              <a:t>Dynnikova</a:t>
-            </a:r>
-            <a:r>
-              <a:rPr lang="en-US" sz="1067" dirty="0">
-                <a:solidFill>
-                  <a:schemeClr val="accent3"/>
-                </a:solidFill>
-                <a:latin typeface="Proxima Nova"/>
-                <a:ea typeface="Proxima Nova"/>
-                <a:cs typeface="Proxima Nova"/>
-                <a:sym typeface="Proxima Nova"/>
-              </a:rPr>
-              <a:t>, G. </a:t>
+              <a:t>[1] Dynnikova, G. </a:t>
             </a:r>
             <a:r>
               <a:rPr lang="en-US" sz="1067" dirty="0" err="1">
@@ -17239,7 +20331,7 @@
 </p:sld>
 </file>
 
-<file path=ppt/slides/slide16.xml><?xml version="1.0" encoding="utf-8"?>
+<file path=ppt/slides/slide17.xml><?xml version="1.0" encoding="utf-8"?>
 <p:sld xmlns:a="http://schemas.openxmlformats.org/drawingml/2006/main" xmlns:r="http://schemas.openxmlformats.org/officeDocument/2006/relationships" xmlns:p="http://schemas.openxmlformats.org/presentationml/2006/main">
   <p:cSld>
     <p:spTree>
@@ -17416,7 +20508,7 @@
             <a:fld id="{00000000-1234-1234-1234-123412341234}" type="slidenum">
               <a:rPr lang="en"/>
               <a:pPr/>
-              <a:t>16</a:t>
+              <a:t>17</a:t>
             </a:fld>
             <a:endParaRPr/>
           </a:p>
@@ -17457,31 +20549,7 @@
                 <a:cs typeface="Proxima Nova"/>
                 <a:sym typeface="Proxima Nova"/>
               </a:rPr>
-              <a:t>[1] </a:t>
-            </a:r>
-            <a:r>
-              <a:rPr lang="en-US" sz="1067" dirty="0" err="1">
-                <a:solidFill>
-                  <a:schemeClr val="accent3"/>
-                </a:solidFill>
-                <a:latin typeface="Proxima Nova"/>
-                <a:ea typeface="Proxima Nova"/>
-                <a:cs typeface="Proxima Nova"/>
-                <a:sym typeface="Proxima Nova"/>
-              </a:rPr>
-              <a:t>Dynnikova</a:t>
-            </a:r>
-            <a:r>
-              <a:rPr lang="en-US" sz="1067" dirty="0">
-                <a:solidFill>
-                  <a:schemeClr val="accent3"/>
-                </a:solidFill>
-                <a:latin typeface="Proxima Nova"/>
-                <a:ea typeface="Proxima Nova"/>
-                <a:cs typeface="Proxima Nova"/>
-                <a:sym typeface="Proxima Nova"/>
-              </a:rPr>
-              <a:t>, G. </a:t>
+              <a:t>[1] Dynnikova, G. </a:t>
             </a:r>
             <a:r>
               <a:rPr lang="en-US" sz="1067" dirty="0" err="1">
@@ -17523,7 +20591,7 @@
 </p:sld>
 </file>
 
-<file path=ppt/slides/slide17.xml><?xml version="1.0" encoding="utf-8"?>
+<file path=ppt/slides/slide18.xml><?xml version="1.0" encoding="utf-8"?>
 <p:sld xmlns:a="http://schemas.openxmlformats.org/drawingml/2006/main" xmlns:r="http://schemas.openxmlformats.org/officeDocument/2006/relationships" xmlns:p="http://schemas.openxmlformats.org/presentationml/2006/main">
   <p:cSld>
     <p:spTree>
@@ -17913,7 +20981,7 @@
             <a:fld id="{00000000-1234-1234-1234-123412341234}" type="slidenum">
               <a:rPr lang="en"/>
               <a:pPr/>
-              <a:t>17</a:t>
+              <a:t>18</a:t>
             </a:fld>
             <a:endParaRPr/>
           </a:p>
@@ -17954,31 +21022,7 @@
                 <a:cs typeface="Proxima Nova"/>
                 <a:sym typeface="Proxima Nova"/>
               </a:rPr>
-              <a:t>[1] </a:t>
-            </a:r>
-            <a:r>
-              <a:rPr lang="en-US" sz="1067" dirty="0" err="1">
-                <a:solidFill>
-                  <a:schemeClr val="accent3"/>
-                </a:solidFill>
-                <a:latin typeface="Proxima Nova"/>
-                <a:ea typeface="Proxima Nova"/>
-                <a:cs typeface="Proxima Nova"/>
-                <a:sym typeface="Proxima Nova"/>
-              </a:rPr>
-              <a:t>Dynnikova</a:t>
-            </a:r>
-            <a:r>
-              <a:rPr lang="en-US" sz="1067" dirty="0">
-                <a:solidFill>
-                  <a:schemeClr val="accent3"/>
-                </a:solidFill>
-                <a:latin typeface="Proxima Nova"/>
-                <a:ea typeface="Proxima Nova"/>
-                <a:cs typeface="Proxima Nova"/>
-                <a:sym typeface="Proxima Nova"/>
-              </a:rPr>
-              <a:t>, G. </a:t>
+              <a:t>[1] Dynnikova, G. </a:t>
             </a:r>
             <a:r>
               <a:rPr lang="en-US" sz="1067" dirty="0" err="1">
@@ -18060,7 +21104,7 @@
 </p:sld>
 </file>
 
-<file path=ppt/slides/slide18.xml><?xml version="1.0" encoding="utf-8"?>
+<file path=ppt/slides/slide19.xml><?xml version="1.0" encoding="utf-8"?>
 <p:sld xmlns:a="http://schemas.openxmlformats.org/drawingml/2006/main" xmlns:r="http://schemas.openxmlformats.org/officeDocument/2006/relationships" xmlns:p="http://schemas.openxmlformats.org/presentationml/2006/main">
   <p:cSld>
     <p:spTree>
@@ -18348,258 +21392,6 @@
             <a:fld id="{00000000-1234-1234-1234-123412341234}" type="slidenum">
               <a:rPr lang="en"/>
               <a:pPr/>
-              <a:t>18</a:t>
-            </a:fld>
-            <a:endParaRPr/>
-          </a:p>
-        </p:txBody>
-      </p:sp>
-      <p:sp>
-        <p:nvSpPr>
-          <p:cNvPr id="346" name="Google Shape;346;p37"/>
-          <p:cNvSpPr txBox="1"/>
-          <p:nvPr/>
-        </p:nvSpPr>
-        <p:spPr>
-          <a:xfrm>
-            <a:off x="0" y="6333201"/>
-            <a:ext cx="9910400" cy="410393"/>
-          </a:xfrm>
-          <a:prstGeom prst="rect">
-            <a:avLst/>
-          </a:prstGeom>
-          <a:noFill/>
-          <a:ln>
-            <a:noFill/>
-          </a:ln>
-        </p:spPr>
-        <p:txBody>
-          <a:bodyPr spcFirstLastPara="1" wrap="square" lIns="121900" tIns="121900" rIns="121900" bIns="121900" anchor="t" anchorCtr="0">
-            <a:spAutoFit/>
-          </a:bodyPr>
-          <a:lstStyle/>
-          <a:p>
-            <a:r>
-              <a:rPr lang="en-US" sz="1067" dirty="0">
-                <a:solidFill>
-                  <a:schemeClr val="accent3"/>
-                </a:solidFill>
-                <a:latin typeface="Proxima Nova"/>
-                <a:ea typeface="Proxima Nova"/>
-                <a:cs typeface="Proxima Nova"/>
-                <a:sym typeface="Proxima Nova"/>
-              </a:rPr>
-              <a:t>[1] </a:t>
-            </a:r>
-            <a:r>
-              <a:rPr lang="en-US" sz="1067" dirty="0" err="1">
-                <a:solidFill>
-                  <a:schemeClr val="accent3"/>
-                </a:solidFill>
-                <a:latin typeface="Proxima Nova"/>
-                <a:ea typeface="Proxima Nova"/>
-                <a:cs typeface="Proxima Nova"/>
-                <a:sym typeface="Proxima Nova"/>
-              </a:rPr>
-              <a:t>Dynnikova</a:t>
-            </a:r>
-            <a:r>
-              <a:rPr lang="en-US" sz="1067" dirty="0">
-                <a:solidFill>
-                  <a:schemeClr val="accent3"/>
-                </a:solidFill>
-                <a:latin typeface="Proxima Nova"/>
-                <a:ea typeface="Proxima Nova"/>
-                <a:cs typeface="Proxima Nova"/>
-                <a:sym typeface="Proxima Nova"/>
-              </a:rPr>
-              <a:t>, G. </a:t>
-            </a:r>
-            <a:r>
-              <a:rPr lang="en-US" sz="1067" dirty="0" err="1">
-                <a:solidFill>
-                  <a:schemeClr val="accent3"/>
-                </a:solidFill>
-                <a:latin typeface="Proxima Nova"/>
-                <a:ea typeface="Proxima Nova"/>
-                <a:cs typeface="Proxima Nova"/>
-                <a:sym typeface="Proxima Nova"/>
-              </a:rPr>
-              <a:t>Ya</a:t>
-            </a:r>
-            <a:r>
-              <a:rPr lang="en-US" sz="1067" dirty="0">
-                <a:solidFill>
-                  <a:schemeClr val="accent3"/>
-                </a:solidFill>
-                <a:latin typeface="Proxima Nova"/>
-                <a:ea typeface="Proxima Nova"/>
-                <a:cs typeface="Proxima Nova"/>
-                <a:sym typeface="Proxima Nova"/>
-              </a:rPr>
-              <a:t> et al. (2021). “Stability of a reverse Karman vortex street”. In: Physics of Fluids 33.2. ISSN: 10897666. DOI: 10.1063/5.0035575.</a:t>
-            </a:r>
-          </a:p>
-        </p:txBody>
-      </p:sp>
-    </p:spTree>
-    <p:extLst>
-      <p:ext uri="{BB962C8B-B14F-4D97-AF65-F5344CB8AC3E}">
-        <p14:creationId xmlns:p14="http://schemas.microsoft.com/office/powerpoint/2010/main" val="2469735493"/>
-      </p:ext>
-    </p:extLst>
-  </p:cSld>
-  <p:clrMapOvr>
-    <a:masterClrMapping/>
-  </p:clrMapOvr>
-</p:sld>
-</file>
-
-<file path=ppt/slides/slide19.xml><?xml version="1.0" encoding="utf-8"?>
-<p:sld xmlns:a="http://schemas.openxmlformats.org/drawingml/2006/main" xmlns:r="http://schemas.openxmlformats.org/officeDocument/2006/relationships" xmlns:p="http://schemas.openxmlformats.org/presentationml/2006/main">
-  <p:cSld>
-    <p:spTree>
-      <p:nvGrpSpPr>
-        <p:cNvPr id="1" name="Shape 337"/>
-        <p:cNvGrpSpPr/>
-        <p:nvPr/>
-      </p:nvGrpSpPr>
-      <p:grpSpPr>
-        <a:xfrm>
-          <a:off x="0" y="0"/>
-          <a:ext cx="0" cy="0"/>
-          <a:chOff x="0" y="0"/>
-          <a:chExt cx="0" cy="0"/>
-        </a:xfrm>
-      </p:grpSpPr>
-      <p:sp>
-        <p:nvSpPr>
-          <p:cNvPr id="338" name="Google Shape;338;p37"/>
-          <p:cNvSpPr txBox="1">
-            <a:spLocks noGrp="1"/>
-          </p:cNvSpPr>
-          <p:nvPr>
-            <p:ph type="body" idx="1"/>
-          </p:nvPr>
-        </p:nvSpPr>
-        <p:spPr>
-          <a:xfrm>
-            <a:off x="160732" y="963200"/>
-            <a:ext cx="11867599" cy="5452800"/>
-          </a:xfrm>
-          <a:prstGeom prst="rect">
-            <a:avLst/>
-          </a:prstGeom>
-        </p:spPr>
-        <p:txBody>
-          <a:bodyPr spcFirstLastPara="1" wrap="square" lIns="121900" tIns="121900" rIns="121900" bIns="121900" anchor="t" anchorCtr="0">
-            <a:normAutofit/>
-          </a:bodyPr>
-          <a:lstStyle/>
-          <a:p>
-            <a:pPr marL="285750" indent="-285750"/>
-            <a:endParaRPr dirty="0"/>
-          </a:p>
-        </p:txBody>
-      </p:sp>
-      <p:sp>
-        <p:nvSpPr>
-          <p:cNvPr id="339" name="Google Shape;339;p37"/>
-          <p:cNvSpPr/>
-          <p:nvPr/>
-        </p:nvSpPr>
-        <p:spPr>
-          <a:xfrm>
-            <a:off x="13400" y="0"/>
-            <a:ext cx="12192000" cy="763600"/>
-          </a:xfrm>
-          <a:prstGeom prst="rect">
-            <a:avLst/>
-          </a:prstGeom>
-          <a:solidFill>
-            <a:schemeClr val="lt2"/>
-          </a:solidFill>
-          <a:ln w="9525" cap="flat" cmpd="sng">
-            <a:solidFill>
-              <a:schemeClr val="dk2"/>
-            </a:solidFill>
-            <a:prstDash val="solid"/>
-            <a:round/>
-            <a:headEnd type="none" w="sm" len="sm"/>
-            <a:tailEnd type="none" w="sm" len="sm"/>
-          </a:ln>
-        </p:spPr>
-        <p:txBody>
-          <a:bodyPr spcFirstLastPara="1" wrap="square" lIns="121900" tIns="121900" rIns="121900" bIns="121900" anchor="ctr" anchorCtr="0">
-            <a:noAutofit/>
-          </a:bodyPr>
-          <a:lstStyle/>
-          <a:p>
-            <a:endParaRPr sz="1867"/>
-          </a:p>
-        </p:txBody>
-      </p:sp>
-      <p:sp>
-        <p:nvSpPr>
-          <p:cNvPr id="340" name="Google Shape;340;p37"/>
-          <p:cNvSpPr txBox="1">
-            <a:spLocks noGrp="1"/>
-          </p:cNvSpPr>
-          <p:nvPr>
-            <p:ph type="title"/>
-          </p:nvPr>
-        </p:nvSpPr>
-        <p:spPr>
-          <a:xfrm>
-            <a:off x="160733" y="0"/>
-            <a:ext cx="11867600" cy="763600"/>
-          </a:xfrm>
-          <a:prstGeom prst="rect">
-            <a:avLst/>
-          </a:prstGeom>
-        </p:spPr>
-        <p:txBody>
-          <a:bodyPr spcFirstLastPara="1" wrap="square" lIns="121900" tIns="121900" rIns="121900" bIns="121900" anchor="ctr" anchorCtr="0">
-            <a:normAutofit/>
-          </a:bodyPr>
-          <a:lstStyle/>
-          <a:p>
-            <a:r>
-              <a:rPr lang="en-IN" b="1" dirty="0"/>
-              <a:t>Conclusion &amp; Future Work</a:t>
-            </a:r>
-            <a:endParaRPr b="1" dirty="0"/>
-          </a:p>
-        </p:txBody>
-      </p:sp>
-      <p:sp>
-        <p:nvSpPr>
-          <p:cNvPr id="341" name="Google Shape;341;p37"/>
-          <p:cNvSpPr txBox="1">
-            <a:spLocks noGrp="1"/>
-          </p:cNvSpPr>
-          <p:nvPr>
-            <p:ph type="sldNum" idx="12"/>
-          </p:nvPr>
-        </p:nvSpPr>
-        <p:spPr>
-          <a:xfrm>
-            <a:off x="11296744" y="6333189"/>
-            <a:ext cx="731600" cy="524800"/>
-          </a:xfrm>
-          <a:prstGeom prst="rect">
-            <a:avLst/>
-          </a:prstGeom>
-        </p:spPr>
-        <p:txBody>
-          <a:bodyPr spcFirstLastPara="1" wrap="square" lIns="121900" tIns="121900" rIns="121900" bIns="121900" anchor="ctr" anchorCtr="0">
-            <a:normAutofit/>
-          </a:bodyPr>
-          <a:lstStyle/>
-          <a:p>
-            <a:fld id="{00000000-1234-1234-1234-123412341234}" type="slidenum">
-              <a:rPr lang="en"/>
-              <a:pPr/>
               <a:t>19</a:t>
             </a:fld>
             <a:endParaRPr/>
@@ -18641,31 +21433,7 @@
                 <a:cs typeface="Proxima Nova"/>
                 <a:sym typeface="Proxima Nova"/>
               </a:rPr>
-              <a:t>[1] </a:t>
-            </a:r>
-            <a:r>
-              <a:rPr lang="en-US" sz="1067" dirty="0" err="1">
-                <a:solidFill>
-                  <a:schemeClr val="accent3"/>
-                </a:solidFill>
-                <a:latin typeface="Proxima Nova"/>
-                <a:ea typeface="Proxima Nova"/>
-                <a:cs typeface="Proxima Nova"/>
-                <a:sym typeface="Proxima Nova"/>
-              </a:rPr>
-              <a:t>Dynnikova</a:t>
-            </a:r>
-            <a:r>
-              <a:rPr lang="en-US" sz="1067" dirty="0">
-                <a:solidFill>
-                  <a:schemeClr val="accent3"/>
-                </a:solidFill>
-                <a:latin typeface="Proxima Nova"/>
-                <a:ea typeface="Proxima Nova"/>
-                <a:cs typeface="Proxima Nova"/>
-                <a:sym typeface="Proxima Nova"/>
-              </a:rPr>
-              <a:t>, G. </a:t>
+              <a:t>[1] Dynnikova, G. </a:t>
             </a:r>
             <a:r>
               <a:rPr lang="en-US" sz="1067" dirty="0" err="1">
@@ -18697,7 +21465,7 @@
     </p:spTree>
     <p:extLst>
       <p:ext uri="{BB962C8B-B14F-4D97-AF65-F5344CB8AC3E}">
-        <p14:creationId xmlns:p14="http://schemas.microsoft.com/office/powerpoint/2010/main" val="1355690590"/>
+        <p14:creationId xmlns:p14="http://schemas.microsoft.com/office/powerpoint/2010/main" val="2469735493"/>
       </p:ext>
     </p:extLst>
   </p:cSld>
@@ -18777,7 +21545,7 @@
           <a:lstStyle/>
           <a:p>
             <a:pPr algn="ctr"/>
-            <a:endParaRPr lang="en-IN"/>
+            <a:endParaRPr lang="en-IN" dirty="0"/>
           </a:p>
         </p:txBody>
       </p:sp>
@@ -18834,7 +21602,7 @@
           <a:lstStyle/>
           <a:p>
             <a:pPr algn="ctr"/>
-            <a:endParaRPr lang="en-IN"/>
+            <a:endParaRPr lang="en-IN" dirty="0"/>
           </a:p>
         </p:txBody>
       </p:sp>
@@ -18891,7 +21659,7 @@
           <a:lstStyle/>
           <a:p>
             <a:pPr algn="ctr"/>
-            <a:endParaRPr lang="en-IN"/>
+            <a:endParaRPr lang="en-IN" dirty="0"/>
           </a:p>
         </p:txBody>
       </p:sp>
@@ -19603,7 +22371,7 @@
           </a:bodyPr>
           <a:lstStyle/>
           <a:p>
-            <a:endParaRPr sz="1867"/>
+            <a:endParaRPr sz="1867" dirty="0"/>
           </a:p>
         </p:txBody>
       </p:sp>
@@ -19670,7 +22438,7 @@
               <a:pPr/>
               <a:t>2</a:t>
             </a:fld>
-            <a:endParaRPr/>
+            <a:endParaRPr dirty="0"/>
           </a:p>
         </p:txBody>
       </p:sp>
@@ -20652,6 +23420,234 @@
   <p:cSld>
     <p:spTree>
       <p:nvGrpSpPr>
+        <p:cNvPr id="1" name="Shape 337"/>
+        <p:cNvGrpSpPr/>
+        <p:nvPr/>
+      </p:nvGrpSpPr>
+      <p:grpSpPr>
+        <a:xfrm>
+          <a:off x="0" y="0"/>
+          <a:ext cx="0" cy="0"/>
+          <a:chOff x="0" y="0"/>
+          <a:chExt cx="0" cy="0"/>
+        </a:xfrm>
+      </p:grpSpPr>
+      <p:sp>
+        <p:nvSpPr>
+          <p:cNvPr id="338" name="Google Shape;338;p37"/>
+          <p:cNvSpPr txBox="1">
+            <a:spLocks noGrp="1"/>
+          </p:cNvSpPr>
+          <p:nvPr>
+            <p:ph type="body" idx="1"/>
+          </p:nvPr>
+        </p:nvSpPr>
+        <p:spPr>
+          <a:xfrm>
+            <a:off x="160732" y="963200"/>
+            <a:ext cx="11867599" cy="5452800"/>
+          </a:xfrm>
+          <a:prstGeom prst="rect">
+            <a:avLst/>
+          </a:prstGeom>
+        </p:spPr>
+        <p:txBody>
+          <a:bodyPr spcFirstLastPara="1" wrap="square" lIns="121900" tIns="121900" rIns="121900" bIns="121900" anchor="t" anchorCtr="0">
+            <a:normAutofit/>
+          </a:bodyPr>
+          <a:lstStyle/>
+          <a:p>
+            <a:pPr marL="285750" indent="-285750"/>
+            <a:endParaRPr dirty="0"/>
+          </a:p>
+        </p:txBody>
+      </p:sp>
+      <p:sp>
+        <p:nvSpPr>
+          <p:cNvPr id="339" name="Google Shape;339;p37"/>
+          <p:cNvSpPr/>
+          <p:nvPr/>
+        </p:nvSpPr>
+        <p:spPr>
+          <a:xfrm>
+            <a:off x="13400" y="0"/>
+            <a:ext cx="12192000" cy="763600"/>
+          </a:xfrm>
+          <a:prstGeom prst="rect">
+            <a:avLst/>
+          </a:prstGeom>
+          <a:solidFill>
+            <a:schemeClr val="lt2"/>
+          </a:solidFill>
+          <a:ln w="9525" cap="flat" cmpd="sng">
+            <a:solidFill>
+              <a:schemeClr val="dk2"/>
+            </a:solidFill>
+            <a:prstDash val="solid"/>
+            <a:round/>
+            <a:headEnd type="none" w="sm" len="sm"/>
+            <a:tailEnd type="none" w="sm" len="sm"/>
+          </a:ln>
+        </p:spPr>
+        <p:txBody>
+          <a:bodyPr spcFirstLastPara="1" wrap="square" lIns="121900" tIns="121900" rIns="121900" bIns="121900" anchor="ctr" anchorCtr="0">
+            <a:noAutofit/>
+          </a:bodyPr>
+          <a:lstStyle/>
+          <a:p>
+            <a:endParaRPr sz="1867"/>
+          </a:p>
+        </p:txBody>
+      </p:sp>
+      <p:sp>
+        <p:nvSpPr>
+          <p:cNvPr id="340" name="Google Shape;340;p37"/>
+          <p:cNvSpPr txBox="1">
+            <a:spLocks noGrp="1"/>
+          </p:cNvSpPr>
+          <p:nvPr>
+            <p:ph type="title"/>
+          </p:nvPr>
+        </p:nvSpPr>
+        <p:spPr>
+          <a:xfrm>
+            <a:off x="160733" y="0"/>
+            <a:ext cx="11867600" cy="763600"/>
+          </a:xfrm>
+          <a:prstGeom prst="rect">
+            <a:avLst/>
+          </a:prstGeom>
+        </p:spPr>
+        <p:txBody>
+          <a:bodyPr spcFirstLastPara="1" wrap="square" lIns="121900" tIns="121900" rIns="121900" bIns="121900" anchor="ctr" anchorCtr="0">
+            <a:normAutofit/>
+          </a:bodyPr>
+          <a:lstStyle/>
+          <a:p>
+            <a:r>
+              <a:rPr lang="en-IN" b="1" dirty="0"/>
+              <a:t>Conclusion &amp; Future Work</a:t>
+            </a:r>
+            <a:endParaRPr b="1" dirty="0"/>
+          </a:p>
+        </p:txBody>
+      </p:sp>
+      <p:sp>
+        <p:nvSpPr>
+          <p:cNvPr id="341" name="Google Shape;341;p37"/>
+          <p:cNvSpPr txBox="1">
+            <a:spLocks noGrp="1"/>
+          </p:cNvSpPr>
+          <p:nvPr>
+            <p:ph type="sldNum" idx="12"/>
+          </p:nvPr>
+        </p:nvSpPr>
+        <p:spPr>
+          <a:xfrm>
+            <a:off x="11296744" y="6333189"/>
+            <a:ext cx="731600" cy="524800"/>
+          </a:xfrm>
+          <a:prstGeom prst="rect">
+            <a:avLst/>
+          </a:prstGeom>
+        </p:spPr>
+        <p:txBody>
+          <a:bodyPr spcFirstLastPara="1" wrap="square" lIns="121900" tIns="121900" rIns="121900" bIns="121900" anchor="ctr" anchorCtr="0">
+            <a:normAutofit/>
+          </a:bodyPr>
+          <a:lstStyle/>
+          <a:p>
+            <a:fld id="{00000000-1234-1234-1234-123412341234}" type="slidenum">
+              <a:rPr lang="en"/>
+              <a:pPr/>
+              <a:t>20</a:t>
+            </a:fld>
+            <a:endParaRPr/>
+          </a:p>
+        </p:txBody>
+      </p:sp>
+      <p:sp>
+        <p:nvSpPr>
+          <p:cNvPr id="346" name="Google Shape;346;p37"/>
+          <p:cNvSpPr txBox="1"/>
+          <p:nvPr/>
+        </p:nvSpPr>
+        <p:spPr>
+          <a:xfrm>
+            <a:off x="0" y="6333201"/>
+            <a:ext cx="9910400" cy="410393"/>
+          </a:xfrm>
+          <a:prstGeom prst="rect">
+            <a:avLst/>
+          </a:prstGeom>
+          <a:noFill/>
+          <a:ln>
+            <a:noFill/>
+          </a:ln>
+        </p:spPr>
+        <p:txBody>
+          <a:bodyPr spcFirstLastPara="1" wrap="square" lIns="121900" tIns="121900" rIns="121900" bIns="121900" anchor="t" anchorCtr="0">
+            <a:spAutoFit/>
+          </a:bodyPr>
+          <a:lstStyle/>
+          <a:p>
+            <a:r>
+              <a:rPr lang="en-US" sz="1067" dirty="0">
+                <a:solidFill>
+                  <a:schemeClr val="accent3"/>
+                </a:solidFill>
+                <a:latin typeface="Proxima Nova"/>
+                <a:ea typeface="Proxima Nova"/>
+                <a:cs typeface="Proxima Nova"/>
+                <a:sym typeface="Proxima Nova"/>
+              </a:rPr>
+              <a:t>[1] Dynnikova, G. </a:t>
+            </a:r>
+            <a:r>
+              <a:rPr lang="en-US" sz="1067" dirty="0" err="1">
+                <a:solidFill>
+                  <a:schemeClr val="accent3"/>
+                </a:solidFill>
+                <a:latin typeface="Proxima Nova"/>
+                <a:ea typeface="Proxima Nova"/>
+                <a:cs typeface="Proxima Nova"/>
+                <a:sym typeface="Proxima Nova"/>
+              </a:rPr>
+              <a:t>Ya</a:t>
+            </a:r>
+            <a:r>
+              <a:rPr lang="en-US" sz="1067" dirty="0">
+                <a:solidFill>
+                  <a:schemeClr val="accent3"/>
+                </a:solidFill>
+                <a:latin typeface="Proxima Nova"/>
+                <a:ea typeface="Proxima Nova"/>
+                <a:cs typeface="Proxima Nova"/>
+                <a:sym typeface="Proxima Nova"/>
+              </a:rPr>
+              <a:t> et al. (2021). “Stability of a reverse Karman vortex street”. In: Physics of Fluids 33.2. ISSN: 10897666. DOI: 10.1063/5.0035575.</a:t>
+            </a:r>
+          </a:p>
+        </p:txBody>
+      </p:sp>
+    </p:spTree>
+    <p:extLst>
+      <p:ext uri="{BB962C8B-B14F-4D97-AF65-F5344CB8AC3E}">
+        <p14:creationId xmlns:p14="http://schemas.microsoft.com/office/powerpoint/2010/main" val="1355690590"/>
+      </p:ext>
+    </p:extLst>
+  </p:cSld>
+  <p:clrMapOvr>
+    <a:masterClrMapping/>
+  </p:clrMapOvr>
+</p:sld>
+</file>
+
+<file path=ppt/slides/slide21.xml><?xml version="1.0" encoding="utf-8"?>
+<p:sld xmlns:a="http://schemas.openxmlformats.org/drawingml/2006/main" xmlns:r="http://schemas.openxmlformats.org/officeDocument/2006/relationships" xmlns:p="http://schemas.openxmlformats.org/presentationml/2006/main">
+  <p:cSld>
+    <p:spTree>
+      <p:nvGrpSpPr>
         <p:cNvPr id="1" name="Shape 358"/>
         <p:cNvGrpSpPr/>
         <p:nvPr/>
@@ -20879,7 +23875,7 @@
 </p:sld>
 </file>
 
-<file path=ppt/slides/slide21.xml><?xml version="1.0" encoding="utf-8"?>
+<file path=ppt/slides/slide22.xml><?xml version="1.0" encoding="utf-8"?>
 <p:sld xmlns:a="http://schemas.openxmlformats.org/drawingml/2006/main" xmlns:r="http://schemas.openxmlformats.org/officeDocument/2006/relationships" xmlns:p="http://schemas.openxmlformats.org/presentationml/2006/main">
   <p:cSld>
     <p:spTree>
@@ -20957,7 +23953,7 @@
             <a:fld id="{00000000-1234-1234-1234-123412341234}" type="slidenum">
               <a:rPr lang="en"/>
               <a:pPr/>
-              <a:t>21</a:t>
+              <a:t>22</a:t>
             </a:fld>
             <a:endParaRPr/>
           </a:p>
@@ -20976,7 +23972,7 @@
 </p:sld>
 </file>
 
-<file path=ppt/slides/slide22.xml><?xml version="1.0" encoding="utf-8"?>
+<file path=ppt/slides/slide23.xml><?xml version="1.0" encoding="utf-8"?>
 <p:sld xmlns:a="http://schemas.openxmlformats.org/drawingml/2006/main" xmlns:r="http://schemas.openxmlformats.org/officeDocument/2006/relationships" xmlns:p="http://schemas.openxmlformats.org/presentationml/2006/main">
   <p:cSld>
     <p:spTree>
@@ -21117,7 +24113,7 @@
             <a:fld id="{00000000-1234-1234-1234-123412341234}" type="slidenum">
               <a:rPr lang="en"/>
               <a:pPr/>
-              <a:t>22</a:t>
+              <a:t>23</a:t>
             </a:fld>
             <a:endParaRPr/>
           </a:p>
@@ -21158,31 +24154,7 @@
                 <a:cs typeface="Proxima Nova"/>
                 <a:sym typeface="Proxima Nova"/>
               </a:rPr>
-              <a:t>[1] </a:t>
-            </a:r>
-            <a:r>
-              <a:rPr lang="en-US" sz="1067" dirty="0" err="1">
-                <a:solidFill>
-                  <a:schemeClr val="accent3"/>
-                </a:solidFill>
-                <a:latin typeface="Proxima Nova"/>
-                <a:ea typeface="Proxima Nova"/>
-                <a:cs typeface="Proxima Nova"/>
-                <a:sym typeface="Proxima Nova"/>
-              </a:rPr>
-              <a:t>Dynnikova</a:t>
-            </a:r>
-            <a:r>
-              <a:rPr lang="en-US" sz="1067" dirty="0">
-                <a:solidFill>
-                  <a:schemeClr val="accent3"/>
-                </a:solidFill>
-                <a:latin typeface="Proxima Nova"/>
-                <a:ea typeface="Proxima Nova"/>
-                <a:cs typeface="Proxima Nova"/>
-                <a:sym typeface="Proxima Nova"/>
-              </a:rPr>
-              <a:t>, G. </a:t>
+              <a:t>[1] Dynnikova, G. </a:t>
             </a:r>
             <a:r>
               <a:rPr lang="en-US" sz="1067" dirty="0" err="1">
@@ -21224,7 +24196,7 @@
 </p:sld>
 </file>
 
-<file path=ppt/slides/slide23.xml><?xml version="1.0" encoding="utf-8"?>
+<file path=ppt/slides/slide24.xml><?xml version="1.0" encoding="utf-8"?>
 <p:sld xmlns:a="http://schemas.openxmlformats.org/drawingml/2006/main" xmlns:r="http://schemas.openxmlformats.org/officeDocument/2006/relationships" xmlns:p="http://schemas.openxmlformats.org/presentationml/2006/main">
   <p:cSld>
     <p:spTree>
@@ -21335,7 +24307,7 @@
             <a:fld id="{00000000-1234-1234-1234-123412341234}" type="slidenum">
               <a:rPr lang="en"/>
               <a:pPr/>
-              <a:t>23</a:t>
+              <a:t>24</a:t>
             </a:fld>
             <a:endParaRPr/>
           </a:p>
@@ -21354,7 +24326,7 @@
 </p:sld>
 </file>
 
-<file path=ppt/slides/slide24.xml><?xml version="1.0" encoding="utf-8"?>
+<file path=ppt/slides/slide25.xml><?xml version="1.0" encoding="utf-8"?>
 <p:sld xmlns:a="http://schemas.openxmlformats.org/drawingml/2006/main" xmlns:r="http://schemas.openxmlformats.org/officeDocument/2006/relationships" xmlns:p="http://schemas.openxmlformats.org/presentationml/2006/main">
   <p:cSld>
     <p:spTree>
@@ -21432,7 +24404,7 @@
             <a:fld id="{00000000-1234-1234-1234-123412341234}" type="slidenum">
               <a:rPr lang="en"/>
               <a:pPr/>
-              <a:t>24</a:t>
+              <a:t>25</a:t>
             </a:fld>
             <a:endParaRPr/>
           </a:p>
@@ -21446,7 +24418,7 @@
 </p:sld>
 </file>
 
-<file path=ppt/slides/slide25.xml><?xml version="1.0" encoding="utf-8"?>
+<file path=ppt/slides/slide26.xml><?xml version="1.0" encoding="utf-8"?>
 <p:sld xmlns:a="http://schemas.openxmlformats.org/drawingml/2006/main" xmlns:r="http://schemas.openxmlformats.org/officeDocument/2006/relationships" xmlns:p="http://schemas.openxmlformats.org/presentationml/2006/main">
   <p:cSld>
     <p:spTree>
@@ -21561,7 +24533,7 @@
             <a:fld id="{00000000-1234-1234-1234-123412341234}" type="slidenum">
               <a:rPr lang="en"/>
               <a:pPr/>
-              <a:t>25</a:t>
+              <a:t>26</a:t>
             </a:fld>
             <a:endParaRPr/>
           </a:p>
@@ -22664,7 +25636,7 @@
 </p:sld>
 </file>
 
-<file path=ppt/slides/slide26.xml><?xml version="1.0" encoding="utf-8"?>
+<file path=ppt/slides/slide27.xml><?xml version="1.0" encoding="utf-8"?>
 <p:sld xmlns:a="http://schemas.openxmlformats.org/drawingml/2006/main" xmlns:r="http://schemas.openxmlformats.org/officeDocument/2006/relationships" xmlns:p="http://schemas.openxmlformats.org/presentationml/2006/main">
   <p:cSld>
     <p:spTree>
@@ -22964,7 +25936,7 @@
             <a:fld id="{00000000-1234-1234-1234-123412341234}" type="slidenum">
               <a:rPr lang="en"/>
               <a:pPr/>
-              <a:t>26</a:t>
+              <a:t>27</a:t>
             </a:fld>
             <a:endParaRPr/>
           </a:p>
@@ -23453,7 +26425,7 @@
           </a:bodyPr>
           <a:lstStyle/>
           <a:p>
-            <a:endParaRPr sz="1867"/>
+            <a:endParaRPr sz="1867" dirty="0"/>
           </a:p>
         </p:txBody>
       </p:sp>
@@ -23520,7 +26492,7 @@
               <a:pPr/>
               <a:t>3</a:t>
             </a:fld>
-            <a:endParaRPr/>
+            <a:endParaRPr dirty="0"/>
           </a:p>
         </p:txBody>
       </p:sp>
@@ -30678,8 +33650,8 @@
             </p:nvSpPr>
             <p:spPr>
               <a:xfrm>
-                <a:off x="160732" y="963200"/>
-                <a:ext cx="11867599" cy="5452800"/>
+                <a:off x="160733" y="963200"/>
+                <a:ext cx="7652307" cy="5452800"/>
               </a:xfrm>
               <a:prstGeom prst="rect">
                 <a:avLst/>
@@ -30687,7 +33659,7 @@
             </p:spPr>
             <p:txBody>
               <a:bodyPr spcFirstLastPara="1" wrap="square" lIns="121900" tIns="121900" rIns="121900" bIns="121900" anchor="t" anchorCtr="0">
-                <a:normAutofit/>
+                <a:normAutofit fontScale="92500"/>
               </a:bodyPr>
               <a:lstStyle/>
               <a:p>
@@ -30696,26 +33668,41 @@
                   <a:rPr lang="en-IN" dirty="0"/>
                   <a:t>Implicit Pressure Poisson-based Models</a:t>
                 </a:r>
+                <a:r>
+                  <a:rPr lang="en-IN" baseline="30000" dirty="0"/>
+                  <a:t>[1,2]</a:t>
+                </a:r>
+                <a:endParaRPr lang="en-IN" dirty="0"/>
               </a:p>
               <a:p>
                 <a:pPr marL="895335" lvl="1" indent="-285750"/>
                 <a:r>
                   <a:rPr lang="en-IN" dirty="0"/>
-                  <a:t>[Gotoh2004, 2005] Considered incompressible flow</a:t>
+                  <a:t>Assumption: Incompressible flow</a:t>
                 </a:r>
               </a:p>
               <a:p>
                 <a:pPr marL="895335" lvl="1" indent="-285750"/>
                 <a:r>
                   <a:rPr lang="en-IN" dirty="0"/>
-                  <a:t>Filtered the Navier-Stokes (NS) eqs (Spatial filter)</a:t>
+                  <a:t>Navier-Stokes (NS) eqs. </a:t>
+                </a:r>
+                <a:r>
+                  <a:rPr lang="en-IN" dirty="0">
+                    <a:sym typeface="Wingdings" panose="05000000000000000000" pitchFamily="2" charset="2"/>
+                  </a:rPr>
+                  <a:t></a:t>
+                </a:r>
+                <a:r>
+                  <a:rPr lang="en-IN" dirty="0"/>
+                  <a:t> Spatially filtered</a:t>
                 </a:r>
               </a:p>
               <a:p>
                 <a:pPr marL="895335" lvl="1" indent="-285750"/>
                 <a:r>
                   <a:rPr lang="en-IN" dirty="0"/>
-                  <a:t>Stress Tensor </a:t>
+                  <a:t>Stress tensor </a:t>
                 </a:r>
                 <a:r>
                   <a:rPr lang="en-IN" dirty="0">
@@ -30725,7 +33712,7 @@
                 </a:r>
                 <a:r>
                   <a:rPr lang="en-IN" dirty="0"/>
-                  <a:t>losed using Boussinesq’s Hypothesis</a:t>
+                  <a:t>losed using Boussinesq’s hypothesis</a:t>
                 </a:r>
               </a:p>
               <a:p>
@@ -30738,19 +33725,7 @@
                   <a:rPr lang="en-IN" dirty="0">
                     <a:sym typeface="Wingdings" panose="05000000000000000000" pitchFamily="2" charset="2"/>
                   </a:rPr>
-                  <a:t> Estimated using </a:t>
-                </a:r>
-                <a:r>
-                  <a:rPr lang="en-IN" dirty="0" err="1">
-                    <a:sym typeface="Wingdings" panose="05000000000000000000" pitchFamily="2" charset="2"/>
-                  </a:rPr>
-                  <a:t>Smagorinsky</a:t>
-                </a:r>
-                <a:r>
-                  <a:rPr lang="en-IN" dirty="0">
-                    <a:sym typeface="Wingdings" panose="05000000000000000000" pitchFamily="2" charset="2"/>
-                  </a:rPr>
-                  <a:t> Model </a:t>
+                  <a:t> Estimated using modified Smagorinsky model </a:t>
                 </a:r>
               </a:p>
               <a:p>
@@ -30759,7 +33734,7 @@
                   <a:rPr lang="en-IN" dirty="0">
                     <a:sym typeface="Wingdings" panose="05000000000000000000" pitchFamily="2" charset="2"/>
                   </a:rPr>
-                  <a:t>Model is modified to incl wall effects, s.t., it is not over-dissipative inside laminar layer</a:t>
+                  <a:t>Model modified to include wall effects</a:t>
                 </a:r>
               </a:p>
               <a:p>
@@ -30768,7 +33743,7 @@
                   <a:rPr lang="en-IN" dirty="0">
                     <a:sym typeface="Wingdings" panose="05000000000000000000" pitchFamily="2" charset="2"/>
                   </a:rPr>
-                  <a:t>System evolved using the predictive-corrective time integrator</a:t>
+                  <a:t>Predictive-corrective time integrator</a:t>
                 </a:r>
               </a:p>
               <a:p>
@@ -30777,7 +33752,7 @@
                   <a:rPr lang="en-IN" dirty="0">
                     <a:sym typeface="Wingdings" panose="05000000000000000000" pitchFamily="2" charset="2"/>
                   </a:rPr>
-                  <a:t>Requires the implicit solution of the pressure poisson equation</a:t>
+                  <a:t>Requires implicit solution of pressure poisson eq</a:t>
                 </a:r>
               </a:p>
               <a:p>
@@ -30786,23 +33761,14 @@
                   <a:rPr lang="en-IN" dirty="0">
                     <a:sym typeface="Wingdings" panose="05000000000000000000" pitchFamily="2" charset="2"/>
                   </a:rPr>
-                  <a:t>Simulated:</a:t>
-                </a:r>
-              </a:p>
-              <a:p>
-                <a:pPr marL="1504919" lvl="2" indent="-285750"/>
-                <a:r>
-                  <a:rPr lang="en-IN" dirty="0">
-                    <a:sym typeface="Wingdings" panose="05000000000000000000" pitchFamily="2" charset="2"/>
-                  </a:rPr>
-                  <a:t>2D wave interaction with partially immersed breakwater </a:t>
+                  <a:t>Simulated: </a:t>
                 </a:r>
                 <a14:m>
                   <m:oMath xmlns:m="http://schemas.openxmlformats.org/officeDocument/2006/math">
                     <m:d>
                       <m:dPr>
                         <m:ctrlPr>
-                          <a:rPr lang="en-IN" i="1" dirty="0" smtClean="0">
+                          <a:rPr lang="en-IN" i="1" dirty="0">
                             <a:latin typeface="Cambria Math" panose="02040503050406030204" pitchFamily="18" charset="0"/>
                             <a:sym typeface="Wingdings" panose="05000000000000000000" pitchFamily="2" charset="2"/>
                           </a:rPr>
@@ -30810,14 +33776,14 @@
                       </m:dPr>
                       <m:e>
                         <m:r>
-                          <a:rPr lang="en-IN" i="1" dirty="0" smtClean="0">
+                          <a:rPr lang="en-IN" i="1" dirty="0">
                             <a:latin typeface="Cambria Math" panose="02040503050406030204" pitchFamily="18" charset="0"/>
                             <a:sym typeface="Wingdings" panose="05000000000000000000" pitchFamily="2" charset="2"/>
                           </a:rPr>
                           <m:t>𝑅𝑒</m:t>
                         </m:r>
                         <m:r>
-                          <a:rPr lang="en-IN" b="0" i="1" dirty="0" smtClean="0">
+                          <a:rPr lang="en-IN" i="1" dirty="0">
                             <a:latin typeface="Cambria Math" panose="02040503050406030204" pitchFamily="18" charset="0"/>
                             <a:sym typeface="Wingdings" panose="05000000000000000000" pitchFamily="2" charset="2"/>
                           </a:rPr>
@@ -30826,7 +33792,7 @@
                         <m:sSup>
                           <m:sSupPr>
                             <m:ctrlPr>
-                              <a:rPr lang="en-IN" b="0" i="1" dirty="0" smtClean="0">
+                              <a:rPr lang="en-IN" i="1" dirty="0">
                                 <a:latin typeface="Cambria Math" panose="02040503050406030204" pitchFamily="18" charset="0"/>
                                 <a:sym typeface="Wingdings" panose="05000000000000000000" pitchFamily="2" charset="2"/>
                               </a:rPr>
@@ -30834,7 +33800,7 @@
                           </m:sSupPr>
                           <m:e>
                             <m:r>
-                              <a:rPr lang="en-IN" b="0" i="1" dirty="0" smtClean="0">
+                              <a:rPr lang="en-IN" i="1" dirty="0">
                                 <a:latin typeface="Cambria Math" panose="02040503050406030204" pitchFamily="18" charset="0"/>
                                 <a:sym typeface="Wingdings" panose="05000000000000000000" pitchFamily="2" charset="2"/>
                               </a:rPr>
@@ -30843,7 +33809,7 @@
                           </m:e>
                           <m:sup>
                             <m:r>
-                              <a:rPr lang="en-IN" b="0" i="1" dirty="0" smtClean="0">
+                              <a:rPr lang="en-IN" i="1" dirty="0">
                                 <a:latin typeface="Cambria Math" panose="02040503050406030204" pitchFamily="18" charset="0"/>
                                 <a:sym typeface="Wingdings" panose="05000000000000000000" pitchFamily="2" charset="2"/>
                               </a:rPr>
@@ -30852,7 +33818,7 @@
                           </m:sup>
                         </m:sSup>
                         <m:r>
-                          <a:rPr lang="en-IN" b="0" i="1" dirty="0" smtClean="0">
+                          <a:rPr lang="en-IN" i="1" dirty="0">
                             <a:latin typeface="Cambria Math" panose="02040503050406030204" pitchFamily="18" charset="0"/>
                             <a:sym typeface="Wingdings" panose="05000000000000000000" pitchFamily="2" charset="2"/>
                           </a:rPr>
@@ -30861,7 +33827,7 @@
                         <m:sSub>
                           <m:sSubPr>
                             <m:ctrlPr>
-                              <a:rPr lang="en-IN" b="0" i="1" dirty="0" smtClean="0">
+                              <a:rPr lang="en-IN" i="1" dirty="0">
                                 <a:latin typeface="Cambria Math" panose="02040503050406030204" pitchFamily="18" charset="0"/>
                                 <a:sym typeface="Wingdings" panose="05000000000000000000" pitchFamily="2" charset="2"/>
                               </a:rPr>
@@ -30869,7 +33835,7 @@
                           </m:sSubPr>
                           <m:e>
                             <m:r>
-                              <a:rPr lang="en-IN" b="0" i="1" dirty="0" smtClean="0">
+                              <a:rPr lang="en-IN" i="1" dirty="0">
                                 <a:latin typeface="Cambria Math" panose="02040503050406030204" pitchFamily="18" charset="0"/>
                                 <a:sym typeface="Wingdings" panose="05000000000000000000" pitchFamily="2" charset="2"/>
                               </a:rPr>
@@ -30878,7 +33844,7 @@
                           </m:e>
                           <m:sub>
                             <m:r>
-                              <a:rPr lang="en-IN" b="0" i="1" dirty="0" smtClean="0">
+                              <a:rPr lang="en-IN" i="1" dirty="0">
                                 <a:latin typeface="Cambria Math" panose="02040503050406030204" pitchFamily="18" charset="0"/>
                                 <a:sym typeface="Wingdings" panose="05000000000000000000" pitchFamily="2" charset="2"/>
                               </a:rPr>
@@ -30887,16 +33853,16 @@
                           </m:sub>
                         </m:sSub>
                         <m:r>
-                          <a:rPr lang="en-IN" i="1" dirty="0">
+                          <a:rPr lang="en-IN" i="1" dirty="0" smtClean="0">
                             <a:latin typeface="Cambria Math" panose="02040503050406030204" pitchFamily="18" charset="0"/>
                             <a:sym typeface="Wingdings" panose="05000000000000000000" pitchFamily="2" charset="2"/>
                           </a:rPr>
-                          <m:t>≈1.2×</m:t>
+                          <m:t>≈</m:t>
                         </m:r>
                         <m:sSup>
                           <m:sSupPr>
                             <m:ctrlPr>
-                              <a:rPr lang="en-IN" b="0" i="1" dirty="0" smtClean="0">
+                              <a:rPr lang="en-IN" i="1" dirty="0">
                                 <a:latin typeface="Cambria Math" panose="02040503050406030204" pitchFamily="18" charset="0"/>
                                 <a:sym typeface="Wingdings" panose="05000000000000000000" pitchFamily="2" charset="2"/>
                               </a:rPr>
@@ -30904,7 +33870,7 @@
                           </m:sSupPr>
                           <m:e>
                             <m:r>
-                              <a:rPr lang="en-IN" b="0" i="1" dirty="0" smtClean="0">
+                              <a:rPr lang="en-IN" i="1" dirty="0">
                                 <a:latin typeface="Cambria Math" panose="02040503050406030204" pitchFamily="18" charset="0"/>
                                 <a:sym typeface="Wingdings" panose="05000000000000000000" pitchFamily="2" charset="2"/>
                               </a:rPr>
@@ -30913,161 +33879,7 @@
                           </m:e>
                           <m:sup>
                             <m:r>
-                              <a:rPr lang="en-IN" b="0" i="1" dirty="0" smtClean="0">
-                                <a:latin typeface="Cambria Math" panose="02040503050406030204" pitchFamily="18" charset="0"/>
-                                <a:sym typeface="Wingdings" panose="05000000000000000000" pitchFamily="2" charset="2"/>
-                              </a:rPr>
-                              <m:t>4</m:t>
-                            </m:r>
-                          </m:sup>
-                        </m:sSup>
-                      </m:e>
-                    </m:d>
-                  </m:oMath>
-                </a14:m>
-                <a:endParaRPr lang="en-IN" b="0" dirty="0">
-                  <a:sym typeface="Wingdings" panose="05000000000000000000" pitchFamily="2" charset="2"/>
-                </a:endParaRPr>
-              </a:p>
-              <a:p>
-                <a:pPr marL="1504919" lvl="2" indent="-285750"/>
-                <a:r>
-                  <a:rPr lang="en-IN" dirty="0">
-                    <a:sym typeface="Wingdings" panose="05000000000000000000" pitchFamily="2" charset="2"/>
-                  </a:rPr>
-                  <a:t>2D wave breaking on a beach </a:t>
-                </a:r>
-                <a14:m>
-                  <m:oMath xmlns:m="http://schemas.openxmlformats.org/officeDocument/2006/math">
-                    <m:d>
-                      <m:dPr>
-                        <m:ctrlPr>
-                          <a:rPr lang="en-IN" i="1" dirty="0" smtClean="0">
-                            <a:latin typeface="Cambria Math" panose="02040503050406030204" pitchFamily="18" charset="0"/>
-                            <a:sym typeface="Wingdings" panose="05000000000000000000" pitchFamily="2" charset="2"/>
-                          </a:rPr>
-                        </m:ctrlPr>
-                      </m:dPr>
-                      <m:e>
-                        <m:r>
-                          <a:rPr lang="en-IN" i="1" dirty="0" smtClean="0">
-                            <a:latin typeface="Cambria Math" panose="02040503050406030204" pitchFamily="18" charset="0"/>
-                            <a:sym typeface="Wingdings" panose="05000000000000000000" pitchFamily="2" charset="2"/>
-                          </a:rPr>
-                          <m:t>𝑅𝑒</m:t>
-                        </m:r>
-                        <m:r>
-                          <a:rPr lang="en-IN" b="0" i="1" dirty="0" smtClean="0">
-                            <a:latin typeface="Cambria Math" panose="02040503050406030204" pitchFamily="18" charset="0"/>
-                            <a:sym typeface="Wingdings" panose="05000000000000000000" pitchFamily="2" charset="2"/>
-                          </a:rPr>
-                          <m:t>≈</m:t>
-                        </m:r>
-                        <m:sSup>
-                          <m:sSupPr>
-                            <m:ctrlPr>
-                              <a:rPr lang="en-IN" b="0" i="1" dirty="0" smtClean="0">
-                                <a:latin typeface="Cambria Math" panose="02040503050406030204" pitchFamily="18" charset="0"/>
-                                <a:sym typeface="Wingdings" panose="05000000000000000000" pitchFamily="2" charset="2"/>
-                              </a:rPr>
-                            </m:ctrlPr>
-                          </m:sSupPr>
-                          <m:e>
-                            <m:r>
-                              <a:rPr lang="en-IN" b="0" i="1" dirty="0" smtClean="0">
-                                <a:latin typeface="Cambria Math" panose="02040503050406030204" pitchFamily="18" charset="0"/>
-                                <a:sym typeface="Wingdings" panose="05000000000000000000" pitchFamily="2" charset="2"/>
-                              </a:rPr>
-                              <m:t>10</m:t>
-                            </m:r>
-                          </m:e>
-                          <m:sup>
-                            <m:r>
-                              <a:rPr lang="en-IN" b="0" i="1" dirty="0" smtClean="0">
-                                <a:latin typeface="Cambria Math" panose="02040503050406030204" pitchFamily="18" charset="0"/>
-                                <a:sym typeface="Wingdings" panose="05000000000000000000" pitchFamily="2" charset="2"/>
-                              </a:rPr>
-                              <m:t>6</m:t>
-                            </m:r>
-                          </m:sup>
-                        </m:sSup>
-                        <m:r>
-                          <a:rPr lang="en-IN" b="0" i="1" dirty="0" smtClean="0">
-                            <a:latin typeface="Cambria Math" panose="02040503050406030204" pitchFamily="18" charset="0"/>
-                            <a:sym typeface="Wingdings" panose="05000000000000000000" pitchFamily="2" charset="2"/>
-                          </a:rPr>
-                          <m:t>,  </m:t>
-                        </m:r>
-                        <m:sSub>
-                          <m:sSubPr>
-                            <m:ctrlPr>
-                              <a:rPr lang="en-IN" b="0" i="1" dirty="0" smtClean="0">
-                                <a:latin typeface="Cambria Math" panose="02040503050406030204" pitchFamily="18" charset="0"/>
-                                <a:sym typeface="Wingdings" panose="05000000000000000000" pitchFamily="2" charset="2"/>
-                              </a:rPr>
-                            </m:ctrlPr>
-                          </m:sSubPr>
-                          <m:e>
-                            <m:r>
-                              <a:rPr lang="en-IN" b="0" i="1" dirty="0" smtClean="0">
-                                <a:latin typeface="Cambria Math" panose="02040503050406030204" pitchFamily="18" charset="0"/>
-                                <a:sym typeface="Wingdings" panose="05000000000000000000" pitchFamily="2" charset="2"/>
-                              </a:rPr>
-                              <m:t>𝑁</m:t>
-                            </m:r>
-                          </m:e>
-                          <m:sub>
-                            <m:r>
-                              <a:rPr lang="en-IN" b="0" i="1" dirty="0" smtClean="0">
-                                <a:latin typeface="Cambria Math" panose="02040503050406030204" pitchFamily="18" charset="0"/>
-                                <a:sym typeface="Wingdings" panose="05000000000000000000" pitchFamily="2" charset="2"/>
-                              </a:rPr>
-                              <m:t>𝑖</m:t>
-                            </m:r>
-                          </m:sub>
-                        </m:sSub>
-                        <m:r>
-                          <a:rPr lang="en-IN" i="1" dirty="0">
-                            <a:latin typeface="Cambria Math" panose="02040503050406030204" pitchFamily="18" charset="0"/>
-                            <a:sym typeface="Wingdings" panose="05000000000000000000" pitchFamily="2" charset="2"/>
-                          </a:rPr>
-                          <m:t>≈1</m:t>
-                        </m:r>
-                        <m:r>
-                          <a:rPr lang="en-IN" b="0" i="1" dirty="0" smtClean="0">
-                            <a:latin typeface="Cambria Math" panose="02040503050406030204" pitchFamily="18" charset="0"/>
-                            <a:sym typeface="Wingdings" panose="05000000000000000000" pitchFamily="2" charset="2"/>
-                          </a:rPr>
-                          <m:t>.8</m:t>
-                        </m:r>
-                        <m:r>
-                          <a:rPr lang="en-IN" i="1" dirty="0">
-                            <a:latin typeface="Cambria Math" panose="02040503050406030204" pitchFamily="18" charset="0"/>
-                            <a:sym typeface="Wingdings" panose="05000000000000000000" pitchFamily="2" charset="2"/>
-                          </a:rPr>
-                          <m:t>×</m:t>
-                        </m:r>
-                        <m:sSup>
-                          <m:sSupPr>
-                            <m:ctrlPr>
-                              <a:rPr lang="en-IN" b="0" i="1" dirty="0" smtClean="0">
-                                <a:latin typeface="Cambria Math" panose="02040503050406030204" pitchFamily="18" charset="0"/>
-                                <a:sym typeface="Wingdings" panose="05000000000000000000" pitchFamily="2" charset="2"/>
-                              </a:rPr>
-                            </m:ctrlPr>
-                          </m:sSupPr>
-                          <m:e>
-                            <m:r>
-                              <a:rPr lang="en-IN" b="0" i="1" dirty="0" smtClean="0">
-                                <a:latin typeface="Cambria Math" panose="02040503050406030204" pitchFamily="18" charset="0"/>
-                                <a:sym typeface="Wingdings" panose="05000000000000000000" pitchFamily="2" charset="2"/>
-                              </a:rPr>
-                              <m:t>10</m:t>
-                            </m:r>
-                          </m:e>
-                          <m:sup>
-                            <m:r>
-                              <a:rPr lang="en-IN" b="0" i="1" dirty="0" smtClean="0">
+                              <a:rPr lang="en-IN" i="1" dirty="0">
                                 <a:latin typeface="Cambria Math" panose="02040503050406030204" pitchFamily="18" charset="0"/>
                                 <a:sym typeface="Wingdings" panose="05000000000000000000" pitchFamily="2" charset="2"/>
                               </a:rPr>
@@ -31089,6 +33901,56 @@
                   <a:rPr lang="en-IN" dirty="0">
                     <a:sym typeface="Wingdings" panose="05000000000000000000" pitchFamily="2" charset="2"/>
                   </a:rPr>
+                  <a:t>2D wave interaction with partially immersed breakwater</a:t>
+                </a:r>
+                <a:r>
+                  <a:rPr lang="en-IN" baseline="30000" dirty="0"/>
+                  <a:t>[1]</a:t>
+                </a:r>
+                <a:endParaRPr lang="en-IN" b="0" dirty="0">
+                  <a:sym typeface="Wingdings" panose="05000000000000000000" pitchFamily="2" charset="2"/>
+                </a:endParaRPr>
+              </a:p>
+              <a:p>
+                <a:pPr marL="1504919" lvl="2" indent="-285750"/>
+                <a:r>
+                  <a:rPr lang="en-IN" dirty="0">
+                    <a:sym typeface="Wingdings" panose="05000000000000000000" pitchFamily="2" charset="2"/>
+                  </a:rPr>
+                  <a:t>2D wave breaking on a beach</a:t>
+                </a:r>
+                <a:r>
+                  <a:rPr lang="en-IN" baseline="30000" dirty="0"/>
+                  <a:t>[2]</a:t>
+                </a:r>
+                <a:endParaRPr lang="en-IN" dirty="0">
+                  <a:sym typeface="Wingdings" panose="05000000000000000000" pitchFamily="2" charset="2"/>
+                </a:endParaRPr>
+              </a:p>
+              <a:p>
+                <a:pPr marL="895335" lvl="1" indent="-285750"/>
+                <a:endParaRPr lang="en-IN" dirty="0">
+                  <a:sym typeface="Wingdings" panose="05000000000000000000" pitchFamily="2" charset="2"/>
+                </a:endParaRPr>
+              </a:p>
+              <a:p>
+                <a:pPr marL="895335" lvl="1" indent="-285750"/>
+                <a:r>
+                  <a:rPr lang="en-IN" dirty="0">
+                    <a:solidFill>
+                      <a:srgbClr val="0070C0"/>
+                    </a:solidFill>
+                    <a:sym typeface="Wingdings" panose="05000000000000000000" pitchFamily="2" charset="2"/>
+                  </a:rPr>
+                  <a:t>Comments</a:t>
+                </a:r>
+              </a:p>
+              <a:p>
+                <a:pPr marL="1504919" lvl="2" indent="-285750"/>
+                <a:r>
+                  <a:rPr lang="en-IN" dirty="0">
+                    <a:sym typeface="Wingdings" panose="05000000000000000000" pitchFamily="2" charset="2"/>
+                  </a:rPr>
                   <a:t>Accurately tracked free surfaces with large deformation </a:t>
                 </a:r>
               </a:p>
@@ -31100,6 +33962,103 @@
                   </a:rPr>
                   <a:t>Surfaces did not exhibit numerical diffusion</a:t>
                 </a:r>
+              </a:p>
+              <a:p>
+                <a:pPr marL="1504919" lvl="2" indent="-285750"/>
+                <a:r>
+                  <a:rPr lang="en-IN" dirty="0">
+                    <a:sym typeface="Wingdings" panose="05000000000000000000" pitchFamily="2" charset="2"/>
+                  </a:rPr>
+                  <a:t>Scheme’s accuracy: </a:t>
+                </a:r>
+                <a14:m>
+                  <m:oMath xmlns:m="http://schemas.openxmlformats.org/officeDocument/2006/math">
+                    <m:r>
+                      <a:rPr lang="en-IN" b="0" i="1" smtClean="0">
+                        <a:latin typeface="Cambria Math" panose="02040503050406030204" pitchFamily="18" charset="0"/>
+                        <a:sym typeface="Wingdings" panose="05000000000000000000" pitchFamily="2" charset="2"/>
+                      </a:rPr>
+                      <m:t>𝑂</m:t>
+                    </m:r>
+                    <m:d>
+                      <m:dPr>
+                        <m:ctrlPr>
+                          <a:rPr lang="en-IN" b="0" i="1" smtClean="0">
+                            <a:latin typeface="Cambria Math" panose="02040503050406030204" pitchFamily="18" charset="0"/>
+                            <a:sym typeface="Wingdings" panose="05000000000000000000" pitchFamily="2" charset="2"/>
+                          </a:rPr>
+                        </m:ctrlPr>
+                      </m:dPr>
+                      <m:e>
+                        <m:r>
+                          <m:rPr>
+                            <m:sty m:val="p"/>
+                          </m:rPr>
+                          <a:rPr lang="en-IN" b="0" i="0" smtClean="0">
+                            <a:latin typeface="Cambria Math" panose="02040503050406030204" pitchFamily="18" charset="0"/>
+                            <a:sym typeface="Wingdings" panose="05000000000000000000" pitchFamily="2" charset="2"/>
+                          </a:rPr>
+                          <m:t>Δ</m:t>
+                        </m:r>
+                        <m:r>
+                          <a:rPr lang="en-IN" b="0" i="1" smtClean="0">
+                            <a:latin typeface="Cambria Math" panose="02040503050406030204" pitchFamily="18" charset="0"/>
+                            <a:sym typeface="Wingdings" panose="05000000000000000000" pitchFamily="2" charset="2"/>
+                          </a:rPr>
+                          <m:t>𝑡</m:t>
+                        </m:r>
+                        <m:r>
+                          <a:rPr lang="en-IN" b="0" i="1" smtClean="0">
+                            <a:latin typeface="Cambria Math" panose="02040503050406030204" pitchFamily="18" charset="0"/>
+                            <a:sym typeface="Wingdings" panose="05000000000000000000" pitchFamily="2" charset="2"/>
+                          </a:rPr>
+                          <m:t>+</m:t>
+                        </m:r>
+                        <m:r>
+                          <m:rPr>
+                            <m:sty m:val="p"/>
+                          </m:rPr>
+                          <a:rPr lang="en-IN" b="0" i="0" smtClean="0">
+                            <a:latin typeface="Cambria Math" panose="02040503050406030204" pitchFamily="18" charset="0"/>
+                            <a:sym typeface="Wingdings" panose="05000000000000000000" pitchFamily="2" charset="2"/>
+                          </a:rPr>
+                          <m:t>Δ</m:t>
+                        </m:r>
+                        <m:sSup>
+                          <m:sSupPr>
+                            <m:ctrlPr>
+                              <a:rPr lang="en-IN" b="0" i="1" smtClean="0">
+                                <a:latin typeface="Cambria Math" panose="02040503050406030204" pitchFamily="18" charset="0"/>
+                                <a:sym typeface="Wingdings" panose="05000000000000000000" pitchFamily="2" charset="2"/>
+                              </a:rPr>
+                            </m:ctrlPr>
+                          </m:sSupPr>
+                          <m:e>
+                            <m:r>
+                              <a:rPr lang="en-IN" b="0" i="1" smtClean="0">
+                                <a:latin typeface="Cambria Math" panose="02040503050406030204" pitchFamily="18" charset="0"/>
+                                <a:sym typeface="Wingdings" panose="05000000000000000000" pitchFamily="2" charset="2"/>
+                              </a:rPr>
+                              <m:t>𝑥</m:t>
+                            </m:r>
+                          </m:e>
+                          <m:sup>
+                            <m:r>
+                              <a:rPr lang="en-IN" b="0" i="1" smtClean="0">
+                                <a:latin typeface="Cambria Math" panose="02040503050406030204" pitchFamily="18" charset="0"/>
+                                <a:sym typeface="Wingdings" panose="05000000000000000000" pitchFamily="2" charset="2"/>
+                              </a:rPr>
+                              <m:t>1.25</m:t>
+                            </m:r>
+                          </m:sup>
+                        </m:sSup>
+                      </m:e>
+                    </m:d>
+                  </m:oMath>
+                </a14:m>
+                <a:endParaRPr lang="en-IN" dirty="0">
+                  <a:sym typeface="Wingdings" panose="05000000000000000000" pitchFamily="2" charset="2"/>
+                </a:endParaRPr>
               </a:p>
             </p:txBody>
           </p:sp>
@@ -31117,16 +34076,16 @@
             </p:nvSpPr>
             <p:spPr>
               <a:xfrm>
-                <a:off x="160732" y="963200"/>
-                <a:ext cx="11867599" cy="5452800"/>
+                <a:off x="160733" y="963200"/>
+                <a:ext cx="7652307" cy="5452800"/>
               </a:xfrm>
               <a:prstGeom prst="rect">
                 <a:avLst/>
               </a:prstGeom>
               <a:blipFill>
-                <a:blip r:embed="rId3"/>
+                <a:blip r:embed="rId4"/>
                 <a:stretch>
-                  <a:fillRect l="-154"/>
+                  <a:fillRect l="-239"/>
                 </a:stretch>
               </a:blipFill>
             </p:spPr>
@@ -31257,8 +34216,8 @@
         </p:nvSpPr>
         <p:spPr>
           <a:xfrm>
-            <a:off x="0" y="6333201"/>
-            <a:ext cx="9910400" cy="410393"/>
+            <a:off x="0" y="6201121"/>
+            <a:ext cx="8462865" cy="615513"/>
           </a:xfrm>
           <a:prstGeom prst="rect">
             <a:avLst/>
@@ -31275,7 +34234,7 @@
           <a:lstStyle/>
           <a:p>
             <a:r>
-              <a:rPr lang="en-US" sz="1067" dirty="0">
+              <a:rPr lang="en-US" sz="800" dirty="0">
                 <a:solidFill>
                   <a:schemeClr val="accent3"/>
                 </a:solidFill>
@@ -31284,10 +34243,10 @@
                 <a:cs typeface="Proxima Nova"/>
                 <a:sym typeface="Proxima Nova"/>
               </a:rPr>
-              <a:t>[1] </a:t>
+              <a:t>[1] H. Gotoh, S. Shao, and T. </a:t>
             </a:r>
             <a:r>
-              <a:rPr lang="en-US" sz="1067" dirty="0" err="1">
+              <a:rPr lang="en-US" sz="800" dirty="0" err="1">
                 <a:solidFill>
                   <a:schemeClr val="accent3"/>
                 </a:solidFill>
@@ -31296,10 +34255,10 @@
                 <a:cs typeface="Proxima Nova"/>
                 <a:sym typeface="Proxima Nova"/>
               </a:rPr>
-              <a:t>Dynnikova</a:t>
+              <a:t>Memita</a:t>
             </a:r>
             <a:r>
-              <a:rPr lang="en-US" sz="1067" dirty="0">
+              <a:rPr lang="en-US" sz="800" dirty="0">
                 <a:solidFill>
                   <a:schemeClr val="accent3"/>
                 </a:solidFill>
@@ -31308,10 +34267,10 @@
                 <a:cs typeface="Proxima Nova"/>
                 <a:sym typeface="Proxima Nova"/>
               </a:rPr>
-              <a:t>, G. </a:t>
+              <a:t>, “SPH-LES model for numerical investigation of wave interaction with partially immersed breakwater,” Coast. Eng. J., vol. 46, no. 1, pp. 39–63, 2004, </a:t>
             </a:r>
             <a:r>
-              <a:rPr lang="en-US" sz="1067" dirty="0" err="1">
+              <a:rPr lang="en-US" sz="800" dirty="0" err="1">
                 <a:solidFill>
                   <a:schemeClr val="accent3"/>
                 </a:solidFill>
@@ -31320,10 +34279,10 @@
                 <a:cs typeface="Proxima Nova"/>
                 <a:sym typeface="Proxima Nova"/>
               </a:rPr>
-              <a:t>Ya</a:t>
+              <a:t>doi</a:t>
             </a:r>
             <a:r>
-              <a:rPr lang="en-US" sz="1067" dirty="0">
+              <a:rPr lang="en-US" sz="800" dirty="0">
                 <a:solidFill>
                   <a:schemeClr val="accent3"/>
                 </a:solidFill>
@@ -31332,8 +34291,288 @@
                 <a:cs typeface="Proxima Nova"/>
                 <a:sym typeface="Proxima Nova"/>
               </a:rPr>
-              <a:t> et al. (2021). “Stability of a reverse Karman vortex street”. In: Physics of Fluids 33.2. ISSN: 10897666. DOI: 10.1063/5.0035575.</a:t>
+              <a:t>: 10.1142/S0578563404000872.</a:t>
             </a:r>
+          </a:p>
+          <a:p>
+            <a:r>
+              <a:rPr lang="en-US" sz="800" dirty="0">
+                <a:solidFill>
+                  <a:schemeClr val="accent3"/>
+                </a:solidFill>
+                <a:latin typeface="Proxima Nova"/>
+                <a:ea typeface="Proxima Nova"/>
+                <a:cs typeface="Proxima Nova"/>
+                <a:sym typeface="Proxima Nova"/>
+              </a:rPr>
+              <a:t>[2] S. Shao and H. Gotoh, “Turbulence particle models for tracking free surfaces,” J. </a:t>
+            </a:r>
+            <a:r>
+              <a:rPr lang="en-US" sz="800" dirty="0" err="1">
+                <a:solidFill>
+                  <a:schemeClr val="accent3"/>
+                </a:solidFill>
+                <a:latin typeface="Proxima Nova"/>
+                <a:ea typeface="Proxima Nova"/>
+                <a:cs typeface="Proxima Nova"/>
+                <a:sym typeface="Proxima Nova"/>
+              </a:rPr>
+              <a:t>Hydraul</a:t>
+            </a:r>
+            <a:r>
+              <a:rPr lang="en-US" sz="800" dirty="0">
+                <a:solidFill>
+                  <a:schemeClr val="accent3"/>
+                </a:solidFill>
+                <a:latin typeface="Proxima Nova"/>
+                <a:ea typeface="Proxima Nova"/>
+                <a:cs typeface="Proxima Nova"/>
+                <a:sym typeface="Proxima Nova"/>
+              </a:rPr>
+              <a:t>. Res., vol. 43, no. 3, pp. 276–289, May 2005, </a:t>
+            </a:r>
+            <a:r>
+              <a:rPr lang="en-US" sz="800" dirty="0" err="1">
+                <a:solidFill>
+                  <a:schemeClr val="accent3"/>
+                </a:solidFill>
+                <a:latin typeface="Proxima Nova"/>
+                <a:ea typeface="Proxima Nova"/>
+                <a:cs typeface="Proxima Nova"/>
+                <a:sym typeface="Proxima Nova"/>
+              </a:rPr>
+              <a:t>doi</a:t>
+            </a:r>
+            <a:r>
+              <a:rPr lang="en-US" sz="800" dirty="0">
+                <a:solidFill>
+                  <a:schemeClr val="accent3"/>
+                </a:solidFill>
+                <a:latin typeface="Proxima Nova"/>
+                <a:ea typeface="Proxima Nova"/>
+                <a:cs typeface="Proxima Nova"/>
+                <a:sym typeface="Proxima Nova"/>
+              </a:rPr>
+              <a:t>: 10.1080/00221680509500122.</a:t>
+            </a:r>
+          </a:p>
+        </p:txBody>
+      </p:sp>
+      <p:grpSp>
+        <p:nvGrpSpPr>
+          <p:cNvPr id="5" name="Group 4">
+            <a:extLst>
+              <a:ext uri="{FF2B5EF4-FFF2-40B4-BE49-F238E27FC236}">
+                <a16:creationId xmlns:a16="http://schemas.microsoft.com/office/drawing/2014/main" id="{6C9416A8-D62A-33A1-75EE-532C190FFE57}"/>
+              </a:ext>
+            </a:extLst>
+          </p:cNvPr>
+          <p:cNvGrpSpPr/>
+          <p:nvPr/>
+        </p:nvGrpSpPr>
+        <p:grpSpPr>
+          <a:xfrm>
+            <a:off x="7650480" y="963200"/>
+            <a:ext cx="4377853" cy="3702750"/>
+            <a:chOff x="7991750" y="1264717"/>
+            <a:chExt cx="4032590" cy="3501708"/>
+          </a:xfrm>
+        </p:grpSpPr>
+        <p:pic>
+          <p:nvPicPr>
+            <p:cNvPr id="3" name="Picture 2">
+              <a:extLst>
+                <a:ext uri="{FF2B5EF4-FFF2-40B4-BE49-F238E27FC236}">
+                  <a16:creationId xmlns:a16="http://schemas.microsoft.com/office/drawing/2014/main" id="{6B852232-CB68-D6AB-A51D-91095C1DC6F3}"/>
+                </a:ext>
+              </a:extLst>
+            </p:cNvPr>
+            <p:cNvPicPr>
+              <a:picLocks noChangeAspect="1"/>
+            </p:cNvPicPr>
+            <p:nvPr/>
+          </p:nvPicPr>
+          <p:blipFill rotWithShape="1">
+            <a:blip r:embed="rId5">
+              <a:extLst>
+                <a:ext uri="{28A0092B-C50C-407E-A947-70E740481C1C}">
+                  <a14:useLocalDpi xmlns:a14="http://schemas.microsoft.com/office/drawing/2010/main" val="0"/>
+                </a:ext>
+              </a:extLst>
+            </a:blip>
+            <a:srcRect b="32498"/>
+            <a:stretch/>
+          </p:blipFill>
+          <p:spPr>
+            <a:xfrm>
+              <a:off x="7991750" y="1264717"/>
+              <a:ext cx="4032590" cy="3071276"/>
+            </a:xfrm>
+            <a:prstGeom prst="rect">
+              <a:avLst/>
+            </a:prstGeom>
+          </p:spPr>
+        </p:pic>
+        <p:sp>
+          <p:nvSpPr>
+            <p:cNvPr id="4" name="TextBox 3">
+              <a:extLst>
+                <a:ext uri="{FF2B5EF4-FFF2-40B4-BE49-F238E27FC236}">
+                  <a16:creationId xmlns:a16="http://schemas.microsoft.com/office/drawing/2014/main" id="{D18BBA4A-DA17-D830-DD20-9240211BEBC9}"/>
+                </a:ext>
+              </a:extLst>
+            </p:cNvPr>
+            <p:cNvSpPr txBox="1"/>
+            <p:nvPr/>
+          </p:nvSpPr>
+          <p:spPr>
+            <a:xfrm>
+              <a:off x="8591313" y="4304760"/>
+              <a:ext cx="2833464" cy="461665"/>
+            </a:xfrm>
+            <a:prstGeom prst="rect">
+              <a:avLst/>
+            </a:prstGeom>
+            <a:noFill/>
+          </p:spPr>
+          <p:txBody>
+            <a:bodyPr wrap="square" rtlCol="0">
+              <a:spAutoFit/>
+            </a:bodyPr>
+            <a:lstStyle/>
+            <a:p>
+              <a:pPr algn="ctr"/>
+              <a:r>
+                <a:rPr lang="en-IN" sz="1200" b="1" dirty="0">
+                  <a:latin typeface="Proxima Nova"/>
+                </a:rPr>
+                <a:t>Fig</a:t>
+              </a:r>
+              <a:r>
+                <a:rPr lang="en-IN" sz="1200" dirty="0">
+                  <a:latin typeface="Proxima Nova"/>
+                </a:rPr>
+                <a:t>: </a:t>
+              </a:r>
+              <a:r>
+                <a:rPr lang="en-US" sz="1200" dirty="0">
+                  <a:latin typeface="Proxima Nova"/>
+                </a:rPr>
+                <a:t>Time </a:t>
+              </a:r>
+              <a:r>
+                <a:rPr lang="en-IN" sz="1200" dirty="0">
+                  <a:latin typeface="Proxima Nova"/>
+                </a:rPr>
+                <a:t>sequences of wave profile</a:t>
+              </a:r>
+              <a:r>
+                <a:rPr lang="en-US" sz="1200" dirty="0">
+                  <a:latin typeface="Proxima Nova"/>
+                </a:rPr>
+                <a:t>. </a:t>
+              </a:r>
+              <a:r>
+                <a:rPr lang="en-IN" sz="1200" dirty="0">
+                  <a:latin typeface="Proxima Nova"/>
+                </a:rPr>
+                <a:t>(Rep: Gotoh et al)</a:t>
+              </a:r>
+            </a:p>
+          </p:txBody>
+        </p:sp>
+      </p:grpSp>
+      <p:pic>
+        <p:nvPicPr>
+          <p:cNvPr id="9" name="Picture 8" descr="\documentclass{article}&#10;\usepackage{bbm}&#10;\usepackage{bm}&#10;\usepackage{amsmath}&#10;\usepackage{amssymb}&#10;\pagestyle{empty}&#10;&#10;% --------------------------------&#10;%% Custom Math Commands&#10;% --------------------------------&#10;\newcommand{\abs}[1]{\mid #1 \mid}&#10;&#10;\newcommand{\bb}[1]{\mathbb{#1}}&#10;&#10;\newcommand{\LagDerivative}[2][t]{\frac{\operatorname{D} #2}{\operatorname{D} #1}}&#10;&#10;\newcommand{\PartialDerivative}[2][t]{\frac{\partial #2}{\partial #1}}&#10;&#10;\newcommand{\vect}[1]{\mathbf{#1}}&#10;&#10;\newcommand{\tensor}[1]{\underline{\bm{#1}}}&#10;&#10;\newcommand{\WIJ}{W_{h, ij}}&#10;&#10;\newcommand{\DWIJ}{\nabla_{i} W_{h, ij}}&#10;&#10;\newcommand{\VIJ}{\vect{v}_{ij}}&#10;&#10;\newcommand{\RIJ}{\vect{r}_{ij}}&#10;&#10;\newcommand{\RtwoIJ}[1][2]{\abs{\vect{r}_{ij}}^{#1}}&#10;&#10;\newcommand{\VtwoIJ}[1][2]{\abs{\vect{v}_{ij}}^{#1}}&#10;&#10;\newcommand{\MachineEpsilon}{\bm{\xi}}&#10;&#10;\newcommand{\EncAngBrk}[2][]{#1\langle #2 #1\rangle}&#10;&#10;\newcommand{\RAProp}[1]{\EncAngBrk{#1}}&#10;&#10;\newcommand{\FrobeniusInnerProduct}[2]{\EncAngBrk{\tensor{#1}, \tensor{#2}}}&#10;&#10;\newcommand{\FrobeniusNorm}[1]{||\tensor{#1}||_F}&#10;&#10;\newcommand{\BasisVect}[1][i]{\hat{\vect{e}}_{#1}}&#10;&#10;\newcommand{\HalfFrac}{\frac{1}{2}}&#10;&#10;\newcommand{\Vol}[1][V]{\mathcal{#1}}&#10;&#10;\newcommand{\Vorticity}{\bm{\omega}}&#10;&#10;\newcommand{\Boundary}{\bm{\Omega}}&#10;&#10;\newcommand{\WaveNumber}{\mathrm{k}}&#10;&#10;\newcommand{\WaveNumberVector}{\vect{k}}&#10;&#10;\newcommand{\TildeR}{\widetilde{\vect{r}}}&#10;&#10;\newcommand{\TildeV}{\widetilde{\vect{v}}}&#10;&#10;\newcommand{\TildeDeltaV}{\delta\TildeV}&#10;&#10;\newcommand{\TildeRho}{\widetilde{\rho}}&#10;&#10;\newcommand{\TildeP}{\widetilde{P}}&#10;&#10;\newcommand{\IntRThreeAndT}{\int_{\mathbb{R}^3}&#10;\int_{-\infty}^{\infty}}&#10;&#10;\newcommand{\SciNot}[3][10]{#2 \times {#1}^{#3}}&#10;&#10;\newcommand{\IntD}{d \tau d V_y}&#10;&#10;\newcommand{\TilePArgRp}{\TildeP(\TildeR_p, t)}&#10;&#10;\newcommand{\PhiRY}{\phi (\TildeR_p(t)-\vect{y}, t-\tau)}&#10;&#10;\newcommand{\PY}{P(\vect{y}, \tau)}&#10;&#10;\newcommand{\VY}{\vect{v}(\vect{y}, \tau)}&#10;&#10;\newcommand{\TildeVArgRp}{\TildeV (\TildeR_p, t)}&#10;&#10;% --------------------------------&#10;%% Equations&#10;% --------------------------------&#10;\begin{document}&#10;&#10;\begin{equation*}&#10;\LagDerivative{\vect{\overline{v}}} = -\frac{1}{\rho}\nabla \overline{P} + \nu \Delta ( \vect{\overline{v}} ) + \frac{1}{\rho}\nabla\cdot\tensor{\tau} + \vect{F}&#10;\end{equation*}&#10;&#10;\begin{equation*}&#10;\frac{1}{\rho} \tensor{\tau} = 2\nu_t \tensor{S} - \frac{2}{3}k\tensor{I}&#10;\end{equation*}&#10;&#10;\begin{equation*}&#10;\nu_t = \min(C_s \Delta x, \kappa d_{wall})^2 \sqrt{2 \FrobeniusInnerProduct{S}{S}}&#10;\end{equation*}&#10;&#10;\begin{equation*}&#10;\nabla \cdot \bigg( \frac{1}{\rho_*} \nabla \overline{P}_{t+1} \bigg) = \frac{\rho_o - \rho_*}{\rho_o \Delta t^2}&#10;\end{equation*}&#10;&#10;\end{document}" title="IguanaTex Bitmap Display">
+            <a:extLst>
+              <a:ext uri="{FF2B5EF4-FFF2-40B4-BE49-F238E27FC236}">
+                <a16:creationId xmlns:a16="http://schemas.microsoft.com/office/drawing/2014/main" id="{BE2B4D74-FC28-37C2-3913-94918594F2C5}"/>
+              </a:ext>
+            </a:extLst>
+          </p:cNvPr>
+          <p:cNvPicPr>
+            <a:picLocks noChangeAspect="1"/>
+          </p:cNvPicPr>
+          <p:nvPr>
+            <p:custDataLst>
+              <p:tags r:id="rId1"/>
+            </p:custDataLst>
+          </p:nvPr>
+        </p:nvPicPr>
+        <p:blipFill>
+          <a:blip r:embed="rId6">
+            <a:extLst>
+              <a:ext uri="{28A0092B-C50C-407E-A947-70E740481C1C}">
+                <a14:useLocalDpi xmlns:a14="http://schemas.microsoft.com/office/drawing/2010/main" val="0"/>
+              </a:ext>
+            </a:extLst>
+          </a:blip>
+          <a:stretch>
+            <a:fillRect/>
+          </a:stretch>
+        </p:blipFill>
+        <p:spPr>
+          <a:xfrm>
+            <a:off x="8530388" y="4665950"/>
+            <a:ext cx="2796806" cy="2043460"/>
+          </a:xfrm>
+          <a:prstGeom prst="rect">
+            <a:avLst/>
+          </a:prstGeom>
+        </p:spPr>
+      </p:pic>
+      <p:sp>
+        <p:nvSpPr>
+          <p:cNvPr id="10" name="Rectangle: Rounded Corners 9">
+            <a:extLst>
+              <a:ext uri="{FF2B5EF4-FFF2-40B4-BE49-F238E27FC236}">
+                <a16:creationId xmlns:a16="http://schemas.microsoft.com/office/drawing/2014/main" id="{919DB8B0-7700-9C8C-F7A7-24AF6179F573}"/>
+              </a:ext>
+            </a:extLst>
+          </p:cNvPr>
+          <p:cNvSpPr/>
+          <p:nvPr/>
+        </p:nvSpPr>
+        <p:spPr>
+          <a:xfrm>
+            <a:off x="649926" y="4542817"/>
+            <a:ext cx="6645820" cy="1527243"/>
+          </a:xfrm>
+          <a:prstGeom prst="roundRect">
+            <a:avLst/>
+          </a:prstGeom>
+          <a:noFill/>
+          <a:ln w="38100">
+            <a:solidFill>
+              <a:schemeClr val="bg2">
+                <a:lumMod val="50000"/>
+              </a:schemeClr>
+            </a:solidFill>
+          </a:ln>
+        </p:spPr>
+        <p:style>
+          <a:lnRef idx="2">
+            <a:schemeClr val="accent1">
+              <a:shade val="50000"/>
+            </a:schemeClr>
+          </a:lnRef>
+          <a:fillRef idx="1">
+            <a:schemeClr val="accent1"/>
+          </a:fillRef>
+          <a:effectRef idx="0">
+            <a:schemeClr val="accent1"/>
+          </a:effectRef>
+          <a:fontRef idx="minor">
+            <a:schemeClr val="lt1"/>
+          </a:fontRef>
+        </p:style>
+        <p:txBody>
+          <a:bodyPr rtlCol="0" anchor="ctr"/>
+          <a:lstStyle/>
+          <a:p>
+            <a:pPr algn="ctr"/>
+            <a:endParaRPr lang="en-IN"/>
           </a:p>
         </p:txBody>
       </p:sp>
@@ -31347,6 +34586,937 @@
   <p:clrMapOvr>
     <a:masterClrMapping/>
   </p:clrMapOvr>
+  <p:timing>
+    <p:tnLst>
+      <p:par>
+        <p:cTn id="1" dur="indefinite" restart="never" nodeType="tmRoot">
+          <p:childTnLst>
+            <p:seq concurrent="1" nextAc="seek">
+              <p:cTn id="2" dur="indefinite" nodeType="mainSeq">
+                <p:childTnLst>
+                  <p:par>
+                    <p:cTn id="3" fill="hold">
+                      <p:stCondLst>
+                        <p:cond delay="indefinite"/>
+                        <p:cond evt="onBegin" delay="0">
+                          <p:tn val="2"/>
+                        </p:cond>
+                      </p:stCondLst>
+                      <p:childTnLst>
+                        <p:par>
+                          <p:cTn id="4" fill="hold">
+                            <p:stCondLst>
+                              <p:cond delay="0"/>
+                            </p:stCondLst>
+                            <p:childTnLst>
+                              <p:par>
+                                <p:cTn id="5" presetID="10" presetClass="entr" presetSubtype="0" fill="hold" grpId="0" nodeType="withEffect">
+                                  <p:stCondLst>
+                                    <p:cond delay="0"/>
+                                  </p:stCondLst>
+                                  <p:childTnLst>
+                                    <p:set>
+                                      <p:cBhvr>
+                                        <p:cTn id="6" dur="1" fill="hold">
+                                          <p:stCondLst>
+                                            <p:cond delay="0"/>
+                                          </p:stCondLst>
+                                        </p:cTn>
+                                        <p:tgtEl>
+                                          <p:spTgt spid="340"/>
+                                        </p:tgtEl>
+                                        <p:attrNameLst>
+                                          <p:attrName>style.visibility</p:attrName>
+                                        </p:attrNameLst>
+                                      </p:cBhvr>
+                                      <p:to>
+                                        <p:strVal val="visible"/>
+                                      </p:to>
+                                    </p:set>
+                                    <p:animEffect transition="in" filter="fade">
+                                      <p:cBhvr>
+                                        <p:cTn id="7" dur="500"/>
+                                        <p:tgtEl>
+                                          <p:spTgt spid="340"/>
+                                        </p:tgtEl>
+                                      </p:cBhvr>
+                                    </p:animEffect>
+                                  </p:childTnLst>
+                                </p:cTn>
+                              </p:par>
+                            </p:childTnLst>
+                          </p:cTn>
+                        </p:par>
+                      </p:childTnLst>
+                    </p:cTn>
+                  </p:par>
+                  <p:par>
+                    <p:cTn id="8" fill="hold">
+                      <p:stCondLst>
+                        <p:cond delay="indefinite"/>
+                      </p:stCondLst>
+                      <p:childTnLst>
+                        <p:par>
+                          <p:cTn id="9" fill="hold">
+                            <p:stCondLst>
+                              <p:cond delay="0"/>
+                            </p:stCondLst>
+                            <p:childTnLst>
+                              <p:par>
+                                <p:cTn id="10" presetID="10" presetClass="entr" presetSubtype="0" fill="hold" grpId="0" nodeType="clickEffect">
+                                  <p:stCondLst>
+                                    <p:cond delay="0"/>
+                                  </p:stCondLst>
+                                  <p:childTnLst>
+                                    <p:set>
+                                      <p:cBhvr>
+                                        <p:cTn id="11" dur="1" fill="hold">
+                                          <p:stCondLst>
+                                            <p:cond delay="0"/>
+                                          </p:stCondLst>
+                                        </p:cTn>
+                                        <p:tgtEl>
+                                          <p:spTgt spid="338">
+                                            <p:txEl>
+                                              <p:pRg st="0" end="0"/>
+                                            </p:txEl>
+                                          </p:spTgt>
+                                        </p:tgtEl>
+                                        <p:attrNameLst>
+                                          <p:attrName>style.visibility</p:attrName>
+                                        </p:attrNameLst>
+                                      </p:cBhvr>
+                                      <p:to>
+                                        <p:strVal val="visible"/>
+                                      </p:to>
+                                    </p:set>
+                                    <p:animEffect transition="in" filter="fade">
+                                      <p:cBhvr>
+                                        <p:cTn id="12" dur="500"/>
+                                        <p:tgtEl>
+                                          <p:spTgt spid="338">
+                                            <p:txEl>
+                                              <p:pRg st="0" end="0"/>
+                                            </p:txEl>
+                                          </p:spTgt>
+                                        </p:tgtEl>
+                                      </p:cBhvr>
+                                    </p:animEffect>
+                                  </p:childTnLst>
+                                </p:cTn>
+                              </p:par>
+                              <p:par>
+                                <p:cTn id="13" presetID="10" presetClass="entr" presetSubtype="0" fill="hold" grpId="0" nodeType="withEffect">
+                                  <p:stCondLst>
+                                    <p:cond delay="0"/>
+                                  </p:stCondLst>
+                                  <p:childTnLst>
+                                    <p:set>
+                                      <p:cBhvr>
+                                        <p:cTn id="14" dur="1" fill="hold">
+                                          <p:stCondLst>
+                                            <p:cond delay="0"/>
+                                          </p:stCondLst>
+                                        </p:cTn>
+                                        <p:tgtEl>
+                                          <p:spTgt spid="338">
+                                            <p:txEl>
+                                              <p:pRg st="1" end="1"/>
+                                            </p:txEl>
+                                          </p:spTgt>
+                                        </p:tgtEl>
+                                        <p:attrNameLst>
+                                          <p:attrName>style.visibility</p:attrName>
+                                        </p:attrNameLst>
+                                      </p:cBhvr>
+                                      <p:to>
+                                        <p:strVal val="visible"/>
+                                      </p:to>
+                                    </p:set>
+                                    <p:animEffect transition="in" filter="fade">
+                                      <p:cBhvr>
+                                        <p:cTn id="15" dur="500"/>
+                                        <p:tgtEl>
+                                          <p:spTgt spid="338">
+                                            <p:txEl>
+                                              <p:pRg st="1" end="1"/>
+                                            </p:txEl>
+                                          </p:spTgt>
+                                        </p:tgtEl>
+                                      </p:cBhvr>
+                                    </p:animEffect>
+                                  </p:childTnLst>
+                                </p:cTn>
+                              </p:par>
+                              <p:par>
+                                <p:cTn id="16" presetID="10" presetClass="entr" presetSubtype="0" fill="hold" grpId="0" nodeType="withEffect">
+                                  <p:stCondLst>
+                                    <p:cond delay="0"/>
+                                  </p:stCondLst>
+                                  <p:childTnLst>
+                                    <p:set>
+                                      <p:cBhvr>
+                                        <p:cTn id="17" dur="1" fill="hold">
+                                          <p:stCondLst>
+                                            <p:cond delay="0"/>
+                                          </p:stCondLst>
+                                        </p:cTn>
+                                        <p:tgtEl>
+                                          <p:spTgt spid="338">
+                                            <p:txEl>
+                                              <p:pRg st="2" end="2"/>
+                                            </p:txEl>
+                                          </p:spTgt>
+                                        </p:tgtEl>
+                                        <p:attrNameLst>
+                                          <p:attrName>style.visibility</p:attrName>
+                                        </p:attrNameLst>
+                                      </p:cBhvr>
+                                      <p:to>
+                                        <p:strVal val="visible"/>
+                                      </p:to>
+                                    </p:set>
+                                    <p:animEffect transition="in" filter="fade">
+                                      <p:cBhvr>
+                                        <p:cTn id="18" dur="500"/>
+                                        <p:tgtEl>
+                                          <p:spTgt spid="338">
+                                            <p:txEl>
+                                              <p:pRg st="2" end="2"/>
+                                            </p:txEl>
+                                          </p:spTgt>
+                                        </p:tgtEl>
+                                      </p:cBhvr>
+                                    </p:animEffect>
+                                  </p:childTnLst>
+                                </p:cTn>
+                              </p:par>
+                              <p:par>
+                                <p:cTn id="19" presetID="10" presetClass="entr" presetSubtype="0" fill="hold" grpId="0" nodeType="withEffect">
+                                  <p:stCondLst>
+                                    <p:cond delay="0"/>
+                                  </p:stCondLst>
+                                  <p:childTnLst>
+                                    <p:set>
+                                      <p:cBhvr>
+                                        <p:cTn id="20" dur="1" fill="hold">
+                                          <p:stCondLst>
+                                            <p:cond delay="0"/>
+                                          </p:stCondLst>
+                                        </p:cTn>
+                                        <p:tgtEl>
+                                          <p:spTgt spid="338">
+                                            <p:txEl>
+                                              <p:pRg st="3" end="3"/>
+                                            </p:txEl>
+                                          </p:spTgt>
+                                        </p:tgtEl>
+                                        <p:attrNameLst>
+                                          <p:attrName>style.visibility</p:attrName>
+                                        </p:attrNameLst>
+                                      </p:cBhvr>
+                                      <p:to>
+                                        <p:strVal val="visible"/>
+                                      </p:to>
+                                    </p:set>
+                                    <p:animEffect transition="in" filter="fade">
+                                      <p:cBhvr>
+                                        <p:cTn id="21" dur="500"/>
+                                        <p:tgtEl>
+                                          <p:spTgt spid="338">
+                                            <p:txEl>
+                                              <p:pRg st="3" end="3"/>
+                                            </p:txEl>
+                                          </p:spTgt>
+                                        </p:tgtEl>
+                                      </p:cBhvr>
+                                    </p:animEffect>
+                                  </p:childTnLst>
+                                </p:cTn>
+                              </p:par>
+                              <p:par>
+                                <p:cTn id="22" presetID="10" presetClass="entr" presetSubtype="0" fill="hold" grpId="0" nodeType="withEffect">
+                                  <p:stCondLst>
+                                    <p:cond delay="0"/>
+                                  </p:stCondLst>
+                                  <p:childTnLst>
+                                    <p:set>
+                                      <p:cBhvr>
+                                        <p:cTn id="23" dur="1" fill="hold">
+                                          <p:stCondLst>
+                                            <p:cond delay="0"/>
+                                          </p:stCondLst>
+                                        </p:cTn>
+                                        <p:tgtEl>
+                                          <p:spTgt spid="338">
+                                            <p:txEl>
+                                              <p:pRg st="4" end="4"/>
+                                            </p:txEl>
+                                          </p:spTgt>
+                                        </p:tgtEl>
+                                        <p:attrNameLst>
+                                          <p:attrName>style.visibility</p:attrName>
+                                        </p:attrNameLst>
+                                      </p:cBhvr>
+                                      <p:to>
+                                        <p:strVal val="visible"/>
+                                      </p:to>
+                                    </p:set>
+                                    <p:animEffect transition="in" filter="fade">
+                                      <p:cBhvr>
+                                        <p:cTn id="24" dur="500"/>
+                                        <p:tgtEl>
+                                          <p:spTgt spid="338">
+                                            <p:txEl>
+                                              <p:pRg st="4" end="4"/>
+                                            </p:txEl>
+                                          </p:spTgt>
+                                        </p:tgtEl>
+                                      </p:cBhvr>
+                                    </p:animEffect>
+                                  </p:childTnLst>
+                                </p:cTn>
+                              </p:par>
+                              <p:par>
+                                <p:cTn id="25" presetID="10" presetClass="entr" presetSubtype="0" fill="hold" grpId="0" nodeType="withEffect">
+                                  <p:stCondLst>
+                                    <p:cond delay="0"/>
+                                  </p:stCondLst>
+                                  <p:childTnLst>
+                                    <p:set>
+                                      <p:cBhvr>
+                                        <p:cTn id="26" dur="1" fill="hold">
+                                          <p:stCondLst>
+                                            <p:cond delay="0"/>
+                                          </p:stCondLst>
+                                        </p:cTn>
+                                        <p:tgtEl>
+                                          <p:spTgt spid="338">
+                                            <p:txEl>
+                                              <p:pRg st="5" end="5"/>
+                                            </p:txEl>
+                                          </p:spTgt>
+                                        </p:tgtEl>
+                                        <p:attrNameLst>
+                                          <p:attrName>style.visibility</p:attrName>
+                                        </p:attrNameLst>
+                                      </p:cBhvr>
+                                      <p:to>
+                                        <p:strVal val="visible"/>
+                                      </p:to>
+                                    </p:set>
+                                    <p:animEffect transition="in" filter="fade">
+                                      <p:cBhvr>
+                                        <p:cTn id="27" dur="500"/>
+                                        <p:tgtEl>
+                                          <p:spTgt spid="338">
+                                            <p:txEl>
+                                              <p:pRg st="5" end="5"/>
+                                            </p:txEl>
+                                          </p:spTgt>
+                                        </p:tgtEl>
+                                      </p:cBhvr>
+                                    </p:animEffect>
+                                  </p:childTnLst>
+                                </p:cTn>
+                              </p:par>
+                              <p:par>
+                                <p:cTn id="28" presetID="10" presetClass="entr" presetSubtype="0" fill="hold" grpId="0" nodeType="withEffect">
+                                  <p:stCondLst>
+                                    <p:cond delay="0"/>
+                                  </p:stCondLst>
+                                  <p:childTnLst>
+                                    <p:set>
+                                      <p:cBhvr>
+                                        <p:cTn id="29" dur="1" fill="hold">
+                                          <p:stCondLst>
+                                            <p:cond delay="0"/>
+                                          </p:stCondLst>
+                                        </p:cTn>
+                                        <p:tgtEl>
+                                          <p:spTgt spid="338">
+                                            <p:txEl>
+                                              <p:pRg st="6" end="6"/>
+                                            </p:txEl>
+                                          </p:spTgt>
+                                        </p:tgtEl>
+                                        <p:attrNameLst>
+                                          <p:attrName>style.visibility</p:attrName>
+                                        </p:attrNameLst>
+                                      </p:cBhvr>
+                                      <p:to>
+                                        <p:strVal val="visible"/>
+                                      </p:to>
+                                    </p:set>
+                                    <p:animEffect transition="in" filter="fade">
+                                      <p:cBhvr>
+                                        <p:cTn id="30" dur="500"/>
+                                        <p:tgtEl>
+                                          <p:spTgt spid="338">
+                                            <p:txEl>
+                                              <p:pRg st="6" end="6"/>
+                                            </p:txEl>
+                                          </p:spTgt>
+                                        </p:tgtEl>
+                                      </p:cBhvr>
+                                    </p:animEffect>
+                                  </p:childTnLst>
+                                </p:cTn>
+                              </p:par>
+                              <p:par>
+                                <p:cTn id="31" presetID="10" presetClass="entr" presetSubtype="0" fill="hold" grpId="0" nodeType="withEffect">
+                                  <p:stCondLst>
+                                    <p:cond delay="0"/>
+                                  </p:stCondLst>
+                                  <p:childTnLst>
+                                    <p:set>
+                                      <p:cBhvr>
+                                        <p:cTn id="32" dur="1" fill="hold">
+                                          <p:stCondLst>
+                                            <p:cond delay="0"/>
+                                          </p:stCondLst>
+                                        </p:cTn>
+                                        <p:tgtEl>
+                                          <p:spTgt spid="338">
+                                            <p:txEl>
+                                              <p:pRg st="7" end="7"/>
+                                            </p:txEl>
+                                          </p:spTgt>
+                                        </p:tgtEl>
+                                        <p:attrNameLst>
+                                          <p:attrName>style.visibility</p:attrName>
+                                        </p:attrNameLst>
+                                      </p:cBhvr>
+                                      <p:to>
+                                        <p:strVal val="visible"/>
+                                      </p:to>
+                                    </p:set>
+                                    <p:animEffect transition="in" filter="fade">
+                                      <p:cBhvr>
+                                        <p:cTn id="33" dur="500"/>
+                                        <p:tgtEl>
+                                          <p:spTgt spid="338">
+                                            <p:txEl>
+                                              <p:pRg st="7" end="7"/>
+                                            </p:txEl>
+                                          </p:spTgt>
+                                        </p:tgtEl>
+                                      </p:cBhvr>
+                                    </p:animEffect>
+                                  </p:childTnLst>
+                                </p:cTn>
+                              </p:par>
+                              <p:par>
+                                <p:cTn id="34" presetID="10" presetClass="entr" presetSubtype="0" fill="hold" grpId="0" nodeType="withEffect">
+                                  <p:stCondLst>
+                                    <p:cond delay="0"/>
+                                  </p:stCondLst>
+                                  <p:childTnLst>
+                                    <p:set>
+                                      <p:cBhvr>
+                                        <p:cTn id="35" dur="1" fill="hold">
+                                          <p:stCondLst>
+                                            <p:cond delay="0"/>
+                                          </p:stCondLst>
+                                        </p:cTn>
+                                        <p:tgtEl>
+                                          <p:spTgt spid="338">
+                                            <p:txEl>
+                                              <p:pRg st="8" end="8"/>
+                                            </p:txEl>
+                                          </p:spTgt>
+                                        </p:tgtEl>
+                                        <p:attrNameLst>
+                                          <p:attrName>style.visibility</p:attrName>
+                                        </p:attrNameLst>
+                                      </p:cBhvr>
+                                      <p:to>
+                                        <p:strVal val="visible"/>
+                                      </p:to>
+                                    </p:set>
+                                    <p:animEffect transition="in" filter="fade">
+                                      <p:cBhvr>
+                                        <p:cTn id="36" dur="500"/>
+                                        <p:tgtEl>
+                                          <p:spTgt spid="338">
+                                            <p:txEl>
+                                              <p:pRg st="8" end="8"/>
+                                            </p:txEl>
+                                          </p:spTgt>
+                                        </p:tgtEl>
+                                      </p:cBhvr>
+                                    </p:animEffect>
+                                  </p:childTnLst>
+                                </p:cTn>
+                              </p:par>
+                              <p:par>
+                                <p:cTn id="37" presetID="10" presetClass="entr" presetSubtype="0" fill="hold" grpId="0" nodeType="withEffect">
+                                  <p:stCondLst>
+                                    <p:cond delay="0"/>
+                                  </p:stCondLst>
+                                  <p:childTnLst>
+                                    <p:set>
+                                      <p:cBhvr>
+                                        <p:cTn id="38" dur="1" fill="hold">
+                                          <p:stCondLst>
+                                            <p:cond delay="0"/>
+                                          </p:stCondLst>
+                                        </p:cTn>
+                                        <p:tgtEl>
+                                          <p:spTgt spid="338">
+                                            <p:txEl>
+                                              <p:pRg st="9" end="9"/>
+                                            </p:txEl>
+                                          </p:spTgt>
+                                        </p:tgtEl>
+                                        <p:attrNameLst>
+                                          <p:attrName>style.visibility</p:attrName>
+                                        </p:attrNameLst>
+                                      </p:cBhvr>
+                                      <p:to>
+                                        <p:strVal val="visible"/>
+                                      </p:to>
+                                    </p:set>
+                                    <p:animEffect transition="in" filter="fade">
+                                      <p:cBhvr>
+                                        <p:cTn id="39" dur="500"/>
+                                        <p:tgtEl>
+                                          <p:spTgt spid="338">
+                                            <p:txEl>
+                                              <p:pRg st="9" end="9"/>
+                                            </p:txEl>
+                                          </p:spTgt>
+                                        </p:tgtEl>
+                                      </p:cBhvr>
+                                    </p:animEffect>
+                                  </p:childTnLst>
+                                </p:cTn>
+                              </p:par>
+                              <p:par>
+                                <p:cTn id="40" presetID="10" presetClass="entr" presetSubtype="0" fill="hold" grpId="0" nodeType="withEffect">
+                                  <p:stCondLst>
+                                    <p:cond delay="0"/>
+                                  </p:stCondLst>
+                                  <p:childTnLst>
+                                    <p:set>
+                                      <p:cBhvr>
+                                        <p:cTn id="41" dur="1" fill="hold">
+                                          <p:stCondLst>
+                                            <p:cond delay="0"/>
+                                          </p:stCondLst>
+                                        </p:cTn>
+                                        <p:tgtEl>
+                                          <p:spTgt spid="338">
+                                            <p:txEl>
+                                              <p:pRg st="10" end="10"/>
+                                            </p:txEl>
+                                          </p:spTgt>
+                                        </p:tgtEl>
+                                        <p:attrNameLst>
+                                          <p:attrName>style.visibility</p:attrName>
+                                        </p:attrNameLst>
+                                      </p:cBhvr>
+                                      <p:to>
+                                        <p:strVal val="visible"/>
+                                      </p:to>
+                                    </p:set>
+                                    <p:animEffect transition="in" filter="fade">
+                                      <p:cBhvr>
+                                        <p:cTn id="42" dur="500"/>
+                                        <p:tgtEl>
+                                          <p:spTgt spid="338">
+                                            <p:txEl>
+                                              <p:pRg st="10" end="10"/>
+                                            </p:txEl>
+                                          </p:spTgt>
+                                        </p:tgtEl>
+                                      </p:cBhvr>
+                                    </p:animEffect>
+                                  </p:childTnLst>
+                                </p:cTn>
+                              </p:par>
+                              <p:par>
+                                <p:cTn id="43" presetID="10" presetClass="entr" presetSubtype="0" fill="hold" grpId="0" nodeType="withEffect">
+                                  <p:stCondLst>
+                                    <p:cond delay="0"/>
+                                  </p:stCondLst>
+                                  <p:childTnLst>
+                                    <p:set>
+                                      <p:cBhvr>
+                                        <p:cTn id="44" dur="1" fill="hold">
+                                          <p:stCondLst>
+                                            <p:cond delay="0"/>
+                                          </p:stCondLst>
+                                        </p:cTn>
+                                        <p:tgtEl>
+                                          <p:spTgt spid="338">
+                                            <p:txEl>
+                                              <p:pRg st="12" end="12"/>
+                                            </p:txEl>
+                                          </p:spTgt>
+                                        </p:tgtEl>
+                                        <p:attrNameLst>
+                                          <p:attrName>style.visibility</p:attrName>
+                                        </p:attrNameLst>
+                                      </p:cBhvr>
+                                      <p:to>
+                                        <p:strVal val="visible"/>
+                                      </p:to>
+                                    </p:set>
+                                    <p:animEffect transition="in" filter="fade">
+                                      <p:cBhvr>
+                                        <p:cTn id="45" dur="500"/>
+                                        <p:tgtEl>
+                                          <p:spTgt spid="338">
+                                            <p:txEl>
+                                              <p:pRg st="12" end="12"/>
+                                            </p:txEl>
+                                          </p:spTgt>
+                                        </p:tgtEl>
+                                      </p:cBhvr>
+                                    </p:animEffect>
+                                  </p:childTnLst>
+                                </p:cTn>
+                              </p:par>
+                              <p:par>
+                                <p:cTn id="46" presetID="10" presetClass="entr" presetSubtype="0" fill="hold" grpId="0" nodeType="withEffect">
+                                  <p:stCondLst>
+                                    <p:cond delay="0"/>
+                                  </p:stCondLst>
+                                  <p:childTnLst>
+                                    <p:set>
+                                      <p:cBhvr>
+                                        <p:cTn id="47" dur="1" fill="hold">
+                                          <p:stCondLst>
+                                            <p:cond delay="0"/>
+                                          </p:stCondLst>
+                                        </p:cTn>
+                                        <p:tgtEl>
+                                          <p:spTgt spid="338">
+                                            <p:txEl>
+                                              <p:pRg st="13" end="13"/>
+                                            </p:txEl>
+                                          </p:spTgt>
+                                        </p:tgtEl>
+                                        <p:attrNameLst>
+                                          <p:attrName>style.visibility</p:attrName>
+                                        </p:attrNameLst>
+                                      </p:cBhvr>
+                                      <p:to>
+                                        <p:strVal val="visible"/>
+                                      </p:to>
+                                    </p:set>
+                                    <p:animEffect transition="in" filter="fade">
+                                      <p:cBhvr>
+                                        <p:cTn id="48" dur="500"/>
+                                        <p:tgtEl>
+                                          <p:spTgt spid="338">
+                                            <p:txEl>
+                                              <p:pRg st="13" end="13"/>
+                                            </p:txEl>
+                                          </p:spTgt>
+                                        </p:tgtEl>
+                                      </p:cBhvr>
+                                    </p:animEffect>
+                                  </p:childTnLst>
+                                </p:cTn>
+                              </p:par>
+                              <p:par>
+                                <p:cTn id="49" presetID="10" presetClass="entr" presetSubtype="0" fill="hold" grpId="0" nodeType="withEffect">
+                                  <p:stCondLst>
+                                    <p:cond delay="0"/>
+                                  </p:stCondLst>
+                                  <p:childTnLst>
+                                    <p:set>
+                                      <p:cBhvr>
+                                        <p:cTn id="50" dur="1" fill="hold">
+                                          <p:stCondLst>
+                                            <p:cond delay="0"/>
+                                          </p:stCondLst>
+                                        </p:cTn>
+                                        <p:tgtEl>
+                                          <p:spTgt spid="338">
+                                            <p:txEl>
+                                              <p:pRg st="14" end="14"/>
+                                            </p:txEl>
+                                          </p:spTgt>
+                                        </p:tgtEl>
+                                        <p:attrNameLst>
+                                          <p:attrName>style.visibility</p:attrName>
+                                        </p:attrNameLst>
+                                      </p:cBhvr>
+                                      <p:to>
+                                        <p:strVal val="visible"/>
+                                      </p:to>
+                                    </p:set>
+                                    <p:animEffect transition="in" filter="fade">
+                                      <p:cBhvr>
+                                        <p:cTn id="51" dur="500"/>
+                                        <p:tgtEl>
+                                          <p:spTgt spid="338">
+                                            <p:txEl>
+                                              <p:pRg st="14" end="14"/>
+                                            </p:txEl>
+                                          </p:spTgt>
+                                        </p:tgtEl>
+                                      </p:cBhvr>
+                                    </p:animEffect>
+                                  </p:childTnLst>
+                                </p:cTn>
+                              </p:par>
+                              <p:par>
+                                <p:cTn id="52" presetID="10" presetClass="entr" presetSubtype="0" fill="hold" grpId="0" nodeType="withEffect">
+                                  <p:stCondLst>
+                                    <p:cond delay="0"/>
+                                  </p:stCondLst>
+                                  <p:childTnLst>
+                                    <p:set>
+                                      <p:cBhvr>
+                                        <p:cTn id="53" dur="1" fill="hold">
+                                          <p:stCondLst>
+                                            <p:cond delay="0"/>
+                                          </p:stCondLst>
+                                        </p:cTn>
+                                        <p:tgtEl>
+                                          <p:spTgt spid="338">
+                                            <p:txEl>
+                                              <p:pRg st="15" end="15"/>
+                                            </p:txEl>
+                                          </p:spTgt>
+                                        </p:tgtEl>
+                                        <p:attrNameLst>
+                                          <p:attrName>style.visibility</p:attrName>
+                                        </p:attrNameLst>
+                                      </p:cBhvr>
+                                      <p:to>
+                                        <p:strVal val="visible"/>
+                                      </p:to>
+                                    </p:set>
+                                    <p:animEffect transition="in" filter="fade">
+                                      <p:cBhvr>
+                                        <p:cTn id="54" dur="500"/>
+                                        <p:tgtEl>
+                                          <p:spTgt spid="338">
+                                            <p:txEl>
+                                              <p:pRg st="15" end="15"/>
+                                            </p:txEl>
+                                          </p:spTgt>
+                                        </p:tgtEl>
+                                      </p:cBhvr>
+                                    </p:animEffect>
+                                  </p:childTnLst>
+                                </p:cTn>
+                              </p:par>
+                            </p:childTnLst>
+                          </p:cTn>
+                        </p:par>
+                        <p:par>
+                          <p:cTn id="55" fill="hold">
+                            <p:stCondLst>
+                              <p:cond delay="500"/>
+                            </p:stCondLst>
+                            <p:childTnLst>
+                              <p:par>
+                                <p:cTn id="56" presetID="10" presetClass="entr" presetSubtype="0" fill="hold" grpId="0" nodeType="afterEffect">
+                                  <p:stCondLst>
+                                    <p:cond delay="0"/>
+                                  </p:stCondLst>
+                                  <p:childTnLst>
+                                    <p:set>
+                                      <p:cBhvr>
+                                        <p:cTn id="57" dur="1" fill="hold">
+                                          <p:stCondLst>
+                                            <p:cond delay="0"/>
+                                          </p:stCondLst>
+                                        </p:cTn>
+                                        <p:tgtEl>
+                                          <p:spTgt spid="346"/>
+                                        </p:tgtEl>
+                                        <p:attrNameLst>
+                                          <p:attrName>style.visibility</p:attrName>
+                                        </p:attrNameLst>
+                                      </p:cBhvr>
+                                      <p:to>
+                                        <p:strVal val="visible"/>
+                                      </p:to>
+                                    </p:set>
+                                    <p:animEffect transition="in" filter="fade">
+                                      <p:cBhvr>
+                                        <p:cTn id="58" dur="500"/>
+                                        <p:tgtEl>
+                                          <p:spTgt spid="346"/>
+                                        </p:tgtEl>
+                                      </p:cBhvr>
+                                    </p:animEffect>
+                                  </p:childTnLst>
+                                </p:cTn>
+                              </p:par>
+                            </p:childTnLst>
+                          </p:cTn>
+                        </p:par>
+                        <p:par>
+                          <p:cTn id="59" fill="hold">
+                            <p:stCondLst>
+                              <p:cond delay="1000"/>
+                            </p:stCondLst>
+                            <p:childTnLst>
+                              <p:par>
+                                <p:cTn id="60" presetID="10" presetClass="entr" presetSubtype="0" fill="hold" nodeType="afterEffect">
+                                  <p:stCondLst>
+                                    <p:cond delay="0"/>
+                                  </p:stCondLst>
+                                  <p:childTnLst>
+                                    <p:set>
+                                      <p:cBhvr>
+                                        <p:cTn id="61" dur="1" fill="hold">
+                                          <p:stCondLst>
+                                            <p:cond delay="0"/>
+                                          </p:stCondLst>
+                                        </p:cTn>
+                                        <p:tgtEl>
+                                          <p:spTgt spid="9"/>
+                                        </p:tgtEl>
+                                        <p:attrNameLst>
+                                          <p:attrName>style.visibility</p:attrName>
+                                        </p:attrNameLst>
+                                      </p:cBhvr>
+                                      <p:to>
+                                        <p:strVal val="visible"/>
+                                      </p:to>
+                                    </p:set>
+                                    <p:animEffect transition="in" filter="fade">
+                                      <p:cBhvr>
+                                        <p:cTn id="62" dur="500"/>
+                                        <p:tgtEl>
+                                          <p:spTgt spid="9"/>
+                                        </p:tgtEl>
+                                      </p:cBhvr>
+                                    </p:animEffect>
+                                  </p:childTnLst>
+                                </p:cTn>
+                              </p:par>
+                            </p:childTnLst>
+                          </p:cTn>
+                        </p:par>
+                        <p:par>
+                          <p:cTn id="63" fill="hold">
+                            <p:stCondLst>
+                              <p:cond delay="1500"/>
+                            </p:stCondLst>
+                            <p:childTnLst>
+                              <p:par>
+                                <p:cTn id="64" presetID="10" presetClass="entr" presetSubtype="0" fill="hold" nodeType="afterEffect">
+                                  <p:stCondLst>
+                                    <p:cond delay="0"/>
+                                  </p:stCondLst>
+                                  <p:childTnLst>
+                                    <p:set>
+                                      <p:cBhvr>
+                                        <p:cTn id="65" dur="1" fill="hold">
+                                          <p:stCondLst>
+                                            <p:cond delay="0"/>
+                                          </p:stCondLst>
+                                        </p:cTn>
+                                        <p:tgtEl>
+                                          <p:spTgt spid="5"/>
+                                        </p:tgtEl>
+                                        <p:attrNameLst>
+                                          <p:attrName>style.visibility</p:attrName>
+                                        </p:attrNameLst>
+                                      </p:cBhvr>
+                                      <p:to>
+                                        <p:strVal val="visible"/>
+                                      </p:to>
+                                    </p:set>
+                                    <p:animEffect transition="in" filter="fade">
+                                      <p:cBhvr>
+                                        <p:cTn id="66" dur="500"/>
+                                        <p:tgtEl>
+                                          <p:spTgt spid="5"/>
+                                        </p:tgtEl>
+                                      </p:cBhvr>
+                                    </p:animEffect>
+                                  </p:childTnLst>
+                                </p:cTn>
+                              </p:par>
+                            </p:childTnLst>
+                          </p:cTn>
+                        </p:par>
+                        <p:par>
+                          <p:cTn id="67" fill="hold">
+                            <p:stCondLst>
+                              <p:cond delay="2000"/>
+                            </p:stCondLst>
+                            <p:childTnLst>
+                              <p:par>
+                                <p:cTn id="68" presetID="10" presetClass="entr" presetSubtype="0" fill="hold" grpId="0" nodeType="afterEffect">
+                                  <p:stCondLst>
+                                    <p:cond delay="0"/>
+                                  </p:stCondLst>
+                                  <p:childTnLst>
+                                    <p:set>
+                                      <p:cBhvr>
+                                        <p:cTn id="69" dur="1" fill="hold">
+                                          <p:stCondLst>
+                                            <p:cond delay="0"/>
+                                          </p:stCondLst>
+                                        </p:cTn>
+                                        <p:tgtEl>
+                                          <p:spTgt spid="10"/>
+                                        </p:tgtEl>
+                                        <p:attrNameLst>
+                                          <p:attrName>style.visibility</p:attrName>
+                                        </p:attrNameLst>
+                                      </p:cBhvr>
+                                      <p:to>
+                                        <p:strVal val="visible"/>
+                                      </p:to>
+                                    </p:set>
+                                    <p:animEffect transition="in" filter="fade">
+                                      <p:cBhvr>
+                                        <p:cTn id="70" dur="500"/>
+                                        <p:tgtEl>
+                                          <p:spTgt spid="10"/>
+                                        </p:tgtEl>
+                                      </p:cBhvr>
+                                    </p:animEffect>
+                                  </p:childTnLst>
+                                </p:cTn>
+                              </p:par>
+                            </p:childTnLst>
+                          </p:cTn>
+                        </p:par>
+                      </p:childTnLst>
+                    </p:cTn>
+                  </p:par>
+                </p:childTnLst>
+              </p:cTn>
+              <p:prevCondLst>
+                <p:cond evt="onPrev" delay="0">
+                  <p:tgtEl>
+                    <p:sldTgt/>
+                  </p:tgtEl>
+                </p:cond>
+              </p:prevCondLst>
+              <p:nextCondLst>
+                <p:cond evt="onNext" delay="0">
+                  <p:tgtEl>
+                    <p:sldTgt/>
+                  </p:tgtEl>
+                </p:cond>
+              </p:nextCondLst>
+            </p:seq>
+          </p:childTnLst>
+        </p:cTn>
+      </p:par>
+    </p:tnLst>
+    <p:bldLst>
+      <p:bldP spid="338" grpId="0" uiExpand="1" build="p"/>
+      <p:bldP spid="340" grpId="0"/>
+      <p:bldP spid="346" grpId="0"/>
+      <p:bldP spid="10" grpId="0" animBg="1"/>
+    </p:bldLst>
+  </p:timing>
 </p:sld>
 </file>
 
@@ -31367,154 +35537,438 @@
           <a:chExt cx="0" cy="0"/>
         </a:xfrm>
       </p:grpSpPr>
-      <p:sp>
-        <p:nvSpPr>
-          <p:cNvPr id="338" name="Google Shape;338;p37"/>
-          <p:cNvSpPr txBox="1">
-            <a:spLocks noGrp="1"/>
-          </p:cNvSpPr>
-          <p:nvPr>
-            <p:ph type="body" idx="1"/>
-          </p:nvPr>
-        </p:nvSpPr>
-        <p:spPr>
-          <a:xfrm>
-            <a:off x="160732" y="963200"/>
-            <a:ext cx="11867599" cy="5452800"/>
-          </a:xfrm>
-          <a:prstGeom prst="rect">
-            <a:avLst/>
-          </a:prstGeom>
-        </p:spPr>
-        <p:txBody>
-          <a:bodyPr spcFirstLastPara="1" wrap="square" lIns="121900" tIns="121900" rIns="121900" bIns="121900" anchor="t" anchorCtr="0">
-            <a:normAutofit/>
-          </a:bodyPr>
-          <a:lstStyle/>
-          <a:p>
-            <a:pPr marL="285750" indent="-285750"/>
-            <a:r>
-              <a:rPr lang="en-IN" dirty="0"/>
-              <a:t>Explicit Pressure Poisson-based Models</a:t>
-            </a:r>
-          </a:p>
-          <a:p>
-            <a:pPr marL="895335" lvl="1" indent="-285750"/>
-            <a:r>
-              <a:rPr lang="en-IN" dirty="0"/>
-              <a:t>[Rogers2005] Considered compressible flow</a:t>
-            </a:r>
-          </a:p>
-          <a:p>
-            <a:pPr marL="895335" lvl="1" indent="-285750"/>
-            <a:r>
-              <a:rPr lang="en-IN" dirty="0"/>
-              <a:t>Averaged the NS eqs (Favre averaging)</a:t>
-            </a:r>
-          </a:p>
-          <a:p>
-            <a:pPr marL="895335" lvl="1" indent="-285750"/>
-            <a:r>
-              <a:rPr lang="en-IN" dirty="0"/>
-              <a:t>Filtered the Navier-Stokes (NS) eqs (Spatial filter)</a:t>
-            </a:r>
-          </a:p>
-          <a:p>
-            <a:pPr marL="895335" lvl="1" indent="-285750"/>
-            <a:r>
-              <a:rPr lang="en-IN" dirty="0"/>
-              <a:t>Observed density variations in compressible SPH </a:t>
-            </a:r>
-            <a:r>
-              <a:rPr lang="en-IN" dirty="0">
-                <a:sym typeface="Wingdings" panose="05000000000000000000" pitchFamily="2" charset="2"/>
-              </a:rPr>
-              <a:t> Unphysical behaviour on free surfaces</a:t>
-            </a:r>
-          </a:p>
-          <a:p>
-            <a:pPr marL="1504919" lvl="2" indent="-285750"/>
-            <a:r>
-              <a:rPr lang="en-IN" dirty="0">
-                <a:sym typeface="Wingdings" panose="05000000000000000000" pitchFamily="2" charset="2"/>
-              </a:rPr>
-              <a:t>Performed Shepard filtering of density every 40 time steps</a:t>
-            </a:r>
-          </a:p>
-          <a:p>
-            <a:pPr marL="895335" lvl="1" indent="-285750"/>
-            <a:r>
-              <a:rPr lang="en-IN" dirty="0">
-                <a:sym typeface="Wingdings" panose="05000000000000000000" pitchFamily="2" charset="2"/>
-              </a:rPr>
-              <a:t>Simulated:</a:t>
-            </a:r>
-          </a:p>
-          <a:p>
-            <a:pPr marL="1504919" lvl="2" indent="-285750"/>
-            <a:r>
-              <a:rPr lang="en-IN" dirty="0">
-                <a:sym typeface="Wingdings" panose="05000000000000000000" pitchFamily="2" charset="2"/>
-              </a:rPr>
-              <a:t>Weakly plunging breaker in 2D &amp; 3D</a:t>
-            </a:r>
-          </a:p>
-          <a:p>
-            <a:pPr marL="1504919" lvl="2" indent="-285750"/>
-            <a:r>
-              <a:rPr lang="en-IN" dirty="0">
-                <a:sym typeface="Wingdings" panose="05000000000000000000" pitchFamily="2" charset="2"/>
-              </a:rPr>
-              <a:t>2D green-water overtopping, 2D &amp; 3D wave breaking, 3D dam break [Rogers2006]</a:t>
-            </a:r>
-          </a:p>
-          <a:p>
-            <a:pPr marL="1504919" lvl="2" indent="-285750"/>
-            <a:r>
-              <a:rPr lang="en-IN" dirty="0">
-                <a:sym typeface="Wingdings" panose="05000000000000000000" pitchFamily="2" charset="2"/>
-              </a:rPr>
-              <a:t>Model predicted regions of high vorticity in 2D</a:t>
-            </a:r>
-          </a:p>
-          <a:p>
-            <a:pPr marL="1504919" lvl="2" indent="-285750"/>
-            <a:r>
-              <a:rPr lang="en-IN" dirty="0">
-                <a:sym typeface="Wingdings" panose="05000000000000000000" pitchFamily="2" charset="2"/>
-              </a:rPr>
-              <a:t>Model captured vertically oriented eddies in 3D</a:t>
-            </a:r>
-          </a:p>
-          <a:p>
-            <a:pPr marL="1504919" lvl="2" indent="-285750"/>
-            <a:r>
-              <a:rPr lang="en-IN" dirty="0">
-                <a:sym typeface="Wingdings" panose="05000000000000000000" pitchFamily="2" charset="2"/>
-              </a:rPr>
-              <a:t>Accurate for flow separation or splash-based problems</a:t>
-            </a:r>
-          </a:p>
-          <a:p>
-            <a:pPr marL="1504919" lvl="2" indent="-285750"/>
-            <a:r>
-              <a:rPr lang="en-IN" dirty="0">
-                <a:sym typeface="Wingdings" panose="05000000000000000000" pitchFamily="2" charset="2"/>
-              </a:rPr>
-              <a:t>Requires large number of particles, and very small time steps</a:t>
-            </a:r>
-          </a:p>
-          <a:p>
-            <a:pPr marL="1504919" lvl="2" indent="-285750"/>
-            <a:r>
-              <a:rPr lang="en-IN" dirty="0">
-                <a:sym typeface="Wingdings" panose="05000000000000000000" pitchFamily="2" charset="2"/>
-              </a:rPr>
-              <a:t>Uncertain regarding scalability to large-scale problems</a:t>
-            </a:r>
-          </a:p>
-        </p:txBody>
-      </p:sp>
+      <mc:AlternateContent xmlns:mc="http://schemas.openxmlformats.org/markup-compatibility/2006">
+        <mc:Choice xmlns:a14="http://schemas.microsoft.com/office/drawing/2010/main" Requires="a14">
+          <p:sp>
+            <p:nvSpPr>
+              <p:cNvPr id="338" name="Google Shape;338;p37"/>
+              <p:cNvSpPr txBox="1">
+                <a:spLocks noGrp="1"/>
+              </p:cNvSpPr>
+              <p:nvPr>
+                <p:ph type="body" idx="1"/>
+              </p:nvPr>
+            </p:nvSpPr>
+            <p:spPr>
+              <a:xfrm>
+                <a:off x="160733" y="963200"/>
+                <a:ext cx="7704973" cy="5452800"/>
+              </a:xfrm>
+              <a:prstGeom prst="rect">
+                <a:avLst/>
+              </a:prstGeom>
+            </p:spPr>
+            <p:txBody>
+              <a:bodyPr spcFirstLastPara="1" wrap="square" lIns="121900" tIns="121900" rIns="121900" bIns="121900" anchor="t" anchorCtr="0">
+                <a:normAutofit lnSpcReduction="10000"/>
+              </a:bodyPr>
+              <a:lstStyle/>
+              <a:p>
+                <a:pPr marL="285750" indent="-285750"/>
+                <a:r>
+                  <a:rPr lang="en-IN" dirty="0"/>
+                  <a:t>Explicit Pressure EOS-based Models</a:t>
+                </a:r>
+                <a:r>
+                  <a:rPr lang="en-IN" baseline="30000" dirty="0"/>
+                  <a:t>[1,2]</a:t>
+                </a:r>
+                <a:endParaRPr lang="en-IN" dirty="0"/>
+              </a:p>
+              <a:p>
+                <a:pPr marL="895335" lvl="1" indent="-285750"/>
+                <a:r>
+                  <a:rPr lang="en-IN" dirty="0"/>
+                  <a:t>Assumption: Compressible flow</a:t>
+                </a:r>
+              </a:p>
+              <a:p>
+                <a:pPr marL="895335" lvl="1" indent="-285750"/>
+                <a:r>
+                  <a:rPr lang="en-IN" dirty="0"/>
+                  <a:t>NS eqs </a:t>
+                </a:r>
+                <a:r>
+                  <a:rPr lang="en-IN" dirty="0">
+                    <a:sym typeface="Wingdings" panose="05000000000000000000" pitchFamily="2" charset="2"/>
+                  </a:rPr>
+                  <a:t> </a:t>
+                </a:r>
+                <a:r>
+                  <a:rPr lang="en-IN" dirty="0"/>
+                  <a:t>Favre averaged</a:t>
+                </a:r>
+              </a:p>
+              <a:p>
+                <a:pPr marL="895335" lvl="1" indent="-285750"/>
+                <a:r>
+                  <a:rPr lang="en-IN" dirty="0"/>
+                  <a:t>Observation: Density variations </a:t>
+                </a:r>
+                <a:r>
+                  <a:rPr lang="en-IN" dirty="0">
+                    <a:sym typeface="Wingdings" panose="05000000000000000000" pitchFamily="2" charset="2"/>
+                  </a:rPr>
+                  <a:t> Unphysical behaviour on free surfaces</a:t>
+                </a:r>
+              </a:p>
+              <a:p>
+                <a:pPr marL="1504919" lvl="2" indent="-285750"/>
+                <a:r>
+                  <a:rPr lang="en-IN" dirty="0">
+                    <a:sym typeface="Wingdings" panose="05000000000000000000" pitchFamily="2" charset="2"/>
+                  </a:rPr>
+                  <a:t>Shepard filtering of density performed periodically</a:t>
+                </a:r>
+              </a:p>
+              <a:p>
+                <a:pPr marL="895335" lvl="1" indent="-285750"/>
+                <a:r>
+                  <a:rPr lang="en-IN" dirty="0">
+                    <a:sym typeface="Wingdings" panose="05000000000000000000" pitchFamily="2" charset="2"/>
+                  </a:rPr>
+                  <a:t>Simulated: </a:t>
+                </a:r>
+                <a14:m>
+                  <m:oMath xmlns:m="http://schemas.openxmlformats.org/officeDocument/2006/math">
+                    <m:d>
+                      <m:dPr>
+                        <m:ctrlPr>
+                          <a:rPr lang="en-IN" i="1" dirty="0">
+                            <a:latin typeface="Cambria Math" panose="02040503050406030204" pitchFamily="18" charset="0"/>
+                            <a:sym typeface="Wingdings" panose="05000000000000000000" pitchFamily="2" charset="2"/>
+                          </a:rPr>
+                        </m:ctrlPr>
+                      </m:dPr>
+                      <m:e>
+                        <m:r>
+                          <a:rPr lang="en-IN" i="1" dirty="0">
+                            <a:latin typeface="Cambria Math" panose="02040503050406030204" pitchFamily="18" charset="0"/>
+                            <a:sym typeface="Wingdings" panose="05000000000000000000" pitchFamily="2" charset="2"/>
+                          </a:rPr>
+                          <m:t>𝑅𝑒</m:t>
+                        </m:r>
+                        <m:r>
+                          <a:rPr lang="en-IN" i="1" dirty="0">
+                            <a:latin typeface="Cambria Math" panose="02040503050406030204" pitchFamily="18" charset="0"/>
+                            <a:sym typeface="Wingdings" panose="05000000000000000000" pitchFamily="2" charset="2"/>
+                          </a:rPr>
+                          <m:t>≈</m:t>
+                        </m:r>
+                        <m:sSup>
+                          <m:sSupPr>
+                            <m:ctrlPr>
+                              <a:rPr lang="en-IN" i="1" dirty="0">
+                                <a:latin typeface="Cambria Math" panose="02040503050406030204" pitchFamily="18" charset="0"/>
+                                <a:sym typeface="Wingdings" panose="05000000000000000000" pitchFamily="2" charset="2"/>
+                              </a:rPr>
+                            </m:ctrlPr>
+                          </m:sSupPr>
+                          <m:e>
+                            <m:r>
+                              <a:rPr lang="en-IN" i="1" dirty="0">
+                                <a:latin typeface="Cambria Math" panose="02040503050406030204" pitchFamily="18" charset="0"/>
+                                <a:sym typeface="Wingdings" panose="05000000000000000000" pitchFamily="2" charset="2"/>
+                              </a:rPr>
+                              <m:t>10</m:t>
+                            </m:r>
+                          </m:e>
+                          <m:sup>
+                            <m:r>
+                              <a:rPr lang="en-IN" i="1" dirty="0">
+                                <a:latin typeface="Cambria Math" panose="02040503050406030204" pitchFamily="18" charset="0"/>
+                                <a:sym typeface="Wingdings" panose="05000000000000000000" pitchFamily="2" charset="2"/>
+                              </a:rPr>
+                              <m:t>6</m:t>
+                            </m:r>
+                          </m:sup>
+                        </m:sSup>
+                        <m:r>
+                          <a:rPr lang="en-IN" i="1" dirty="0">
+                            <a:latin typeface="Cambria Math" panose="02040503050406030204" pitchFamily="18" charset="0"/>
+                            <a:sym typeface="Wingdings" panose="05000000000000000000" pitchFamily="2" charset="2"/>
+                          </a:rPr>
+                          <m:t>,  </m:t>
+                        </m:r>
+                        <m:sSub>
+                          <m:sSubPr>
+                            <m:ctrlPr>
+                              <a:rPr lang="en-IN" i="1" dirty="0">
+                                <a:latin typeface="Cambria Math" panose="02040503050406030204" pitchFamily="18" charset="0"/>
+                                <a:sym typeface="Wingdings" panose="05000000000000000000" pitchFamily="2" charset="2"/>
+                              </a:rPr>
+                            </m:ctrlPr>
+                          </m:sSubPr>
+                          <m:e>
+                            <m:r>
+                              <a:rPr lang="en-IN" i="1" dirty="0">
+                                <a:latin typeface="Cambria Math" panose="02040503050406030204" pitchFamily="18" charset="0"/>
+                                <a:sym typeface="Wingdings" panose="05000000000000000000" pitchFamily="2" charset="2"/>
+                              </a:rPr>
+                              <m:t>𝑁</m:t>
+                            </m:r>
+                          </m:e>
+                          <m:sub>
+                            <m:r>
+                              <a:rPr lang="en-IN" i="1" dirty="0">
+                                <a:latin typeface="Cambria Math" panose="02040503050406030204" pitchFamily="18" charset="0"/>
+                                <a:sym typeface="Wingdings" panose="05000000000000000000" pitchFamily="2" charset="2"/>
+                              </a:rPr>
+                              <m:t>𝑖</m:t>
+                            </m:r>
+                          </m:sub>
+                        </m:sSub>
+                        <m:r>
+                          <a:rPr lang="en-IN" i="1" dirty="0">
+                            <a:latin typeface="Cambria Math" panose="02040503050406030204" pitchFamily="18" charset="0"/>
+                            <a:sym typeface="Wingdings" panose="05000000000000000000" pitchFamily="2" charset="2"/>
+                          </a:rPr>
+                          <m:t>≈</m:t>
+                        </m:r>
+                        <m:sSup>
+                          <m:sSupPr>
+                            <m:ctrlPr>
+                              <a:rPr lang="en-IN" i="1" dirty="0" smtClean="0">
+                                <a:latin typeface="Cambria Math" panose="02040503050406030204" pitchFamily="18" charset="0"/>
+                                <a:sym typeface="Wingdings" panose="05000000000000000000" pitchFamily="2" charset="2"/>
+                              </a:rPr>
+                            </m:ctrlPr>
+                          </m:sSupPr>
+                          <m:e>
+                            <m:r>
+                              <a:rPr lang="en-IN" i="1" dirty="0">
+                                <a:latin typeface="Cambria Math" panose="02040503050406030204" pitchFamily="18" charset="0"/>
+                                <a:sym typeface="Wingdings" panose="05000000000000000000" pitchFamily="2" charset="2"/>
+                              </a:rPr>
+                              <m:t>10</m:t>
+                            </m:r>
+                          </m:e>
+                          <m:sup>
+                            <m:r>
+                              <a:rPr lang="en-IN" i="1" dirty="0">
+                                <a:latin typeface="Cambria Math" panose="02040503050406030204" pitchFamily="18" charset="0"/>
+                                <a:sym typeface="Wingdings" panose="05000000000000000000" pitchFamily="2" charset="2"/>
+                              </a:rPr>
+                              <m:t>4</m:t>
+                            </m:r>
+                          </m:sup>
+                        </m:sSup>
+                      </m:e>
+                    </m:d>
+                  </m:oMath>
+                </a14:m>
+                <a:endParaRPr lang="en-IN" dirty="0">
+                  <a:sym typeface="Wingdings" panose="05000000000000000000" pitchFamily="2" charset="2"/>
+                </a:endParaRPr>
+              </a:p>
+              <a:p>
+                <a:pPr marL="1504919" lvl="2" indent="-285750"/>
+                <a:r>
+                  <a:rPr lang="en-IN" dirty="0">
+                    <a:sym typeface="Wingdings" panose="05000000000000000000" pitchFamily="2" charset="2"/>
+                  </a:rPr>
+                  <a:t>Weakly plunging breaker in 2D &amp; 3D</a:t>
+                </a:r>
+                <a:r>
+                  <a:rPr lang="en-IN" baseline="30000" dirty="0"/>
+                  <a:t>[1]</a:t>
+                </a:r>
+                <a:endParaRPr lang="en-IN" dirty="0">
+                  <a:sym typeface="Wingdings" panose="05000000000000000000" pitchFamily="2" charset="2"/>
+                </a:endParaRPr>
+              </a:p>
+              <a:p>
+                <a:pPr marL="1504919" lvl="2" indent="-285750"/>
+                <a:r>
+                  <a:rPr lang="en-IN" dirty="0">
+                    <a:sym typeface="Wingdings" panose="05000000000000000000" pitchFamily="2" charset="2"/>
+                  </a:rPr>
+                  <a:t>2D green-water overtopping, 2D &amp; 3D wave breaking, 3D dam break</a:t>
+                </a:r>
+                <a:r>
+                  <a:rPr lang="en-IN" baseline="30000" dirty="0"/>
+                  <a:t>[2]</a:t>
+                </a:r>
+                <a:endParaRPr lang="en-IN" dirty="0">
+                  <a:sym typeface="Wingdings" panose="05000000000000000000" pitchFamily="2" charset="2"/>
+                </a:endParaRPr>
+              </a:p>
+              <a:p>
+                <a:pPr marL="895335" lvl="1" indent="-285750"/>
+                <a:endParaRPr lang="en-IN" dirty="0">
+                  <a:sym typeface="Wingdings" panose="05000000000000000000" pitchFamily="2" charset="2"/>
+                </a:endParaRPr>
+              </a:p>
+              <a:p>
+                <a:pPr marL="895335" lvl="1" indent="-285750"/>
+                <a:r>
+                  <a:rPr lang="en-IN" dirty="0">
+                    <a:solidFill>
+                      <a:srgbClr val="0070C0"/>
+                    </a:solidFill>
+                    <a:sym typeface="Wingdings" panose="05000000000000000000" pitchFamily="2" charset="2"/>
+                  </a:rPr>
+                  <a:t>Comments</a:t>
+                </a:r>
+              </a:p>
+              <a:p>
+                <a:pPr marL="1504919" lvl="2" indent="-285750"/>
+                <a:r>
+                  <a:rPr lang="en-IN" dirty="0">
+                    <a:sym typeface="Wingdings" panose="05000000000000000000" pitchFamily="2" charset="2"/>
+                  </a:rPr>
+                  <a:t>Model predicted regions of high vorticity in 2D</a:t>
+                </a:r>
+              </a:p>
+              <a:p>
+                <a:pPr marL="1504919" lvl="2" indent="-285750"/>
+                <a:r>
+                  <a:rPr lang="en-IN" dirty="0">
+                    <a:sym typeface="Wingdings" panose="05000000000000000000" pitchFamily="2" charset="2"/>
+                  </a:rPr>
+                  <a:t>Model captured vertically oriented eddies in 3D</a:t>
+                </a:r>
+              </a:p>
+              <a:p>
+                <a:pPr marL="1504919" lvl="2" indent="-285750"/>
+                <a:r>
+                  <a:rPr lang="en-IN" dirty="0">
+                    <a:sym typeface="Wingdings" panose="05000000000000000000" pitchFamily="2" charset="2"/>
+                  </a:rPr>
+                  <a:t>Accurate for flow separation or splash-based problems</a:t>
+                </a:r>
+              </a:p>
+              <a:p>
+                <a:pPr marL="1504919" lvl="2" indent="-285750"/>
+                <a:r>
+                  <a:rPr lang="en-IN" dirty="0">
+                    <a:sym typeface="Wingdings" panose="05000000000000000000" pitchFamily="2" charset="2"/>
+                  </a:rPr>
+                  <a:t>Requires large </a:t>
+                </a:r>
+                <a14:m>
+                  <m:oMath xmlns:m="http://schemas.openxmlformats.org/officeDocument/2006/math">
+                    <m:sSub>
+                      <m:sSubPr>
+                        <m:ctrlPr>
+                          <a:rPr lang="en-IN" b="0" i="1" dirty="0" smtClean="0">
+                            <a:latin typeface="Cambria Math" panose="02040503050406030204" pitchFamily="18" charset="0"/>
+                            <a:sym typeface="Wingdings" panose="05000000000000000000" pitchFamily="2" charset="2"/>
+                          </a:rPr>
+                        </m:ctrlPr>
+                      </m:sSubPr>
+                      <m:e>
+                        <m:r>
+                          <a:rPr lang="en-IN" b="0" i="1" dirty="0" smtClean="0">
+                            <a:latin typeface="Cambria Math" panose="02040503050406030204" pitchFamily="18" charset="0"/>
+                            <a:sym typeface="Wingdings" panose="05000000000000000000" pitchFamily="2" charset="2"/>
+                          </a:rPr>
+                          <m:t>𝑁</m:t>
+                        </m:r>
+                      </m:e>
+                      <m:sub>
+                        <m:r>
+                          <a:rPr lang="en-IN" b="0" i="1" dirty="0" smtClean="0">
+                            <a:latin typeface="Cambria Math" panose="02040503050406030204" pitchFamily="18" charset="0"/>
+                            <a:sym typeface="Wingdings" panose="05000000000000000000" pitchFamily="2" charset="2"/>
+                          </a:rPr>
+                          <m:t>𝑖</m:t>
+                        </m:r>
+                      </m:sub>
+                    </m:sSub>
+                  </m:oMath>
+                </a14:m>
+                <a:r>
+                  <a:rPr lang="en-IN" dirty="0">
+                    <a:sym typeface="Wingdings" panose="05000000000000000000" pitchFamily="2" charset="2"/>
+                  </a:rPr>
+                  <a:t> &amp; very small </a:t>
+                </a:r>
+                <a14:m>
+                  <m:oMath xmlns:m="http://schemas.openxmlformats.org/officeDocument/2006/math">
+                    <m:r>
+                      <m:rPr>
+                        <m:sty m:val="p"/>
+                      </m:rPr>
+                      <a:rPr lang="en-IN" b="0" i="0" dirty="0" smtClean="0">
+                        <a:latin typeface="Cambria Math" panose="02040503050406030204" pitchFamily="18" charset="0"/>
+                        <a:sym typeface="Wingdings" panose="05000000000000000000" pitchFamily="2" charset="2"/>
+                      </a:rPr>
+                      <m:t>Δ</m:t>
+                    </m:r>
+                    <m:r>
+                      <a:rPr lang="en-IN" b="0" i="1" dirty="0" smtClean="0">
+                        <a:latin typeface="Cambria Math" panose="02040503050406030204" pitchFamily="18" charset="0"/>
+                        <a:sym typeface="Wingdings" panose="05000000000000000000" pitchFamily="2" charset="2"/>
+                      </a:rPr>
+                      <m:t>𝑡</m:t>
+                    </m:r>
+                    <m:r>
+                      <a:rPr lang="en-IN" b="0" i="1" dirty="0" smtClean="0">
+                        <a:latin typeface="Cambria Math" panose="02040503050406030204" pitchFamily="18" charset="0"/>
+                        <a:sym typeface="Wingdings" panose="05000000000000000000" pitchFamily="2" charset="2"/>
+                      </a:rPr>
+                      <m:t> </m:t>
+                    </m:r>
+                  </m:oMath>
+                </a14:m>
+                <a:endParaRPr lang="en-IN" dirty="0">
+                  <a:sym typeface="Wingdings" panose="05000000000000000000" pitchFamily="2" charset="2"/>
+                </a:endParaRPr>
+              </a:p>
+              <a:p>
+                <a:pPr marL="1504919" lvl="2" indent="-285750"/>
+                <a:r>
+                  <a:rPr lang="en-IN" dirty="0">
+                    <a:sym typeface="Wingdings" panose="05000000000000000000" pitchFamily="2" charset="2"/>
+                  </a:rPr>
+                  <a:t>Uncertain regarding scalability to large-scale problems</a:t>
+                </a:r>
+              </a:p>
+            </p:txBody>
+          </p:sp>
+        </mc:Choice>
+        <mc:Fallback>
+          <p:sp>
+            <p:nvSpPr>
+              <p:cNvPr id="338" name="Google Shape;338;p37"/>
+              <p:cNvSpPr txBox="1">
+                <a:spLocks noGrp="1" noRot="1" noChangeAspect="1" noMove="1" noResize="1" noEditPoints="1" noAdjustHandles="1" noChangeArrowheads="1" noChangeShapeType="1" noTextEdit="1"/>
+              </p:cNvSpPr>
+              <p:nvPr>
+                <p:ph type="body" idx="1"/>
+              </p:nvPr>
+            </p:nvSpPr>
+            <p:spPr>
+              <a:xfrm>
+                <a:off x="160733" y="963200"/>
+                <a:ext cx="7704973" cy="5452800"/>
+              </a:xfrm>
+              <a:prstGeom prst="rect">
+                <a:avLst/>
+              </a:prstGeom>
+              <a:blipFill>
+                <a:blip r:embed="rId4"/>
+                <a:stretch>
+                  <a:fillRect l="-237"/>
+                </a:stretch>
+              </a:blipFill>
+            </p:spPr>
+            <p:txBody>
+              <a:bodyPr/>
+              <a:lstStyle/>
+              <a:p>
+                <a:r>
+                  <a:rPr lang="en-IN">
+                    <a:noFill/>
+                  </a:rPr>
+                  <a:t> </a:t>
+                </a:r>
+              </a:p>
+            </p:txBody>
+          </p:sp>
+        </mc:Fallback>
+      </mc:AlternateContent>
       <p:sp>
         <p:nvSpPr>
           <p:cNvPr id="339" name="Google Shape;339;p37"/>
@@ -31627,8 +36081,8 @@
         </p:nvSpPr>
         <p:spPr>
           <a:xfrm>
-            <a:off x="0" y="6333201"/>
-            <a:ext cx="9910400" cy="410393"/>
+            <a:off x="-1" y="6294289"/>
+            <a:ext cx="10418323" cy="553957"/>
           </a:xfrm>
           <a:prstGeom prst="rect">
             <a:avLst/>
@@ -31645,7 +36099,7 @@
           <a:lstStyle/>
           <a:p>
             <a:r>
-              <a:rPr lang="en-US" sz="1067" dirty="0">
+              <a:rPr lang="en-US" sz="1000" dirty="0">
                 <a:solidFill>
                   <a:schemeClr val="accent3"/>
                 </a:solidFill>
@@ -31654,10 +36108,10 @@
                 <a:cs typeface="Proxima Nova"/>
                 <a:sym typeface="Proxima Nova"/>
               </a:rPr>
-              <a:t>[1] </a:t>
+              <a:t>[1] B. D. ROGERS and R. A. DALRYMPLE, “SPH MODELING OF BREAKING WAVES,” in Coastal Engineering 2004, Apr. 2005, pp. 415–427, </a:t>
             </a:r>
             <a:r>
-              <a:rPr lang="en-US" sz="1067" dirty="0" err="1">
+              <a:rPr lang="en-US" sz="1000" dirty="0" err="1">
                 <a:solidFill>
                   <a:schemeClr val="accent3"/>
                 </a:solidFill>
@@ -31666,10 +36120,10 @@
                 <a:cs typeface="Proxima Nova"/>
                 <a:sym typeface="Proxima Nova"/>
               </a:rPr>
-              <a:t>Dynnikova</a:t>
+              <a:t>doi</a:t>
             </a:r>
             <a:r>
-              <a:rPr lang="en-US" sz="1067" dirty="0">
+              <a:rPr lang="en-US" sz="1000" dirty="0">
                 <a:solidFill>
                   <a:schemeClr val="accent3"/>
                 </a:solidFill>
@@ -31678,10 +36132,12 @@
                 <a:cs typeface="Proxima Nova"/>
                 <a:sym typeface="Proxima Nova"/>
               </a:rPr>
-              <a:t>, G. </a:t>
+              <a:t>: 10.1142/9789812701916_0032.</a:t>
             </a:r>
+          </a:p>
+          <a:p>
             <a:r>
-              <a:rPr lang="en-US" sz="1067" dirty="0" err="1">
+              <a:rPr lang="en-US" sz="1000" dirty="0">
                 <a:solidFill>
                   <a:schemeClr val="accent3"/>
                 </a:solidFill>
@@ -31690,10 +36146,10 @@
                 <a:cs typeface="Proxima Nova"/>
                 <a:sym typeface="Proxima Nova"/>
               </a:rPr>
-              <a:t>Ya</a:t>
+              <a:t>[2] R. A. Dalrymple and B. D. Rogers, “Numerical modeling of water waves with the SPH method,” vol. 53, pp. 141–147, 2006, </a:t>
             </a:r>
             <a:r>
-              <a:rPr lang="en-US" sz="1067" dirty="0">
+              <a:rPr lang="en-US" sz="1000" dirty="0" err="1">
                 <a:solidFill>
                   <a:schemeClr val="accent3"/>
                 </a:solidFill>
@@ -31702,17 +36158,29 @@
                 <a:cs typeface="Proxima Nova"/>
                 <a:sym typeface="Proxima Nova"/>
               </a:rPr>
-              <a:t> et al. (2021). “Stability of a reverse Karman vortex street”. In: Physics of Fluids 33.2. ISSN: 10897666. DOI: 10.1063/5.0035575.</a:t>
+              <a:t>doi</a:t>
+            </a:r>
+            <a:r>
+              <a:rPr lang="en-US" sz="1000" dirty="0">
+                <a:solidFill>
+                  <a:schemeClr val="accent3"/>
+                </a:solidFill>
+                <a:latin typeface="Proxima Nova"/>
+                <a:ea typeface="Proxima Nova"/>
+                <a:cs typeface="Proxima Nova"/>
+                <a:sym typeface="Proxima Nova"/>
+              </a:rPr>
+              <a:t>: 10.1016/j.coastaleng.2005.10.004.</a:t>
             </a:r>
           </a:p>
         </p:txBody>
       </p:sp>
       <p:pic>
         <p:nvPicPr>
-          <p:cNvPr id="3" name="Picture 2" descr="\documentclass{article}&#10;\usepackage{bbm}&#10;\usepackage{bm}&#10;\usepackage{amsmath}&#10;\usepackage{amssymb}&#10;\pagestyle{empty}&#10;&#10;% --------------------------------&#10;%% Custom Math Commands&#10;% --------------------------------&#10;\newcommand{\abs}[1]{\mid #1 \mid}&#10;&#10;\newcommand{\bb}[1]{\mathbb{#1}}&#10;&#10;\newcommand{\LagDerivative}[2][t]{\frac{\operatorname{D} #2}{\operatorname{D} #1}}&#10;&#10;\newcommand{\PartialDerivative}[2][t]{\frac{\partial #2}{\partial #1}}&#10;&#10;\newcommand{\vect}[1]{\mathbf{#1}}&#10;&#10;\newcommand{\tensor}[1]{\underline{\bm{#1}}}&#10;&#10;\newcommand{\WIJ}{W_{h, ij}}&#10;&#10;\newcommand{\DWIJ}{\nabla_{i} W_{h, ij}}&#10;&#10;\newcommand{\VIJ}{\vect{v}_{ij}}&#10;&#10;\newcommand{\RIJ}{\vect{r}_{ij}}&#10;&#10;\newcommand{\RtwoIJ}[1][2]{\abs{\vect{r}_{ij}}^{#1}}&#10;&#10;\newcommand{\VtwoIJ}[1][2]{\abs{\vect{v}_{ij}}^{#1}}&#10;&#10;\newcommand{\MachineEpsilon}{\bm{\xi}}&#10;&#10;\newcommand{\EncAngBrk}[2][]{#1\langle #2 #1\rangle}&#10;&#10;\newcommand{\RAProp}[1]{\EncAngBrk{#1}}&#10;&#10;\newcommand{\FrobeniusInnerProduct}[2]{\EncAngBrk{\tensor{#1}, \tensor{#2}}}&#10;&#10;\newcommand{\FrobeniusNorm}[1]{||\tensor{#1}||_F}&#10;&#10;\newcommand{\BasisVect}[1][i]{\hat{\vect{e}}_{#1}}&#10;&#10;\newcommand{\HalfFrac}{\frac{1}{2}}&#10;&#10;\newcommand{\Vol}[1][V]{\mathcal{#1}}&#10;&#10;\newcommand{\Vorticity}{\bm{\omega}}&#10;&#10;\newcommand{\Boundary}{\bm{\Omega}}&#10;&#10;\newcommand{\WaveNumber}{\mathrm{k}}&#10;&#10;\newcommand{\WaveNumberVector}{\vect{k}}&#10;&#10;\newcommand{\TildeR}{\widetilde{\vect{r}}}&#10;&#10;\newcommand{\TildeV}{\widetilde{\vect{v}}}&#10;&#10;\newcommand{\TildeDeltaV}{\delta\TildeV}&#10;&#10;\newcommand{\TildeRho}{\widetilde{\rho}}&#10;&#10;\newcommand{\TildeP}{\widetilde{P}}&#10;&#10;\newcommand{\IntRThreeAndT}{\int_{\mathbb{R}^3}&#10;\int_{-\infty}^{\infty}}&#10;&#10;\newcommand{\SciNot}[3][10]{#2 \times {#1}^{#3}}&#10;&#10;\newcommand{\IntD}{d \tau d V_y}&#10;&#10;\newcommand{\TilePArgRp}{\TildeP(\TildeR_p, t)}&#10;&#10;\newcommand{\PhiRY}{\phi (\TildeR_p(t)-\vect{y}, t-\tau)}&#10;&#10;\newcommand{\PY}{P(\vect{y}, \tau)}&#10;&#10;\newcommand{\VY}{\vect{v}(\vect{y}, \tau)}&#10;&#10;\newcommand{\TildeVArgRp}{\TildeV (\TildeR_p, t)}&#10;&#10;% --------------------------------&#10;%% Equations&#10;% --------------------------------&#10;\begin{document}&#10;&#10;\begin{equation*}&#10;\LagDerivative{\overline{\rho}} = -\overline{\rho} \nabla \cdot \vect{\widetilde{v}}&#10;\end{equation*}&#10;&#10;\begin{equation*}&#10;\LagDerivative{\vect{\widetilde{v}}} = - \frac{1}{\overline{\rho}}\nabla \overline{P} + \frac{1}{\overline{\rho}} (\nabla \cdot \overline{\rho \nu} \nabla) \vect{\widetilde{v}} + \frac{1}{\overline{\rho}}\nabla\cdot\tensor{\tau} + \vect{F}&#10;\end{equation*}&#10;&#10;\end{document}" title="IguanaTex Bitmap Display">
+          <p:cNvPr id="6" name="Picture 5" descr="\documentclass{article}&#10;\usepackage{bbm}&#10;\usepackage{bm}&#10;\usepackage{amsmath}&#10;\usepackage{amssymb}&#10;\pagestyle{empty}&#10;&#10;% --------------------------------&#10;%% Custom Math Commands&#10;% --------------------------------&#10;\newcommand{\abs}[1]{\mid #1 \mid}&#10;&#10;\newcommand{\bb}[1]{\mathbb{#1}}&#10;&#10;\newcommand{\LagDerivative}[2][t]{\frac{\operatorname{D} #2}{\operatorname{D} #1}}&#10;&#10;\newcommand{\PartialDerivative}[2][t]{\frac{\partial #2}{\partial #1}}&#10;&#10;\newcommand{\vect}[1]{\mathbf{#1}}&#10;&#10;\newcommand{\tensor}[1]{\underline{\bm{#1}}}&#10;&#10;\newcommand{\WIJ}{W_{h, ij}}&#10;&#10;\newcommand{\DWIJ}{\nabla_{i} W_{h, ij}}&#10;&#10;\newcommand{\VIJ}{\vect{v}_{ij}}&#10;&#10;\newcommand{\RIJ}{\vect{r}_{ij}}&#10;&#10;\newcommand{\RtwoIJ}[1][2]{\abs{\vect{r}_{ij}}^{#1}}&#10;&#10;\newcommand{\VtwoIJ}[1][2]{\abs{\vect{v}_{ij}}^{#1}}&#10;&#10;\newcommand{\MachineEpsilon}{\bm{\xi}}&#10;&#10;\newcommand{\EncAngBrk}[2][]{#1\langle #2 #1\rangle}&#10;&#10;\newcommand{\RAProp}[1]{\EncAngBrk{#1}}&#10;&#10;\newcommand{\FrobeniusInnerProduct}[2]{\EncAngBrk{\tensor{#1}, \tensor{#2}}}&#10;&#10;\newcommand{\FrobeniusNorm}[1]{||\tensor{#1}||_F}&#10;&#10;\newcommand{\BasisVect}[1][i]{\hat{\vect{e}}_{#1}}&#10;&#10;\newcommand{\HalfFrac}{\frac{1}{2}}&#10;&#10;\newcommand{\Vol}[1][V]{\mathcal{#1}}&#10;&#10;\newcommand{\Vorticity}{\bm{\omega}}&#10;&#10;\newcommand{\Boundary}{\bm{\Omega}}&#10;&#10;\newcommand{\WaveNumber}{\mathrm{k}}&#10;&#10;\newcommand{\WaveNumberVector}{\vect{k}}&#10;&#10;\newcommand{\TildeR}{\widetilde{\vect{r}}}&#10;&#10;\newcommand{\TildeV}{\widetilde{\vect{v}}}&#10;&#10;\newcommand{\TildeDeltaV}{\delta\TildeV}&#10;&#10;\newcommand{\TildeRho}{\widetilde{\rho}}&#10;&#10;\newcommand{\TildeP}{\widetilde{P}}&#10;&#10;\newcommand{\IntRThreeAndT}{\int_{\mathbb{R}^3}&#10;\int_{-\infty}^{\infty}}&#10;&#10;\newcommand{\SciNot}[3][10]{#2 \times {#1}^{#3}}&#10;&#10;\newcommand{\IntD}{d \tau d V_y}&#10;&#10;\newcommand{\TilePArgRp}{\TildeP(\TildeR_p, t)}&#10;&#10;\newcommand{\PhiRY}{\phi (\TildeR_p(t)-\vect{y}, t-\tau)}&#10;&#10;\newcommand{\PY}{P(\vect{y}, \tau)}&#10;&#10;\newcommand{\VY}{\vect{v}(\vect{y}, \tau)}&#10;&#10;\newcommand{\TildeVArgRp}{\TildeV (\TildeR_p, t)}&#10;&#10;% --------------------------------&#10;%% Equations&#10;% --------------------------------&#10;\begin{document}&#10;&#10;\begin{equation*}&#10;\LagDerivative{\overline{\rho}} = -\overline{\rho} \nabla \cdot \vect{\widetilde{v}}&#10;\end{equation*}&#10;&#10;\begin{equation*}&#10;\LagDerivative{\vect{\widetilde{v}}} = - \frac{1}{\overline{\rho}}\nabla \overline{P} + \frac{1}{\overline{\rho}} (\nabla \cdot \overline{\rho \nu} \nabla) \vect{\widetilde{v}} + \frac{1}{\overline{\rho}}\nabla\cdot\tensor{\tau} + \vect{F}&#10;\end{equation*}&#10;&#10;\begin{equation*}&#10;\tensor{\tau} = \overline{\rho}\bigg(2\nu_t \tensor{S} - \frac{2}{3}\operatorname{tr}[\tensor{S}]\tensor{I}\bigg) - \frac{2}{3}\overline{\rho}C_I \overline{\Delta}^2 \tensor{I}&#10;\end{equation*}&#10;&#10;\begin{equation*}&#10;\rho_i = \frac{\sum_j \rho_j \WIJ \Vol_j}{\sum_j \WIJ \Vol_j}&#10;\end{equation*}&#10;&#10;\end{document}" title="IguanaTex Bitmap Display">
             <a:extLst>
               <a:ext uri="{FF2B5EF4-FFF2-40B4-BE49-F238E27FC236}">
-                <a16:creationId xmlns:a16="http://schemas.microsoft.com/office/drawing/2014/main" id="{9C80AD2B-6273-7BD9-D305-CB6DAA2F17B7}"/>
+                <a16:creationId xmlns:a16="http://schemas.microsoft.com/office/drawing/2014/main" id="{FCB0E9E5-FD7F-2E6F-6082-3FE6FBF50479}"/>
               </a:ext>
             </a:extLst>
           </p:cNvPr>
@@ -31726,7 +36194,7 @@
           </p:nvPr>
         </p:nvPicPr>
         <p:blipFill>
-          <a:blip r:embed="rId4">
+          <a:blip r:embed="rId5">
             <a:extLst>
               <a:ext uri="{28A0092B-C50C-407E-A947-70E740481C1C}">
                 <a14:useLocalDpi xmlns:a14="http://schemas.microsoft.com/office/drawing/2010/main" val="0"/>
@@ -31739,24 +36207,922 @@
         </p:blipFill>
         <p:spPr>
           <a:xfrm>
-            <a:off x="7656486" y="4817798"/>
-            <a:ext cx="4507827" cy="1315791"/>
+            <a:off x="7817282" y="2155778"/>
+            <a:ext cx="4211051" cy="2785222"/>
           </a:xfrm>
           <a:prstGeom prst="rect">
             <a:avLst/>
           </a:prstGeom>
         </p:spPr>
       </p:pic>
+      <p:sp>
+        <p:nvSpPr>
+          <p:cNvPr id="7" name="Rectangle: Rounded Corners 6">
+            <a:extLst>
+              <a:ext uri="{FF2B5EF4-FFF2-40B4-BE49-F238E27FC236}">
+                <a16:creationId xmlns:a16="http://schemas.microsoft.com/office/drawing/2014/main" id="{ECA23DF7-5311-F837-B3C8-7E045B780B07}"/>
+              </a:ext>
+            </a:extLst>
+          </p:cNvPr>
+          <p:cNvSpPr/>
+          <p:nvPr/>
+        </p:nvSpPr>
+        <p:spPr>
+          <a:xfrm>
+            <a:off x="649925" y="4260715"/>
+            <a:ext cx="7025197" cy="2033574"/>
+          </a:xfrm>
+          <a:prstGeom prst="roundRect">
+            <a:avLst/>
+          </a:prstGeom>
+          <a:noFill/>
+          <a:ln w="38100">
+            <a:solidFill>
+              <a:schemeClr val="bg2">
+                <a:lumMod val="50000"/>
+              </a:schemeClr>
+            </a:solidFill>
+          </a:ln>
+        </p:spPr>
+        <p:style>
+          <a:lnRef idx="2">
+            <a:schemeClr val="accent1">
+              <a:shade val="50000"/>
+            </a:schemeClr>
+          </a:lnRef>
+          <a:fillRef idx="1">
+            <a:schemeClr val="accent1"/>
+          </a:fillRef>
+          <a:effectRef idx="0">
+            <a:schemeClr val="accent1"/>
+          </a:effectRef>
+          <a:fontRef idx="minor">
+            <a:schemeClr val="lt1"/>
+          </a:fontRef>
+        </p:style>
+        <p:txBody>
+          <a:bodyPr rtlCol="0" anchor="ctr"/>
+          <a:lstStyle/>
+          <a:p>
+            <a:pPr algn="ctr"/>
+            <a:endParaRPr lang="en-IN"/>
+          </a:p>
+        </p:txBody>
+      </p:sp>
     </p:spTree>
     <p:extLst>
       <p:ext uri="{BB962C8B-B14F-4D97-AF65-F5344CB8AC3E}">
-        <p14:creationId xmlns:p14="http://schemas.microsoft.com/office/powerpoint/2010/main" val="1819922406"/>
+        <p14:creationId xmlns:p14="http://schemas.microsoft.com/office/powerpoint/2010/main" val="1371725577"/>
       </p:ext>
     </p:extLst>
   </p:cSld>
   <p:clrMapOvr>
     <a:masterClrMapping/>
   </p:clrMapOvr>
+  <p:timing>
+    <p:tnLst>
+      <p:par>
+        <p:cTn id="1" dur="indefinite" restart="never" nodeType="tmRoot">
+          <p:childTnLst>
+            <p:seq concurrent="1" nextAc="seek">
+              <p:cTn id="2" dur="indefinite" nodeType="mainSeq">
+                <p:childTnLst>
+                  <p:par>
+                    <p:cTn id="3" fill="hold">
+                      <p:stCondLst>
+                        <p:cond delay="indefinite"/>
+                        <p:cond evt="onBegin" delay="0">
+                          <p:tn val="2"/>
+                        </p:cond>
+                      </p:stCondLst>
+                      <p:childTnLst>
+                        <p:par>
+                          <p:cTn id="4" fill="hold">
+                            <p:stCondLst>
+                              <p:cond delay="0"/>
+                            </p:stCondLst>
+                            <p:childTnLst>
+                              <p:par>
+                                <p:cTn id="5" presetID="10" presetClass="entr" presetSubtype="0" fill="hold" grpId="0" nodeType="withEffect">
+                                  <p:stCondLst>
+                                    <p:cond delay="0"/>
+                                  </p:stCondLst>
+                                  <p:childTnLst>
+                                    <p:set>
+                                      <p:cBhvr>
+                                        <p:cTn id="6" dur="1" fill="hold">
+                                          <p:stCondLst>
+                                            <p:cond delay="0"/>
+                                          </p:stCondLst>
+                                        </p:cTn>
+                                        <p:tgtEl>
+                                          <p:spTgt spid="340"/>
+                                        </p:tgtEl>
+                                        <p:attrNameLst>
+                                          <p:attrName>style.visibility</p:attrName>
+                                        </p:attrNameLst>
+                                      </p:cBhvr>
+                                      <p:to>
+                                        <p:strVal val="visible"/>
+                                      </p:to>
+                                    </p:set>
+                                    <p:animEffect transition="in" filter="fade">
+                                      <p:cBhvr>
+                                        <p:cTn id="7" dur="500"/>
+                                        <p:tgtEl>
+                                          <p:spTgt spid="340"/>
+                                        </p:tgtEl>
+                                      </p:cBhvr>
+                                    </p:animEffect>
+                                  </p:childTnLst>
+                                </p:cTn>
+                              </p:par>
+                            </p:childTnLst>
+                          </p:cTn>
+                        </p:par>
+                      </p:childTnLst>
+                    </p:cTn>
+                  </p:par>
+                  <p:par>
+                    <p:cTn id="8" fill="hold">
+                      <p:stCondLst>
+                        <p:cond delay="indefinite"/>
+                      </p:stCondLst>
+                      <p:childTnLst>
+                        <p:par>
+                          <p:cTn id="9" fill="hold">
+                            <p:stCondLst>
+                              <p:cond delay="0"/>
+                            </p:stCondLst>
+                            <p:childTnLst>
+                              <p:par>
+                                <p:cTn id="10" presetID="10" presetClass="entr" presetSubtype="0" fill="hold" grpId="0" nodeType="clickEffect">
+                                  <p:stCondLst>
+                                    <p:cond delay="0"/>
+                                  </p:stCondLst>
+                                  <p:childTnLst>
+                                    <p:set>
+                                      <p:cBhvr>
+                                        <p:cTn id="11" dur="1" fill="hold">
+                                          <p:stCondLst>
+                                            <p:cond delay="0"/>
+                                          </p:stCondLst>
+                                        </p:cTn>
+                                        <p:tgtEl>
+                                          <p:spTgt spid="338">
+                                            <p:txEl>
+                                              <p:pRg st="0" end="0"/>
+                                            </p:txEl>
+                                          </p:spTgt>
+                                        </p:tgtEl>
+                                        <p:attrNameLst>
+                                          <p:attrName>style.visibility</p:attrName>
+                                        </p:attrNameLst>
+                                      </p:cBhvr>
+                                      <p:to>
+                                        <p:strVal val="visible"/>
+                                      </p:to>
+                                    </p:set>
+                                    <p:animEffect transition="in" filter="fade">
+                                      <p:cBhvr>
+                                        <p:cTn id="12" dur="500"/>
+                                        <p:tgtEl>
+                                          <p:spTgt spid="338">
+                                            <p:txEl>
+                                              <p:pRg st="0" end="0"/>
+                                            </p:txEl>
+                                          </p:spTgt>
+                                        </p:tgtEl>
+                                      </p:cBhvr>
+                                    </p:animEffect>
+                                  </p:childTnLst>
+                                </p:cTn>
+                              </p:par>
+                              <p:par>
+                                <p:cTn id="13" presetID="10" presetClass="entr" presetSubtype="0" fill="hold" grpId="0" nodeType="withEffect">
+                                  <p:stCondLst>
+                                    <p:cond delay="0"/>
+                                  </p:stCondLst>
+                                  <p:childTnLst>
+                                    <p:set>
+                                      <p:cBhvr>
+                                        <p:cTn id="14" dur="1" fill="hold">
+                                          <p:stCondLst>
+                                            <p:cond delay="0"/>
+                                          </p:stCondLst>
+                                        </p:cTn>
+                                        <p:tgtEl>
+                                          <p:spTgt spid="338">
+                                            <p:txEl>
+                                              <p:pRg st="1" end="1"/>
+                                            </p:txEl>
+                                          </p:spTgt>
+                                        </p:tgtEl>
+                                        <p:attrNameLst>
+                                          <p:attrName>style.visibility</p:attrName>
+                                        </p:attrNameLst>
+                                      </p:cBhvr>
+                                      <p:to>
+                                        <p:strVal val="visible"/>
+                                      </p:to>
+                                    </p:set>
+                                    <p:animEffect transition="in" filter="fade">
+                                      <p:cBhvr>
+                                        <p:cTn id="15" dur="500"/>
+                                        <p:tgtEl>
+                                          <p:spTgt spid="338">
+                                            <p:txEl>
+                                              <p:pRg st="1" end="1"/>
+                                            </p:txEl>
+                                          </p:spTgt>
+                                        </p:tgtEl>
+                                      </p:cBhvr>
+                                    </p:animEffect>
+                                  </p:childTnLst>
+                                </p:cTn>
+                              </p:par>
+                              <p:par>
+                                <p:cTn id="16" presetID="10" presetClass="entr" presetSubtype="0" fill="hold" grpId="0" nodeType="withEffect">
+                                  <p:stCondLst>
+                                    <p:cond delay="0"/>
+                                  </p:stCondLst>
+                                  <p:childTnLst>
+                                    <p:set>
+                                      <p:cBhvr>
+                                        <p:cTn id="17" dur="1" fill="hold">
+                                          <p:stCondLst>
+                                            <p:cond delay="0"/>
+                                          </p:stCondLst>
+                                        </p:cTn>
+                                        <p:tgtEl>
+                                          <p:spTgt spid="338">
+                                            <p:txEl>
+                                              <p:pRg st="2" end="2"/>
+                                            </p:txEl>
+                                          </p:spTgt>
+                                        </p:tgtEl>
+                                        <p:attrNameLst>
+                                          <p:attrName>style.visibility</p:attrName>
+                                        </p:attrNameLst>
+                                      </p:cBhvr>
+                                      <p:to>
+                                        <p:strVal val="visible"/>
+                                      </p:to>
+                                    </p:set>
+                                    <p:animEffect transition="in" filter="fade">
+                                      <p:cBhvr>
+                                        <p:cTn id="18" dur="500"/>
+                                        <p:tgtEl>
+                                          <p:spTgt spid="338">
+                                            <p:txEl>
+                                              <p:pRg st="2" end="2"/>
+                                            </p:txEl>
+                                          </p:spTgt>
+                                        </p:tgtEl>
+                                      </p:cBhvr>
+                                    </p:animEffect>
+                                  </p:childTnLst>
+                                </p:cTn>
+                              </p:par>
+                              <p:par>
+                                <p:cTn id="19" presetID="10" presetClass="entr" presetSubtype="0" fill="hold" grpId="0" nodeType="withEffect">
+                                  <p:stCondLst>
+                                    <p:cond delay="0"/>
+                                  </p:stCondLst>
+                                  <p:childTnLst>
+                                    <p:set>
+                                      <p:cBhvr>
+                                        <p:cTn id="20" dur="1" fill="hold">
+                                          <p:stCondLst>
+                                            <p:cond delay="0"/>
+                                          </p:stCondLst>
+                                        </p:cTn>
+                                        <p:tgtEl>
+                                          <p:spTgt spid="338">
+                                            <p:txEl>
+                                              <p:pRg st="3" end="3"/>
+                                            </p:txEl>
+                                          </p:spTgt>
+                                        </p:tgtEl>
+                                        <p:attrNameLst>
+                                          <p:attrName>style.visibility</p:attrName>
+                                        </p:attrNameLst>
+                                      </p:cBhvr>
+                                      <p:to>
+                                        <p:strVal val="visible"/>
+                                      </p:to>
+                                    </p:set>
+                                    <p:animEffect transition="in" filter="fade">
+                                      <p:cBhvr>
+                                        <p:cTn id="21" dur="500"/>
+                                        <p:tgtEl>
+                                          <p:spTgt spid="338">
+                                            <p:txEl>
+                                              <p:pRg st="3" end="3"/>
+                                            </p:txEl>
+                                          </p:spTgt>
+                                        </p:tgtEl>
+                                      </p:cBhvr>
+                                    </p:animEffect>
+                                  </p:childTnLst>
+                                </p:cTn>
+                              </p:par>
+                              <p:par>
+                                <p:cTn id="22" presetID="10" presetClass="entr" presetSubtype="0" fill="hold" grpId="0" nodeType="withEffect">
+                                  <p:stCondLst>
+                                    <p:cond delay="0"/>
+                                  </p:stCondLst>
+                                  <p:childTnLst>
+                                    <p:set>
+                                      <p:cBhvr>
+                                        <p:cTn id="23" dur="1" fill="hold">
+                                          <p:stCondLst>
+                                            <p:cond delay="0"/>
+                                          </p:stCondLst>
+                                        </p:cTn>
+                                        <p:tgtEl>
+                                          <p:spTgt spid="338">
+                                            <p:txEl>
+                                              <p:pRg st="4" end="4"/>
+                                            </p:txEl>
+                                          </p:spTgt>
+                                        </p:tgtEl>
+                                        <p:attrNameLst>
+                                          <p:attrName>style.visibility</p:attrName>
+                                        </p:attrNameLst>
+                                      </p:cBhvr>
+                                      <p:to>
+                                        <p:strVal val="visible"/>
+                                      </p:to>
+                                    </p:set>
+                                    <p:animEffect transition="in" filter="fade">
+                                      <p:cBhvr>
+                                        <p:cTn id="24" dur="500"/>
+                                        <p:tgtEl>
+                                          <p:spTgt spid="338">
+                                            <p:txEl>
+                                              <p:pRg st="4" end="4"/>
+                                            </p:txEl>
+                                          </p:spTgt>
+                                        </p:tgtEl>
+                                      </p:cBhvr>
+                                    </p:animEffect>
+                                  </p:childTnLst>
+                                </p:cTn>
+                              </p:par>
+                              <p:par>
+                                <p:cTn id="25" presetID="10" presetClass="entr" presetSubtype="0" fill="hold" grpId="0" nodeType="withEffect">
+                                  <p:stCondLst>
+                                    <p:cond delay="0"/>
+                                  </p:stCondLst>
+                                  <p:childTnLst>
+                                    <p:set>
+                                      <p:cBhvr>
+                                        <p:cTn id="26" dur="1" fill="hold">
+                                          <p:stCondLst>
+                                            <p:cond delay="0"/>
+                                          </p:stCondLst>
+                                        </p:cTn>
+                                        <p:tgtEl>
+                                          <p:spTgt spid="338">
+                                            <p:txEl>
+                                              <p:pRg st="5" end="5"/>
+                                            </p:txEl>
+                                          </p:spTgt>
+                                        </p:tgtEl>
+                                        <p:attrNameLst>
+                                          <p:attrName>style.visibility</p:attrName>
+                                        </p:attrNameLst>
+                                      </p:cBhvr>
+                                      <p:to>
+                                        <p:strVal val="visible"/>
+                                      </p:to>
+                                    </p:set>
+                                    <p:animEffect transition="in" filter="fade">
+                                      <p:cBhvr>
+                                        <p:cTn id="27" dur="500"/>
+                                        <p:tgtEl>
+                                          <p:spTgt spid="338">
+                                            <p:txEl>
+                                              <p:pRg st="5" end="5"/>
+                                            </p:txEl>
+                                          </p:spTgt>
+                                        </p:tgtEl>
+                                      </p:cBhvr>
+                                    </p:animEffect>
+                                  </p:childTnLst>
+                                </p:cTn>
+                              </p:par>
+                              <p:par>
+                                <p:cTn id="28" presetID="10" presetClass="entr" presetSubtype="0" fill="hold" grpId="0" nodeType="withEffect">
+                                  <p:stCondLst>
+                                    <p:cond delay="0"/>
+                                  </p:stCondLst>
+                                  <p:childTnLst>
+                                    <p:set>
+                                      <p:cBhvr>
+                                        <p:cTn id="29" dur="1" fill="hold">
+                                          <p:stCondLst>
+                                            <p:cond delay="0"/>
+                                          </p:stCondLst>
+                                        </p:cTn>
+                                        <p:tgtEl>
+                                          <p:spTgt spid="338">
+                                            <p:txEl>
+                                              <p:pRg st="6" end="6"/>
+                                            </p:txEl>
+                                          </p:spTgt>
+                                        </p:tgtEl>
+                                        <p:attrNameLst>
+                                          <p:attrName>style.visibility</p:attrName>
+                                        </p:attrNameLst>
+                                      </p:cBhvr>
+                                      <p:to>
+                                        <p:strVal val="visible"/>
+                                      </p:to>
+                                    </p:set>
+                                    <p:animEffect transition="in" filter="fade">
+                                      <p:cBhvr>
+                                        <p:cTn id="30" dur="500"/>
+                                        <p:tgtEl>
+                                          <p:spTgt spid="338">
+                                            <p:txEl>
+                                              <p:pRg st="6" end="6"/>
+                                            </p:txEl>
+                                          </p:spTgt>
+                                        </p:tgtEl>
+                                      </p:cBhvr>
+                                    </p:animEffect>
+                                  </p:childTnLst>
+                                </p:cTn>
+                              </p:par>
+                              <p:par>
+                                <p:cTn id="31" presetID="10" presetClass="entr" presetSubtype="0" fill="hold" grpId="0" nodeType="withEffect">
+                                  <p:stCondLst>
+                                    <p:cond delay="0"/>
+                                  </p:stCondLst>
+                                  <p:childTnLst>
+                                    <p:set>
+                                      <p:cBhvr>
+                                        <p:cTn id="32" dur="1" fill="hold">
+                                          <p:stCondLst>
+                                            <p:cond delay="0"/>
+                                          </p:stCondLst>
+                                        </p:cTn>
+                                        <p:tgtEl>
+                                          <p:spTgt spid="338">
+                                            <p:txEl>
+                                              <p:pRg st="7" end="7"/>
+                                            </p:txEl>
+                                          </p:spTgt>
+                                        </p:tgtEl>
+                                        <p:attrNameLst>
+                                          <p:attrName>style.visibility</p:attrName>
+                                        </p:attrNameLst>
+                                      </p:cBhvr>
+                                      <p:to>
+                                        <p:strVal val="visible"/>
+                                      </p:to>
+                                    </p:set>
+                                    <p:animEffect transition="in" filter="fade">
+                                      <p:cBhvr>
+                                        <p:cTn id="33" dur="500"/>
+                                        <p:tgtEl>
+                                          <p:spTgt spid="338">
+                                            <p:txEl>
+                                              <p:pRg st="7" end="7"/>
+                                            </p:txEl>
+                                          </p:spTgt>
+                                        </p:tgtEl>
+                                      </p:cBhvr>
+                                    </p:animEffect>
+                                  </p:childTnLst>
+                                </p:cTn>
+                              </p:par>
+                              <p:par>
+                                <p:cTn id="34" presetID="10" presetClass="entr" presetSubtype="0" fill="hold" grpId="0" nodeType="withEffect">
+                                  <p:stCondLst>
+                                    <p:cond delay="0"/>
+                                  </p:stCondLst>
+                                  <p:childTnLst>
+                                    <p:set>
+                                      <p:cBhvr>
+                                        <p:cTn id="35" dur="1" fill="hold">
+                                          <p:stCondLst>
+                                            <p:cond delay="0"/>
+                                          </p:stCondLst>
+                                        </p:cTn>
+                                        <p:tgtEl>
+                                          <p:spTgt spid="338">
+                                            <p:txEl>
+                                              <p:pRg st="9" end="9"/>
+                                            </p:txEl>
+                                          </p:spTgt>
+                                        </p:tgtEl>
+                                        <p:attrNameLst>
+                                          <p:attrName>style.visibility</p:attrName>
+                                        </p:attrNameLst>
+                                      </p:cBhvr>
+                                      <p:to>
+                                        <p:strVal val="visible"/>
+                                      </p:to>
+                                    </p:set>
+                                    <p:animEffect transition="in" filter="fade">
+                                      <p:cBhvr>
+                                        <p:cTn id="36" dur="500"/>
+                                        <p:tgtEl>
+                                          <p:spTgt spid="338">
+                                            <p:txEl>
+                                              <p:pRg st="9" end="9"/>
+                                            </p:txEl>
+                                          </p:spTgt>
+                                        </p:tgtEl>
+                                      </p:cBhvr>
+                                    </p:animEffect>
+                                  </p:childTnLst>
+                                </p:cTn>
+                              </p:par>
+                              <p:par>
+                                <p:cTn id="37" presetID="10" presetClass="entr" presetSubtype="0" fill="hold" grpId="0" nodeType="withEffect">
+                                  <p:stCondLst>
+                                    <p:cond delay="0"/>
+                                  </p:stCondLst>
+                                  <p:childTnLst>
+                                    <p:set>
+                                      <p:cBhvr>
+                                        <p:cTn id="38" dur="1" fill="hold">
+                                          <p:stCondLst>
+                                            <p:cond delay="0"/>
+                                          </p:stCondLst>
+                                        </p:cTn>
+                                        <p:tgtEl>
+                                          <p:spTgt spid="338">
+                                            <p:txEl>
+                                              <p:pRg st="10" end="10"/>
+                                            </p:txEl>
+                                          </p:spTgt>
+                                        </p:tgtEl>
+                                        <p:attrNameLst>
+                                          <p:attrName>style.visibility</p:attrName>
+                                        </p:attrNameLst>
+                                      </p:cBhvr>
+                                      <p:to>
+                                        <p:strVal val="visible"/>
+                                      </p:to>
+                                    </p:set>
+                                    <p:animEffect transition="in" filter="fade">
+                                      <p:cBhvr>
+                                        <p:cTn id="39" dur="500"/>
+                                        <p:tgtEl>
+                                          <p:spTgt spid="338">
+                                            <p:txEl>
+                                              <p:pRg st="10" end="10"/>
+                                            </p:txEl>
+                                          </p:spTgt>
+                                        </p:tgtEl>
+                                      </p:cBhvr>
+                                    </p:animEffect>
+                                  </p:childTnLst>
+                                </p:cTn>
+                              </p:par>
+                              <p:par>
+                                <p:cTn id="40" presetID="10" presetClass="entr" presetSubtype="0" fill="hold" grpId="0" nodeType="withEffect">
+                                  <p:stCondLst>
+                                    <p:cond delay="0"/>
+                                  </p:stCondLst>
+                                  <p:childTnLst>
+                                    <p:set>
+                                      <p:cBhvr>
+                                        <p:cTn id="41" dur="1" fill="hold">
+                                          <p:stCondLst>
+                                            <p:cond delay="0"/>
+                                          </p:stCondLst>
+                                        </p:cTn>
+                                        <p:tgtEl>
+                                          <p:spTgt spid="338">
+                                            <p:txEl>
+                                              <p:pRg st="11" end="11"/>
+                                            </p:txEl>
+                                          </p:spTgt>
+                                        </p:tgtEl>
+                                        <p:attrNameLst>
+                                          <p:attrName>style.visibility</p:attrName>
+                                        </p:attrNameLst>
+                                      </p:cBhvr>
+                                      <p:to>
+                                        <p:strVal val="visible"/>
+                                      </p:to>
+                                    </p:set>
+                                    <p:animEffect transition="in" filter="fade">
+                                      <p:cBhvr>
+                                        <p:cTn id="42" dur="500"/>
+                                        <p:tgtEl>
+                                          <p:spTgt spid="338">
+                                            <p:txEl>
+                                              <p:pRg st="11" end="11"/>
+                                            </p:txEl>
+                                          </p:spTgt>
+                                        </p:tgtEl>
+                                      </p:cBhvr>
+                                    </p:animEffect>
+                                  </p:childTnLst>
+                                </p:cTn>
+                              </p:par>
+                              <p:par>
+                                <p:cTn id="43" presetID="10" presetClass="entr" presetSubtype="0" fill="hold" grpId="0" nodeType="withEffect">
+                                  <p:stCondLst>
+                                    <p:cond delay="0"/>
+                                  </p:stCondLst>
+                                  <p:childTnLst>
+                                    <p:set>
+                                      <p:cBhvr>
+                                        <p:cTn id="44" dur="1" fill="hold">
+                                          <p:stCondLst>
+                                            <p:cond delay="0"/>
+                                          </p:stCondLst>
+                                        </p:cTn>
+                                        <p:tgtEl>
+                                          <p:spTgt spid="338">
+                                            <p:txEl>
+                                              <p:pRg st="12" end="12"/>
+                                            </p:txEl>
+                                          </p:spTgt>
+                                        </p:tgtEl>
+                                        <p:attrNameLst>
+                                          <p:attrName>style.visibility</p:attrName>
+                                        </p:attrNameLst>
+                                      </p:cBhvr>
+                                      <p:to>
+                                        <p:strVal val="visible"/>
+                                      </p:to>
+                                    </p:set>
+                                    <p:animEffect transition="in" filter="fade">
+                                      <p:cBhvr>
+                                        <p:cTn id="45" dur="500"/>
+                                        <p:tgtEl>
+                                          <p:spTgt spid="338">
+                                            <p:txEl>
+                                              <p:pRg st="12" end="12"/>
+                                            </p:txEl>
+                                          </p:spTgt>
+                                        </p:tgtEl>
+                                      </p:cBhvr>
+                                    </p:animEffect>
+                                  </p:childTnLst>
+                                </p:cTn>
+                              </p:par>
+                              <p:par>
+                                <p:cTn id="46" presetID="10" presetClass="entr" presetSubtype="0" fill="hold" grpId="0" nodeType="withEffect">
+                                  <p:stCondLst>
+                                    <p:cond delay="0"/>
+                                  </p:stCondLst>
+                                  <p:childTnLst>
+                                    <p:set>
+                                      <p:cBhvr>
+                                        <p:cTn id="47" dur="1" fill="hold">
+                                          <p:stCondLst>
+                                            <p:cond delay="0"/>
+                                          </p:stCondLst>
+                                        </p:cTn>
+                                        <p:tgtEl>
+                                          <p:spTgt spid="338">
+                                            <p:txEl>
+                                              <p:pRg st="13" end="13"/>
+                                            </p:txEl>
+                                          </p:spTgt>
+                                        </p:tgtEl>
+                                        <p:attrNameLst>
+                                          <p:attrName>style.visibility</p:attrName>
+                                        </p:attrNameLst>
+                                      </p:cBhvr>
+                                      <p:to>
+                                        <p:strVal val="visible"/>
+                                      </p:to>
+                                    </p:set>
+                                    <p:animEffect transition="in" filter="fade">
+                                      <p:cBhvr>
+                                        <p:cTn id="48" dur="500"/>
+                                        <p:tgtEl>
+                                          <p:spTgt spid="338">
+                                            <p:txEl>
+                                              <p:pRg st="13" end="13"/>
+                                            </p:txEl>
+                                          </p:spTgt>
+                                        </p:tgtEl>
+                                      </p:cBhvr>
+                                    </p:animEffect>
+                                  </p:childTnLst>
+                                </p:cTn>
+                              </p:par>
+                              <p:par>
+                                <p:cTn id="49" presetID="10" presetClass="entr" presetSubtype="0" fill="hold" grpId="0" nodeType="withEffect">
+                                  <p:stCondLst>
+                                    <p:cond delay="0"/>
+                                  </p:stCondLst>
+                                  <p:childTnLst>
+                                    <p:set>
+                                      <p:cBhvr>
+                                        <p:cTn id="50" dur="1" fill="hold">
+                                          <p:stCondLst>
+                                            <p:cond delay="0"/>
+                                          </p:stCondLst>
+                                        </p:cTn>
+                                        <p:tgtEl>
+                                          <p:spTgt spid="338">
+                                            <p:txEl>
+                                              <p:pRg st="14" end="14"/>
+                                            </p:txEl>
+                                          </p:spTgt>
+                                        </p:tgtEl>
+                                        <p:attrNameLst>
+                                          <p:attrName>style.visibility</p:attrName>
+                                        </p:attrNameLst>
+                                      </p:cBhvr>
+                                      <p:to>
+                                        <p:strVal val="visible"/>
+                                      </p:to>
+                                    </p:set>
+                                    <p:animEffect transition="in" filter="fade">
+                                      <p:cBhvr>
+                                        <p:cTn id="51" dur="500"/>
+                                        <p:tgtEl>
+                                          <p:spTgt spid="338">
+                                            <p:txEl>
+                                              <p:pRg st="14" end="14"/>
+                                            </p:txEl>
+                                          </p:spTgt>
+                                        </p:tgtEl>
+                                      </p:cBhvr>
+                                    </p:animEffect>
+                                  </p:childTnLst>
+                                </p:cTn>
+                              </p:par>
+                            </p:childTnLst>
+                          </p:cTn>
+                        </p:par>
+                        <p:par>
+                          <p:cTn id="52" fill="hold">
+                            <p:stCondLst>
+                              <p:cond delay="500"/>
+                            </p:stCondLst>
+                            <p:childTnLst>
+                              <p:par>
+                                <p:cTn id="53" presetID="10" presetClass="entr" presetSubtype="0" fill="hold" grpId="0" nodeType="afterEffect">
+                                  <p:stCondLst>
+                                    <p:cond delay="0"/>
+                                  </p:stCondLst>
+                                  <p:childTnLst>
+                                    <p:set>
+                                      <p:cBhvr>
+                                        <p:cTn id="54" dur="1" fill="hold">
+                                          <p:stCondLst>
+                                            <p:cond delay="0"/>
+                                          </p:stCondLst>
+                                        </p:cTn>
+                                        <p:tgtEl>
+                                          <p:spTgt spid="346"/>
+                                        </p:tgtEl>
+                                        <p:attrNameLst>
+                                          <p:attrName>style.visibility</p:attrName>
+                                        </p:attrNameLst>
+                                      </p:cBhvr>
+                                      <p:to>
+                                        <p:strVal val="visible"/>
+                                      </p:to>
+                                    </p:set>
+                                    <p:animEffect transition="in" filter="fade">
+                                      <p:cBhvr>
+                                        <p:cTn id="55" dur="500"/>
+                                        <p:tgtEl>
+                                          <p:spTgt spid="346"/>
+                                        </p:tgtEl>
+                                      </p:cBhvr>
+                                    </p:animEffect>
+                                  </p:childTnLst>
+                                </p:cTn>
+                              </p:par>
+                            </p:childTnLst>
+                          </p:cTn>
+                        </p:par>
+                        <p:par>
+                          <p:cTn id="56" fill="hold">
+                            <p:stCondLst>
+                              <p:cond delay="1000"/>
+                            </p:stCondLst>
+                            <p:childTnLst>
+                              <p:par>
+                                <p:cTn id="57" presetID="10" presetClass="entr" presetSubtype="0" fill="hold" nodeType="afterEffect">
+                                  <p:stCondLst>
+                                    <p:cond delay="0"/>
+                                  </p:stCondLst>
+                                  <p:childTnLst>
+                                    <p:set>
+                                      <p:cBhvr>
+                                        <p:cTn id="58" dur="1" fill="hold">
+                                          <p:stCondLst>
+                                            <p:cond delay="0"/>
+                                          </p:stCondLst>
+                                        </p:cTn>
+                                        <p:tgtEl>
+                                          <p:spTgt spid="6"/>
+                                        </p:tgtEl>
+                                        <p:attrNameLst>
+                                          <p:attrName>style.visibility</p:attrName>
+                                        </p:attrNameLst>
+                                      </p:cBhvr>
+                                      <p:to>
+                                        <p:strVal val="visible"/>
+                                      </p:to>
+                                    </p:set>
+                                    <p:animEffect transition="in" filter="fade">
+                                      <p:cBhvr>
+                                        <p:cTn id="59" dur="500"/>
+                                        <p:tgtEl>
+                                          <p:spTgt spid="6"/>
+                                        </p:tgtEl>
+                                      </p:cBhvr>
+                                    </p:animEffect>
+                                  </p:childTnLst>
+                                </p:cTn>
+                              </p:par>
+                            </p:childTnLst>
+                          </p:cTn>
+                        </p:par>
+                        <p:par>
+                          <p:cTn id="60" fill="hold">
+                            <p:stCondLst>
+                              <p:cond delay="1500"/>
+                            </p:stCondLst>
+                            <p:childTnLst>
+                              <p:par>
+                                <p:cTn id="61" presetID="10" presetClass="entr" presetSubtype="0" fill="hold" grpId="0" nodeType="afterEffect">
+                                  <p:stCondLst>
+                                    <p:cond delay="0"/>
+                                  </p:stCondLst>
+                                  <p:childTnLst>
+                                    <p:set>
+                                      <p:cBhvr>
+                                        <p:cTn id="62" dur="1" fill="hold">
+                                          <p:stCondLst>
+                                            <p:cond delay="0"/>
+                                          </p:stCondLst>
+                                        </p:cTn>
+                                        <p:tgtEl>
+                                          <p:spTgt spid="7"/>
+                                        </p:tgtEl>
+                                        <p:attrNameLst>
+                                          <p:attrName>style.visibility</p:attrName>
+                                        </p:attrNameLst>
+                                      </p:cBhvr>
+                                      <p:to>
+                                        <p:strVal val="visible"/>
+                                      </p:to>
+                                    </p:set>
+                                    <p:animEffect transition="in" filter="fade">
+                                      <p:cBhvr>
+                                        <p:cTn id="63" dur="500"/>
+                                        <p:tgtEl>
+                                          <p:spTgt spid="7"/>
+                                        </p:tgtEl>
+                                      </p:cBhvr>
+                                    </p:animEffect>
+                                  </p:childTnLst>
+                                </p:cTn>
+                              </p:par>
+                            </p:childTnLst>
+                          </p:cTn>
+                        </p:par>
+                      </p:childTnLst>
+                    </p:cTn>
+                  </p:par>
+                </p:childTnLst>
+              </p:cTn>
+              <p:prevCondLst>
+                <p:cond evt="onPrev" delay="0">
+                  <p:tgtEl>
+                    <p:sldTgt/>
+                  </p:tgtEl>
+                </p:cond>
+              </p:prevCondLst>
+              <p:nextCondLst>
+                <p:cond evt="onNext" delay="0">
+                  <p:tgtEl>
+                    <p:sldTgt/>
+                  </p:tgtEl>
+                </p:cond>
+              </p:nextCondLst>
+            </p:seq>
+          </p:childTnLst>
+        </p:cTn>
+      </p:par>
+    </p:tnLst>
+    <p:bldLst>
+      <p:bldP spid="338" grpId="0" uiExpand="1" build="p"/>
+      <p:bldP spid="340" grpId="0"/>
+      <p:bldP spid="346" grpId="0"/>
+      <p:bldP spid="7" grpId="0" animBg="1"/>
+    </p:bldLst>
+  </p:timing>
 </p:sld>
 </file>
 
@@ -31803,13 +37169,13 @@
 <file path=ppt/tags/tag3.xml><?xml version="1.0" encoding="utf-8"?>
 <p:tagLst xmlns:a="http://schemas.openxmlformats.org/drawingml/2006/main" xmlns:r="http://schemas.openxmlformats.org/officeDocument/2006/relationships" xmlns:p="http://schemas.openxmlformats.org/presentationml/2006/main">
   <p:tag name="OUTPUTDPI" val="1200"/>
-  <p:tag name="ORIGINALHEIGHT" val="693.6633"/>
-  <p:tag name="ORIGINALWIDTH" val="2376.453"/>
+  <p:tag name="ORIGINALHEIGHT" val="1478.815"/>
+  <p:tag name="ORIGINALWIDTH" val="2023.997"/>
   <p:tag name="OUTPUTTYPE" val="PNG"/>
   <p:tag name="IGUANATEXVERSION" val="160"/>
-  <p:tag name="LATEXADDIN" val="\documentclass{article}&#10;\usepackage{bbm}&#10;\usepackage{bm}&#10;\usepackage{amsmath}&#10;\usepackage{amssymb}&#10;\pagestyle{empty}&#10;&#10;% --------------------------------&#10;%% Custom Math Commands&#10;% --------------------------------&#10;\newcommand{\abs}[1]{\mid #1 \mid}&#10;&#10;\newcommand{\bb}[1]{\mathbb{#1}}&#10;&#10;\newcommand{\LagDerivative}[2][t]{\frac{\operatorname{D} #2}{\operatorname{D} #1}}&#10;&#10;\newcommand{\PartialDerivative}[2][t]{\frac{\partial #2}{\partial #1}}&#10;&#10;\newcommand{\vect}[1]{\mathbf{#1}}&#10;&#10;\newcommand{\tensor}[1]{\underline{\bm{#1}}}&#10;&#10;\newcommand{\WIJ}{W_{h, ij}}&#10;&#10;\newcommand{\DWIJ}{\nabla_{i} W_{h, ij}}&#10;&#10;\newcommand{\VIJ}{\vect{v}_{ij}}&#10;&#10;\newcommand{\RIJ}{\vect{r}_{ij}}&#10;&#10;\newcommand{\RtwoIJ}[1][2]{\abs{\vect{r}_{ij}}^{#1}}&#10;&#10;\newcommand{\VtwoIJ}[1][2]{\abs{\vect{v}_{ij}}^{#1}}&#10;&#10;\newcommand{\MachineEpsilon}{\bm{\xi}}&#10;&#10;\newcommand{\EncAngBrk}[2][]{#1\langle #2 #1\rangle}&#10;&#10;\newcommand{\RAProp}[1]{\EncAngBrk{#1}}&#10;&#10;\newcommand{\FrobeniusInnerProduct}[2]{\EncAngBrk{\tensor{#1}, \tensor{#2}}}&#10;&#10;\newcommand{\FrobeniusNorm}[1]{||\tensor{#1}||_F}&#10;&#10;\newcommand{\BasisVect}[1][i]{\hat{\vect{e}}_{#1}}&#10;&#10;\newcommand{\HalfFrac}{\frac{1}{2}}&#10;&#10;\newcommand{\Vol}[1][V]{\mathcal{#1}}&#10;&#10;\newcommand{\Vorticity}{\bm{\omega}}&#10;&#10;\newcommand{\Boundary}{\bm{\Omega}}&#10;&#10;\newcommand{\WaveNumber}{\mathrm{k}}&#10;&#10;\newcommand{\WaveNumberVector}{\vect{k}}&#10;&#10;\newcommand{\TildeR}{\widetilde{\vect{r}}}&#10;&#10;\newcommand{\TildeV}{\widetilde{\vect{v}}}&#10;&#10;\newcommand{\TildeDeltaV}{\delta\TildeV}&#10;&#10;\newcommand{\TildeRho}{\widetilde{\rho}}&#10;&#10;\newcommand{\TildeP}{\widetilde{P}}&#10;&#10;\newcommand{\IntRThreeAndT}{\int_{\mathbb{R}^3}&#10;\int_{-\infty}^{\infty}}&#10;&#10;\newcommand{\SciNot}[3][10]{#2 \times {#1}^{#3}}&#10;&#10;\newcommand{\IntD}{d \tau d V_y}&#10;&#10;\newcommand{\TilePArgRp}{\TildeP(\TildeR_p, t)}&#10;&#10;\newcommand{\PhiRY}{\phi (\TildeR_p(t)-\vect{y}, t-\tau)}&#10;&#10;\newcommand{\PY}{P(\vect{y}, \tau)}&#10;&#10;\newcommand{\VY}{\vect{v}(\vect{y}, \tau)}&#10;&#10;\newcommand{\TildeVArgRp}{\TildeV (\TildeR_p, t)}&#10;&#10;% --------------------------------&#10;%% Equations&#10;% --------------------------------&#10;\begin{document}&#10;&#10;\begin{equation*}&#10;\LagDerivative{\overline{\rho}} = -\overline{\rho} \nabla \cdot \vect{\widetilde{v}}&#10;\end{equation*}&#10;&#10;\begin{equation*}&#10;\LagDerivative{\vect{\widetilde{v}}} = - \frac{1}{\overline{\rho}}\nabla \overline{P} + \frac{1}{\overline{\rho}} (\nabla \cdot \overline{\rho \nu} \nabla) \vect{\widetilde{v}} + \frac{1}{\overline{\rho}}\nabla\cdot\tensor{\tau} + \vect{F}&#10;\end{equation*}&#10;&#10;\end{document}"/>
-  <p:tag name="IGUANATEXSIZE" val="18.67"/>
-  <p:tag name="IGUANATEXCURSOR" val="2161"/>
+  <p:tag name="LATEXADDIN" val="\documentclass{article}&#10;\usepackage{bbm}&#10;\usepackage{bm}&#10;\usepackage{amsmath}&#10;\usepackage{amssymb}&#10;\pagestyle{empty}&#10;&#10;% --------------------------------&#10;%% Custom Math Commands&#10;% --------------------------------&#10;\newcommand{\abs}[1]{\mid #1 \mid}&#10;&#10;\newcommand{\bb}[1]{\mathbb{#1}}&#10;&#10;\newcommand{\LagDerivative}[2][t]{\frac{\operatorname{D} #2}{\operatorname{D} #1}}&#10;&#10;\newcommand{\PartialDerivative}[2][t]{\frac{\partial #2}{\partial #1}}&#10;&#10;\newcommand{\vect}[1]{\mathbf{#1}}&#10;&#10;\newcommand{\tensor}[1]{\underline{\bm{#1}}}&#10;&#10;\newcommand{\WIJ}{W_{h, ij}}&#10;&#10;\newcommand{\DWIJ}{\nabla_{i} W_{h, ij}}&#10;&#10;\newcommand{\VIJ}{\vect{v}_{ij}}&#10;&#10;\newcommand{\RIJ}{\vect{r}_{ij}}&#10;&#10;\newcommand{\RtwoIJ}[1][2]{\abs{\vect{r}_{ij}}^{#1}}&#10;&#10;\newcommand{\VtwoIJ}[1][2]{\abs{\vect{v}_{ij}}^{#1}}&#10;&#10;\newcommand{\MachineEpsilon}{\bm{\xi}}&#10;&#10;\newcommand{\EncAngBrk}[2][]{#1\langle #2 #1\rangle}&#10;&#10;\newcommand{\RAProp}[1]{\EncAngBrk{#1}}&#10;&#10;\newcommand{\FrobeniusInnerProduct}[2]{\EncAngBrk{\tensor{#1}, \tensor{#2}}}&#10;&#10;\newcommand{\FrobeniusNorm}[1]{||\tensor{#1}||_F}&#10;&#10;\newcommand{\BasisVect}[1][i]{\hat{\vect{e}}_{#1}}&#10;&#10;\newcommand{\HalfFrac}{\frac{1}{2}}&#10;&#10;\newcommand{\Vol}[1][V]{\mathcal{#1}}&#10;&#10;\newcommand{\Vorticity}{\bm{\omega}}&#10;&#10;\newcommand{\Boundary}{\bm{\Omega}}&#10;&#10;\newcommand{\WaveNumber}{\mathrm{k}}&#10;&#10;\newcommand{\WaveNumberVector}{\vect{k}}&#10;&#10;\newcommand{\TildeR}{\widetilde{\vect{r}}}&#10;&#10;\newcommand{\TildeV}{\widetilde{\vect{v}}}&#10;&#10;\newcommand{\TildeDeltaV}{\delta\TildeV}&#10;&#10;\newcommand{\TildeRho}{\widetilde{\rho}}&#10;&#10;\newcommand{\TildeP}{\widetilde{P}}&#10;&#10;\newcommand{\IntRThreeAndT}{\int_{\mathbb{R}^3}&#10;\int_{-\infty}^{\infty}}&#10;&#10;\newcommand{\SciNot}[3][10]{#2 \times {#1}^{#3}}&#10;&#10;\newcommand{\IntD}{d \tau d V_y}&#10;&#10;\newcommand{\TilePArgRp}{\TildeP(\TildeR_p, t)}&#10;&#10;\newcommand{\PhiRY}{\phi (\TildeR_p(t)-\vect{y}, t-\tau)}&#10;&#10;\newcommand{\PY}{P(\vect{y}, \tau)}&#10;&#10;\newcommand{\VY}{\vect{v}(\vect{y}, \tau)}&#10;&#10;\newcommand{\TildeVArgRp}{\TildeV (\TildeR_p, t)}&#10;&#10;% --------------------------------&#10;%% Equations&#10;% --------------------------------&#10;\begin{document}&#10;&#10;\begin{equation*}&#10;\LagDerivative{\vect{\overline{v}}} = -\frac{1}{\rho}\nabla \overline{P} + \nu \Delta ( \vect{\overline{v}} ) + \frac{1}{\rho}\nabla\cdot\tensor{\tau} + \vect{F}&#10;\end{equation*}&#10;&#10;\begin{equation*}&#10;\frac{1}{\rho} \tensor{\tau} = 2\nu_t \tensor{S} - \frac{2}{3}k\tensor{I}&#10;\end{equation*}&#10;&#10;\begin{equation*}&#10;\nu_t = \min(C_s \Delta x, \kappa d_{wall})^2 \sqrt{2 \FrobeniusInnerProduct{S}{S}}&#10;\end{equation*}&#10;&#10;\begin{equation*}&#10;\nabla \cdot \bigg( \frac{1}{\rho_*} \nabla \overline{P}_{t+1} \bigg) = \frac{\rho_o - \rho_*}{\rho_o \Delta t^2}&#10;\end{equation*}&#10;&#10;\end{document}"/>
+  <p:tag name="IGUANATEXSIZE" val="19"/>
+  <p:tag name="IGUANATEXCURSOR" val="2430"/>
   <p:tag name="TRANSPARENCY" val="True"/>
   <p:tag name="LATEXENGINEID" val="0"/>
   <p:tag name="TEMPFOLDER" val="C:\Users\prajw\Documents\temp\"/>
@@ -31823,13 +37189,13 @@
 <file path=ppt/tags/tag4.xml><?xml version="1.0" encoding="utf-8"?>
 <p:tagLst xmlns:a="http://schemas.openxmlformats.org/drawingml/2006/main" xmlns:r="http://schemas.openxmlformats.org/officeDocument/2006/relationships" xmlns:p="http://schemas.openxmlformats.org/presentationml/2006/main">
   <p:tag name="OUTPUTDPI" val="1200"/>
-  <p:tag name="ORIGINALHEIGHT" val="729.6588"/>
-  <p:tag name="ORIGINALWIDTH" val="3046.869"/>
+  <p:tag name="ORIGINALHEIGHT" val="1571.803"/>
+  <p:tag name="ORIGINALWIDTH" val="2376.453"/>
   <p:tag name="OUTPUTTYPE" val="PNG"/>
   <p:tag name="IGUANATEXVERSION" val="160"/>
-  <p:tag name="LATEXADDIN" val="\documentclass{article}&#10;\usepackage{bbm}&#10;\usepackage{bm}&#10;\usepackage{amsmath}&#10;\usepackage{amssymb}&#10;\pagestyle{empty}&#10;&#10;% --------------------------------&#10;%% Custom Math Commands&#10;% --------------------------------&#10;\newcommand{\abs}[1]{\mid #1 \mid}&#10;&#10;\newcommand{\bb}[1]{\mathbb{#1}}&#10;&#10;\newcommand{\LagDerivative}[2][t]{\frac{\operatorname{D} #2}{\operatorname{D} #1}}&#10;&#10;\newcommand{\PartialDerivative}[2][t]{\frac{\partial #2}{\partial #1}}&#10;&#10;\newcommand{\vect}[1]{\mathbf{#1}}&#10;&#10;\newcommand{\tensor}[1]{\underline{\bm{#1}}}&#10;&#10;\newcommand{\WIJ}{W_{h, ij}}&#10;&#10;\newcommand{\DWIJ}{\nabla_{i} W_{h, ij}}&#10;&#10;\newcommand{\VIJ}{\vect{v}_{ij}}&#10;&#10;\newcommand{\RIJ}{\vect{r}_{ij}}&#10;&#10;\newcommand{\RtwoIJ}[1][2]{\abs{\vect{r}_{ij}}^{#1}}&#10;&#10;\newcommand{\VtwoIJ}[1][2]{\abs{\vect{v}_{ij}}^{#1}}&#10;&#10;\newcommand{\MachineEpsilon}{\bm{\xi}}&#10;&#10;\newcommand{\EncAngBrk}[2][]{#1\langle #2 #1\rangle}&#10;&#10;\newcommand{\RAProp}[1]{\EncAngBrk{#1}}&#10;&#10;\newcommand{\FrobeniusInnerProduct}[2]{\EncAngBrk{\tensor{#1}, \tensor{#2}}}&#10;&#10;\newcommand{\FrobeniusNorm}[1]{||\tensor{#1}||_F}&#10;&#10;\newcommand{\BasisVect}[1][i]{\hat{\vect{e}}_{#1}}&#10;&#10;\newcommand{\HalfFrac}{\frac{1}{2}}&#10;&#10;\newcommand{\Vol}[1][V]{\mathcal{#1}}&#10;&#10;\newcommand{\Vorticity}{\bm{\omega}}&#10;&#10;\newcommand{\Boundary}{\bm{\Omega}}&#10;&#10;\newcommand{\WaveNumber}{\mathrm{k}}&#10;&#10;\newcommand{\WaveNumberVector}{\vect{k}}&#10;&#10;\newcommand{\TildeR}{\widetilde{\vect{r}}}&#10;&#10;\newcommand{\TildeV}{\widetilde{\vect{v}}}&#10;&#10;\newcommand{\TildeDeltaV}{\delta\TildeV}&#10;&#10;\newcommand{\TildeRho}{\widetilde{\rho}}&#10;&#10;\newcommand{\TildeP}{\widetilde{P}}&#10;&#10;\newcommand{\IntRThreeAndT}{\int_{\mathbb{R}^3}&#10;\int_{-\infty}^{\infty}}&#10;&#10;\newcommand{\SciNot}[3][10]{#2 \times {#1}^{#3}}&#10;&#10;\newcommand{\IntD}{d \tau d V_y}&#10;&#10;\newcommand{\TilePArgRp}{\TildeP(\TildeR_p, t)}&#10;&#10;\newcommand{\PhiRY}{\phi (\TildeR_p(t)-\vect{y}, t-\tau)}&#10;&#10;\newcommand{\PY}{P(\vect{y}, \tau)}&#10;&#10;\newcommand{\VY}{\vect{v}(\vect{y}, \tau)}&#10;&#10;\newcommand{\TildeVArgRp}{\TildeV (\TildeR_p, t)}&#10;&#10;% --------------------------------&#10;%% Equations&#10;% --------------------------------&#10;\begin{document}&#10;&#10;\begin{equation*}&#10;\nu_t = \rho (C_w \Delta x)^2 \frac{\FrobeniusInnerProduct{S^d}{S^d}^{3/2}}{\FrobeniusInnerProduct{S}{S}^{5/2} + \FrobeniusInnerProduct{S^d}{S^d}^{5/4}} \quad , \quad C_w=0.325&#10;\end{equation*}&#10;&#10;\begin{equation*}&#10;\tensor{S^d} = \HalfFrac \bigg( (\nabla \vect{v})^2 + \big((\nabla \vect{v})^T\big)^2 \bigg) - \frac{1}{3} \operatorname{tr}[(\nabla \vect{v})^2] \tensor{I}&#10;\end{equation*}&#10;&#10;\end{document}"/>
+  <p:tag name="LATEXADDIN" val="\documentclass{article}&#10;\usepackage{bbm}&#10;\usepackage{bm}&#10;\usepackage{amsmath}&#10;\usepackage{amssymb}&#10;\pagestyle{empty}&#10;&#10;% --------------------------------&#10;%% Custom Math Commands&#10;% --------------------------------&#10;\newcommand{\abs}[1]{\mid #1 \mid}&#10;&#10;\newcommand{\bb}[1]{\mathbb{#1}}&#10;&#10;\newcommand{\LagDerivative}[2][t]{\frac{\operatorname{D} #2}{\operatorname{D} #1}}&#10;&#10;\newcommand{\PartialDerivative}[2][t]{\frac{\partial #2}{\partial #1}}&#10;&#10;\newcommand{\vect}[1]{\mathbf{#1}}&#10;&#10;\newcommand{\tensor}[1]{\underline{\bm{#1}}}&#10;&#10;\newcommand{\WIJ}{W_{h, ij}}&#10;&#10;\newcommand{\DWIJ}{\nabla_{i} W_{h, ij}}&#10;&#10;\newcommand{\VIJ}{\vect{v}_{ij}}&#10;&#10;\newcommand{\RIJ}{\vect{r}_{ij}}&#10;&#10;\newcommand{\RtwoIJ}[1][2]{\abs{\vect{r}_{ij}}^{#1}}&#10;&#10;\newcommand{\VtwoIJ}[1][2]{\abs{\vect{v}_{ij}}^{#1}}&#10;&#10;\newcommand{\MachineEpsilon}{\bm{\xi}}&#10;&#10;\newcommand{\EncAngBrk}[2][]{#1\langle #2 #1\rangle}&#10;&#10;\newcommand{\RAProp}[1]{\EncAngBrk{#1}}&#10;&#10;\newcommand{\FrobeniusInnerProduct}[2]{\EncAngBrk{\tensor{#1}, \tensor{#2}}}&#10;&#10;\newcommand{\FrobeniusNorm}[1]{||\tensor{#1}||_F}&#10;&#10;\newcommand{\BasisVect}[1][i]{\hat{\vect{e}}_{#1}}&#10;&#10;\newcommand{\HalfFrac}{\frac{1}{2}}&#10;&#10;\newcommand{\Vol}[1][V]{\mathcal{#1}}&#10;&#10;\newcommand{\Vorticity}{\bm{\omega}}&#10;&#10;\newcommand{\Boundary}{\bm{\Omega}}&#10;&#10;\newcommand{\WaveNumber}{\mathrm{k}}&#10;&#10;\newcommand{\WaveNumberVector}{\vect{k}}&#10;&#10;\newcommand{\TildeR}{\widetilde{\vect{r}}}&#10;&#10;\newcommand{\TildeV}{\widetilde{\vect{v}}}&#10;&#10;\newcommand{\TildeDeltaV}{\delta\TildeV}&#10;&#10;\newcommand{\TildeRho}{\widetilde{\rho}}&#10;&#10;\newcommand{\TildeP}{\widetilde{P}}&#10;&#10;\newcommand{\IntRThreeAndT}{\int_{\mathbb{R}^3}&#10;\int_{-\infty}^{\infty}}&#10;&#10;\newcommand{\SciNot}[3][10]{#2 \times {#1}^{#3}}&#10;&#10;\newcommand{\IntD}{d \tau d V_y}&#10;&#10;\newcommand{\TilePArgRp}{\TildeP(\TildeR_p, t)}&#10;&#10;\newcommand{\PhiRY}{\phi (\TildeR_p(t)-\vect{y}, t-\tau)}&#10;&#10;\newcommand{\PY}{P(\vect{y}, \tau)}&#10;&#10;\newcommand{\VY}{\vect{v}(\vect{y}, \tau)}&#10;&#10;\newcommand{\TildeVArgRp}{\TildeV (\TildeR_p, t)}&#10;&#10;% --------------------------------&#10;%% Equations&#10;% --------------------------------&#10;\begin{document}&#10;&#10;\begin{equation*}&#10;\LagDerivative{\overline{\rho}} = -\overline{\rho} \nabla \cdot \vect{\widetilde{v}}&#10;\end{equation*}&#10;&#10;\begin{equation*}&#10;\LagDerivative{\vect{\widetilde{v}}} = - \frac{1}{\overline{\rho}}\nabla \overline{P} + \frac{1}{\overline{\rho}} (\nabla \cdot \overline{\rho \nu} \nabla) \vect{\widetilde{v}} + \frac{1}{\overline{\rho}}\nabla\cdot\tensor{\tau} + \vect{F}&#10;\end{equation*}&#10;&#10;\begin{equation*}&#10;\tensor{\tau} = \overline{\rho}\bigg(2\nu_t \tensor{S} - \frac{2}{3}\operatorname{tr}[\tensor{S}]\tensor{I}\bigg) - \frac{2}{3}\overline{\rho}C_I \overline{\Delta}^2 \tensor{I}&#10;\end{equation*}&#10;&#10;\begin{equation*}&#10;\rho_i = \frac{\sum_j \rho_j \WIJ \Vol_j}{\sum_j \WIJ \Vol_j}&#10;\end{equation*}&#10;&#10;\end{document}"/>
   <p:tag name="IGUANATEXSIZE" val="18.67"/>
-  <p:tag name="IGUANATEXCURSOR" val="2409"/>
+  <p:tag name="IGUANATEXCURSOR" val="2612"/>
   <p:tag name="TRANSPARENCY" val="True"/>
   <p:tag name="LATEXENGINEID" val="0"/>
   <p:tag name="TEMPFOLDER" val="C:\Users\prajw\Documents\temp\"/>
@@ -31841,6 +37207,26 @@
 </file>
 
 <file path=ppt/tags/tag5.xml><?xml version="1.0" encoding="utf-8"?>
+<p:tagLst xmlns:a="http://schemas.openxmlformats.org/drawingml/2006/main" xmlns:r="http://schemas.openxmlformats.org/officeDocument/2006/relationships" xmlns:p="http://schemas.openxmlformats.org/presentationml/2006/main">
+  <p:tag name="OUTPUTDPI" val="1200"/>
+  <p:tag name="ORIGINALHEIGHT" val="729.6588"/>
+  <p:tag name="ORIGINALWIDTH" val="2451.443"/>
+  <p:tag name="OUTPUTTYPE" val="PNG"/>
+  <p:tag name="IGUANATEXVERSION" val="160"/>
+  <p:tag name="LATEXADDIN" val="\documentclass{article}&#10;\usepackage{bbm}&#10;\usepackage{bm}&#10;\usepackage{amsmath}&#10;\usepackage{amssymb}&#10;\pagestyle{empty}&#10;&#10;% --------------------------------&#10;%% Custom Math Commands&#10;% --------------------------------&#10;\newcommand{\abs}[1]{\mid #1 \mid}&#10;&#10;\newcommand{\bb}[1]{\mathbb{#1}}&#10;&#10;\newcommand{\LagDerivative}[2][t]{\frac{\operatorname{D} #2}{\operatorname{D} #1}}&#10;&#10;\newcommand{\PartialDerivative}[2][t]{\frac{\partial #2}{\partial #1}}&#10;&#10;\newcommand{\vect}[1]{\mathbf{#1}}&#10;&#10;\newcommand{\tensor}[1]{\underline{\bm{#1}}}&#10;&#10;\newcommand{\WIJ}{W_{h, ij}}&#10;&#10;\newcommand{\DWIJ}{\nabla_{i} W_{h, ij}}&#10;&#10;\newcommand{\VIJ}{\vect{v}_{ij}}&#10;&#10;\newcommand{\RIJ}{\vect{r}_{ij}}&#10;&#10;\newcommand{\RtwoIJ}[1][2]{\abs{\vect{r}_{ij}}^{#1}}&#10;&#10;\newcommand{\VtwoIJ}[1][2]{\abs{\vect{v}_{ij}}^{#1}}&#10;&#10;\newcommand{\MachineEpsilon}{\bm{\xi}}&#10;&#10;\newcommand{\EncAngBrk}[2][]{#1\langle #2 #1\rangle}&#10;&#10;\newcommand{\RAProp}[1]{\EncAngBrk{#1}}&#10;&#10;\newcommand{\FrobeniusInnerProduct}[2]{\EncAngBrk{\tensor{#1}, \tensor{#2}}}&#10;&#10;\newcommand{\FrobeniusNorm}[1]{||\tensor{#1}||_F}&#10;&#10;\newcommand{\BasisVect}[1][i]{\hat{\vect{e}}_{#1}}&#10;&#10;\newcommand{\HalfFrac}{\frac{1}{2}}&#10;&#10;\newcommand{\Vol}[1][V]{\mathcal{#1}}&#10;&#10;\newcommand{\Vorticity}{\bm{\omega}}&#10;&#10;\newcommand{\Boundary}{\bm{\Omega}}&#10;&#10;\newcommand{\WaveNumber}{\mathrm{k}}&#10;&#10;\newcommand{\WaveNumberVector}{\vect{k}}&#10;&#10;\newcommand{\TildeR}{\widetilde{\vect{r}}}&#10;&#10;\newcommand{\TildeV}{\widetilde{\vect{v}}}&#10;&#10;\newcommand{\TildeDeltaV}{\delta\TildeV}&#10;&#10;\newcommand{\TildeRho}{\widetilde{\rho}}&#10;&#10;\newcommand{\TildeP}{\widetilde{P}}&#10;&#10;\newcommand{\IntRThreeAndT}{\int_{\mathbb{R}^3}&#10;\int_{-\infty}^{\infty}}&#10;&#10;\newcommand{\SciNot}[3][10]{#2 \times {#1}^{#3}}&#10;&#10;\newcommand{\IntD}{d \tau d V_y}&#10;&#10;\newcommand{\TilePArgRp}{\TildeP(\TildeR_p, t)}&#10;&#10;\newcommand{\PhiRY}{\phi (\TildeR_p(t)-\vect{y}, t-\tau)}&#10;&#10;\newcommand{\PY}{P(\vect{y}, \tau)}&#10;&#10;\newcommand{\VY}{\vect{v}(\vect{y}, \tau)}&#10;&#10;\newcommand{\TildeVArgRp}{\TildeV (\TildeR_p, t)}&#10;&#10;% --------------------------------&#10;%% Equations&#10;% --------------------------------&#10;\begin{document}&#10;&#10;\begin{equation*}&#10;\nu_t = \rho (C_w \Delta x)^2 \frac{\FrobeniusInnerProduct{S^d}{S^d}^{3/2}}{\FrobeniusInnerProduct{S}{S}^{5/2} + \FrobeniusInnerProduct{S^d}{S^d}^{5/4}}&#10;\end{equation*}&#10;&#10;\begin{equation*}&#10;\tensor{S^d} = \HalfFrac \bigg( (\nabla \vect{v})^2 + \big((\nabla \vect{v})^T\big)^2 \bigg) - \frac{1}{3} \operatorname{tr}[(\nabla \vect{v})^2] \tensor{I}&#10;\end{equation*}&#10;&#10;\end{document}"/>
+  <p:tag name="IGUANATEXSIZE" val="18.67"/>
+  <p:tag name="IGUANATEXCURSOR" val="2193"/>
+  <p:tag name="TRANSPARENCY" val="True"/>
+  <p:tag name="LATEXENGINEID" val="0"/>
+  <p:tag name="TEMPFOLDER" val="C:\Users\prajw\Documents\temp\"/>
+  <p:tag name="LATEXFORMHEIGHT" val="320"/>
+  <p:tag name="LATEXFORMWIDTH" val="385"/>
+  <p:tag name="LATEXFORMWRAP" val="True"/>
+  <p:tag name="BITMAPVECTOR" val="0"/>
+</p:tagLst>
+</file>
+
+<file path=ppt/tags/tag6.xml><?xml version="1.0" encoding="utf-8"?>
 <p:tagLst xmlns:a="http://schemas.openxmlformats.org/drawingml/2006/main" xmlns:r="http://schemas.openxmlformats.org/officeDocument/2006/relationships" xmlns:p="http://schemas.openxmlformats.org/presentationml/2006/main">
   <p:tag name="OUTPUTDPI" val="1200"/>
   <p:tag name="ORIGINALHEIGHT" val="303.712"/>
@@ -31860,7 +37246,7 @@
 </p:tagLst>
 </file>
 
-<file path=ppt/tags/tag6.xml><?xml version="1.0" encoding="utf-8"?>
+<file path=ppt/tags/tag7.xml><?xml version="1.0" encoding="utf-8"?>
 <p:tagLst xmlns:a="http://schemas.openxmlformats.org/drawingml/2006/main" xmlns:r="http://schemas.openxmlformats.org/officeDocument/2006/relationships" xmlns:p="http://schemas.openxmlformats.org/presentationml/2006/main">
   <p:tag name="OUTPUTDPI" val="1200"/>
   <p:tag name="ORIGINALHEIGHT" val="1381.327"/>
